--- a/Documents/JobZoom.pptx
+++ b/Documents/JobZoom.pptx
@@ -7,15 +7,18 @@
     <p:sldMasterId id="2147483683" r:id="rId3"/>
   </p:sldMasterIdLst>
   <p:notesMasterIdLst>
-    <p:notesMasterId r:id="rId10"/>
+    <p:notesMasterId r:id="rId13"/>
   </p:notesMasterIdLst>
   <p:sldIdLst>
     <p:sldId id="256" r:id="rId4"/>
-    <p:sldId id="262" r:id="rId5"/>
-    <p:sldId id="260" r:id="rId6"/>
-    <p:sldId id="261" r:id="rId7"/>
-    <p:sldId id="258" r:id="rId8"/>
-    <p:sldId id="259" r:id="rId9"/>
+    <p:sldId id="263" r:id="rId5"/>
+    <p:sldId id="264" r:id="rId6"/>
+    <p:sldId id="265" r:id="rId7"/>
+    <p:sldId id="262" r:id="rId8"/>
+    <p:sldId id="260" r:id="rId9"/>
+    <p:sldId id="261" r:id="rId10"/>
+    <p:sldId id="258" r:id="rId11"/>
+    <p:sldId id="259" r:id="rId12"/>
   </p:sldIdLst>
   <p:sldSz cx="9144000" cy="6858000" type="screen4x3"/>
   <p:notesSz cx="6858000" cy="9144000"/>
@@ -12405,22 +12408,154 @@
       </p:grpSpPr>
       <p:sp>
         <p:nvSpPr>
-          <p:cNvPr id="2" name="Title 1"/>
-          <p:cNvSpPr>
-            <a:spLocks noGrp="1"/>
-          </p:cNvSpPr>
-          <p:nvPr>
-            <p:ph type="title"/>
-          </p:nvPr>
-        </p:nvSpPr>
-        <p:spPr/>
-        <p:txBody>
-          <a:bodyPr/>
+          <p:cNvPr id="6" name="TextBox 5"/>
+          <p:cNvSpPr txBox="1"/>
+          <p:nvPr/>
+        </p:nvSpPr>
+        <p:spPr>
+          <a:xfrm>
+            <a:off x="5213159" y="152400"/>
+            <a:ext cx="3930842" cy="5078313"/>
+          </a:xfrm>
+          <a:prstGeom prst="rect">
+            <a:avLst/>
+          </a:prstGeom>
+          <a:noFill/>
+        </p:spPr>
+        <p:txBody>
+          <a:bodyPr wrap="square" rtlCol="0">
+            <a:spAutoFit/>
+          </a:bodyPr>
           <a:lstStyle/>
           <a:p>
             <a:r>
+              <a:rPr lang="en-US" u="sng" dirty="0" err="1" smtClean="0"/>
+              <a:t>Ví</a:t>
+            </a:r>
+            <a:r>
+              <a:rPr lang="en-US" u="sng" dirty="0" smtClean="0"/>
+              <a:t> </a:t>
+            </a:r>
+            <a:r>
+              <a:rPr lang="en-US" u="sng" dirty="0" err="1" smtClean="0"/>
+              <a:t>dụ</a:t>
+            </a:r>
+            <a:r>
+              <a:rPr lang="en-US" u="sng" dirty="0" smtClean="0"/>
+              <a:t>: </a:t>
+            </a:r>
+            <a:r>
+              <a:rPr lang="en-US" u="sng" dirty="0" err="1" smtClean="0"/>
+              <a:t>Mô</a:t>
+            </a:r>
+            <a:r>
+              <a:rPr lang="en-US" u="sng" dirty="0" smtClean="0"/>
+              <a:t> </a:t>
+            </a:r>
+            <a:r>
+              <a:rPr lang="en-US" u="sng" dirty="0" err="1" smtClean="0"/>
+              <a:t>tả</a:t>
+            </a:r>
+            <a:r>
+              <a:rPr lang="en-US" u="sng" dirty="0" smtClean="0"/>
+              <a:t> Job Description </a:t>
+            </a:r>
+            <a:r>
+              <a:rPr lang="en-US" u="sng" dirty="0" err="1" smtClean="0"/>
+              <a:t>dành</a:t>
+            </a:r>
+            <a:r>
+              <a:rPr lang="en-US" u="sng" dirty="0" smtClean="0"/>
+              <a:t> </a:t>
+            </a:r>
+            <a:r>
+              <a:rPr lang="en-US" u="sng" dirty="0" err="1" smtClean="0"/>
+              <a:t>cho</a:t>
+            </a:r>
+            <a:r>
+              <a:rPr lang="en-US" u="sng" dirty="0" smtClean="0"/>
+              <a:t> &lt;</a:t>
+            </a:r>
+            <a:r>
+              <a:rPr lang="en-US" u="sng" dirty="0" err="1" smtClean="0"/>
+              <a:t>doanh</a:t>
+            </a:r>
+            <a:r>
+              <a:rPr lang="en-US" u="sng" dirty="0" smtClean="0"/>
+              <a:t> </a:t>
+            </a:r>
+            <a:r>
+              <a:rPr lang="en-US" u="sng" dirty="0" err="1" smtClean="0"/>
+              <a:t>nghiệp</a:t>
+            </a:r>
+            <a:r>
+              <a:rPr lang="en-US" u="sng" dirty="0" smtClean="0"/>
+              <a:t>&gt;</a:t>
+            </a:r>
+          </a:p>
+          <a:p>
+            <a:endParaRPr lang="en-US" u="sng" dirty="0" smtClean="0"/>
+          </a:p>
+          <a:p>
+            <a:r>
+              <a:rPr lang="en-US" b="1" u="sng" dirty="0" smtClean="0">
+                <a:solidFill>
+                  <a:srgbClr val="0070C0"/>
+                </a:solidFill>
+              </a:rPr>
+              <a:t>1. </a:t>
+            </a:r>
+            <a:r>
+              <a:rPr lang="en-US" b="1" u="sng" dirty="0" err="1" smtClean="0">
+                <a:solidFill>
+                  <a:srgbClr val="0070C0"/>
+                </a:solidFill>
+              </a:rPr>
+              <a:t>Tập</a:t>
+            </a:r>
+            <a:r>
+              <a:rPr lang="en-US" b="1" u="sng" dirty="0" smtClean="0">
+                <a:solidFill>
+                  <a:srgbClr val="0070C0"/>
+                </a:solidFill>
+              </a:rPr>
+              <a:t> attribute:</a:t>
+            </a:r>
+          </a:p>
+          <a:p>
+            <a:pPr marL="285750" indent="-285750">
+              <a:buFont typeface="Arial" pitchFamily="34" charset="0"/>
+              <a:buChar char="•"/>
+            </a:pPr>
+            <a:r>
               <a:rPr lang="en-US" dirty="0" err="1" smtClean="0"/>
-              <a:t>Mô</a:t>
+              <a:t>Tập</a:t>
+            </a:r>
+            <a:r>
+              <a:rPr lang="en-US" dirty="0" smtClean="0"/>
+              <a:t> attributes (Title, Code, Level, Type, Range, Place, Category, Description, Requirement)</a:t>
+            </a:r>
+          </a:p>
+          <a:p>
+            <a:pPr marL="285750" indent="-285750">
+              <a:buFont typeface="Arial" pitchFamily="34" charset="0"/>
+              <a:buChar char="•"/>
+            </a:pPr>
+            <a:r>
+              <a:rPr lang="en-US" dirty="0" smtClean="0"/>
+              <a:t>-&gt; </a:t>
+            </a:r>
+            <a:r>
+              <a:rPr lang="en-US" dirty="0" err="1" smtClean="0"/>
+              <a:t>Tập</a:t>
+            </a:r>
+            <a:r>
+              <a:rPr lang="en-US" dirty="0" smtClean="0"/>
+              <a:t> attribute </a:t>
+            </a:r>
+            <a:r>
+              <a:rPr lang="en-US" dirty="0" err="1" smtClean="0"/>
+              <a:t>đơn</a:t>
             </a:r>
             <a:r>
               <a:rPr lang="en-US" dirty="0" smtClean="0"/>
@@ -12428,7 +12563,18 @@
             </a:r>
             <a:r>
               <a:rPr lang="en-US" dirty="0" err="1" smtClean="0"/>
-              <a:t>tả</a:t>
+              <a:t>giản</a:t>
+            </a:r>
+            <a:endParaRPr lang="en-US" dirty="0" smtClean="0"/>
+          </a:p>
+          <a:p>
+            <a:pPr marL="285750" indent="-285750">
+              <a:buFont typeface="Arial" pitchFamily="34" charset="0"/>
+              <a:buChar char="•"/>
+            </a:pPr>
+            <a:r>
+              <a:rPr lang="en-US" dirty="0" err="1" smtClean="0"/>
+              <a:t>Cố</a:t>
             </a:r>
             <a:r>
               <a:rPr lang="en-US" dirty="0" smtClean="0"/>
@@ -12436,7 +12582,15 @@
             </a:r>
             <a:r>
               <a:rPr lang="en-US" dirty="0" err="1" smtClean="0"/>
-              <a:t>bài</a:t>
+              <a:t>định</a:t>
+            </a:r>
+            <a:r>
+              <a:rPr lang="en-US" dirty="0" smtClean="0"/>
+              <a:t>, </a:t>
+            </a:r>
+            <a:r>
+              <a:rPr lang="en-US" dirty="0" err="1" smtClean="0"/>
+              <a:t>dùng</a:t>
             </a:r>
             <a:r>
               <a:rPr lang="en-US" dirty="0" smtClean="0"/>
@@ -12444,401 +12598,363 @@
             </a:r>
             <a:r>
               <a:rPr lang="en-US" dirty="0" err="1" smtClean="0"/>
-              <a:t>toán</a:t>
-            </a:r>
+              <a:t>chung</a:t>
+            </a:r>
+            <a:r>
+              <a:rPr lang="en-US" dirty="0" smtClean="0"/>
+              <a:t> </a:t>
+            </a:r>
+            <a:r>
+              <a:rPr lang="en-US" dirty="0" err="1" smtClean="0"/>
+              <a:t>cho</a:t>
+            </a:r>
+            <a:r>
+              <a:rPr lang="en-US" dirty="0" smtClean="0"/>
+              <a:t> </a:t>
+            </a:r>
+            <a:r>
+              <a:rPr lang="en-US" dirty="0" err="1" smtClean="0"/>
+              <a:t>tất</a:t>
+            </a:r>
+            <a:r>
+              <a:rPr lang="en-US" dirty="0" smtClean="0"/>
+              <a:t> </a:t>
+            </a:r>
+            <a:r>
+              <a:rPr lang="en-US" dirty="0" err="1" smtClean="0"/>
+              <a:t>cả</a:t>
+            </a:r>
+            <a:r>
+              <a:rPr lang="en-US" dirty="0" smtClean="0"/>
+              <a:t> </a:t>
+            </a:r>
+            <a:r>
+              <a:rPr lang="en-US" dirty="0" err="1" smtClean="0"/>
+              <a:t>ngành</a:t>
+            </a:r>
+            <a:r>
+              <a:rPr lang="en-US" dirty="0" smtClean="0"/>
+              <a:t> </a:t>
+            </a:r>
+            <a:r>
+              <a:rPr lang="en-US" dirty="0" err="1" smtClean="0"/>
+              <a:t>nghề</a:t>
+            </a:r>
+            <a:r>
+              <a:rPr lang="en-US" dirty="0" smtClean="0"/>
+              <a:t>, </a:t>
+            </a:r>
+            <a:r>
+              <a:rPr lang="en-US" dirty="0" err="1" smtClean="0"/>
+              <a:t>công</a:t>
+            </a:r>
+            <a:r>
+              <a:rPr lang="en-US" dirty="0" smtClean="0"/>
+              <a:t> </a:t>
+            </a:r>
+            <a:r>
+              <a:rPr lang="en-US" dirty="0" err="1" smtClean="0"/>
+              <a:t>việc</a:t>
+            </a:r>
+            <a:r>
+              <a:rPr lang="en-US" dirty="0" smtClean="0"/>
+              <a:t>.</a:t>
+            </a:r>
+          </a:p>
+          <a:p>
+            <a:pPr marL="285750" indent="-285750">
+              <a:buFont typeface="Arial" pitchFamily="34" charset="0"/>
+              <a:buChar char="•"/>
+            </a:pPr>
+            <a:endParaRPr lang="en-US" dirty="0" smtClean="0"/>
+          </a:p>
+          <a:p>
+            <a:pPr marL="285750" indent="-285750">
+              <a:buFont typeface="Arial" pitchFamily="34" charset="0"/>
+              <a:buChar char="•"/>
+            </a:pPr>
             <a:endParaRPr lang="en-US" dirty="0"/>
           </a:p>
-        </p:txBody>
-      </p:sp>
-      <p:sp>
-        <p:nvSpPr>
-          <p:cNvPr id="3" name="Content Placeholder 2"/>
-          <p:cNvSpPr>
-            <a:spLocks noGrp="1"/>
-          </p:cNvSpPr>
-          <p:nvPr>
-            <p:ph idx="1"/>
-          </p:nvPr>
-        </p:nvSpPr>
+          <a:p>
+            <a:r>
+              <a:rPr lang="en-US" b="1" u="sng" dirty="0" smtClean="0">
+                <a:solidFill>
+                  <a:srgbClr val="0070C0"/>
+                </a:solidFill>
+              </a:rPr>
+              <a:t>2. Job </a:t>
+            </a:r>
+            <a:r>
+              <a:rPr lang="en-US" b="1" u="sng" dirty="0" err="1" smtClean="0">
+                <a:solidFill>
+                  <a:srgbClr val="0070C0"/>
+                </a:solidFill>
+              </a:rPr>
+              <a:t>desciption</a:t>
+            </a:r>
+            <a:r>
+              <a:rPr lang="en-US" b="1" u="sng" dirty="0" smtClean="0">
+                <a:solidFill>
+                  <a:srgbClr val="0070C0"/>
+                </a:solidFill>
+              </a:rPr>
+              <a:t>, requirement </a:t>
+            </a:r>
+            <a:r>
+              <a:rPr lang="en-US" b="1" u="sng" dirty="0" err="1" smtClean="0">
+                <a:solidFill>
+                  <a:srgbClr val="0070C0"/>
+                </a:solidFill>
+              </a:rPr>
+              <a:t>sử</a:t>
+            </a:r>
+            <a:r>
+              <a:rPr lang="en-US" b="1" u="sng" dirty="0" smtClean="0">
+                <a:solidFill>
+                  <a:srgbClr val="0070C0"/>
+                </a:solidFill>
+              </a:rPr>
+              <a:t> </a:t>
+            </a:r>
+            <a:r>
+              <a:rPr lang="en-US" b="1" u="sng" dirty="0" err="1" smtClean="0">
+                <a:solidFill>
+                  <a:srgbClr val="0070C0"/>
+                </a:solidFill>
+              </a:rPr>
+              <a:t>dụng</a:t>
+            </a:r>
+            <a:r>
+              <a:rPr lang="en-US" b="1" u="sng" dirty="0" smtClean="0">
+                <a:solidFill>
+                  <a:srgbClr val="0070C0"/>
+                </a:solidFill>
+              </a:rPr>
+              <a:t> text </a:t>
+            </a:r>
+            <a:r>
+              <a:rPr lang="en-US" b="1" u="sng" dirty="0" err="1" smtClean="0">
+                <a:solidFill>
+                  <a:srgbClr val="0070C0"/>
+                </a:solidFill>
+              </a:rPr>
+              <a:t>thô</a:t>
+            </a:r>
+            <a:r>
+              <a:rPr lang="en-US" b="1" u="sng" dirty="0" smtClean="0">
+                <a:solidFill>
+                  <a:srgbClr val="0070C0"/>
+                </a:solidFill>
+              </a:rPr>
+              <a:t>:</a:t>
+            </a:r>
+          </a:p>
+          <a:p>
+            <a:pPr marL="285750" indent="-285750">
+              <a:buFont typeface="Arial" pitchFamily="34" charset="0"/>
+              <a:buChar char="•"/>
+            </a:pPr>
+            <a:r>
+              <a:rPr lang="en-US" dirty="0" err="1" smtClean="0"/>
+              <a:t>Chưa</a:t>
+            </a:r>
+            <a:r>
+              <a:rPr lang="en-US" dirty="0" smtClean="0"/>
+              <a:t> </a:t>
+            </a:r>
+            <a:r>
+              <a:rPr lang="en-US" dirty="0" err="1" smtClean="0"/>
+              <a:t>sử</a:t>
+            </a:r>
+            <a:r>
+              <a:rPr lang="en-US" dirty="0" smtClean="0"/>
+              <a:t> </a:t>
+            </a:r>
+            <a:r>
+              <a:rPr lang="en-US" dirty="0" err="1" smtClean="0"/>
+              <a:t>dụng</a:t>
+            </a:r>
+            <a:r>
+              <a:rPr lang="en-US" dirty="0" smtClean="0"/>
+              <a:t> </a:t>
+            </a:r>
+            <a:r>
+              <a:rPr lang="en-US" dirty="0" err="1" smtClean="0"/>
+              <a:t>tập</a:t>
+            </a:r>
+            <a:r>
+              <a:rPr lang="en-US" dirty="0" smtClean="0"/>
+              <a:t> attribute </a:t>
+            </a:r>
+            <a:r>
+              <a:rPr lang="en-US" dirty="0" err="1" smtClean="0"/>
+              <a:t>đa</a:t>
+            </a:r>
+            <a:r>
+              <a:rPr lang="en-US" dirty="0" smtClean="0"/>
+              <a:t> </a:t>
+            </a:r>
+            <a:r>
+              <a:rPr lang="en-US" dirty="0" err="1" smtClean="0"/>
+              <a:t>dạng</a:t>
+            </a:r>
+            <a:r>
+              <a:rPr lang="en-US" dirty="0" smtClean="0"/>
+              <a:t> </a:t>
+            </a:r>
+            <a:r>
+              <a:rPr lang="en-US" dirty="0" err="1" smtClean="0"/>
+              <a:t>của</a:t>
+            </a:r>
+            <a:r>
+              <a:rPr lang="en-US" dirty="0" smtClean="0"/>
+              <a:t> description, requirement</a:t>
+            </a:r>
+            <a:r>
+              <a:rPr lang="en-US" dirty="0"/>
+              <a:t> </a:t>
+            </a:r>
+            <a:r>
+              <a:rPr lang="en-US" dirty="0" err="1" smtClean="0"/>
+              <a:t>phù</a:t>
+            </a:r>
+            <a:r>
+              <a:rPr lang="en-US" dirty="0" smtClean="0"/>
+              <a:t> </a:t>
+            </a:r>
+            <a:r>
+              <a:rPr lang="en-US" dirty="0" err="1" smtClean="0"/>
+              <a:t>hợp</a:t>
+            </a:r>
+            <a:r>
+              <a:rPr lang="en-US" dirty="0" smtClean="0"/>
+              <a:t> </a:t>
+            </a:r>
+            <a:r>
+              <a:rPr lang="en-US" dirty="0" err="1" smtClean="0"/>
+              <a:t>với</a:t>
+            </a:r>
+            <a:r>
+              <a:rPr lang="en-US" dirty="0" smtClean="0"/>
+              <a:t> </a:t>
+            </a:r>
+            <a:r>
+              <a:rPr lang="en-US" dirty="0" err="1" smtClean="0"/>
+              <a:t>ngành</a:t>
+            </a:r>
+            <a:r>
+              <a:rPr lang="en-US" dirty="0" smtClean="0"/>
+              <a:t> </a:t>
+            </a:r>
+            <a:r>
+              <a:rPr lang="en-US" dirty="0" err="1" smtClean="0"/>
+              <a:t>nghề</a:t>
+            </a:r>
+            <a:r>
+              <a:rPr lang="en-US" dirty="0" smtClean="0"/>
+              <a:t> </a:t>
+            </a:r>
+            <a:r>
+              <a:rPr lang="en-US" dirty="0" err="1" smtClean="0"/>
+              <a:t>riêng</a:t>
+            </a:r>
+            <a:r>
+              <a:rPr lang="en-US" dirty="0" smtClean="0"/>
+              <a:t>.</a:t>
+            </a:r>
+          </a:p>
+          <a:p>
+            <a:pPr marL="285750" indent="-285750">
+              <a:buFont typeface="Arial" pitchFamily="34" charset="0"/>
+              <a:buChar char="•"/>
+            </a:pPr>
+            <a:endParaRPr lang="en-US" dirty="0" smtClean="0"/>
+          </a:p>
+        </p:txBody>
+      </p:sp>
+      <p:pic>
+        <p:nvPicPr>
+          <p:cNvPr id="7" name="Picture 6"/>
+          <p:cNvPicPr>
+            <a:picLocks noChangeAspect="1"/>
+          </p:cNvPicPr>
+          <p:nvPr/>
+        </p:nvPicPr>
+        <p:blipFill>
+          <a:blip r:embed="rId2">
+            <a:extLst>
+              <a:ext uri="{28A0092B-C50C-407E-A947-70E740481C1C}">
+                <a14:useLocalDpi xmlns:a14="http://schemas.microsoft.com/office/drawing/2010/main" val="0"/>
+              </a:ext>
+            </a:extLst>
+          </a:blip>
+          <a:stretch>
+            <a:fillRect/>
+          </a:stretch>
+        </p:blipFill>
         <p:spPr>
           <a:xfrm>
-            <a:off x="457200" y="914400"/>
-            <a:ext cx="8229600" cy="5943600"/>
+            <a:off x="0" y="-304800"/>
+            <a:ext cx="5213159" cy="6858000"/>
           </a:xfrm>
+          <a:prstGeom prst="rect">
+            <a:avLst/>
+          </a:prstGeom>
+          <a:ln w="3175">
+            <a:solidFill>
+              <a:schemeClr val="tx1"/>
+            </a:solidFill>
+          </a:ln>
         </p:spPr>
-        <p:txBody>
-          <a:bodyPr/>
-          <a:lstStyle/>
-          <a:p>
-            <a:pPr marL="0" indent="0">
-              <a:buNone/>
-            </a:pPr>
-            <a:r>
-              <a:rPr lang="en-US" u="sng" dirty="0" err="1" smtClean="0"/>
-              <a:t>Bài</a:t>
-            </a:r>
-            <a:r>
-              <a:rPr lang="en-US" u="sng" dirty="0" smtClean="0"/>
-              <a:t> </a:t>
-            </a:r>
-            <a:r>
-              <a:rPr lang="en-US" u="sng" dirty="0" err="1" smtClean="0"/>
-              <a:t>toán</a:t>
-            </a:r>
-            <a:r>
-              <a:rPr lang="en-US" u="sng" dirty="0" smtClean="0"/>
-              <a:t> 1:</a:t>
-            </a:r>
-          </a:p>
-          <a:p>
-            <a:r>
-              <a:rPr lang="en-US" dirty="0" err="1" smtClean="0"/>
-              <a:t>Các</a:t>
-            </a:r>
-            <a:r>
-              <a:rPr lang="en-US" dirty="0" smtClean="0"/>
-              <a:t> </a:t>
-            </a:r>
-            <a:r>
-              <a:rPr lang="en-US" dirty="0" err="1" smtClean="0"/>
-              <a:t>hệ</a:t>
-            </a:r>
-            <a:r>
-              <a:rPr lang="en-US" dirty="0" smtClean="0"/>
-              <a:t> </a:t>
-            </a:r>
-            <a:r>
-              <a:rPr lang="en-US" dirty="0" err="1" smtClean="0"/>
-              <a:t>thống</a:t>
-            </a:r>
-            <a:r>
-              <a:rPr lang="en-US" dirty="0" smtClean="0"/>
-              <a:t> </a:t>
-            </a:r>
-            <a:r>
-              <a:rPr lang="en-US" dirty="0" err="1" smtClean="0"/>
-              <a:t>tìm</a:t>
-            </a:r>
-            <a:r>
-              <a:rPr lang="en-US" dirty="0" smtClean="0"/>
-              <a:t> </a:t>
-            </a:r>
-            <a:r>
-              <a:rPr lang="en-US" dirty="0" err="1" smtClean="0"/>
-              <a:t>kiếm</a:t>
-            </a:r>
-            <a:r>
-              <a:rPr lang="en-US" dirty="0" smtClean="0"/>
-              <a:t> </a:t>
-            </a:r>
-            <a:r>
-              <a:rPr lang="en-US" dirty="0" err="1" smtClean="0"/>
-              <a:t>việc</a:t>
-            </a:r>
-            <a:r>
-              <a:rPr lang="en-US" dirty="0" smtClean="0"/>
-              <a:t> </a:t>
-            </a:r>
-            <a:r>
-              <a:rPr lang="en-US" dirty="0" err="1" smtClean="0"/>
-              <a:t>làm</a:t>
-            </a:r>
-            <a:r>
-              <a:rPr lang="en-US" dirty="0" smtClean="0"/>
-              <a:t> </a:t>
-            </a:r>
-            <a:r>
-              <a:rPr lang="en-US" dirty="0" err="1" smtClean="0"/>
-              <a:t>hiện</a:t>
-            </a:r>
-            <a:r>
-              <a:rPr lang="en-US" dirty="0" smtClean="0"/>
-              <a:t> nay:</a:t>
-            </a:r>
-          </a:p>
-          <a:p>
-            <a:pPr lvl="1"/>
-            <a:r>
-              <a:rPr lang="en-US" dirty="0" err="1" smtClean="0"/>
-              <a:t>Mô</a:t>
-            </a:r>
-            <a:r>
-              <a:rPr lang="en-US" dirty="0" smtClean="0"/>
-              <a:t> </a:t>
-            </a:r>
-            <a:r>
-              <a:rPr lang="en-US" dirty="0" err="1" smtClean="0"/>
-              <a:t>tả</a:t>
-            </a:r>
-            <a:r>
-              <a:rPr lang="en-US" dirty="0" smtClean="0"/>
-              <a:t> </a:t>
-            </a:r>
-            <a:r>
-              <a:rPr lang="en-US" dirty="0" err="1" smtClean="0"/>
-              <a:t>vị</a:t>
-            </a:r>
-            <a:r>
-              <a:rPr lang="en-US" dirty="0" smtClean="0"/>
-              <a:t> </a:t>
-            </a:r>
-            <a:r>
-              <a:rPr lang="en-US" dirty="0" err="1" smtClean="0"/>
-              <a:t>trí</a:t>
-            </a:r>
-            <a:r>
-              <a:rPr lang="en-US" dirty="0" smtClean="0"/>
-              <a:t> </a:t>
-            </a:r>
-            <a:r>
-              <a:rPr lang="en-US" dirty="0" err="1" smtClean="0"/>
-              <a:t>tuyển</a:t>
-            </a:r>
-            <a:r>
-              <a:rPr lang="en-US" dirty="0" smtClean="0"/>
-              <a:t> </a:t>
-            </a:r>
-            <a:r>
-              <a:rPr lang="en-US" dirty="0" err="1" smtClean="0"/>
-              <a:t>dụng</a:t>
-            </a:r>
-            <a:r>
-              <a:rPr lang="en-US" dirty="0" smtClean="0"/>
-              <a:t> </a:t>
-            </a:r>
-            <a:r>
-              <a:rPr lang="en-US" dirty="0" err="1" smtClean="0"/>
-              <a:t>cho</a:t>
-            </a:r>
-            <a:r>
-              <a:rPr lang="en-US" dirty="0" smtClean="0"/>
-              <a:t> &lt;</a:t>
-            </a:r>
-            <a:r>
-              <a:rPr lang="en-US" dirty="0" err="1" smtClean="0"/>
-              <a:t>doanh</a:t>
-            </a:r>
-            <a:r>
-              <a:rPr lang="en-US" dirty="0" smtClean="0"/>
-              <a:t> </a:t>
-            </a:r>
-            <a:r>
-              <a:rPr lang="en-US" dirty="0" err="1" smtClean="0"/>
-              <a:t>nghiệp</a:t>
-            </a:r>
-            <a:r>
-              <a:rPr lang="en-US" dirty="0" smtClean="0"/>
-              <a:t>&gt; </a:t>
-            </a:r>
-            <a:r>
-              <a:rPr lang="en-US" dirty="0" err="1" smtClean="0"/>
-              <a:t>còn</a:t>
-            </a:r>
-            <a:r>
-              <a:rPr lang="en-US" dirty="0" smtClean="0"/>
-              <a:t> </a:t>
-            </a:r>
-            <a:r>
-              <a:rPr lang="en-US" dirty="0" err="1" smtClean="0"/>
-              <a:t>quá</a:t>
-            </a:r>
-            <a:r>
-              <a:rPr lang="en-US" dirty="0" smtClean="0"/>
-              <a:t> </a:t>
-            </a:r>
-            <a:r>
-              <a:rPr lang="en-US" dirty="0" err="1" smtClean="0"/>
-              <a:t>đơn</a:t>
-            </a:r>
-            <a:r>
-              <a:rPr lang="en-US" dirty="0" smtClean="0"/>
-              <a:t> </a:t>
-            </a:r>
-            <a:r>
-              <a:rPr lang="en-US" dirty="0" err="1" smtClean="0"/>
-              <a:t>giản</a:t>
-            </a:r>
-            <a:r>
-              <a:rPr lang="en-US" dirty="0" smtClean="0"/>
-              <a:t>. (</a:t>
-            </a:r>
-            <a:r>
-              <a:rPr lang="en-US" dirty="0" err="1" smtClean="0"/>
-              <a:t>hoặc</a:t>
-            </a:r>
-            <a:r>
-              <a:rPr lang="en-US" dirty="0" smtClean="0"/>
-              <a:t> text </a:t>
-            </a:r>
-            <a:r>
-              <a:rPr lang="en-US" dirty="0" err="1" smtClean="0"/>
-              <a:t>thô</a:t>
-            </a:r>
-            <a:r>
-              <a:rPr lang="en-US" dirty="0" smtClean="0"/>
-              <a:t>)</a:t>
-            </a:r>
-          </a:p>
-          <a:p>
-            <a:pPr lvl="1"/>
-            <a:r>
-              <a:rPr lang="en-US" dirty="0" smtClean="0"/>
-              <a:t>Search engine </a:t>
-            </a:r>
-            <a:r>
-              <a:rPr lang="en-US" dirty="0" err="1" smtClean="0"/>
-              <a:t>phân</a:t>
-            </a:r>
-            <a:r>
-              <a:rPr lang="en-US" dirty="0" smtClean="0"/>
-              <a:t> </a:t>
-            </a:r>
-            <a:r>
-              <a:rPr lang="en-US" dirty="0" err="1" smtClean="0"/>
-              <a:t>loại</a:t>
-            </a:r>
-            <a:r>
-              <a:rPr lang="en-US" dirty="0" smtClean="0"/>
-              <a:t> </a:t>
-            </a:r>
-            <a:r>
-              <a:rPr lang="en-US" dirty="0" err="1" smtClean="0"/>
-              <a:t>theo</a:t>
-            </a:r>
-            <a:r>
-              <a:rPr lang="en-US" dirty="0" smtClean="0"/>
-              <a:t> </a:t>
-            </a:r>
-            <a:r>
-              <a:rPr lang="en-US" dirty="0" err="1" smtClean="0"/>
-              <a:t>ngành</a:t>
-            </a:r>
-            <a:r>
-              <a:rPr lang="en-US" dirty="0" smtClean="0"/>
-              <a:t> </a:t>
-            </a:r>
-            <a:r>
-              <a:rPr lang="en-US" dirty="0" err="1" smtClean="0"/>
-              <a:t>nghề</a:t>
-            </a:r>
-            <a:r>
-              <a:rPr lang="en-US" dirty="0" smtClean="0"/>
-              <a:t> </a:t>
-            </a:r>
-            <a:r>
-              <a:rPr lang="en-US" dirty="0" err="1" smtClean="0"/>
-              <a:t>và</a:t>
-            </a:r>
-            <a:r>
-              <a:rPr lang="en-US" dirty="0" smtClean="0"/>
-              <a:t> </a:t>
-            </a:r>
-            <a:r>
-              <a:rPr lang="en-US" dirty="0" err="1" smtClean="0"/>
-              <a:t>tìm</a:t>
-            </a:r>
-            <a:r>
-              <a:rPr lang="en-US" dirty="0" smtClean="0"/>
-              <a:t> </a:t>
-            </a:r>
-            <a:r>
-              <a:rPr lang="en-US" dirty="0" err="1" smtClean="0"/>
-              <a:t>kiếm</a:t>
-            </a:r>
-            <a:r>
-              <a:rPr lang="en-US" dirty="0" smtClean="0"/>
-              <a:t> </a:t>
-            </a:r>
-            <a:r>
-              <a:rPr lang="en-US" dirty="0" err="1" smtClean="0"/>
-              <a:t>theo</a:t>
-            </a:r>
-            <a:r>
-              <a:rPr lang="en-US" dirty="0" smtClean="0"/>
-              <a:t> </a:t>
-            </a:r>
-            <a:r>
-              <a:rPr lang="en-US" dirty="0" err="1" smtClean="0"/>
-              <a:t>các</a:t>
-            </a:r>
-            <a:r>
-              <a:rPr lang="en-US" dirty="0" smtClean="0"/>
-              <a:t> </a:t>
-            </a:r>
-            <a:r>
-              <a:rPr lang="en-US" dirty="0" err="1" smtClean="0"/>
-              <a:t>tiêu</a:t>
-            </a:r>
-            <a:r>
-              <a:rPr lang="en-US" dirty="0" smtClean="0"/>
-              <a:t> </a:t>
-            </a:r>
-            <a:r>
-              <a:rPr lang="en-US" dirty="0" err="1" smtClean="0"/>
-              <a:t>chí</a:t>
-            </a:r>
-            <a:r>
-              <a:rPr lang="en-US" dirty="0" smtClean="0"/>
-              <a:t> </a:t>
-            </a:r>
-            <a:r>
-              <a:rPr lang="en-US" dirty="0" err="1" smtClean="0"/>
-              <a:t>đơn</a:t>
-            </a:r>
-            <a:r>
-              <a:rPr lang="en-US" dirty="0" smtClean="0"/>
-              <a:t> </a:t>
-            </a:r>
-            <a:r>
-              <a:rPr lang="en-US" dirty="0" err="1" smtClean="0"/>
-              <a:t>giản</a:t>
-            </a:r>
-            <a:r>
-              <a:rPr lang="en-US" dirty="0" smtClean="0"/>
-              <a:t> (</a:t>
-            </a:r>
-            <a:r>
-              <a:rPr lang="en-US" dirty="0" err="1" smtClean="0"/>
-              <a:t>hoặc</a:t>
-            </a:r>
-            <a:r>
-              <a:rPr lang="en-US" dirty="0" smtClean="0"/>
-              <a:t> text </a:t>
-            </a:r>
-            <a:r>
-              <a:rPr lang="en-US" dirty="0" err="1" smtClean="0"/>
-              <a:t>thô</a:t>
-            </a:r>
-            <a:r>
-              <a:rPr lang="en-US" dirty="0" smtClean="0"/>
-              <a:t>)</a:t>
-            </a:r>
-          </a:p>
-          <a:p>
-            <a:pPr lvl="1"/>
-            <a:endParaRPr lang="en-US" dirty="0" smtClean="0"/>
-          </a:p>
-          <a:p>
-            <a:pPr lvl="1"/>
-            <a:endParaRPr lang="en-US" dirty="0" smtClean="0"/>
-          </a:p>
-          <a:p>
-            <a:pPr lvl="1"/>
-            <a:endParaRPr lang="en-US" dirty="0"/>
-          </a:p>
-        </p:txBody>
-      </p:sp>
+      </p:pic>
+      <p:pic>
+        <p:nvPicPr>
+          <p:cNvPr id="8" name="Picture 7"/>
+          <p:cNvPicPr>
+            <a:picLocks noChangeAspect="1"/>
+          </p:cNvPicPr>
+          <p:nvPr/>
+        </p:nvPicPr>
+        <p:blipFill>
+          <a:blip r:embed="rId3">
+            <a:extLst>
+              <a:ext uri="{28A0092B-C50C-407E-A947-70E740481C1C}">
+                <a14:useLocalDpi xmlns:a14="http://schemas.microsoft.com/office/drawing/2010/main" val="0"/>
+              </a:ext>
+            </a:extLst>
+          </a:blip>
+          <a:stretch>
+            <a:fillRect/>
+          </a:stretch>
+        </p:blipFill>
+        <p:spPr>
+          <a:xfrm>
+            <a:off x="6857681" y="6096000"/>
+            <a:ext cx="2286319" cy="762106"/>
+          </a:xfrm>
+          <a:prstGeom prst="rect">
+            <a:avLst/>
+          </a:prstGeom>
+        </p:spPr>
+      </p:pic>
     </p:spTree>
     <p:extLst>
       <p:ext uri="{BB962C8B-B14F-4D97-AF65-F5344CB8AC3E}">
-        <p14:creationId xmlns:p14="http://schemas.microsoft.com/office/powerpoint/2010/main" val="3980430846"/>
+        <p14:creationId xmlns:p14="http://schemas.microsoft.com/office/powerpoint/2010/main" val="2983155595"/>
       </p:ext>
     </p:extLst>
   </p:cSld>
   <p:clrMapOvr>
     <a:masterClrMapping/>
   </p:clrMapOvr>
-  <p:transition spd="slow"/>
+  <mc:AlternateContent xmlns:mc="http://schemas.openxmlformats.org/markup-compatibility/2006">
+    <mc:Choice xmlns:p14="http://schemas.microsoft.com/office/powerpoint/2010/main" Requires="p14">
+      <p:transition spd="slow" p14:dur="2000"/>
+    </mc:Choice>
+    <mc:Fallback>
+      <p:transition spd="slow"/>
+    </mc:Fallback>
+  </mc:AlternateContent>
   <p:timing>
     <p:tnLst>
       <p:par>
@@ -12866,24 +12982,125 @@
           <a:chExt cx="0" cy="0"/>
         </a:xfrm>
       </p:grpSpPr>
-      <p:sp>
-        <p:nvSpPr>
-          <p:cNvPr id="2" name="Title 1"/>
-          <p:cNvSpPr>
-            <a:spLocks noGrp="1"/>
-          </p:cNvSpPr>
-          <p:nvPr>
-            <p:ph type="title"/>
-          </p:nvPr>
-        </p:nvSpPr>
-        <p:spPr/>
-        <p:txBody>
-          <a:bodyPr/>
+      <p:pic>
+        <p:nvPicPr>
+          <p:cNvPr id="3" name="Picture 2"/>
+          <p:cNvPicPr>
+            <a:picLocks noChangeAspect="1"/>
+          </p:cNvPicPr>
+          <p:nvPr/>
+        </p:nvPicPr>
+        <p:blipFill>
+          <a:blip r:embed="rId2">
+            <a:extLst>
+              <a:ext uri="{28A0092B-C50C-407E-A947-70E740481C1C}">
+                <a14:useLocalDpi xmlns:a14="http://schemas.microsoft.com/office/drawing/2010/main" val="0"/>
+              </a:ext>
+            </a:extLst>
+          </a:blip>
+          <a:stretch>
+            <a:fillRect/>
+          </a:stretch>
+        </p:blipFill>
+        <p:spPr>
+          <a:xfrm>
+            <a:off x="0" y="0"/>
+            <a:ext cx="4420217" cy="4153480"/>
+          </a:xfrm>
+          <a:prstGeom prst="rect">
+            <a:avLst/>
+          </a:prstGeom>
+          <a:ln w="3175">
+            <a:solidFill>
+              <a:schemeClr val="tx1"/>
+            </a:solidFill>
+          </a:ln>
+        </p:spPr>
+      </p:pic>
+      <p:sp>
+        <p:nvSpPr>
+          <p:cNvPr id="4" name="TextBox 3"/>
+          <p:cNvSpPr txBox="1"/>
+          <p:nvPr/>
+        </p:nvSpPr>
+        <p:spPr>
+          <a:xfrm>
+            <a:off x="4420217" y="381000"/>
+            <a:ext cx="4723783" cy="2585323"/>
+          </a:xfrm>
+          <a:prstGeom prst="rect">
+            <a:avLst/>
+          </a:prstGeom>
+          <a:noFill/>
+        </p:spPr>
+        <p:txBody>
+          <a:bodyPr wrap="square" rtlCol="0">
+            <a:spAutoFit/>
+          </a:bodyPr>
           <a:lstStyle/>
           <a:p>
             <a:r>
+              <a:rPr lang="en-US" u="sng" dirty="0" err="1" smtClean="0"/>
+              <a:t>Ví</a:t>
+            </a:r>
+            <a:r>
+              <a:rPr lang="en-US" u="sng" dirty="0" smtClean="0"/>
+              <a:t> </a:t>
+            </a:r>
+            <a:r>
+              <a:rPr lang="en-US" u="sng" dirty="0" err="1" smtClean="0"/>
+              <a:t>dụ</a:t>
+            </a:r>
+            <a:r>
+              <a:rPr lang="en-US" u="sng" dirty="0" smtClean="0"/>
+              <a:t> Search tool </a:t>
+            </a:r>
+            <a:r>
+              <a:rPr lang="en-US" u="sng" dirty="0" err="1" smtClean="0"/>
+              <a:t>của</a:t>
+            </a:r>
+            <a:r>
+              <a:rPr lang="en-US" u="sng" dirty="0" smtClean="0"/>
+              <a:t> </a:t>
+            </a:r>
+            <a:r>
+              <a:rPr lang="en-US" u="sng" dirty="0" err="1" smtClean="0"/>
+              <a:t>VietnamWork</a:t>
+            </a:r>
+            <a:endParaRPr lang="en-US" u="sng" dirty="0" smtClean="0"/>
+          </a:p>
+          <a:p>
+            <a:endParaRPr lang="en-US" dirty="0" smtClean="0"/>
+          </a:p>
+          <a:p>
+            <a:pPr marL="342900" indent="-342900">
+              <a:buAutoNum type="arabicPeriod"/>
+            </a:pPr>
+            <a:r>
+              <a:rPr lang="en-US" u="sng" dirty="0" err="1" smtClean="0"/>
+              <a:t>Tập</a:t>
+            </a:r>
+            <a:r>
+              <a:rPr lang="en-US" u="sng" dirty="0" smtClean="0"/>
+              <a:t> attribute:</a:t>
+            </a:r>
+          </a:p>
+          <a:p>
+            <a:pPr marL="800100" lvl="1" indent="-342900">
+              <a:buFont typeface="Arial" pitchFamily="34" charset="0"/>
+              <a:buChar char="•"/>
+            </a:pPr>
+            <a:r>
               <a:rPr lang="en-US" dirty="0" err="1" smtClean="0"/>
-              <a:t>Mô</a:t>
+              <a:t>Tập</a:t>
+            </a:r>
+            <a:r>
+              <a:rPr lang="en-US" dirty="0" smtClean="0"/>
+              <a:t> attribute </a:t>
+            </a:r>
+            <a:r>
+              <a:rPr lang="en-US" dirty="0" err="1" smtClean="0"/>
+              <a:t>đơn</a:t>
             </a:r>
             <a:r>
               <a:rPr lang="en-US" dirty="0" smtClean="0"/>
@@ -12891,78 +13108,248 @@
             </a:r>
             <a:r>
               <a:rPr lang="en-US" dirty="0" err="1" smtClean="0"/>
-              <a:t>tả</a:t>
+              <a:t>giản</a:t>
             </a:r>
             <a:r>
               <a:rPr lang="en-US" dirty="0" smtClean="0"/>
+              <a:t>.</a:t>
+            </a:r>
+          </a:p>
+          <a:p>
+            <a:pPr marL="800100" lvl="1" indent="-342900">
+              <a:buFont typeface="Arial" pitchFamily="34" charset="0"/>
+              <a:buChar char="•"/>
+            </a:pPr>
+            <a:r>
+              <a:rPr lang="en-US" dirty="0"/>
+              <a:t>Search tool </a:t>
+            </a:r>
+            <a:r>
+              <a:rPr lang="en-US" dirty="0" err="1"/>
+              <a:t>là</a:t>
+            </a:r>
+            <a:r>
+              <a:rPr lang="en-US" dirty="0"/>
               <a:t> </a:t>
             </a:r>
             <a:r>
-              <a:rPr lang="en-US" dirty="0" err="1" smtClean="0"/>
-              <a:t>bài</a:t>
-            </a:r>
-            <a:r>
-              <a:rPr lang="en-US" dirty="0" smtClean="0"/>
+              <a:rPr lang="en-US" dirty="0" err="1"/>
+              <a:t>công</a:t>
+            </a:r>
+            <a:r>
+              <a:rPr lang="en-US" dirty="0"/>
               <a:t> </a:t>
             </a:r>
             <a:r>
-              <a:rPr lang="en-US" dirty="0" err="1" smtClean="0"/>
-              <a:t>toán</a:t>
-            </a:r>
-            <a:r>
-              <a:rPr lang="en-US" dirty="0" smtClean="0"/>
-              <a:t> – </a:t>
-            </a:r>
-            <a:r>
-              <a:rPr lang="en-US" dirty="0" err="1" smtClean="0"/>
-              <a:t>bài</a:t>
-            </a:r>
-            <a:r>
-              <a:rPr lang="en-US" dirty="0" smtClean="0"/>
+              <a:rPr lang="en-US" dirty="0" err="1"/>
+              <a:t>cụ</a:t>
+            </a:r>
+            <a:r>
+              <a:rPr lang="en-US" dirty="0"/>
               <a:t> </a:t>
             </a:r>
             <a:r>
-              <a:rPr lang="en-US" dirty="0" err="1" smtClean="0"/>
-              <a:t>toán</a:t>
-            </a:r>
-            <a:r>
-              <a:rPr lang="en-US" dirty="0" smtClean="0"/>
-              <a:t> 2:</a:t>
-            </a:r>
+              <a:rPr lang="en-US" dirty="0" err="1"/>
+              <a:t>tìm</a:t>
+            </a:r>
+            <a:r>
+              <a:rPr lang="en-US" dirty="0"/>
+              <a:t> </a:t>
+            </a:r>
+            <a:r>
+              <a:rPr lang="en-US" dirty="0" err="1"/>
+              <a:t>ra</a:t>
+            </a:r>
+            <a:r>
+              <a:rPr lang="en-US" dirty="0"/>
+              <a:t> </a:t>
+            </a:r>
+            <a:r>
+              <a:rPr lang="en-US" dirty="0" err="1"/>
+              <a:t>mối</a:t>
+            </a:r>
+            <a:r>
+              <a:rPr lang="en-US" dirty="0"/>
+              <a:t> </a:t>
+            </a:r>
+            <a:r>
+              <a:rPr lang="en-US" dirty="0" err="1"/>
+              <a:t>tương</a:t>
+            </a:r>
+            <a:r>
+              <a:rPr lang="en-US" dirty="0"/>
+              <a:t> </a:t>
+            </a:r>
+            <a:r>
+              <a:rPr lang="en-US" dirty="0" err="1"/>
+              <a:t>quan</a:t>
+            </a:r>
+            <a:r>
+              <a:rPr lang="en-US" dirty="0"/>
+              <a:t> </a:t>
+            </a:r>
+            <a:r>
+              <a:rPr lang="en-US" dirty="0" err="1"/>
+              <a:t>giữa</a:t>
+            </a:r>
+            <a:r>
+              <a:rPr lang="en-US" dirty="0"/>
+              <a:t> </a:t>
+            </a:r>
+            <a:r>
+              <a:rPr lang="en-US" dirty="0" err="1"/>
+              <a:t>thông</a:t>
+            </a:r>
+            <a:r>
+              <a:rPr lang="en-US" dirty="0"/>
+              <a:t> tin &lt;</a:t>
+            </a:r>
+            <a:r>
+              <a:rPr lang="en-US" dirty="0" err="1"/>
+              <a:t>người</a:t>
+            </a:r>
+            <a:r>
+              <a:rPr lang="en-US" dirty="0"/>
+              <a:t> </a:t>
+            </a:r>
+            <a:r>
+              <a:rPr lang="en-US" dirty="0" err="1"/>
+              <a:t>kiếm</a:t>
+            </a:r>
+            <a:r>
+              <a:rPr lang="en-US" dirty="0"/>
+              <a:t> </a:t>
+            </a:r>
+            <a:r>
+              <a:rPr lang="en-US" dirty="0" err="1"/>
+              <a:t>việc</a:t>
+            </a:r>
+            <a:r>
+              <a:rPr lang="en-US" dirty="0"/>
+              <a:t>&gt; </a:t>
+            </a:r>
+            <a:r>
+              <a:rPr lang="en-US" dirty="0" err="1"/>
+              <a:t>và</a:t>
+            </a:r>
+            <a:r>
+              <a:rPr lang="en-US" dirty="0"/>
+              <a:t> job description &lt;</a:t>
+            </a:r>
+            <a:r>
+              <a:rPr lang="en-US" dirty="0" err="1"/>
+              <a:t>tuyển</a:t>
+            </a:r>
+            <a:r>
+              <a:rPr lang="en-US" dirty="0"/>
+              <a:t> </a:t>
+            </a:r>
+            <a:r>
+              <a:rPr lang="en-US" dirty="0" err="1"/>
+              <a:t>dụng</a:t>
+            </a:r>
+            <a:r>
+              <a:rPr lang="en-US" dirty="0"/>
+              <a:t>&gt; </a:t>
+            </a:r>
+            <a:r>
+              <a:rPr lang="en-US" dirty="0" err="1"/>
+              <a:t>dựa</a:t>
+            </a:r>
+            <a:r>
+              <a:rPr lang="en-US" dirty="0"/>
+              <a:t> </a:t>
+            </a:r>
+            <a:r>
+              <a:rPr lang="en-US" dirty="0" err="1"/>
+              <a:t>trên</a:t>
+            </a:r>
+            <a:r>
+              <a:rPr lang="en-US" dirty="0"/>
+              <a:t> </a:t>
+            </a:r>
+            <a:r>
+              <a:rPr lang="en-US" dirty="0" err="1"/>
+              <a:t>tiêu</a:t>
+            </a:r>
+            <a:r>
+              <a:rPr lang="en-US" dirty="0"/>
+              <a:t> </a:t>
+            </a:r>
+            <a:r>
+              <a:rPr lang="en-US" dirty="0" err="1"/>
+              <a:t>chí</a:t>
+            </a:r>
+            <a:r>
+              <a:rPr lang="en-US" dirty="0"/>
+              <a:t> </a:t>
+            </a:r>
+            <a:r>
+              <a:rPr lang="en-US" dirty="0" err="1"/>
+              <a:t>là</a:t>
+            </a:r>
+            <a:r>
+              <a:rPr lang="en-US" dirty="0"/>
+              <a:t> </a:t>
+            </a:r>
+            <a:r>
+              <a:rPr lang="en-US" dirty="0" err="1"/>
+              <a:t>tập</a:t>
+            </a:r>
+            <a:r>
+              <a:rPr lang="en-US" dirty="0"/>
+              <a:t> attribute</a:t>
+            </a:r>
+            <a:endParaRPr lang="en-US" dirty="0" smtClean="0"/>
+          </a:p>
+          <a:p>
+            <a:pPr marL="342900" indent="-342900">
+              <a:buAutoNum type="arabicPeriod"/>
+            </a:pPr>
             <a:endParaRPr lang="en-US" dirty="0"/>
           </a:p>
         </p:txBody>
       </p:sp>
-      <p:sp>
-        <p:nvSpPr>
-          <p:cNvPr id="3" name="Content Placeholder 2"/>
-          <p:cNvSpPr>
-            <a:spLocks noGrp="1"/>
-          </p:cNvSpPr>
-          <p:nvPr>
-            <p:ph idx="1"/>
-          </p:nvPr>
-        </p:nvSpPr>
-        <p:spPr/>
-        <p:txBody>
-          <a:bodyPr/>
-          <a:lstStyle/>
-          <a:p>
-            <a:endParaRPr lang="en-US"/>
-          </a:p>
-        </p:txBody>
-      </p:sp>
+      <p:pic>
+        <p:nvPicPr>
+          <p:cNvPr id="5" name="Picture 4"/>
+          <p:cNvPicPr>
+            <a:picLocks noChangeAspect="1"/>
+          </p:cNvPicPr>
+          <p:nvPr/>
+        </p:nvPicPr>
+        <p:blipFill>
+          <a:blip r:embed="rId3">
+            <a:extLst>
+              <a:ext uri="{28A0092B-C50C-407E-A947-70E740481C1C}">
+                <a14:useLocalDpi xmlns:a14="http://schemas.microsoft.com/office/drawing/2010/main" val="0"/>
+              </a:ext>
+            </a:extLst>
+          </a:blip>
+          <a:stretch>
+            <a:fillRect/>
+          </a:stretch>
+        </p:blipFill>
+        <p:spPr>
+          <a:xfrm>
+            <a:off x="6857681" y="6096000"/>
+            <a:ext cx="2286319" cy="762106"/>
+          </a:xfrm>
+          <a:prstGeom prst="rect">
+            <a:avLst/>
+          </a:prstGeom>
+        </p:spPr>
+      </p:pic>
     </p:spTree>
     <p:extLst>
       <p:ext uri="{BB962C8B-B14F-4D97-AF65-F5344CB8AC3E}">
-        <p14:creationId xmlns:p14="http://schemas.microsoft.com/office/powerpoint/2010/main" val="2281936890"/>
+        <p14:creationId xmlns:p14="http://schemas.microsoft.com/office/powerpoint/2010/main" val="3497031546"/>
       </p:ext>
     </p:extLst>
   </p:cSld>
   <p:clrMapOvr>
     <a:masterClrMapping/>
   </p:clrMapOvr>
-  <p:transition spd="slow"/>
   <p:timing>
     <p:tnLst>
       <p:par>
@@ -12990,55 +13377,16 @@
           <a:chExt cx="0" cy="0"/>
         </a:xfrm>
       </p:grpSpPr>
-      <p:sp>
-        <p:nvSpPr>
-          <p:cNvPr id="2" name="Title 1"/>
-          <p:cNvSpPr>
-            <a:spLocks noGrp="1"/>
-          </p:cNvSpPr>
-          <p:nvPr>
-            <p:ph type="title"/>
-          </p:nvPr>
-        </p:nvSpPr>
-        <p:spPr/>
-        <p:txBody>
-          <a:bodyPr/>
-          <a:lstStyle/>
-          <a:p>
-            <a:endParaRPr lang="en-US"/>
-          </a:p>
-        </p:txBody>
-      </p:sp>
-      <p:sp>
-        <p:nvSpPr>
-          <p:cNvPr id="6" name="Content Placeholder 5"/>
-          <p:cNvSpPr>
-            <a:spLocks noGrp="1"/>
-          </p:cNvSpPr>
-          <p:nvPr>
-            <p:ph idx="1"/>
-          </p:nvPr>
-        </p:nvSpPr>
-        <p:spPr/>
-        <p:txBody>
-          <a:bodyPr/>
-          <a:lstStyle/>
-          <a:p>
-            <a:endParaRPr lang="en-US"/>
-          </a:p>
-        </p:txBody>
-      </p:sp>
     </p:spTree>
     <p:extLst>
       <p:ext uri="{BB962C8B-B14F-4D97-AF65-F5344CB8AC3E}">
-        <p14:creationId xmlns:p14="http://schemas.microsoft.com/office/powerpoint/2010/main" val="1562722271"/>
+        <p14:creationId xmlns:p14="http://schemas.microsoft.com/office/powerpoint/2010/main" val="2257609109"/>
       </p:ext>
     </p:extLst>
   </p:cSld>
   <p:clrMapOvr>
     <a:masterClrMapping/>
   </p:clrMapOvr>
-  <p:transition spd="slow"/>
   <p:timing>
     <p:tnLst>
       <p:par>
@@ -13083,6 +13431,710 @@
           <a:p>
             <a:r>
               <a:rPr lang="en-US" dirty="0" err="1" smtClean="0"/>
+              <a:t>Mô</a:t>
+            </a:r>
+            <a:r>
+              <a:rPr lang="en-US" dirty="0" smtClean="0"/>
+              <a:t> </a:t>
+            </a:r>
+            <a:r>
+              <a:rPr lang="en-US" dirty="0" err="1" smtClean="0"/>
+              <a:t>tả</a:t>
+            </a:r>
+            <a:r>
+              <a:rPr lang="en-US" dirty="0" smtClean="0"/>
+              <a:t> </a:t>
+            </a:r>
+            <a:r>
+              <a:rPr lang="en-US" dirty="0" err="1" smtClean="0"/>
+              <a:t>bài</a:t>
+            </a:r>
+            <a:r>
+              <a:rPr lang="en-US" dirty="0" smtClean="0"/>
+              <a:t> </a:t>
+            </a:r>
+            <a:r>
+              <a:rPr lang="en-US" dirty="0" err="1" smtClean="0"/>
+              <a:t>toán</a:t>
+            </a:r>
+            <a:endParaRPr lang="en-US" dirty="0"/>
+          </a:p>
+        </p:txBody>
+      </p:sp>
+      <p:sp>
+        <p:nvSpPr>
+          <p:cNvPr id="3" name="Content Placeholder 2"/>
+          <p:cNvSpPr>
+            <a:spLocks noGrp="1"/>
+          </p:cNvSpPr>
+          <p:nvPr>
+            <p:ph idx="1"/>
+          </p:nvPr>
+        </p:nvSpPr>
+        <p:spPr>
+          <a:xfrm>
+            <a:off x="457200" y="914400"/>
+            <a:ext cx="8229600" cy="5943600"/>
+          </a:xfrm>
+        </p:spPr>
+        <p:txBody>
+          <a:bodyPr>
+            <a:normAutofit/>
+          </a:bodyPr>
+          <a:lstStyle/>
+          <a:p>
+            <a:pPr marL="0" indent="0">
+              <a:buNone/>
+            </a:pPr>
+            <a:r>
+              <a:rPr lang="en-US" sz="2400" u="sng" dirty="0" err="1" smtClean="0"/>
+              <a:t>Bài</a:t>
+            </a:r>
+            <a:r>
+              <a:rPr lang="en-US" sz="2400" u="sng" dirty="0" smtClean="0"/>
+              <a:t> </a:t>
+            </a:r>
+            <a:r>
+              <a:rPr lang="en-US" sz="2400" u="sng" dirty="0" err="1" smtClean="0"/>
+              <a:t>toán</a:t>
+            </a:r>
+            <a:r>
+              <a:rPr lang="en-US" sz="2400" u="sng" dirty="0" smtClean="0"/>
+              <a:t> 1:</a:t>
+            </a:r>
+          </a:p>
+          <a:p>
+            <a:r>
+              <a:rPr lang="en-US" sz="2400" dirty="0" err="1" smtClean="0"/>
+              <a:t>Các</a:t>
+            </a:r>
+            <a:r>
+              <a:rPr lang="en-US" sz="2400" dirty="0" smtClean="0"/>
+              <a:t> </a:t>
+            </a:r>
+            <a:r>
+              <a:rPr lang="en-US" sz="2400" dirty="0" err="1" smtClean="0"/>
+              <a:t>hệ</a:t>
+            </a:r>
+            <a:r>
+              <a:rPr lang="en-US" sz="2400" dirty="0" smtClean="0"/>
+              <a:t> </a:t>
+            </a:r>
+            <a:r>
+              <a:rPr lang="en-US" sz="2400" dirty="0" err="1" smtClean="0"/>
+              <a:t>thống</a:t>
+            </a:r>
+            <a:r>
+              <a:rPr lang="en-US" sz="2400" dirty="0" smtClean="0"/>
+              <a:t> </a:t>
+            </a:r>
+            <a:r>
+              <a:rPr lang="en-US" sz="2400" dirty="0" err="1" smtClean="0"/>
+              <a:t>tìm</a:t>
+            </a:r>
+            <a:r>
+              <a:rPr lang="en-US" sz="2400" dirty="0" smtClean="0"/>
+              <a:t> </a:t>
+            </a:r>
+            <a:r>
+              <a:rPr lang="en-US" sz="2400" dirty="0" err="1" smtClean="0"/>
+              <a:t>kiếm</a:t>
+            </a:r>
+            <a:r>
+              <a:rPr lang="en-US" sz="2400" dirty="0" smtClean="0"/>
+              <a:t> </a:t>
+            </a:r>
+            <a:r>
+              <a:rPr lang="en-US" sz="2400" dirty="0" err="1" smtClean="0"/>
+              <a:t>việc</a:t>
+            </a:r>
+            <a:r>
+              <a:rPr lang="en-US" sz="2400" dirty="0" smtClean="0"/>
+              <a:t> </a:t>
+            </a:r>
+            <a:r>
+              <a:rPr lang="en-US" sz="2400" dirty="0" err="1" smtClean="0"/>
+              <a:t>làm</a:t>
+            </a:r>
+            <a:r>
+              <a:rPr lang="en-US" sz="2400" dirty="0" smtClean="0"/>
+              <a:t> </a:t>
+            </a:r>
+            <a:r>
+              <a:rPr lang="en-US" sz="2400" dirty="0" err="1" smtClean="0"/>
+              <a:t>hiện</a:t>
+            </a:r>
+            <a:r>
+              <a:rPr lang="en-US" sz="2400" dirty="0" smtClean="0"/>
+              <a:t> </a:t>
+            </a:r>
+            <a:r>
+              <a:rPr lang="en-US" sz="2400" dirty="0" smtClean="0"/>
+              <a:t>nay </a:t>
+            </a:r>
+            <a:r>
+              <a:rPr lang="en-US" sz="2400" dirty="0" err="1" smtClean="0"/>
+              <a:t>còn</a:t>
+            </a:r>
+            <a:r>
+              <a:rPr lang="en-US" sz="2400" dirty="0" smtClean="0"/>
+              <a:t> </a:t>
+            </a:r>
+            <a:r>
+              <a:rPr lang="en-US" sz="2400" dirty="0" err="1" smtClean="0"/>
+              <a:t>hạn</a:t>
+            </a:r>
+            <a:r>
+              <a:rPr lang="en-US" sz="2400" dirty="0" smtClean="0"/>
+              <a:t> </a:t>
+            </a:r>
+            <a:r>
+              <a:rPr lang="en-US" sz="2400" dirty="0" err="1" smtClean="0"/>
+              <a:t>chế</a:t>
+            </a:r>
+            <a:r>
+              <a:rPr lang="en-US" sz="2400" dirty="0" smtClean="0"/>
+              <a:t> </a:t>
+            </a:r>
+            <a:r>
+              <a:rPr lang="en-US" sz="2400" dirty="0" err="1" smtClean="0"/>
+              <a:t>một</a:t>
+            </a:r>
+            <a:r>
+              <a:rPr lang="en-US" sz="2400" dirty="0" smtClean="0"/>
+              <a:t> </a:t>
+            </a:r>
+            <a:r>
+              <a:rPr lang="en-US" sz="2400" dirty="0" err="1" smtClean="0"/>
+              <a:t>số</a:t>
+            </a:r>
+            <a:r>
+              <a:rPr lang="en-US" sz="2400" dirty="0" smtClean="0"/>
+              <a:t> </a:t>
+            </a:r>
+            <a:r>
+              <a:rPr lang="en-US" sz="2400" dirty="0" err="1" smtClean="0"/>
+              <a:t>điểm</a:t>
+            </a:r>
+            <a:r>
+              <a:rPr lang="en-US" sz="2400" dirty="0" smtClean="0"/>
+              <a:t>:</a:t>
+            </a:r>
+            <a:endParaRPr lang="en-US" sz="2400" dirty="0"/>
+          </a:p>
+          <a:p>
+            <a:pPr lvl="1">
+              <a:buFontTx/>
+              <a:buChar char="-"/>
+            </a:pPr>
+            <a:r>
+              <a:rPr lang="en-US" sz="2000" dirty="0" smtClean="0"/>
+              <a:t>Job Description </a:t>
+            </a:r>
+            <a:r>
+              <a:rPr lang="en-US" sz="2000" dirty="0" err="1" smtClean="0"/>
+              <a:t>của</a:t>
+            </a:r>
+            <a:r>
+              <a:rPr lang="en-US" sz="2000" dirty="0" smtClean="0"/>
+              <a:t> </a:t>
+            </a:r>
+            <a:r>
+              <a:rPr lang="en-US" sz="2000" dirty="0" smtClean="0"/>
+              <a:t>&lt;</a:t>
+            </a:r>
+            <a:r>
+              <a:rPr lang="en-US" sz="2000" dirty="0" err="1" smtClean="0"/>
+              <a:t>doanh</a:t>
+            </a:r>
+            <a:r>
+              <a:rPr lang="en-US" sz="2000" dirty="0" smtClean="0"/>
+              <a:t> </a:t>
+            </a:r>
+            <a:r>
+              <a:rPr lang="en-US" sz="2000" dirty="0" err="1" smtClean="0"/>
+              <a:t>nghiệp</a:t>
+            </a:r>
+            <a:r>
+              <a:rPr lang="en-US" sz="2000" dirty="0" smtClean="0"/>
+              <a:t>&gt; </a:t>
+            </a:r>
+            <a:r>
+              <a:rPr lang="en-US" sz="2000" dirty="0" err="1" smtClean="0"/>
+              <a:t>còn</a:t>
+            </a:r>
+            <a:r>
+              <a:rPr lang="en-US" sz="2000" dirty="0" smtClean="0"/>
+              <a:t> </a:t>
+            </a:r>
+            <a:r>
+              <a:rPr lang="en-US" sz="2000" dirty="0" err="1" smtClean="0"/>
+              <a:t>quá</a:t>
+            </a:r>
+            <a:r>
+              <a:rPr lang="en-US" sz="2000" dirty="0" smtClean="0"/>
+              <a:t> </a:t>
+            </a:r>
+            <a:r>
+              <a:rPr lang="en-US" sz="2000" dirty="0" err="1" smtClean="0"/>
+              <a:t>đơn</a:t>
+            </a:r>
+            <a:r>
+              <a:rPr lang="en-US" sz="2000" dirty="0" smtClean="0"/>
+              <a:t> </a:t>
+            </a:r>
+            <a:r>
+              <a:rPr lang="en-US" sz="2000" dirty="0" err="1" smtClean="0"/>
+              <a:t>giản</a:t>
+            </a:r>
+            <a:r>
+              <a:rPr lang="en-US" sz="2000" dirty="0" smtClean="0"/>
+              <a:t>. (</a:t>
+            </a:r>
+            <a:r>
+              <a:rPr lang="en-US" sz="2000" dirty="0" err="1" smtClean="0"/>
+              <a:t>hoặc</a:t>
+            </a:r>
+            <a:r>
+              <a:rPr lang="en-US" sz="2000" dirty="0" smtClean="0"/>
+              <a:t> text </a:t>
+            </a:r>
+            <a:r>
+              <a:rPr lang="en-US" sz="2000" dirty="0" err="1" smtClean="0"/>
+              <a:t>thô</a:t>
+            </a:r>
+            <a:r>
+              <a:rPr lang="en-US" sz="2000" dirty="0" smtClean="0"/>
+              <a:t>)</a:t>
+            </a:r>
+          </a:p>
+          <a:p>
+            <a:pPr lvl="1">
+              <a:buFontTx/>
+              <a:buChar char="-"/>
+            </a:pPr>
+            <a:r>
+              <a:rPr lang="en-US" sz="2000" dirty="0" smtClean="0"/>
+              <a:t>Search </a:t>
+            </a:r>
+            <a:r>
+              <a:rPr lang="en-US" sz="2000" dirty="0" smtClean="0"/>
+              <a:t>engine </a:t>
+            </a:r>
+            <a:r>
+              <a:rPr lang="en-US" sz="2000" dirty="0" err="1" smtClean="0"/>
+              <a:t>tìm</a:t>
+            </a:r>
+            <a:r>
+              <a:rPr lang="en-US" sz="2000" dirty="0" smtClean="0"/>
+              <a:t> </a:t>
+            </a:r>
+            <a:r>
+              <a:rPr lang="en-US" sz="2000" dirty="0" err="1" smtClean="0"/>
+              <a:t>kiếm</a:t>
+            </a:r>
+            <a:r>
+              <a:rPr lang="en-US" sz="2000" dirty="0" smtClean="0"/>
+              <a:t> </a:t>
+            </a:r>
+            <a:r>
+              <a:rPr lang="en-US" sz="2000" dirty="0" err="1" smtClean="0"/>
+              <a:t>theo</a:t>
+            </a:r>
+            <a:r>
+              <a:rPr lang="en-US" sz="2000" dirty="0" smtClean="0"/>
+              <a:t> </a:t>
+            </a:r>
+            <a:r>
+              <a:rPr lang="en-US" sz="2000" dirty="0" err="1" smtClean="0"/>
+              <a:t>các</a:t>
+            </a:r>
+            <a:r>
+              <a:rPr lang="en-US" sz="2000" dirty="0" smtClean="0"/>
+              <a:t> </a:t>
+            </a:r>
+            <a:r>
+              <a:rPr lang="en-US" sz="2000" dirty="0" err="1" smtClean="0"/>
+              <a:t>tiêu</a:t>
+            </a:r>
+            <a:r>
+              <a:rPr lang="en-US" sz="2000" dirty="0" smtClean="0"/>
+              <a:t> </a:t>
+            </a:r>
+            <a:r>
+              <a:rPr lang="en-US" sz="2000" dirty="0" err="1" smtClean="0"/>
+              <a:t>chí</a:t>
+            </a:r>
+            <a:r>
+              <a:rPr lang="en-US" sz="2000" dirty="0" smtClean="0"/>
+              <a:t> </a:t>
+            </a:r>
+            <a:r>
+              <a:rPr lang="en-US" sz="2000" dirty="0" err="1" smtClean="0"/>
+              <a:t>đơn</a:t>
+            </a:r>
+            <a:r>
+              <a:rPr lang="en-US" sz="2000" dirty="0" smtClean="0"/>
+              <a:t> </a:t>
+            </a:r>
+            <a:r>
+              <a:rPr lang="en-US" sz="2000" dirty="0" err="1" smtClean="0"/>
+              <a:t>giản</a:t>
+            </a:r>
+            <a:r>
+              <a:rPr lang="en-US" sz="2000" dirty="0" smtClean="0"/>
+              <a:t> (</a:t>
+            </a:r>
+            <a:r>
+              <a:rPr lang="en-US" sz="2000" dirty="0" err="1" smtClean="0"/>
+              <a:t>hoặc</a:t>
+            </a:r>
+            <a:r>
+              <a:rPr lang="en-US" sz="2000" dirty="0" smtClean="0"/>
+              <a:t> text </a:t>
+            </a:r>
+            <a:r>
+              <a:rPr lang="en-US" sz="2000" dirty="0" err="1" smtClean="0"/>
+              <a:t>thô</a:t>
+            </a:r>
+            <a:r>
+              <a:rPr lang="en-US" sz="2000" dirty="0" smtClean="0"/>
+              <a:t>), </a:t>
+            </a:r>
+            <a:r>
+              <a:rPr lang="en-US" sz="2000" dirty="0" err="1" smtClean="0"/>
+              <a:t>phân</a:t>
+            </a:r>
+            <a:r>
+              <a:rPr lang="en-US" sz="2000" dirty="0" smtClean="0"/>
+              <a:t> </a:t>
+            </a:r>
+            <a:r>
+              <a:rPr lang="en-US" sz="2000" dirty="0" err="1" smtClean="0"/>
+              <a:t>loại</a:t>
+            </a:r>
+            <a:r>
+              <a:rPr lang="en-US" sz="2000" dirty="0" smtClean="0"/>
+              <a:t> </a:t>
+            </a:r>
+            <a:r>
+              <a:rPr lang="en-US" sz="2000" dirty="0" err="1" smtClean="0"/>
+              <a:t>ngành</a:t>
+            </a:r>
+            <a:r>
+              <a:rPr lang="en-US" sz="2000" dirty="0" smtClean="0"/>
+              <a:t> </a:t>
+            </a:r>
+            <a:r>
+              <a:rPr lang="en-US" sz="2000" dirty="0" err="1" smtClean="0"/>
+              <a:t>nghề</a:t>
+            </a:r>
+            <a:endParaRPr lang="en-US" sz="2000" dirty="0" smtClean="0"/>
+          </a:p>
+          <a:p>
+            <a:pPr lvl="1">
+              <a:buFontTx/>
+              <a:buChar char="-"/>
+            </a:pPr>
+            <a:r>
+              <a:rPr lang="en-US" sz="2000" dirty="0" err="1" smtClean="0"/>
+              <a:t>Tập</a:t>
+            </a:r>
+            <a:r>
+              <a:rPr lang="en-US" sz="2000" dirty="0" smtClean="0"/>
+              <a:t> attribute </a:t>
+            </a:r>
+            <a:r>
+              <a:rPr lang="en-US" sz="2000" dirty="0" err="1" smtClean="0"/>
+              <a:t>của</a:t>
+            </a:r>
+            <a:r>
+              <a:rPr lang="en-US" sz="2000" dirty="0" smtClean="0"/>
+              <a:t> job description </a:t>
+            </a:r>
+            <a:r>
+              <a:rPr lang="en-US" sz="2000" dirty="0" err="1" smtClean="0"/>
+              <a:t>đơn</a:t>
+            </a:r>
+            <a:r>
+              <a:rPr lang="en-US" sz="2000" dirty="0" smtClean="0"/>
+              <a:t> </a:t>
+            </a:r>
+            <a:r>
+              <a:rPr lang="en-US" sz="2000" dirty="0" err="1" smtClean="0"/>
+              <a:t>giản</a:t>
+            </a:r>
+            <a:r>
+              <a:rPr lang="en-US" sz="2000" dirty="0"/>
+              <a:t> </a:t>
+            </a:r>
+            <a:endParaRPr lang="en-US" sz="2000" dirty="0" smtClean="0"/>
+          </a:p>
+          <a:p>
+            <a:pPr lvl="1"/>
+            <a:endParaRPr lang="en-US" sz="2400" dirty="0" smtClean="0"/>
+          </a:p>
+          <a:p>
+            <a:pPr lvl="1"/>
+            <a:endParaRPr lang="en-US" sz="2400" dirty="0"/>
+          </a:p>
+        </p:txBody>
+      </p:sp>
+    </p:spTree>
+    <p:extLst>
+      <p:ext uri="{BB962C8B-B14F-4D97-AF65-F5344CB8AC3E}">
+        <p14:creationId xmlns:p14="http://schemas.microsoft.com/office/powerpoint/2010/main" val="3980430846"/>
+      </p:ext>
+    </p:extLst>
+  </p:cSld>
+  <p:clrMapOvr>
+    <a:masterClrMapping/>
+  </p:clrMapOvr>
+  <p:transition spd="slow"/>
+  <p:timing>
+    <p:tnLst>
+      <p:par>
+        <p:cTn id="1" dur="indefinite" restart="never" nodeType="tmRoot"/>
+      </p:par>
+    </p:tnLst>
+  </p:timing>
+</p:sld>
+</file>
+
+<file path=ppt/slides/slide6.xml><?xml version="1.0" encoding="utf-8"?>
+<p:sld xmlns:a="http://schemas.openxmlformats.org/drawingml/2006/main" xmlns:r="http://schemas.openxmlformats.org/officeDocument/2006/relationships" xmlns:p="http://schemas.openxmlformats.org/presentationml/2006/main">
+  <p:cSld>
+    <p:spTree>
+      <p:nvGrpSpPr>
+        <p:cNvPr id="1" name=""/>
+        <p:cNvGrpSpPr/>
+        <p:nvPr/>
+      </p:nvGrpSpPr>
+      <p:grpSpPr>
+        <a:xfrm>
+          <a:off x="0" y="0"/>
+          <a:ext cx="0" cy="0"/>
+          <a:chOff x="0" y="0"/>
+          <a:chExt cx="0" cy="0"/>
+        </a:xfrm>
+      </p:grpSpPr>
+      <p:sp>
+        <p:nvSpPr>
+          <p:cNvPr id="2" name="Title 1"/>
+          <p:cNvSpPr>
+            <a:spLocks noGrp="1"/>
+          </p:cNvSpPr>
+          <p:nvPr>
+            <p:ph type="title"/>
+          </p:nvPr>
+        </p:nvSpPr>
+        <p:spPr/>
+        <p:txBody>
+          <a:bodyPr/>
+          <a:lstStyle/>
+          <a:p>
+            <a:r>
+              <a:rPr lang="en-US" dirty="0" err="1" smtClean="0"/>
+              <a:t>Mô</a:t>
+            </a:r>
+            <a:r>
+              <a:rPr lang="en-US" dirty="0" smtClean="0"/>
+              <a:t> </a:t>
+            </a:r>
+            <a:r>
+              <a:rPr lang="en-US" dirty="0" err="1" smtClean="0"/>
+              <a:t>tả</a:t>
+            </a:r>
+            <a:r>
+              <a:rPr lang="en-US" dirty="0" smtClean="0"/>
+              <a:t> </a:t>
+            </a:r>
+            <a:r>
+              <a:rPr lang="en-US" dirty="0" err="1" smtClean="0"/>
+              <a:t>bài</a:t>
+            </a:r>
+            <a:r>
+              <a:rPr lang="en-US" dirty="0" smtClean="0"/>
+              <a:t> </a:t>
+            </a:r>
+            <a:r>
+              <a:rPr lang="en-US" dirty="0" err="1" smtClean="0"/>
+              <a:t>toán</a:t>
+            </a:r>
+            <a:r>
+              <a:rPr lang="en-US" dirty="0" smtClean="0"/>
+              <a:t> – </a:t>
+            </a:r>
+            <a:r>
+              <a:rPr lang="en-US" dirty="0" err="1" smtClean="0"/>
+              <a:t>bài</a:t>
+            </a:r>
+            <a:r>
+              <a:rPr lang="en-US" dirty="0" smtClean="0"/>
+              <a:t> </a:t>
+            </a:r>
+            <a:r>
+              <a:rPr lang="en-US" dirty="0" err="1" smtClean="0"/>
+              <a:t>toán</a:t>
+            </a:r>
+            <a:r>
+              <a:rPr lang="en-US" dirty="0" smtClean="0"/>
+              <a:t> 2:</a:t>
+            </a:r>
+            <a:endParaRPr lang="en-US" dirty="0"/>
+          </a:p>
+        </p:txBody>
+      </p:sp>
+      <p:sp>
+        <p:nvSpPr>
+          <p:cNvPr id="3" name="Content Placeholder 2"/>
+          <p:cNvSpPr>
+            <a:spLocks noGrp="1"/>
+          </p:cNvSpPr>
+          <p:nvPr>
+            <p:ph idx="1"/>
+          </p:nvPr>
+        </p:nvSpPr>
+        <p:spPr/>
+        <p:txBody>
+          <a:bodyPr/>
+          <a:lstStyle/>
+          <a:p>
+            <a:endParaRPr lang="en-US"/>
+          </a:p>
+        </p:txBody>
+      </p:sp>
+    </p:spTree>
+    <p:extLst>
+      <p:ext uri="{BB962C8B-B14F-4D97-AF65-F5344CB8AC3E}">
+        <p14:creationId xmlns:p14="http://schemas.microsoft.com/office/powerpoint/2010/main" val="2281936890"/>
+      </p:ext>
+    </p:extLst>
+  </p:cSld>
+  <p:clrMapOvr>
+    <a:masterClrMapping/>
+  </p:clrMapOvr>
+  <p:transition spd="slow"/>
+  <p:timing>
+    <p:tnLst>
+      <p:par>
+        <p:cTn id="1" dur="indefinite" restart="never" nodeType="tmRoot"/>
+      </p:par>
+    </p:tnLst>
+  </p:timing>
+</p:sld>
+</file>
+
+<file path=ppt/slides/slide7.xml><?xml version="1.0" encoding="utf-8"?>
+<p:sld xmlns:a="http://schemas.openxmlformats.org/drawingml/2006/main" xmlns:r="http://schemas.openxmlformats.org/officeDocument/2006/relationships" xmlns:p="http://schemas.openxmlformats.org/presentationml/2006/main">
+  <p:cSld>
+    <p:spTree>
+      <p:nvGrpSpPr>
+        <p:cNvPr id="1" name=""/>
+        <p:cNvGrpSpPr/>
+        <p:nvPr/>
+      </p:nvGrpSpPr>
+      <p:grpSpPr>
+        <a:xfrm>
+          <a:off x="0" y="0"/>
+          <a:ext cx="0" cy="0"/>
+          <a:chOff x="0" y="0"/>
+          <a:chExt cx="0" cy="0"/>
+        </a:xfrm>
+      </p:grpSpPr>
+      <p:sp>
+        <p:nvSpPr>
+          <p:cNvPr id="2" name="Title 1"/>
+          <p:cNvSpPr>
+            <a:spLocks noGrp="1"/>
+          </p:cNvSpPr>
+          <p:nvPr>
+            <p:ph type="title"/>
+          </p:nvPr>
+        </p:nvSpPr>
+        <p:spPr/>
+        <p:txBody>
+          <a:bodyPr/>
+          <a:lstStyle/>
+          <a:p>
+            <a:endParaRPr lang="en-US"/>
+          </a:p>
+        </p:txBody>
+      </p:sp>
+      <p:sp>
+        <p:nvSpPr>
+          <p:cNvPr id="6" name="Content Placeholder 5"/>
+          <p:cNvSpPr>
+            <a:spLocks noGrp="1"/>
+          </p:cNvSpPr>
+          <p:nvPr>
+            <p:ph idx="1"/>
+          </p:nvPr>
+        </p:nvSpPr>
+        <p:spPr/>
+        <p:txBody>
+          <a:bodyPr/>
+          <a:lstStyle/>
+          <a:p>
+            <a:endParaRPr lang="en-US"/>
+          </a:p>
+        </p:txBody>
+      </p:sp>
+    </p:spTree>
+    <p:extLst>
+      <p:ext uri="{BB962C8B-B14F-4D97-AF65-F5344CB8AC3E}">
+        <p14:creationId xmlns:p14="http://schemas.microsoft.com/office/powerpoint/2010/main" val="1562722271"/>
+      </p:ext>
+    </p:extLst>
+  </p:cSld>
+  <p:clrMapOvr>
+    <a:masterClrMapping/>
+  </p:clrMapOvr>
+  <p:transition spd="slow"/>
+  <p:timing>
+    <p:tnLst>
+      <p:par>
+        <p:cTn id="1" dur="indefinite" restart="never" nodeType="tmRoot"/>
+      </p:par>
+    </p:tnLst>
+  </p:timing>
+</p:sld>
+</file>
+
+<file path=ppt/slides/slide8.xml><?xml version="1.0" encoding="utf-8"?>
+<p:sld xmlns:a="http://schemas.openxmlformats.org/drawingml/2006/main" xmlns:r="http://schemas.openxmlformats.org/officeDocument/2006/relationships" xmlns:p="http://schemas.openxmlformats.org/presentationml/2006/main">
+  <p:cSld>
+    <p:spTree>
+      <p:nvGrpSpPr>
+        <p:cNvPr id="1" name=""/>
+        <p:cNvGrpSpPr/>
+        <p:nvPr/>
+      </p:nvGrpSpPr>
+      <p:grpSpPr>
+        <a:xfrm>
+          <a:off x="0" y="0"/>
+          <a:ext cx="0" cy="0"/>
+          <a:chOff x="0" y="0"/>
+          <a:chExt cx="0" cy="0"/>
+        </a:xfrm>
+      </p:grpSpPr>
+      <p:sp>
+        <p:nvSpPr>
+          <p:cNvPr id="2" name="Title 1"/>
+          <p:cNvSpPr>
+            <a:spLocks noGrp="1"/>
+          </p:cNvSpPr>
+          <p:nvPr>
+            <p:ph type="title"/>
+          </p:nvPr>
+        </p:nvSpPr>
+        <p:spPr/>
+        <p:txBody>
+          <a:bodyPr/>
+          <a:lstStyle/>
+          <a:p>
+            <a:r>
+              <a:rPr lang="en-US" dirty="0" err="1" smtClean="0"/>
               <a:t>Mục</a:t>
             </a:r>
             <a:r>
@@ -13146,7 +14198,7 @@
 </p:sld>
 </file>
 
-<file path=ppt/slides/slide6.xml><?xml version="1.0" encoding="utf-8"?>
+<file path=ppt/slides/slide9.xml><?xml version="1.0" encoding="utf-8"?>
 <p:sld xmlns:a="http://schemas.openxmlformats.org/drawingml/2006/main" xmlns:r="http://schemas.openxmlformats.org/officeDocument/2006/relationships" xmlns:p="http://schemas.openxmlformats.org/presentationml/2006/main">
   <p:cSld>
     <p:spTree>

--- a/Documents/JobZoom.pptx
+++ b/Documents/JobZoom.pptx
@@ -7,18 +7,16 @@
     <p:sldMasterId id="2147483683" r:id="rId3"/>
   </p:sldMasterIdLst>
   <p:notesMasterIdLst>
-    <p:notesMasterId r:id="rId13"/>
+    <p:notesMasterId r:id="rId11"/>
   </p:notesMasterIdLst>
   <p:sldIdLst>
     <p:sldId id="256" r:id="rId4"/>
     <p:sldId id="263" r:id="rId5"/>
     <p:sldId id="264" r:id="rId6"/>
-    <p:sldId id="265" r:id="rId7"/>
-    <p:sldId id="262" r:id="rId8"/>
-    <p:sldId id="260" r:id="rId9"/>
-    <p:sldId id="261" r:id="rId10"/>
-    <p:sldId id="258" r:id="rId11"/>
-    <p:sldId id="259" r:id="rId12"/>
+    <p:sldId id="262" r:id="rId7"/>
+    <p:sldId id="265" r:id="rId8"/>
+    <p:sldId id="258" r:id="rId9"/>
+    <p:sldId id="259" r:id="rId10"/>
   </p:sldIdLst>
   <p:sldSz cx="9144000" cy="6858000" type="screen4x3"/>
   <p:notesSz cx="6858000" cy="9144000"/>
@@ -202,7 +200,7 @@
           <a:p>
             <a:fld id="{583FCA0D-5591-4BBE-99D9-278F61168510}" type="datetimeFigureOut">
               <a:rPr lang="en-US" smtClean="0"/>
-              <a:t>8/23/2011</a:t>
+              <a:t>8/25/2011</a:t>
             </a:fld>
             <a:endParaRPr lang="en-US"/>
           </a:p>
@@ -780,7 +778,7 @@
           <a:p>
             <a:fld id="{2E16D3F5-7A2C-4A23-896D-2AF7EDFD4A28}" type="datetimeFigureOut">
               <a:rPr lang="en-US" smtClean="0"/>
-              <a:t>8/23/2011</a:t>
+              <a:t>8/25/2011</a:t>
             </a:fld>
             <a:endParaRPr lang="en-US"/>
           </a:p>
@@ -3391,7 +3389,7 @@
           <a:p>
             <a:fld id="{2E16D3F5-7A2C-4A23-896D-2AF7EDFD4A28}" type="datetimeFigureOut">
               <a:rPr lang="en-US" smtClean="0"/>
-              <a:t>8/23/2011</a:t>
+              <a:t>8/25/2011</a:t>
             </a:fld>
             <a:endParaRPr lang="en-US"/>
           </a:p>
@@ -9410,7 +9408,7 @@
           <a:p>
             <a:fld id="{2E16D3F5-7A2C-4A23-896D-2AF7EDFD4A28}" type="datetimeFigureOut">
               <a:rPr lang="en-US" smtClean="0"/>
-              <a:t>8/23/2011</a:t>
+              <a:t>8/25/2011</a:t>
             </a:fld>
             <a:endParaRPr lang="en-US"/>
           </a:p>
@@ -12490,8 +12488,21 @@
             </a:r>
             <a:r>
               <a:rPr lang="en-US" u="sng" dirty="0" smtClean="0"/>
-              <a:t>&gt;</a:t>
-            </a:r>
+              <a:t>&gt; </a:t>
+            </a:r>
+            <a:r>
+              <a:rPr lang="en-US" u="sng" dirty="0" err="1" smtClean="0"/>
+              <a:t>của</a:t>
+            </a:r>
+            <a:r>
+              <a:rPr lang="en-US" u="sng" dirty="0" smtClean="0"/>
+              <a:t> </a:t>
+            </a:r>
+            <a:r>
+              <a:rPr lang="en-US" u="sng" dirty="0" err="1" smtClean="0"/>
+              <a:t>VietnamWork</a:t>
+            </a:r>
+            <a:endParaRPr lang="en-US" u="sng" dirty="0" smtClean="0"/>
           </a:p>
           <a:p>
             <a:endParaRPr lang="en-US" u="sng" dirty="0" smtClean="0"/>
@@ -12947,11 +12958,11 @@
   <p:clrMapOvr>
     <a:masterClrMapping/>
   </p:clrMapOvr>
-  <mc:AlternateContent xmlns:mc="http://schemas.openxmlformats.org/markup-compatibility/2006">
-    <mc:Choice xmlns:p14="http://schemas.microsoft.com/office/powerpoint/2010/main" Requires="p14">
+  <mc:AlternateContent xmlns:mc="http://schemas.openxmlformats.org/markup-compatibility/2006" xmlns:p14="http://schemas.microsoft.com/office/powerpoint/2010/main">
+    <mc:Choice Requires="p14">
       <p:transition spd="slow" p14:dur="2000"/>
     </mc:Choice>
-    <mc:Fallback>
+    <mc:Fallback xmlns="">
       <p:transition spd="slow"/>
     </mc:Fallback>
   </mc:AlternateContent>
@@ -13077,6 +13088,10 @@
               <a:buAutoNum type="arabicPeriod"/>
             </a:pPr>
             <a:r>
+              <a:rPr lang="en-US" u="sng" dirty="0" smtClean="0"/>
+              <a:t>Matching &amp; </a:t>
+            </a:r>
+            <a:r>
               <a:rPr lang="en-US" u="sng" dirty="0" err="1" smtClean="0"/>
               <a:t>Tập</a:t>
             </a:r>
@@ -13293,14 +13308,17 @@
               <a:t> </a:t>
             </a:r>
             <a:r>
-              <a:rPr lang="en-US" dirty="0" err="1"/>
+              <a:rPr lang="en-US" i="1" dirty="0" err="1"/>
               <a:t>tập</a:t>
             </a:r>
             <a:r>
-              <a:rPr lang="en-US" dirty="0"/>
-              <a:t> attribute</a:t>
-            </a:r>
-            <a:endParaRPr lang="en-US" dirty="0" smtClean="0"/>
+              <a:rPr lang="en-US" i="1" dirty="0"/>
+              <a:t> </a:t>
+            </a:r>
+            <a:r>
+              <a:rPr lang="en-US" i="1" dirty="0" smtClean="0"/>
+              <a:t>attributes</a:t>
+            </a:r>
           </a:p>
           <a:p>
             <a:pPr marL="342900" indent="-342900">
@@ -13377,16 +13395,920 @@
           <a:chExt cx="0" cy="0"/>
         </a:xfrm>
       </p:grpSpPr>
+      <p:sp>
+        <p:nvSpPr>
+          <p:cNvPr id="2" name="Title 1"/>
+          <p:cNvSpPr>
+            <a:spLocks noGrp="1"/>
+          </p:cNvSpPr>
+          <p:nvPr>
+            <p:ph type="title"/>
+          </p:nvPr>
+        </p:nvSpPr>
+        <p:spPr/>
+        <p:txBody>
+          <a:bodyPr/>
+          <a:lstStyle/>
+          <a:p>
+            <a:r>
+              <a:rPr lang="en-US" dirty="0" err="1" smtClean="0"/>
+              <a:t>Mô</a:t>
+            </a:r>
+            <a:r>
+              <a:rPr lang="en-US" dirty="0" smtClean="0"/>
+              <a:t> </a:t>
+            </a:r>
+            <a:r>
+              <a:rPr lang="en-US" dirty="0" err="1" smtClean="0"/>
+              <a:t>tả</a:t>
+            </a:r>
+            <a:r>
+              <a:rPr lang="en-US" dirty="0" smtClean="0"/>
+              <a:t> </a:t>
+            </a:r>
+            <a:r>
+              <a:rPr lang="en-US" dirty="0" err="1" smtClean="0"/>
+              <a:t>bài</a:t>
+            </a:r>
+            <a:r>
+              <a:rPr lang="en-US" dirty="0" smtClean="0"/>
+              <a:t> </a:t>
+            </a:r>
+            <a:r>
+              <a:rPr lang="en-US" dirty="0" err="1" smtClean="0"/>
+              <a:t>toán</a:t>
+            </a:r>
+            <a:endParaRPr lang="en-US" dirty="0"/>
+          </a:p>
+        </p:txBody>
+      </p:sp>
+      <p:sp>
+        <p:nvSpPr>
+          <p:cNvPr id="3" name="Content Placeholder 2"/>
+          <p:cNvSpPr>
+            <a:spLocks noGrp="1"/>
+          </p:cNvSpPr>
+          <p:nvPr>
+            <p:ph idx="1"/>
+          </p:nvPr>
+        </p:nvSpPr>
+        <p:spPr>
+          <a:xfrm>
+            <a:off x="457200" y="914400"/>
+            <a:ext cx="8229600" cy="5943600"/>
+          </a:xfrm>
+        </p:spPr>
+        <p:txBody>
+          <a:bodyPr>
+            <a:normAutofit/>
+          </a:bodyPr>
+          <a:lstStyle/>
+          <a:p>
+            <a:pPr marL="0" indent="0">
+              <a:buNone/>
+            </a:pPr>
+            <a:r>
+              <a:rPr lang="en-US" sz="2400" u="sng" dirty="0" err="1" smtClean="0"/>
+              <a:t>Bài</a:t>
+            </a:r>
+            <a:r>
+              <a:rPr lang="en-US" sz="2400" u="sng" dirty="0" smtClean="0"/>
+              <a:t> </a:t>
+            </a:r>
+            <a:r>
+              <a:rPr lang="en-US" sz="2400" u="sng" dirty="0" err="1" smtClean="0"/>
+              <a:t>toán</a:t>
+            </a:r>
+            <a:r>
+              <a:rPr lang="en-US" sz="2400" u="sng" dirty="0" smtClean="0"/>
+              <a:t> 1:</a:t>
+            </a:r>
+          </a:p>
+          <a:p>
+            <a:r>
+              <a:rPr lang="en-US" sz="2400" dirty="0" err="1" smtClean="0"/>
+              <a:t>Các</a:t>
+            </a:r>
+            <a:r>
+              <a:rPr lang="en-US" sz="2400" dirty="0" smtClean="0"/>
+              <a:t> </a:t>
+            </a:r>
+            <a:r>
+              <a:rPr lang="en-US" sz="2400" dirty="0" err="1" smtClean="0"/>
+              <a:t>hệ</a:t>
+            </a:r>
+            <a:r>
+              <a:rPr lang="en-US" sz="2400" dirty="0" smtClean="0"/>
+              <a:t> </a:t>
+            </a:r>
+            <a:r>
+              <a:rPr lang="en-US" sz="2400" dirty="0" err="1" smtClean="0"/>
+              <a:t>thống</a:t>
+            </a:r>
+            <a:r>
+              <a:rPr lang="en-US" sz="2400" dirty="0" smtClean="0"/>
+              <a:t> </a:t>
+            </a:r>
+            <a:r>
+              <a:rPr lang="en-US" sz="2400" dirty="0" err="1" smtClean="0"/>
+              <a:t>tìm</a:t>
+            </a:r>
+            <a:r>
+              <a:rPr lang="en-US" sz="2400" dirty="0" smtClean="0"/>
+              <a:t> </a:t>
+            </a:r>
+            <a:r>
+              <a:rPr lang="en-US" sz="2400" dirty="0" err="1" smtClean="0"/>
+              <a:t>kiếm</a:t>
+            </a:r>
+            <a:r>
+              <a:rPr lang="en-US" sz="2400" dirty="0" smtClean="0"/>
+              <a:t> </a:t>
+            </a:r>
+            <a:r>
+              <a:rPr lang="en-US" sz="2400" dirty="0" err="1" smtClean="0"/>
+              <a:t>việc</a:t>
+            </a:r>
+            <a:r>
+              <a:rPr lang="en-US" sz="2400" dirty="0" smtClean="0"/>
+              <a:t> </a:t>
+            </a:r>
+            <a:r>
+              <a:rPr lang="en-US" sz="2400" dirty="0" err="1" smtClean="0"/>
+              <a:t>làm</a:t>
+            </a:r>
+            <a:r>
+              <a:rPr lang="en-US" sz="2400" dirty="0" smtClean="0"/>
+              <a:t> </a:t>
+            </a:r>
+            <a:r>
+              <a:rPr lang="en-US" sz="2400" dirty="0" err="1" smtClean="0"/>
+              <a:t>hiện</a:t>
+            </a:r>
+            <a:r>
+              <a:rPr lang="en-US" sz="2400" dirty="0" smtClean="0"/>
+              <a:t> nay </a:t>
+            </a:r>
+            <a:r>
+              <a:rPr lang="en-US" sz="2400" dirty="0" err="1" smtClean="0"/>
+              <a:t>còn</a:t>
+            </a:r>
+            <a:r>
+              <a:rPr lang="en-US" sz="2400" dirty="0" smtClean="0"/>
+              <a:t> </a:t>
+            </a:r>
+            <a:r>
+              <a:rPr lang="en-US" sz="2400" dirty="0" err="1" smtClean="0"/>
+              <a:t>hạn</a:t>
+            </a:r>
+            <a:r>
+              <a:rPr lang="en-US" sz="2400" dirty="0" smtClean="0"/>
+              <a:t> </a:t>
+            </a:r>
+            <a:r>
+              <a:rPr lang="en-US" sz="2400" dirty="0" err="1" smtClean="0"/>
+              <a:t>chế</a:t>
+            </a:r>
+            <a:r>
+              <a:rPr lang="en-US" sz="2400" dirty="0" smtClean="0"/>
+              <a:t> </a:t>
+            </a:r>
+            <a:r>
+              <a:rPr lang="en-US" sz="2400" dirty="0" err="1" smtClean="0"/>
+              <a:t>một</a:t>
+            </a:r>
+            <a:r>
+              <a:rPr lang="en-US" sz="2400" dirty="0" smtClean="0"/>
+              <a:t> </a:t>
+            </a:r>
+            <a:r>
+              <a:rPr lang="en-US" sz="2400" dirty="0" err="1" smtClean="0"/>
+              <a:t>số</a:t>
+            </a:r>
+            <a:r>
+              <a:rPr lang="en-US" sz="2400" dirty="0" smtClean="0"/>
+              <a:t> </a:t>
+            </a:r>
+            <a:r>
+              <a:rPr lang="en-US" sz="2400" dirty="0" err="1" smtClean="0"/>
+              <a:t>điểm</a:t>
+            </a:r>
+            <a:r>
+              <a:rPr lang="en-US" sz="2400" dirty="0" smtClean="0"/>
+              <a:t>:</a:t>
+            </a:r>
+            <a:endParaRPr lang="en-US" sz="2400" dirty="0"/>
+          </a:p>
+          <a:p>
+            <a:pPr lvl="1">
+              <a:buFontTx/>
+              <a:buChar char="-"/>
+            </a:pPr>
+            <a:r>
+              <a:rPr lang="en-US" sz="2000" dirty="0" smtClean="0"/>
+              <a:t>Job Description </a:t>
+            </a:r>
+            <a:r>
+              <a:rPr lang="en-US" sz="2000" dirty="0" err="1" smtClean="0"/>
+              <a:t>của</a:t>
+            </a:r>
+            <a:r>
+              <a:rPr lang="en-US" sz="2000" dirty="0" smtClean="0"/>
+              <a:t> &lt;</a:t>
+            </a:r>
+            <a:r>
+              <a:rPr lang="en-US" sz="2000" dirty="0" err="1" smtClean="0"/>
+              <a:t>doanh</a:t>
+            </a:r>
+            <a:r>
+              <a:rPr lang="en-US" sz="2000" dirty="0" smtClean="0"/>
+              <a:t> </a:t>
+            </a:r>
+            <a:r>
+              <a:rPr lang="en-US" sz="2000" dirty="0" err="1" smtClean="0"/>
+              <a:t>nghiệp</a:t>
+            </a:r>
+            <a:r>
+              <a:rPr lang="en-US" sz="2000" dirty="0" smtClean="0"/>
+              <a:t>&gt; </a:t>
+            </a:r>
+            <a:r>
+              <a:rPr lang="en-US" sz="2000" dirty="0" err="1" smtClean="0"/>
+              <a:t>còn</a:t>
+            </a:r>
+            <a:r>
+              <a:rPr lang="en-US" sz="2000" dirty="0" smtClean="0"/>
+              <a:t> </a:t>
+            </a:r>
+            <a:r>
+              <a:rPr lang="en-US" sz="2000" dirty="0" err="1" smtClean="0"/>
+              <a:t>quá</a:t>
+            </a:r>
+            <a:r>
+              <a:rPr lang="en-US" sz="2000" dirty="0" smtClean="0"/>
+              <a:t> </a:t>
+            </a:r>
+            <a:r>
+              <a:rPr lang="en-US" sz="2000" dirty="0" err="1" smtClean="0"/>
+              <a:t>đơn</a:t>
+            </a:r>
+            <a:r>
+              <a:rPr lang="en-US" sz="2000" dirty="0" smtClean="0"/>
+              <a:t> </a:t>
+            </a:r>
+            <a:r>
+              <a:rPr lang="en-US" sz="2000" dirty="0" err="1" smtClean="0"/>
+              <a:t>giản</a:t>
+            </a:r>
+            <a:r>
+              <a:rPr lang="en-US" sz="2000" dirty="0" smtClean="0"/>
+              <a:t>. (</a:t>
+            </a:r>
+            <a:r>
+              <a:rPr lang="en-US" sz="2000" dirty="0" err="1" smtClean="0"/>
+              <a:t>hoặc</a:t>
+            </a:r>
+            <a:r>
+              <a:rPr lang="en-US" sz="2000" dirty="0" smtClean="0"/>
+              <a:t> text </a:t>
+            </a:r>
+            <a:r>
+              <a:rPr lang="en-US" sz="2000" dirty="0" err="1" smtClean="0"/>
+              <a:t>thô</a:t>
+            </a:r>
+            <a:r>
+              <a:rPr lang="en-US" sz="2000" dirty="0" smtClean="0"/>
+              <a:t>)</a:t>
+            </a:r>
+          </a:p>
+          <a:p>
+            <a:pPr lvl="1">
+              <a:buFontTx/>
+              <a:buChar char="-"/>
+            </a:pPr>
+            <a:r>
+              <a:rPr lang="en-US" sz="2000" dirty="0" smtClean="0"/>
+              <a:t>Search engine </a:t>
+            </a:r>
+            <a:r>
+              <a:rPr lang="en-US" sz="2000" dirty="0" err="1" smtClean="0"/>
+              <a:t>tìm</a:t>
+            </a:r>
+            <a:r>
+              <a:rPr lang="en-US" sz="2000" dirty="0" smtClean="0"/>
+              <a:t> </a:t>
+            </a:r>
+            <a:r>
+              <a:rPr lang="en-US" sz="2000" dirty="0" err="1" smtClean="0"/>
+              <a:t>kiếm</a:t>
+            </a:r>
+            <a:r>
+              <a:rPr lang="en-US" sz="2000" dirty="0" smtClean="0"/>
+              <a:t> </a:t>
+            </a:r>
+            <a:r>
+              <a:rPr lang="en-US" sz="2000" dirty="0" err="1" smtClean="0"/>
+              <a:t>theo</a:t>
+            </a:r>
+            <a:r>
+              <a:rPr lang="en-US" sz="2000" dirty="0" smtClean="0"/>
+              <a:t> </a:t>
+            </a:r>
+            <a:r>
+              <a:rPr lang="en-US" sz="2000" dirty="0" err="1" smtClean="0"/>
+              <a:t>các</a:t>
+            </a:r>
+            <a:r>
+              <a:rPr lang="en-US" sz="2000" dirty="0" smtClean="0"/>
+              <a:t> </a:t>
+            </a:r>
+            <a:r>
+              <a:rPr lang="en-US" sz="2000" dirty="0" err="1" smtClean="0"/>
+              <a:t>tiêu</a:t>
+            </a:r>
+            <a:r>
+              <a:rPr lang="en-US" sz="2000" dirty="0" smtClean="0"/>
+              <a:t> </a:t>
+            </a:r>
+            <a:r>
+              <a:rPr lang="en-US" sz="2000" dirty="0" err="1" smtClean="0"/>
+              <a:t>chí</a:t>
+            </a:r>
+            <a:r>
+              <a:rPr lang="en-US" sz="2000" dirty="0" smtClean="0"/>
+              <a:t> </a:t>
+            </a:r>
+            <a:r>
+              <a:rPr lang="en-US" sz="2000" dirty="0" err="1" smtClean="0"/>
+              <a:t>đơn</a:t>
+            </a:r>
+            <a:r>
+              <a:rPr lang="en-US" sz="2000" dirty="0" smtClean="0"/>
+              <a:t> </a:t>
+            </a:r>
+            <a:r>
+              <a:rPr lang="en-US" sz="2000" dirty="0" err="1" smtClean="0"/>
+              <a:t>giản</a:t>
+            </a:r>
+            <a:r>
+              <a:rPr lang="en-US" sz="2000" dirty="0" smtClean="0"/>
+              <a:t> (</a:t>
+            </a:r>
+            <a:r>
+              <a:rPr lang="en-US" sz="2000" dirty="0" err="1" smtClean="0"/>
+              <a:t>hoặc</a:t>
+            </a:r>
+            <a:r>
+              <a:rPr lang="en-US" sz="2000" dirty="0" smtClean="0"/>
+              <a:t> text </a:t>
+            </a:r>
+            <a:r>
+              <a:rPr lang="en-US" sz="2000" dirty="0" err="1" smtClean="0"/>
+              <a:t>thô</a:t>
+            </a:r>
+            <a:r>
+              <a:rPr lang="en-US" sz="2000" dirty="0" smtClean="0"/>
+              <a:t>), </a:t>
+            </a:r>
+            <a:r>
+              <a:rPr lang="en-US" sz="2000" dirty="0" err="1" smtClean="0"/>
+              <a:t>phân</a:t>
+            </a:r>
+            <a:r>
+              <a:rPr lang="en-US" sz="2000" dirty="0" smtClean="0"/>
+              <a:t> </a:t>
+            </a:r>
+            <a:r>
+              <a:rPr lang="en-US" sz="2000" dirty="0" err="1" smtClean="0"/>
+              <a:t>loại</a:t>
+            </a:r>
+            <a:r>
+              <a:rPr lang="en-US" sz="2000" dirty="0" smtClean="0"/>
+              <a:t> </a:t>
+            </a:r>
+            <a:r>
+              <a:rPr lang="en-US" sz="2000" dirty="0" err="1" smtClean="0"/>
+              <a:t>ngành</a:t>
+            </a:r>
+            <a:r>
+              <a:rPr lang="en-US" sz="2000" dirty="0" smtClean="0"/>
+              <a:t> </a:t>
+            </a:r>
+            <a:r>
+              <a:rPr lang="en-US" sz="2000" dirty="0" err="1" smtClean="0"/>
+              <a:t>nghề</a:t>
+            </a:r>
+            <a:endParaRPr lang="en-US" sz="2000" dirty="0" smtClean="0"/>
+          </a:p>
+          <a:p>
+            <a:pPr lvl="1">
+              <a:buFontTx/>
+              <a:buChar char="-"/>
+            </a:pPr>
+            <a:r>
+              <a:rPr lang="en-US" sz="2000" dirty="0" err="1" smtClean="0"/>
+              <a:t>Tập</a:t>
+            </a:r>
+            <a:r>
+              <a:rPr lang="en-US" sz="2000" dirty="0" smtClean="0"/>
+              <a:t> attribute </a:t>
+            </a:r>
+            <a:r>
+              <a:rPr lang="en-US" sz="2000" dirty="0" err="1" smtClean="0"/>
+              <a:t>của</a:t>
+            </a:r>
+            <a:r>
+              <a:rPr lang="en-US" sz="2000" dirty="0" smtClean="0"/>
+              <a:t> job description </a:t>
+            </a:r>
+            <a:r>
+              <a:rPr lang="en-US" sz="2000" dirty="0" err="1" smtClean="0"/>
+              <a:t>đơn</a:t>
+            </a:r>
+            <a:r>
+              <a:rPr lang="en-US" sz="2000" dirty="0" smtClean="0"/>
+              <a:t> </a:t>
+            </a:r>
+            <a:r>
+              <a:rPr lang="en-US" sz="2000" dirty="0" err="1" smtClean="0"/>
+              <a:t>giản</a:t>
+            </a:r>
+            <a:r>
+              <a:rPr lang="en-US" sz="2000" dirty="0" smtClean="0"/>
+              <a:t>.</a:t>
+            </a:r>
+          </a:p>
+          <a:p>
+            <a:pPr marL="457200" lvl="1" indent="0">
+              <a:buNone/>
+            </a:pPr>
+            <a:r>
+              <a:rPr lang="en-US" sz="2000" b="1" u="sng" dirty="0" smtClean="0"/>
+              <a:t>-&gt; </a:t>
+            </a:r>
+            <a:r>
+              <a:rPr lang="en-US" sz="2000" b="1" u="sng" dirty="0" err="1" smtClean="0"/>
+              <a:t>Bài</a:t>
+            </a:r>
+            <a:r>
+              <a:rPr lang="en-US" sz="2000" b="1" u="sng" dirty="0" smtClean="0"/>
+              <a:t> </a:t>
+            </a:r>
+            <a:r>
+              <a:rPr lang="en-US" sz="2000" b="1" u="sng" dirty="0" err="1" smtClean="0"/>
+              <a:t>toán</a:t>
+            </a:r>
+            <a:r>
+              <a:rPr lang="en-US" sz="2000" b="1" u="sng" dirty="0" smtClean="0"/>
+              <a:t>: </a:t>
+            </a:r>
+            <a:r>
+              <a:rPr lang="en-US" sz="2000" b="1" u="sng" dirty="0" err="1" smtClean="0"/>
+              <a:t>Xây</a:t>
+            </a:r>
+            <a:r>
+              <a:rPr lang="en-US" sz="2000" b="1" u="sng" dirty="0" smtClean="0"/>
+              <a:t> </a:t>
+            </a:r>
+            <a:r>
+              <a:rPr lang="en-US" sz="2000" b="1" u="sng" dirty="0" err="1" smtClean="0"/>
+              <a:t>dựng</a:t>
+            </a:r>
+            <a:r>
+              <a:rPr lang="en-US" sz="2000" b="1" u="sng" dirty="0" smtClean="0"/>
+              <a:t> </a:t>
+            </a:r>
+            <a:r>
+              <a:rPr lang="en-US" sz="2000" b="1" u="sng" dirty="0" err="1" smtClean="0"/>
+              <a:t>kiến</a:t>
+            </a:r>
+            <a:r>
+              <a:rPr lang="en-US" sz="2000" b="1" u="sng" dirty="0" smtClean="0"/>
+              <a:t> </a:t>
+            </a:r>
+            <a:r>
+              <a:rPr lang="en-US" sz="2000" b="1" u="sng" dirty="0" err="1" smtClean="0"/>
+              <a:t>trúc</a:t>
+            </a:r>
+            <a:r>
+              <a:rPr lang="en-US" sz="2000" b="1" u="sng" dirty="0" smtClean="0"/>
+              <a:t> </a:t>
+            </a:r>
+            <a:r>
+              <a:rPr lang="en-US" sz="2000" b="1" u="sng" dirty="0" err="1" smtClean="0"/>
+              <a:t>phần</a:t>
+            </a:r>
+            <a:r>
+              <a:rPr lang="en-US" sz="2000" b="1" u="sng" dirty="0" smtClean="0"/>
+              <a:t> </a:t>
+            </a:r>
+            <a:r>
+              <a:rPr lang="en-US" sz="2000" b="1" u="sng" dirty="0" err="1" smtClean="0"/>
+              <a:t>mềm</a:t>
+            </a:r>
+            <a:r>
+              <a:rPr lang="en-US" sz="2000" b="1" u="sng" dirty="0"/>
+              <a:t> </a:t>
+            </a:r>
+            <a:r>
+              <a:rPr lang="en-US" sz="2000" b="1" u="sng" dirty="0" err="1" smtClean="0"/>
+              <a:t>đa</a:t>
+            </a:r>
+            <a:r>
+              <a:rPr lang="en-US" sz="2000" b="1" u="sng" dirty="0" smtClean="0"/>
+              <a:t> </a:t>
+            </a:r>
+            <a:r>
+              <a:rPr lang="en-US" sz="2000" b="1" u="sng" dirty="0" err="1" smtClean="0"/>
+              <a:t>dạng</a:t>
+            </a:r>
+            <a:r>
+              <a:rPr lang="en-US" sz="2000" b="1" u="sng" dirty="0" smtClean="0"/>
+              <a:t> </a:t>
+            </a:r>
+            <a:r>
+              <a:rPr lang="en-US" sz="2000" b="1" u="sng" dirty="0" err="1" smtClean="0"/>
+              <a:t>tập</a:t>
+            </a:r>
+            <a:r>
+              <a:rPr lang="en-US" sz="2000" b="1" u="sng" dirty="0" smtClean="0"/>
+              <a:t> attributes.</a:t>
+            </a:r>
+          </a:p>
+          <a:p>
+            <a:pPr lvl="1">
+              <a:buFontTx/>
+              <a:buChar char="-"/>
+            </a:pPr>
+            <a:r>
+              <a:rPr lang="en-US" sz="2000" b="1" dirty="0" smtClean="0"/>
+              <a:t>Matching tool:</a:t>
+            </a:r>
+            <a:r>
+              <a:rPr lang="en-US" sz="2000" dirty="0" smtClean="0"/>
+              <a:t> </a:t>
+            </a:r>
+            <a:r>
+              <a:rPr lang="en-US" sz="2000" dirty="0" err="1" smtClean="0"/>
+              <a:t>tạo</a:t>
+            </a:r>
+            <a:r>
+              <a:rPr lang="en-US" sz="2000" dirty="0" smtClean="0"/>
+              <a:t> </a:t>
+            </a:r>
+            <a:r>
+              <a:rPr lang="en-US" sz="2000" dirty="0" err="1" smtClean="0"/>
+              <a:t>mối</a:t>
+            </a:r>
+            <a:r>
+              <a:rPr lang="en-US" sz="2000" dirty="0" smtClean="0"/>
+              <a:t> </a:t>
+            </a:r>
+            <a:r>
+              <a:rPr lang="en-US" sz="2000" dirty="0" err="1" smtClean="0"/>
+              <a:t>tương</a:t>
+            </a:r>
+            <a:r>
+              <a:rPr lang="en-US" sz="2000" dirty="0" smtClean="0"/>
+              <a:t> </a:t>
+            </a:r>
+            <a:r>
+              <a:rPr lang="en-US" sz="2000" dirty="0" err="1" smtClean="0"/>
+              <a:t>quan</a:t>
+            </a:r>
+            <a:r>
+              <a:rPr lang="en-US" sz="2000" dirty="0" smtClean="0"/>
+              <a:t> </a:t>
+            </a:r>
+            <a:r>
+              <a:rPr lang="en-US" sz="2000" dirty="0" err="1" smtClean="0"/>
+              <a:t>giữa</a:t>
+            </a:r>
+            <a:r>
+              <a:rPr lang="en-US" sz="2000" dirty="0" smtClean="0"/>
+              <a:t> &lt;</a:t>
+            </a:r>
+            <a:r>
+              <a:rPr lang="en-US" sz="2000" dirty="0" err="1" smtClean="0"/>
+              <a:t>nhà</a:t>
+            </a:r>
+            <a:r>
+              <a:rPr lang="en-US" sz="2000" dirty="0" smtClean="0"/>
+              <a:t> </a:t>
+            </a:r>
+            <a:r>
+              <a:rPr lang="en-US" sz="2000" dirty="0" err="1" smtClean="0"/>
+              <a:t>tuyển</a:t>
+            </a:r>
+            <a:r>
+              <a:rPr lang="en-US" sz="2000" dirty="0" smtClean="0"/>
+              <a:t> </a:t>
+            </a:r>
+            <a:r>
+              <a:rPr lang="en-US" sz="2000" dirty="0" err="1" smtClean="0"/>
+              <a:t>dụng</a:t>
+            </a:r>
+            <a:r>
+              <a:rPr lang="en-US" sz="2000" dirty="0" smtClean="0"/>
+              <a:t>&gt; </a:t>
+            </a:r>
+            <a:r>
+              <a:rPr lang="en-US" sz="2000" dirty="0" err="1" smtClean="0"/>
+              <a:t>và</a:t>
+            </a:r>
+            <a:r>
+              <a:rPr lang="en-US" sz="2000" dirty="0" smtClean="0"/>
+              <a:t> &lt;</a:t>
+            </a:r>
+            <a:r>
+              <a:rPr lang="en-US" sz="2000" dirty="0" err="1" smtClean="0"/>
+              <a:t>kiếm</a:t>
+            </a:r>
+            <a:r>
+              <a:rPr lang="en-US" sz="2000" dirty="0" smtClean="0"/>
+              <a:t> </a:t>
+            </a:r>
+            <a:r>
+              <a:rPr lang="en-US" sz="2000" dirty="0" err="1" smtClean="0"/>
+              <a:t>việc</a:t>
+            </a:r>
+            <a:r>
+              <a:rPr lang="en-US" sz="2000" dirty="0" smtClean="0"/>
+              <a:t>&gt; </a:t>
+            </a:r>
+            <a:r>
+              <a:rPr lang="en-US" sz="2000" dirty="0" err="1" smtClean="0"/>
+              <a:t>dựa</a:t>
+            </a:r>
+            <a:r>
+              <a:rPr lang="en-US" sz="2000" dirty="0" smtClean="0"/>
+              <a:t> </a:t>
+            </a:r>
+            <a:r>
+              <a:rPr lang="en-US" sz="2000" dirty="0" err="1" smtClean="0"/>
+              <a:t>trên</a:t>
+            </a:r>
+            <a:r>
+              <a:rPr lang="en-US" sz="2000" dirty="0" smtClean="0"/>
+              <a:t> </a:t>
+            </a:r>
+            <a:r>
+              <a:rPr lang="en-US" sz="2000" dirty="0" err="1" smtClean="0"/>
+              <a:t>kiến</a:t>
+            </a:r>
+            <a:r>
+              <a:rPr lang="en-US" sz="2000" dirty="0" smtClean="0"/>
+              <a:t> </a:t>
+            </a:r>
+            <a:r>
+              <a:rPr lang="en-US" sz="2000" dirty="0" err="1" smtClean="0"/>
+              <a:t>trúc</a:t>
+            </a:r>
+            <a:r>
+              <a:rPr lang="en-US" sz="2000" dirty="0" smtClean="0"/>
+              <a:t> </a:t>
+            </a:r>
+            <a:r>
+              <a:rPr lang="en-US" sz="2000" dirty="0" err="1" smtClean="0"/>
+              <a:t>đa</a:t>
+            </a:r>
+            <a:r>
+              <a:rPr lang="en-US" sz="2000" dirty="0" smtClean="0"/>
+              <a:t> </a:t>
+            </a:r>
+            <a:r>
+              <a:rPr lang="en-US" sz="2000" dirty="0" err="1" smtClean="0"/>
+              <a:t>dạng</a:t>
+            </a:r>
+            <a:r>
+              <a:rPr lang="en-US" sz="2000" dirty="0" smtClean="0"/>
+              <a:t> </a:t>
+            </a:r>
+            <a:r>
+              <a:rPr lang="en-US" sz="2000" dirty="0" err="1" smtClean="0"/>
+              <a:t>tập</a:t>
+            </a:r>
+            <a:r>
+              <a:rPr lang="en-US" sz="2000" dirty="0" smtClean="0"/>
+              <a:t> attributes.</a:t>
+            </a:r>
+          </a:p>
+          <a:p>
+            <a:pPr lvl="1">
+              <a:buFontTx/>
+              <a:buChar char="-"/>
+            </a:pPr>
+            <a:r>
+              <a:rPr lang="en-US" sz="2000" b="1" dirty="0" smtClean="0"/>
+              <a:t>Job zoom: </a:t>
+            </a:r>
+            <a:r>
+              <a:rPr lang="en-US" sz="2000" dirty="0" err="1" smtClean="0"/>
+              <a:t>dựa</a:t>
+            </a:r>
+            <a:r>
+              <a:rPr lang="en-US" sz="2000" dirty="0" smtClean="0"/>
+              <a:t> </a:t>
+            </a:r>
+            <a:r>
+              <a:rPr lang="en-US" sz="2000" dirty="0" err="1" smtClean="0"/>
+              <a:t>trên</a:t>
+            </a:r>
+            <a:r>
+              <a:rPr lang="en-US" sz="2000" dirty="0" smtClean="0"/>
+              <a:t> </a:t>
+            </a:r>
+            <a:r>
+              <a:rPr lang="en-US" sz="2000" dirty="0" err="1" smtClean="0"/>
+              <a:t>mối</a:t>
+            </a:r>
+            <a:r>
+              <a:rPr lang="en-US" sz="2000" dirty="0" smtClean="0"/>
+              <a:t> </a:t>
+            </a:r>
+            <a:r>
+              <a:rPr lang="en-US" sz="2000" dirty="0" err="1" smtClean="0"/>
+              <a:t>quan</a:t>
+            </a:r>
+            <a:r>
+              <a:rPr lang="en-US" sz="2000" dirty="0"/>
+              <a:t> </a:t>
+            </a:r>
+            <a:r>
+              <a:rPr lang="en-US" sz="2000" dirty="0" err="1" smtClean="0"/>
+              <a:t>của</a:t>
+            </a:r>
+            <a:r>
+              <a:rPr lang="en-US" sz="2000" dirty="0" smtClean="0"/>
+              <a:t> &lt;</a:t>
+            </a:r>
+            <a:r>
+              <a:rPr lang="en-US" sz="2000" dirty="0" err="1" smtClean="0"/>
+              <a:t>doanh</a:t>
+            </a:r>
+            <a:r>
+              <a:rPr lang="en-US" sz="2000" dirty="0" smtClean="0"/>
+              <a:t> </a:t>
+            </a:r>
+            <a:r>
+              <a:rPr lang="en-US" sz="2000" dirty="0" err="1" smtClean="0"/>
+              <a:t>nghiệp</a:t>
+            </a:r>
+            <a:r>
+              <a:rPr lang="en-US" sz="2000" dirty="0" smtClean="0"/>
+              <a:t>&gt; </a:t>
+            </a:r>
+            <a:r>
+              <a:rPr lang="en-US" sz="2000" dirty="0" err="1" smtClean="0"/>
+              <a:t>và</a:t>
+            </a:r>
+            <a:r>
+              <a:rPr lang="en-US" sz="2000" dirty="0" smtClean="0"/>
+              <a:t> </a:t>
+            </a:r>
+            <a:r>
+              <a:rPr lang="en-US" sz="2000" dirty="0" err="1" smtClean="0"/>
+              <a:t>kiến</a:t>
+            </a:r>
+            <a:r>
+              <a:rPr lang="en-US" sz="2000" dirty="0" smtClean="0"/>
+              <a:t> </a:t>
+            </a:r>
+            <a:r>
+              <a:rPr lang="en-US" sz="2000" dirty="0" err="1" smtClean="0"/>
+              <a:t>trúc</a:t>
+            </a:r>
+            <a:r>
+              <a:rPr lang="en-US" sz="2000" dirty="0" smtClean="0"/>
+              <a:t> </a:t>
+            </a:r>
+            <a:r>
+              <a:rPr lang="en-US" sz="2000" dirty="0" err="1" smtClean="0"/>
+              <a:t>đa</a:t>
+            </a:r>
+            <a:r>
+              <a:rPr lang="en-US" sz="2000" dirty="0" smtClean="0"/>
+              <a:t> </a:t>
+            </a:r>
+            <a:r>
+              <a:rPr lang="en-US" sz="2000" dirty="0" err="1" smtClean="0"/>
+              <a:t>dạng</a:t>
+            </a:r>
+            <a:r>
+              <a:rPr lang="en-US" sz="2000" dirty="0" smtClean="0"/>
+              <a:t> </a:t>
+            </a:r>
+            <a:r>
+              <a:rPr lang="en-US" sz="2000" dirty="0" err="1" smtClean="0"/>
+              <a:t>tập</a:t>
+            </a:r>
+            <a:r>
+              <a:rPr lang="en-US" sz="2000" dirty="0" smtClean="0"/>
+              <a:t> attribute -&gt; </a:t>
+            </a:r>
+            <a:r>
+              <a:rPr lang="en-US" sz="2000" dirty="0" err="1" smtClean="0"/>
+              <a:t>tạo</a:t>
+            </a:r>
+            <a:r>
+              <a:rPr lang="en-US" sz="2000" dirty="0" smtClean="0"/>
+              <a:t> </a:t>
+            </a:r>
+            <a:r>
+              <a:rPr lang="en-US" sz="2000" dirty="0" err="1" smtClean="0"/>
+              <a:t>ra</a:t>
+            </a:r>
+            <a:r>
+              <a:rPr lang="en-US" sz="2000" dirty="0" smtClean="0"/>
+              <a:t> </a:t>
+            </a:r>
+            <a:r>
+              <a:rPr lang="en-US" sz="2000" dirty="0" err="1" smtClean="0"/>
+              <a:t>lăng</a:t>
+            </a:r>
+            <a:r>
+              <a:rPr lang="en-US" sz="2000" dirty="0" smtClean="0"/>
+              <a:t> </a:t>
+            </a:r>
+            <a:r>
+              <a:rPr lang="en-US" sz="2000" dirty="0" err="1" smtClean="0"/>
+              <a:t>kính</a:t>
+            </a:r>
+            <a:r>
+              <a:rPr lang="en-US" sz="2000" dirty="0" smtClean="0"/>
+              <a:t> </a:t>
+            </a:r>
+            <a:r>
+              <a:rPr lang="en-US" sz="2000" dirty="0" err="1" smtClean="0"/>
+              <a:t>phù</a:t>
+            </a:r>
+            <a:r>
+              <a:rPr lang="en-US" sz="2000" dirty="0" smtClean="0"/>
+              <a:t> </a:t>
+            </a:r>
+            <a:r>
+              <a:rPr lang="en-US" sz="2000" dirty="0" err="1" smtClean="0"/>
+              <a:t>hợp</a:t>
+            </a:r>
+            <a:r>
+              <a:rPr lang="en-US" sz="2000" dirty="0" smtClean="0"/>
+              <a:t> </a:t>
+            </a:r>
+            <a:r>
+              <a:rPr lang="en-US" sz="2000" dirty="0" err="1" smtClean="0"/>
+              <a:t>với</a:t>
+            </a:r>
+            <a:r>
+              <a:rPr lang="en-US" sz="2000" dirty="0" smtClean="0"/>
+              <a:t> </a:t>
+            </a:r>
+            <a:r>
+              <a:rPr lang="en-US" sz="2000" dirty="0" err="1" smtClean="0"/>
+              <a:t>mỗi</a:t>
+            </a:r>
+            <a:r>
+              <a:rPr lang="en-US" sz="2000" dirty="0" smtClean="0"/>
+              <a:t> </a:t>
+            </a:r>
+            <a:r>
+              <a:rPr lang="en-US" sz="2000" dirty="0" err="1" smtClean="0"/>
+              <a:t>nghề</a:t>
+            </a:r>
+            <a:r>
+              <a:rPr lang="en-US" sz="2000" dirty="0" smtClean="0"/>
+              <a:t> </a:t>
+            </a:r>
+            <a:r>
+              <a:rPr lang="en-US" sz="2000" dirty="0" err="1" smtClean="0"/>
+              <a:t>nghiệp</a:t>
+            </a:r>
+            <a:r>
+              <a:rPr lang="en-US" sz="2000" dirty="0" smtClean="0"/>
+              <a:t>. (implement flexible features base job zoom)</a:t>
+            </a:r>
+            <a:endParaRPr lang="en-US" sz="2000" dirty="0" smtClean="0"/>
+          </a:p>
+          <a:p>
+            <a:pPr lvl="1"/>
+            <a:endParaRPr lang="en-US" sz="2400" dirty="0" smtClean="0"/>
+          </a:p>
+          <a:p>
+            <a:pPr lvl="1"/>
+            <a:endParaRPr lang="en-US" sz="2400" dirty="0"/>
+          </a:p>
+        </p:txBody>
+      </p:sp>
     </p:spTree>
     <p:extLst>
       <p:ext uri="{BB962C8B-B14F-4D97-AF65-F5344CB8AC3E}">
-        <p14:creationId xmlns:p14="http://schemas.microsoft.com/office/powerpoint/2010/main" val="2257609109"/>
+        <p14:creationId xmlns:p14="http://schemas.microsoft.com/office/powerpoint/2010/main" val="3980430846"/>
       </p:ext>
     </p:extLst>
   </p:cSld>
   <p:clrMapOvr>
     <a:masterClrMapping/>
   </p:clrMapOvr>
+  <p:transition spd="slow"/>
   <p:timing>
     <p:tnLst>
       <p:par>
@@ -13500,13 +14422,18 @@
             </a:r>
             <a:r>
               <a:rPr lang="en-US" sz="2400" u="sng" dirty="0" smtClean="0"/>
-              <a:t> 1:</a:t>
-            </a:r>
+              <a:t> </a:t>
+            </a:r>
+            <a:r>
+              <a:rPr lang="en-US" sz="2400" u="sng" dirty="0" smtClean="0"/>
+              <a:t>2:</a:t>
+            </a:r>
+            <a:endParaRPr lang="en-US" sz="2400" u="sng" dirty="0" smtClean="0"/>
           </a:p>
           <a:p>
             <a:r>
               <a:rPr lang="en-US" sz="2400" dirty="0" err="1" smtClean="0"/>
-              <a:t>Các</a:t>
+              <a:t>Khi</a:t>
             </a:r>
             <a:r>
               <a:rPr lang="en-US" sz="2400" dirty="0" smtClean="0"/>
@@ -13530,7 +14457,7 @@
             </a:r>
             <a:r>
               <a:rPr lang="en-US" sz="2400" dirty="0" err="1" smtClean="0"/>
-              <a:t>tìm</a:t>
+              <a:t>đa</a:t>
             </a:r>
             <a:r>
               <a:rPr lang="en-US" sz="2400" dirty="0" smtClean="0"/>
@@ -13538,7 +14465,7 @@
             </a:r>
             <a:r>
               <a:rPr lang="en-US" sz="2400" dirty="0" err="1" smtClean="0"/>
-              <a:t>kiếm</a:t>
+              <a:t>dạng</a:t>
             </a:r>
             <a:r>
               <a:rPr lang="en-US" sz="2400" dirty="0" smtClean="0"/>
@@ -13546,7 +14473,7 @@
             </a:r>
             <a:r>
               <a:rPr lang="en-US" sz="2400" dirty="0" err="1" smtClean="0"/>
-              <a:t>việc</a:t>
+              <a:t>về</a:t>
             </a:r>
             <a:r>
               <a:rPr lang="en-US" sz="2400" dirty="0" smtClean="0"/>
@@ -13554,67 +14481,15 @@
             </a:r>
             <a:r>
               <a:rPr lang="en-US" sz="2400" dirty="0" err="1" smtClean="0"/>
-              <a:t>làm</a:t>
+              <a:t>tập</a:t>
             </a:r>
             <a:r>
               <a:rPr lang="en-US" sz="2400" dirty="0" smtClean="0"/>
-              <a:t> </a:t>
+              <a:t> attribute </a:t>
             </a:r>
             <a:r>
               <a:rPr lang="en-US" sz="2400" dirty="0" err="1" smtClean="0"/>
-              <a:t>hiện</a:t>
-            </a:r>
-            <a:r>
-              <a:rPr lang="en-US" sz="2400" dirty="0" smtClean="0"/>
-              <a:t> </a:t>
-            </a:r>
-            <a:r>
-              <a:rPr lang="en-US" sz="2400" dirty="0" smtClean="0"/>
-              <a:t>nay </a:t>
-            </a:r>
-            <a:r>
-              <a:rPr lang="en-US" sz="2400" dirty="0" err="1" smtClean="0"/>
-              <a:t>còn</a:t>
-            </a:r>
-            <a:r>
-              <a:rPr lang="en-US" sz="2400" dirty="0" smtClean="0"/>
-              <a:t> </a:t>
-            </a:r>
-            <a:r>
-              <a:rPr lang="en-US" sz="2400" dirty="0" err="1" smtClean="0"/>
-              <a:t>hạn</a:t>
-            </a:r>
-            <a:r>
-              <a:rPr lang="en-US" sz="2400" dirty="0" smtClean="0"/>
-              <a:t> </a:t>
-            </a:r>
-            <a:r>
-              <a:rPr lang="en-US" sz="2400" dirty="0" err="1" smtClean="0"/>
-              <a:t>chế</a:t>
-            </a:r>
-            <a:r>
-              <a:rPr lang="en-US" sz="2400" dirty="0" smtClean="0"/>
-              <a:t> </a:t>
-            </a:r>
-            <a:r>
-              <a:rPr lang="en-US" sz="2400" dirty="0" err="1" smtClean="0"/>
-              <a:t>một</a:t>
-            </a:r>
-            <a:r>
-              <a:rPr lang="en-US" sz="2400" dirty="0" smtClean="0"/>
-              <a:t> </a:t>
-            </a:r>
-            <a:r>
-              <a:rPr lang="en-US" sz="2400" dirty="0" err="1" smtClean="0"/>
-              <a:t>số</a:t>
-            </a:r>
-            <a:r>
-              <a:rPr lang="en-US" sz="2400" dirty="0" smtClean="0"/>
-              <a:t> </a:t>
-            </a:r>
-            <a:r>
-              <a:rPr lang="en-US" sz="2400" dirty="0" err="1" smtClean="0"/>
-              <a:t>điểm</a:t>
+              <a:t>thì</a:t>
             </a:r>
             <a:r>
               <a:rPr lang="en-US" sz="2400" dirty="0" smtClean="0"/>
@@ -13628,8 +14503,60 @@
               <a:buChar char="-"/>
             </a:pPr>
             <a:r>
+              <a:rPr lang="en-US" sz="2000" dirty="0" err="1" smtClean="0"/>
+              <a:t>Làm</a:t>
+            </a:r>
+            <a:r>
               <a:rPr lang="en-US" sz="2000" dirty="0" smtClean="0"/>
-              <a:t>Job Description </a:t>
+              <a:t> </a:t>
+            </a:r>
+            <a:r>
+              <a:rPr lang="en-US" sz="2000" dirty="0" err="1" smtClean="0"/>
+              <a:t>thế</a:t>
+            </a:r>
+            <a:r>
+              <a:rPr lang="en-US" sz="2000" dirty="0" smtClean="0"/>
+              <a:t> </a:t>
+            </a:r>
+            <a:r>
+              <a:rPr lang="en-US" sz="2000" dirty="0" err="1" smtClean="0"/>
+              <a:t>nào</a:t>
+            </a:r>
+            <a:r>
+              <a:rPr lang="en-US" sz="2000" dirty="0" smtClean="0"/>
+              <a:t> </a:t>
+            </a:r>
+            <a:r>
+              <a:rPr lang="en-US" sz="2000" dirty="0" err="1" smtClean="0"/>
+              <a:t>quyết</a:t>
+            </a:r>
+            <a:r>
+              <a:rPr lang="en-US" sz="2000" dirty="0" smtClean="0"/>
+              <a:t> </a:t>
+            </a:r>
+            <a:r>
+              <a:rPr lang="en-US" sz="2000" dirty="0" err="1" smtClean="0"/>
+              <a:t>định</a:t>
+            </a:r>
+            <a:r>
+              <a:rPr lang="en-US" sz="2000" dirty="0" smtClean="0"/>
+              <a:t> </a:t>
+            </a:r>
+            <a:r>
+              <a:rPr lang="en-US" sz="2000" dirty="0" err="1" smtClean="0"/>
+              <a:t>kết</a:t>
+            </a:r>
+            <a:r>
+              <a:rPr lang="en-US" sz="2000" dirty="0" smtClean="0"/>
+              <a:t> </a:t>
+            </a:r>
+            <a:r>
+              <a:rPr lang="en-US" sz="2000" dirty="0" err="1" smtClean="0"/>
+              <a:t>quả</a:t>
+            </a:r>
+            <a:r>
+              <a:rPr lang="en-US" sz="2000" dirty="0" smtClean="0"/>
+              <a:t> </a:t>
             </a:r>
             <a:r>
               <a:rPr lang="en-US" sz="2000" dirty="0" err="1" smtClean="0"/>
@@ -13640,12 +14567,16 @@
               <a:t> </a:t>
             </a:r>
             <a:r>
+              <a:rPr lang="en-US" sz="2000" dirty="0" err="1" smtClean="0"/>
+              <a:t>công</a:t>
+            </a:r>
+            <a:r>
               <a:rPr lang="en-US" sz="2000" dirty="0" smtClean="0"/>
-              <a:t>&lt;</a:t>
+              <a:t> </a:t>
             </a:r>
             <a:r>
               <a:rPr lang="en-US" sz="2000" dirty="0" err="1" smtClean="0"/>
-              <a:t>doanh</a:t>
+              <a:t>cụ</a:t>
             </a:r>
             <a:r>
               <a:rPr lang="en-US" sz="2000" dirty="0" smtClean="0"/>
@@ -13653,7 +14584,79 @@
             </a:r>
             <a:r>
               <a:rPr lang="en-US" sz="2000" dirty="0" err="1" smtClean="0"/>
-              <a:t>nghiệp</a:t>
+              <a:t>tạo</a:t>
+            </a:r>
+            <a:r>
+              <a:rPr lang="en-US" sz="2000" dirty="0" smtClean="0"/>
+              <a:t> </a:t>
+            </a:r>
+            <a:r>
+              <a:rPr lang="en-US" sz="2000" dirty="0" err="1" smtClean="0"/>
+              <a:t>mối</a:t>
+            </a:r>
+            <a:r>
+              <a:rPr lang="en-US" sz="2000" dirty="0" smtClean="0"/>
+              <a:t> </a:t>
+            </a:r>
+            <a:r>
+              <a:rPr lang="en-US" sz="2000" dirty="0" err="1" smtClean="0"/>
+              <a:t>tương</a:t>
+            </a:r>
+            <a:r>
+              <a:rPr lang="en-US" sz="2000" dirty="0" smtClean="0"/>
+              <a:t> </a:t>
+            </a:r>
+            <a:r>
+              <a:rPr lang="en-US" sz="2000" dirty="0" err="1" smtClean="0"/>
+              <a:t>quan</a:t>
+            </a:r>
+            <a:r>
+              <a:rPr lang="en-US" sz="2000" dirty="0" smtClean="0"/>
+              <a:t> </a:t>
+            </a:r>
+            <a:r>
+              <a:rPr lang="en-US" sz="2000" dirty="0" err="1" smtClean="0"/>
+              <a:t>giữa</a:t>
+            </a:r>
+            <a:r>
+              <a:rPr lang="en-US" sz="2000" dirty="0" smtClean="0"/>
+              <a:t> </a:t>
+            </a:r>
+            <a:r>
+              <a:rPr lang="en-US" sz="2000" dirty="0" err="1" smtClean="0"/>
+              <a:t>thông</a:t>
+            </a:r>
+            <a:r>
+              <a:rPr lang="en-US" sz="2000" dirty="0" smtClean="0"/>
+              <a:t> tin </a:t>
+            </a:r>
+            <a:r>
+              <a:rPr lang="en-US" sz="2000" dirty="0" err="1" smtClean="0"/>
+              <a:t>của</a:t>
+            </a:r>
+            <a:r>
+              <a:rPr lang="en-US" sz="2000" dirty="0" smtClean="0"/>
+              <a:t> &lt;</a:t>
+            </a:r>
+            <a:r>
+              <a:rPr lang="en-US" sz="2000" dirty="0" err="1" smtClean="0"/>
+              <a:t>nhà</a:t>
+            </a:r>
+            <a:r>
+              <a:rPr lang="en-US" sz="2000" dirty="0" smtClean="0"/>
+              <a:t> </a:t>
+            </a:r>
+            <a:r>
+              <a:rPr lang="en-US" sz="2000" dirty="0" err="1" smtClean="0"/>
+              <a:t>tuyển</a:t>
+            </a:r>
+            <a:r>
+              <a:rPr lang="en-US" sz="2000" dirty="0" smtClean="0"/>
+              <a:t> </a:t>
+            </a:r>
+            <a:r>
+              <a:rPr lang="en-US" sz="2000" dirty="0" err="1" smtClean="0"/>
+              <a:t>dụng</a:t>
             </a:r>
             <a:r>
               <a:rPr lang="en-US" sz="2000" dirty="0" smtClean="0"/>
@@ -13661,73 +14664,11 @@
             </a:r>
             <a:r>
               <a:rPr lang="en-US" sz="2000" dirty="0" err="1" smtClean="0"/>
-              <a:t>còn</a:t>
+              <a:t>và</a:t>
             </a:r>
             <a:r>
               <a:rPr lang="en-US" sz="2000" dirty="0" smtClean="0"/>
-              <a:t> </a:t>
-            </a:r>
-            <a:r>
-              <a:rPr lang="en-US" sz="2000" dirty="0" err="1" smtClean="0"/>
-              <a:t>quá</a:t>
-            </a:r>
-            <a:r>
-              <a:rPr lang="en-US" sz="2000" dirty="0" smtClean="0"/>
-              <a:t> </a:t>
-            </a:r>
-            <a:r>
-              <a:rPr lang="en-US" sz="2000" dirty="0" err="1" smtClean="0"/>
-              <a:t>đơn</a:t>
-            </a:r>
-            <a:r>
-              <a:rPr lang="en-US" sz="2000" dirty="0" smtClean="0"/>
-              <a:t> </a:t>
-            </a:r>
-            <a:r>
-              <a:rPr lang="en-US" sz="2000" dirty="0" err="1" smtClean="0"/>
-              <a:t>giản</a:t>
-            </a:r>
-            <a:r>
-              <a:rPr lang="en-US" sz="2000" dirty="0" smtClean="0"/>
-              <a:t>. (</a:t>
-            </a:r>
-            <a:r>
-              <a:rPr lang="en-US" sz="2000" dirty="0" err="1" smtClean="0"/>
-              <a:t>hoặc</a:t>
-            </a:r>
-            <a:r>
-              <a:rPr lang="en-US" sz="2000" dirty="0" smtClean="0"/>
-              <a:t> text </a:t>
-            </a:r>
-            <a:r>
-              <a:rPr lang="en-US" sz="2000" dirty="0" err="1" smtClean="0"/>
-              <a:t>thô</a:t>
-            </a:r>
-            <a:r>
-              <a:rPr lang="en-US" sz="2000" dirty="0" smtClean="0"/>
-              <a:t>)</a:t>
-            </a:r>
-          </a:p>
-          <a:p>
-            <a:pPr lvl="1">
-              <a:buFontTx/>
-              <a:buChar char="-"/>
-            </a:pPr>
-            <a:r>
-              <a:rPr lang="en-US" sz="2000" dirty="0" smtClean="0"/>
-              <a:t>Search </a:t>
-            </a:r>
-            <a:r>
-              <a:rPr lang="en-US" sz="2000" dirty="0" smtClean="0"/>
-              <a:t>engine </a:t>
-            </a:r>
-            <a:r>
-              <a:rPr lang="en-US" sz="2000" dirty="0" err="1" smtClean="0"/>
-              <a:t>tìm</a:t>
-            </a:r>
-            <a:r>
-              <a:rPr lang="en-US" sz="2000" dirty="0" smtClean="0"/>
-              <a:t> </a:t>
+              <a:t> &lt;</a:t>
             </a:r>
             <a:r>
               <a:rPr lang="en-US" sz="2000" dirty="0" err="1" smtClean="0"/>
@@ -13739,15 +14680,15 @@
             </a:r>
             <a:r>
               <a:rPr lang="en-US" sz="2000" dirty="0" err="1" smtClean="0"/>
-              <a:t>theo</a:t>
+              <a:t>việc</a:t>
             </a:r>
             <a:r>
               <a:rPr lang="en-US" sz="2000" dirty="0" smtClean="0"/>
-              <a:t> </a:t>
+              <a:t>&gt; </a:t>
             </a:r>
             <a:r>
               <a:rPr lang="en-US" sz="2000" dirty="0" err="1" smtClean="0"/>
-              <a:t>các</a:t>
+              <a:t>trong</a:t>
             </a:r>
             <a:r>
               <a:rPr lang="en-US" sz="2000" dirty="0" smtClean="0"/>
@@ -13755,7 +14696,7 @@
             </a:r>
             <a:r>
               <a:rPr lang="en-US" sz="2000" dirty="0" err="1" smtClean="0"/>
-              <a:t>tiêu</a:t>
+              <a:t>kiến</a:t>
             </a:r>
             <a:r>
               <a:rPr lang="en-US" sz="2000" dirty="0" smtClean="0"/>
@@ -13763,7 +14704,7 @@
             </a:r>
             <a:r>
               <a:rPr lang="en-US" sz="2000" dirty="0" err="1" smtClean="0"/>
-              <a:t>chí</a:t>
+              <a:t>trúc</a:t>
             </a:r>
             <a:r>
               <a:rPr lang="en-US" sz="2000" dirty="0" smtClean="0"/>
@@ -13771,7 +14712,7 @@
             </a:r>
             <a:r>
               <a:rPr lang="en-US" sz="2000" dirty="0" err="1" smtClean="0"/>
-              <a:t>đơn</a:t>
+              <a:t>đa</a:t>
             </a:r>
             <a:r>
               <a:rPr lang="en-US" sz="2000" dirty="0" smtClean="0"/>
@@ -13779,31 +14720,61 @@
             </a:r>
             <a:r>
               <a:rPr lang="en-US" sz="2000" dirty="0" err="1" smtClean="0"/>
-              <a:t>giản</a:t>
+              <a:t>dạng</a:t>
             </a:r>
             <a:r>
               <a:rPr lang="en-US" sz="2000" dirty="0" smtClean="0"/>
-              <a:t> (</a:t>
+              <a:t> </a:t>
             </a:r>
             <a:r>
               <a:rPr lang="en-US" sz="2000" dirty="0" err="1" smtClean="0"/>
-              <a:t>hoặc</a:t>
+              <a:t>tập</a:t>
             </a:r>
             <a:r>
               <a:rPr lang="en-US" sz="2000" dirty="0" smtClean="0"/>
-              <a:t> text </a:t>
+              <a:t> attribute</a:t>
+            </a:r>
+            <a:endParaRPr lang="en-US" sz="2000" dirty="0" smtClean="0"/>
+          </a:p>
+          <a:p>
+            <a:pPr marL="457200" lvl="1" indent="0">
+              <a:buNone/>
+            </a:pPr>
+            <a:r>
+              <a:rPr lang="en-US" sz="2000" b="1" u="sng" dirty="0" smtClean="0"/>
+              <a:t>-&gt; </a:t>
+            </a:r>
+            <a:r>
+              <a:rPr lang="en-US" sz="2000" b="1" u="sng" dirty="0" err="1" smtClean="0"/>
+              <a:t>Bài</a:t>
+            </a:r>
+            <a:r>
+              <a:rPr lang="en-US" sz="2000" b="1" u="sng" dirty="0" smtClean="0"/>
+              <a:t> </a:t>
+            </a:r>
+            <a:r>
+              <a:rPr lang="en-US" sz="2000" b="1" u="sng" dirty="0" err="1" smtClean="0"/>
+              <a:t>toán</a:t>
+            </a:r>
+            <a:r>
+              <a:rPr lang="en-US" sz="2000" b="1" u="sng" dirty="0" smtClean="0"/>
+              <a:t>:</a:t>
+            </a:r>
+            <a:r>
+              <a:rPr lang="en-US" sz="2000" dirty="0"/>
+              <a:t> </a:t>
             </a:r>
             <a:r>
               <a:rPr lang="en-US" sz="2000" dirty="0" err="1" smtClean="0"/>
-              <a:t>thô</a:t>
+              <a:t>áp</a:t>
             </a:r>
             <a:r>
               <a:rPr lang="en-US" sz="2000" dirty="0" smtClean="0"/>
-              <a:t>), </a:t>
+              <a:t> </a:t>
             </a:r>
             <a:r>
               <a:rPr lang="en-US" sz="2000" dirty="0" err="1" smtClean="0"/>
-              <a:t>phân</a:t>
+              <a:t>dụng</a:t>
             </a:r>
             <a:r>
               <a:rPr lang="en-US" sz="2000" dirty="0" smtClean="0"/>
@@ -13811,7 +14782,7 @@
             </a:r>
             <a:r>
               <a:rPr lang="en-US" sz="2000" dirty="0" err="1" smtClean="0"/>
-              <a:t>loại</a:t>
+              <a:t>lý</a:t>
             </a:r>
             <a:r>
               <a:rPr lang="en-US" sz="2000" dirty="0" smtClean="0"/>
@@ -13819,7 +14790,7 @@
             </a:r>
             <a:r>
               <a:rPr lang="en-US" sz="2000" dirty="0" err="1" smtClean="0"/>
-              <a:t>ngành</a:t>
+              <a:t>thuyết</a:t>
             </a:r>
             <a:r>
               <a:rPr lang="en-US" sz="2000" dirty="0" smtClean="0"/>
@@ -13827,34 +14798,31 @@
             </a:r>
             <a:r>
               <a:rPr lang="en-US" sz="2000" dirty="0" err="1" smtClean="0"/>
-              <a:t>nghề</a:t>
-            </a:r>
-            <a:endParaRPr lang="en-US" sz="2000" dirty="0" smtClean="0"/>
-          </a:p>
-          <a:p>
-            <a:pPr lvl="1">
-              <a:buFontTx/>
-              <a:buChar char="-"/>
-            </a:pPr>
+              <a:t>xác</a:t>
+            </a:r>
+            <a:r>
+              <a:rPr lang="en-US" sz="2000" dirty="0" smtClean="0"/>
+              <a:t> </a:t>
+            </a:r>
             <a:r>
               <a:rPr lang="en-US" sz="2000" dirty="0" err="1" smtClean="0"/>
-              <a:t>Tập</a:t>
+              <a:t>suất</a:t>
             </a:r>
             <a:r>
               <a:rPr lang="en-US" sz="2000" dirty="0" smtClean="0"/>
-              <a:t> attribute </a:t>
+              <a:t> </a:t>
             </a:r>
             <a:r>
               <a:rPr lang="en-US" sz="2000" dirty="0" err="1" smtClean="0"/>
-              <a:t>của</a:t>
+              <a:t>thống</a:t>
             </a:r>
             <a:r>
               <a:rPr lang="en-US" sz="2000" dirty="0" smtClean="0"/>
-              <a:t> job description </a:t>
+              <a:t> </a:t>
             </a:r>
             <a:r>
               <a:rPr lang="en-US" sz="2000" dirty="0" err="1" smtClean="0"/>
-              <a:t>đơn</a:t>
+              <a:t>kê</a:t>
             </a:r>
             <a:r>
               <a:rPr lang="en-US" sz="2000" dirty="0" smtClean="0"/>
@@ -13862,16 +14830,100 @@
             </a:r>
             <a:r>
               <a:rPr lang="en-US" sz="2000" dirty="0" err="1" smtClean="0"/>
-              <a:t>giản</a:t>
+              <a:t>và</a:t>
+            </a:r>
+            <a:r>
+              <a:rPr lang="en-US" sz="2000" dirty="0" smtClean="0"/>
+              <a:t> </a:t>
+            </a:r>
+            <a:r>
+              <a:rPr lang="en-US" sz="2000" dirty="0" err="1" smtClean="0"/>
+              <a:t>Datamining</a:t>
+            </a:r>
+            <a:r>
+              <a:rPr lang="en-US" sz="2000" dirty="0" smtClean="0"/>
+              <a:t> </a:t>
+            </a:r>
+            <a:r>
+              <a:rPr lang="en-US" sz="2000" dirty="0" err="1" smtClean="0"/>
+              <a:t>để</a:t>
+            </a:r>
+            <a:r>
+              <a:rPr lang="en-US" sz="2000" dirty="0" smtClean="0"/>
+              <a:t> </a:t>
+            </a:r>
+            <a:r>
+              <a:rPr lang="en-US" sz="2000" dirty="0" err="1" smtClean="0"/>
+              <a:t>giải</a:t>
+            </a:r>
+            <a:r>
+              <a:rPr lang="en-US" sz="2000" dirty="0" smtClean="0"/>
+              <a:t> </a:t>
+            </a:r>
+            <a:r>
+              <a:rPr lang="en-US" sz="2000" dirty="0" err="1" smtClean="0"/>
+              <a:t>quyết</a:t>
+            </a:r>
+            <a:r>
+              <a:rPr lang="en-US" sz="2000" dirty="0" smtClean="0"/>
+              <a:t> </a:t>
+            </a:r>
+            <a:r>
+              <a:rPr lang="en-US" sz="2000" dirty="0" err="1" smtClean="0"/>
+              <a:t>bài</a:t>
+            </a:r>
+            <a:r>
+              <a:rPr lang="en-US" sz="2000" dirty="0" smtClean="0"/>
+              <a:t> </a:t>
+            </a:r>
+            <a:r>
+              <a:rPr lang="en-US" sz="2000" dirty="0" err="1" smtClean="0"/>
+              <a:t>toán</a:t>
+            </a:r>
+            <a:r>
+              <a:rPr lang="en-US" sz="2000" dirty="0" smtClean="0"/>
+              <a:t> </a:t>
+            </a:r>
+            <a:r>
+              <a:rPr lang="en-US" sz="2000" dirty="0" err="1" smtClean="0"/>
+              <a:t>xác</a:t>
+            </a:r>
+            <a:r>
+              <a:rPr lang="en-US" sz="2000" dirty="0" smtClean="0"/>
+              <a:t> </a:t>
+            </a:r>
+            <a:r>
+              <a:rPr lang="en-US" sz="2000" dirty="0" err="1" smtClean="0"/>
+              <a:t>định</a:t>
+            </a:r>
+            <a:r>
+              <a:rPr lang="en-US" sz="2000" dirty="0" smtClean="0"/>
+              <a:t> </a:t>
+            </a:r>
+            <a:r>
+              <a:rPr lang="en-US" sz="2000" dirty="0" err="1" smtClean="0"/>
+              <a:t>mối</a:t>
+            </a:r>
+            <a:r>
+              <a:rPr lang="en-US" sz="2000" dirty="0" smtClean="0"/>
+              <a:t> </a:t>
+            </a:r>
+            <a:r>
+              <a:rPr lang="en-US" sz="2000" dirty="0" err="1" smtClean="0"/>
+              <a:t>tương</a:t>
+            </a:r>
+            <a:r>
+              <a:rPr lang="en-US" sz="2000" dirty="0" smtClean="0"/>
+              <a:t> </a:t>
+            </a:r>
+            <a:r>
+              <a:rPr lang="en-US" sz="2000" dirty="0" err="1" smtClean="0"/>
+              <a:t>quan</a:t>
             </a:r>
             <a:r>
               <a:rPr lang="en-US" sz="2000" dirty="0"/>
-              <a:t> </a:t>
-            </a:r>
-            <a:endParaRPr lang="en-US" sz="2000" dirty="0" smtClean="0"/>
-          </a:p>
-          <a:p>
-            <a:pPr lvl="1"/>
+              <a:t>.</a:t>
+            </a:r>
             <a:endParaRPr lang="en-US" sz="2400" dirty="0" smtClean="0"/>
           </a:p>
           <a:p>
@@ -13883,7 +14935,7 @@
     </p:spTree>
     <p:extLst>
       <p:ext uri="{BB962C8B-B14F-4D97-AF65-F5344CB8AC3E}">
-        <p14:creationId xmlns:p14="http://schemas.microsoft.com/office/powerpoint/2010/main" val="3980430846"/>
+        <p14:creationId xmlns:p14="http://schemas.microsoft.com/office/powerpoint/2010/main" val="397673339"/>
       </p:ext>
     </p:extLst>
   </p:cSld>
@@ -13935,7 +14987,7 @@
           <a:p>
             <a:r>
               <a:rPr lang="en-US" dirty="0" err="1" smtClean="0"/>
-              <a:t>Mô</a:t>
+              <a:t>Mục</a:t>
             </a:r>
             <a:r>
               <a:rPr lang="en-US" dirty="0" smtClean="0"/>
@@ -13943,7 +14995,7 @@
             </a:r>
             <a:r>
               <a:rPr lang="en-US" dirty="0" err="1" smtClean="0"/>
-              <a:t>tả</a:t>
+              <a:t>tiêu</a:t>
             </a:r>
             <a:r>
               <a:rPr lang="en-US" dirty="0" smtClean="0"/>
@@ -13951,7 +15003,7 @@
             </a:r>
             <a:r>
               <a:rPr lang="en-US" dirty="0" err="1" smtClean="0"/>
-              <a:t>bài</a:t>
+              <a:t>đề</a:t>
             </a:r>
             <a:r>
               <a:rPr lang="en-US" dirty="0" smtClean="0"/>
@@ -13959,27 +15011,7 @@
             </a:r>
             <a:r>
               <a:rPr lang="en-US" dirty="0" err="1" smtClean="0"/>
-              <a:t>toán</a:t>
-            </a:r>
-            <a:r>
-              <a:rPr lang="en-US" dirty="0" smtClean="0"/>
-              <a:t> – </a:t>
-            </a:r>
-            <a:r>
-              <a:rPr lang="en-US" dirty="0" err="1" smtClean="0"/>
-              <a:t>bài</a:t>
-            </a:r>
-            <a:r>
-              <a:rPr lang="en-US" dirty="0" smtClean="0"/>
-              <a:t> </a:t>
-            </a:r>
-            <a:r>
-              <a:rPr lang="en-US" dirty="0" err="1" smtClean="0"/>
-              <a:t>toán</a:t>
-            </a:r>
-            <a:r>
-              <a:rPr lang="en-US" dirty="0" smtClean="0"/>
-              <a:t> 2:</a:t>
+              <a:t>tài</a:t>
             </a:r>
             <a:endParaRPr lang="en-US" dirty="0"/>
           </a:p>
@@ -13995,19 +15027,683 @@
             <p:ph idx="1"/>
           </p:nvPr>
         </p:nvSpPr>
-        <p:spPr/>
-        <p:txBody>
-          <a:bodyPr/>
+        <p:spPr>
+          <a:xfrm>
+            <a:off x="228600" y="1600200"/>
+            <a:ext cx="8686800" cy="4525963"/>
+          </a:xfrm>
+        </p:spPr>
+        <p:txBody>
+          <a:bodyPr>
+            <a:normAutofit/>
+          </a:bodyPr>
           <a:lstStyle/>
           <a:p>
-            <a:endParaRPr lang="en-US"/>
+            <a:pPr marL="457200" indent="-457200">
+              <a:buFont typeface="+mj-lt"/>
+              <a:buAutoNum type="arabicPeriod"/>
+            </a:pPr>
+            <a:r>
+              <a:rPr lang="en-US" sz="2400" dirty="0" err="1" smtClean="0"/>
+              <a:t>Tìm</a:t>
+            </a:r>
+            <a:r>
+              <a:rPr lang="en-US" sz="2400" dirty="0" smtClean="0"/>
+              <a:t> </a:t>
+            </a:r>
+            <a:r>
+              <a:rPr lang="en-US" sz="2400" dirty="0" err="1" smtClean="0"/>
+              <a:t>hiểu,phân</a:t>
+            </a:r>
+            <a:r>
+              <a:rPr lang="en-US" sz="2400" dirty="0" smtClean="0"/>
+              <a:t> </a:t>
+            </a:r>
+            <a:r>
+              <a:rPr lang="en-US" sz="2400" dirty="0" err="1" smtClean="0"/>
+              <a:t>tích</a:t>
+            </a:r>
+            <a:r>
+              <a:rPr lang="en-US" sz="2400" dirty="0" smtClean="0"/>
+              <a:t>, </a:t>
+            </a:r>
+            <a:r>
+              <a:rPr lang="en-US" sz="2400" dirty="0" err="1" smtClean="0"/>
+              <a:t>đánh</a:t>
+            </a:r>
+            <a:r>
+              <a:rPr lang="en-US" sz="2400" dirty="0" smtClean="0"/>
+              <a:t> </a:t>
+            </a:r>
+            <a:r>
+              <a:rPr lang="en-US" sz="2400" dirty="0" err="1" smtClean="0"/>
+              <a:t>các</a:t>
+            </a:r>
+            <a:r>
+              <a:rPr lang="en-US" sz="2400" dirty="0" smtClean="0"/>
+              <a:t> website </a:t>
+            </a:r>
+            <a:r>
+              <a:rPr lang="en-US" sz="2400" dirty="0" err="1" smtClean="0"/>
+              <a:t>tìm</a:t>
+            </a:r>
+            <a:r>
+              <a:rPr lang="en-US" sz="2400" dirty="0" smtClean="0"/>
+              <a:t> </a:t>
+            </a:r>
+            <a:r>
+              <a:rPr lang="en-US" sz="2400" dirty="0" err="1" smtClean="0"/>
+              <a:t>kiếm</a:t>
+            </a:r>
+            <a:r>
+              <a:rPr lang="en-US" sz="2400" dirty="0"/>
+              <a:t> </a:t>
+            </a:r>
+            <a:r>
+              <a:rPr lang="en-US" sz="2400" dirty="0" err="1" smtClean="0"/>
+              <a:t>việc</a:t>
+            </a:r>
+            <a:r>
+              <a:rPr lang="en-US" sz="2400" dirty="0" smtClean="0"/>
+              <a:t> </a:t>
+            </a:r>
+            <a:r>
+              <a:rPr lang="en-US" sz="2400" dirty="0" err="1" smtClean="0"/>
+              <a:t>hiện</a:t>
+            </a:r>
+            <a:r>
+              <a:rPr lang="en-US" sz="2400" dirty="0"/>
+              <a:t> </a:t>
+            </a:r>
+            <a:r>
+              <a:rPr lang="en-US" sz="2400" dirty="0" smtClean="0"/>
+              <a:t>nay.</a:t>
+            </a:r>
+          </a:p>
+          <a:p>
+            <a:pPr marL="457200" indent="-457200">
+              <a:buFont typeface="+mj-lt"/>
+              <a:buAutoNum type="arabicPeriod"/>
+            </a:pPr>
+            <a:r>
+              <a:rPr lang="en-US" sz="2400" dirty="0" err="1" smtClean="0"/>
+              <a:t>Nghiên</a:t>
+            </a:r>
+            <a:r>
+              <a:rPr lang="en-US" sz="2400" dirty="0" smtClean="0"/>
+              <a:t> </a:t>
+            </a:r>
+            <a:r>
+              <a:rPr lang="en-US" sz="2400" dirty="0" err="1" smtClean="0"/>
+              <a:t>cứu</a:t>
+            </a:r>
+            <a:r>
+              <a:rPr lang="en-US" sz="2400" dirty="0" smtClean="0"/>
+              <a:t> </a:t>
+            </a:r>
+            <a:r>
+              <a:rPr lang="en-US" sz="2400" dirty="0" err="1" smtClean="0"/>
+              <a:t>giải</a:t>
+            </a:r>
+            <a:r>
+              <a:rPr lang="en-US" sz="2400" dirty="0" smtClean="0"/>
+              <a:t> </a:t>
+            </a:r>
+            <a:r>
+              <a:rPr lang="en-US" sz="2400" dirty="0" err="1" smtClean="0"/>
+              <a:t>pháp</a:t>
+            </a:r>
+            <a:r>
+              <a:rPr lang="en-US" sz="2400" dirty="0" smtClean="0"/>
+              <a:t> </a:t>
+            </a:r>
+            <a:r>
+              <a:rPr lang="en-US" sz="2400" dirty="0" err="1" smtClean="0"/>
+              <a:t>kiến</a:t>
+            </a:r>
+            <a:r>
+              <a:rPr lang="en-US" sz="2400" dirty="0" smtClean="0"/>
+              <a:t> </a:t>
+            </a:r>
+            <a:r>
+              <a:rPr lang="en-US" sz="2400" dirty="0" err="1" smtClean="0"/>
+              <a:t>trúc</a:t>
+            </a:r>
+            <a:r>
+              <a:rPr lang="en-US" sz="2400" dirty="0" smtClean="0"/>
+              <a:t> </a:t>
+            </a:r>
+            <a:r>
+              <a:rPr lang="en-US" sz="2400" dirty="0" err="1" smtClean="0"/>
+              <a:t>phần</a:t>
+            </a:r>
+            <a:r>
+              <a:rPr lang="en-US" sz="2400" dirty="0" smtClean="0"/>
+              <a:t> </a:t>
+            </a:r>
+            <a:r>
+              <a:rPr lang="en-US" sz="2400" dirty="0" err="1" smtClean="0"/>
+              <a:t>mềm</a:t>
+            </a:r>
+            <a:r>
+              <a:rPr lang="en-US" sz="2400" dirty="0" smtClean="0"/>
+              <a:t> </a:t>
+            </a:r>
+            <a:r>
+              <a:rPr lang="en-US" sz="2400" dirty="0" err="1" smtClean="0"/>
+              <a:t>đa</a:t>
+            </a:r>
+            <a:r>
+              <a:rPr lang="en-US" sz="2400" dirty="0" smtClean="0"/>
+              <a:t> </a:t>
+            </a:r>
+            <a:r>
+              <a:rPr lang="en-US" sz="2400" dirty="0" err="1" smtClean="0"/>
+              <a:t>dạng</a:t>
+            </a:r>
+            <a:r>
+              <a:rPr lang="en-US" sz="2400" dirty="0" smtClean="0"/>
+              <a:t> </a:t>
+            </a:r>
+            <a:r>
+              <a:rPr lang="en-US" sz="2400" dirty="0" err="1" smtClean="0"/>
+              <a:t>tập</a:t>
+            </a:r>
+            <a:r>
+              <a:rPr lang="en-US" sz="2400" dirty="0" smtClean="0"/>
+              <a:t> attribute </a:t>
+            </a:r>
+            <a:r>
+              <a:rPr lang="en-US" sz="2400" dirty="0" err="1" smtClean="0"/>
+              <a:t>hỗ</a:t>
+            </a:r>
+            <a:r>
+              <a:rPr lang="en-US" sz="2400" dirty="0" smtClean="0"/>
+              <a:t> </a:t>
+            </a:r>
+            <a:r>
+              <a:rPr lang="en-US" sz="2400" dirty="0" err="1" smtClean="0"/>
+              <a:t>trợ</a:t>
+            </a:r>
+            <a:r>
+              <a:rPr lang="en-US" sz="2400" dirty="0" smtClean="0"/>
+              <a:t>  </a:t>
+            </a:r>
+            <a:r>
+              <a:rPr lang="en-US" sz="2400" dirty="0" err="1" smtClean="0"/>
+              <a:t>chọn</a:t>
+            </a:r>
+            <a:r>
+              <a:rPr lang="en-US" sz="2400" dirty="0" smtClean="0"/>
+              <a:t> </a:t>
+            </a:r>
+            <a:r>
+              <a:rPr lang="en-US" sz="2400" dirty="0" err="1" smtClean="0"/>
+              <a:t>lọc</a:t>
+            </a:r>
+            <a:r>
+              <a:rPr lang="en-US" sz="2400" dirty="0" smtClean="0"/>
+              <a:t> </a:t>
+            </a:r>
+            <a:r>
+              <a:rPr lang="en-US" sz="2400" dirty="0" err="1" smtClean="0"/>
+              <a:t>ứng</a:t>
+            </a:r>
+            <a:r>
+              <a:rPr lang="en-US" sz="2400" dirty="0" smtClean="0"/>
+              <a:t> </a:t>
+            </a:r>
+            <a:r>
+              <a:rPr lang="en-US" sz="2400" dirty="0" err="1" smtClean="0"/>
+              <a:t>viên</a:t>
+            </a:r>
+            <a:r>
+              <a:rPr lang="en-US" sz="2400" dirty="0" smtClean="0"/>
+              <a:t>.</a:t>
+            </a:r>
+          </a:p>
+          <a:p>
+            <a:pPr marL="457200" indent="-457200">
+              <a:buFont typeface="+mj-lt"/>
+              <a:buAutoNum type="arabicPeriod"/>
+            </a:pPr>
+            <a:r>
+              <a:rPr lang="en-US" sz="2400" dirty="0" err="1" smtClean="0"/>
+              <a:t>Tìm</a:t>
+            </a:r>
+            <a:r>
+              <a:rPr lang="en-US" sz="2400" dirty="0" smtClean="0"/>
+              <a:t> </a:t>
+            </a:r>
+            <a:r>
+              <a:rPr lang="en-US" sz="2400" dirty="0" err="1" smtClean="0"/>
+              <a:t>hiểu</a:t>
+            </a:r>
+            <a:r>
+              <a:rPr lang="en-US" sz="2400" dirty="0" smtClean="0"/>
+              <a:t> </a:t>
+            </a:r>
+            <a:r>
+              <a:rPr lang="en-US" sz="2400" dirty="0" err="1" smtClean="0"/>
+              <a:t>lý</a:t>
+            </a:r>
+            <a:r>
+              <a:rPr lang="en-US" sz="2400" dirty="0" smtClean="0"/>
+              <a:t> </a:t>
+            </a:r>
+            <a:r>
+              <a:rPr lang="en-US" sz="2400" dirty="0" err="1" smtClean="0"/>
+              <a:t>thuyết</a:t>
+            </a:r>
+            <a:r>
+              <a:rPr lang="en-US" sz="2400" dirty="0" smtClean="0"/>
+              <a:t> </a:t>
+            </a:r>
+            <a:r>
+              <a:rPr lang="en-US" sz="2400" dirty="0" err="1" smtClean="0"/>
+              <a:t>xác</a:t>
+            </a:r>
+            <a:r>
+              <a:rPr lang="en-US" sz="2400" dirty="0" smtClean="0"/>
+              <a:t> </a:t>
+            </a:r>
+            <a:r>
+              <a:rPr lang="en-US" sz="2400" dirty="0" err="1" smtClean="0"/>
+              <a:t>xuất</a:t>
+            </a:r>
+            <a:r>
+              <a:rPr lang="en-US" sz="2400" dirty="0" smtClean="0"/>
+              <a:t> </a:t>
+            </a:r>
+            <a:r>
+              <a:rPr lang="en-US" sz="2400" dirty="0" err="1" smtClean="0"/>
+              <a:t>thống</a:t>
+            </a:r>
+            <a:r>
+              <a:rPr lang="en-US" sz="2400" dirty="0" smtClean="0"/>
+              <a:t> </a:t>
+            </a:r>
+            <a:r>
+              <a:rPr lang="en-US" sz="2400" dirty="0" err="1" smtClean="0"/>
+              <a:t>kê</a:t>
+            </a:r>
+            <a:r>
+              <a:rPr lang="en-US" sz="2400" dirty="0" smtClean="0"/>
+              <a:t>, </a:t>
+            </a:r>
+            <a:r>
+              <a:rPr lang="en-US" sz="2400" dirty="0" err="1" smtClean="0"/>
+              <a:t>datamining</a:t>
+            </a:r>
+            <a:r>
+              <a:rPr lang="en-US" sz="2400" dirty="0" smtClean="0"/>
+              <a:t>  </a:t>
+            </a:r>
+            <a:r>
+              <a:rPr lang="en-US" sz="2400" dirty="0" err="1" smtClean="0"/>
+              <a:t>áp</a:t>
+            </a:r>
+            <a:r>
+              <a:rPr lang="en-US" sz="2400" dirty="0" smtClean="0"/>
+              <a:t> </a:t>
+            </a:r>
+            <a:r>
+              <a:rPr lang="en-US" sz="2400" dirty="0" err="1" smtClean="0"/>
+              <a:t>dụng</a:t>
+            </a:r>
+            <a:r>
+              <a:rPr lang="en-US" sz="2400" dirty="0" smtClean="0"/>
+              <a:t> </a:t>
+            </a:r>
+            <a:r>
+              <a:rPr lang="en-US" sz="2400" dirty="0" err="1" smtClean="0"/>
+              <a:t>vào</a:t>
+            </a:r>
+            <a:r>
+              <a:rPr lang="en-US" sz="2400" dirty="0" smtClean="0"/>
+              <a:t> </a:t>
+            </a:r>
+            <a:r>
+              <a:rPr lang="en-US" sz="2400" dirty="0" err="1" smtClean="0"/>
+              <a:t>giải</a:t>
+            </a:r>
+            <a:r>
+              <a:rPr lang="en-US" sz="2400" dirty="0" smtClean="0"/>
+              <a:t> </a:t>
+            </a:r>
+            <a:r>
+              <a:rPr lang="en-US" sz="2400" dirty="0" err="1" smtClean="0"/>
+              <a:t>pháp</a:t>
+            </a:r>
+            <a:r>
+              <a:rPr lang="en-US" sz="2400" dirty="0" smtClean="0"/>
+              <a:t> </a:t>
+            </a:r>
+            <a:r>
+              <a:rPr lang="en-US" sz="2400" dirty="0" err="1" smtClean="0"/>
+              <a:t>công</a:t>
+            </a:r>
+            <a:r>
+              <a:rPr lang="en-US" sz="2400" dirty="0" smtClean="0"/>
+              <a:t> </a:t>
+            </a:r>
+            <a:r>
+              <a:rPr lang="en-US" sz="2400" dirty="0" err="1" smtClean="0"/>
+              <a:t>cụ</a:t>
+            </a:r>
+            <a:r>
+              <a:rPr lang="en-US" sz="2400" dirty="0" smtClean="0"/>
+              <a:t> </a:t>
+            </a:r>
+            <a:r>
+              <a:rPr lang="en-US" sz="2400" dirty="0" err="1" smtClean="0"/>
+              <a:t>tạo</a:t>
+            </a:r>
+            <a:r>
+              <a:rPr lang="en-US" sz="2400" dirty="0" smtClean="0"/>
+              <a:t> </a:t>
+            </a:r>
+            <a:r>
+              <a:rPr lang="en-US" sz="2400" dirty="0" err="1" smtClean="0"/>
+              <a:t>mối</a:t>
+            </a:r>
+            <a:r>
+              <a:rPr lang="en-US" sz="2400" dirty="0" smtClean="0"/>
+              <a:t> </a:t>
+            </a:r>
+            <a:r>
+              <a:rPr lang="en-US" sz="2400" dirty="0" err="1" smtClean="0"/>
+              <a:t>tương</a:t>
+            </a:r>
+            <a:r>
+              <a:rPr lang="en-US" sz="2400" dirty="0" smtClean="0"/>
+              <a:t> </a:t>
+            </a:r>
+            <a:r>
+              <a:rPr lang="en-US" sz="2400" dirty="0" err="1" smtClean="0"/>
+              <a:t>quan</a:t>
+            </a:r>
+            <a:r>
+              <a:rPr lang="en-US" sz="2400" dirty="0" smtClean="0"/>
+              <a:t> </a:t>
+            </a:r>
+            <a:r>
+              <a:rPr lang="en-US" sz="2400" dirty="0" err="1" smtClean="0"/>
+              <a:t>trong</a:t>
+            </a:r>
+            <a:r>
+              <a:rPr lang="en-US" sz="2400" dirty="0" smtClean="0"/>
+              <a:t> </a:t>
+            </a:r>
+            <a:r>
+              <a:rPr lang="en-US" sz="2400" dirty="0" err="1" smtClean="0"/>
+              <a:t>kiến</a:t>
+            </a:r>
+            <a:r>
+              <a:rPr lang="en-US" sz="2400" dirty="0" smtClean="0"/>
+              <a:t> </a:t>
+            </a:r>
+            <a:r>
+              <a:rPr lang="en-US" sz="2400" dirty="0" err="1" smtClean="0"/>
+              <a:t>trúc</a:t>
+            </a:r>
+            <a:r>
+              <a:rPr lang="en-US" sz="2400" dirty="0" smtClean="0"/>
+              <a:t> </a:t>
+            </a:r>
+            <a:r>
+              <a:rPr lang="en-US" sz="2400" dirty="0" err="1" smtClean="0"/>
+              <a:t>đa</a:t>
+            </a:r>
+            <a:r>
+              <a:rPr lang="en-US" sz="2400" dirty="0" smtClean="0"/>
+              <a:t> </a:t>
+            </a:r>
+            <a:r>
+              <a:rPr lang="en-US" sz="2400" dirty="0" err="1" smtClean="0"/>
+              <a:t>dạng</a:t>
+            </a:r>
+            <a:r>
+              <a:rPr lang="en-US" sz="2400" dirty="0" smtClean="0"/>
+              <a:t> </a:t>
+            </a:r>
+            <a:r>
+              <a:rPr lang="en-US" sz="2400" dirty="0" err="1" smtClean="0"/>
+              <a:t>tập</a:t>
+            </a:r>
+            <a:r>
+              <a:rPr lang="en-US" sz="2400" dirty="0" smtClean="0"/>
+              <a:t> attribute.</a:t>
+            </a:r>
+          </a:p>
+          <a:p>
+            <a:pPr marL="457200" indent="-457200">
+              <a:buFont typeface="+mj-lt"/>
+              <a:buAutoNum type="arabicPeriod"/>
+            </a:pPr>
+            <a:r>
+              <a:rPr lang="en-US" sz="2400" dirty="0" err="1" smtClean="0"/>
+              <a:t>Phát</a:t>
+            </a:r>
+            <a:r>
+              <a:rPr lang="en-US" sz="2400" dirty="0" smtClean="0"/>
+              <a:t> </a:t>
+            </a:r>
+            <a:r>
+              <a:rPr lang="en-US" sz="2400" dirty="0" err="1" smtClean="0"/>
+              <a:t>triển</a:t>
+            </a:r>
+            <a:r>
+              <a:rPr lang="en-US" sz="2400" dirty="0" smtClean="0"/>
+              <a:t> </a:t>
+            </a:r>
+            <a:r>
+              <a:rPr lang="en-US" sz="2400" dirty="0" err="1" smtClean="0"/>
+              <a:t>hệ</a:t>
+            </a:r>
+            <a:r>
+              <a:rPr lang="en-US" sz="2400" dirty="0" smtClean="0"/>
+              <a:t> </a:t>
+            </a:r>
+            <a:r>
+              <a:rPr lang="en-US" sz="2400" dirty="0" err="1" smtClean="0"/>
+              <a:t>thống</a:t>
+            </a:r>
+            <a:r>
+              <a:rPr lang="en-US" sz="2400" dirty="0" smtClean="0"/>
+              <a:t> </a:t>
+            </a:r>
+            <a:r>
+              <a:rPr lang="en-US" sz="2400" dirty="0" err="1" smtClean="0"/>
+              <a:t>tìm</a:t>
+            </a:r>
+            <a:r>
+              <a:rPr lang="en-US" sz="2400" dirty="0" smtClean="0"/>
+              <a:t> </a:t>
+            </a:r>
+            <a:r>
+              <a:rPr lang="en-US" sz="2400" dirty="0" err="1" smtClean="0"/>
+              <a:t>kiếm</a:t>
+            </a:r>
+            <a:r>
+              <a:rPr lang="en-US" sz="2400" dirty="0" smtClean="0"/>
+              <a:t> </a:t>
+            </a:r>
+            <a:r>
+              <a:rPr lang="en-US" sz="2400" dirty="0" err="1" smtClean="0"/>
+              <a:t>việc</a:t>
+            </a:r>
+            <a:r>
+              <a:rPr lang="en-US" sz="2400" dirty="0" smtClean="0"/>
+              <a:t> </a:t>
+            </a:r>
+            <a:r>
+              <a:rPr lang="en-US" sz="2400" dirty="0" err="1" smtClean="0"/>
+              <a:t>làm</a:t>
+            </a:r>
+            <a:r>
+              <a:rPr lang="en-US" sz="2400" dirty="0" smtClean="0"/>
+              <a:t> online </a:t>
+            </a:r>
+            <a:r>
+              <a:rPr lang="en-US" sz="2400" dirty="0" err="1" smtClean="0"/>
+              <a:t>có</a:t>
+            </a:r>
+            <a:r>
+              <a:rPr lang="en-US" sz="2400" dirty="0" smtClean="0"/>
+              <a:t> </a:t>
+            </a:r>
+            <a:r>
+              <a:rPr lang="en-US" sz="2400" dirty="0" err="1" smtClean="0"/>
+              <a:t>kiến</a:t>
+            </a:r>
+            <a:r>
+              <a:rPr lang="en-US" sz="2400" dirty="0" smtClean="0"/>
+              <a:t> </a:t>
+            </a:r>
+            <a:r>
+              <a:rPr lang="en-US" sz="2400" dirty="0" err="1" smtClean="0"/>
+              <a:t>trúc</a:t>
+            </a:r>
+            <a:r>
+              <a:rPr lang="en-US" sz="2400" dirty="0" smtClean="0"/>
+              <a:t> </a:t>
+            </a:r>
+            <a:r>
+              <a:rPr lang="en-US" sz="2400" dirty="0" err="1" smtClean="0"/>
+              <a:t>đa</a:t>
+            </a:r>
+            <a:r>
+              <a:rPr lang="en-US" sz="2400" dirty="0" smtClean="0"/>
+              <a:t> </a:t>
+            </a:r>
+            <a:r>
+              <a:rPr lang="en-US" sz="2400" dirty="0" err="1" smtClean="0"/>
+              <a:t>dạng</a:t>
+            </a:r>
+            <a:r>
+              <a:rPr lang="en-US" sz="2400" dirty="0" smtClean="0"/>
+              <a:t> </a:t>
+            </a:r>
+            <a:r>
+              <a:rPr lang="en-US" sz="2400" dirty="0" err="1" smtClean="0"/>
+              <a:t>tập</a:t>
+            </a:r>
+            <a:r>
+              <a:rPr lang="en-US" sz="2400" dirty="0" smtClean="0"/>
+              <a:t> attribute </a:t>
+            </a:r>
+            <a:r>
+              <a:rPr lang="en-US" sz="2400" dirty="0" err="1" smtClean="0"/>
+              <a:t>và</a:t>
+            </a:r>
+            <a:r>
+              <a:rPr lang="en-US" sz="2400" dirty="0" smtClean="0"/>
+              <a:t> </a:t>
+            </a:r>
+            <a:r>
+              <a:rPr lang="en-US" sz="2400" dirty="0" err="1" smtClean="0"/>
+              <a:t>khả</a:t>
+            </a:r>
+            <a:r>
+              <a:rPr lang="en-US" sz="2400" dirty="0" smtClean="0"/>
+              <a:t> </a:t>
+            </a:r>
+            <a:r>
+              <a:rPr lang="en-US" sz="2400" dirty="0" err="1" smtClean="0"/>
+              <a:t>năng</a:t>
+            </a:r>
+            <a:r>
+              <a:rPr lang="en-US" sz="2400" dirty="0" smtClean="0"/>
+              <a:t> </a:t>
+            </a:r>
+            <a:r>
+              <a:rPr lang="en-US" sz="2400" dirty="0" err="1" smtClean="0"/>
+              <a:t>hỗ</a:t>
+            </a:r>
+            <a:r>
+              <a:rPr lang="en-US" sz="2400" dirty="0" smtClean="0"/>
+              <a:t> </a:t>
+            </a:r>
+            <a:r>
+              <a:rPr lang="en-US" sz="2400" dirty="0" err="1" smtClean="0"/>
+              <a:t>trợ</a:t>
+            </a:r>
+            <a:r>
+              <a:rPr lang="en-US" sz="2400" dirty="0" smtClean="0"/>
+              <a:t> </a:t>
+            </a:r>
+            <a:r>
+              <a:rPr lang="en-US" sz="2400" dirty="0" err="1" smtClean="0"/>
+              <a:t>tạo</a:t>
+            </a:r>
+            <a:r>
+              <a:rPr lang="en-US" sz="2400" dirty="0" smtClean="0"/>
+              <a:t> </a:t>
+            </a:r>
+            <a:r>
+              <a:rPr lang="en-US" sz="2400" dirty="0" err="1" smtClean="0"/>
+              <a:t>mối</a:t>
+            </a:r>
+            <a:r>
+              <a:rPr lang="en-US" sz="2400" dirty="0" smtClean="0"/>
+              <a:t> </a:t>
+            </a:r>
+            <a:r>
+              <a:rPr lang="en-US" sz="2400" dirty="0" err="1" smtClean="0"/>
+              <a:t>tương</a:t>
+            </a:r>
+            <a:r>
+              <a:rPr lang="en-US" sz="2400" dirty="0" smtClean="0"/>
+              <a:t> </a:t>
+            </a:r>
+            <a:r>
+              <a:rPr lang="en-US" sz="2400" dirty="0" err="1" smtClean="0"/>
+              <a:t>quan</a:t>
+            </a:r>
+            <a:r>
+              <a:rPr lang="en-US" sz="2400" dirty="0" smtClean="0"/>
+              <a:t> </a:t>
+            </a:r>
+            <a:r>
+              <a:rPr lang="en-US" sz="2400" dirty="0" err="1" smtClean="0"/>
+              <a:t>giữa</a:t>
+            </a:r>
+            <a:r>
+              <a:rPr lang="en-US" sz="2400" dirty="0" smtClean="0"/>
+              <a:t> </a:t>
+            </a:r>
+            <a:r>
+              <a:rPr lang="en-US" sz="2400" dirty="0" err="1" smtClean="0"/>
+              <a:t>các</a:t>
+            </a:r>
+            <a:r>
+              <a:rPr lang="en-US" sz="2400" dirty="0" smtClean="0"/>
+              <a:t> </a:t>
+            </a:r>
+            <a:r>
+              <a:rPr lang="en-US" sz="2400" dirty="0" err="1" smtClean="0"/>
+              <a:t>tập</a:t>
+            </a:r>
+            <a:r>
+              <a:rPr lang="en-US" sz="2400" dirty="0" smtClean="0"/>
+              <a:t> attribute </a:t>
+            </a:r>
+            <a:r>
+              <a:rPr lang="en-US" sz="2400" dirty="0" err="1" smtClean="0"/>
+              <a:t>đó</a:t>
+            </a:r>
+            <a:r>
+              <a:rPr lang="en-US" sz="2400" dirty="0" smtClean="0"/>
+              <a:t>.</a:t>
+            </a:r>
           </a:p>
         </p:txBody>
       </p:sp>
     </p:spTree>
     <p:extLst>
       <p:ext uri="{BB962C8B-B14F-4D97-AF65-F5344CB8AC3E}">
-        <p14:creationId xmlns:p14="http://schemas.microsoft.com/office/powerpoint/2010/main" val="2281936890"/>
+        <p14:creationId xmlns:p14="http://schemas.microsoft.com/office/powerpoint/2010/main" val="3734541676"/>
       </p:ext>
     </p:extLst>
   </p:cSld>
@@ -14057,33 +15753,14 @@
           <a:bodyPr/>
           <a:lstStyle/>
           <a:p>
-            <a:endParaRPr lang="en-US"/>
-          </a:p>
-        </p:txBody>
-      </p:sp>
-      <p:sp>
-        <p:nvSpPr>
-          <p:cNvPr id="6" name="Content Placeholder 5"/>
-          <p:cNvSpPr>
-            <a:spLocks noGrp="1"/>
-          </p:cNvSpPr>
-          <p:nvPr>
-            <p:ph idx="1"/>
-          </p:nvPr>
-        </p:nvSpPr>
-        <p:spPr/>
-        <p:txBody>
-          <a:bodyPr/>
-          <a:lstStyle/>
-          <a:p>
-            <a:endParaRPr lang="en-US"/>
+            <a:endParaRPr lang="en-US" dirty="0"/>
           </a:p>
         </p:txBody>
       </p:sp>
     </p:spTree>
     <p:extLst>
       <p:ext uri="{BB962C8B-B14F-4D97-AF65-F5344CB8AC3E}">
-        <p14:creationId xmlns:p14="http://schemas.microsoft.com/office/powerpoint/2010/main" val="1562722271"/>
+        <p14:creationId xmlns:p14="http://schemas.microsoft.com/office/powerpoint/2010/main" val="4245971284"/>
       </p:ext>
     </p:extLst>
   </p:cSld>
@@ -14098,153 +15775,6 @@
       </p:par>
     </p:tnLst>
   </p:timing>
-</p:sld>
-</file>
-
-<file path=ppt/slides/slide8.xml><?xml version="1.0" encoding="utf-8"?>
-<p:sld xmlns:a="http://schemas.openxmlformats.org/drawingml/2006/main" xmlns:r="http://schemas.openxmlformats.org/officeDocument/2006/relationships" xmlns:p="http://schemas.openxmlformats.org/presentationml/2006/main">
-  <p:cSld>
-    <p:spTree>
-      <p:nvGrpSpPr>
-        <p:cNvPr id="1" name=""/>
-        <p:cNvGrpSpPr/>
-        <p:nvPr/>
-      </p:nvGrpSpPr>
-      <p:grpSpPr>
-        <a:xfrm>
-          <a:off x="0" y="0"/>
-          <a:ext cx="0" cy="0"/>
-          <a:chOff x="0" y="0"/>
-          <a:chExt cx="0" cy="0"/>
-        </a:xfrm>
-      </p:grpSpPr>
-      <p:sp>
-        <p:nvSpPr>
-          <p:cNvPr id="2" name="Title 1"/>
-          <p:cNvSpPr>
-            <a:spLocks noGrp="1"/>
-          </p:cNvSpPr>
-          <p:nvPr>
-            <p:ph type="title"/>
-          </p:nvPr>
-        </p:nvSpPr>
-        <p:spPr/>
-        <p:txBody>
-          <a:bodyPr/>
-          <a:lstStyle/>
-          <a:p>
-            <a:r>
-              <a:rPr lang="en-US" dirty="0" err="1" smtClean="0"/>
-              <a:t>Mục</a:t>
-            </a:r>
-            <a:r>
-              <a:rPr lang="en-US" dirty="0" smtClean="0"/>
-              <a:t> </a:t>
-            </a:r>
-            <a:r>
-              <a:rPr lang="en-US" dirty="0" err="1" smtClean="0"/>
-              <a:t>tiêu</a:t>
-            </a:r>
-            <a:r>
-              <a:rPr lang="en-US" dirty="0" smtClean="0"/>
-              <a:t> </a:t>
-            </a:r>
-            <a:r>
-              <a:rPr lang="en-US" dirty="0" err="1" smtClean="0"/>
-              <a:t>đề</a:t>
-            </a:r>
-            <a:r>
-              <a:rPr lang="en-US" dirty="0" smtClean="0"/>
-              <a:t> </a:t>
-            </a:r>
-            <a:r>
-              <a:rPr lang="en-US" dirty="0" err="1" smtClean="0"/>
-              <a:t>tài</a:t>
-            </a:r>
-            <a:endParaRPr lang="en-US" dirty="0"/>
-          </a:p>
-        </p:txBody>
-      </p:sp>
-      <p:sp>
-        <p:nvSpPr>
-          <p:cNvPr id="3" name="Content Placeholder 2"/>
-          <p:cNvSpPr>
-            <a:spLocks noGrp="1"/>
-          </p:cNvSpPr>
-          <p:nvPr>
-            <p:ph idx="1"/>
-          </p:nvPr>
-        </p:nvSpPr>
-        <p:spPr/>
-        <p:txBody>
-          <a:bodyPr/>
-          <a:lstStyle/>
-          <a:p>
-            <a:endParaRPr lang="en-US"/>
-          </a:p>
-        </p:txBody>
-      </p:sp>
-    </p:spTree>
-    <p:extLst>
-      <p:ext uri="{BB962C8B-B14F-4D97-AF65-F5344CB8AC3E}">
-        <p14:creationId xmlns:p14="http://schemas.microsoft.com/office/powerpoint/2010/main" val="3734541676"/>
-      </p:ext>
-    </p:extLst>
-  </p:cSld>
-  <p:clrMapOvr>
-    <a:masterClrMapping/>
-  </p:clrMapOvr>
-  <p:transition spd="slow"/>
-</p:sld>
-</file>
-
-<file path=ppt/slides/slide9.xml><?xml version="1.0" encoding="utf-8"?>
-<p:sld xmlns:a="http://schemas.openxmlformats.org/drawingml/2006/main" xmlns:r="http://schemas.openxmlformats.org/officeDocument/2006/relationships" xmlns:p="http://schemas.openxmlformats.org/presentationml/2006/main">
-  <p:cSld>
-    <p:spTree>
-      <p:nvGrpSpPr>
-        <p:cNvPr id="1" name=""/>
-        <p:cNvGrpSpPr/>
-        <p:nvPr/>
-      </p:nvGrpSpPr>
-      <p:grpSpPr>
-        <a:xfrm>
-          <a:off x="0" y="0"/>
-          <a:ext cx="0" cy="0"/>
-          <a:chOff x="0" y="0"/>
-          <a:chExt cx="0" cy="0"/>
-        </a:xfrm>
-      </p:grpSpPr>
-      <p:sp>
-        <p:nvSpPr>
-          <p:cNvPr id="2" name="Title 1"/>
-          <p:cNvSpPr>
-            <a:spLocks noGrp="1"/>
-          </p:cNvSpPr>
-          <p:nvPr>
-            <p:ph type="title"/>
-          </p:nvPr>
-        </p:nvSpPr>
-        <p:spPr/>
-        <p:txBody>
-          <a:bodyPr/>
-          <a:lstStyle/>
-          <a:p>
-            <a:endParaRPr lang="en-US" dirty="0"/>
-          </a:p>
-        </p:txBody>
-      </p:sp>
-    </p:spTree>
-    <p:extLst>
-      <p:ext uri="{BB962C8B-B14F-4D97-AF65-F5344CB8AC3E}">
-        <p14:creationId xmlns:p14="http://schemas.microsoft.com/office/powerpoint/2010/main" val="4245971284"/>
-      </p:ext>
-    </p:extLst>
-  </p:cSld>
-  <p:clrMapOvr>
-    <a:masterClrMapping/>
-  </p:clrMapOvr>
-  <p:transition spd="slow"/>
 </p:sld>
 </file>
 

--- a/Documents/JobZoom.pptx
+++ b/Documents/JobZoom.pptx
@@ -18,7 +18,7 @@
     <p:sldId id="258" r:id="rId9"/>
     <p:sldId id="259" r:id="rId10"/>
   </p:sldIdLst>
-  <p:sldSz cx="9144000" cy="6858000" type="screen4x3"/>
+  <p:sldSz cx="9144000" cy="5143500" type="screen16x9"/>
   <p:notesSz cx="6858000" cy="9144000"/>
   <p:defaultTextStyle>
     <a:defPPr>
@@ -218,8 +218,8 @@
         </p:nvSpPr>
         <p:spPr>
           <a:xfrm>
-            <a:off x="1143000" y="685800"/>
-            <a:ext cx="4572000" cy="3429000"/>
+            <a:off x="381000" y="685800"/>
+            <a:ext cx="6096000" cy="3429000"/>
           </a:xfrm>
           <a:prstGeom prst="rect">
             <a:avLst/>
@@ -494,7 +494,7 @@
         <p:spPr>
           <a:xfrm>
             <a:off x="3313" y="0"/>
-            <a:ext cx="9144000" cy="6858000"/>
+            <a:ext cx="9144000" cy="5143500"/>
           </a:xfrm>
           <a:prstGeom prst="rect">
             <a:avLst/>
@@ -547,8 +547,8 @@
         </p:nvSpPr>
         <p:spPr>
           <a:xfrm>
-            <a:off x="714374" y="1550840"/>
-            <a:ext cx="5153025" cy="3402160"/>
+            <a:off x="714375" y="1163130"/>
+            <a:ext cx="5153025" cy="2551620"/>
           </a:xfrm>
           <a:prstGeom prst="rect">
             <a:avLst/>
@@ -597,8 +597,8 @@
         </p:nvSpPr>
         <p:spPr>
           <a:xfrm>
-            <a:off x="940394" y="1863725"/>
-            <a:ext cx="3403006" cy="1603375"/>
+            <a:off x="940394" y="1397794"/>
+            <a:ext cx="3403006" cy="1202531"/>
           </a:xfrm>
         </p:spPr>
         <p:txBody>
@@ -633,8 +633,8 @@
         </p:nvSpPr>
         <p:spPr>
           <a:xfrm>
-            <a:off x="923924" y="4114800"/>
-            <a:ext cx="4486276" cy="762000"/>
+            <a:off x="923924" y="3086100"/>
+            <a:ext cx="4486276" cy="571500"/>
           </a:xfrm>
         </p:spPr>
         <p:txBody>
@@ -757,8 +757,8 @@
         </p:nvSpPr>
         <p:spPr>
           <a:xfrm>
-            <a:off x="914400" y="3733800"/>
-            <a:ext cx="2133600" cy="365125"/>
+            <a:off x="914400" y="2800350"/>
+            <a:ext cx="2133600" cy="273844"/>
           </a:xfrm>
           <a:prstGeom prst="rect">
             <a:avLst/>
@@ -829,8 +829,8 @@
         </p:blipFill>
         <p:spPr>
           <a:xfrm>
-            <a:off x="152400" y="6570165"/>
-            <a:ext cx="835127" cy="135435"/>
+            <a:off x="152401" y="4927624"/>
+            <a:ext cx="835127" cy="101576"/>
           </a:xfrm>
           <a:prstGeom prst="rect">
             <a:avLst/>
@@ -860,8 +860,8 @@
         </p:blipFill>
         <p:spPr>
           <a:xfrm>
-            <a:off x="4572000" y="910931"/>
-            <a:ext cx="3694147" cy="2487362"/>
+            <a:off x="4572001" y="683198"/>
+            <a:ext cx="3694147" cy="1865522"/>
           </a:xfrm>
           <a:prstGeom prst="rect">
             <a:avLst/>
@@ -923,7 +923,7 @@
         <p:spPr bwMode="auto">
           <a:xfrm>
             <a:off x="0" y="0"/>
-            <a:ext cx="9144000" cy="6907213"/>
+            <a:ext cx="9144000" cy="5180410"/>
           </a:xfrm>
           <a:prstGeom prst="rect">
             <a:avLst/>
@@ -945,8 +945,8 @@
         </p:nvSpPr>
         <p:spPr bwMode="auto">
           <a:xfrm>
-            <a:off x="0" y="2286000"/>
-            <a:ext cx="9144000" cy="2438400"/>
+            <a:off x="0" y="1714500"/>
+            <a:ext cx="9144000" cy="1828800"/>
           </a:xfrm>
           <a:prstGeom prst="rect">
             <a:avLst/>
@@ -1053,8 +1053,8 @@
         </p:nvSpPr>
         <p:spPr>
           <a:xfrm>
-            <a:off x="685800" y="2130425"/>
-            <a:ext cx="7772400" cy="1470025"/>
+            <a:off x="685800" y="1597819"/>
+            <a:ext cx="7772400" cy="1102519"/>
           </a:xfrm>
         </p:spPr>
         <p:txBody>
@@ -1087,8 +1087,8 @@
         </p:nvSpPr>
         <p:spPr>
           <a:xfrm>
-            <a:off x="1371600" y="3886200"/>
-            <a:ext cx="6400800" cy="762000"/>
+            <a:off x="1371600" y="2914650"/>
+            <a:ext cx="6400800" cy="571500"/>
           </a:xfrm>
         </p:spPr>
         <p:txBody>
@@ -1330,7 +1330,7 @@
         <p:spPr bwMode="auto">
           <a:xfrm>
             <a:off x="-11113" y="0"/>
-            <a:ext cx="9155113" cy="2362200"/>
+            <a:ext cx="9155113" cy="1771650"/>
           </a:xfrm>
           <a:prstGeom prst="rect">
             <a:avLst/>
@@ -1361,8 +1361,8 @@
         </p:blipFill>
         <p:spPr bwMode="auto">
           <a:xfrm>
-            <a:off x="-11113" y="2351088"/>
-            <a:ext cx="9155113" cy="4495800"/>
+            <a:off x="-11113" y="1763316"/>
+            <a:ext cx="9155113" cy="3371850"/>
           </a:xfrm>
           <a:prstGeom prst="rect">
             <a:avLst/>
@@ -1388,8 +1388,8 @@
         </p:nvSpPr>
         <p:spPr>
           <a:xfrm>
-            <a:off x="228600" y="152400"/>
-            <a:ext cx="8229600" cy="639762"/>
+            <a:off x="228600" y="114300"/>
+            <a:ext cx="8229600" cy="479822"/>
           </a:xfrm>
         </p:spPr>
         <p:txBody>
@@ -1542,8 +1542,8 @@
         </p:nvSpPr>
         <p:spPr>
           <a:xfrm>
-            <a:off x="457200" y="274638"/>
-            <a:ext cx="8229600" cy="639762"/>
+            <a:off x="457200" y="205978"/>
+            <a:ext cx="8229600" cy="479822"/>
           </a:xfrm>
         </p:spPr>
         <p:txBody>
@@ -1581,8 +1581,8 @@
         </p:nvSpPr>
         <p:spPr>
           <a:xfrm>
-            <a:off x="457200" y="1219200"/>
-            <a:ext cx="8229600" cy="4525963"/>
+            <a:off x="457200" y="914401"/>
+            <a:ext cx="8229600" cy="3394472"/>
           </a:xfrm>
         </p:spPr>
         <p:txBody>
@@ -1915,7 +1915,7 @@
         <p:spPr bwMode="auto">
           <a:xfrm>
             <a:off x="-11113" y="0"/>
-            <a:ext cx="9155113" cy="2362200"/>
+            <a:ext cx="9155113" cy="1771650"/>
           </a:xfrm>
           <a:prstGeom prst="rect">
             <a:avLst/>
@@ -1946,8 +1946,8 @@
         </p:blipFill>
         <p:spPr bwMode="auto">
           <a:xfrm>
-            <a:off x="-11113" y="2351088"/>
-            <a:ext cx="9155113" cy="4506912"/>
+            <a:off x="-11113" y="1763316"/>
+            <a:ext cx="9155113" cy="3380184"/>
           </a:xfrm>
           <a:prstGeom prst="rect">
             <a:avLst/>
@@ -1973,8 +1973,8 @@
         </p:nvSpPr>
         <p:spPr>
           <a:xfrm>
-            <a:off x="304800" y="228600"/>
-            <a:ext cx="8229600" cy="639762"/>
+            <a:off x="304800" y="171450"/>
+            <a:ext cx="8229600" cy="479822"/>
           </a:xfrm>
         </p:spPr>
         <p:txBody>
@@ -2132,8 +2132,8 @@
         </p:blipFill>
         <p:spPr bwMode="auto">
           <a:xfrm rot="5400000" flipV="1">
-            <a:off x="3385583" y="-3396217"/>
-            <a:ext cx="2362200" cy="9154634"/>
+            <a:off x="3680858" y="-3691492"/>
+            <a:ext cx="1771650" cy="9154634"/>
           </a:xfrm>
           <a:prstGeom prst="rect">
             <a:avLst/>
@@ -2158,8 +2158,8 @@
         </p:blipFill>
         <p:spPr bwMode="auto">
           <a:xfrm rot="16200000">
-            <a:off x="2313468" y="27465"/>
-            <a:ext cx="4506434" cy="9154636"/>
+            <a:off x="2876772" y="-1123731"/>
+            <a:ext cx="3379826" cy="9154636"/>
           </a:xfrm>
           <a:prstGeom prst="rect">
             <a:avLst/>
@@ -2179,8 +2179,8 @@
         </p:nvSpPr>
         <p:spPr>
           <a:xfrm>
-            <a:off x="304800" y="228600"/>
-            <a:ext cx="8229600" cy="639762"/>
+            <a:off x="304800" y="171450"/>
+            <a:ext cx="8229600" cy="479822"/>
           </a:xfrm>
         </p:spPr>
         <p:txBody>
@@ -2219,8 +2219,8 @@
         </p:nvSpPr>
         <p:spPr>
           <a:xfrm>
-            <a:off x="457200" y="6356350"/>
-            <a:ext cx="2133600" cy="365125"/>
+            <a:off x="457200" y="4767263"/>
+            <a:ext cx="2133600" cy="273844"/>
           </a:xfrm>
           <a:prstGeom prst="rect">
             <a:avLst/>
@@ -2250,8 +2250,8 @@
         </p:nvSpPr>
         <p:spPr>
           <a:xfrm>
-            <a:off x="3124200" y="6356350"/>
-            <a:ext cx="2895600" cy="365125"/>
+            <a:off x="3124200" y="4767263"/>
+            <a:ext cx="2895600" cy="273844"/>
           </a:xfrm>
           <a:prstGeom prst="rect">
             <a:avLst/>
@@ -2277,8 +2277,8 @@
         </p:nvSpPr>
         <p:spPr>
           <a:xfrm>
-            <a:off x="6553200" y="6356350"/>
-            <a:ext cx="2133600" cy="365125"/>
+            <a:off x="6553200" y="4767263"/>
+            <a:ext cx="2133600" cy="273844"/>
           </a:xfrm>
           <a:prstGeom prst="rect">
             <a:avLst/>
@@ -2339,8 +2339,8 @@
         </p:blipFill>
         <p:spPr bwMode="auto">
           <a:xfrm rot="5400000" flipV="1">
-            <a:off x="3385583" y="-3396217"/>
-            <a:ext cx="2362200" cy="9154634"/>
+            <a:off x="3680858" y="-3691492"/>
+            <a:ext cx="1771650" cy="9154634"/>
           </a:xfrm>
           <a:prstGeom prst="rect">
             <a:avLst/>
@@ -2365,8 +2365,8 @@
         </p:blipFill>
         <p:spPr bwMode="auto">
           <a:xfrm rot="16200000">
-            <a:off x="2313468" y="27465"/>
-            <a:ext cx="4506434" cy="9154636"/>
+            <a:off x="2876772" y="-1123731"/>
+            <a:ext cx="3379826" cy="9154636"/>
           </a:xfrm>
           <a:prstGeom prst="rect">
             <a:avLst/>
@@ -2386,8 +2386,8 @@
         </p:nvSpPr>
         <p:spPr>
           <a:xfrm>
-            <a:off x="304800" y="228600"/>
-            <a:ext cx="8229600" cy="639762"/>
+            <a:off x="304800" y="171450"/>
+            <a:ext cx="8229600" cy="479822"/>
           </a:xfrm>
         </p:spPr>
         <p:txBody>
@@ -2426,8 +2426,8 @@
         </p:nvSpPr>
         <p:spPr>
           <a:xfrm>
-            <a:off x="457200" y="6356350"/>
-            <a:ext cx="2133600" cy="365125"/>
+            <a:off x="457200" y="4767263"/>
+            <a:ext cx="2133600" cy="273844"/>
           </a:xfrm>
           <a:prstGeom prst="rect">
             <a:avLst/>
@@ -2457,8 +2457,8 @@
         </p:nvSpPr>
         <p:spPr>
           <a:xfrm>
-            <a:off x="3124200" y="6356350"/>
-            <a:ext cx="2895600" cy="365125"/>
+            <a:off x="3124200" y="4767263"/>
+            <a:ext cx="2895600" cy="273844"/>
           </a:xfrm>
           <a:prstGeom prst="rect">
             <a:avLst/>
@@ -2484,8 +2484,8 @@
         </p:nvSpPr>
         <p:spPr>
           <a:xfrm>
-            <a:off x="6553200" y="6356350"/>
-            <a:ext cx="2133600" cy="365125"/>
+            <a:off x="6553200" y="4767263"/>
+            <a:ext cx="2133600" cy="273844"/>
           </a:xfrm>
           <a:prstGeom prst="rect">
             <a:avLst/>
@@ -2546,8 +2546,8 @@
         </p:blipFill>
         <p:spPr bwMode="auto">
           <a:xfrm rot="5400000" flipV="1">
-            <a:off x="3385583" y="-3396217"/>
-            <a:ext cx="2362200" cy="9154634"/>
+            <a:off x="3680858" y="-3691492"/>
+            <a:ext cx="1771650" cy="9154634"/>
           </a:xfrm>
           <a:prstGeom prst="rect">
             <a:avLst/>
@@ -2572,8 +2572,8 @@
         </p:blipFill>
         <p:spPr bwMode="auto">
           <a:xfrm rot="16200000">
-            <a:off x="2313468" y="27465"/>
-            <a:ext cx="4506434" cy="9154636"/>
+            <a:off x="2876772" y="-1123731"/>
+            <a:ext cx="3379826" cy="9154636"/>
           </a:xfrm>
           <a:prstGeom prst="rect">
             <a:avLst/>
@@ -2593,8 +2593,8 @@
         </p:nvSpPr>
         <p:spPr>
           <a:xfrm>
-            <a:off x="304800" y="228600"/>
-            <a:ext cx="8229600" cy="639762"/>
+            <a:off x="304800" y="171450"/>
+            <a:ext cx="8229600" cy="479822"/>
           </a:xfrm>
         </p:spPr>
         <p:txBody>
@@ -2633,8 +2633,8 @@
         </p:nvSpPr>
         <p:spPr>
           <a:xfrm>
-            <a:off x="457200" y="6356350"/>
-            <a:ext cx="2133600" cy="365125"/>
+            <a:off x="457200" y="4767263"/>
+            <a:ext cx="2133600" cy="273844"/>
           </a:xfrm>
           <a:prstGeom prst="rect">
             <a:avLst/>
@@ -2664,8 +2664,8 @@
         </p:nvSpPr>
         <p:spPr>
           <a:xfrm>
-            <a:off x="3124200" y="6356350"/>
-            <a:ext cx="2895600" cy="365125"/>
+            <a:off x="3124200" y="4767263"/>
+            <a:ext cx="2895600" cy="273844"/>
           </a:xfrm>
           <a:prstGeom prst="rect">
             <a:avLst/>
@@ -2691,8 +2691,8 @@
         </p:nvSpPr>
         <p:spPr>
           <a:xfrm>
-            <a:off x="6553200" y="6356350"/>
-            <a:ext cx="2133600" cy="365125"/>
+            <a:off x="6553200" y="4767263"/>
+            <a:ext cx="2133600" cy="273844"/>
           </a:xfrm>
           <a:prstGeom prst="rect">
             <a:avLst/>
@@ -2753,8 +2753,8 @@
         </p:blipFill>
         <p:spPr bwMode="auto">
           <a:xfrm rot="5400000" flipV="1">
-            <a:off x="3385583" y="-3396217"/>
-            <a:ext cx="2362200" cy="9154634"/>
+            <a:off x="3680858" y="-3691492"/>
+            <a:ext cx="1771650" cy="9154634"/>
           </a:xfrm>
           <a:prstGeom prst="rect">
             <a:avLst/>
@@ -2779,8 +2779,8 @@
         </p:blipFill>
         <p:spPr bwMode="auto">
           <a:xfrm rot="16200000">
-            <a:off x="2313468" y="27465"/>
-            <a:ext cx="4506434" cy="9154636"/>
+            <a:off x="2876772" y="-1123731"/>
+            <a:ext cx="3379826" cy="9154636"/>
           </a:xfrm>
           <a:prstGeom prst="rect">
             <a:avLst/>
@@ -2800,8 +2800,8 @@
         </p:nvSpPr>
         <p:spPr>
           <a:xfrm>
-            <a:off x="304800" y="228600"/>
-            <a:ext cx="8229600" cy="639762"/>
+            <a:off x="304800" y="171450"/>
+            <a:ext cx="8229600" cy="479822"/>
           </a:xfrm>
         </p:spPr>
         <p:txBody>
@@ -2840,8 +2840,8 @@
         </p:nvSpPr>
         <p:spPr>
           <a:xfrm>
-            <a:off x="457200" y="6356350"/>
-            <a:ext cx="2133600" cy="365125"/>
+            <a:off x="457200" y="4767263"/>
+            <a:ext cx="2133600" cy="273844"/>
           </a:xfrm>
           <a:prstGeom prst="rect">
             <a:avLst/>
@@ -2871,8 +2871,8 @@
         </p:nvSpPr>
         <p:spPr>
           <a:xfrm>
-            <a:off x="3124200" y="6356350"/>
-            <a:ext cx="2895600" cy="365125"/>
+            <a:off x="3124200" y="4767263"/>
+            <a:ext cx="2895600" cy="273844"/>
           </a:xfrm>
           <a:prstGeom prst="rect">
             <a:avLst/>
@@ -2898,8 +2898,8 @@
         </p:nvSpPr>
         <p:spPr>
           <a:xfrm>
-            <a:off x="6553200" y="6356350"/>
-            <a:ext cx="2133600" cy="365125"/>
+            <a:off x="6553200" y="4767263"/>
+            <a:ext cx="2133600" cy="273844"/>
           </a:xfrm>
           <a:prstGeom prst="rect">
             <a:avLst/>
@@ -2960,8 +2960,8 @@
         </p:blipFill>
         <p:spPr bwMode="auto">
           <a:xfrm rot="5400000" flipV="1">
-            <a:off x="3385583" y="-3396217"/>
-            <a:ext cx="2362200" cy="9154634"/>
+            <a:off x="3680858" y="-3691492"/>
+            <a:ext cx="1771650" cy="9154634"/>
           </a:xfrm>
           <a:prstGeom prst="rect">
             <a:avLst/>
@@ -2986,8 +2986,8 @@
         </p:blipFill>
         <p:spPr bwMode="auto">
           <a:xfrm rot="16200000">
-            <a:off x="2318784" y="22150"/>
-            <a:ext cx="4495800" cy="9154634"/>
+            <a:off x="2880759" y="-1127717"/>
+            <a:ext cx="3371850" cy="9154634"/>
           </a:xfrm>
           <a:prstGeom prst="rect">
             <a:avLst/>
@@ -3007,8 +3007,8 @@
         </p:nvSpPr>
         <p:spPr>
           <a:xfrm>
-            <a:off x="228600" y="152400"/>
-            <a:ext cx="8229600" cy="639762"/>
+            <a:off x="228600" y="114300"/>
+            <a:ext cx="8229600" cy="479822"/>
           </a:xfrm>
         </p:spPr>
         <p:txBody>
@@ -3047,8 +3047,8 @@
         </p:nvSpPr>
         <p:spPr>
           <a:xfrm>
-            <a:off x="457200" y="6356350"/>
-            <a:ext cx="2133600" cy="365125"/>
+            <a:off x="457200" y="4767263"/>
+            <a:ext cx="2133600" cy="273844"/>
           </a:xfrm>
           <a:prstGeom prst="rect">
             <a:avLst/>
@@ -3078,8 +3078,8 @@
         </p:nvSpPr>
         <p:spPr>
           <a:xfrm>
-            <a:off x="3124200" y="6356350"/>
-            <a:ext cx="2895600" cy="365125"/>
+            <a:off x="3124200" y="4767263"/>
+            <a:ext cx="2895600" cy="273844"/>
           </a:xfrm>
           <a:prstGeom prst="rect">
             <a:avLst/>
@@ -3105,8 +3105,8 @@
         </p:nvSpPr>
         <p:spPr>
           <a:xfrm>
-            <a:off x="6553200" y="6356350"/>
-            <a:ext cx="2133600" cy="365125"/>
+            <a:off x="6553200" y="4767263"/>
+            <a:ext cx="2133600" cy="273844"/>
           </a:xfrm>
           <a:prstGeom prst="rect">
             <a:avLst/>
@@ -3158,8 +3158,8 @@
         </p:nvSpPr>
         <p:spPr>
           <a:xfrm>
-            <a:off x="714374" y="1550840"/>
-            <a:ext cx="5153025" cy="3402160"/>
+            <a:off x="714375" y="1163130"/>
+            <a:ext cx="5153025" cy="2551620"/>
           </a:xfrm>
           <a:prstGeom prst="rect">
             <a:avLst/>
@@ -3208,8 +3208,8 @@
         </p:nvSpPr>
         <p:spPr>
           <a:xfrm>
-            <a:off x="940394" y="1863725"/>
-            <a:ext cx="3403006" cy="1603375"/>
+            <a:off x="940394" y="1397794"/>
+            <a:ext cx="3403006" cy="1202531"/>
           </a:xfrm>
         </p:spPr>
         <p:txBody>
@@ -3244,8 +3244,8 @@
         </p:nvSpPr>
         <p:spPr>
           <a:xfrm>
-            <a:off x="923924" y="4114800"/>
-            <a:ext cx="4486276" cy="762000"/>
+            <a:off x="923924" y="3086100"/>
+            <a:ext cx="4486276" cy="571500"/>
           </a:xfrm>
         </p:spPr>
         <p:txBody>
@@ -3368,8 +3368,8 @@
         </p:nvSpPr>
         <p:spPr>
           <a:xfrm>
-            <a:off x="914400" y="3733800"/>
-            <a:ext cx="2133600" cy="365125"/>
+            <a:off x="914400" y="2800350"/>
+            <a:ext cx="2133600" cy="273844"/>
           </a:xfrm>
           <a:prstGeom prst="rect">
             <a:avLst/>
@@ -3440,8 +3440,8 @@
         </p:blipFill>
         <p:spPr>
           <a:xfrm>
-            <a:off x="152400" y="6570165"/>
-            <a:ext cx="835127" cy="135435"/>
+            <a:off x="152401" y="4927624"/>
+            <a:ext cx="835127" cy="101576"/>
           </a:xfrm>
           <a:prstGeom prst="rect">
             <a:avLst/>
@@ -3471,8 +3471,8 @@
         </p:blipFill>
         <p:spPr>
           <a:xfrm>
-            <a:off x="4572000" y="910931"/>
-            <a:ext cx="3694147" cy="2537119"/>
+            <a:off x="4572001" y="683199"/>
+            <a:ext cx="3694147" cy="1902839"/>
           </a:xfrm>
           <a:prstGeom prst="rect">
             <a:avLst/>
@@ -3534,7 +3534,7 @@
         <p:spPr bwMode="auto">
           <a:xfrm>
             <a:off x="-11113" y="0"/>
-            <a:ext cx="9155113" cy="2362200"/>
+            <a:ext cx="9155113" cy="1771650"/>
           </a:xfrm>
           <a:prstGeom prst="rect">
             <a:avLst/>
@@ -3565,8 +3565,8 @@
         </p:blipFill>
         <p:spPr bwMode="auto">
           <a:xfrm>
-            <a:off x="-11113" y="2351088"/>
-            <a:ext cx="9155113" cy="4506912"/>
+            <a:off x="-11113" y="1763316"/>
+            <a:ext cx="9155113" cy="3380184"/>
           </a:xfrm>
           <a:prstGeom prst="rect">
             <a:avLst/>
@@ -3592,8 +3592,8 @@
         </p:nvSpPr>
         <p:spPr>
           <a:xfrm>
-            <a:off x="304800" y="228600"/>
-            <a:ext cx="8229600" cy="639762"/>
+            <a:off x="304800" y="171450"/>
+            <a:ext cx="8229600" cy="479822"/>
           </a:xfrm>
         </p:spPr>
         <p:txBody>
@@ -3632,8 +3632,8 @@
         </p:nvSpPr>
         <p:spPr>
           <a:xfrm>
-            <a:off x="457200" y="6356350"/>
-            <a:ext cx="2133600" cy="365125"/>
+            <a:off x="457200" y="4767263"/>
+            <a:ext cx="2133600" cy="273844"/>
           </a:xfrm>
           <a:prstGeom prst="rect">
             <a:avLst/>
@@ -3670,8 +3670,8 @@
         </p:nvSpPr>
         <p:spPr>
           <a:xfrm>
-            <a:off x="3124200" y="6356350"/>
-            <a:ext cx="2895600" cy="365125"/>
+            <a:off x="3124200" y="4767263"/>
+            <a:ext cx="2895600" cy="273844"/>
           </a:xfrm>
           <a:prstGeom prst="rect">
             <a:avLst/>
@@ -3704,8 +3704,8 @@
         </p:nvSpPr>
         <p:spPr>
           <a:xfrm>
-            <a:off x="6553200" y="6356350"/>
-            <a:ext cx="2133600" cy="365125"/>
+            <a:off x="6553200" y="4767263"/>
+            <a:ext cx="2133600" cy="273844"/>
           </a:xfrm>
           <a:prstGeom prst="rect">
             <a:avLst/>
@@ -3780,8 +3780,8 @@
         </p:blipFill>
         <p:spPr bwMode="auto">
           <a:xfrm rot="5400000" flipV="1">
-            <a:off x="3385583" y="-3396217"/>
-            <a:ext cx="2362200" cy="9154634"/>
+            <a:off x="3680858" y="-3691492"/>
+            <a:ext cx="1771650" cy="9154634"/>
           </a:xfrm>
           <a:prstGeom prst="rect">
             <a:avLst/>
@@ -3806,8 +3806,8 @@
         </p:blipFill>
         <p:spPr bwMode="auto">
           <a:xfrm rot="16200000">
-            <a:off x="2318784" y="22150"/>
-            <a:ext cx="4495800" cy="9154634"/>
+            <a:off x="2880759" y="-1127717"/>
+            <a:ext cx="3371850" cy="9154634"/>
           </a:xfrm>
           <a:prstGeom prst="rect">
             <a:avLst/>
@@ -3827,8 +3827,8 @@
         </p:nvSpPr>
         <p:spPr>
           <a:xfrm>
-            <a:off x="228600" y="152400"/>
-            <a:ext cx="8229600" cy="639762"/>
+            <a:off x="228600" y="114300"/>
+            <a:ext cx="8229600" cy="479822"/>
           </a:xfrm>
         </p:spPr>
         <p:txBody>
@@ -3867,8 +3867,8 @@
         </p:nvSpPr>
         <p:spPr>
           <a:xfrm>
-            <a:off x="457200" y="6356350"/>
-            <a:ext cx="2133600" cy="365125"/>
+            <a:off x="457200" y="4767263"/>
+            <a:ext cx="2133600" cy="273844"/>
           </a:xfrm>
           <a:prstGeom prst="rect">
             <a:avLst/>
@@ -3898,8 +3898,8 @@
         </p:nvSpPr>
         <p:spPr>
           <a:xfrm>
-            <a:off x="3124200" y="6356350"/>
-            <a:ext cx="2895600" cy="365125"/>
+            <a:off x="3124200" y="4767263"/>
+            <a:ext cx="2895600" cy="273844"/>
           </a:xfrm>
           <a:prstGeom prst="rect">
             <a:avLst/>
@@ -3925,8 +3925,8 @@
         </p:nvSpPr>
         <p:spPr>
           <a:xfrm>
-            <a:off x="6553200" y="6356350"/>
-            <a:ext cx="2133600" cy="365125"/>
+            <a:off x="6553200" y="4767263"/>
+            <a:ext cx="2133600" cy="273844"/>
           </a:xfrm>
           <a:prstGeom prst="rect">
             <a:avLst/>
@@ -3986,8 +3986,8 @@
         </p:blipFill>
         <p:spPr>
           <a:xfrm>
-            <a:off x="20548" y="20547"/>
-            <a:ext cx="3498527" cy="2825393"/>
+            <a:off x="20549" y="15411"/>
+            <a:ext cx="3498527" cy="2119045"/>
           </a:xfrm>
           <a:prstGeom prst="rect">
             <a:avLst/>
@@ -4010,8 +4010,8 @@
         </p:blipFill>
         <p:spPr>
           <a:xfrm>
-            <a:off x="3503486" y="20548"/>
-            <a:ext cx="5624418" cy="2825496"/>
+            <a:off x="3503486" y="15411"/>
+            <a:ext cx="5624418" cy="2119122"/>
           </a:xfrm>
           <a:prstGeom prst="rect">
             <a:avLst/>
@@ -4034,8 +4034,8 @@
         </p:blipFill>
         <p:spPr>
           <a:xfrm>
-            <a:off x="20923" y="2818500"/>
-            <a:ext cx="7668994" cy="2296266"/>
+            <a:off x="20923" y="2113875"/>
+            <a:ext cx="7668994" cy="1722200"/>
           </a:xfrm>
           <a:prstGeom prst="rect">
             <a:avLst/>
@@ -4058,8 +4058,8 @@
         </p:blipFill>
         <p:spPr>
           <a:xfrm>
-            <a:off x="7662119" y="2819400"/>
-            <a:ext cx="1461333" cy="2293850"/>
+            <a:off x="7662120" y="2114550"/>
+            <a:ext cx="1461333" cy="1720388"/>
           </a:xfrm>
           <a:prstGeom prst="rect">
             <a:avLst/>
@@ -4082,8 +4082,8 @@
         </p:blipFill>
         <p:spPr>
           <a:xfrm>
-            <a:off x="20548" y="5089818"/>
-            <a:ext cx="9098280" cy="1737360"/>
+            <a:off x="20548" y="3817364"/>
+            <a:ext cx="9098280" cy="1303020"/>
           </a:xfrm>
           <a:prstGeom prst="rect">
             <a:avLst/>
@@ -4098,8 +4098,8 @@
         </p:nvSpPr>
         <p:spPr>
           <a:xfrm>
-            <a:off x="8755230" y="2469776"/>
-            <a:ext cx="304800" cy="152400"/>
+            <a:off x="8755230" y="1852332"/>
+            <a:ext cx="304800" cy="114300"/>
           </a:xfrm>
           <a:prstGeom prst="rect">
             <a:avLst/>
@@ -4241,8 +4241,8 @@
         </p:nvSpPr>
         <p:spPr>
           <a:xfrm>
-            <a:off x="228600" y="4343400"/>
-            <a:ext cx="7315200" cy="914400"/>
+            <a:off x="228600" y="3257550"/>
+            <a:ext cx="7315200" cy="685800"/>
           </a:xfrm>
         </p:spPr>
         <p:txBody>
@@ -4281,8 +4281,8 @@
         </p:nvSpPr>
         <p:spPr>
           <a:xfrm>
-            <a:off x="4495800" y="2297289"/>
-            <a:ext cx="4191000" cy="533400"/>
+            <a:off x="4495800" y="1722967"/>
+            <a:ext cx="4191000" cy="400050"/>
           </a:xfrm>
         </p:spPr>
         <p:txBody>
@@ -4794,8 +4794,8 @@
         </p:blipFill>
         <p:spPr>
           <a:xfrm>
-            <a:off x="-6980" y="5867400"/>
-            <a:ext cx="9171920" cy="1056911"/>
+            <a:off x="-6980" y="4400551"/>
+            <a:ext cx="9171920" cy="792683"/>
           </a:xfrm>
           <a:prstGeom prst="rect">
             <a:avLst/>
@@ -4814,8 +4814,8 @@
         </p:nvSpPr>
         <p:spPr>
           <a:xfrm>
-            <a:off x="406800" y="-50400"/>
-            <a:ext cx="6400800" cy="1143000"/>
+            <a:off x="406800" y="-37800"/>
+            <a:ext cx="6400800" cy="857250"/>
           </a:xfrm>
         </p:spPr>
         <p:txBody>
@@ -5221,8 +5221,8 @@
         </p:nvSpPr>
         <p:spPr>
           <a:xfrm>
-            <a:off x="406800" y="-50400"/>
-            <a:ext cx="6400800" cy="1143000"/>
+            <a:off x="406800" y="-37800"/>
+            <a:ext cx="6400800" cy="857250"/>
           </a:xfrm>
         </p:spPr>
         <p:txBody>
@@ -5596,8 +5596,8 @@
         </p:nvSpPr>
         <p:spPr>
           <a:xfrm>
-            <a:off x="595263" y="4800600"/>
-            <a:ext cx="4873752" cy="685800"/>
+            <a:off x="595263" y="3600450"/>
+            <a:ext cx="4873752" cy="514350"/>
           </a:xfrm>
           <a:prstGeom prst="rect">
             <a:avLst/>
@@ -5652,8 +5652,8 @@
         </p:nvSpPr>
         <p:spPr>
           <a:xfrm>
-            <a:off x="606552" y="4800600"/>
-            <a:ext cx="4809244" cy="566738"/>
+            <a:off x="606552" y="3600450"/>
+            <a:ext cx="4809244" cy="425054"/>
           </a:xfrm>
         </p:spPr>
         <p:txBody>
@@ -5693,8 +5693,8 @@
         </p:nvSpPr>
         <p:spPr>
           <a:xfrm>
-            <a:off x="587022" y="838200"/>
-            <a:ext cx="4873752" cy="3812822"/>
+            <a:off x="587022" y="628650"/>
+            <a:ext cx="4873752" cy="2859617"/>
           </a:xfrm>
         </p:spPr>
         <p:txBody>
@@ -5726,8 +5726,8 @@
         </p:nvSpPr>
         <p:spPr>
           <a:xfrm>
-            <a:off x="5776863" y="838200"/>
-            <a:ext cx="2819400" cy="4636911"/>
+            <a:off x="5776863" y="628651"/>
+            <a:ext cx="2819400" cy="3477683"/>
           </a:xfrm>
         </p:spPr>
         <p:txBody>
@@ -5815,8 +5815,8 @@
         </p:nvSpPr>
         <p:spPr>
           <a:xfrm>
-            <a:off x="2895600" y="2743200"/>
-            <a:ext cx="5867400" cy="533400"/>
+            <a:off x="2895600" y="2057400"/>
+            <a:ext cx="5867400" cy="400050"/>
           </a:xfrm>
         </p:spPr>
         <p:txBody>
@@ -5849,8 +5849,8 @@
         </p:nvSpPr>
         <p:spPr>
           <a:xfrm>
-            <a:off x="4724400" y="5124000"/>
-            <a:ext cx="3886201" cy="357187"/>
+            <a:off x="4724401" y="3843001"/>
+            <a:ext cx="3886201" cy="267890"/>
           </a:xfrm>
         </p:spPr>
         <p:txBody>
@@ -6065,8 +6065,8 @@
         </p:nvSpPr>
         <p:spPr>
           <a:xfrm>
-            <a:off x="762000" y="1946209"/>
-            <a:ext cx="2057400" cy="2057400"/>
+            <a:off x="762000" y="1459657"/>
+            <a:ext cx="2057400" cy="1543050"/>
           </a:xfrm>
           <a:prstGeom prst="ellipse">
             <a:avLst/>
@@ -6136,8 +6136,8 @@
         </p:nvSpPr>
         <p:spPr>
           <a:xfrm>
-            <a:off x="8686800" y="5265376"/>
-            <a:ext cx="457200" cy="96672"/>
+            <a:off x="8686800" y="3949032"/>
+            <a:ext cx="457200" cy="72504"/>
           </a:xfrm>
           <a:prstGeom prst="rect">
             <a:avLst/>
@@ -6194,8 +6194,8 @@
         </p:nvSpPr>
         <p:spPr>
           <a:xfrm>
-            <a:off x="1007328" y="1992354"/>
-            <a:ext cx="1583472" cy="1295400"/>
+            <a:off x="1007328" y="1494266"/>
+            <a:ext cx="1583472" cy="971550"/>
           </a:xfrm>
           <a:prstGeom prst="ellipse">
             <a:avLst/>
@@ -6313,8 +6313,8 @@
         </p:nvSpPr>
         <p:spPr>
           <a:xfrm>
-            <a:off x="381000" y="0"/>
-            <a:ext cx="6324600" cy="1039091"/>
+            <a:off x="381000" y="1"/>
+            <a:ext cx="6324600" cy="779318"/>
           </a:xfrm>
         </p:spPr>
         <p:txBody>
@@ -6351,8 +6351,8 @@
         </p:nvSpPr>
         <p:spPr>
           <a:xfrm>
-            <a:off x="457200" y="1676402"/>
-            <a:ext cx="4038600" cy="3971455"/>
+            <a:off x="457200" y="1257302"/>
+            <a:ext cx="4038600" cy="2978591"/>
           </a:xfrm>
         </p:spPr>
         <p:txBody>
@@ -6471,8 +6471,8 @@
         </p:nvSpPr>
         <p:spPr>
           <a:xfrm>
-            <a:off x="4648200" y="1676400"/>
-            <a:ext cx="4038600" cy="3971454"/>
+            <a:off x="4648200" y="1257300"/>
+            <a:ext cx="4038600" cy="2978591"/>
           </a:xfrm>
         </p:spPr>
         <p:txBody>
@@ -6796,8 +6796,8 @@
         </p:blipFill>
         <p:spPr>
           <a:xfrm>
-            <a:off x="0" y="762000"/>
-            <a:ext cx="2445488" cy="2286000"/>
+            <a:off x="0" y="571500"/>
+            <a:ext cx="2445488" cy="1714500"/>
           </a:xfrm>
           <a:prstGeom prst="rect">
             <a:avLst/>
@@ -6816,8 +6816,8 @@
         </p:nvSpPr>
         <p:spPr>
           <a:xfrm>
-            <a:off x="1124400" y="2077200"/>
-            <a:ext cx="7010400" cy="1143000"/>
+            <a:off x="1124400" y="1557900"/>
+            <a:ext cx="7010400" cy="857250"/>
           </a:xfrm>
         </p:spPr>
         <p:txBody>
@@ -7078,8 +7078,8 @@
         </p:nvSpPr>
         <p:spPr>
           <a:xfrm>
-            <a:off x="290400" y="3081000"/>
-            <a:ext cx="8686800" cy="1095600"/>
+            <a:off x="290400" y="2310750"/>
+            <a:ext cx="8686800" cy="821700"/>
           </a:xfrm>
         </p:spPr>
         <p:txBody>
@@ -7152,8 +7152,8 @@
         </p:nvSpPr>
         <p:spPr>
           <a:xfrm>
-            <a:off x="297600" y="2438400"/>
-            <a:ext cx="8694000" cy="639762"/>
+            <a:off x="297600" y="1828800"/>
+            <a:ext cx="8694000" cy="479822"/>
           </a:xfrm>
         </p:spPr>
         <p:txBody>
@@ -7413,8 +7413,8 @@
         </p:nvSpPr>
         <p:spPr>
           <a:xfrm>
-            <a:off x="228600" y="609600"/>
-            <a:ext cx="3008313" cy="825500"/>
+            <a:off x="228600" y="457200"/>
+            <a:ext cx="3008313" cy="619125"/>
           </a:xfrm>
         </p:spPr>
         <p:txBody>
@@ -7445,8 +7445,8 @@
         </p:nvSpPr>
         <p:spPr>
           <a:xfrm>
-            <a:off x="3803650" y="609600"/>
-            <a:ext cx="5111750" cy="5334000"/>
+            <a:off x="3803650" y="457200"/>
+            <a:ext cx="5111750" cy="4000500"/>
           </a:xfrm>
         </p:spPr>
         <p:txBody>
@@ -7550,8 +7550,8 @@
         </p:nvSpPr>
         <p:spPr>
           <a:xfrm>
-            <a:off x="228600" y="1435101"/>
-            <a:ext cx="3008313" cy="4508500"/>
+            <a:off x="228600" y="1076326"/>
+            <a:ext cx="3008313" cy="3381375"/>
           </a:xfrm>
         </p:spPr>
         <p:txBody>
@@ -7754,8 +7754,8 @@
         </p:nvSpPr>
         <p:spPr>
           <a:xfrm>
-            <a:off x="1792800" y="4800600"/>
-            <a:ext cx="5500800" cy="685800"/>
+            <a:off x="1792800" y="3600450"/>
+            <a:ext cx="5500800" cy="514350"/>
           </a:xfrm>
           <a:prstGeom prst="rect">
             <a:avLst/>
@@ -7810,8 +7810,8 @@
         </p:nvSpPr>
         <p:spPr>
           <a:xfrm>
-            <a:off x="1792288" y="4800600"/>
-            <a:ext cx="5486400" cy="566738"/>
+            <a:off x="1792288" y="3600450"/>
+            <a:ext cx="5486400" cy="425054"/>
           </a:xfrm>
         </p:spPr>
         <p:txBody>
@@ -7851,8 +7851,8 @@
         </p:nvSpPr>
         <p:spPr>
           <a:xfrm>
-            <a:off x="1792288" y="612775"/>
-            <a:ext cx="5486400" cy="4114800"/>
+            <a:off x="1792288" y="459581"/>
+            <a:ext cx="5486400" cy="3086100"/>
           </a:xfrm>
         </p:spPr>
         <p:txBody>
@@ -7916,8 +7916,8 @@
         </p:nvSpPr>
         <p:spPr>
           <a:xfrm>
-            <a:off x="1792288" y="5562600"/>
-            <a:ext cx="5486400" cy="609600"/>
+            <a:off x="1792288" y="4171950"/>
+            <a:ext cx="5486400" cy="457200"/>
           </a:xfrm>
         </p:spPr>
         <p:txBody>
@@ -8202,8 +8202,8 @@
         </p:nvSpPr>
         <p:spPr>
           <a:xfrm>
-            <a:off x="0" y="2895600"/>
-            <a:ext cx="7543800" cy="2133600"/>
+            <a:off x="0" y="2171700"/>
+            <a:ext cx="7543800" cy="1600200"/>
           </a:xfrm>
           <a:prstGeom prst="rect">
             <a:avLst/>
@@ -8271,8 +8271,8 @@
         </p:nvSpPr>
         <p:spPr>
           <a:xfrm>
-            <a:off x="414867" y="3200400"/>
-            <a:ext cx="7010400" cy="1143000"/>
+            <a:off x="414867" y="2400300"/>
+            <a:ext cx="7010400" cy="857250"/>
           </a:xfrm>
         </p:spPr>
         <p:txBody>
@@ -8312,8 +8312,8 @@
         </p:nvSpPr>
         <p:spPr>
           <a:xfrm>
-            <a:off x="4648200" y="685800"/>
-            <a:ext cx="4191000" cy="381000"/>
+            <a:off x="4648200" y="514350"/>
+            <a:ext cx="4191000" cy="285750"/>
           </a:xfrm>
         </p:spPr>
         <p:txBody>
@@ -8676,8 +8676,8 @@
         </p:nvSpPr>
         <p:spPr>
           <a:xfrm>
-            <a:off x="0" y="381000"/>
-            <a:ext cx="4937760" cy="493776"/>
+            <a:off x="0" y="285750"/>
+            <a:ext cx="4937760" cy="370332"/>
           </a:xfrm>
           <a:prstGeom prst="rect">
             <a:avLst/>
@@ -8740,8 +8740,8 @@
         </p:nvSpPr>
         <p:spPr>
           <a:xfrm>
-            <a:off x="362400" y="414867"/>
-            <a:ext cx="5124000" cy="457200"/>
+            <a:off x="362400" y="311150"/>
+            <a:ext cx="5124000" cy="342900"/>
           </a:xfrm>
         </p:spPr>
         <p:txBody>
@@ -8828,8 +8828,8 @@
         </p:nvSpPr>
         <p:spPr>
           <a:xfrm>
-            <a:off x="5715000" y="274638"/>
-            <a:ext cx="2057400" cy="5851525"/>
+            <a:off x="5715000" y="205979"/>
+            <a:ext cx="2057400" cy="4388644"/>
           </a:xfrm>
         </p:spPr>
         <p:txBody>
@@ -8856,8 +8856,8 @@
         </p:nvSpPr>
         <p:spPr>
           <a:xfrm>
-            <a:off x="457200" y="274638"/>
-            <a:ext cx="5105400" cy="5851525"/>
+            <a:off x="457200" y="205979"/>
+            <a:ext cx="5105400" cy="4388644"/>
           </a:xfrm>
         </p:spPr>
         <p:txBody>
@@ -9303,8 +9303,8 @@
         </p:nvSpPr>
         <p:spPr>
           <a:xfrm>
-            <a:off x="1432560" y="359898"/>
-            <a:ext cx="7406640" cy="1472184"/>
+            <a:off x="1432560" y="269923"/>
+            <a:ext cx="7406640" cy="1104138"/>
           </a:xfrm>
         </p:spPr>
         <p:txBody>
@@ -9336,8 +9336,8 @@
         </p:nvSpPr>
         <p:spPr>
           <a:xfrm>
-            <a:off x="1432560" y="1850064"/>
-            <a:ext cx="7406640" cy="1752600"/>
+            <a:off x="1432560" y="1387548"/>
+            <a:ext cx="7406640" cy="1314450"/>
           </a:xfrm>
         </p:spPr>
         <p:txBody>
@@ -9602,8 +9602,8 @@
         </p:nvSpPr>
         <p:spPr>
           <a:xfrm>
-            <a:off x="7983940" y="859809"/>
-            <a:ext cx="1160060" cy="177421"/>
+            <a:off x="7983940" y="644857"/>
+            <a:ext cx="1160060" cy="133066"/>
           </a:xfrm>
           <a:prstGeom prst="rect">
             <a:avLst/>
@@ -9686,7 +9686,7 @@
         <p:spPr>
           <a:xfrm>
             <a:off x="3313" y="0"/>
-            <a:ext cx="9144000" cy="6858000"/>
+            <a:ext cx="9144000" cy="5143500"/>
           </a:xfrm>
           <a:prstGeom prst="rect">
             <a:avLst/>
@@ -9743,8 +9743,8 @@
         </p:nvSpPr>
         <p:spPr>
           <a:xfrm>
-            <a:off x="964095" y="3173895"/>
-            <a:ext cx="7202487" cy="1066800"/>
+            <a:off x="964096" y="2380421"/>
+            <a:ext cx="7202487" cy="800100"/>
           </a:xfrm>
         </p:spPr>
         <p:txBody>
@@ -9814,8 +9814,8 @@
         </p:blipFill>
         <p:spPr>
           <a:xfrm>
-            <a:off x="8077200" y="190499"/>
-            <a:ext cx="922332" cy="782559"/>
+            <a:off x="8077200" y="142875"/>
+            <a:ext cx="922332" cy="586919"/>
           </a:xfrm>
           <a:prstGeom prst="rect">
             <a:avLst/>
@@ -9844,8 +9844,8 @@
         </p:blipFill>
         <p:spPr>
           <a:xfrm>
-            <a:off x="152400" y="6570165"/>
-            <a:ext cx="835127" cy="135435"/>
+            <a:off x="152401" y="4927624"/>
+            <a:ext cx="835127" cy="101576"/>
           </a:xfrm>
           <a:prstGeom prst="rect">
             <a:avLst/>
@@ -9898,7 +9898,7 @@
         <p:spPr>
           <a:xfrm>
             <a:off x="3313" y="0"/>
-            <a:ext cx="9144000" cy="6858000"/>
+            <a:ext cx="9144000" cy="5143500"/>
           </a:xfrm>
           <a:prstGeom prst="rect">
             <a:avLst/>
@@ -9988,8 +9988,8 @@
         </p:blipFill>
         <p:spPr>
           <a:xfrm>
-            <a:off x="8077200" y="190499"/>
-            <a:ext cx="922332" cy="782559"/>
+            <a:off x="8077200" y="142875"/>
+            <a:ext cx="922332" cy="586919"/>
           </a:xfrm>
           <a:prstGeom prst="rect">
             <a:avLst/>
@@ -10018,8 +10018,8 @@
         </p:blipFill>
         <p:spPr>
           <a:xfrm>
-            <a:off x="152400" y="6570165"/>
-            <a:ext cx="835127" cy="135435"/>
+            <a:off x="152401" y="4927624"/>
+            <a:ext cx="835127" cy="101576"/>
           </a:xfrm>
           <a:prstGeom prst="rect">
             <a:avLst/>
@@ -10038,8 +10038,8 @@
         </p:nvSpPr>
         <p:spPr>
           <a:xfrm>
-            <a:off x="171856" y="295072"/>
-            <a:ext cx="7371944" cy="914400"/>
+            <a:off x="171856" y="221304"/>
+            <a:ext cx="7371944" cy="685800"/>
           </a:xfrm>
         </p:spPr>
         <p:txBody>
@@ -10074,8 +10074,8 @@
         </p:nvSpPr>
         <p:spPr>
           <a:xfrm>
-            <a:off x="457200" y="1295400"/>
-            <a:ext cx="8229600" cy="3933947"/>
+            <a:off x="457200" y="971551"/>
+            <a:ext cx="8229600" cy="2950460"/>
           </a:xfrm>
         </p:spPr>
         <p:txBody>
@@ -10344,7 +10344,7 @@
         <p:spPr>
           <a:xfrm>
             <a:off x="3175" y="0"/>
-            <a:ext cx="9144000" cy="6858000"/>
+            <a:ext cx="9144000" cy="5143500"/>
           </a:xfrm>
           <a:prstGeom prst="rect">
             <a:avLst/>
@@ -10411,8 +10411,8 @@
         </p:blipFill>
         <p:spPr bwMode="auto">
           <a:xfrm>
-            <a:off x="152400" y="6570663"/>
-            <a:ext cx="835025" cy="134937"/>
+            <a:off x="152401" y="4927998"/>
+            <a:ext cx="835025" cy="101203"/>
           </a:xfrm>
           <a:prstGeom prst="rect">
             <a:avLst/>
@@ -10500,8 +10500,8 @@
         </p:nvSpPr>
         <p:spPr>
           <a:xfrm>
-            <a:off x="171856" y="295072"/>
-            <a:ext cx="7371944" cy="914400"/>
+            <a:off x="171856" y="221304"/>
+            <a:ext cx="7371944" cy="685800"/>
           </a:xfrm>
           <a:prstGeom prst="rect">
             <a:avLst/>
@@ -10533,8 +10533,8 @@
         </p:nvSpPr>
         <p:spPr>
           <a:xfrm>
-            <a:off x="457200" y="1295400"/>
-            <a:ext cx="8229600" cy="3933947"/>
+            <a:off x="457200" y="971551"/>
+            <a:ext cx="8229600" cy="2950460"/>
           </a:xfrm>
           <a:prstGeom prst="rect">
             <a:avLst/>
@@ -10595,8 +10595,8 @@
         </p:nvSpPr>
         <p:spPr>
           <a:xfrm>
-            <a:off x="6741381" y="6492875"/>
-            <a:ext cx="2346960" cy="365125"/>
+            <a:off x="6741381" y="4869657"/>
+            <a:ext cx="2346960" cy="273844"/>
           </a:xfrm>
           <a:prstGeom prst="rect">
             <a:avLst/>
@@ -10644,8 +10644,8 @@
         </p:blipFill>
         <p:spPr>
           <a:xfrm>
-            <a:off x="8077200" y="190499"/>
-            <a:ext cx="922332" cy="782559"/>
+            <a:off x="8077200" y="142875"/>
+            <a:ext cx="922332" cy="586919"/>
           </a:xfrm>
           <a:prstGeom prst="rect">
             <a:avLst/>
@@ -10675,8 +10675,8 @@
         </p:blipFill>
         <p:spPr bwMode="auto">
           <a:xfrm>
-            <a:off x="152400" y="6572243"/>
-            <a:ext cx="822960" cy="133357"/>
+            <a:off x="152400" y="4929183"/>
+            <a:ext cx="822960" cy="100018"/>
           </a:xfrm>
           <a:prstGeom prst="rect">
             <a:avLst/>
@@ -11032,8 +11032,8 @@
         </p:nvSpPr>
         <p:spPr>
           <a:xfrm>
-            <a:off x="457200" y="274638"/>
-            <a:ext cx="8229600" cy="1143000"/>
+            <a:off x="457200" y="205979"/>
+            <a:ext cx="8229600" cy="857250"/>
           </a:xfrm>
           <a:prstGeom prst="rect">
             <a:avLst/>
@@ -11065,8 +11065,8 @@
         </p:nvSpPr>
         <p:spPr>
           <a:xfrm>
-            <a:off x="457200" y="1600200"/>
-            <a:ext cx="8229600" cy="4525963"/>
+            <a:off x="457200" y="1200151"/>
+            <a:ext cx="8229600" cy="3394472"/>
           </a:xfrm>
           <a:prstGeom prst="rect">
             <a:avLst/>
@@ -11127,8 +11127,8 @@
         </p:nvSpPr>
         <p:spPr>
           <a:xfrm>
-            <a:off x="457200" y="6356350"/>
-            <a:ext cx="2133600" cy="365125"/>
+            <a:off x="457200" y="4767263"/>
+            <a:ext cx="2133600" cy="273844"/>
           </a:xfrm>
           <a:prstGeom prst="rect">
             <a:avLst/>
@@ -11168,8 +11168,8 @@
         </p:nvSpPr>
         <p:spPr>
           <a:xfrm>
-            <a:off x="3124200" y="6356350"/>
-            <a:ext cx="2895600" cy="365125"/>
+            <a:off x="3124200" y="4767263"/>
+            <a:ext cx="2895600" cy="273844"/>
           </a:xfrm>
           <a:prstGeom prst="rect">
             <a:avLst/>
@@ -11205,8 +11205,8 @@
         </p:nvSpPr>
         <p:spPr>
           <a:xfrm>
-            <a:off x="6553200" y="6356350"/>
-            <a:ext cx="2133600" cy="365125"/>
+            <a:off x="6553200" y="4767263"/>
+            <a:ext cx="2133600" cy="273844"/>
           </a:xfrm>
           <a:prstGeom prst="rect">
             <a:avLst/>
@@ -11540,8 +11540,8 @@
         </p:nvSpPr>
         <p:spPr>
           <a:xfrm>
-            <a:off x="457200" y="274638"/>
-            <a:ext cx="8229600" cy="1143000"/>
+            <a:off x="457200" y="205979"/>
+            <a:ext cx="8229600" cy="857250"/>
           </a:xfrm>
           <a:prstGeom prst="rect">
             <a:avLst/>
@@ -11573,8 +11573,8 @@
         </p:nvSpPr>
         <p:spPr>
           <a:xfrm>
-            <a:off x="457200" y="1600200"/>
-            <a:ext cx="8229600" cy="4525963"/>
+            <a:off x="457200" y="1200151"/>
+            <a:ext cx="8229600" cy="3394472"/>
           </a:xfrm>
           <a:prstGeom prst="rect">
             <a:avLst/>
@@ -11635,8 +11635,8 @@
         </p:nvSpPr>
         <p:spPr>
           <a:xfrm>
-            <a:off x="457200" y="6356350"/>
-            <a:ext cx="2133600" cy="365125"/>
+            <a:off x="457200" y="4767263"/>
+            <a:ext cx="2133600" cy="273844"/>
           </a:xfrm>
           <a:prstGeom prst="rect">
             <a:avLst/>
@@ -11672,8 +11672,8 @@
         </p:nvSpPr>
         <p:spPr>
           <a:xfrm>
-            <a:off x="3124200" y="6356350"/>
-            <a:ext cx="2895600" cy="365125"/>
+            <a:off x="3124200" y="4767263"/>
+            <a:ext cx="2895600" cy="273844"/>
           </a:xfrm>
           <a:prstGeom prst="rect">
             <a:avLst/>
@@ -11713,8 +11713,8 @@
         </p:nvSpPr>
         <p:spPr>
           <a:xfrm>
-            <a:off x="6553200" y="6356350"/>
-            <a:ext cx="2133600" cy="365125"/>
+            <a:off x="6553200" y="4767263"/>
+            <a:ext cx="2133600" cy="273844"/>
           </a:xfrm>
           <a:prstGeom prst="rect">
             <a:avLst/>
@@ -12132,8 +12132,8 @@
         </p:nvSpPr>
         <p:spPr>
           <a:xfrm>
-            <a:off x="3505200" y="4237038"/>
-            <a:ext cx="4724400" cy="1554162"/>
+            <a:off x="3505200" y="3177778"/>
+            <a:ext cx="4724400" cy="1165622"/>
           </a:xfrm>
           <a:prstGeom prst="rect">
             <a:avLst/>
@@ -12412,8 +12412,8 @@
         </p:nvSpPr>
         <p:spPr>
           <a:xfrm>
-            <a:off x="5213159" y="152400"/>
-            <a:ext cx="3930842" cy="5078313"/>
+            <a:off x="3909869" y="114300"/>
+            <a:ext cx="5234132" cy="4524315"/>
           </a:xfrm>
           <a:prstGeom prst="rect">
             <a:avLst/>
@@ -12479,7 +12479,7 @@
               <a:t>doanh</a:t>
             </a:r>
             <a:r>
-              <a:rPr lang="en-US" u="sng" dirty="0" smtClean="0"/>
+              <a:rPr lang="en-US" u="sng" dirty="0"/>
               <a:t> </a:t>
             </a:r>
             <a:r>
@@ -12885,7 +12885,7 @@
       </p:sp>
       <p:pic>
         <p:nvPicPr>
-          <p:cNvPr id="7" name="Picture 6"/>
+          <p:cNvPr id="8" name="Picture 7"/>
           <p:cNvPicPr>
             <a:picLocks noChangeAspect="1"/>
           </p:cNvPicPr>
@@ -12905,22 +12905,17 @@
         </p:blipFill>
         <p:spPr>
           <a:xfrm>
-            <a:off x="0" y="-304800"/>
-            <a:ext cx="5213159" cy="6858000"/>
+            <a:off x="6857682" y="4572000"/>
+            <a:ext cx="2286319" cy="571580"/>
           </a:xfrm>
           <a:prstGeom prst="rect">
             <a:avLst/>
           </a:prstGeom>
-          <a:ln w="3175">
-            <a:solidFill>
-              <a:schemeClr val="tx1"/>
-            </a:solidFill>
-          </a:ln>
         </p:spPr>
       </p:pic>
       <p:pic>
         <p:nvPicPr>
-          <p:cNvPr id="8" name="Picture 7"/>
+          <p:cNvPr id="2" name="Picture 1"/>
           <p:cNvPicPr>
             <a:picLocks noChangeAspect="1"/>
           </p:cNvPicPr>
@@ -12940,12 +12935,17 @@
         </p:blipFill>
         <p:spPr>
           <a:xfrm>
-            <a:off x="6857681" y="6096000"/>
-            <a:ext cx="2286319" cy="762106"/>
+            <a:off x="0" y="0"/>
+            <a:ext cx="3909869" cy="5143500"/>
           </a:xfrm>
           <a:prstGeom prst="rect">
             <a:avLst/>
           </a:prstGeom>
+          <a:ln w="3175">
+            <a:solidFill>
+              <a:schemeClr val="tx1"/>
+            </a:solidFill>
+          </a:ln>
         </p:spPr>
       </p:pic>
     </p:spTree>
@@ -12993,9 +12993,309 @@
           <a:chExt cx="0" cy="0"/>
         </a:xfrm>
       </p:grpSpPr>
+      <p:sp>
+        <p:nvSpPr>
+          <p:cNvPr id="4" name="TextBox 3"/>
+          <p:cNvSpPr txBox="1"/>
+          <p:nvPr/>
+        </p:nvSpPr>
+        <p:spPr>
+          <a:xfrm>
+            <a:off x="4420218" y="285751"/>
+            <a:ext cx="4723783" cy="2585323"/>
+          </a:xfrm>
+          <a:prstGeom prst="rect">
+            <a:avLst/>
+          </a:prstGeom>
+          <a:noFill/>
+        </p:spPr>
+        <p:txBody>
+          <a:bodyPr wrap="square" rtlCol="0">
+            <a:spAutoFit/>
+          </a:bodyPr>
+          <a:lstStyle/>
+          <a:p>
+            <a:r>
+              <a:rPr lang="en-US" u="sng" dirty="0" err="1" smtClean="0"/>
+              <a:t>Ví</a:t>
+            </a:r>
+            <a:r>
+              <a:rPr lang="en-US" u="sng" dirty="0" smtClean="0"/>
+              <a:t> </a:t>
+            </a:r>
+            <a:r>
+              <a:rPr lang="en-US" u="sng" dirty="0" err="1" smtClean="0"/>
+              <a:t>dụ</a:t>
+            </a:r>
+            <a:r>
+              <a:rPr lang="en-US" u="sng" dirty="0" smtClean="0"/>
+              <a:t> Search tool </a:t>
+            </a:r>
+            <a:r>
+              <a:rPr lang="en-US" u="sng" dirty="0" err="1" smtClean="0"/>
+              <a:t>của</a:t>
+            </a:r>
+            <a:r>
+              <a:rPr lang="en-US" u="sng" dirty="0" smtClean="0"/>
+              <a:t> </a:t>
+            </a:r>
+            <a:r>
+              <a:rPr lang="en-US" u="sng" dirty="0" err="1" smtClean="0"/>
+              <a:t>VietnamWork</a:t>
+            </a:r>
+            <a:endParaRPr lang="en-US" u="sng" dirty="0" smtClean="0"/>
+          </a:p>
+          <a:p>
+            <a:endParaRPr lang="en-US" dirty="0" smtClean="0"/>
+          </a:p>
+          <a:p>
+            <a:pPr marL="342900" indent="-342900">
+              <a:buAutoNum type="arabicPeriod"/>
+            </a:pPr>
+            <a:r>
+              <a:rPr lang="en-US" u="sng" dirty="0" smtClean="0"/>
+              <a:t>Matching &amp; </a:t>
+            </a:r>
+            <a:r>
+              <a:rPr lang="en-US" u="sng" dirty="0" err="1" smtClean="0"/>
+              <a:t>Tập</a:t>
+            </a:r>
+            <a:r>
+              <a:rPr lang="en-US" u="sng" dirty="0" smtClean="0"/>
+              <a:t> attribute:</a:t>
+            </a:r>
+          </a:p>
+          <a:p>
+            <a:pPr marL="800100" lvl="1" indent="-342900">
+              <a:buFont typeface="Arial" pitchFamily="34" charset="0"/>
+              <a:buChar char="•"/>
+            </a:pPr>
+            <a:r>
+              <a:rPr lang="en-US" dirty="0" err="1" smtClean="0"/>
+              <a:t>Tập</a:t>
+            </a:r>
+            <a:r>
+              <a:rPr lang="en-US" dirty="0" smtClean="0"/>
+              <a:t> attribute </a:t>
+            </a:r>
+            <a:r>
+              <a:rPr lang="en-US" dirty="0" err="1" smtClean="0"/>
+              <a:t>đơn</a:t>
+            </a:r>
+            <a:r>
+              <a:rPr lang="en-US" dirty="0" smtClean="0"/>
+              <a:t> </a:t>
+            </a:r>
+            <a:r>
+              <a:rPr lang="en-US" dirty="0" err="1" smtClean="0"/>
+              <a:t>giản</a:t>
+            </a:r>
+            <a:r>
+              <a:rPr lang="en-US" dirty="0" smtClean="0"/>
+              <a:t>.</a:t>
+            </a:r>
+          </a:p>
+          <a:p>
+            <a:pPr marL="800100" lvl="1" indent="-342900">
+              <a:buFont typeface="Arial" pitchFamily="34" charset="0"/>
+              <a:buChar char="•"/>
+            </a:pPr>
+            <a:r>
+              <a:rPr lang="en-US" dirty="0"/>
+              <a:t>Search tool </a:t>
+            </a:r>
+            <a:r>
+              <a:rPr lang="en-US" dirty="0" err="1"/>
+              <a:t>là</a:t>
+            </a:r>
+            <a:r>
+              <a:rPr lang="en-US" dirty="0"/>
+              <a:t> </a:t>
+            </a:r>
+            <a:r>
+              <a:rPr lang="en-US" dirty="0" err="1"/>
+              <a:t>công</a:t>
+            </a:r>
+            <a:r>
+              <a:rPr lang="en-US" dirty="0"/>
+              <a:t> </a:t>
+            </a:r>
+            <a:r>
+              <a:rPr lang="en-US" dirty="0" err="1"/>
+              <a:t>cụ</a:t>
+            </a:r>
+            <a:r>
+              <a:rPr lang="en-US" dirty="0"/>
+              <a:t> </a:t>
+            </a:r>
+            <a:r>
+              <a:rPr lang="en-US" dirty="0" err="1"/>
+              <a:t>tìm</a:t>
+            </a:r>
+            <a:r>
+              <a:rPr lang="en-US" dirty="0"/>
+              <a:t> </a:t>
+            </a:r>
+            <a:r>
+              <a:rPr lang="en-US" dirty="0" err="1"/>
+              <a:t>ra</a:t>
+            </a:r>
+            <a:r>
+              <a:rPr lang="en-US" dirty="0"/>
+              <a:t> </a:t>
+            </a:r>
+            <a:r>
+              <a:rPr lang="en-US" dirty="0" err="1"/>
+              <a:t>mối</a:t>
+            </a:r>
+            <a:r>
+              <a:rPr lang="en-US" dirty="0"/>
+              <a:t> </a:t>
+            </a:r>
+            <a:r>
+              <a:rPr lang="en-US" dirty="0" err="1"/>
+              <a:t>tương</a:t>
+            </a:r>
+            <a:r>
+              <a:rPr lang="en-US" dirty="0"/>
+              <a:t> </a:t>
+            </a:r>
+            <a:r>
+              <a:rPr lang="en-US" dirty="0" err="1"/>
+              <a:t>quan</a:t>
+            </a:r>
+            <a:r>
+              <a:rPr lang="en-US" dirty="0"/>
+              <a:t> </a:t>
+            </a:r>
+            <a:r>
+              <a:rPr lang="en-US" dirty="0" err="1"/>
+              <a:t>giữa</a:t>
+            </a:r>
+            <a:r>
+              <a:rPr lang="en-US" dirty="0"/>
+              <a:t> </a:t>
+            </a:r>
+            <a:r>
+              <a:rPr lang="en-US" dirty="0" err="1"/>
+              <a:t>thông</a:t>
+            </a:r>
+            <a:r>
+              <a:rPr lang="en-US" dirty="0"/>
+              <a:t> tin &lt;</a:t>
+            </a:r>
+            <a:r>
+              <a:rPr lang="en-US" dirty="0" err="1"/>
+              <a:t>người</a:t>
+            </a:r>
+            <a:r>
+              <a:rPr lang="en-US" dirty="0"/>
+              <a:t> </a:t>
+            </a:r>
+            <a:r>
+              <a:rPr lang="en-US" dirty="0" err="1"/>
+              <a:t>kiếm</a:t>
+            </a:r>
+            <a:r>
+              <a:rPr lang="en-US" dirty="0"/>
+              <a:t> </a:t>
+            </a:r>
+            <a:r>
+              <a:rPr lang="en-US" dirty="0" err="1"/>
+              <a:t>việc</a:t>
+            </a:r>
+            <a:r>
+              <a:rPr lang="en-US" dirty="0"/>
+              <a:t>&gt; </a:t>
+            </a:r>
+            <a:r>
+              <a:rPr lang="en-US" dirty="0" err="1"/>
+              <a:t>và</a:t>
+            </a:r>
+            <a:r>
+              <a:rPr lang="en-US" dirty="0"/>
+              <a:t> job description &lt;</a:t>
+            </a:r>
+            <a:r>
+              <a:rPr lang="en-US" dirty="0" err="1"/>
+              <a:t>tuyển</a:t>
+            </a:r>
+            <a:r>
+              <a:rPr lang="en-US" dirty="0"/>
+              <a:t> </a:t>
+            </a:r>
+            <a:r>
+              <a:rPr lang="en-US" dirty="0" err="1"/>
+              <a:t>dụng</a:t>
+            </a:r>
+            <a:r>
+              <a:rPr lang="en-US" dirty="0"/>
+              <a:t>&gt; </a:t>
+            </a:r>
+            <a:r>
+              <a:rPr lang="en-US" dirty="0" err="1"/>
+              <a:t>dựa</a:t>
+            </a:r>
+            <a:r>
+              <a:rPr lang="en-US" dirty="0"/>
+              <a:t> </a:t>
+            </a:r>
+            <a:r>
+              <a:rPr lang="en-US" dirty="0" err="1"/>
+              <a:t>trên</a:t>
+            </a:r>
+            <a:r>
+              <a:rPr lang="en-US" dirty="0"/>
+              <a:t> </a:t>
+            </a:r>
+            <a:r>
+              <a:rPr lang="en-US" dirty="0" err="1"/>
+              <a:t>tiêu</a:t>
+            </a:r>
+            <a:r>
+              <a:rPr lang="en-US" dirty="0"/>
+              <a:t> </a:t>
+            </a:r>
+            <a:r>
+              <a:rPr lang="en-US" dirty="0" err="1"/>
+              <a:t>chí</a:t>
+            </a:r>
+            <a:r>
+              <a:rPr lang="en-US" dirty="0"/>
+              <a:t> </a:t>
+            </a:r>
+            <a:r>
+              <a:rPr lang="en-US" dirty="0" err="1"/>
+              <a:t>là</a:t>
+            </a:r>
+            <a:r>
+              <a:rPr lang="en-US" dirty="0"/>
+              <a:t> </a:t>
+            </a:r>
+            <a:r>
+              <a:rPr lang="en-US" i="1" dirty="0" err="1"/>
+              <a:t>tập</a:t>
+            </a:r>
+            <a:r>
+              <a:rPr lang="en-US" i="1" dirty="0"/>
+              <a:t> </a:t>
+            </a:r>
+            <a:r>
+              <a:rPr lang="en-US" i="1" dirty="0" smtClean="0"/>
+              <a:t>attributes</a:t>
+            </a:r>
+          </a:p>
+          <a:p>
+            <a:pPr marL="342900" indent="-342900">
+              <a:buAutoNum type="arabicPeriod"/>
+            </a:pPr>
+            <a:endParaRPr lang="en-US" dirty="0"/>
+          </a:p>
+        </p:txBody>
+      </p:sp>
       <p:pic>
         <p:nvPicPr>
-          <p:cNvPr id="3" name="Picture 2"/>
+          <p:cNvPr id="5" name="Picture 4"/>
           <p:cNvPicPr>
             <a:picLocks noChangeAspect="1"/>
           </p:cNvPicPr>
@@ -13015,322 +13315,17 @@
         </p:blipFill>
         <p:spPr>
           <a:xfrm>
-            <a:off x="0" y="0"/>
-            <a:ext cx="4420217" cy="4153480"/>
+            <a:off x="6857682" y="4572000"/>
+            <a:ext cx="2286319" cy="571580"/>
           </a:xfrm>
           <a:prstGeom prst="rect">
             <a:avLst/>
           </a:prstGeom>
-          <a:ln w="3175">
-            <a:solidFill>
-              <a:schemeClr val="tx1"/>
-            </a:solidFill>
-          </a:ln>
         </p:spPr>
       </p:pic>
-      <p:sp>
-        <p:nvSpPr>
-          <p:cNvPr id="4" name="TextBox 3"/>
-          <p:cNvSpPr txBox="1"/>
-          <p:nvPr/>
-        </p:nvSpPr>
-        <p:spPr>
-          <a:xfrm>
-            <a:off x="4420217" y="381000"/>
-            <a:ext cx="4723783" cy="2585323"/>
-          </a:xfrm>
-          <a:prstGeom prst="rect">
-            <a:avLst/>
-          </a:prstGeom>
-          <a:noFill/>
-        </p:spPr>
-        <p:txBody>
-          <a:bodyPr wrap="square" rtlCol="0">
-            <a:spAutoFit/>
-          </a:bodyPr>
-          <a:lstStyle/>
-          <a:p>
-            <a:r>
-              <a:rPr lang="en-US" u="sng" dirty="0" err="1" smtClean="0"/>
-              <a:t>Ví</a:t>
-            </a:r>
-            <a:r>
-              <a:rPr lang="en-US" u="sng" dirty="0" smtClean="0"/>
-              <a:t> </a:t>
-            </a:r>
-            <a:r>
-              <a:rPr lang="en-US" u="sng" dirty="0" err="1" smtClean="0"/>
-              <a:t>dụ</a:t>
-            </a:r>
-            <a:r>
-              <a:rPr lang="en-US" u="sng" dirty="0" smtClean="0"/>
-              <a:t> Search tool </a:t>
-            </a:r>
-            <a:r>
-              <a:rPr lang="en-US" u="sng" dirty="0" err="1" smtClean="0"/>
-              <a:t>của</a:t>
-            </a:r>
-            <a:r>
-              <a:rPr lang="en-US" u="sng" dirty="0" smtClean="0"/>
-              <a:t> </a:t>
-            </a:r>
-            <a:r>
-              <a:rPr lang="en-US" u="sng" dirty="0" err="1" smtClean="0"/>
-              <a:t>VietnamWork</a:t>
-            </a:r>
-            <a:endParaRPr lang="en-US" u="sng" dirty="0" smtClean="0"/>
-          </a:p>
-          <a:p>
-            <a:endParaRPr lang="en-US" dirty="0" smtClean="0"/>
-          </a:p>
-          <a:p>
-            <a:pPr marL="342900" indent="-342900">
-              <a:buAutoNum type="arabicPeriod"/>
-            </a:pPr>
-            <a:r>
-              <a:rPr lang="en-US" u="sng" dirty="0" smtClean="0"/>
-              <a:t>Matching &amp; </a:t>
-            </a:r>
-            <a:r>
-              <a:rPr lang="en-US" u="sng" dirty="0" err="1" smtClean="0"/>
-              <a:t>Tập</a:t>
-            </a:r>
-            <a:r>
-              <a:rPr lang="en-US" u="sng" dirty="0" smtClean="0"/>
-              <a:t> attribute:</a:t>
-            </a:r>
-          </a:p>
-          <a:p>
-            <a:pPr marL="800100" lvl="1" indent="-342900">
-              <a:buFont typeface="Arial" pitchFamily="34" charset="0"/>
-              <a:buChar char="•"/>
-            </a:pPr>
-            <a:r>
-              <a:rPr lang="en-US" dirty="0" err="1" smtClean="0"/>
-              <a:t>Tập</a:t>
-            </a:r>
-            <a:r>
-              <a:rPr lang="en-US" dirty="0" smtClean="0"/>
-              <a:t> attribute </a:t>
-            </a:r>
-            <a:r>
-              <a:rPr lang="en-US" dirty="0" err="1" smtClean="0"/>
-              <a:t>đơn</a:t>
-            </a:r>
-            <a:r>
-              <a:rPr lang="en-US" dirty="0" smtClean="0"/>
-              <a:t> </a:t>
-            </a:r>
-            <a:r>
-              <a:rPr lang="en-US" dirty="0" err="1" smtClean="0"/>
-              <a:t>giản</a:t>
-            </a:r>
-            <a:r>
-              <a:rPr lang="en-US" dirty="0" smtClean="0"/>
-              <a:t>.</a:t>
-            </a:r>
-          </a:p>
-          <a:p>
-            <a:pPr marL="800100" lvl="1" indent="-342900">
-              <a:buFont typeface="Arial" pitchFamily="34" charset="0"/>
-              <a:buChar char="•"/>
-            </a:pPr>
-            <a:r>
-              <a:rPr lang="en-US" dirty="0"/>
-              <a:t>Search tool </a:t>
-            </a:r>
-            <a:r>
-              <a:rPr lang="en-US" dirty="0" err="1"/>
-              <a:t>là</a:t>
-            </a:r>
-            <a:r>
-              <a:rPr lang="en-US" dirty="0"/>
-              <a:t> </a:t>
-            </a:r>
-            <a:r>
-              <a:rPr lang="en-US" dirty="0" err="1"/>
-              <a:t>công</a:t>
-            </a:r>
-            <a:r>
-              <a:rPr lang="en-US" dirty="0"/>
-              <a:t> </a:t>
-            </a:r>
-            <a:r>
-              <a:rPr lang="en-US" dirty="0" err="1"/>
-              <a:t>cụ</a:t>
-            </a:r>
-            <a:r>
-              <a:rPr lang="en-US" dirty="0"/>
-              <a:t> </a:t>
-            </a:r>
-            <a:r>
-              <a:rPr lang="en-US" dirty="0" err="1"/>
-              <a:t>tìm</a:t>
-            </a:r>
-            <a:r>
-              <a:rPr lang="en-US" dirty="0"/>
-              <a:t> </a:t>
-            </a:r>
-            <a:r>
-              <a:rPr lang="en-US" dirty="0" err="1"/>
-              <a:t>ra</a:t>
-            </a:r>
-            <a:r>
-              <a:rPr lang="en-US" dirty="0"/>
-              <a:t> </a:t>
-            </a:r>
-            <a:r>
-              <a:rPr lang="en-US" dirty="0" err="1"/>
-              <a:t>mối</a:t>
-            </a:r>
-            <a:r>
-              <a:rPr lang="en-US" dirty="0"/>
-              <a:t> </a:t>
-            </a:r>
-            <a:r>
-              <a:rPr lang="en-US" dirty="0" err="1"/>
-              <a:t>tương</a:t>
-            </a:r>
-            <a:r>
-              <a:rPr lang="en-US" dirty="0"/>
-              <a:t> </a:t>
-            </a:r>
-            <a:r>
-              <a:rPr lang="en-US" dirty="0" err="1"/>
-              <a:t>quan</a:t>
-            </a:r>
-            <a:r>
-              <a:rPr lang="en-US" dirty="0"/>
-              <a:t> </a:t>
-            </a:r>
-            <a:r>
-              <a:rPr lang="en-US" dirty="0" err="1"/>
-              <a:t>giữa</a:t>
-            </a:r>
-            <a:r>
-              <a:rPr lang="en-US" dirty="0"/>
-              <a:t> </a:t>
-            </a:r>
-            <a:r>
-              <a:rPr lang="en-US" dirty="0" err="1"/>
-              <a:t>thông</a:t>
-            </a:r>
-            <a:r>
-              <a:rPr lang="en-US" dirty="0"/>
-              <a:t> tin &lt;</a:t>
-            </a:r>
-            <a:r>
-              <a:rPr lang="en-US" dirty="0" err="1"/>
-              <a:t>người</a:t>
-            </a:r>
-            <a:r>
-              <a:rPr lang="en-US" dirty="0"/>
-              <a:t> </a:t>
-            </a:r>
-            <a:r>
-              <a:rPr lang="en-US" dirty="0" err="1"/>
-              <a:t>kiếm</a:t>
-            </a:r>
-            <a:r>
-              <a:rPr lang="en-US" dirty="0"/>
-              <a:t> </a:t>
-            </a:r>
-            <a:r>
-              <a:rPr lang="en-US" dirty="0" err="1"/>
-              <a:t>việc</a:t>
-            </a:r>
-            <a:r>
-              <a:rPr lang="en-US" dirty="0"/>
-              <a:t>&gt; </a:t>
-            </a:r>
-            <a:r>
-              <a:rPr lang="en-US" dirty="0" err="1"/>
-              <a:t>và</a:t>
-            </a:r>
-            <a:r>
-              <a:rPr lang="en-US" dirty="0"/>
-              <a:t> job description &lt;</a:t>
-            </a:r>
-            <a:r>
-              <a:rPr lang="en-US" dirty="0" err="1"/>
-              <a:t>tuyển</a:t>
-            </a:r>
-            <a:r>
-              <a:rPr lang="en-US" dirty="0"/>
-              <a:t> </a:t>
-            </a:r>
-            <a:r>
-              <a:rPr lang="en-US" dirty="0" err="1"/>
-              <a:t>dụng</a:t>
-            </a:r>
-            <a:r>
-              <a:rPr lang="en-US" dirty="0"/>
-              <a:t>&gt; </a:t>
-            </a:r>
-            <a:r>
-              <a:rPr lang="en-US" dirty="0" err="1"/>
-              <a:t>dựa</a:t>
-            </a:r>
-            <a:r>
-              <a:rPr lang="en-US" dirty="0"/>
-              <a:t> </a:t>
-            </a:r>
-            <a:r>
-              <a:rPr lang="en-US" dirty="0" err="1"/>
-              <a:t>trên</a:t>
-            </a:r>
-            <a:r>
-              <a:rPr lang="en-US" dirty="0"/>
-              <a:t> </a:t>
-            </a:r>
-            <a:r>
-              <a:rPr lang="en-US" dirty="0" err="1"/>
-              <a:t>tiêu</a:t>
-            </a:r>
-            <a:r>
-              <a:rPr lang="en-US" dirty="0"/>
-              <a:t> </a:t>
-            </a:r>
-            <a:r>
-              <a:rPr lang="en-US" dirty="0" err="1"/>
-              <a:t>chí</a:t>
-            </a:r>
-            <a:r>
-              <a:rPr lang="en-US" dirty="0"/>
-              <a:t> </a:t>
-            </a:r>
-            <a:r>
-              <a:rPr lang="en-US" dirty="0" err="1"/>
-              <a:t>là</a:t>
-            </a:r>
-            <a:r>
-              <a:rPr lang="en-US" dirty="0"/>
-              <a:t> </a:t>
-            </a:r>
-            <a:r>
-              <a:rPr lang="en-US" i="1" dirty="0" err="1"/>
-              <a:t>tập</a:t>
-            </a:r>
-            <a:r>
-              <a:rPr lang="en-US" i="1" dirty="0"/>
-              <a:t> </a:t>
-            </a:r>
-            <a:r>
-              <a:rPr lang="en-US" i="1" dirty="0" smtClean="0"/>
-              <a:t>attributes</a:t>
-            </a:r>
-          </a:p>
-          <a:p>
-            <a:pPr marL="342900" indent="-342900">
-              <a:buAutoNum type="arabicPeriod"/>
-            </a:pPr>
-            <a:endParaRPr lang="en-US" dirty="0"/>
-          </a:p>
-        </p:txBody>
-      </p:sp>
       <p:pic>
         <p:nvPicPr>
-          <p:cNvPr id="5" name="Picture 4"/>
+          <p:cNvPr id="2" name="Picture 1"/>
           <p:cNvPicPr>
             <a:picLocks noChangeAspect="1"/>
           </p:cNvPicPr>
@@ -13350,12 +13345,17 @@
         </p:blipFill>
         <p:spPr>
           <a:xfrm>
-            <a:off x="6857681" y="6096000"/>
-            <a:ext cx="2286319" cy="762106"/>
+            <a:off x="1" y="18470"/>
+            <a:ext cx="4420217" cy="4153480"/>
           </a:xfrm>
           <a:prstGeom prst="rect">
             <a:avLst/>
           </a:prstGeom>
+          <a:ln w="3175">
+            <a:solidFill>
+              <a:schemeClr val="tx1"/>
+            </a:solidFill>
+          </a:ln>
         </p:spPr>
       </p:pic>
     </p:spTree>
@@ -13454,13 +13454,13 @@
         </p:nvSpPr>
         <p:spPr>
           <a:xfrm>
-            <a:off x="457200" y="914400"/>
-            <a:ext cx="8229600" cy="5943600"/>
+            <a:off x="457200" y="685800"/>
+            <a:ext cx="8229600" cy="4457700"/>
           </a:xfrm>
         </p:spPr>
         <p:txBody>
           <a:bodyPr>
-            <a:normAutofit/>
+            <a:normAutofit lnSpcReduction="10000"/>
           </a:bodyPr>
           <a:lstStyle/>
           <a:p>
@@ -14395,8 +14395,8 @@
         </p:nvSpPr>
         <p:spPr>
           <a:xfrm>
-            <a:off x="457200" y="914400"/>
-            <a:ext cx="8229600" cy="5943600"/>
+            <a:off x="457200" y="685800"/>
+            <a:ext cx="8229600" cy="4457700"/>
           </a:xfrm>
         </p:spPr>
         <p:txBody>
@@ -15029,13 +15029,13 @@
         </p:nvSpPr>
         <p:spPr>
           <a:xfrm>
-            <a:off x="228600" y="1600200"/>
-            <a:ext cx="8686800" cy="4525963"/>
+            <a:off x="228600" y="1200151"/>
+            <a:ext cx="8686800" cy="3394472"/>
           </a:xfrm>
         </p:spPr>
         <p:txBody>
           <a:bodyPr>
-            <a:normAutofit/>
+            <a:normAutofit lnSpcReduction="10000"/>
           </a:bodyPr>
           <a:lstStyle/>
           <a:p>
@@ -15740,7 +15740,7 @@
       </p:grpSpPr>
       <p:sp>
         <p:nvSpPr>
-          <p:cNvPr id="2" name="Title 1"/>
+          <p:cNvPr id="16" name="Title 15"/>
           <p:cNvSpPr>
             <a:spLocks noGrp="1"/>
           </p:cNvSpPr>
@@ -15753,7 +15753,5871 @@
           <a:bodyPr/>
           <a:lstStyle/>
           <a:p>
+            <a:r>
+              <a:rPr lang="en-US" dirty="0" smtClean="0"/>
+              <a:t>Profile summary</a:t>
+            </a:r>
             <a:endParaRPr lang="en-US" dirty="0"/>
+          </a:p>
+        </p:txBody>
+      </p:sp>
+      <p:graphicFrame>
+        <p:nvGraphicFramePr>
+          <p:cNvPr id="18" name="Content Placeholder 3"/>
+          <p:cNvGraphicFramePr>
+            <a:graphicFrameLocks/>
+          </p:cNvGraphicFramePr>
+          <p:nvPr>
+            <p:extLst>
+              <p:ext uri="{D42A27DB-BD31-4B8C-83A1-F6EECF244321}">
+                <p14:modId xmlns:p14="http://schemas.microsoft.com/office/powerpoint/2010/main" val="3237527634"/>
+              </p:ext>
+            </p:extLst>
+          </p:nvPr>
+        </p:nvGraphicFramePr>
+        <p:xfrm>
+          <a:off x="2326342" y="1028700"/>
+          <a:ext cx="2216468" cy="1946910"/>
+        </p:xfrm>
+        <a:graphic>
+          <a:graphicData uri="http://schemas.openxmlformats.org/drawingml/2006/table">
+            <a:tbl>
+              <a:tblPr firstRow="1" bandRow="1"/>
+              <a:tblGrid>
+                <a:gridCol w="2216468"/>
+              </a:tblGrid>
+              <a:tr h="278130">
+                <a:tc>
+                  <a:txBody>
+                    <a:bodyPr/>
+                    <a:lstStyle>
+                      <a:lvl1pPr marL="0" algn="l" defTabSz="914400" rtl="0" eaLnBrk="1" latinLnBrk="0" hangingPunct="1">
+                        <a:defRPr sz="1800" b="1" kern="1200">
+                          <a:solidFill>
+                            <a:schemeClr val="lt1"/>
+                          </a:solidFill>
+                          <a:latin typeface="Arial"/>
+                        </a:defRPr>
+                      </a:lvl1pPr>
+                      <a:lvl2pPr marL="457200" algn="l" defTabSz="914400" rtl="0" eaLnBrk="1" latinLnBrk="0" hangingPunct="1">
+                        <a:defRPr sz="1800" b="1" kern="1200">
+                          <a:solidFill>
+                            <a:schemeClr val="lt1"/>
+                          </a:solidFill>
+                          <a:latin typeface="Arial"/>
+                        </a:defRPr>
+                      </a:lvl2pPr>
+                      <a:lvl3pPr marL="914400" algn="l" defTabSz="914400" rtl="0" eaLnBrk="1" latinLnBrk="0" hangingPunct="1">
+                        <a:defRPr sz="1800" b="1" kern="1200">
+                          <a:solidFill>
+                            <a:schemeClr val="lt1"/>
+                          </a:solidFill>
+                          <a:latin typeface="Arial"/>
+                        </a:defRPr>
+                      </a:lvl3pPr>
+                      <a:lvl4pPr marL="1371600" algn="l" defTabSz="914400" rtl="0" eaLnBrk="1" latinLnBrk="0" hangingPunct="1">
+                        <a:defRPr sz="1800" b="1" kern="1200">
+                          <a:solidFill>
+                            <a:schemeClr val="lt1"/>
+                          </a:solidFill>
+                          <a:latin typeface="Arial"/>
+                        </a:defRPr>
+                      </a:lvl4pPr>
+                      <a:lvl5pPr marL="1828800" algn="l" defTabSz="914400" rtl="0" eaLnBrk="1" latinLnBrk="0" hangingPunct="1">
+                        <a:defRPr sz="1800" b="1" kern="1200">
+                          <a:solidFill>
+                            <a:schemeClr val="lt1"/>
+                          </a:solidFill>
+                          <a:latin typeface="Arial"/>
+                        </a:defRPr>
+                      </a:lvl5pPr>
+                      <a:lvl6pPr marL="2286000" algn="l" defTabSz="914400" rtl="0" eaLnBrk="1" latinLnBrk="0" hangingPunct="1">
+                        <a:defRPr sz="1800" b="1" kern="1200">
+                          <a:solidFill>
+                            <a:schemeClr val="lt1"/>
+                          </a:solidFill>
+                          <a:latin typeface="Arial"/>
+                        </a:defRPr>
+                      </a:lvl6pPr>
+                      <a:lvl7pPr marL="2743200" algn="l" defTabSz="914400" rtl="0" eaLnBrk="1" latinLnBrk="0" hangingPunct="1">
+                        <a:defRPr sz="1800" b="1" kern="1200">
+                          <a:solidFill>
+                            <a:schemeClr val="lt1"/>
+                          </a:solidFill>
+                          <a:latin typeface="Arial"/>
+                        </a:defRPr>
+                      </a:lvl7pPr>
+                      <a:lvl8pPr marL="3200400" algn="l" defTabSz="914400" rtl="0" eaLnBrk="1" latinLnBrk="0" hangingPunct="1">
+                        <a:defRPr sz="1800" b="1" kern="1200">
+                          <a:solidFill>
+                            <a:schemeClr val="lt1"/>
+                          </a:solidFill>
+                          <a:latin typeface="Arial"/>
+                        </a:defRPr>
+                      </a:lvl8pPr>
+                      <a:lvl9pPr marL="3657600" algn="l" defTabSz="914400" rtl="0" eaLnBrk="1" latinLnBrk="0" hangingPunct="1">
+                        <a:defRPr sz="1800" b="1" kern="1200">
+                          <a:solidFill>
+                            <a:schemeClr val="lt1"/>
+                          </a:solidFill>
+                          <a:latin typeface="Arial"/>
+                        </a:defRPr>
+                      </a:lvl9pPr>
+                    </a:lstStyle>
+                    <a:p>
+                      <a:r>
+                        <a:rPr lang="en-US" sz="1200" dirty="0" smtClean="0"/>
+                        <a:t>Contact info</a:t>
+                      </a:r>
+                      <a:endParaRPr lang="en-US" sz="1200" dirty="0"/>
+                    </a:p>
+                  </a:txBody>
+                  <a:tcPr marT="34290" marB="34290">
+                    <a:lnL w="12700" cmpd="sng">
+                      <a:solidFill>
+                        <a:srgbClr val="93A299"/>
+                      </a:solidFill>
+                    </a:lnL>
+                    <a:lnR w="12700" cmpd="sng">
+                      <a:solidFill>
+                        <a:srgbClr val="93A299"/>
+                      </a:solidFill>
+                    </a:lnR>
+                    <a:lnT w="12700" cmpd="sng">
+                      <a:solidFill>
+                        <a:srgbClr val="93A299"/>
+                      </a:solidFill>
+                    </a:lnT>
+                    <a:lnB w="12700" cmpd="sng">
+                      <a:solidFill>
+                        <a:srgbClr val="93A299"/>
+                      </a:solidFill>
+                    </a:lnB>
+                    <a:lnTlToBr w="12700" cmpd="sng">
+                      <a:noFill/>
+                      <a:prstDash val="solid"/>
+                    </a:lnTlToBr>
+                    <a:lnBlToTr w="12700" cmpd="sng">
+                      <a:noFill/>
+                      <a:prstDash val="solid"/>
+                    </a:lnBlToTr>
+                    <a:solidFill>
+                      <a:srgbClr val="93A299"/>
+                    </a:solidFill>
+                  </a:tcPr>
+                </a:tc>
+              </a:tr>
+              <a:tr h="278130">
+                <a:tc>
+                  <a:txBody>
+                    <a:bodyPr/>
+                    <a:lstStyle>
+                      <a:lvl1pPr marL="0" algn="l" defTabSz="914400" rtl="0" eaLnBrk="1" latinLnBrk="0" hangingPunct="1">
+                        <a:defRPr sz="1800" kern="1200">
+                          <a:solidFill>
+                            <a:schemeClr val="dk1"/>
+                          </a:solidFill>
+                          <a:latin typeface="Arial"/>
+                        </a:defRPr>
+                      </a:lvl1pPr>
+                      <a:lvl2pPr marL="457200" algn="l" defTabSz="914400" rtl="0" eaLnBrk="1" latinLnBrk="0" hangingPunct="1">
+                        <a:defRPr sz="1800" kern="1200">
+                          <a:solidFill>
+                            <a:schemeClr val="dk1"/>
+                          </a:solidFill>
+                          <a:latin typeface="Arial"/>
+                        </a:defRPr>
+                      </a:lvl2pPr>
+                      <a:lvl3pPr marL="914400" algn="l" defTabSz="914400" rtl="0" eaLnBrk="1" latinLnBrk="0" hangingPunct="1">
+                        <a:defRPr sz="1800" kern="1200">
+                          <a:solidFill>
+                            <a:schemeClr val="dk1"/>
+                          </a:solidFill>
+                          <a:latin typeface="Arial"/>
+                        </a:defRPr>
+                      </a:lvl3pPr>
+                      <a:lvl4pPr marL="1371600" algn="l" defTabSz="914400" rtl="0" eaLnBrk="1" latinLnBrk="0" hangingPunct="1">
+                        <a:defRPr sz="1800" kern="1200">
+                          <a:solidFill>
+                            <a:schemeClr val="dk1"/>
+                          </a:solidFill>
+                          <a:latin typeface="Arial"/>
+                        </a:defRPr>
+                      </a:lvl4pPr>
+                      <a:lvl5pPr marL="1828800" algn="l" defTabSz="914400" rtl="0" eaLnBrk="1" latinLnBrk="0" hangingPunct="1">
+                        <a:defRPr sz="1800" kern="1200">
+                          <a:solidFill>
+                            <a:schemeClr val="dk1"/>
+                          </a:solidFill>
+                          <a:latin typeface="Arial"/>
+                        </a:defRPr>
+                      </a:lvl5pPr>
+                      <a:lvl6pPr marL="2286000" algn="l" defTabSz="914400" rtl="0" eaLnBrk="1" latinLnBrk="0" hangingPunct="1">
+                        <a:defRPr sz="1800" kern="1200">
+                          <a:solidFill>
+                            <a:schemeClr val="dk1"/>
+                          </a:solidFill>
+                          <a:latin typeface="Arial"/>
+                        </a:defRPr>
+                      </a:lvl6pPr>
+                      <a:lvl7pPr marL="2743200" algn="l" defTabSz="914400" rtl="0" eaLnBrk="1" latinLnBrk="0" hangingPunct="1">
+                        <a:defRPr sz="1800" kern="1200">
+                          <a:solidFill>
+                            <a:schemeClr val="dk1"/>
+                          </a:solidFill>
+                          <a:latin typeface="Arial"/>
+                        </a:defRPr>
+                      </a:lvl7pPr>
+                      <a:lvl8pPr marL="3200400" algn="l" defTabSz="914400" rtl="0" eaLnBrk="1" latinLnBrk="0" hangingPunct="1">
+                        <a:defRPr sz="1800" kern="1200">
+                          <a:solidFill>
+                            <a:schemeClr val="dk1"/>
+                          </a:solidFill>
+                          <a:latin typeface="Arial"/>
+                        </a:defRPr>
+                      </a:lvl8pPr>
+                      <a:lvl9pPr marL="3657600" algn="l" defTabSz="914400" rtl="0" eaLnBrk="1" latinLnBrk="0" hangingPunct="1">
+                        <a:defRPr sz="1800" kern="1200">
+                          <a:solidFill>
+                            <a:schemeClr val="dk1"/>
+                          </a:solidFill>
+                          <a:latin typeface="Arial"/>
+                        </a:defRPr>
+                      </a:lvl9pPr>
+                    </a:lstStyle>
+                    <a:p>
+                      <a:r>
+                        <a:rPr lang="en-US" sz="1200" dirty="0" smtClean="0">
+                          <a:solidFill>
+                            <a:srgbClr val="00B0F0"/>
+                          </a:solidFill>
+                        </a:rPr>
+                        <a:t>Websites</a:t>
+                      </a:r>
+                      <a:endParaRPr lang="en-US" sz="1200" dirty="0">
+                        <a:solidFill>
+                          <a:srgbClr val="00B0F0"/>
+                        </a:solidFill>
+                      </a:endParaRPr>
+                    </a:p>
+                  </a:txBody>
+                  <a:tcPr marT="34290" marB="34290">
+                    <a:lnL w="12700" cmpd="sng">
+                      <a:solidFill>
+                        <a:srgbClr val="93A299"/>
+                      </a:solidFill>
+                    </a:lnL>
+                    <a:lnR w="12700" cmpd="sng">
+                      <a:solidFill>
+                        <a:srgbClr val="93A299"/>
+                      </a:solidFill>
+                    </a:lnR>
+                    <a:lnT w="12700" cmpd="sng">
+                      <a:solidFill>
+                        <a:srgbClr val="93A299"/>
+                      </a:solidFill>
+                    </a:lnT>
+                    <a:lnB w="12700" cmpd="sng">
+                      <a:solidFill>
+                        <a:srgbClr val="93A299"/>
+                      </a:solidFill>
+                    </a:lnB>
+                    <a:lnTlToBr w="12700" cmpd="sng">
+                      <a:noFill/>
+                      <a:prstDash val="solid"/>
+                    </a:lnTlToBr>
+                    <a:lnBlToTr w="12700" cmpd="sng">
+                      <a:noFill/>
+                      <a:prstDash val="solid"/>
+                    </a:lnBlToTr>
+                    <a:solidFill>
+                      <a:srgbClr val="93A299">
+                        <a:tint val="20000"/>
+                      </a:srgbClr>
+                    </a:solidFill>
+                  </a:tcPr>
+                </a:tc>
+              </a:tr>
+              <a:tr h="278130">
+                <a:tc>
+                  <a:txBody>
+                    <a:bodyPr/>
+                    <a:lstStyle>
+                      <a:lvl1pPr marL="0" algn="l" defTabSz="914400" rtl="0" eaLnBrk="1" latinLnBrk="0" hangingPunct="1">
+                        <a:defRPr sz="1800" kern="1200">
+                          <a:solidFill>
+                            <a:schemeClr val="dk1"/>
+                          </a:solidFill>
+                          <a:latin typeface="Arial"/>
+                        </a:defRPr>
+                      </a:lvl1pPr>
+                      <a:lvl2pPr marL="457200" algn="l" defTabSz="914400" rtl="0" eaLnBrk="1" latinLnBrk="0" hangingPunct="1">
+                        <a:defRPr sz="1800" kern="1200">
+                          <a:solidFill>
+                            <a:schemeClr val="dk1"/>
+                          </a:solidFill>
+                          <a:latin typeface="Arial"/>
+                        </a:defRPr>
+                      </a:lvl2pPr>
+                      <a:lvl3pPr marL="914400" algn="l" defTabSz="914400" rtl="0" eaLnBrk="1" latinLnBrk="0" hangingPunct="1">
+                        <a:defRPr sz="1800" kern="1200">
+                          <a:solidFill>
+                            <a:schemeClr val="dk1"/>
+                          </a:solidFill>
+                          <a:latin typeface="Arial"/>
+                        </a:defRPr>
+                      </a:lvl3pPr>
+                      <a:lvl4pPr marL="1371600" algn="l" defTabSz="914400" rtl="0" eaLnBrk="1" latinLnBrk="0" hangingPunct="1">
+                        <a:defRPr sz="1800" kern="1200">
+                          <a:solidFill>
+                            <a:schemeClr val="dk1"/>
+                          </a:solidFill>
+                          <a:latin typeface="Arial"/>
+                        </a:defRPr>
+                      </a:lvl4pPr>
+                      <a:lvl5pPr marL="1828800" algn="l" defTabSz="914400" rtl="0" eaLnBrk="1" latinLnBrk="0" hangingPunct="1">
+                        <a:defRPr sz="1800" kern="1200">
+                          <a:solidFill>
+                            <a:schemeClr val="dk1"/>
+                          </a:solidFill>
+                          <a:latin typeface="Arial"/>
+                        </a:defRPr>
+                      </a:lvl5pPr>
+                      <a:lvl6pPr marL="2286000" algn="l" defTabSz="914400" rtl="0" eaLnBrk="1" latinLnBrk="0" hangingPunct="1">
+                        <a:defRPr sz="1800" kern="1200">
+                          <a:solidFill>
+                            <a:schemeClr val="dk1"/>
+                          </a:solidFill>
+                          <a:latin typeface="Arial"/>
+                        </a:defRPr>
+                      </a:lvl6pPr>
+                      <a:lvl7pPr marL="2743200" algn="l" defTabSz="914400" rtl="0" eaLnBrk="1" latinLnBrk="0" hangingPunct="1">
+                        <a:defRPr sz="1800" kern="1200">
+                          <a:solidFill>
+                            <a:schemeClr val="dk1"/>
+                          </a:solidFill>
+                          <a:latin typeface="Arial"/>
+                        </a:defRPr>
+                      </a:lvl7pPr>
+                      <a:lvl8pPr marL="3200400" algn="l" defTabSz="914400" rtl="0" eaLnBrk="1" latinLnBrk="0" hangingPunct="1">
+                        <a:defRPr sz="1800" kern="1200">
+                          <a:solidFill>
+                            <a:schemeClr val="dk1"/>
+                          </a:solidFill>
+                          <a:latin typeface="Arial"/>
+                        </a:defRPr>
+                      </a:lvl8pPr>
+                      <a:lvl9pPr marL="3657600" algn="l" defTabSz="914400" rtl="0" eaLnBrk="1" latinLnBrk="0" hangingPunct="1">
+                        <a:defRPr sz="1800" kern="1200">
+                          <a:solidFill>
+                            <a:schemeClr val="dk1"/>
+                          </a:solidFill>
+                          <a:latin typeface="Arial"/>
+                        </a:defRPr>
+                      </a:lvl9pPr>
+                    </a:lstStyle>
+                    <a:p>
+                      <a:r>
+                        <a:rPr lang="en-US" sz="1200" dirty="0" smtClean="0">
+                          <a:solidFill>
+                            <a:srgbClr val="00B0F0"/>
+                          </a:solidFill>
+                        </a:rPr>
+                        <a:t>Social networks</a:t>
+                      </a:r>
+                      <a:endParaRPr lang="en-US" sz="1200" dirty="0">
+                        <a:solidFill>
+                          <a:srgbClr val="00B0F0"/>
+                        </a:solidFill>
+                      </a:endParaRPr>
+                    </a:p>
+                  </a:txBody>
+                  <a:tcPr marT="34290" marB="34290">
+                    <a:lnL w="12700" cmpd="sng">
+                      <a:solidFill>
+                        <a:srgbClr val="93A299"/>
+                      </a:solidFill>
+                    </a:lnL>
+                    <a:lnR w="12700" cmpd="sng">
+                      <a:solidFill>
+                        <a:srgbClr val="93A299"/>
+                      </a:solidFill>
+                    </a:lnR>
+                    <a:lnT w="12700" cmpd="sng">
+                      <a:solidFill>
+                        <a:srgbClr val="93A299"/>
+                      </a:solidFill>
+                    </a:lnT>
+                    <a:lnB w="12700" cmpd="sng">
+                      <a:solidFill>
+                        <a:srgbClr val="93A299"/>
+                      </a:solidFill>
+                    </a:lnB>
+                    <a:lnTlToBr w="12700" cmpd="sng">
+                      <a:noFill/>
+                      <a:prstDash val="solid"/>
+                    </a:lnTlToBr>
+                    <a:lnBlToTr w="12700" cmpd="sng">
+                      <a:noFill/>
+                      <a:prstDash val="solid"/>
+                    </a:lnBlToTr>
+                    <a:solidFill>
+                      <a:srgbClr val="FFFFFF"/>
+                    </a:solidFill>
+                  </a:tcPr>
+                </a:tc>
+              </a:tr>
+              <a:tr h="278130">
+                <a:tc>
+                  <a:txBody>
+                    <a:bodyPr/>
+                    <a:lstStyle>
+                      <a:lvl1pPr marL="0" algn="l" defTabSz="914400" rtl="0" eaLnBrk="1" latinLnBrk="0" hangingPunct="1">
+                        <a:defRPr sz="1800" kern="1200">
+                          <a:solidFill>
+                            <a:schemeClr val="dk1"/>
+                          </a:solidFill>
+                          <a:latin typeface="Arial"/>
+                        </a:defRPr>
+                      </a:lvl1pPr>
+                      <a:lvl2pPr marL="457200" algn="l" defTabSz="914400" rtl="0" eaLnBrk="1" latinLnBrk="0" hangingPunct="1">
+                        <a:defRPr sz="1800" kern="1200">
+                          <a:solidFill>
+                            <a:schemeClr val="dk1"/>
+                          </a:solidFill>
+                          <a:latin typeface="Arial"/>
+                        </a:defRPr>
+                      </a:lvl2pPr>
+                      <a:lvl3pPr marL="914400" algn="l" defTabSz="914400" rtl="0" eaLnBrk="1" latinLnBrk="0" hangingPunct="1">
+                        <a:defRPr sz="1800" kern="1200">
+                          <a:solidFill>
+                            <a:schemeClr val="dk1"/>
+                          </a:solidFill>
+                          <a:latin typeface="Arial"/>
+                        </a:defRPr>
+                      </a:lvl3pPr>
+                      <a:lvl4pPr marL="1371600" algn="l" defTabSz="914400" rtl="0" eaLnBrk="1" latinLnBrk="0" hangingPunct="1">
+                        <a:defRPr sz="1800" kern="1200">
+                          <a:solidFill>
+                            <a:schemeClr val="dk1"/>
+                          </a:solidFill>
+                          <a:latin typeface="Arial"/>
+                        </a:defRPr>
+                      </a:lvl4pPr>
+                      <a:lvl5pPr marL="1828800" algn="l" defTabSz="914400" rtl="0" eaLnBrk="1" latinLnBrk="0" hangingPunct="1">
+                        <a:defRPr sz="1800" kern="1200">
+                          <a:solidFill>
+                            <a:schemeClr val="dk1"/>
+                          </a:solidFill>
+                          <a:latin typeface="Arial"/>
+                        </a:defRPr>
+                      </a:lvl5pPr>
+                      <a:lvl6pPr marL="2286000" algn="l" defTabSz="914400" rtl="0" eaLnBrk="1" latinLnBrk="0" hangingPunct="1">
+                        <a:defRPr sz="1800" kern="1200">
+                          <a:solidFill>
+                            <a:schemeClr val="dk1"/>
+                          </a:solidFill>
+                          <a:latin typeface="Arial"/>
+                        </a:defRPr>
+                      </a:lvl6pPr>
+                      <a:lvl7pPr marL="2743200" algn="l" defTabSz="914400" rtl="0" eaLnBrk="1" latinLnBrk="0" hangingPunct="1">
+                        <a:defRPr sz="1800" kern="1200">
+                          <a:solidFill>
+                            <a:schemeClr val="dk1"/>
+                          </a:solidFill>
+                          <a:latin typeface="Arial"/>
+                        </a:defRPr>
+                      </a:lvl7pPr>
+                      <a:lvl8pPr marL="3200400" algn="l" defTabSz="914400" rtl="0" eaLnBrk="1" latinLnBrk="0" hangingPunct="1">
+                        <a:defRPr sz="1800" kern="1200">
+                          <a:solidFill>
+                            <a:schemeClr val="dk1"/>
+                          </a:solidFill>
+                          <a:latin typeface="Arial"/>
+                        </a:defRPr>
+                      </a:lvl8pPr>
+                      <a:lvl9pPr marL="3657600" algn="l" defTabSz="914400" rtl="0" eaLnBrk="1" latinLnBrk="0" hangingPunct="1">
+                        <a:defRPr sz="1800" kern="1200">
+                          <a:solidFill>
+                            <a:schemeClr val="dk1"/>
+                          </a:solidFill>
+                          <a:latin typeface="Arial"/>
+                        </a:defRPr>
+                      </a:lvl9pPr>
+                    </a:lstStyle>
+                    <a:p>
+                      <a:r>
+                        <a:rPr lang="en-US" sz="1200" dirty="0" smtClean="0"/>
+                        <a:t>Email</a:t>
+                      </a:r>
+                      <a:endParaRPr lang="en-US" sz="1200" dirty="0"/>
+                    </a:p>
+                  </a:txBody>
+                  <a:tcPr marT="34290" marB="34290">
+                    <a:lnL w="12700" cmpd="sng">
+                      <a:solidFill>
+                        <a:srgbClr val="93A299"/>
+                      </a:solidFill>
+                    </a:lnL>
+                    <a:lnR w="12700" cmpd="sng">
+                      <a:solidFill>
+                        <a:srgbClr val="93A299"/>
+                      </a:solidFill>
+                    </a:lnR>
+                    <a:lnT w="12700" cmpd="sng">
+                      <a:solidFill>
+                        <a:srgbClr val="93A299"/>
+                      </a:solidFill>
+                    </a:lnT>
+                    <a:lnB w="12700" cmpd="sng">
+                      <a:solidFill>
+                        <a:srgbClr val="93A299"/>
+                      </a:solidFill>
+                    </a:lnB>
+                    <a:lnTlToBr w="12700" cmpd="sng">
+                      <a:noFill/>
+                      <a:prstDash val="solid"/>
+                    </a:lnTlToBr>
+                    <a:lnBlToTr w="12700" cmpd="sng">
+                      <a:noFill/>
+                      <a:prstDash val="solid"/>
+                    </a:lnBlToTr>
+                    <a:solidFill>
+                      <a:srgbClr val="93A299">
+                        <a:tint val="20000"/>
+                      </a:srgbClr>
+                    </a:solidFill>
+                  </a:tcPr>
+                </a:tc>
+              </a:tr>
+              <a:tr h="278130">
+                <a:tc>
+                  <a:txBody>
+                    <a:bodyPr/>
+                    <a:lstStyle>
+                      <a:lvl1pPr marL="0" algn="l" defTabSz="914400" rtl="0" eaLnBrk="1" latinLnBrk="0" hangingPunct="1">
+                        <a:defRPr sz="1800" kern="1200">
+                          <a:solidFill>
+                            <a:schemeClr val="dk1"/>
+                          </a:solidFill>
+                          <a:latin typeface="Arial"/>
+                        </a:defRPr>
+                      </a:lvl1pPr>
+                      <a:lvl2pPr marL="457200" algn="l" defTabSz="914400" rtl="0" eaLnBrk="1" latinLnBrk="0" hangingPunct="1">
+                        <a:defRPr sz="1800" kern="1200">
+                          <a:solidFill>
+                            <a:schemeClr val="dk1"/>
+                          </a:solidFill>
+                          <a:latin typeface="Arial"/>
+                        </a:defRPr>
+                      </a:lvl2pPr>
+                      <a:lvl3pPr marL="914400" algn="l" defTabSz="914400" rtl="0" eaLnBrk="1" latinLnBrk="0" hangingPunct="1">
+                        <a:defRPr sz="1800" kern="1200">
+                          <a:solidFill>
+                            <a:schemeClr val="dk1"/>
+                          </a:solidFill>
+                          <a:latin typeface="Arial"/>
+                        </a:defRPr>
+                      </a:lvl3pPr>
+                      <a:lvl4pPr marL="1371600" algn="l" defTabSz="914400" rtl="0" eaLnBrk="1" latinLnBrk="0" hangingPunct="1">
+                        <a:defRPr sz="1800" kern="1200">
+                          <a:solidFill>
+                            <a:schemeClr val="dk1"/>
+                          </a:solidFill>
+                          <a:latin typeface="Arial"/>
+                        </a:defRPr>
+                      </a:lvl4pPr>
+                      <a:lvl5pPr marL="1828800" algn="l" defTabSz="914400" rtl="0" eaLnBrk="1" latinLnBrk="0" hangingPunct="1">
+                        <a:defRPr sz="1800" kern="1200">
+                          <a:solidFill>
+                            <a:schemeClr val="dk1"/>
+                          </a:solidFill>
+                          <a:latin typeface="Arial"/>
+                        </a:defRPr>
+                      </a:lvl5pPr>
+                      <a:lvl6pPr marL="2286000" algn="l" defTabSz="914400" rtl="0" eaLnBrk="1" latinLnBrk="0" hangingPunct="1">
+                        <a:defRPr sz="1800" kern="1200">
+                          <a:solidFill>
+                            <a:schemeClr val="dk1"/>
+                          </a:solidFill>
+                          <a:latin typeface="Arial"/>
+                        </a:defRPr>
+                      </a:lvl6pPr>
+                      <a:lvl7pPr marL="2743200" algn="l" defTabSz="914400" rtl="0" eaLnBrk="1" latinLnBrk="0" hangingPunct="1">
+                        <a:defRPr sz="1800" kern="1200">
+                          <a:solidFill>
+                            <a:schemeClr val="dk1"/>
+                          </a:solidFill>
+                          <a:latin typeface="Arial"/>
+                        </a:defRPr>
+                      </a:lvl7pPr>
+                      <a:lvl8pPr marL="3200400" algn="l" defTabSz="914400" rtl="0" eaLnBrk="1" latinLnBrk="0" hangingPunct="1">
+                        <a:defRPr sz="1800" kern="1200">
+                          <a:solidFill>
+                            <a:schemeClr val="dk1"/>
+                          </a:solidFill>
+                          <a:latin typeface="Arial"/>
+                        </a:defRPr>
+                      </a:lvl8pPr>
+                      <a:lvl9pPr marL="3657600" algn="l" defTabSz="914400" rtl="0" eaLnBrk="1" latinLnBrk="0" hangingPunct="1">
+                        <a:defRPr sz="1800" kern="1200">
+                          <a:solidFill>
+                            <a:schemeClr val="dk1"/>
+                          </a:solidFill>
+                          <a:latin typeface="Arial"/>
+                        </a:defRPr>
+                      </a:lvl9pPr>
+                    </a:lstStyle>
+                    <a:p>
+                      <a:r>
+                        <a:rPr lang="en-US" sz="1200" dirty="0" smtClean="0"/>
+                        <a:t>Phone</a:t>
+                      </a:r>
+                      <a:endParaRPr lang="en-US" sz="1200" dirty="0"/>
+                    </a:p>
+                  </a:txBody>
+                  <a:tcPr marT="34290" marB="34290">
+                    <a:lnL w="12700" cmpd="sng">
+                      <a:solidFill>
+                        <a:srgbClr val="93A299"/>
+                      </a:solidFill>
+                    </a:lnL>
+                    <a:lnR w="12700" cmpd="sng">
+                      <a:solidFill>
+                        <a:srgbClr val="93A299"/>
+                      </a:solidFill>
+                    </a:lnR>
+                    <a:lnT w="12700" cmpd="sng">
+                      <a:solidFill>
+                        <a:srgbClr val="93A299"/>
+                      </a:solidFill>
+                    </a:lnT>
+                    <a:lnB w="12700" cmpd="sng">
+                      <a:solidFill>
+                        <a:srgbClr val="93A299"/>
+                      </a:solidFill>
+                    </a:lnB>
+                    <a:lnTlToBr w="12700" cmpd="sng">
+                      <a:noFill/>
+                      <a:prstDash val="solid"/>
+                    </a:lnTlToBr>
+                    <a:lnBlToTr w="12700" cmpd="sng">
+                      <a:noFill/>
+                      <a:prstDash val="solid"/>
+                    </a:lnBlToTr>
+                    <a:solidFill>
+                      <a:srgbClr val="FFFFFF"/>
+                    </a:solidFill>
+                  </a:tcPr>
+                </a:tc>
+              </a:tr>
+              <a:tr h="278130">
+                <a:tc>
+                  <a:txBody>
+                    <a:bodyPr/>
+                    <a:lstStyle>
+                      <a:lvl1pPr marL="0" algn="l" defTabSz="914400" rtl="0" eaLnBrk="1" latinLnBrk="0" hangingPunct="1">
+                        <a:defRPr sz="1800" kern="1200">
+                          <a:solidFill>
+                            <a:schemeClr val="dk1"/>
+                          </a:solidFill>
+                          <a:latin typeface="Arial"/>
+                        </a:defRPr>
+                      </a:lvl1pPr>
+                      <a:lvl2pPr marL="457200" algn="l" defTabSz="914400" rtl="0" eaLnBrk="1" latinLnBrk="0" hangingPunct="1">
+                        <a:defRPr sz="1800" kern="1200">
+                          <a:solidFill>
+                            <a:schemeClr val="dk1"/>
+                          </a:solidFill>
+                          <a:latin typeface="Arial"/>
+                        </a:defRPr>
+                      </a:lvl2pPr>
+                      <a:lvl3pPr marL="914400" algn="l" defTabSz="914400" rtl="0" eaLnBrk="1" latinLnBrk="0" hangingPunct="1">
+                        <a:defRPr sz="1800" kern="1200">
+                          <a:solidFill>
+                            <a:schemeClr val="dk1"/>
+                          </a:solidFill>
+                          <a:latin typeface="Arial"/>
+                        </a:defRPr>
+                      </a:lvl3pPr>
+                      <a:lvl4pPr marL="1371600" algn="l" defTabSz="914400" rtl="0" eaLnBrk="1" latinLnBrk="0" hangingPunct="1">
+                        <a:defRPr sz="1800" kern="1200">
+                          <a:solidFill>
+                            <a:schemeClr val="dk1"/>
+                          </a:solidFill>
+                          <a:latin typeface="Arial"/>
+                        </a:defRPr>
+                      </a:lvl4pPr>
+                      <a:lvl5pPr marL="1828800" algn="l" defTabSz="914400" rtl="0" eaLnBrk="1" latinLnBrk="0" hangingPunct="1">
+                        <a:defRPr sz="1800" kern="1200">
+                          <a:solidFill>
+                            <a:schemeClr val="dk1"/>
+                          </a:solidFill>
+                          <a:latin typeface="Arial"/>
+                        </a:defRPr>
+                      </a:lvl5pPr>
+                      <a:lvl6pPr marL="2286000" algn="l" defTabSz="914400" rtl="0" eaLnBrk="1" latinLnBrk="0" hangingPunct="1">
+                        <a:defRPr sz="1800" kern="1200">
+                          <a:solidFill>
+                            <a:schemeClr val="dk1"/>
+                          </a:solidFill>
+                          <a:latin typeface="Arial"/>
+                        </a:defRPr>
+                      </a:lvl6pPr>
+                      <a:lvl7pPr marL="2743200" algn="l" defTabSz="914400" rtl="0" eaLnBrk="1" latinLnBrk="0" hangingPunct="1">
+                        <a:defRPr sz="1800" kern="1200">
+                          <a:solidFill>
+                            <a:schemeClr val="dk1"/>
+                          </a:solidFill>
+                          <a:latin typeface="Arial"/>
+                        </a:defRPr>
+                      </a:lvl7pPr>
+                      <a:lvl8pPr marL="3200400" algn="l" defTabSz="914400" rtl="0" eaLnBrk="1" latinLnBrk="0" hangingPunct="1">
+                        <a:defRPr sz="1800" kern="1200">
+                          <a:solidFill>
+                            <a:schemeClr val="dk1"/>
+                          </a:solidFill>
+                          <a:latin typeface="Arial"/>
+                        </a:defRPr>
+                      </a:lvl8pPr>
+                      <a:lvl9pPr marL="3657600" algn="l" defTabSz="914400" rtl="0" eaLnBrk="1" latinLnBrk="0" hangingPunct="1">
+                        <a:defRPr sz="1800" kern="1200">
+                          <a:solidFill>
+                            <a:schemeClr val="dk1"/>
+                          </a:solidFill>
+                          <a:latin typeface="Arial"/>
+                        </a:defRPr>
+                      </a:lvl9pPr>
+                    </a:lstStyle>
+                    <a:p>
+                      <a:r>
+                        <a:rPr lang="en-US" sz="1200" dirty="0" smtClean="0"/>
+                        <a:t>Contact me</a:t>
+                      </a:r>
+                      <a:r>
+                        <a:rPr lang="en-US" sz="1200" baseline="0" dirty="0" smtClean="0"/>
+                        <a:t> for</a:t>
+                      </a:r>
+                      <a:endParaRPr lang="en-US" sz="1200" dirty="0"/>
+                    </a:p>
+                  </a:txBody>
+                  <a:tcPr marT="34290" marB="34290">
+                    <a:lnL w="12700" cmpd="sng">
+                      <a:solidFill>
+                        <a:srgbClr val="93A299"/>
+                      </a:solidFill>
+                    </a:lnL>
+                    <a:lnR w="12700" cmpd="sng">
+                      <a:solidFill>
+                        <a:srgbClr val="93A299"/>
+                      </a:solidFill>
+                    </a:lnR>
+                    <a:lnT w="12700" cmpd="sng">
+                      <a:solidFill>
+                        <a:srgbClr val="93A299"/>
+                      </a:solidFill>
+                    </a:lnT>
+                    <a:lnB w="12700" cmpd="sng">
+                      <a:solidFill>
+                        <a:srgbClr val="93A299"/>
+                      </a:solidFill>
+                    </a:lnB>
+                    <a:lnTlToBr w="12700" cmpd="sng">
+                      <a:noFill/>
+                      <a:prstDash val="solid"/>
+                    </a:lnTlToBr>
+                    <a:lnBlToTr w="12700" cmpd="sng">
+                      <a:noFill/>
+                      <a:prstDash val="solid"/>
+                    </a:lnBlToTr>
+                    <a:solidFill>
+                      <a:srgbClr val="93A299">
+                        <a:tint val="20000"/>
+                      </a:srgbClr>
+                    </a:solidFill>
+                  </a:tcPr>
+                </a:tc>
+              </a:tr>
+              <a:tr h="278130">
+                <a:tc>
+                  <a:txBody>
+                    <a:bodyPr/>
+                    <a:lstStyle>
+                      <a:lvl1pPr marL="0" algn="l" defTabSz="914400" rtl="0" eaLnBrk="1" latinLnBrk="0" hangingPunct="1">
+                        <a:defRPr sz="1800" kern="1200">
+                          <a:solidFill>
+                            <a:schemeClr val="dk1"/>
+                          </a:solidFill>
+                          <a:latin typeface="Arial"/>
+                        </a:defRPr>
+                      </a:lvl1pPr>
+                      <a:lvl2pPr marL="457200" algn="l" defTabSz="914400" rtl="0" eaLnBrk="1" latinLnBrk="0" hangingPunct="1">
+                        <a:defRPr sz="1800" kern="1200">
+                          <a:solidFill>
+                            <a:schemeClr val="dk1"/>
+                          </a:solidFill>
+                          <a:latin typeface="Arial"/>
+                        </a:defRPr>
+                      </a:lvl2pPr>
+                      <a:lvl3pPr marL="914400" algn="l" defTabSz="914400" rtl="0" eaLnBrk="1" latinLnBrk="0" hangingPunct="1">
+                        <a:defRPr sz="1800" kern="1200">
+                          <a:solidFill>
+                            <a:schemeClr val="dk1"/>
+                          </a:solidFill>
+                          <a:latin typeface="Arial"/>
+                        </a:defRPr>
+                      </a:lvl3pPr>
+                      <a:lvl4pPr marL="1371600" algn="l" defTabSz="914400" rtl="0" eaLnBrk="1" latinLnBrk="0" hangingPunct="1">
+                        <a:defRPr sz="1800" kern="1200">
+                          <a:solidFill>
+                            <a:schemeClr val="dk1"/>
+                          </a:solidFill>
+                          <a:latin typeface="Arial"/>
+                        </a:defRPr>
+                      </a:lvl4pPr>
+                      <a:lvl5pPr marL="1828800" algn="l" defTabSz="914400" rtl="0" eaLnBrk="1" latinLnBrk="0" hangingPunct="1">
+                        <a:defRPr sz="1800" kern="1200">
+                          <a:solidFill>
+                            <a:schemeClr val="dk1"/>
+                          </a:solidFill>
+                          <a:latin typeface="Arial"/>
+                        </a:defRPr>
+                      </a:lvl5pPr>
+                      <a:lvl6pPr marL="2286000" algn="l" defTabSz="914400" rtl="0" eaLnBrk="1" latinLnBrk="0" hangingPunct="1">
+                        <a:defRPr sz="1800" kern="1200">
+                          <a:solidFill>
+                            <a:schemeClr val="dk1"/>
+                          </a:solidFill>
+                          <a:latin typeface="Arial"/>
+                        </a:defRPr>
+                      </a:lvl6pPr>
+                      <a:lvl7pPr marL="2743200" algn="l" defTabSz="914400" rtl="0" eaLnBrk="1" latinLnBrk="0" hangingPunct="1">
+                        <a:defRPr sz="1800" kern="1200">
+                          <a:solidFill>
+                            <a:schemeClr val="dk1"/>
+                          </a:solidFill>
+                          <a:latin typeface="Arial"/>
+                        </a:defRPr>
+                      </a:lvl7pPr>
+                      <a:lvl8pPr marL="3200400" algn="l" defTabSz="914400" rtl="0" eaLnBrk="1" latinLnBrk="0" hangingPunct="1">
+                        <a:defRPr sz="1800" kern="1200">
+                          <a:solidFill>
+                            <a:schemeClr val="dk1"/>
+                          </a:solidFill>
+                          <a:latin typeface="Arial"/>
+                        </a:defRPr>
+                      </a:lvl8pPr>
+                      <a:lvl9pPr marL="3657600" algn="l" defTabSz="914400" rtl="0" eaLnBrk="1" latinLnBrk="0" hangingPunct="1">
+                        <a:defRPr sz="1800" kern="1200">
+                          <a:solidFill>
+                            <a:schemeClr val="dk1"/>
+                          </a:solidFill>
+                          <a:latin typeface="Arial"/>
+                        </a:defRPr>
+                      </a:lvl9pPr>
+                    </a:lstStyle>
+                    <a:p>
+                      <a:r>
+                        <a:rPr lang="en-US" sz="1200" dirty="0" smtClean="0"/>
+                        <a:t>Contact</a:t>
+                      </a:r>
+                      <a:r>
+                        <a:rPr lang="en-US" sz="1200" baseline="0" dirty="0" smtClean="0"/>
+                        <a:t> me by</a:t>
+                      </a:r>
+                      <a:endParaRPr lang="en-US" sz="1200" dirty="0"/>
+                    </a:p>
+                  </a:txBody>
+                  <a:tcPr marT="34290" marB="34290">
+                    <a:lnL w="12700" cmpd="sng">
+                      <a:solidFill>
+                        <a:srgbClr val="93A299"/>
+                      </a:solidFill>
+                    </a:lnL>
+                    <a:lnR w="12700" cmpd="sng">
+                      <a:solidFill>
+                        <a:srgbClr val="93A299"/>
+                      </a:solidFill>
+                    </a:lnR>
+                    <a:lnT w="12700" cmpd="sng">
+                      <a:solidFill>
+                        <a:srgbClr val="93A299"/>
+                      </a:solidFill>
+                    </a:lnT>
+                    <a:lnB w="12700" cmpd="sng">
+                      <a:solidFill>
+                        <a:srgbClr val="93A299"/>
+                      </a:solidFill>
+                    </a:lnB>
+                    <a:lnTlToBr w="12700" cmpd="sng">
+                      <a:noFill/>
+                      <a:prstDash val="solid"/>
+                    </a:lnTlToBr>
+                    <a:lnBlToTr w="12700" cmpd="sng">
+                      <a:noFill/>
+                      <a:prstDash val="solid"/>
+                    </a:lnBlToTr>
+                    <a:solidFill>
+                      <a:srgbClr val="FFFFFF"/>
+                    </a:solidFill>
+                  </a:tcPr>
+                </a:tc>
+              </a:tr>
+            </a:tbl>
+          </a:graphicData>
+        </a:graphic>
+      </p:graphicFrame>
+      <p:graphicFrame>
+        <p:nvGraphicFramePr>
+          <p:cNvPr id="19" name="Content Placeholder 3"/>
+          <p:cNvGraphicFramePr>
+            <a:graphicFrameLocks/>
+          </p:cNvGraphicFramePr>
+          <p:nvPr>
+            <p:extLst>
+              <p:ext uri="{D42A27DB-BD31-4B8C-83A1-F6EECF244321}">
+                <p14:modId xmlns:p14="http://schemas.microsoft.com/office/powerpoint/2010/main" val="779765852"/>
+              </p:ext>
+            </p:extLst>
+          </p:nvPr>
+        </p:nvGraphicFramePr>
+        <p:xfrm>
+          <a:off x="0" y="3181350"/>
+          <a:ext cx="2216468" cy="1390650"/>
+        </p:xfrm>
+        <a:graphic>
+          <a:graphicData uri="http://schemas.openxmlformats.org/drawingml/2006/table">
+            <a:tbl>
+              <a:tblPr firstRow="1" bandRow="1"/>
+              <a:tblGrid>
+                <a:gridCol w="2216468"/>
+              </a:tblGrid>
+              <a:tr h="278130">
+                <a:tc>
+                  <a:txBody>
+                    <a:bodyPr/>
+                    <a:lstStyle>
+                      <a:lvl1pPr marL="0" algn="l" defTabSz="914400" rtl="0" eaLnBrk="1" latinLnBrk="0" hangingPunct="1">
+                        <a:defRPr sz="1800" b="1" kern="1200">
+                          <a:solidFill>
+                            <a:schemeClr val="lt1"/>
+                          </a:solidFill>
+                          <a:latin typeface="Arial"/>
+                        </a:defRPr>
+                      </a:lvl1pPr>
+                      <a:lvl2pPr marL="457200" algn="l" defTabSz="914400" rtl="0" eaLnBrk="1" latinLnBrk="0" hangingPunct="1">
+                        <a:defRPr sz="1800" b="1" kern="1200">
+                          <a:solidFill>
+                            <a:schemeClr val="lt1"/>
+                          </a:solidFill>
+                          <a:latin typeface="Arial"/>
+                        </a:defRPr>
+                      </a:lvl2pPr>
+                      <a:lvl3pPr marL="914400" algn="l" defTabSz="914400" rtl="0" eaLnBrk="1" latinLnBrk="0" hangingPunct="1">
+                        <a:defRPr sz="1800" b="1" kern="1200">
+                          <a:solidFill>
+                            <a:schemeClr val="lt1"/>
+                          </a:solidFill>
+                          <a:latin typeface="Arial"/>
+                        </a:defRPr>
+                      </a:lvl3pPr>
+                      <a:lvl4pPr marL="1371600" algn="l" defTabSz="914400" rtl="0" eaLnBrk="1" latinLnBrk="0" hangingPunct="1">
+                        <a:defRPr sz="1800" b="1" kern="1200">
+                          <a:solidFill>
+                            <a:schemeClr val="lt1"/>
+                          </a:solidFill>
+                          <a:latin typeface="Arial"/>
+                        </a:defRPr>
+                      </a:lvl4pPr>
+                      <a:lvl5pPr marL="1828800" algn="l" defTabSz="914400" rtl="0" eaLnBrk="1" latinLnBrk="0" hangingPunct="1">
+                        <a:defRPr sz="1800" b="1" kern="1200">
+                          <a:solidFill>
+                            <a:schemeClr val="lt1"/>
+                          </a:solidFill>
+                          <a:latin typeface="Arial"/>
+                        </a:defRPr>
+                      </a:lvl5pPr>
+                      <a:lvl6pPr marL="2286000" algn="l" defTabSz="914400" rtl="0" eaLnBrk="1" latinLnBrk="0" hangingPunct="1">
+                        <a:defRPr sz="1800" b="1" kern="1200">
+                          <a:solidFill>
+                            <a:schemeClr val="lt1"/>
+                          </a:solidFill>
+                          <a:latin typeface="Arial"/>
+                        </a:defRPr>
+                      </a:lvl6pPr>
+                      <a:lvl7pPr marL="2743200" algn="l" defTabSz="914400" rtl="0" eaLnBrk="1" latinLnBrk="0" hangingPunct="1">
+                        <a:defRPr sz="1800" b="1" kern="1200">
+                          <a:solidFill>
+                            <a:schemeClr val="lt1"/>
+                          </a:solidFill>
+                          <a:latin typeface="Arial"/>
+                        </a:defRPr>
+                      </a:lvl7pPr>
+                      <a:lvl8pPr marL="3200400" algn="l" defTabSz="914400" rtl="0" eaLnBrk="1" latinLnBrk="0" hangingPunct="1">
+                        <a:defRPr sz="1800" b="1" kern="1200">
+                          <a:solidFill>
+                            <a:schemeClr val="lt1"/>
+                          </a:solidFill>
+                          <a:latin typeface="Arial"/>
+                        </a:defRPr>
+                      </a:lvl8pPr>
+                      <a:lvl9pPr marL="3657600" algn="l" defTabSz="914400" rtl="0" eaLnBrk="1" latinLnBrk="0" hangingPunct="1">
+                        <a:defRPr sz="1800" b="1" kern="1200">
+                          <a:solidFill>
+                            <a:schemeClr val="lt1"/>
+                          </a:solidFill>
+                          <a:latin typeface="Arial"/>
+                        </a:defRPr>
+                      </a:lvl9pPr>
+                    </a:lstStyle>
+                    <a:p>
+                      <a:r>
+                        <a:rPr lang="en-US" sz="1200" dirty="0" smtClean="0"/>
+                        <a:t>Career</a:t>
+                      </a:r>
+                      <a:r>
+                        <a:rPr lang="en-US" sz="1200" baseline="0" dirty="0" smtClean="0"/>
+                        <a:t> summary</a:t>
+                      </a:r>
+                      <a:endParaRPr lang="en-US" sz="1200" dirty="0"/>
+                    </a:p>
+                  </a:txBody>
+                  <a:tcPr marT="34290" marB="34290">
+                    <a:lnL w="12700" cmpd="sng">
+                      <a:solidFill>
+                        <a:srgbClr val="93A299"/>
+                      </a:solidFill>
+                    </a:lnL>
+                    <a:lnR w="12700" cmpd="sng">
+                      <a:solidFill>
+                        <a:srgbClr val="93A299"/>
+                      </a:solidFill>
+                    </a:lnR>
+                    <a:lnT w="12700" cmpd="sng">
+                      <a:solidFill>
+                        <a:srgbClr val="93A299"/>
+                      </a:solidFill>
+                    </a:lnT>
+                    <a:lnB w="12700" cmpd="sng">
+                      <a:solidFill>
+                        <a:srgbClr val="93A299"/>
+                      </a:solidFill>
+                    </a:lnB>
+                    <a:lnTlToBr w="12700" cmpd="sng">
+                      <a:noFill/>
+                      <a:prstDash val="solid"/>
+                    </a:lnTlToBr>
+                    <a:lnBlToTr w="12700" cmpd="sng">
+                      <a:noFill/>
+                      <a:prstDash val="solid"/>
+                    </a:lnBlToTr>
+                    <a:solidFill>
+                      <a:srgbClr val="93A299"/>
+                    </a:solidFill>
+                  </a:tcPr>
+                </a:tc>
+              </a:tr>
+              <a:tr h="278130">
+                <a:tc>
+                  <a:txBody>
+                    <a:bodyPr/>
+                    <a:lstStyle>
+                      <a:lvl1pPr marL="0" algn="l" defTabSz="914400" rtl="0" eaLnBrk="1" latinLnBrk="0" hangingPunct="1">
+                        <a:defRPr sz="1800" kern="1200">
+                          <a:solidFill>
+                            <a:schemeClr val="dk1"/>
+                          </a:solidFill>
+                          <a:latin typeface="Arial"/>
+                        </a:defRPr>
+                      </a:lvl1pPr>
+                      <a:lvl2pPr marL="457200" algn="l" defTabSz="914400" rtl="0" eaLnBrk="1" latinLnBrk="0" hangingPunct="1">
+                        <a:defRPr sz="1800" kern="1200">
+                          <a:solidFill>
+                            <a:schemeClr val="dk1"/>
+                          </a:solidFill>
+                          <a:latin typeface="Arial"/>
+                        </a:defRPr>
+                      </a:lvl2pPr>
+                      <a:lvl3pPr marL="914400" algn="l" defTabSz="914400" rtl="0" eaLnBrk="1" latinLnBrk="0" hangingPunct="1">
+                        <a:defRPr sz="1800" kern="1200">
+                          <a:solidFill>
+                            <a:schemeClr val="dk1"/>
+                          </a:solidFill>
+                          <a:latin typeface="Arial"/>
+                        </a:defRPr>
+                      </a:lvl3pPr>
+                      <a:lvl4pPr marL="1371600" algn="l" defTabSz="914400" rtl="0" eaLnBrk="1" latinLnBrk="0" hangingPunct="1">
+                        <a:defRPr sz="1800" kern="1200">
+                          <a:solidFill>
+                            <a:schemeClr val="dk1"/>
+                          </a:solidFill>
+                          <a:latin typeface="Arial"/>
+                        </a:defRPr>
+                      </a:lvl4pPr>
+                      <a:lvl5pPr marL="1828800" algn="l" defTabSz="914400" rtl="0" eaLnBrk="1" latinLnBrk="0" hangingPunct="1">
+                        <a:defRPr sz="1800" kern="1200">
+                          <a:solidFill>
+                            <a:schemeClr val="dk1"/>
+                          </a:solidFill>
+                          <a:latin typeface="Arial"/>
+                        </a:defRPr>
+                      </a:lvl5pPr>
+                      <a:lvl6pPr marL="2286000" algn="l" defTabSz="914400" rtl="0" eaLnBrk="1" latinLnBrk="0" hangingPunct="1">
+                        <a:defRPr sz="1800" kern="1200">
+                          <a:solidFill>
+                            <a:schemeClr val="dk1"/>
+                          </a:solidFill>
+                          <a:latin typeface="Arial"/>
+                        </a:defRPr>
+                      </a:lvl6pPr>
+                      <a:lvl7pPr marL="2743200" algn="l" defTabSz="914400" rtl="0" eaLnBrk="1" latinLnBrk="0" hangingPunct="1">
+                        <a:defRPr sz="1800" kern="1200">
+                          <a:solidFill>
+                            <a:schemeClr val="dk1"/>
+                          </a:solidFill>
+                          <a:latin typeface="Arial"/>
+                        </a:defRPr>
+                      </a:lvl7pPr>
+                      <a:lvl8pPr marL="3200400" algn="l" defTabSz="914400" rtl="0" eaLnBrk="1" latinLnBrk="0" hangingPunct="1">
+                        <a:defRPr sz="1800" kern="1200">
+                          <a:solidFill>
+                            <a:schemeClr val="dk1"/>
+                          </a:solidFill>
+                          <a:latin typeface="Arial"/>
+                        </a:defRPr>
+                      </a:lvl8pPr>
+                      <a:lvl9pPr marL="3657600" algn="l" defTabSz="914400" rtl="0" eaLnBrk="1" latinLnBrk="0" hangingPunct="1">
+                        <a:defRPr sz="1800" kern="1200">
+                          <a:solidFill>
+                            <a:schemeClr val="dk1"/>
+                          </a:solidFill>
+                          <a:latin typeface="Arial"/>
+                        </a:defRPr>
+                      </a:lvl9pPr>
+                    </a:lstStyle>
+                    <a:p>
+                      <a:r>
+                        <a:rPr lang="en-US" sz="1200" dirty="0" smtClean="0"/>
+                        <a:t>Professional status</a:t>
+                      </a:r>
+                      <a:endParaRPr lang="en-US" sz="1200" dirty="0"/>
+                    </a:p>
+                  </a:txBody>
+                  <a:tcPr marT="34290" marB="34290">
+                    <a:lnL w="12700" cmpd="sng">
+                      <a:solidFill>
+                        <a:srgbClr val="93A299"/>
+                      </a:solidFill>
+                    </a:lnL>
+                    <a:lnR w="12700" cmpd="sng">
+                      <a:solidFill>
+                        <a:srgbClr val="93A299"/>
+                      </a:solidFill>
+                    </a:lnR>
+                    <a:lnT w="12700" cmpd="sng">
+                      <a:solidFill>
+                        <a:srgbClr val="93A299"/>
+                      </a:solidFill>
+                    </a:lnT>
+                    <a:lnB w="12700" cmpd="sng">
+                      <a:solidFill>
+                        <a:srgbClr val="93A299"/>
+                      </a:solidFill>
+                    </a:lnB>
+                    <a:lnTlToBr w="12700" cmpd="sng">
+                      <a:noFill/>
+                      <a:prstDash val="solid"/>
+                    </a:lnTlToBr>
+                    <a:lnBlToTr w="12700" cmpd="sng">
+                      <a:noFill/>
+                      <a:prstDash val="solid"/>
+                    </a:lnBlToTr>
+                    <a:solidFill>
+                      <a:srgbClr val="93A299">
+                        <a:tint val="20000"/>
+                      </a:srgbClr>
+                    </a:solidFill>
+                  </a:tcPr>
+                </a:tc>
+              </a:tr>
+              <a:tr h="278130">
+                <a:tc>
+                  <a:txBody>
+                    <a:bodyPr/>
+                    <a:lstStyle>
+                      <a:lvl1pPr marL="0" algn="l" defTabSz="914400" rtl="0" eaLnBrk="1" latinLnBrk="0" hangingPunct="1">
+                        <a:defRPr sz="1800" kern="1200">
+                          <a:solidFill>
+                            <a:schemeClr val="dk1"/>
+                          </a:solidFill>
+                          <a:latin typeface="Arial"/>
+                        </a:defRPr>
+                      </a:lvl1pPr>
+                      <a:lvl2pPr marL="457200" algn="l" defTabSz="914400" rtl="0" eaLnBrk="1" latinLnBrk="0" hangingPunct="1">
+                        <a:defRPr sz="1800" kern="1200">
+                          <a:solidFill>
+                            <a:schemeClr val="dk1"/>
+                          </a:solidFill>
+                          <a:latin typeface="Arial"/>
+                        </a:defRPr>
+                      </a:lvl2pPr>
+                      <a:lvl3pPr marL="914400" algn="l" defTabSz="914400" rtl="0" eaLnBrk="1" latinLnBrk="0" hangingPunct="1">
+                        <a:defRPr sz="1800" kern="1200">
+                          <a:solidFill>
+                            <a:schemeClr val="dk1"/>
+                          </a:solidFill>
+                          <a:latin typeface="Arial"/>
+                        </a:defRPr>
+                      </a:lvl3pPr>
+                      <a:lvl4pPr marL="1371600" algn="l" defTabSz="914400" rtl="0" eaLnBrk="1" latinLnBrk="0" hangingPunct="1">
+                        <a:defRPr sz="1800" kern="1200">
+                          <a:solidFill>
+                            <a:schemeClr val="dk1"/>
+                          </a:solidFill>
+                          <a:latin typeface="Arial"/>
+                        </a:defRPr>
+                      </a:lvl4pPr>
+                      <a:lvl5pPr marL="1828800" algn="l" defTabSz="914400" rtl="0" eaLnBrk="1" latinLnBrk="0" hangingPunct="1">
+                        <a:defRPr sz="1800" kern="1200">
+                          <a:solidFill>
+                            <a:schemeClr val="dk1"/>
+                          </a:solidFill>
+                          <a:latin typeface="Arial"/>
+                        </a:defRPr>
+                      </a:lvl5pPr>
+                      <a:lvl6pPr marL="2286000" algn="l" defTabSz="914400" rtl="0" eaLnBrk="1" latinLnBrk="0" hangingPunct="1">
+                        <a:defRPr sz="1800" kern="1200">
+                          <a:solidFill>
+                            <a:schemeClr val="dk1"/>
+                          </a:solidFill>
+                          <a:latin typeface="Arial"/>
+                        </a:defRPr>
+                      </a:lvl6pPr>
+                      <a:lvl7pPr marL="2743200" algn="l" defTabSz="914400" rtl="0" eaLnBrk="1" latinLnBrk="0" hangingPunct="1">
+                        <a:defRPr sz="1800" kern="1200">
+                          <a:solidFill>
+                            <a:schemeClr val="dk1"/>
+                          </a:solidFill>
+                          <a:latin typeface="Arial"/>
+                        </a:defRPr>
+                      </a:lvl7pPr>
+                      <a:lvl8pPr marL="3200400" algn="l" defTabSz="914400" rtl="0" eaLnBrk="1" latinLnBrk="0" hangingPunct="1">
+                        <a:defRPr sz="1800" kern="1200">
+                          <a:solidFill>
+                            <a:schemeClr val="dk1"/>
+                          </a:solidFill>
+                          <a:latin typeface="Arial"/>
+                        </a:defRPr>
+                      </a:lvl8pPr>
+                      <a:lvl9pPr marL="3657600" algn="l" defTabSz="914400" rtl="0" eaLnBrk="1" latinLnBrk="0" hangingPunct="1">
+                        <a:defRPr sz="1800" kern="1200">
+                          <a:solidFill>
+                            <a:schemeClr val="dk1"/>
+                          </a:solidFill>
+                          <a:latin typeface="Arial"/>
+                        </a:defRPr>
+                      </a:lvl9pPr>
+                    </a:lstStyle>
+                    <a:p>
+                      <a:r>
+                        <a:rPr lang="en-US" sz="1200" dirty="0" smtClean="0"/>
+                        <a:t>Expert</a:t>
+                      </a:r>
+                      <a:r>
+                        <a:rPr lang="en-US" sz="1200" baseline="0" dirty="0" smtClean="0"/>
+                        <a:t> in</a:t>
+                      </a:r>
+                      <a:endParaRPr lang="en-US" sz="1200" dirty="0"/>
+                    </a:p>
+                  </a:txBody>
+                  <a:tcPr marT="34290" marB="34290">
+                    <a:lnL w="12700" cmpd="sng">
+                      <a:solidFill>
+                        <a:srgbClr val="93A299"/>
+                      </a:solidFill>
+                    </a:lnL>
+                    <a:lnR w="12700" cmpd="sng">
+                      <a:solidFill>
+                        <a:srgbClr val="93A299"/>
+                      </a:solidFill>
+                    </a:lnR>
+                    <a:lnT w="12700" cmpd="sng">
+                      <a:solidFill>
+                        <a:srgbClr val="93A299"/>
+                      </a:solidFill>
+                    </a:lnT>
+                    <a:lnB w="12700" cmpd="sng">
+                      <a:solidFill>
+                        <a:srgbClr val="93A299"/>
+                      </a:solidFill>
+                    </a:lnB>
+                    <a:lnTlToBr w="12700" cmpd="sng">
+                      <a:noFill/>
+                      <a:prstDash val="solid"/>
+                    </a:lnTlToBr>
+                    <a:lnBlToTr w="12700" cmpd="sng">
+                      <a:noFill/>
+                      <a:prstDash val="solid"/>
+                    </a:lnBlToTr>
+                    <a:solidFill>
+                      <a:srgbClr val="FFFFFF"/>
+                    </a:solidFill>
+                  </a:tcPr>
+                </a:tc>
+              </a:tr>
+              <a:tr h="278130">
+                <a:tc>
+                  <a:txBody>
+                    <a:bodyPr/>
+                    <a:lstStyle>
+                      <a:lvl1pPr marL="0" algn="l" defTabSz="914400" rtl="0" eaLnBrk="1" latinLnBrk="0" hangingPunct="1">
+                        <a:defRPr sz="1800" kern="1200">
+                          <a:solidFill>
+                            <a:schemeClr val="dk1"/>
+                          </a:solidFill>
+                          <a:latin typeface="Arial"/>
+                        </a:defRPr>
+                      </a:lvl1pPr>
+                      <a:lvl2pPr marL="457200" algn="l" defTabSz="914400" rtl="0" eaLnBrk="1" latinLnBrk="0" hangingPunct="1">
+                        <a:defRPr sz="1800" kern="1200">
+                          <a:solidFill>
+                            <a:schemeClr val="dk1"/>
+                          </a:solidFill>
+                          <a:latin typeface="Arial"/>
+                        </a:defRPr>
+                      </a:lvl2pPr>
+                      <a:lvl3pPr marL="914400" algn="l" defTabSz="914400" rtl="0" eaLnBrk="1" latinLnBrk="0" hangingPunct="1">
+                        <a:defRPr sz="1800" kern="1200">
+                          <a:solidFill>
+                            <a:schemeClr val="dk1"/>
+                          </a:solidFill>
+                          <a:latin typeface="Arial"/>
+                        </a:defRPr>
+                      </a:lvl3pPr>
+                      <a:lvl4pPr marL="1371600" algn="l" defTabSz="914400" rtl="0" eaLnBrk="1" latinLnBrk="0" hangingPunct="1">
+                        <a:defRPr sz="1800" kern="1200">
+                          <a:solidFill>
+                            <a:schemeClr val="dk1"/>
+                          </a:solidFill>
+                          <a:latin typeface="Arial"/>
+                        </a:defRPr>
+                      </a:lvl4pPr>
+                      <a:lvl5pPr marL="1828800" algn="l" defTabSz="914400" rtl="0" eaLnBrk="1" latinLnBrk="0" hangingPunct="1">
+                        <a:defRPr sz="1800" kern="1200">
+                          <a:solidFill>
+                            <a:schemeClr val="dk1"/>
+                          </a:solidFill>
+                          <a:latin typeface="Arial"/>
+                        </a:defRPr>
+                      </a:lvl5pPr>
+                      <a:lvl6pPr marL="2286000" algn="l" defTabSz="914400" rtl="0" eaLnBrk="1" latinLnBrk="0" hangingPunct="1">
+                        <a:defRPr sz="1800" kern="1200">
+                          <a:solidFill>
+                            <a:schemeClr val="dk1"/>
+                          </a:solidFill>
+                          <a:latin typeface="Arial"/>
+                        </a:defRPr>
+                      </a:lvl6pPr>
+                      <a:lvl7pPr marL="2743200" algn="l" defTabSz="914400" rtl="0" eaLnBrk="1" latinLnBrk="0" hangingPunct="1">
+                        <a:defRPr sz="1800" kern="1200">
+                          <a:solidFill>
+                            <a:schemeClr val="dk1"/>
+                          </a:solidFill>
+                          <a:latin typeface="Arial"/>
+                        </a:defRPr>
+                      </a:lvl7pPr>
+                      <a:lvl8pPr marL="3200400" algn="l" defTabSz="914400" rtl="0" eaLnBrk="1" latinLnBrk="0" hangingPunct="1">
+                        <a:defRPr sz="1800" kern="1200">
+                          <a:solidFill>
+                            <a:schemeClr val="dk1"/>
+                          </a:solidFill>
+                          <a:latin typeface="Arial"/>
+                        </a:defRPr>
+                      </a:lvl8pPr>
+                      <a:lvl9pPr marL="3657600" algn="l" defTabSz="914400" rtl="0" eaLnBrk="1" latinLnBrk="0" hangingPunct="1">
+                        <a:defRPr sz="1800" kern="1200">
+                          <a:solidFill>
+                            <a:schemeClr val="dk1"/>
+                          </a:solidFill>
+                          <a:latin typeface="Arial"/>
+                        </a:defRPr>
+                      </a:lvl9pPr>
+                    </a:lstStyle>
+                    <a:p>
+                      <a:r>
+                        <a:rPr lang="en-US" sz="1200" dirty="0" smtClean="0"/>
+                        <a:t>Summary</a:t>
+                      </a:r>
+                      <a:endParaRPr lang="en-US" sz="1200" dirty="0"/>
+                    </a:p>
+                  </a:txBody>
+                  <a:tcPr marT="34290" marB="34290">
+                    <a:lnL w="12700" cmpd="sng">
+                      <a:solidFill>
+                        <a:srgbClr val="93A299"/>
+                      </a:solidFill>
+                    </a:lnL>
+                    <a:lnR w="12700" cmpd="sng">
+                      <a:solidFill>
+                        <a:srgbClr val="93A299"/>
+                      </a:solidFill>
+                    </a:lnR>
+                    <a:lnT w="12700" cmpd="sng">
+                      <a:solidFill>
+                        <a:srgbClr val="93A299"/>
+                      </a:solidFill>
+                    </a:lnT>
+                    <a:lnB w="12700" cmpd="sng">
+                      <a:solidFill>
+                        <a:srgbClr val="93A299"/>
+                      </a:solidFill>
+                    </a:lnB>
+                    <a:lnTlToBr w="12700" cmpd="sng">
+                      <a:noFill/>
+                      <a:prstDash val="solid"/>
+                    </a:lnTlToBr>
+                    <a:lnBlToTr w="12700" cmpd="sng">
+                      <a:noFill/>
+                      <a:prstDash val="solid"/>
+                    </a:lnBlToTr>
+                    <a:solidFill>
+                      <a:srgbClr val="93A299">
+                        <a:tint val="20000"/>
+                      </a:srgbClr>
+                    </a:solidFill>
+                  </a:tcPr>
+                </a:tc>
+              </a:tr>
+              <a:tr h="278130">
+                <a:tc>
+                  <a:txBody>
+                    <a:bodyPr/>
+                    <a:lstStyle>
+                      <a:lvl1pPr marL="0" algn="l" defTabSz="914400" rtl="0" eaLnBrk="1" latinLnBrk="0" hangingPunct="1">
+                        <a:defRPr sz="1800" kern="1200">
+                          <a:solidFill>
+                            <a:schemeClr val="dk1"/>
+                          </a:solidFill>
+                          <a:latin typeface="Arial"/>
+                        </a:defRPr>
+                      </a:lvl1pPr>
+                      <a:lvl2pPr marL="457200" algn="l" defTabSz="914400" rtl="0" eaLnBrk="1" latinLnBrk="0" hangingPunct="1">
+                        <a:defRPr sz="1800" kern="1200">
+                          <a:solidFill>
+                            <a:schemeClr val="dk1"/>
+                          </a:solidFill>
+                          <a:latin typeface="Arial"/>
+                        </a:defRPr>
+                      </a:lvl2pPr>
+                      <a:lvl3pPr marL="914400" algn="l" defTabSz="914400" rtl="0" eaLnBrk="1" latinLnBrk="0" hangingPunct="1">
+                        <a:defRPr sz="1800" kern="1200">
+                          <a:solidFill>
+                            <a:schemeClr val="dk1"/>
+                          </a:solidFill>
+                          <a:latin typeface="Arial"/>
+                        </a:defRPr>
+                      </a:lvl3pPr>
+                      <a:lvl4pPr marL="1371600" algn="l" defTabSz="914400" rtl="0" eaLnBrk="1" latinLnBrk="0" hangingPunct="1">
+                        <a:defRPr sz="1800" kern="1200">
+                          <a:solidFill>
+                            <a:schemeClr val="dk1"/>
+                          </a:solidFill>
+                          <a:latin typeface="Arial"/>
+                        </a:defRPr>
+                      </a:lvl4pPr>
+                      <a:lvl5pPr marL="1828800" algn="l" defTabSz="914400" rtl="0" eaLnBrk="1" latinLnBrk="0" hangingPunct="1">
+                        <a:defRPr sz="1800" kern="1200">
+                          <a:solidFill>
+                            <a:schemeClr val="dk1"/>
+                          </a:solidFill>
+                          <a:latin typeface="Arial"/>
+                        </a:defRPr>
+                      </a:lvl5pPr>
+                      <a:lvl6pPr marL="2286000" algn="l" defTabSz="914400" rtl="0" eaLnBrk="1" latinLnBrk="0" hangingPunct="1">
+                        <a:defRPr sz="1800" kern="1200">
+                          <a:solidFill>
+                            <a:schemeClr val="dk1"/>
+                          </a:solidFill>
+                          <a:latin typeface="Arial"/>
+                        </a:defRPr>
+                      </a:lvl6pPr>
+                      <a:lvl7pPr marL="2743200" algn="l" defTabSz="914400" rtl="0" eaLnBrk="1" latinLnBrk="0" hangingPunct="1">
+                        <a:defRPr sz="1800" kern="1200">
+                          <a:solidFill>
+                            <a:schemeClr val="dk1"/>
+                          </a:solidFill>
+                          <a:latin typeface="Arial"/>
+                        </a:defRPr>
+                      </a:lvl7pPr>
+                      <a:lvl8pPr marL="3200400" algn="l" defTabSz="914400" rtl="0" eaLnBrk="1" latinLnBrk="0" hangingPunct="1">
+                        <a:defRPr sz="1800" kern="1200">
+                          <a:solidFill>
+                            <a:schemeClr val="dk1"/>
+                          </a:solidFill>
+                          <a:latin typeface="Arial"/>
+                        </a:defRPr>
+                      </a:lvl8pPr>
+                      <a:lvl9pPr marL="3657600" algn="l" defTabSz="914400" rtl="0" eaLnBrk="1" latinLnBrk="0" hangingPunct="1">
+                        <a:defRPr sz="1800" kern="1200">
+                          <a:solidFill>
+                            <a:schemeClr val="dk1"/>
+                          </a:solidFill>
+                          <a:latin typeface="Arial"/>
+                        </a:defRPr>
+                      </a:lvl9pPr>
+                    </a:lstStyle>
+                    <a:p>
+                      <a:r>
+                        <a:rPr lang="en-US" sz="1200" dirty="0" smtClean="0"/>
+                        <a:t>Specialties</a:t>
+                      </a:r>
+                      <a:endParaRPr lang="en-US" sz="1200" dirty="0"/>
+                    </a:p>
+                  </a:txBody>
+                  <a:tcPr marT="34290" marB="34290">
+                    <a:lnL w="12700" cmpd="sng">
+                      <a:solidFill>
+                        <a:srgbClr val="93A299"/>
+                      </a:solidFill>
+                    </a:lnL>
+                    <a:lnR w="12700" cmpd="sng">
+                      <a:solidFill>
+                        <a:srgbClr val="93A299"/>
+                      </a:solidFill>
+                    </a:lnR>
+                    <a:lnT w="12700" cmpd="sng">
+                      <a:solidFill>
+                        <a:srgbClr val="93A299"/>
+                      </a:solidFill>
+                    </a:lnT>
+                    <a:lnB w="12700" cmpd="sng">
+                      <a:solidFill>
+                        <a:srgbClr val="93A299"/>
+                      </a:solidFill>
+                    </a:lnB>
+                    <a:lnTlToBr w="12700" cmpd="sng">
+                      <a:noFill/>
+                      <a:prstDash val="solid"/>
+                    </a:lnTlToBr>
+                    <a:lnBlToTr w="12700" cmpd="sng">
+                      <a:noFill/>
+                      <a:prstDash val="solid"/>
+                    </a:lnBlToTr>
+                    <a:solidFill>
+                      <a:srgbClr val="FFFFFF"/>
+                    </a:solidFill>
+                  </a:tcPr>
+                </a:tc>
+              </a:tr>
+            </a:tbl>
+          </a:graphicData>
+        </a:graphic>
+      </p:graphicFrame>
+      <p:graphicFrame>
+        <p:nvGraphicFramePr>
+          <p:cNvPr id="20" name="Content Placeholder 3"/>
+          <p:cNvGraphicFramePr>
+            <a:graphicFrameLocks/>
+          </p:cNvGraphicFramePr>
+          <p:nvPr>
+            <p:extLst>
+              <p:ext uri="{D42A27DB-BD31-4B8C-83A1-F6EECF244321}">
+                <p14:modId xmlns:p14="http://schemas.microsoft.com/office/powerpoint/2010/main" val="3612701925"/>
+              </p:ext>
+            </p:extLst>
+          </p:nvPr>
+        </p:nvGraphicFramePr>
+        <p:xfrm>
+          <a:off x="4641532" y="1028700"/>
+          <a:ext cx="2216468" cy="2225040"/>
+        </p:xfrm>
+        <a:graphic>
+          <a:graphicData uri="http://schemas.openxmlformats.org/drawingml/2006/table">
+            <a:tbl>
+              <a:tblPr firstRow="1" bandRow="1"/>
+              <a:tblGrid>
+                <a:gridCol w="2216468"/>
+              </a:tblGrid>
+              <a:tr h="278130">
+                <a:tc>
+                  <a:txBody>
+                    <a:bodyPr/>
+                    <a:lstStyle>
+                      <a:lvl1pPr marL="0" algn="l" defTabSz="914400" rtl="0" eaLnBrk="1" latinLnBrk="0" hangingPunct="1">
+                        <a:defRPr sz="1800" b="1" kern="1200">
+                          <a:solidFill>
+                            <a:schemeClr val="lt1"/>
+                          </a:solidFill>
+                          <a:latin typeface="Arial"/>
+                        </a:defRPr>
+                      </a:lvl1pPr>
+                      <a:lvl2pPr marL="457200" algn="l" defTabSz="914400" rtl="0" eaLnBrk="1" latinLnBrk="0" hangingPunct="1">
+                        <a:defRPr sz="1800" b="1" kern="1200">
+                          <a:solidFill>
+                            <a:schemeClr val="lt1"/>
+                          </a:solidFill>
+                          <a:latin typeface="Arial"/>
+                        </a:defRPr>
+                      </a:lvl2pPr>
+                      <a:lvl3pPr marL="914400" algn="l" defTabSz="914400" rtl="0" eaLnBrk="1" latinLnBrk="0" hangingPunct="1">
+                        <a:defRPr sz="1800" b="1" kern="1200">
+                          <a:solidFill>
+                            <a:schemeClr val="lt1"/>
+                          </a:solidFill>
+                          <a:latin typeface="Arial"/>
+                        </a:defRPr>
+                      </a:lvl3pPr>
+                      <a:lvl4pPr marL="1371600" algn="l" defTabSz="914400" rtl="0" eaLnBrk="1" latinLnBrk="0" hangingPunct="1">
+                        <a:defRPr sz="1800" b="1" kern="1200">
+                          <a:solidFill>
+                            <a:schemeClr val="lt1"/>
+                          </a:solidFill>
+                          <a:latin typeface="Arial"/>
+                        </a:defRPr>
+                      </a:lvl4pPr>
+                      <a:lvl5pPr marL="1828800" algn="l" defTabSz="914400" rtl="0" eaLnBrk="1" latinLnBrk="0" hangingPunct="1">
+                        <a:defRPr sz="1800" b="1" kern="1200">
+                          <a:solidFill>
+                            <a:schemeClr val="lt1"/>
+                          </a:solidFill>
+                          <a:latin typeface="Arial"/>
+                        </a:defRPr>
+                      </a:lvl5pPr>
+                      <a:lvl6pPr marL="2286000" algn="l" defTabSz="914400" rtl="0" eaLnBrk="1" latinLnBrk="0" hangingPunct="1">
+                        <a:defRPr sz="1800" b="1" kern="1200">
+                          <a:solidFill>
+                            <a:schemeClr val="lt1"/>
+                          </a:solidFill>
+                          <a:latin typeface="Arial"/>
+                        </a:defRPr>
+                      </a:lvl6pPr>
+                      <a:lvl7pPr marL="2743200" algn="l" defTabSz="914400" rtl="0" eaLnBrk="1" latinLnBrk="0" hangingPunct="1">
+                        <a:defRPr sz="1800" b="1" kern="1200">
+                          <a:solidFill>
+                            <a:schemeClr val="lt1"/>
+                          </a:solidFill>
+                          <a:latin typeface="Arial"/>
+                        </a:defRPr>
+                      </a:lvl7pPr>
+                      <a:lvl8pPr marL="3200400" algn="l" defTabSz="914400" rtl="0" eaLnBrk="1" latinLnBrk="0" hangingPunct="1">
+                        <a:defRPr sz="1800" b="1" kern="1200">
+                          <a:solidFill>
+                            <a:schemeClr val="lt1"/>
+                          </a:solidFill>
+                          <a:latin typeface="Arial"/>
+                        </a:defRPr>
+                      </a:lvl8pPr>
+                      <a:lvl9pPr marL="3657600" algn="l" defTabSz="914400" rtl="0" eaLnBrk="1" latinLnBrk="0" hangingPunct="1">
+                        <a:defRPr sz="1800" b="1" kern="1200">
+                          <a:solidFill>
+                            <a:schemeClr val="lt1"/>
+                          </a:solidFill>
+                          <a:latin typeface="Arial"/>
+                        </a:defRPr>
+                      </a:lvl9pPr>
+                    </a:lstStyle>
+                    <a:p>
+                      <a:r>
+                        <a:rPr lang="en-US" sz="1200" dirty="0" smtClean="0"/>
+                        <a:t>Work history</a:t>
+                      </a:r>
+                      <a:endParaRPr lang="en-US" sz="1200" dirty="0"/>
+                    </a:p>
+                  </a:txBody>
+                  <a:tcPr marT="34290" marB="34290">
+                    <a:lnL w="12700" cmpd="sng">
+                      <a:solidFill>
+                        <a:srgbClr val="93A299"/>
+                      </a:solidFill>
+                    </a:lnL>
+                    <a:lnR w="12700" cmpd="sng">
+                      <a:solidFill>
+                        <a:srgbClr val="93A299"/>
+                      </a:solidFill>
+                    </a:lnR>
+                    <a:lnT w="12700" cmpd="sng">
+                      <a:solidFill>
+                        <a:srgbClr val="93A299"/>
+                      </a:solidFill>
+                    </a:lnT>
+                    <a:lnB w="12700" cmpd="sng">
+                      <a:solidFill>
+                        <a:srgbClr val="93A299"/>
+                      </a:solidFill>
+                    </a:lnB>
+                    <a:lnTlToBr w="12700" cmpd="sng">
+                      <a:noFill/>
+                      <a:prstDash val="solid"/>
+                    </a:lnTlToBr>
+                    <a:lnBlToTr w="12700" cmpd="sng">
+                      <a:noFill/>
+                      <a:prstDash val="solid"/>
+                    </a:lnBlToTr>
+                    <a:solidFill>
+                      <a:srgbClr val="93A299"/>
+                    </a:solidFill>
+                  </a:tcPr>
+                </a:tc>
+              </a:tr>
+              <a:tr h="278130">
+                <a:tc>
+                  <a:txBody>
+                    <a:bodyPr/>
+                    <a:lstStyle>
+                      <a:lvl1pPr marL="0" algn="l" defTabSz="914400" rtl="0" eaLnBrk="1" latinLnBrk="0" hangingPunct="1">
+                        <a:defRPr sz="1800" kern="1200">
+                          <a:solidFill>
+                            <a:schemeClr val="dk1"/>
+                          </a:solidFill>
+                          <a:latin typeface="Arial"/>
+                        </a:defRPr>
+                      </a:lvl1pPr>
+                      <a:lvl2pPr marL="457200" algn="l" defTabSz="914400" rtl="0" eaLnBrk="1" latinLnBrk="0" hangingPunct="1">
+                        <a:defRPr sz="1800" kern="1200">
+                          <a:solidFill>
+                            <a:schemeClr val="dk1"/>
+                          </a:solidFill>
+                          <a:latin typeface="Arial"/>
+                        </a:defRPr>
+                      </a:lvl2pPr>
+                      <a:lvl3pPr marL="914400" algn="l" defTabSz="914400" rtl="0" eaLnBrk="1" latinLnBrk="0" hangingPunct="1">
+                        <a:defRPr sz="1800" kern="1200">
+                          <a:solidFill>
+                            <a:schemeClr val="dk1"/>
+                          </a:solidFill>
+                          <a:latin typeface="Arial"/>
+                        </a:defRPr>
+                      </a:lvl3pPr>
+                      <a:lvl4pPr marL="1371600" algn="l" defTabSz="914400" rtl="0" eaLnBrk="1" latinLnBrk="0" hangingPunct="1">
+                        <a:defRPr sz="1800" kern="1200">
+                          <a:solidFill>
+                            <a:schemeClr val="dk1"/>
+                          </a:solidFill>
+                          <a:latin typeface="Arial"/>
+                        </a:defRPr>
+                      </a:lvl4pPr>
+                      <a:lvl5pPr marL="1828800" algn="l" defTabSz="914400" rtl="0" eaLnBrk="1" latinLnBrk="0" hangingPunct="1">
+                        <a:defRPr sz="1800" kern="1200">
+                          <a:solidFill>
+                            <a:schemeClr val="dk1"/>
+                          </a:solidFill>
+                          <a:latin typeface="Arial"/>
+                        </a:defRPr>
+                      </a:lvl5pPr>
+                      <a:lvl6pPr marL="2286000" algn="l" defTabSz="914400" rtl="0" eaLnBrk="1" latinLnBrk="0" hangingPunct="1">
+                        <a:defRPr sz="1800" kern="1200">
+                          <a:solidFill>
+                            <a:schemeClr val="dk1"/>
+                          </a:solidFill>
+                          <a:latin typeface="Arial"/>
+                        </a:defRPr>
+                      </a:lvl6pPr>
+                      <a:lvl7pPr marL="2743200" algn="l" defTabSz="914400" rtl="0" eaLnBrk="1" latinLnBrk="0" hangingPunct="1">
+                        <a:defRPr sz="1800" kern="1200">
+                          <a:solidFill>
+                            <a:schemeClr val="dk1"/>
+                          </a:solidFill>
+                          <a:latin typeface="Arial"/>
+                        </a:defRPr>
+                      </a:lvl7pPr>
+                      <a:lvl8pPr marL="3200400" algn="l" defTabSz="914400" rtl="0" eaLnBrk="1" latinLnBrk="0" hangingPunct="1">
+                        <a:defRPr sz="1800" kern="1200">
+                          <a:solidFill>
+                            <a:schemeClr val="dk1"/>
+                          </a:solidFill>
+                          <a:latin typeface="Arial"/>
+                        </a:defRPr>
+                      </a:lvl8pPr>
+                      <a:lvl9pPr marL="3657600" algn="l" defTabSz="914400" rtl="0" eaLnBrk="1" latinLnBrk="0" hangingPunct="1">
+                        <a:defRPr sz="1800" kern="1200">
+                          <a:solidFill>
+                            <a:schemeClr val="dk1"/>
+                          </a:solidFill>
+                          <a:latin typeface="Arial"/>
+                        </a:defRPr>
+                      </a:lvl9pPr>
+                    </a:lstStyle>
+                    <a:p>
+                      <a:r>
+                        <a:rPr lang="en-US" sz="1200" dirty="0" smtClean="0"/>
+                        <a:t>Company</a:t>
+                      </a:r>
+                      <a:endParaRPr lang="en-US" sz="1200" dirty="0"/>
+                    </a:p>
+                  </a:txBody>
+                  <a:tcPr marT="34290" marB="34290">
+                    <a:lnL w="12700" cmpd="sng">
+                      <a:solidFill>
+                        <a:srgbClr val="93A299"/>
+                      </a:solidFill>
+                    </a:lnL>
+                    <a:lnR w="12700" cmpd="sng">
+                      <a:solidFill>
+                        <a:srgbClr val="93A299"/>
+                      </a:solidFill>
+                    </a:lnR>
+                    <a:lnT w="12700" cmpd="sng">
+                      <a:solidFill>
+                        <a:srgbClr val="93A299"/>
+                      </a:solidFill>
+                    </a:lnT>
+                    <a:lnB w="12700" cmpd="sng">
+                      <a:solidFill>
+                        <a:srgbClr val="93A299"/>
+                      </a:solidFill>
+                    </a:lnB>
+                    <a:lnTlToBr w="12700" cmpd="sng">
+                      <a:noFill/>
+                      <a:prstDash val="solid"/>
+                    </a:lnTlToBr>
+                    <a:lnBlToTr w="12700" cmpd="sng">
+                      <a:noFill/>
+                      <a:prstDash val="solid"/>
+                    </a:lnBlToTr>
+                    <a:solidFill>
+                      <a:srgbClr val="93A299">
+                        <a:tint val="20000"/>
+                      </a:srgbClr>
+                    </a:solidFill>
+                  </a:tcPr>
+                </a:tc>
+              </a:tr>
+              <a:tr h="278130">
+                <a:tc>
+                  <a:txBody>
+                    <a:bodyPr/>
+                    <a:lstStyle>
+                      <a:lvl1pPr marL="0" algn="l" defTabSz="914400" rtl="0" eaLnBrk="1" latinLnBrk="0" hangingPunct="1">
+                        <a:defRPr sz="1800" kern="1200">
+                          <a:solidFill>
+                            <a:schemeClr val="dk1"/>
+                          </a:solidFill>
+                          <a:latin typeface="Arial"/>
+                        </a:defRPr>
+                      </a:lvl1pPr>
+                      <a:lvl2pPr marL="457200" algn="l" defTabSz="914400" rtl="0" eaLnBrk="1" latinLnBrk="0" hangingPunct="1">
+                        <a:defRPr sz="1800" kern="1200">
+                          <a:solidFill>
+                            <a:schemeClr val="dk1"/>
+                          </a:solidFill>
+                          <a:latin typeface="Arial"/>
+                        </a:defRPr>
+                      </a:lvl2pPr>
+                      <a:lvl3pPr marL="914400" algn="l" defTabSz="914400" rtl="0" eaLnBrk="1" latinLnBrk="0" hangingPunct="1">
+                        <a:defRPr sz="1800" kern="1200">
+                          <a:solidFill>
+                            <a:schemeClr val="dk1"/>
+                          </a:solidFill>
+                          <a:latin typeface="Arial"/>
+                        </a:defRPr>
+                      </a:lvl3pPr>
+                      <a:lvl4pPr marL="1371600" algn="l" defTabSz="914400" rtl="0" eaLnBrk="1" latinLnBrk="0" hangingPunct="1">
+                        <a:defRPr sz="1800" kern="1200">
+                          <a:solidFill>
+                            <a:schemeClr val="dk1"/>
+                          </a:solidFill>
+                          <a:latin typeface="Arial"/>
+                        </a:defRPr>
+                      </a:lvl4pPr>
+                      <a:lvl5pPr marL="1828800" algn="l" defTabSz="914400" rtl="0" eaLnBrk="1" latinLnBrk="0" hangingPunct="1">
+                        <a:defRPr sz="1800" kern="1200">
+                          <a:solidFill>
+                            <a:schemeClr val="dk1"/>
+                          </a:solidFill>
+                          <a:latin typeface="Arial"/>
+                        </a:defRPr>
+                      </a:lvl5pPr>
+                      <a:lvl6pPr marL="2286000" algn="l" defTabSz="914400" rtl="0" eaLnBrk="1" latinLnBrk="0" hangingPunct="1">
+                        <a:defRPr sz="1800" kern="1200">
+                          <a:solidFill>
+                            <a:schemeClr val="dk1"/>
+                          </a:solidFill>
+                          <a:latin typeface="Arial"/>
+                        </a:defRPr>
+                      </a:lvl6pPr>
+                      <a:lvl7pPr marL="2743200" algn="l" defTabSz="914400" rtl="0" eaLnBrk="1" latinLnBrk="0" hangingPunct="1">
+                        <a:defRPr sz="1800" kern="1200">
+                          <a:solidFill>
+                            <a:schemeClr val="dk1"/>
+                          </a:solidFill>
+                          <a:latin typeface="Arial"/>
+                        </a:defRPr>
+                      </a:lvl7pPr>
+                      <a:lvl8pPr marL="3200400" algn="l" defTabSz="914400" rtl="0" eaLnBrk="1" latinLnBrk="0" hangingPunct="1">
+                        <a:defRPr sz="1800" kern="1200">
+                          <a:solidFill>
+                            <a:schemeClr val="dk1"/>
+                          </a:solidFill>
+                          <a:latin typeface="Arial"/>
+                        </a:defRPr>
+                      </a:lvl8pPr>
+                      <a:lvl9pPr marL="3657600" algn="l" defTabSz="914400" rtl="0" eaLnBrk="1" latinLnBrk="0" hangingPunct="1">
+                        <a:defRPr sz="1800" kern="1200">
+                          <a:solidFill>
+                            <a:schemeClr val="dk1"/>
+                          </a:solidFill>
+                          <a:latin typeface="Arial"/>
+                        </a:defRPr>
+                      </a:lvl9pPr>
+                    </a:lstStyle>
+                    <a:p>
+                      <a:r>
+                        <a:rPr lang="en-US" sz="1200" dirty="0" smtClean="0"/>
+                        <a:t>Job title</a:t>
+                      </a:r>
+                      <a:endParaRPr lang="en-US" sz="1200" dirty="0"/>
+                    </a:p>
+                  </a:txBody>
+                  <a:tcPr marT="34290" marB="34290">
+                    <a:lnL w="12700" cmpd="sng">
+                      <a:solidFill>
+                        <a:srgbClr val="93A299"/>
+                      </a:solidFill>
+                    </a:lnL>
+                    <a:lnR w="12700" cmpd="sng">
+                      <a:solidFill>
+                        <a:srgbClr val="93A299"/>
+                      </a:solidFill>
+                    </a:lnR>
+                    <a:lnT w="12700" cmpd="sng">
+                      <a:solidFill>
+                        <a:srgbClr val="93A299"/>
+                      </a:solidFill>
+                    </a:lnT>
+                    <a:lnB w="12700" cmpd="sng">
+                      <a:solidFill>
+                        <a:srgbClr val="93A299"/>
+                      </a:solidFill>
+                    </a:lnB>
+                    <a:lnTlToBr w="12700" cmpd="sng">
+                      <a:noFill/>
+                      <a:prstDash val="solid"/>
+                    </a:lnTlToBr>
+                    <a:lnBlToTr w="12700" cmpd="sng">
+                      <a:noFill/>
+                      <a:prstDash val="solid"/>
+                    </a:lnBlToTr>
+                    <a:solidFill>
+                      <a:srgbClr val="FFFFFF"/>
+                    </a:solidFill>
+                  </a:tcPr>
+                </a:tc>
+              </a:tr>
+              <a:tr h="278130">
+                <a:tc>
+                  <a:txBody>
+                    <a:bodyPr/>
+                    <a:lstStyle>
+                      <a:lvl1pPr marL="0" algn="l" defTabSz="914400" rtl="0" eaLnBrk="1" latinLnBrk="0" hangingPunct="1">
+                        <a:defRPr sz="1800" kern="1200">
+                          <a:solidFill>
+                            <a:schemeClr val="dk1"/>
+                          </a:solidFill>
+                          <a:latin typeface="Arial"/>
+                        </a:defRPr>
+                      </a:lvl1pPr>
+                      <a:lvl2pPr marL="457200" algn="l" defTabSz="914400" rtl="0" eaLnBrk="1" latinLnBrk="0" hangingPunct="1">
+                        <a:defRPr sz="1800" kern="1200">
+                          <a:solidFill>
+                            <a:schemeClr val="dk1"/>
+                          </a:solidFill>
+                          <a:latin typeface="Arial"/>
+                        </a:defRPr>
+                      </a:lvl2pPr>
+                      <a:lvl3pPr marL="914400" algn="l" defTabSz="914400" rtl="0" eaLnBrk="1" latinLnBrk="0" hangingPunct="1">
+                        <a:defRPr sz="1800" kern="1200">
+                          <a:solidFill>
+                            <a:schemeClr val="dk1"/>
+                          </a:solidFill>
+                          <a:latin typeface="Arial"/>
+                        </a:defRPr>
+                      </a:lvl3pPr>
+                      <a:lvl4pPr marL="1371600" algn="l" defTabSz="914400" rtl="0" eaLnBrk="1" latinLnBrk="0" hangingPunct="1">
+                        <a:defRPr sz="1800" kern="1200">
+                          <a:solidFill>
+                            <a:schemeClr val="dk1"/>
+                          </a:solidFill>
+                          <a:latin typeface="Arial"/>
+                        </a:defRPr>
+                      </a:lvl4pPr>
+                      <a:lvl5pPr marL="1828800" algn="l" defTabSz="914400" rtl="0" eaLnBrk="1" latinLnBrk="0" hangingPunct="1">
+                        <a:defRPr sz="1800" kern="1200">
+                          <a:solidFill>
+                            <a:schemeClr val="dk1"/>
+                          </a:solidFill>
+                          <a:latin typeface="Arial"/>
+                        </a:defRPr>
+                      </a:lvl5pPr>
+                      <a:lvl6pPr marL="2286000" algn="l" defTabSz="914400" rtl="0" eaLnBrk="1" latinLnBrk="0" hangingPunct="1">
+                        <a:defRPr sz="1800" kern="1200">
+                          <a:solidFill>
+                            <a:schemeClr val="dk1"/>
+                          </a:solidFill>
+                          <a:latin typeface="Arial"/>
+                        </a:defRPr>
+                      </a:lvl6pPr>
+                      <a:lvl7pPr marL="2743200" algn="l" defTabSz="914400" rtl="0" eaLnBrk="1" latinLnBrk="0" hangingPunct="1">
+                        <a:defRPr sz="1800" kern="1200">
+                          <a:solidFill>
+                            <a:schemeClr val="dk1"/>
+                          </a:solidFill>
+                          <a:latin typeface="Arial"/>
+                        </a:defRPr>
+                      </a:lvl7pPr>
+                      <a:lvl8pPr marL="3200400" algn="l" defTabSz="914400" rtl="0" eaLnBrk="1" latinLnBrk="0" hangingPunct="1">
+                        <a:defRPr sz="1800" kern="1200">
+                          <a:solidFill>
+                            <a:schemeClr val="dk1"/>
+                          </a:solidFill>
+                          <a:latin typeface="Arial"/>
+                        </a:defRPr>
+                      </a:lvl8pPr>
+                      <a:lvl9pPr marL="3657600" algn="l" defTabSz="914400" rtl="0" eaLnBrk="1" latinLnBrk="0" hangingPunct="1">
+                        <a:defRPr sz="1800" kern="1200">
+                          <a:solidFill>
+                            <a:schemeClr val="dk1"/>
+                          </a:solidFill>
+                          <a:latin typeface="Arial"/>
+                        </a:defRPr>
+                      </a:lvl9pPr>
+                    </a:lstStyle>
+                    <a:p>
+                      <a:r>
+                        <a:rPr lang="en-US" sz="1200" dirty="0" smtClean="0"/>
+                        <a:t>Current work there?</a:t>
+                      </a:r>
+                      <a:endParaRPr lang="en-US" sz="1200" dirty="0"/>
+                    </a:p>
+                  </a:txBody>
+                  <a:tcPr marT="34290" marB="34290">
+                    <a:lnL w="12700" cmpd="sng">
+                      <a:solidFill>
+                        <a:srgbClr val="93A299"/>
+                      </a:solidFill>
+                    </a:lnL>
+                    <a:lnR w="12700" cmpd="sng">
+                      <a:solidFill>
+                        <a:srgbClr val="93A299"/>
+                      </a:solidFill>
+                    </a:lnR>
+                    <a:lnT w="12700" cmpd="sng">
+                      <a:solidFill>
+                        <a:srgbClr val="93A299"/>
+                      </a:solidFill>
+                    </a:lnT>
+                    <a:lnB w="12700" cmpd="sng">
+                      <a:solidFill>
+                        <a:srgbClr val="93A299"/>
+                      </a:solidFill>
+                    </a:lnB>
+                    <a:lnTlToBr w="12700" cmpd="sng">
+                      <a:noFill/>
+                      <a:prstDash val="solid"/>
+                    </a:lnTlToBr>
+                    <a:lnBlToTr w="12700" cmpd="sng">
+                      <a:noFill/>
+                      <a:prstDash val="solid"/>
+                    </a:lnBlToTr>
+                    <a:solidFill>
+                      <a:srgbClr val="93A299">
+                        <a:tint val="20000"/>
+                      </a:srgbClr>
+                    </a:solidFill>
+                  </a:tcPr>
+                </a:tc>
+              </a:tr>
+              <a:tr h="278130">
+                <a:tc>
+                  <a:txBody>
+                    <a:bodyPr/>
+                    <a:lstStyle>
+                      <a:lvl1pPr marL="0" algn="l" defTabSz="914400" rtl="0" eaLnBrk="1" latinLnBrk="0" hangingPunct="1">
+                        <a:defRPr sz="1800" kern="1200">
+                          <a:solidFill>
+                            <a:schemeClr val="dk1"/>
+                          </a:solidFill>
+                          <a:latin typeface="Arial"/>
+                        </a:defRPr>
+                      </a:lvl1pPr>
+                      <a:lvl2pPr marL="457200" algn="l" defTabSz="914400" rtl="0" eaLnBrk="1" latinLnBrk="0" hangingPunct="1">
+                        <a:defRPr sz="1800" kern="1200">
+                          <a:solidFill>
+                            <a:schemeClr val="dk1"/>
+                          </a:solidFill>
+                          <a:latin typeface="Arial"/>
+                        </a:defRPr>
+                      </a:lvl2pPr>
+                      <a:lvl3pPr marL="914400" algn="l" defTabSz="914400" rtl="0" eaLnBrk="1" latinLnBrk="0" hangingPunct="1">
+                        <a:defRPr sz="1800" kern="1200">
+                          <a:solidFill>
+                            <a:schemeClr val="dk1"/>
+                          </a:solidFill>
+                          <a:latin typeface="Arial"/>
+                        </a:defRPr>
+                      </a:lvl3pPr>
+                      <a:lvl4pPr marL="1371600" algn="l" defTabSz="914400" rtl="0" eaLnBrk="1" latinLnBrk="0" hangingPunct="1">
+                        <a:defRPr sz="1800" kern="1200">
+                          <a:solidFill>
+                            <a:schemeClr val="dk1"/>
+                          </a:solidFill>
+                          <a:latin typeface="Arial"/>
+                        </a:defRPr>
+                      </a:lvl4pPr>
+                      <a:lvl5pPr marL="1828800" algn="l" defTabSz="914400" rtl="0" eaLnBrk="1" latinLnBrk="0" hangingPunct="1">
+                        <a:defRPr sz="1800" kern="1200">
+                          <a:solidFill>
+                            <a:schemeClr val="dk1"/>
+                          </a:solidFill>
+                          <a:latin typeface="Arial"/>
+                        </a:defRPr>
+                      </a:lvl5pPr>
+                      <a:lvl6pPr marL="2286000" algn="l" defTabSz="914400" rtl="0" eaLnBrk="1" latinLnBrk="0" hangingPunct="1">
+                        <a:defRPr sz="1800" kern="1200">
+                          <a:solidFill>
+                            <a:schemeClr val="dk1"/>
+                          </a:solidFill>
+                          <a:latin typeface="Arial"/>
+                        </a:defRPr>
+                      </a:lvl6pPr>
+                      <a:lvl7pPr marL="2743200" algn="l" defTabSz="914400" rtl="0" eaLnBrk="1" latinLnBrk="0" hangingPunct="1">
+                        <a:defRPr sz="1800" kern="1200">
+                          <a:solidFill>
+                            <a:schemeClr val="dk1"/>
+                          </a:solidFill>
+                          <a:latin typeface="Arial"/>
+                        </a:defRPr>
+                      </a:lvl7pPr>
+                      <a:lvl8pPr marL="3200400" algn="l" defTabSz="914400" rtl="0" eaLnBrk="1" latinLnBrk="0" hangingPunct="1">
+                        <a:defRPr sz="1800" kern="1200">
+                          <a:solidFill>
+                            <a:schemeClr val="dk1"/>
+                          </a:solidFill>
+                          <a:latin typeface="Arial"/>
+                        </a:defRPr>
+                      </a:lvl8pPr>
+                      <a:lvl9pPr marL="3657600" algn="l" defTabSz="914400" rtl="0" eaLnBrk="1" latinLnBrk="0" hangingPunct="1">
+                        <a:defRPr sz="1800" kern="1200">
+                          <a:solidFill>
+                            <a:schemeClr val="dk1"/>
+                          </a:solidFill>
+                          <a:latin typeface="Arial"/>
+                        </a:defRPr>
+                      </a:lvl9pPr>
+                    </a:lstStyle>
+                    <a:p>
+                      <a:r>
+                        <a:rPr lang="en-US" sz="1200" dirty="0" smtClean="0"/>
+                        <a:t>Period (From… To…)</a:t>
+                      </a:r>
+                      <a:endParaRPr lang="en-US" sz="1200" dirty="0"/>
+                    </a:p>
+                  </a:txBody>
+                  <a:tcPr marT="34290" marB="34290">
+                    <a:lnL w="12700" cmpd="sng">
+                      <a:solidFill>
+                        <a:srgbClr val="93A299"/>
+                      </a:solidFill>
+                    </a:lnL>
+                    <a:lnR w="12700" cmpd="sng">
+                      <a:solidFill>
+                        <a:srgbClr val="93A299"/>
+                      </a:solidFill>
+                    </a:lnR>
+                    <a:lnT w="12700" cmpd="sng">
+                      <a:solidFill>
+                        <a:srgbClr val="93A299"/>
+                      </a:solidFill>
+                    </a:lnT>
+                    <a:lnB w="12700" cmpd="sng">
+                      <a:solidFill>
+                        <a:srgbClr val="93A299"/>
+                      </a:solidFill>
+                    </a:lnB>
+                    <a:lnTlToBr w="12700" cmpd="sng">
+                      <a:noFill/>
+                      <a:prstDash val="solid"/>
+                    </a:lnTlToBr>
+                    <a:lnBlToTr w="12700" cmpd="sng">
+                      <a:noFill/>
+                      <a:prstDash val="solid"/>
+                    </a:lnBlToTr>
+                    <a:solidFill>
+                      <a:srgbClr val="FFFFFF"/>
+                    </a:solidFill>
+                  </a:tcPr>
+                </a:tc>
+              </a:tr>
+              <a:tr h="278130">
+                <a:tc>
+                  <a:txBody>
+                    <a:bodyPr/>
+                    <a:lstStyle>
+                      <a:lvl1pPr marL="0" algn="l" defTabSz="914400" rtl="0" eaLnBrk="1" latinLnBrk="0" hangingPunct="1">
+                        <a:defRPr sz="1800" kern="1200">
+                          <a:solidFill>
+                            <a:schemeClr val="dk1"/>
+                          </a:solidFill>
+                          <a:latin typeface="Arial"/>
+                        </a:defRPr>
+                      </a:lvl1pPr>
+                      <a:lvl2pPr marL="457200" algn="l" defTabSz="914400" rtl="0" eaLnBrk="1" latinLnBrk="0" hangingPunct="1">
+                        <a:defRPr sz="1800" kern="1200">
+                          <a:solidFill>
+                            <a:schemeClr val="dk1"/>
+                          </a:solidFill>
+                          <a:latin typeface="Arial"/>
+                        </a:defRPr>
+                      </a:lvl2pPr>
+                      <a:lvl3pPr marL="914400" algn="l" defTabSz="914400" rtl="0" eaLnBrk="1" latinLnBrk="0" hangingPunct="1">
+                        <a:defRPr sz="1800" kern="1200">
+                          <a:solidFill>
+                            <a:schemeClr val="dk1"/>
+                          </a:solidFill>
+                          <a:latin typeface="Arial"/>
+                        </a:defRPr>
+                      </a:lvl3pPr>
+                      <a:lvl4pPr marL="1371600" algn="l" defTabSz="914400" rtl="0" eaLnBrk="1" latinLnBrk="0" hangingPunct="1">
+                        <a:defRPr sz="1800" kern="1200">
+                          <a:solidFill>
+                            <a:schemeClr val="dk1"/>
+                          </a:solidFill>
+                          <a:latin typeface="Arial"/>
+                        </a:defRPr>
+                      </a:lvl4pPr>
+                      <a:lvl5pPr marL="1828800" algn="l" defTabSz="914400" rtl="0" eaLnBrk="1" latinLnBrk="0" hangingPunct="1">
+                        <a:defRPr sz="1800" kern="1200">
+                          <a:solidFill>
+                            <a:schemeClr val="dk1"/>
+                          </a:solidFill>
+                          <a:latin typeface="Arial"/>
+                        </a:defRPr>
+                      </a:lvl5pPr>
+                      <a:lvl6pPr marL="2286000" algn="l" defTabSz="914400" rtl="0" eaLnBrk="1" latinLnBrk="0" hangingPunct="1">
+                        <a:defRPr sz="1800" kern="1200">
+                          <a:solidFill>
+                            <a:schemeClr val="dk1"/>
+                          </a:solidFill>
+                          <a:latin typeface="Arial"/>
+                        </a:defRPr>
+                      </a:lvl6pPr>
+                      <a:lvl7pPr marL="2743200" algn="l" defTabSz="914400" rtl="0" eaLnBrk="1" latinLnBrk="0" hangingPunct="1">
+                        <a:defRPr sz="1800" kern="1200">
+                          <a:solidFill>
+                            <a:schemeClr val="dk1"/>
+                          </a:solidFill>
+                          <a:latin typeface="Arial"/>
+                        </a:defRPr>
+                      </a:lvl7pPr>
+                      <a:lvl8pPr marL="3200400" algn="l" defTabSz="914400" rtl="0" eaLnBrk="1" latinLnBrk="0" hangingPunct="1">
+                        <a:defRPr sz="1800" kern="1200">
+                          <a:solidFill>
+                            <a:schemeClr val="dk1"/>
+                          </a:solidFill>
+                          <a:latin typeface="Arial"/>
+                        </a:defRPr>
+                      </a:lvl8pPr>
+                      <a:lvl9pPr marL="3657600" algn="l" defTabSz="914400" rtl="0" eaLnBrk="1" latinLnBrk="0" hangingPunct="1">
+                        <a:defRPr sz="1800" kern="1200">
+                          <a:solidFill>
+                            <a:schemeClr val="dk1"/>
+                          </a:solidFill>
+                          <a:latin typeface="Arial"/>
+                        </a:defRPr>
+                      </a:lvl9pPr>
+                    </a:lstStyle>
+                    <a:p>
+                      <a:r>
+                        <a:rPr lang="en-US" sz="1200" dirty="0" smtClean="0"/>
+                        <a:t>Job level</a:t>
+                      </a:r>
+                      <a:endParaRPr lang="en-US" sz="1200" dirty="0"/>
+                    </a:p>
+                  </a:txBody>
+                  <a:tcPr marT="34290" marB="34290">
+                    <a:lnL w="12700" cmpd="sng">
+                      <a:solidFill>
+                        <a:srgbClr val="93A299"/>
+                      </a:solidFill>
+                    </a:lnL>
+                    <a:lnR w="12700" cmpd="sng">
+                      <a:solidFill>
+                        <a:srgbClr val="93A299"/>
+                      </a:solidFill>
+                    </a:lnR>
+                    <a:lnT w="12700" cmpd="sng">
+                      <a:solidFill>
+                        <a:srgbClr val="93A299"/>
+                      </a:solidFill>
+                    </a:lnT>
+                    <a:lnB w="12700" cmpd="sng">
+                      <a:solidFill>
+                        <a:srgbClr val="93A299"/>
+                      </a:solidFill>
+                    </a:lnB>
+                    <a:lnTlToBr w="12700" cmpd="sng">
+                      <a:noFill/>
+                      <a:prstDash val="solid"/>
+                    </a:lnTlToBr>
+                    <a:lnBlToTr w="12700" cmpd="sng">
+                      <a:noFill/>
+                      <a:prstDash val="solid"/>
+                    </a:lnBlToTr>
+                    <a:solidFill>
+                      <a:srgbClr val="93A299">
+                        <a:tint val="20000"/>
+                      </a:srgbClr>
+                    </a:solidFill>
+                  </a:tcPr>
+                </a:tc>
+              </a:tr>
+              <a:tr h="278130">
+                <a:tc>
+                  <a:txBody>
+                    <a:bodyPr/>
+                    <a:lstStyle>
+                      <a:lvl1pPr marL="0" algn="l" defTabSz="914400" rtl="0" eaLnBrk="1" latinLnBrk="0" hangingPunct="1">
+                        <a:defRPr sz="1800" kern="1200">
+                          <a:solidFill>
+                            <a:schemeClr val="dk1"/>
+                          </a:solidFill>
+                          <a:latin typeface="Arial"/>
+                        </a:defRPr>
+                      </a:lvl1pPr>
+                      <a:lvl2pPr marL="457200" algn="l" defTabSz="914400" rtl="0" eaLnBrk="1" latinLnBrk="0" hangingPunct="1">
+                        <a:defRPr sz="1800" kern="1200">
+                          <a:solidFill>
+                            <a:schemeClr val="dk1"/>
+                          </a:solidFill>
+                          <a:latin typeface="Arial"/>
+                        </a:defRPr>
+                      </a:lvl2pPr>
+                      <a:lvl3pPr marL="914400" algn="l" defTabSz="914400" rtl="0" eaLnBrk="1" latinLnBrk="0" hangingPunct="1">
+                        <a:defRPr sz="1800" kern="1200">
+                          <a:solidFill>
+                            <a:schemeClr val="dk1"/>
+                          </a:solidFill>
+                          <a:latin typeface="Arial"/>
+                        </a:defRPr>
+                      </a:lvl3pPr>
+                      <a:lvl4pPr marL="1371600" algn="l" defTabSz="914400" rtl="0" eaLnBrk="1" latinLnBrk="0" hangingPunct="1">
+                        <a:defRPr sz="1800" kern="1200">
+                          <a:solidFill>
+                            <a:schemeClr val="dk1"/>
+                          </a:solidFill>
+                          <a:latin typeface="Arial"/>
+                        </a:defRPr>
+                      </a:lvl4pPr>
+                      <a:lvl5pPr marL="1828800" algn="l" defTabSz="914400" rtl="0" eaLnBrk="1" latinLnBrk="0" hangingPunct="1">
+                        <a:defRPr sz="1800" kern="1200">
+                          <a:solidFill>
+                            <a:schemeClr val="dk1"/>
+                          </a:solidFill>
+                          <a:latin typeface="Arial"/>
+                        </a:defRPr>
+                      </a:lvl5pPr>
+                      <a:lvl6pPr marL="2286000" algn="l" defTabSz="914400" rtl="0" eaLnBrk="1" latinLnBrk="0" hangingPunct="1">
+                        <a:defRPr sz="1800" kern="1200">
+                          <a:solidFill>
+                            <a:schemeClr val="dk1"/>
+                          </a:solidFill>
+                          <a:latin typeface="Arial"/>
+                        </a:defRPr>
+                      </a:lvl6pPr>
+                      <a:lvl7pPr marL="2743200" algn="l" defTabSz="914400" rtl="0" eaLnBrk="1" latinLnBrk="0" hangingPunct="1">
+                        <a:defRPr sz="1800" kern="1200">
+                          <a:solidFill>
+                            <a:schemeClr val="dk1"/>
+                          </a:solidFill>
+                          <a:latin typeface="Arial"/>
+                        </a:defRPr>
+                      </a:lvl7pPr>
+                      <a:lvl8pPr marL="3200400" algn="l" defTabSz="914400" rtl="0" eaLnBrk="1" latinLnBrk="0" hangingPunct="1">
+                        <a:defRPr sz="1800" kern="1200">
+                          <a:solidFill>
+                            <a:schemeClr val="dk1"/>
+                          </a:solidFill>
+                          <a:latin typeface="Arial"/>
+                        </a:defRPr>
+                      </a:lvl8pPr>
+                      <a:lvl9pPr marL="3657600" algn="l" defTabSz="914400" rtl="0" eaLnBrk="1" latinLnBrk="0" hangingPunct="1">
+                        <a:defRPr sz="1800" kern="1200">
+                          <a:solidFill>
+                            <a:schemeClr val="dk1"/>
+                          </a:solidFill>
+                          <a:latin typeface="Arial"/>
+                        </a:defRPr>
+                      </a:lvl9pPr>
+                    </a:lstStyle>
+                    <a:p>
+                      <a:r>
+                        <a:rPr lang="en-US" sz="1200" dirty="0" smtClean="0"/>
+                        <a:t>Job description</a:t>
+                      </a:r>
+                      <a:endParaRPr lang="en-US" sz="1200" dirty="0"/>
+                    </a:p>
+                  </a:txBody>
+                  <a:tcPr marT="34290" marB="34290">
+                    <a:lnL w="12700" cmpd="sng">
+                      <a:solidFill>
+                        <a:srgbClr val="93A299"/>
+                      </a:solidFill>
+                    </a:lnL>
+                    <a:lnR w="12700" cmpd="sng">
+                      <a:solidFill>
+                        <a:srgbClr val="93A299"/>
+                      </a:solidFill>
+                    </a:lnR>
+                    <a:lnT w="12700" cmpd="sng">
+                      <a:solidFill>
+                        <a:srgbClr val="93A299"/>
+                      </a:solidFill>
+                    </a:lnT>
+                    <a:lnB w="12700" cmpd="sng">
+                      <a:solidFill>
+                        <a:srgbClr val="93A299"/>
+                      </a:solidFill>
+                    </a:lnB>
+                    <a:lnTlToBr w="12700" cmpd="sng">
+                      <a:noFill/>
+                      <a:prstDash val="solid"/>
+                    </a:lnTlToBr>
+                    <a:lnBlToTr w="12700" cmpd="sng">
+                      <a:noFill/>
+                      <a:prstDash val="solid"/>
+                    </a:lnBlToTr>
+                    <a:solidFill>
+                      <a:srgbClr val="FFFFFF"/>
+                    </a:solidFill>
+                  </a:tcPr>
+                </a:tc>
+              </a:tr>
+              <a:tr h="278130">
+                <a:tc>
+                  <a:txBody>
+                    <a:bodyPr/>
+                    <a:lstStyle>
+                      <a:lvl1pPr marL="0" algn="l" defTabSz="914400" rtl="0" eaLnBrk="1" latinLnBrk="0" hangingPunct="1">
+                        <a:defRPr sz="1800" kern="1200">
+                          <a:solidFill>
+                            <a:schemeClr val="dk1"/>
+                          </a:solidFill>
+                          <a:latin typeface="Arial"/>
+                        </a:defRPr>
+                      </a:lvl1pPr>
+                      <a:lvl2pPr marL="457200" algn="l" defTabSz="914400" rtl="0" eaLnBrk="1" latinLnBrk="0" hangingPunct="1">
+                        <a:defRPr sz="1800" kern="1200">
+                          <a:solidFill>
+                            <a:schemeClr val="dk1"/>
+                          </a:solidFill>
+                          <a:latin typeface="Arial"/>
+                        </a:defRPr>
+                      </a:lvl2pPr>
+                      <a:lvl3pPr marL="914400" algn="l" defTabSz="914400" rtl="0" eaLnBrk="1" latinLnBrk="0" hangingPunct="1">
+                        <a:defRPr sz="1800" kern="1200">
+                          <a:solidFill>
+                            <a:schemeClr val="dk1"/>
+                          </a:solidFill>
+                          <a:latin typeface="Arial"/>
+                        </a:defRPr>
+                      </a:lvl3pPr>
+                      <a:lvl4pPr marL="1371600" algn="l" defTabSz="914400" rtl="0" eaLnBrk="1" latinLnBrk="0" hangingPunct="1">
+                        <a:defRPr sz="1800" kern="1200">
+                          <a:solidFill>
+                            <a:schemeClr val="dk1"/>
+                          </a:solidFill>
+                          <a:latin typeface="Arial"/>
+                        </a:defRPr>
+                      </a:lvl4pPr>
+                      <a:lvl5pPr marL="1828800" algn="l" defTabSz="914400" rtl="0" eaLnBrk="1" latinLnBrk="0" hangingPunct="1">
+                        <a:defRPr sz="1800" kern="1200">
+                          <a:solidFill>
+                            <a:schemeClr val="dk1"/>
+                          </a:solidFill>
+                          <a:latin typeface="Arial"/>
+                        </a:defRPr>
+                      </a:lvl5pPr>
+                      <a:lvl6pPr marL="2286000" algn="l" defTabSz="914400" rtl="0" eaLnBrk="1" latinLnBrk="0" hangingPunct="1">
+                        <a:defRPr sz="1800" kern="1200">
+                          <a:solidFill>
+                            <a:schemeClr val="dk1"/>
+                          </a:solidFill>
+                          <a:latin typeface="Arial"/>
+                        </a:defRPr>
+                      </a:lvl6pPr>
+                      <a:lvl7pPr marL="2743200" algn="l" defTabSz="914400" rtl="0" eaLnBrk="1" latinLnBrk="0" hangingPunct="1">
+                        <a:defRPr sz="1800" kern="1200">
+                          <a:solidFill>
+                            <a:schemeClr val="dk1"/>
+                          </a:solidFill>
+                          <a:latin typeface="Arial"/>
+                        </a:defRPr>
+                      </a:lvl7pPr>
+                      <a:lvl8pPr marL="3200400" algn="l" defTabSz="914400" rtl="0" eaLnBrk="1" latinLnBrk="0" hangingPunct="1">
+                        <a:defRPr sz="1800" kern="1200">
+                          <a:solidFill>
+                            <a:schemeClr val="dk1"/>
+                          </a:solidFill>
+                          <a:latin typeface="Arial"/>
+                        </a:defRPr>
+                      </a:lvl8pPr>
+                      <a:lvl9pPr marL="3657600" algn="l" defTabSz="914400" rtl="0" eaLnBrk="1" latinLnBrk="0" hangingPunct="1">
+                        <a:defRPr sz="1800" kern="1200">
+                          <a:solidFill>
+                            <a:schemeClr val="dk1"/>
+                          </a:solidFill>
+                          <a:latin typeface="Arial"/>
+                        </a:defRPr>
+                      </a:lvl9pPr>
+                    </a:lstStyle>
+                    <a:p>
+                      <a:pPr marL="0" marR="0" indent="0" algn="l" defTabSz="914400" rtl="0" eaLnBrk="1" fontAlgn="auto" latinLnBrk="0" hangingPunct="1">
+                        <a:lnSpc>
+                          <a:spcPct val="100000"/>
+                        </a:lnSpc>
+                        <a:spcBef>
+                          <a:spcPts val="0"/>
+                        </a:spcBef>
+                        <a:spcAft>
+                          <a:spcPts val="0"/>
+                        </a:spcAft>
+                        <a:buClrTx/>
+                        <a:buSzTx/>
+                        <a:buFontTx/>
+                        <a:buNone/>
+                        <a:tabLst/>
+                        <a:defRPr/>
+                      </a:pPr>
+                      <a:r>
+                        <a:rPr lang="en-US" sz="1200" dirty="0" smtClean="0"/>
+                        <a:t>Experiences</a:t>
+                      </a:r>
+                      <a:endParaRPr lang="en-US" sz="1200" dirty="0"/>
+                    </a:p>
+                  </a:txBody>
+                  <a:tcPr marT="34290" marB="34290">
+                    <a:lnL w="12700" cmpd="sng">
+                      <a:solidFill>
+                        <a:srgbClr val="93A299"/>
+                      </a:solidFill>
+                    </a:lnL>
+                    <a:lnR w="12700" cmpd="sng">
+                      <a:solidFill>
+                        <a:srgbClr val="93A299"/>
+                      </a:solidFill>
+                    </a:lnR>
+                    <a:lnT w="12700" cmpd="sng">
+                      <a:solidFill>
+                        <a:srgbClr val="93A299"/>
+                      </a:solidFill>
+                    </a:lnT>
+                    <a:lnB w="12700" cmpd="sng">
+                      <a:solidFill>
+                        <a:srgbClr val="93A299"/>
+                      </a:solidFill>
+                    </a:lnB>
+                    <a:lnTlToBr w="12700" cmpd="sng">
+                      <a:noFill/>
+                      <a:prstDash val="solid"/>
+                    </a:lnTlToBr>
+                    <a:lnBlToTr w="12700" cmpd="sng">
+                      <a:noFill/>
+                      <a:prstDash val="solid"/>
+                    </a:lnBlToTr>
+                    <a:solidFill>
+                      <a:srgbClr val="93A299">
+                        <a:tint val="20000"/>
+                      </a:srgbClr>
+                    </a:solidFill>
+                  </a:tcPr>
+                </a:tc>
+              </a:tr>
+            </a:tbl>
+          </a:graphicData>
+        </a:graphic>
+      </p:graphicFrame>
+      <p:graphicFrame>
+        <p:nvGraphicFramePr>
+          <p:cNvPr id="21" name="Content Placeholder 3"/>
+          <p:cNvGraphicFramePr>
+            <a:graphicFrameLocks/>
+          </p:cNvGraphicFramePr>
+          <p:nvPr>
+            <p:extLst>
+              <p:ext uri="{D42A27DB-BD31-4B8C-83A1-F6EECF244321}">
+                <p14:modId xmlns:p14="http://schemas.microsoft.com/office/powerpoint/2010/main" val="3356206118"/>
+              </p:ext>
+            </p:extLst>
+          </p:nvPr>
+        </p:nvGraphicFramePr>
+        <p:xfrm>
+          <a:off x="6934200" y="1028700"/>
+          <a:ext cx="2216468" cy="2225040"/>
+        </p:xfrm>
+        <a:graphic>
+          <a:graphicData uri="http://schemas.openxmlformats.org/drawingml/2006/table">
+            <a:tbl>
+              <a:tblPr firstRow="1" bandRow="1"/>
+              <a:tblGrid>
+                <a:gridCol w="2216468"/>
+              </a:tblGrid>
+              <a:tr h="278130">
+                <a:tc>
+                  <a:txBody>
+                    <a:bodyPr/>
+                    <a:lstStyle>
+                      <a:lvl1pPr marL="0" algn="l" defTabSz="914400" rtl="0" eaLnBrk="1" latinLnBrk="0" hangingPunct="1">
+                        <a:defRPr sz="1800" b="1" kern="1200">
+                          <a:solidFill>
+                            <a:schemeClr val="lt1"/>
+                          </a:solidFill>
+                          <a:latin typeface="Arial"/>
+                        </a:defRPr>
+                      </a:lvl1pPr>
+                      <a:lvl2pPr marL="457200" algn="l" defTabSz="914400" rtl="0" eaLnBrk="1" latinLnBrk="0" hangingPunct="1">
+                        <a:defRPr sz="1800" b="1" kern="1200">
+                          <a:solidFill>
+                            <a:schemeClr val="lt1"/>
+                          </a:solidFill>
+                          <a:latin typeface="Arial"/>
+                        </a:defRPr>
+                      </a:lvl2pPr>
+                      <a:lvl3pPr marL="914400" algn="l" defTabSz="914400" rtl="0" eaLnBrk="1" latinLnBrk="0" hangingPunct="1">
+                        <a:defRPr sz="1800" b="1" kern="1200">
+                          <a:solidFill>
+                            <a:schemeClr val="lt1"/>
+                          </a:solidFill>
+                          <a:latin typeface="Arial"/>
+                        </a:defRPr>
+                      </a:lvl3pPr>
+                      <a:lvl4pPr marL="1371600" algn="l" defTabSz="914400" rtl="0" eaLnBrk="1" latinLnBrk="0" hangingPunct="1">
+                        <a:defRPr sz="1800" b="1" kern="1200">
+                          <a:solidFill>
+                            <a:schemeClr val="lt1"/>
+                          </a:solidFill>
+                          <a:latin typeface="Arial"/>
+                        </a:defRPr>
+                      </a:lvl4pPr>
+                      <a:lvl5pPr marL="1828800" algn="l" defTabSz="914400" rtl="0" eaLnBrk="1" latinLnBrk="0" hangingPunct="1">
+                        <a:defRPr sz="1800" b="1" kern="1200">
+                          <a:solidFill>
+                            <a:schemeClr val="lt1"/>
+                          </a:solidFill>
+                          <a:latin typeface="Arial"/>
+                        </a:defRPr>
+                      </a:lvl5pPr>
+                      <a:lvl6pPr marL="2286000" algn="l" defTabSz="914400" rtl="0" eaLnBrk="1" latinLnBrk="0" hangingPunct="1">
+                        <a:defRPr sz="1800" b="1" kern="1200">
+                          <a:solidFill>
+                            <a:schemeClr val="lt1"/>
+                          </a:solidFill>
+                          <a:latin typeface="Arial"/>
+                        </a:defRPr>
+                      </a:lvl6pPr>
+                      <a:lvl7pPr marL="2743200" algn="l" defTabSz="914400" rtl="0" eaLnBrk="1" latinLnBrk="0" hangingPunct="1">
+                        <a:defRPr sz="1800" b="1" kern="1200">
+                          <a:solidFill>
+                            <a:schemeClr val="lt1"/>
+                          </a:solidFill>
+                          <a:latin typeface="Arial"/>
+                        </a:defRPr>
+                      </a:lvl7pPr>
+                      <a:lvl8pPr marL="3200400" algn="l" defTabSz="914400" rtl="0" eaLnBrk="1" latinLnBrk="0" hangingPunct="1">
+                        <a:defRPr sz="1800" b="1" kern="1200">
+                          <a:solidFill>
+                            <a:schemeClr val="lt1"/>
+                          </a:solidFill>
+                          <a:latin typeface="Arial"/>
+                        </a:defRPr>
+                      </a:lvl8pPr>
+                      <a:lvl9pPr marL="3657600" algn="l" defTabSz="914400" rtl="0" eaLnBrk="1" latinLnBrk="0" hangingPunct="1">
+                        <a:defRPr sz="1800" b="1" kern="1200">
+                          <a:solidFill>
+                            <a:schemeClr val="lt1"/>
+                          </a:solidFill>
+                          <a:latin typeface="Arial"/>
+                        </a:defRPr>
+                      </a:lvl9pPr>
+                    </a:lstStyle>
+                    <a:p>
+                      <a:r>
+                        <a:rPr lang="en-US" sz="1200" dirty="0" smtClean="0"/>
+                        <a:t>Education &amp; Knowledge</a:t>
+                      </a:r>
+                      <a:endParaRPr lang="en-US" sz="1200" dirty="0"/>
+                    </a:p>
+                  </a:txBody>
+                  <a:tcPr marT="34290" marB="34290">
+                    <a:lnL w="12700" cmpd="sng">
+                      <a:solidFill>
+                        <a:srgbClr val="93A299"/>
+                      </a:solidFill>
+                    </a:lnL>
+                    <a:lnR w="12700" cmpd="sng">
+                      <a:solidFill>
+                        <a:srgbClr val="93A299"/>
+                      </a:solidFill>
+                    </a:lnR>
+                    <a:lnT w="12700" cmpd="sng">
+                      <a:solidFill>
+                        <a:srgbClr val="93A299"/>
+                      </a:solidFill>
+                    </a:lnT>
+                    <a:lnB w="12700" cmpd="sng">
+                      <a:solidFill>
+                        <a:srgbClr val="93A299"/>
+                      </a:solidFill>
+                    </a:lnB>
+                    <a:lnTlToBr w="12700" cmpd="sng">
+                      <a:noFill/>
+                      <a:prstDash val="solid"/>
+                    </a:lnTlToBr>
+                    <a:lnBlToTr w="12700" cmpd="sng">
+                      <a:noFill/>
+                      <a:prstDash val="solid"/>
+                    </a:lnBlToTr>
+                    <a:solidFill>
+                      <a:srgbClr val="93A299"/>
+                    </a:solidFill>
+                  </a:tcPr>
+                </a:tc>
+              </a:tr>
+              <a:tr h="278130">
+                <a:tc>
+                  <a:txBody>
+                    <a:bodyPr/>
+                    <a:lstStyle>
+                      <a:lvl1pPr marL="0" algn="l" defTabSz="914400" rtl="0" eaLnBrk="1" latinLnBrk="0" hangingPunct="1">
+                        <a:defRPr sz="1800" kern="1200">
+                          <a:solidFill>
+                            <a:schemeClr val="dk1"/>
+                          </a:solidFill>
+                          <a:latin typeface="Arial"/>
+                        </a:defRPr>
+                      </a:lvl1pPr>
+                      <a:lvl2pPr marL="457200" algn="l" defTabSz="914400" rtl="0" eaLnBrk="1" latinLnBrk="0" hangingPunct="1">
+                        <a:defRPr sz="1800" kern="1200">
+                          <a:solidFill>
+                            <a:schemeClr val="dk1"/>
+                          </a:solidFill>
+                          <a:latin typeface="Arial"/>
+                        </a:defRPr>
+                      </a:lvl2pPr>
+                      <a:lvl3pPr marL="914400" algn="l" defTabSz="914400" rtl="0" eaLnBrk="1" latinLnBrk="0" hangingPunct="1">
+                        <a:defRPr sz="1800" kern="1200">
+                          <a:solidFill>
+                            <a:schemeClr val="dk1"/>
+                          </a:solidFill>
+                          <a:latin typeface="Arial"/>
+                        </a:defRPr>
+                      </a:lvl3pPr>
+                      <a:lvl4pPr marL="1371600" algn="l" defTabSz="914400" rtl="0" eaLnBrk="1" latinLnBrk="0" hangingPunct="1">
+                        <a:defRPr sz="1800" kern="1200">
+                          <a:solidFill>
+                            <a:schemeClr val="dk1"/>
+                          </a:solidFill>
+                          <a:latin typeface="Arial"/>
+                        </a:defRPr>
+                      </a:lvl4pPr>
+                      <a:lvl5pPr marL="1828800" algn="l" defTabSz="914400" rtl="0" eaLnBrk="1" latinLnBrk="0" hangingPunct="1">
+                        <a:defRPr sz="1800" kern="1200">
+                          <a:solidFill>
+                            <a:schemeClr val="dk1"/>
+                          </a:solidFill>
+                          <a:latin typeface="Arial"/>
+                        </a:defRPr>
+                      </a:lvl5pPr>
+                      <a:lvl6pPr marL="2286000" algn="l" defTabSz="914400" rtl="0" eaLnBrk="1" latinLnBrk="0" hangingPunct="1">
+                        <a:defRPr sz="1800" kern="1200">
+                          <a:solidFill>
+                            <a:schemeClr val="dk1"/>
+                          </a:solidFill>
+                          <a:latin typeface="Arial"/>
+                        </a:defRPr>
+                      </a:lvl6pPr>
+                      <a:lvl7pPr marL="2743200" algn="l" defTabSz="914400" rtl="0" eaLnBrk="1" latinLnBrk="0" hangingPunct="1">
+                        <a:defRPr sz="1800" kern="1200">
+                          <a:solidFill>
+                            <a:schemeClr val="dk1"/>
+                          </a:solidFill>
+                          <a:latin typeface="Arial"/>
+                        </a:defRPr>
+                      </a:lvl7pPr>
+                      <a:lvl8pPr marL="3200400" algn="l" defTabSz="914400" rtl="0" eaLnBrk="1" latinLnBrk="0" hangingPunct="1">
+                        <a:defRPr sz="1800" kern="1200">
+                          <a:solidFill>
+                            <a:schemeClr val="dk1"/>
+                          </a:solidFill>
+                          <a:latin typeface="Arial"/>
+                        </a:defRPr>
+                      </a:lvl8pPr>
+                      <a:lvl9pPr marL="3657600" algn="l" defTabSz="914400" rtl="0" eaLnBrk="1" latinLnBrk="0" hangingPunct="1">
+                        <a:defRPr sz="1800" kern="1200">
+                          <a:solidFill>
+                            <a:schemeClr val="dk1"/>
+                          </a:solidFill>
+                          <a:latin typeface="Arial"/>
+                        </a:defRPr>
+                      </a:lvl9pPr>
+                    </a:lstStyle>
+                    <a:p>
+                      <a:r>
+                        <a:rPr lang="en-US" sz="1200" dirty="0" smtClean="0"/>
+                        <a:t>Country</a:t>
+                      </a:r>
+                      <a:endParaRPr lang="en-US" sz="1200" dirty="0"/>
+                    </a:p>
+                  </a:txBody>
+                  <a:tcPr marT="34290" marB="34290">
+                    <a:lnL w="12700" cmpd="sng">
+                      <a:solidFill>
+                        <a:srgbClr val="93A299"/>
+                      </a:solidFill>
+                    </a:lnL>
+                    <a:lnR w="12700" cmpd="sng">
+                      <a:solidFill>
+                        <a:srgbClr val="93A299"/>
+                      </a:solidFill>
+                    </a:lnR>
+                    <a:lnT w="12700" cmpd="sng">
+                      <a:solidFill>
+                        <a:srgbClr val="93A299"/>
+                      </a:solidFill>
+                    </a:lnT>
+                    <a:lnB w="12700" cmpd="sng">
+                      <a:solidFill>
+                        <a:srgbClr val="93A299"/>
+                      </a:solidFill>
+                    </a:lnB>
+                    <a:lnTlToBr w="12700" cmpd="sng">
+                      <a:noFill/>
+                      <a:prstDash val="solid"/>
+                    </a:lnTlToBr>
+                    <a:lnBlToTr w="12700" cmpd="sng">
+                      <a:noFill/>
+                      <a:prstDash val="solid"/>
+                    </a:lnBlToTr>
+                    <a:solidFill>
+                      <a:srgbClr val="93A299">
+                        <a:tint val="20000"/>
+                      </a:srgbClr>
+                    </a:solidFill>
+                  </a:tcPr>
+                </a:tc>
+              </a:tr>
+              <a:tr h="278130">
+                <a:tc>
+                  <a:txBody>
+                    <a:bodyPr/>
+                    <a:lstStyle>
+                      <a:lvl1pPr marL="0" algn="l" defTabSz="914400" rtl="0" eaLnBrk="1" latinLnBrk="0" hangingPunct="1">
+                        <a:defRPr sz="1800" kern="1200">
+                          <a:solidFill>
+                            <a:schemeClr val="dk1"/>
+                          </a:solidFill>
+                          <a:latin typeface="Arial"/>
+                        </a:defRPr>
+                      </a:lvl1pPr>
+                      <a:lvl2pPr marL="457200" algn="l" defTabSz="914400" rtl="0" eaLnBrk="1" latinLnBrk="0" hangingPunct="1">
+                        <a:defRPr sz="1800" kern="1200">
+                          <a:solidFill>
+                            <a:schemeClr val="dk1"/>
+                          </a:solidFill>
+                          <a:latin typeface="Arial"/>
+                        </a:defRPr>
+                      </a:lvl2pPr>
+                      <a:lvl3pPr marL="914400" algn="l" defTabSz="914400" rtl="0" eaLnBrk="1" latinLnBrk="0" hangingPunct="1">
+                        <a:defRPr sz="1800" kern="1200">
+                          <a:solidFill>
+                            <a:schemeClr val="dk1"/>
+                          </a:solidFill>
+                          <a:latin typeface="Arial"/>
+                        </a:defRPr>
+                      </a:lvl3pPr>
+                      <a:lvl4pPr marL="1371600" algn="l" defTabSz="914400" rtl="0" eaLnBrk="1" latinLnBrk="0" hangingPunct="1">
+                        <a:defRPr sz="1800" kern="1200">
+                          <a:solidFill>
+                            <a:schemeClr val="dk1"/>
+                          </a:solidFill>
+                          <a:latin typeface="Arial"/>
+                        </a:defRPr>
+                      </a:lvl4pPr>
+                      <a:lvl5pPr marL="1828800" algn="l" defTabSz="914400" rtl="0" eaLnBrk="1" latinLnBrk="0" hangingPunct="1">
+                        <a:defRPr sz="1800" kern="1200">
+                          <a:solidFill>
+                            <a:schemeClr val="dk1"/>
+                          </a:solidFill>
+                          <a:latin typeface="Arial"/>
+                        </a:defRPr>
+                      </a:lvl5pPr>
+                      <a:lvl6pPr marL="2286000" algn="l" defTabSz="914400" rtl="0" eaLnBrk="1" latinLnBrk="0" hangingPunct="1">
+                        <a:defRPr sz="1800" kern="1200">
+                          <a:solidFill>
+                            <a:schemeClr val="dk1"/>
+                          </a:solidFill>
+                          <a:latin typeface="Arial"/>
+                        </a:defRPr>
+                      </a:lvl6pPr>
+                      <a:lvl7pPr marL="2743200" algn="l" defTabSz="914400" rtl="0" eaLnBrk="1" latinLnBrk="0" hangingPunct="1">
+                        <a:defRPr sz="1800" kern="1200">
+                          <a:solidFill>
+                            <a:schemeClr val="dk1"/>
+                          </a:solidFill>
+                          <a:latin typeface="Arial"/>
+                        </a:defRPr>
+                      </a:lvl7pPr>
+                      <a:lvl8pPr marL="3200400" algn="l" defTabSz="914400" rtl="0" eaLnBrk="1" latinLnBrk="0" hangingPunct="1">
+                        <a:defRPr sz="1800" kern="1200">
+                          <a:solidFill>
+                            <a:schemeClr val="dk1"/>
+                          </a:solidFill>
+                          <a:latin typeface="Arial"/>
+                        </a:defRPr>
+                      </a:lvl8pPr>
+                      <a:lvl9pPr marL="3657600" algn="l" defTabSz="914400" rtl="0" eaLnBrk="1" latinLnBrk="0" hangingPunct="1">
+                        <a:defRPr sz="1800" kern="1200">
+                          <a:solidFill>
+                            <a:schemeClr val="dk1"/>
+                          </a:solidFill>
+                          <a:latin typeface="Arial"/>
+                        </a:defRPr>
+                      </a:lvl9pPr>
+                    </a:lstStyle>
+                    <a:p>
+                      <a:r>
+                        <a:rPr lang="en-US" sz="1200" dirty="0" smtClean="0"/>
+                        <a:t>School</a:t>
+                      </a:r>
+                      <a:r>
+                        <a:rPr lang="en-US" sz="1200" baseline="0" dirty="0" smtClean="0"/>
+                        <a:t> / Institute</a:t>
+                      </a:r>
+                      <a:endParaRPr lang="en-US" sz="1200" dirty="0"/>
+                    </a:p>
+                  </a:txBody>
+                  <a:tcPr marT="34290" marB="34290">
+                    <a:lnL w="12700" cmpd="sng">
+                      <a:solidFill>
+                        <a:srgbClr val="93A299"/>
+                      </a:solidFill>
+                    </a:lnL>
+                    <a:lnR w="12700" cmpd="sng">
+                      <a:solidFill>
+                        <a:srgbClr val="93A299"/>
+                      </a:solidFill>
+                    </a:lnR>
+                    <a:lnT w="12700" cmpd="sng">
+                      <a:solidFill>
+                        <a:srgbClr val="93A299"/>
+                      </a:solidFill>
+                    </a:lnT>
+                    <a:lnB w="12700" cmpd="sng">
+                      <a:solidFill>
+                        <a:srgbClr val="93A299"/>
+                      </a:solidFill>
+                    </a:lnB>
+                    <a:lnTlToBr w="12700" cmpd="sng">
+                      <a:noFill/>
+                      <a:prstDash val="solid"/>
+                    </a:lnTlToBr>
+                    <a:lnBlToTr w="12700" cmpd="sng">
+                      <a:noFill/>
+                      <a:prstDash val="solid"/>
+                    </a:lnBlToTr>
+                    <a:solidFill>
+                      <a:srgbClr val="FFFFFF"/>
+                    </a:solidFill>
+                  </a:tcPr>
+                </a:tc>
+              </a:tr>
+              <a:tr h="278130">
+                <a:tc>
+                  <a:txBody>
+                    <a:bodyPr/>
+                    <a:lstStyle>
+                      <a:lvl1pPr marL="0" algn="l" defTabSz="914400" rtl="0" eaLnBrk="1" latinLnBrk="0" hangingPunct="1">
+                        <a:defRPr sz="1800" kern="1200">
+                          <a:solidFill>
+                            <a:schemeClr val="dk1"/>
+                          </a:solidFill>
+                          <a:latin typeface="Arial"/>
+                        </a:defRPr>
+                      </a:lvl1pPr>
+                      <a:lvl2pPr marL="457200" algn="l" defTabSz="914400" rtl="0" eaLnBrk="1" latinLnBrk="0" hangingPunct="1">
+                        <a:defRPr sz="1800" kern="1200">
+                          <a:solidFill>
+                            <a:schemeClr val="dk1"/>
+                          </a:solidFill>
+                          <a:latin typeface="Arial"/>
+                        </a:defRPr>
+                      </a:lvl2pPr>
+                      <a:lvl3pPr marL="914400" algn="l" defTabSz="914400" rtl="0" eaLnBrk="1" latinLnBrk="0" hangingPunct="1">
+                        <a:defRPr sz="1800" kern="1200">
+                          <a:solidFill>
+                            <a:schemeClr val="dk1"/>
+                          </a:solidFill>
+                          <a:latin typeface="Arial"/>
+                        </a:defRPr>
+                      </a:lvl3pPr>
+                      <a:lvl4pPr marL="1371600" algn="l" defTabSz="914400" rtl="0" eaLnBrk="1" latinLnBrk="0" hangingPunct="1">
+                        <a:defRPr sz="1800" kern="1200">
+                          <a:solidFill>
+                            <a:schemeClr val="dk1"/>
+                          </a:solidFill>
+                          <a:latin typeface="Arial"/>
+                        </a:defRPr>
+                      </a:lvl4pPr>
+                      <a:lvl5pPr marL="1828800" algn="l" defTabSz="914400" rtl="0" eaLnBrk="1" latinLnBrk="0" hangingPunct="1">
+                        <a:defRPr sz="1800" kern="1200">
+                          <a:solidFill>
+                            <a:schemeClr val="dk1"/>
+                          </a:solidFill>
+                          <a:latin typeface="Arial"/>
+                        </a:defRPr>
+                      </a:lvl5pPr>
+                      <a:lvl6pPr marL="2286000" algn="l" defTabSz="914400" rtl="0" eaLnBrk="1" latinLnBrk="0" hangingPunct="1">
+                        <a:defRPr sz="1800" kern="1200">
+                          <a:solidFill>
+                            <a:schemeClr val="dk1"/>
+                          </a:solidFill>
+                          <a:latin typeface="Arial"/>
+                        </a:defRPr>
+                      </a:lvl6pPr>
+                      <a:lvl7pPr marL="2743200" algn="l" defTabSz="914400" rtl="0" eaLnBrk="1" latinLnBrk="0" hangingPunct="1">
+                        <a:defRPr sz="1800" kern="1200">
+                          <a:solidFill>
+                            <a:schemeClr val="dk1"/>
+                          </a:solidFill>
+                          <a:latin typeface="Arial"/>
+                        </a:defRPr>
+                      </a:lvl7pPr>
+                      <a:lvl8pPr marL="3200400" algn="l" defTabSz="914400" rtl="0" eaLnBrk="1" latinLnBrk="0" hangingPunct="1">
+                        <a:defRPr sz="1800" kern="1200">
+                          <a:solidFill>
+                            <a:schemeClr val="dk1"/>
+                          </a:solidFill>
+                          <a:latin typeface="Arial"/>
+                        </a:defRPr>
+                      </a:lvl8pPr>
+                      <a:lvl9pPr marL="3657600" algn="l" defTabSz="914400" rtl="0" eaLnBrk="1" latinLnBrk="0" hangingPunct="1">
+                        <a:defRPr sz="1800" kern="1200">
+                          <a:solidFill>
+                            <a:schemeClr val="dk1"/>
+                          </a:solidFill>
+                          <a:latin typeface="Arial"/>
+                        </a:defRPr>
+                      </a:lvl9pPr>
+                    </a:lstStyle>
+                    <a:p>
+                      <a:r>
+                        <a:rPr lang="en-US" sz="1200" dirty="0" smtClean="0"/>
+                        <a:t>Degree</a:t>
+                      </a:r>
+                      <a:endParaRPr lang="en-US" sz="1200" dirty="0"/>
+                    </a:p>
+                  </a:txBody>
+                  <a:tcPr marT="34290" marB="34290">
+                    <a:lnL w="12700" cmpd="sng">
+                      <a:solidFill>
+                        <a:srgbClr val="93A299"/>
+                      </a:solidFill>
+                    </a:lnL>
+                    <a:lnR w="12700" cmpd="sng">
+                      <a:solidFill>
+                        <a:srgbClr val="93A299"/>
+                      </a:solidFill>
+                    </a:lnR>
+                    <a:lnT w="12700" cmpd="sng">
+                      <a:solidFill>
+                        <a:srgbClr val="93A299"/>
+                      </a:solidFill>
+                    </a:lnT>
+                    <a:lnB w="12700" cmpd="sng">
+                      <a:solidFill>
+                        <a:srgbClr val="93A299"/>
+                      </a:solidFill>
+                    </a:lnB>
+                    <a:lnTlToBr w="12700" cmpd="sng">
+                      <a:noFill/>
+                      <a:prstDash val="solid"/>
+                    </a:lnTlToBr>
+                    <a:lnBlToTr w="12700" cmpd="sng">
+                      <a:noFill/>
+                      <a:prstDash val="solid"/>
+                    </a:lnBlToTr>
+                    <a:solidFill>
+                      <a:srgbClr val="93A299">
+                        <a:tint val="20000"/>
+                      </a:srgbClr>
+                    </a:solidFill>
+                  </a:tcPr>
+                </a:tc>
+              </a:tr>
+              <a:tr h="278130">
+                <a:tc>
+                  <a:txBody>
+                    <a:bodyPr/>
+                    <a:lstStyle>
+                      <a:lvl1pPr marL="0" algn="l" defTabSz="914400" rtl="0" eaLnBrk="1" latinLnBrk="0" hangingPunct="1">
+                        <a:defRPr sz="1800" kern="1200">
+                          <a:solidFill>
+                            <a:schemeClr val="dk1"/>
+                          </a:solidFill>
+                          <a:latin typeface="Arial"/>
+                        </a:defRPr>
+                      </a:lvl1pPr>
+                      <a:lvl2pPr marL="457200" algn="l" defTabSz="914400" rtl="0" eaLnBrk="1" latinLnBrk="0" hangingPunct="1">
+                        <a:defRPr sz="1800" kern="1200">
+                          <a:solidFill>
+                            <a:schemeClr val="dk1"/>
+                          </a:solidFill>
+                          <a:latin typeface="Arial"/>
+                        </a:defRPr>
+                      </a:lvl2pPr>
+                      <a:lvl3pPr marL="914400" algn="l" defTabSz="914400" rtl="0" eaLnBrk="1" latinLnBrk="0" hangingPunct="1">
+                        <a:defRPr sz="1800" kern="1200">
+                          <a:solidFill>
+                            <a:schemeClr val="dk1"/>
+                          </a:solidFill>
+                          <a:latin typeface="Arial"/>
+                        </a:defRPr>
+                      </a:lvl3pPr>
+                      <a:lvl4pPr marL="1371600" algn="l" defTabSz="914400" rtl="0" eaLnBrk="1" latinLnBrk="0" hangingPunct="1">
+                        <a:defRPr sz="1800" kern="1200">
+                          <a:solidFill>
+                            <a:schemeClr val="dk1"/>
+                          </a:solidFill>
+                          <a:latin typeface="Arial"/>
+                        </a:defRPr>
+                      </a:lvl4pPr>
+                      <a:lvl5pPr marL="1828800" algn="l" defTabSz="914400" rtl="0" eaLnBrk="1" latinLnBrk="0" hangingPunct="1">
+                        <a:defRPr sz="1800" kern="1200">
+                          <a:solidFill>
+                            <a:schemeClr val="dk1"/>
+                          </a:solidFill>
+                          <a:latin typeface="Arial"/>
+                        </a:defRPr>
+                      </a:lvl5pPr>
+                      <a:lvl6pPr marL="2286000" algn="l" defTabSz="914400" rtl="0" eaLnBrk="1" latinLnBrk="0" hangingPunct="1">
+                        <a:defRPr sz="1800" kern="1200">
+                          <a:solidFill>
+                            <a:schemeClr val="dk1"/>
+                          </a:solidFill>
+                          <a:latin typeface="Arial"/>
+                        </a:defRPr>
+                      </a:lvl6pPr>
+                      <a:lvl7pPr marL="2743200" algn="l" defTabSz="914400" rtl="0" eaLnBrk="1" latinLnBrk="0" hangingPunct="1">
+                        <a:defRPr sz="1800" kern="1200">
+                          <a:solidFill>
+                            <a:schemeClr val="dk1"/>
+                          </a:solidFill>
+                          <a:latin typeface="Arial"/>
+                        </a:defRPr>
+                      </a:lvl7pPr>
+                      <a:lvl8pPr marL="3200400" algn="l" defTabSz="914400" rtl="0" eaLnBrk="1" latinLnBrk="0" hangingPunct="1">
+                        <a:defRPr sz="1800" kern="1200">
+                          <a:solidFill>
+                            <a:schemeClr val="dk1"/>
+                          </a:solidFill>
+                          <a:latin typeface="Arial"/>
+                        </a:defRPr>
+                      </a:lvl8pPr>
+                      <a:lvl9pPr marL="3657600" algn="l" defTabSz="914400" rtl="0" eaLnBrk="1" latinLnBrk="0" hangingPunct="1">
+                        <a:defRPr sz="1800" kern="1200">
+                          <a:solidFill>
+                            <a:schemeClr val="dk1"/>
+                          </a:solidFill>
+                          <a:latin typeface="Arial"/>
+                        </a:defRPr>
+                      </a:lvl9pPr>
+                    </a:lstStyle>
+                    <a:p>
+                      <a:r>
+                        <a:rPr lang="en-US" sz="1200" dirty="0" smtClean="0"/>
+                        <a:t>Major</a:t>
+                      </a:r>
+                      <a:endParaRPr lang="en-US" sz="1200" dirty="0"/>
+                    </a:p>
+                  </a:txBody>
+                  <a:tcPr marT="34290" marB="34290">
+                    <a:lnL w="12700" cmpd="sng">
+                      <a:solidFill>
+                        <a:srgbClr val="93A299"/>
+                      </a:solidFill>
+                    </a:lnL>
+                    <a:lnR w="12700" cmpd="sng">
+                      <a:solidFill>
+                        <a:srgbClr val="93A299"/>
+                      </a:solidFill>
+                    </a:lnR>
+                    <a:lnT w="12700" cmpd="sng">
+                      <a:solidFill>
+                        <a:srgbClr val="93A299"/>
+                      </a:solidFill>
+                    </a:lnT>
+                    <a:lnB w="12700" cmpd="sng">
+                      <a:solidFill>
+                        <a:srgbClr val="93A299"/>
+                      </a:solidFill>
+                    </a:lnB>
+                    <a:lnTlToBr w="12700" cmpd="sng">
+                      <a:noFill/>
+                      <a:prstDash val="solid"/>
+                    </a:lnTlToBr>
+                    <a:lnBlToTr w="12700" cmpd="sng">
+                      <a:noFill/>
+                      <a:prstDash val="solid"/>
+                    </a:lnBlToTr>
+                    <a:solidFill>
+                      <a:srgbClr val="FFFFFF"/>
+                    </a:solidFill>
+                  </a:tcPr>
+                </a:tc>
+              </a:tr>
+              <a:tr h="278130">
+                <a:tc>
+                  <a:txBody>
+                    <a:bodyPr/>
+                    <a:lstStyle>
+                      <a:lvl1pPr marL="0" algn="l" defTabSz="914400" rtl="0" eaLnBrk="1" latinLnBrk="0" hangingPunct="1">
+                        <a:defRPr sz="1800" kern="1200">
+                          <a:solidFill>
+                            <a:schemeClr val="dk1"/>
+                          </a:solidFill>
+                          <a:latin typeface="Arial"/>
+                        </a:defRPr>
+                      </a:lvl1pPr>
+                      <a:lvl2pPr marL="457200" algn="l" defTabSz="914400" rtl="0" eaLnBrk="1" latinLnBrk="0" hangingPunct="1">
+                        <a:defRPr sz="1800" kern="1200">
+                          <a:solidFill>
+                            <a:schemeClr val="dk1"/>
+                          </a:solidFill>
+                          <a:latin typeface="Arial"/>
+                        </a:defRPr>
+                      </a:lvl2pPr>
+                      <a:lvl3pPr marL="914400" algn="l" defTabSz="914400" rtl="0" eaLnBrk="1" latinLnBrk="0" hangingPunct="1">
+                        <a:defRPr sz="1800" kern="1200">
+                          <a:solidFill>
+                            <a:schemeClr val="dk1"/>
+                          </a:solidFill>
+                          <a:latin typeface="Arial"/>
+                        </a:defRPr>
+                      </a:lvl3pPr>
+                      <a:lvl4pPr marL="1371600" algn="l" defTabSz="914400" rtl="0" eaLnBrk="1" latinLnBrk="0" hangingPunct="1">
+                        <a:defRPr sz="1800" kern="1200">
+                          <a:solidFill>
+                            <a:schemeClr val="dk1"/>
+                          </a:solidFill>
+                          <a:latin typeface="Arial"/>
+                        </a:defRPr>
+                      </a:lvl4pPr>
+                      <a:lvl5pPr marL="1828800" algn="l" defTabSz="914400" rtl="0" eaLnBrk="1" latinLnBrk="0" hangingPunct="1">
+                        <a:defRPr sz="1800" kern="1200">
+                          <a:solidFill>
+                            <a:schemeClr val="dk1"/>
+                          </a:solidFill>
+                          <a:latin typeface="Arial"/>
+                        </a:defRPr>
+                      </a:lvl5pPr>
+                      <a:lvl6pPr marL="2286000" algn="l" defTabSz="914400" rtl="0" eaLnBrk="1" latinLnBrk="0" hangingPunct="1">
+                        <a:defRPr sz="1800" kern="1200">
+                          <a:solidFill>
+                            <a:schemeClr val="dk1"/>
+                          </a:solidFill>
+                          <a:latin typeface="Arial"/>
+                        </a:defRPr>
+                      </a:lvl6pPr>
+                      <a:lvl7pPr marL="2743200" algn="l" defTabSz="914400" rtl="0" eaLnBrk="1" latinLnBrk="0" hangingPunct="1">
+                        <a:defRPr sz="1800" kern="1200">
+                          <a:solidFill>
+                            <a:schemeClr val="dk1"/>
+                          </a:solidFill>
+                          <a:latin typeface="Arial"/>
+                        </a:defRPr>
+                      </a:lvl7pPr>
+                      <a:lvl8pPr marL="3200400" algn="l" defTabSz="914400" rtl="0" eaLnBrk="1" latinLnBrk="0" hangingPunct="1">
+                        <a:defRPr sz="1800" kern="1200">
+                          <a:solidFill>
+                            <a:schemeClr val="dk1"/>
+                          </a:solidFill>
+                          <a:latin typeface="Arial"/>
+                        </a:defRPr>
+                      </a:lvl8pPr>
+                      <a:lvl9pPr marL="3657600" algn="l" defTabSz="914400" rtl="0" eaLnBrk="1" latinLnBrk="0" hangingPunct="1">
+                        <a:defRPr sz="1800" kern="1200">
+                          <a:solidFill>
+                            <a:schemeClr val="dk1"/>
+                          </a:solidFill>
+                          <a:latin typeface="Arial"/>
+                        </a:defRPr>
+                      </a:lvl9pPr>
+                    </a:lstStyle>
+                    <a:p>
+                      <a:r>
+                        <a:rPr lang="en-US" sz="1200" dirty="0" smtClean="0"/>
+                        <a:t>Year (From… To…)</a:t>
+                      </a:r>
+                      <a:endParaRPr lang="en-US" sz="1200" dirty="0"/>
+                    </a:p>
+                  </a:txBody>
+                  <a:tcPr marT="34290" marB="34290">
+                    <a:lnL w="12700" cmpd="sng">
+                      <a:solidFill>
+                        <a:srgbClr val="93A299"/>
+                      </a:solidFill>
+                    </a:lnL>
+                    <a:lnR w="12700" cmpd="sng">
+                      <a:solidFill>
+                        <a:srgbClr val="93A299"/>
+                      </a:solidFill>
+                    </a:lnR>
+                    <a:lnT w="12700" cmpd="sng">
+                      <a:solidFill>
+                        <a:srgbClr val="93A299"/>
+                      </a:solidFill>
+                    </a:lnT>
+                    <a:lnB w="12700" cmpd="sng">
+                      <a:solidFill>
+                        <a:srgbClr val="93A299"/>
+                      </a:solidFill>
+                    </a:lnB>
+                    <a:lnTlToBr w="12700" cmpd="sng">
+                      <a:noFill/>
+                      <a:prstDash val="solid"/>
+                    </a:lnTlToBr>
+                    <a:lnBlToTr w="12700" cmpd="sng">
+                      <a:noFill/>
+                      <a:prstDash val="solid"/>
+                    </a:lnBlToTr>
+                    <a:solidFill>
+                      <a:srgbClr val="93A299">
+                        <a:tint val="20000"/>
+                      </a:srgbClr>
+                    </a:solidFill>
+                  </a:tcPr>
+                </a:tc>
+              </a:tr>
+              <a:tr h="278130">
+                <a:tc>
+                  <a:txBody>
+                    <a:bodyPr/>
+                    <a:lstStyle>
+                      <a:lvl1pPr marL="0" algn="l" defTabSz="914400" rtl="0" eaLnBrk="1" latinLnBrk="0" hangingPunct="1">
+                        <a:defRPr sz="1800" kern="1200">
+                          <a:solidFill>
+                            <a:schemeClr val="dk1"/>
+                          </a:solidFill>
+                          <a:latin typeface="Arial"/>
+                        </a:defRPr>
+                      </a:lvl1pPr>
+                      <a:lvl2pPr marL="457200" algn="l" defTabSz="914400" rtl="0" eaLnBrk="1" latinLnBrk="0" hangingPunct="1">
+                        <a:defRPr sz="1800" kern="1200">
+                          <a:solidFill>
+                            <a:schemeClr val="dk1"/>
+                          </a:solidFill>
+                          <a:latin typeface="Arial"/>
+                        </a:defRPr>
+                      </a:lvl2pPr>
+                      <a:lvl3pPr marL="914400" algn="l" defTabSz="914400" rtl="0" eaLnBrk="1" latinLnBrk="0" hangingPunct="1">
+                        <a:defRPr sz="1800" kern="1200">
+                          <a:solidFill>
+                            <a:schemeClr val="dk1"/>
+                          </a:solidFill>
+                          <a:latin typeface="Arial"/>
+                        </a:defRPr>
+                      </a:lvl3pPr>
+                      <a:lvl4pPr marL="1371600" algn="l" defTabSz="914400" rtl="0" eaLnBrk="1" latinLnBrk="0" hangingPunct="1">
+                        <a:defRPr sz="1800" kern="1200">
+                          <a:solidFill>
+                            <a:schemeClr val="dk1"/>
+                          </a:solidFill>
+                          <a:latin typeface="Arial"/>
+                        </a:defRPr>
+                      </a:lvl4pPr>
+                      <a:lvl5pPr marL="1828800" algn="l" defTabSz="914400" rtl="0" eaLnBrk="1" latinLnBrk="0" hangingPunct="1">
+                        <a:defRPr sz="1800" kern="1200">
+                          <a:solidFill>
+                            <a:schemeClr val="dk1"/>
+                          </a:solidFill>
+                          <a:latin typeface="Arial"/>
+                        </a:defRPr>
+                      </a:lvl5pPr>
+                      <a:lvl6pPr marL="2286000" algn="l" defTabSz="914400" rtl="0" eaLnBrk="1" latinLnBrk="0" hangingPunct="1">
+                        <a:defRPr sz="1800" kern="1200">
+                          <a:solidFill>
+                            <a:schemeClr val="dk1"/>
+                          </a:solidFill>
+                          <a:latin typeface="Arial"/>
+                        </a:defRPr>
+                      </a:lvl6pPr>
+                      <a:lvl7pPr marL="2743200" algn="l" defTabSz="914400" rtl="0" eaLnBrk="1" latinLnBrk="0" hangingPunct="1">
+                        <a:defRPr sz="1800" kern="1200">
+                          <a:solidFill>
+                            <a:schemeClr val="dk1"/>
+                          </a:solidFill>
+                          <a:latin typeface="Arial"/>
+                        </a:defRPr>
+                      </a:lvl7pPr>
+                      <a:lvl8pPr marL="3200400" algn="l" defTabSz="914400" rtl="0" eaLnBrk="1" latinLnBrk="0" hangingPunct="1">
+                        <a:defRPr sz="1800" kern="1200">
+                          <a:solidFill>
+                            <a:schemeClr val="dk1"/>
+                          </a:solidFill>
+                          <a:latin typeface="Arial"/>
+                        </a:defRPr>
+                      </a:lvl8pPr>
+                      <a:lvl9pPr marL="3657600" algn="l" defTabSz="914400" rtl="0" eaLnBrk="1" latinLnBrk="0" hangingPunct="1">
+                        <a:defRPr sz="1800" kern="1200">
+                          <a:solidFill>
+                            <a:schemeClr val="dk1"/>
+                          </a:solidFill>
+                          <a:latin typeface="Arial"/>
+                        </a:defRPr>
+                      </a:lvl9pPr>
+                    </a:lstStyle>
+                    <a:p>
+                      <a:r>
+                        <a:rPr lang="en-US" sz="1200" dirty="0" smtClean="0">
+                          <a:solidFill>
+                            <a:srgbClr val="FF0000"/>
+                          </a:solidFill>
+                        </a:rPr>
+                        <a:t>Languages</a:t>
+                      </a:r>
+                      <a:endParaRPr lang="en-US" sz="1200" dirty="0">
+                        <a:solidFill>
+                          <a:srgbClr val="FF0000"/>
+                        </a:solidFill>
+                      </a:endParaRPr>
+                    </a:p>
+                  </a:txBody>
+                  <a:tcPr marT="34290" marB="34290">
+                    <a:lnL w="12700" cmpd="sng">
+                      <a:solidFill>
+                        <a:srgbClr val="93A299"/>
+                      </a:solidFill>
+                    </a:lnL>
+                    <a:lnR w="12700" cmpd="sng">
+                      <a:solidFill>
+                        <a:srgbClr val="93A299"/>
+                      </a:solidFill>
+                    </a:lnR>
+                    <a:lnT w="12700" cmpd="sng">
+                      <a:solidFill>
+                        <a:srgbClr val="93A299"/>
+                      </a:solidFill>
+                    </a:lnT>
+                    <a:lnB w="12700" cmpd="sng">
+                      <a:solidFill>
+                        <a:srgbClr val="93A299"/>
+                      </a:solidFill>
+                    </a:lnB>
+                    <a:lnTlToBr w="12700" cmpd="sng">
+                      <a:noFill/>
+                      <a:prstDash val="solid"/>
+                    </a:lnTlToBr>
+                    <a:lnBlToTr w="12700" cmpd="sng">
+                      <a:noFill/>
+                      <a:prstDash val="solid"/>
+                    </a:lnBlToTr>
+                    <a:solidFill>
+                      <a:srgbClr val="FFFFFF"/>
+                    </a:solidFill>
+                  </a:tcPr>
+                </a:tc>
+              </a:tr>
+              <a:tr h="278130">
+                <a:tc>
+                  <a:txBody>
+                    <a:bodyPr/>
+                    <a:lstStyle>
+                      <a:lvl1pPr marL="0" algn="l" defTabSz="914400" rtl="0" eaLnBrk="1" latinLnBrk="0" hangingPunct="1">
+                        <a:defRPr sz="1800" kern="1200">
+                          <a:solidFill>
+                            <a:schemeClr val="dk1"/>
+                          </a:solidFill>
+                          <a:latin typeface="Arial"/>
+                        </a:defRPr>
+                      </a:lvl1pPr>
+                      <a:lvl2pPr marL="457200" algn="l" defTabSz="914400" rtl="0" eaLnBrk="1" latinLnBrk="0" hangingPunct="1">
+                        <a:defRPr sz="1800" kern="1200">
+                          <a:solidFill>
+                            <a:schemeClr val="dk1"/>
+                          </a:solidFill>
+                          <a:latin typeface="Arial"/>
+                        </a:defRPr>
+                      </a:lvl2pPr>
+                      <a:lvl3pPr marL="914400" algn="l" defTabSz="914400" rtl="0" eaLnBrk="1" latinLnBrk="0" hangingPunct="1">
+                        <a:defRPr sz="1800" kern="1200">
+                          <a:solidFill>
+                            <a:schemeClr val="dk1"/>
+                          </a:solidFill>
+                          <a:latin typeface="Arial"/>
+                        </a:defRPr>
+                      </a:lvl3pPr>
+                      <a:lvl4pPr marL="1371600" algn="l" defTabSz="914400" rtl="0" eaLnBrk="1" latinLnBrk="0" hangingPunct="1">
+                        <a:defRPr sz="1800" kern="1200">
+                          <a:solidFill>
+                            <a:schemeClr val="dk1"/>
+                          </a:solidFill>
+                          <a:latin typeface="Arial"/>
+                        </a:defRPr>
+                      </a:lvl4pPr>
+                      <a:lvl5pPr marL="1828800" algn="l" defTabSz="914400" rtl="0" eaLnBrk="1" latinLnBrk="0" hangingPunct="1">
+                        <a:defRPr sz="1800" kern="1200">
+                          <a:solidFill>
+                            <a:schemeClr val="dk1"/>
+                          </a:solidFill>
+                          <a:latin typeface="Arial"/>
+                        </a:defRPr>
+                      </a:lvl5pPr>
+                      <a:lvl6pPr marL="2286000" algn="l" defTabSz="914400" rtl="0" eaLnBrk="1" latinLnBrk="0" hangingPunct="1">
+                        <a:defRPr sz="1800" kern="1200">
+                          <a:solidFill>
+                            <a:schemeClr val="dk1"/>
+                          </a:solidFill>
+                          <a:latin typeface="Arial"/>
+                        </a:defRPr>
+                      </a:lvl6pPr>
+                      <a:lvl7pPr marL="2743200" algn="l" defTabSz="914400" rtl="0" eaLnBrk="1" latinLnBrk="0" hangingPunct="1">
+                        <a:defRPr sz="1800" kern="1200">
+                          <a:solidFill>
+                            <a:schemeClr val="dk1"/>
+                          </a:solidFill>
+                          <a:latin typeface="Arial"/>
+                        </a:defRPr>
+                      </a:lvl7pPr>
+                      <a:lvl8pPr marL="3200400" algn="l" defTabSz="914400" rtl="0" eaLnBrk="1" latinLnBrk="0" hangingPunct="1">
+                        <a:defRPr sz="1800" kern="1200">
+                          <a:solidFill>
+                            <a:schemeClr val="dk1"/>
+                          </a:solidFill>
+                          <a:latin typeface="Arial"/>
+                        </a:defRPr>
+                      </a:lvl8pPr>
+                      <a:lvl9pPr marL="3657600" algn="l" defTabSz="914400" rtl="0" eaLnBrk="1" latinLnBrk="0" hangingPunct="1">
+                        <a:defRPr sz="1800" kern="1200">
+                          <a:solidFill>
+                            <a:schemeClr val="dk1"/>
+                          </a:solidFill>
+                          <a:latin typeface="Arial"/>
+                        </a:defRPr>
+                      </a:lvl9pPr>
+                    </a:lstStyle>
+                    <a:p>
+                      <a:pPr marL="0" marR="0" indent="0" algn="l" defTabSz="914400" rtl="0" eaLnBrk="1" fontAlgn="auto" latinLnBrk="0" hangingPunct="1">
+                        <a:lnSpc>
+                          <a:spcPct val="100000"/>
+                        </a:lnSpc>
+                        <a:spcBef>
+                          <a:spcPts val="0"/>
+                        </a:spcBef>
+                        <a:spcAft>
+                          <a:spcPts val="0"/>
+                        </a:spcAft>
+                        <a:buClrTx/>
+                        <a:buSzTx/>
+                        <a:buFontTx/>
+                        <a:buNone/>
+                        <a:tabLst/>
+                        <a:defRPr/>
+                      </a:pPr>
+                      <a:r>
+                        <a:rPr lang="en-US" sz="1200" dirty="0" smtClean="0"/>
+                        <a:t>Experiences</a:t>
+                      </a:r>
+                      <a:endParaRPr lang="en-US" sz="1200" dirty="0">
+                        <a:solidFill>
+                          <a:srgbClr val="FF0000"/>
+                        </a:solidFill>
+                      </a:endParaRPr>
+                    </a:p>
+                  </a:txBody>
+                  <a:tcPr marT="34290" marB="34290">
+                    <a:lnL w="12700" cmpd="sng">
+                      <a:solidFill>
+                        <a:srgbClr val="93A299"/>
+                      </a:solidFill>
+                    </a:lnL>
+                    <a:lnR w="12700" cmpd="sng">
+                      <a:solidFill>
+                        <a:srgbClr val="93A299"/>
+                      </a:solidFill>
+                    </a:lnR>
+                    <a:lnT w="12700" cmpd="sng">
+                      <a:solidFill>
+                        <a:srgbClr val="93A299"/>
+                      </a:solidFill>
+                    </a:lnT>
+                    <a:lnB w="12700" cmpd="sng">
+                      <a:solidFill>
+                        <a:srgbClr val="93A299"/>
+                      </a:solidFill>
+                    </a:lnB>
+                    <a:lnTlToBr w="12700" cmpd="sng">
+                      <a:noFill/>
+                      <a:prstDash val="solid"/>
+                    </a:lnTlToBr>
+                    <a:lnBlToTr w="12700" cmpd="sng">
+                      <a:noFill/>
+                      <a:prstDash val="solid"/>
+                    </a:lnBlToTr>
+                    <a:solidFill>
+                      <a:srgbClr val="93A299">
+                        <a:tint val="20000"/>
+                      </a:srgbClr>
+                    </a:solidFill>
+                  </a:tcPr>
+                </a:tc>
+              </a:tr>
+            </a:tbl>
+          </a:graphicData>
+        </a:graphic>
+      </p:graphicFrame>
+      <p:graphicFrame>
+        <p:nvGraphicFramePr>
+          <p:cNvPr id="22" name="Content Placeholder 3"/>
+          <p:cNvGraphicFramePr>
+            <a:graphicFrameLocks/>
+          </p:cNvGraphicFramePr>
+          <p:nvPr>
+            <p:extLst>
+              <p:ext uri="{D42A27DB-BD31-4B8C-83A1-F6EECF244321}">
+                <p14:modId xmlns:p14="http://schemas.microsoft.com/office/powerpoint/2010/main" val="1397884578"/>
+              </p:ext>
+            </p:extLst>
+          </p:nvPr>
+        </p:nvGraphicFramePr>
+        <p:xfrm>
+          <a:off x="2286000" y="3176501"/>
+          <a:ext cx="2216468" cy="834390"/>
+        </p:xfrm>
+        <a:graphic>
+          <a:graphicData uri="http://schemas.openxmlformats.org/drawingml/2006/table">
+            <a:tbl>
+              <a:tblPr firstRow="1" bandRow="1"/>
+              <a:tblGrid>
+                <a:gridCol w="2216468"/>
+              </a:tblGrid>
+              <a:tr h="278130">
+                <a:tc>
+                  <a:txBody>
+                    <a:bodyPr/>
+                    <a:lstStyle>
+                      <a:lvl1pPr marL="0" algn="l" defTabSz="914400" rtl="0" eaLnBrk="1" latinLnBrk="0" hangingPunct="1">
+                        <a:defRPr sz="1800" b="1" kern="1200">
+                          <a:solidFill>
+                            <a:schemeClr val="lt1"/>
+                          </a:solidFill>
+                          <a:latin typeface="Arial"/>
+                        </a:defRPr>
+                      </a:lvl1pPr>
+                      <a:lvl2pPr marL="457200" algn="l" defTabSz="914400" rtl="0" eaLnBrk="1" latinLnBrk="0" hangingPunct="1">
+                        <a:defRPr sz="1800" b="1" kern="1200">
+                          <a:solidFill>
+                            <a:schemeClr val="lt1"/>
+                          </a:solidFill>
+                          <a:latin typeface="Arial"/>
+                        </a:defRPr>
+                      </a:lvl2pPr>
+                      <a:lvl3pPr marL="914400" algn="l" defTabSz="914400" rtl="0" eaLnBrk="1" latinLnBrk="0" hangingPunct="1">
+                        <a:defRPr sz="1800" b="1" kern="1200">
+                          <a:solidFill>
+                            <a:schemeClr val="lt1"/>
+                          </a:solidFill>
+                          <a:latin typeface="Arial"/>
+                        </a:defRPr>
+                      </a:lvl3pPr>
+                      <a:lvl4pPr marL="1371600" algn="l" defTabSz="914400" rtl="0" eaLnBrk="1" latinLnBrk="0" hangingPunct="1">
+                        <a:defRPr sz="1800" b="1" kern="1200">
+                          <a:solidFill>
+                            <a:schemeClr val="lt1"/>
+                          </a:solidFill>
+                          <a:latin typeface="Arial"/>
+                        </a:defRPr>
+                      </a:lvl4pPr>
+                      <a:lvl5pPr marL="1828800" algn="l" defTabSz="914400" rtl="0" eaLnBrk="1" latinLnBrk="0" hangingPunct="1">
+                        <a:defRPr sz="1800" b="1" kern="1200">
+                          <a:solidFill>
+                            <a:schemeClr val="lt1"/>
+                          </a:solidFill>
+                          <a:latin typeface="Arial"/>
+                        </a:defRPr>
+                      </a:lvl5pPr>
+                      <a:lvl6pPr marL="2286000" algn="l" defTabSz="914400" rtl="0" eaLnBrk="1" latinLnBrk="0" hangingPunct="1">
+                        <a:defRPr sz="1800" b="1" kern="1200">
+                          <a:solidFill>
+                            <a:schemeClr val="lt1"/>
+                          </a:solidFill>
+                          <a:latin typeface="Arial"/>
+                        </a:defRPr>
+                      </a:lvl6pPr>
+                      <a:lvl7pPr marL="2743200" algn="l" defTabSz="914400" rtl="0" eaLnBrk="1" latinLnBrk="0" hangingPunct="1">
+                        <a:defRPr sz="1800" b="1" kern="1200">
+                          <a:solidFill>
+                            <a:schemeClr val="lt1"/>
+                          </a:solidFill>
+                          <a:latin typeface="Arial"/>
+                        </a:defRPr>
+                      </a:lvl7pPr>
+                      <a:lvl8pPr marL="3200400" algn="l" defTabSz="914400" rtl="0" eaLnBrk="1" latinLnBrk="0" hangingPunct="1">
+                        <a:defRPr sz="1800" b="1" kern="1200">
+                          <a:solidFill>
+                            <a:schemeClr val="lt1"/>
+                          </a:solidFill>
+                          <a:latin typeface="Arial"/>
+                        </a:defRPr>
+                      </a:lvl8pPr>
+                      <a:lvl9pPr marL="3657600" algn="l" defTabSz="914400" rtl="0" eaLnBrk="1" latinLnBrk="0" hangingPunct="1">
+                        <a:defRPr sz="1800" b="1" kern="1200">
+                          <a:solidFill>
+                            <a:schemeClr val="lt1"/>
+                          </a:solidFill>
+                          <a:latin typeface="Arial"/>
+                        </a:defRPr>
+                      </a:lvl9pPr>
+                    </a:lstStyle>
+                    <a:p>
+                      <a:r>
+                        <a:rPr lang="en-US" sz="1200" dirty="0" smtClean="0"/>
+                        <a:t>Job expectation</a:t>
+                      </a:r>
+                      <a:endParaRPr lang="en-US" sz="1200" dirty="0"/>
+                    </a:p>
+                  </a:txBody>
+                  <a:tcPr marT="34290" marB="34290">
+                    <a:lnL w="12700" cmpd="sng">
+                      <a:solidFill>
+                        <a:srgbClr val="93A299"/>
+                      </a:solidFill>
+                    </a:lnL>
+                    <a:lnR w="12700" cmpd="sng">
+                      <a:solidFill>
+                        <a:srgbClr val="93A299"/>
+                      </a:solidFill>
+                    </a:lnR>
+                    <a:lnT w="12700" cmpd="sng">
+                      <a:solidFill>
+                        <a:srgbClr val="93A299"/>
+                      </a:solidFill>
+                    </a:lnT>
+                    <a:lnB w="12700" cmpd="sng">
+                      <a:solidFill>
+                        <a:srgbClr val="93A299"/>
+                      </a:solidFill>
+                    </a:lnB>
+                    <a:lnTlToBr w="12700" cmpd="sng">
+                      <a:noFill/>
+                      <a:prstDash val="solid"/>
+                    </a:lnTlToBr>
+                    <a:lnBlToTr w="12700" cmpd="sng">
+                      <a:noFill/>
+                      <a:prstDash val="solid"/>
+                    </a:lnBlToTr>
+                    <a:solidFill>
+                      <a:srgbClr val="93A299"/>
+                    </a:solidFill>
+                  </a:tcPr>
+                </a:tc>
+              </a:tr>
+              <a:tr h="278130">
+                <a:tc>
+                  <a:txBody>
+                    <a:bodyPr/>
+                    <a:lstStyle>
+                      <a:lvl1pPr marL="0" algn="l" defTabSz="914400" rtl="0" eaLnBrk="1" latinLnBrk="0" hangingPunct="1">
+                        <a:defRPr sz="1800" kern="1200">
+                          <a:solidFill>
+                            <a:schemeClr val="dk1"/>
+                          </a:solidFill>
+                          <a:latin typeface="Arial"/>
+                        </a:defRPr>
+                      </a:lvl1pPr>
+                      <a:lvl2pPr marL="457200" algn="l" defTabSz="914400" rtl="0" eaLnBrk="1" latinLnBrk="0" hangingPunct="1">
+                        <a:defRPr sz="1800" kern="1200">
+                          <a:solidFill>
+                            <a:schemeClr val="dk1"/>
+                          </a:solidFill>
+                          <a:latin typeface="Arial"/>
+                        </a:defRPr>
+                      </a:lvl2pPr>
+                      <a:lvl3pPr marL="914400" algn="l" defTabSz="914400" rtl="0" eaLnBrk="1" latinLnBrk="0" hangingPunct="1">
+                        <a:defRPr sz="1800" kern="1200">
+                          <a:solidFill>
+                            <a:schemeClr val="dk1"/>
+                          </a:solidFill>
+                          <a:latin typeface="Arial"/>
+                        </a:defRPr>
+                      </a:lvl3pPr>
+                      <a:lvl4pPr marL="1371600" algn="l" defTabSz="914400" rtl="0" eaLnBrk="1" latinLnBrk="0" hangingPunct="1">
+                        <a:defRPr sz="1800" kern="1200">
+                          <a:solidFill>
+                            <a:schemeClr val="dk1"/>
+                          </a:solidFill>
+                          <a:latin typeface="Arial"/>
+                        </a:defRPr>
+                      </a:lvl4pPr>
+                      <a:lvl5pPr marL="1828800" algn="l" defTabSz="914400" rtl="0" eaLnBrk="1" latinLnBrk="0" hangingPunct="1">
+                        <a:defRPr sz="1800" kern="1200">
+                          <a:solidFill>
+                            <a:schemeClr val="dk1"/>
+                          </a:solidFill>
+                          <a:latin typeface="Arial"/>
+                        </a:defRPr>
+                      </a:lvl5pPr>
+                      <a:lvl6pPr marL="2286000" algn="l" defTabSz="914400" rtl="0" eaLnBrk="1" latinLnBrk="0" hangingPunct="1">
+                        <a:defRPr sz="1800" kern="1200">
+                          <a:solidFill>
+                            <a:schemeClr val="dk1"/>
+                          </a:solidFill>
+                          <a:latin typeface="Arial"/>
+                        </a:defRPr>
+                      </a:lvl6pPr>
+                      <a:lvl7pPr marL="2743200" algn="l" defTabSz="914400" rtl="0" eaLnBrk="1" latinLnBrk="0" hangingPunct="1">
+                        <a:defRPr sz="1800" kern="1200">
+                          <a:solidFill>
+                            <a:schemeClr val="dk1"/>
+                          </a:solidFill>
+                          <a:latin typeface="Arial"/>
+                        </a:defRPr>
+                      </a:lvl7pPr>
+                      <a:lvl8pPr marL="3200400" algn="l" defTabSz="914400" rtl="0" eaLnBrk="1" latinLnBrk="0" hangingPunct="1">
+                        <a:defRPr sz="1800" kern="1200">
+                          <a:solidFill>
+                            <a:schemeClr val="dk1"/>
+                          </a:solidFill>
+                          <a:latin typeface="Arial"/>
+                        </a:defRPr>
+                      </a:lvl8pPr>
+                      <a:lvl9pPr marL="3657600" algn="l" defTabSz="914400" rtl="0" eaLnBrk="1" latinLnBrk="0" hangingPunct="1">
+                        <a:defRPr sz="1800" kern="1200">
+                          <a:solidFill>
+                            <a:schemeClr val="dk1"/>
+                          </a:solidFill>
+                          <a:latin typeface="Arial"/>
+                        </a:defRPr>
+                      </a:lvl9pPr>
+                    </a:lstStyle>
+                    <a:p>
+                      <a:r>
+                        <a:rPr lang="en-US" sz="1200" dirty="0" smtClean="0">
+                          <a:solidFill>
+                            <a:srgbClr val="FF0000"/>
+                          </a:solidFill>
+                        </a:rPr>
+                        <a:t>Objectives</a:t>
+                      </a:r>
+                      <a:endParaRPr lang="en-US" sz="1200" dirty="0">
+                        <a:solidFill>
+                          <a:srgbClr val="FF0000"/>
+                        </a:solidFill>
+                      </a:endParaRPr>
+                    </a:p>
+                  </a:txBody>
+                  <a:tcPr marT="34290" marB="34290">
+                    <a:lnL w="12700" cmpd="sng">
+                      <a:solidFill>
+                        <a:srgbClr val="93A299"/>
+                      </a:solidFill>
+                    </a:lnL>
+                    <a:lnR w="12700" cmpd="sng">
+                      <a:solidFill>
+                        <a:srgbClr val="93A299"/>
+                      </a:solidFill>
+                    </a:lnR>
+                    <a:lnT w="12700" cmpd="sng">
+                      <a:solidFill>
+                        <a:srgbClr val="93A299"/>
+                      </a:solidFill>
+                    </a:lnT>
+                    <a:lnB w="12700" cmpd="sng">
+                      <a:solidFill>
+                        <a:srgbClr val="93A299"/>
+                      </a:solidFill>
+                    </a:lnB>
+                    <a:lnTlToBr w="12700" cmpd="sng">
+                      <a:noFill/>
+                      <a:prstDash val="solid"/>
+                    </a:lnTlToBr>
+                    <a:lnBlToTr w="12700" cmpd="sng">
+                      <a:noFill/>
+                      <a:prstDash val="solid"/>
+                    </a:lnBlToTr>
+                    <a:solidFill>
+                      <a:srgbClr val="93A299">
+                        <a:tint val="20000"/>
+                      </a:srgbClr>
+                    </a:solidFill>
+                  </a:tcPr>
+                </a:tc>
+              </a:tr>
+              <a:tr h="278130">
+                <a:tc>
+                  <a:txBody>
+                    <a:bodyPr/>
+                    <a:lstStyle>
+                      <a:lvl1pPr marL="0" algn="l" defTabSz="914400" rtl="0" eaLnBrk="1" latinLnBrk="0" hangingPunct="1">
+                        <a:defRPr sz="1800" kern="1200">
+                          <a:solidFill>
+                            <a:schemeClr val="dk1"/>
+                          </a:solidFill>
+                          <a:latin typeface="Arial"/>
+                        </a:defRPr>
+                      </a:lvl1pPr>
+                      <a:lvl2pPr marL="457200" algn="l" defTabSz="914400" rtl="0" eaLnBrk="1" latinLnBrk="0" hangingPunct="1">
+                        <a:defRPr sz="1800" kern="1200">
+                          <a:solidFill>
+                            <a:schemeClr val="dk1"/>
+                          </a:solidFill>
+                          <a:latin typeface="Arial"/>
+                        </a:defRPr>
+                      </a:lvl2pPr>
+                      <a:lvl3pPr marL="914400" algn="l" defTabSz="914400" rtl="0" eaLnBrk="1" latinLnBrk="0" hangingPunct="1">
+                        <a:defRPr sz="1800" kern="1200">
+                          <a:solidFill>
+                            <a:schemeClr val="dk1"/>
+                          </a:solidFill>
+                          <a:latin typeface="Arial"/>
+                        </a:defRPr>
+                      </a:lvl3pPr>
+                      <a:lvl4pPr marL="1371600" algn="l" defTabSz="914400" rtl="0" eaLnBrk="1" latinLnBrk="0" hangingPunct="1">
+                        <a:defRPr sz="1800" kern="1200">
+                          <a:solidFill>
+                            <a:schemeClr val="dk1"/>
+                          </a:solidFill>
+                          <a:latin typeface="Arial"/>
+                        </a:defRPr>
+                      </a:lvl4pPr>
+                      <a:lvl5pPr marL="1828800" algn="l" defTabSz="914400" rtl="0" eaLnBrk="1" latinLnBrk="0" hangingPunct="1">
+                        <a:defRPr sz="1800" kern="1200">
+                          <a:solidFill>
+                            <a:schemeClr val="dk1"/>
+                          </a:solidFill>
+                          <a:latin typeface="Arial"/>
+                        </a:defRPr>
+                      </a:lvl5pPr>
+                      <a:lvl6pPr marL="2286000" algn="l" defTabSz="914400" rtl="0" eaLnBrk="1" latinLnBrk="0" hangingPunct="1">
+                        <a:defRPr sz="1800" kern="1200">
+                          <a:solidFill>
+                            <a:schemeClr val="dk1"/>
+                          </a:solidFill>
+                          <a:latin typeface="Arial"/>
+                        </a:defRPr>
+                      </a:lvl6pPr>
+                      <a:lvl7pPr marL="2743200" algn="l" defTabSz="914400" rtl="0" eaLnBrk="1" latinLnBrk="0" hangingPunct="1">
+                        <a:defRPr sz="1800" kern="1200">
+                          <a:solidFill>
+                            <a:schemeClr val="dk1"/>
+                          </a:solidFill>
+                          <a:latin typeface="Arial"/>
+                        </a:defRPr>
+                      </a:lvl7pPr>
+                      <a:lvl8pPr marL="3200400" algn="l" defTabSz="914400" rtl="0" eaLnBrk="1" latinLnBrk="0" hangingPunct="1">
+                        <a:defRPr sz="1800" kern="1200">
+                          <a:solidFill>
+                            <a:schemeClr val="dk1"/>
+                          </a:solidFill>
+                          <a:latin typeface="Arial"/>
+                        </a:defRPr>
+                      </a:lvl8pPr>
+                      <a:lvl9pPr marL="3657600" algn="l" defTabSz="914400" rtl="0" eaLnBrk="1" latinLnBrk="0" hangingPunct="1">
+                        <a:defRPr sz="1800" kern="1200">
+                          <a:solidFill>
+                            <a:schemeClr val="dk1"/>
+                          </a:solidFill>
+                          <a:latin typeface="Arial"/>
+                        </a:defRPr>
+                      </a:lvl9pPr>
+                    </a:lstStyle>
+                    <a:p>
+                      <a:r>
+                        <a:rPr lang="en-US" sz="1200" dirty="0" err="1" smtClean="0">
+                          <a:solidFill>
+                            <a:srgbClr val="FF0000"/>
+                          </a:solidFill>
+                        </a:rPr>
+                        <a:t>Oppotunities</a:t>
+                      </a:r>
+                      <a:endParaRPr lang="en-US" sz="1200" dirty="0">
+                        <a:solidFill>
+                          <a:srgbClr val="FF0000"/>
+                        </a:solidFill>
+                      </a:endParaRPr>
+                    </a:p>
+                  </a:txBody>
+                  <a:tcPr marT="34290" marB="34290">
+                    <a:lnL w="12700" cmpd="sng">
+                      <a:solidFill>
+                        <a:srgbClr val="93A299"/>
+                      </a:solidFill>
+                    </a:lnL>
+                    <a:lnR w="12700" cmpd="sng">
+                      <a:solidFill>
+                        <a:srgbClr val="93A299"/>
+                      </a:solidFill>
+                    </a:lnR>
+                    <a:lnT w="12700" cmpd="sng">
+                      <a:solidFill>
+                        <a:srgbClr val="93A299"/>
+                      </a:solidFill>
+                    </a:lnT>
+                    <a:lnB w="12700" cmpd="sng">
+                      <a:solidFill>
+                        <a:srgbClr val="93A299"/>
+                      </a:solidFill>
+                    </a:lnB>
+                    <a:lnTlToBr w="12700" cmpd="sng">
+                      <a:noFill/>
+                      <a:prstDash val="solid"/>
+                    </a:lnTlToBr>
+                    <a:lnBlToTr w="12700" cmpd="sng">
+                      <a:noFill/>
+                      <a:prstDash val="solid"/>
+                    </a:lnBlToTr>
+                    <a:solidFill>
+                      <a:srgbClr val="FFFFFF"/>
+                    </a:solidFill>
+                  </a:tcPr>
+                </a:tc>
+              </a:tr>
+            </a:tbl>
+          </a:graphicData>
+        </a:graphic>
+      </p:graphicFrame>
+      <p:graphicFrame>
+        <p:nvGraphicFramePr>
+          <p:cNvPr id="23" name="Content Placeholder 3"/>
+          <p:cNvGraphicFramePr>
+            <a:graphicFrameLocks/>
+          </p:cNvGraphicFramePr>
+          <p:nvPr>
+            <p:extLst>
+              <p:ext uri="{D42A27DB-BD31-4B8C-83A1-F6EECF244321}">
+                <p14:modId xmlns:p14="http://schemas.microsoft.com/office/powerpoint/2010/main" val="3486524560"/>
+              </p:ext>
+            </p:extLst>
+          </p:nvPr>
+        </p:nvGraphicFramePr>
+        <p:xfrm>
+          <a:off x="5562600" y="3943350"/>
+          <a:ext cx="2216468" cy="1085850"/>
+        </p:xfrm>
+        <a:graphic>
+          <a:graphicData uri="http://schemas.openxmlformats.org/drawingml/2006/table">
+            <a:tbl>
+              <a:tblPr firstRow="1" bandRow="1"/>
+              <a:tblGrid>
+                <a:gridCol w="2216468"/>
+              </a:tblGrid>
+              <a:tr h="251460">
+                <a:tc>
+                  <a:txBody>
+                    <a:bodyPr/>
+                    <a:lstStyle>
+                      <a:lvl1pPr marL="0" algn="l" defTabSz="914400" rtl="0" eaLnBrk="1" latinLnBrk="0" hangingPunct="1">
+                        <a:defRPr sz="1800" b="1" kern="1200">
+                          <a:solidFill>
+                            <a:schemeClr val="lt1"/>
+                          </a:solidFill>
+                          <a:latin typeface="Arial"/>
+                        </a:defRPr>
+                      </a:lvl1pPr>
+                      <a:lvl2pPr marL="457200" algn="l" defTabSz="914400" rtl="0" eaLnBrk="1" latinLnBrk="0" hangingPunct="1">
+                        <a:defRPr sz="1800" b="1" kern="1200">
+                          <a:solidFill>
+                            <a:schemeClr val="lt1"/>
+                          </a:solidFill>
+                          <a:latin typeface="Arial"/>
+                        </a:defRPr>
+                      </a:lvl2pPr>
+                      <a:lvl3pPr marL="914400" algn="l" defTabSz="914400" rtl="0" eaLnBrk="1" latinLnBrk="0" hangingPunct="1">
+                        <a:defRPr sz="1800" b="1" kern="1200">
+                          <a:solidFill>
+                            <a:schemeClr val="lt1"/>
+                          </a:solidFill>
+                          <a:latin typeface="Arial"/>
+                        </a:defRPr>
+                      </a:lvl3pPr>
+                      <a:lvl4pPr marL="1371600" algn="l" defTabSz="914400" rtl="0" eaLnBrk="1" latinLnBrk="0" hangingPunct="1">
+                        <a:defRPr sz="1800" b="1" kern="1200">
+                          <a:solidFill>
+                            <a:schemeClr val="lt1"/>
+                          </a:solidFill>
+                          <a:latin typeface="Arial"/>
+                        </a:defRPr>
+                      </a:lvl4pPr>
+                      <a:lvl5pPr marL="1828800" algn="l" defTabSz="914400" rtl="0" eaLnBrk="1" latinLnBrk="0" hangingPunct="1">
+                        <a:defRPr sz="1800" b="1" kern="1200">
+                          <a:solidFill>
+                            <a:schemeClr val="lt1"/>
+                          </a:solidFill>
+                          <a:latin typeface="Arial"/>
+                        </a:defRPr>
+                      </a:lvl5pPr>
+                      <a:lvl6pPr marL="2286000" algn="l" defTabSz="914400" rtl="0" eaLnBrk="1" latinLnBrk="0" hangingPunct="1">
+                        <a:defRPr sz="1800" b="1" kern="1200">
+                          <a:solidFill>
+                            <a:schemeClr val="lt1"/>
+                          </a:solidFill>
+                          <a:latin typeface="Arial"/>
+                        </a:defRPr>
+                      </a:lvl6pPr>
+                      <a:lvl7pPr marL="2743200" algn="l" defTabSz="914400" rtl="0" eaLnBrk="1" latinLnBrk="0" hangingPunct="1">
+                        <a:defRPr sz="1800" b="1" kern="1200">
+                          <a:solidFill>
+                            <a:schemeClr val="lt1"/>
+                          </a:solidFill>
+                          <a:latin typeface="Arial"/>
+                        </a:defRPr>
+                      </a:lvl7pPr>
+                      <a:lvl8pPr marL="3200400" algn="l" defTabSz="914400" rtl="0" eaLnBrk="1" latinLnBrk="0" hangingPunct="1">
+                        <a:defRPr sz="1800" b="1" kern="1200">
+                          <a:solidFill>
+                            <a:schemeClr val="lt1"/>
+                          </a:solidFill>
+                          <a:latin typeface="Arial"/>
+                        </a:defRPr>
+                      </a:lvl8pPr>
+                      <a:lvl9pPr marL="3657600" algn="l" defTabSz="914400" rtl="0" eaLnBrk="1" latinLnBrk="0" hangingPunct="1">
+                        <a:defRPr sz="1800" b="1" kern="1200">
+                          <a:solidFill>
+                            <a:schemeClr val="lt1"/>
+                          </a:solidFill>
+                          <a:latin typeface="Arial"/>
+                        </a:defRPr>
+                      </a:lvl9pPr>
+                    </a:lstStyle>
+                    <a:p>
+                      <a:r>
+                        <a:rPr lang="en-US" sz="1200" dirty="0" smtClean="0"/>
+                        <a:t>Experiences</a:t>
+                      </a:r>
+                      <a:endParaRPr lang="en-US" sz="1200" dirty="0"/>
+                    </a:p>
+                  </a:txBody>
+                  <a:tcPr marT="34290" marB="34290">
+                    <a:lnL w="12700" cmpd="sng">
+                      <a:solidFill>
+                        <a:srgbClr val="93A299"/>
+                      </a:solidFill>
+                    </a:lnL>
+                    <a:lnR w="12700" cmpd="sng">
+                      <a:solidFill>
+                        <a:srgbClr val="93A299"/>
+                      </a:solidFill>
+                    </a:lnR>
+                    <a:lnT w="12700" cmpd="sng">
+                      <a:solidFill>
+                        <a:srgbClr val="93A299"/>
+                      </a:solidFill>
+                    </a:lnT>
+                    <a:lnB w="12700" cmpd="sng">
+                      <a:solidFill>
+                        <a:srgbClr val="93A299"/>
+                      </a:solidFill>
+                    </a:lnB>
+                    <a:lnTlToBr w="12700" cmpd="sng">
+                      <a:noFill/>
+                      <a:prstDash val="solid"/>
+                    </a:lnTlToBr>
+                    <a:lnBlToTr w="12700" cmpd="sng">
+                      <a:noFill/>
+                      <a:prstDash val="solid"/>
+                    </a:lnBlToTr>
+                    <a:solidFill>
+                      <a:srgbClr val="93A299"/>
+                    </a:solidFill>
+                  </a:tcPr>
+                </a:tc>
+              </a:tr>
+              <a:tr h="278130">
+                <a:tc>
+                  <a:txBody>
+                    <a:bodyPr/>
+                    <a:lstStyle>
+                      <a:lvl1pPr marL="0" algn="l" defTabSz="914400" rtl="0" eaLnBrk="1" latinLnBrk="0" hangingPunct="1">
+                        <a:defRPr sz="1800" kern="1200">
+                          <a:solidFill>
+                            <a:schemeClr val="dk1"/>
+                          </a:solidFill>
+                          <a:latin typeface="Arial"/>
+                        </a:defRPr>
+                      </a:lvl1pPr>
+                      <a:lvl2pPr marL="457200" algn="l" defTabSz="914400" rtl="0" eaLnBrk="1" latinLnBrk="0" hangingPunct="1">
+                        <a:defRPr sz="1800" kern="1200">
+                          <a:solidFill>
+                            <a:schemeClr val="dk1"/>
+                          </a:solidFill>
+                          <a:latin typeface="Arial"/>
+                        </a:defRPr>
+                      </a:lvl2pPr>
+                      <a:lvl3pPr marL="914400" algn="l" defTabSz="914400" rtl="0" eaLnBrk="1" latinLnBrk="0" hangingPunct="1">
+                        <a:defRPr sz="1800" kern="1200">
+                          <a:solidFill>
+                            <a:schemeClr val="dk1"/>
+                          </a:solidFill>
+                          <a:latin typeface="Arial"/>
+                        </a:defRPr>
+                      </a:lvl3pPr>
+                      <a:lvl4pPr marL="1371600" algn="l" defTabSz="914400" rtl="0" eaLnBrk="1" latinLnBrk="0" hangingPunct="1">
+                        <a:defRPr sz="1800" kern="1200">
+                          <a:solidFill>
+                            <a:schemeClr val="dk1"/>
+                          </a:solidFill>
+                          <a:latin typeface="Arial"/>
+                        </a:defRPr>
+                      </a:lvl4pPr>
+                      <a:lvl5pPr marL="1828800" algn="l" defTabSz="914400" rtl="0" eaLnBrk="1" latinLnBrk="0" hangingPunct="1">
+                        <a:defRPr sz="1800" kern="1200">
+                          <a:solidFill>
+                            <a:schemeClr val="dk1"/>
+                          </a:solidFill>
+                          <a:latin typeface="Arial"/>
+                        </a:defRPr>
+                      </a:lvl5pPr>
+                      <a:lvl6pPr marL="2286000" algn="l" defTabSz="914400" rtl="0" eaLnBrk="1" latinLnBrk="0" hangingPunct="1">
+                        <a:defRPr sz="1800" kern="1200">
+                          <a:solidFill>
+                            <a:schemeClr val="dk1"/>
+                          </a:solidFill>
+                          <a:latin typeface="Arial"/>
+                        </a:defRPr>
+                      </a:lvl6pPr>
+                      <a:lvl7pPr marL="2743200" algn="l" defTabSz="914400" rtl="0" eaLnBrk="1" latinLnBrk="0" hangingPunct="1">
+                        <a:defRPr sz="1800" kern="1200">
+                          <a:solidFill>
+                            <a:schemeClr val="dk1"/>
+                          </a:solidFill>
+                          <a:latin typeface="Arial"/>
+                        </a:defRPr>
+                      </a:lvl7pPr>
+                      <a:lvl8pPr marL="3200400" algn="l" defTabSz="914400" rtl="0" eaLnBrk="1" latinLnBrk="0" hangingPunct="1">
+                        <a:defRPr sz="1800" kern="1200">
+                          <a:solidFill>
+                            <a:schemeClr val="dk1"/>
+                          </a:solidFill>
+                          <a:latin typeface="Arial"/>
+                        </a:defRPr>
+                      </a:lvl8pPr>
+                      <a:lvl9pPr marL="3657600" algn="l" defTabSz="914400" rtl="0" eaLnBrk="1" latinLnBrk="0" hangingPunct="1">
+                        <a:defRPr sz="1800" kern="1200">
+                          <a:solidFill>
+                            <a:schemeClr val="dk1"/>
+                          </a:solidFill>
+                          <a:latin typeface="Arial"/>
+                        </a:defRPr>
+                      </a:lvl9pPr>
+                    </a:lstStyle>
+                    <a:p>
+                      <a:r>
+                        <a:rPr lang="en-US" sz="1200" dirty="0" smtClean="0">
+                          <a:solidFill>
+                            <a:srgbClr val="FF0000"/>
+                          </a:solidFill>
+                        </a:rPr>
+                        <a:t>Projects</a:t>
+                      </a:r>
+                      <a:endParaRPr lang="en-US" sz="1200" dirty="0">
+                        <a:solidFill>
+                          <a:srgbClr val="FF0000"/>
+                        </a:solidFill>
+                      </a:endParaRPr>
+                    </a:p>
+                  </a:txBody>
+                  <a:tcPr marT="34290" marB="34290">
+                    <a:lnL w="12700" cmpd="sng">
+                      <a:solidFill>
+                        <a:srgbClr val="93A299"/>
+                      </a:solidFill>
+                    </a:lnL>
+                    <a:lnR w="12700" cmpd="sng">
+                      <a:solidFill>
+                        <a:srgbClr val="93A299"/>
+                      </a:solidFill>
+                    </a:lnR>
+                    <a:lnT w="12700" cmpd="sng">
+                      <a:solidFill>
+                        <a:srgbClr val="93A299"/>
+                      </a:solidFill>
+                    </a:lnT>
+                    <a:lnB w="12700" cmpd="sng">
+                      <a:solidFill>
+                        <a:srgbClr val="93A299"/>
+                      </a:solidFill>
+                    </a:lnB>
+                    <a:lnTlToBr w="12700" cmpd="sng">
+                      <a:noFill/>
+                      <a:prstDash val="solid"/>
+                    </a:lnTlToBr>
+                    <a:lnBlToTr w="12700" cmpd="sng">
+                      <a:noFill/>
+                      <a:prstDash val="solid"/>
+                    </a:lnBlToTr>
+                    <a:solidFill>
+                      <a:srgbClr val="93A299">
+                        <a:tint val="20000"/>
+                      </a:srgbClr>
+                    </a:solidFill>
+                  </a:tcPr>
+                </a:tc>
+              </a:tr>
+              <a:tr h="278130">
+                <a:tc>
+                  <a:txBody>
+                    <a:bodyPr/>
+                    <a:lstStyle>
+                      <a:lvl1pPr marL="0" algn="l" defTabSz="914400" rtl="0" eaLnBrk="1" latinLnBrk="0" hangingPunct="1">
+                        <a:defRPr sz="1800" kern="1200">
+                          <a:solidFill>
+                            <a:schemeClr val="dk1"/>
+                          </a:solidFill>
+                          <a:latin typeface="Arial"/>
+                        </a:defRPr>
+                      </a:lvl1pPr>
+                      <a:lvl2pPr marL="457200" algn="l" defTabSz="914400" rtl="0" eaLnBrk="1" latinLnBrk="0" hangingPunct="1">
+                        <a:defRPr sz="1800" kern="1200">
+                          <a:solidFill>
+                            <a:schemeClr val="dk1"/>
+                          </a:solidFill>
+                          <a:latin typeface="Arial"/>
+                        </a:defRPr>
+                      </a:lvl2pPr>
+                      <a:lvl3pPr marL="914400" algn="l" defTabSz="914400" rtl="0" eaLnBrk="1" latinLnBrk="0" hangingPunct="1">
+                        <a:defRPr sz="1800" kern="1200">
+                          <a:solidFill>
+                            <a:schemeClr val="dk1"/>
+                          </a:solidFill>
+                          <a:latin typeface="Arial"/>
+                        </a:defRPr>
+                      </a:lvl3pPr>
+                      <a:lvl4pPr marL="1371600" algn="l" defTabSz="914400" rtl="0" eaLnBrk="1" latinLnBrk="0" hangingPunct="1">
+                        <a:defRPr sz="1800" kern="1200">
+                          <a:solidFill>
+                            <a:schemeClr val="dk1"/>
+                          </a:solidFill>
+                          <a:latin typeface="Arial"/>
+                        </a:defRPr>
+                      </a:lvl4pPr>
+                      <a:lvl5pPr marL="1828800" algn="l" defTabSz="914400" rtl="0" eaLnBrk="1" latinLnBrk="0" hangingPunct="1">
+                        <a:defRPr sz="1800" kern="1200">
+                          <a:solidFill>
+                            <a:schemeClr val="dk1"/>
+                          </a:solidFill>
+                          <a:latin typeface="Arial"/>
+                        </a:defRPr>
+                      </a:lvl5pPr>
+                      <a:lvl6pPr marL="2286000" algn="l" defTabSz="914400" rtl="0" eaLnBrk="1" latinLnBrk="0" hangingPunct="1">
+                        <a:defRPr sz="1800" kern="1200">
+                          <a:solidFill>
+                            <a:schemeClr val="dk1"/>
+                          </a:solidFill>
+                          <a:latin typeface="Arial"/>
+                        </a:defRPr>
+                      </a:lvl6pPr>
+                      <a:lvl7pPr marL="2743200" algn="l" defTabSz="914400" rtl="0" eaLnBrk="1" latinLnBrk="0" hangingPunct="1">
+                        <a:defRPr sz="1800" kern="1200">
+                          <a:solidFill>
+                            <a:schemeClr val="dk1"/>
+                          </a:solidFill>
+                          <a:latin typeface="Arial"/>
+                        </a:defRPr>
+                      </a:lvl7pPr>
+                      <a:lvl8pPr marL="3200400" algn="l" defTabSz="914400" rtl="0" eaLnBrk="1" latinLnBrk="0" hangingPunct="1">
+                        <a:defRPr sz="1800" kern="1200">
+                          <a:solidFill>
+                            <a:schemeClr val="dk1"/>
+                          </a:solidFill>
+                          <a:latin typeface="Arial"/>
+                        </a:defRPr>
+                      </a:lvl8pPr>
+                      <a:lvl9pPr marL="3657600" algn="l" defTabSz="914400" rtl="0" eaLnBrk="1" latinLnBrk="0" hangingPunct="1">
+                        <a:defRPr sz="1800" kern="1200">
+                          <a:solidFill>
+                            <a:schemeClr val="dk1"/>
+                          </a:solidFill>
+                          <a:latin typeface="Arial"/>
+                        </a:defRPr>
+                      </a:lvl9pPr>
+                    </a:lstStyle>
+                    <a:p>
+                      <a:r>
+                        <a:rPr lang="en-US" sz="1200" dirty="0" smtClean="0">
+                          <a:solidFill>
+                            <a:srgbClr val="FF0000"/>
+                          </a:solidFill>
+                        </a:rPr>
+                        <a:t>Trainings</a:t>
+                      </a:r>
+                      <a:endParaRPr lang="en-US" sz="1200" dirty="0">
+                        <a:solidFill>
+                          <a:srgbClr val="FF0000"/>
+                        </a:solidFill>
+                      </a:endParaRPr>
+                    </a:p>
+                  </a:txBody>
+                  <a:tcPr marT="34290" marB="34290">
+                    <a:lnL w="12700" cmpd="sng">
+                      <a:solidFill>
+                        <a:srgbClr val="93A299"/>
+                      </a:solidFill>
+                    </a:lnL>
+                    <a:lnR w="12700" cmpd="sng">
+                      <a:solidFill>
+                        <a:srgbClr val="93A299"/>
+                      </a:solidFill>
+                    </a:lnR>
+                    <a:lnT w="12700" cmpd="sng">
+                      <a:solidFill>
+                        <a:srgbClr val="93A299"/>
+                      </a:solidFill>
+                    </a:lnT>
+                    <a:lnB w="12700" cmpd="sng">
+                      <a:solidFill>
+                        <a:srgbClr val="93A299"/>
+                      </a:solidFill>
+                    </a:lnB>
+                    <a:lnTlToBr w="12700" cmpd="sng">
+                      <a:noFill/>
+                      <a:prstDash val="solid"/>
+                    </a:lnTlToBr>
+                    <a:lnBlToTr w="12700" cmpd="sng">
+                      <a:noFill/>
+                      <a:prstDash val="solid"/>
+                    </a:lnBlToTr>
+                    <a:solidFill>
+                      <a:srgbClr val="FFFFFF"/>
+                    </a:solidFill>
+                  </a:tcPr>
+                </a:tc>
+              </a:tr>
+              <a:tr h="278130">
+                <a:tc>
+                  <a:txBody>
+                    <a:bodyPr/>
+                    <a:lstStyle>
+                      <a:lvl1pPr marL="0" algn="l" defTabSz="914400" rtl="0" eaLnBrk="1" latinLnBrk="0" hangingPunct="1">
+                        <a:defRPr sz="1800" kern="1200">
+                          <a:solidFill>
+                            <a:schemeClr val="dk1"/>
+                          </a:solidFill>
+                          <a:latin typeface="Arial"/>
+                        </a:defRPr>
+                      </a:lvl1pPr>
+                      <a:lvl2pPr marL="457200" algn="l" defTabSz="914400" rtl="0" eaLnBrk="1" latinLnBrk="0" hangingPunct="1">
+                        <a:defRPr sz="1800" kern="1200">
+                          <a:solidFill>
+                            <a:schemeClr val="dk1"/>
+                          </a:solidFill>
+                          <a:latin typeface="Arial"/>
+                        </a:defRPr>
+                      </a:lvl2pPr>
+                      <a:lvl3pPr marL="914400" algn="l" defTabSz="914400" rtl="0" eaLnBrk="1" latinLnBrk="0" hangingPunct="1">
+                        <a:defRPr sz="1800" kern="1200">
+                          <a:solidFill>
+                            <a:schemeClr val="dk1"/>
+                          </a:solidFill>
+                          <a:latin typeface="Arial"/>
+                        </a:defRPr>
+                      </a:lvl3pPr>
+                      <a:lvl4pPr marL="1371600" algn="l" defTabSz="914400" rtl="0" eaLnBrk="1" latinLnBrk="0" hangingPunct="1">
+                        <a:defRPr sz="1800" kern="1200">
+                          <a:solidFill>
+                            <a:schemeClr val="dk1"/>
+                          </a:solidFill>
+                          <a:latin typeface="Arial"/>
+                        </a:defRPr>
+                      </a:lvl4pPr>
+                      <a:lvl5pPr marL="1828800" algn="l" defTabSz="914400" rtl="0" eaLnBrk="1" latinLnBrk="0" hangingPunct="1">
+                        <a:defRPr sz="1800" kern="1200">
+                          <a:solidFill>
+                            <a:schemeClr val="dk1"/>
+                          </a:solidFill>
+                          <a:latin typeface="Arial"/>
+                        </a:defRPr>
+                      </a:lvl5pPr>
+                      <a:lvl6pPr marL="2286000" algn="l" defTabSz="914400" rtl="0" eaLnBrk="1" latinLnBrk="0" hangingPunct="1">
+                        <a:defRPr sz="1800" kern="1200">
+                          <a:solidFill>
+                            <a:schemeClr val="dk1"/>
+                          </a:solidFill>
+                          <a:latin typeface="Arial"/>
+                        </a:defRPr>
+                      </a:lvl6pPr>
+                      <a:lvl7pPr marL="2743200" algn="l" defTabSz="914400" rtl="0" eaLnBrk="1" latinLnBrk="0" hangingPunct="1">
+                        <a:defRPr sz="1800" kern="1200">
+                          <a:solidFill>
+                            <a:schemeClr val="dk1"/>
+                          </a:solidFill>
+                          <a:latin typeface="Arial"/>
+                        </a:defRPr>
+                      </a:lvl7pPr>
+                      <a:lvl8pPr marL="3200400" algn="l" defTabSz="914400" rtl="0" eaLnBrk="1" latinLnBrk="0" hangingPunct="1">
+                        <a:defRPr sz="1800" kern="1200">
+                          <a:solidFill>
+                            <a:schemeClr val="dk1"/>
+                          </a:solidFill>
+                          <a:latin typeface="Arial"/>
+                        </a:defRPr>
+                      </a:lvl8pPr>
+                      <a:lvl9pPr marL="3657600" algn="l" defTabSz="914400" rtl="0" eaLnBrk="1" latinLnBrk="0" hangingPunct="1">
+                        <a:defRPr sz="1800" kern="1200">
+                          <a:solidFill>
+                            <a:schemeClr val="dk1"/>
+                          </a:solidFill>
+                          <a:latin typeface="Arial"/>
+                        </a:defRPr>
+                      </a:lvl9pPr>
+                    </a:lstStyle>
+                    <a:p>
+                      <a:r>
+                        <a:rPr lang="en-US" sz="1200" dirty="0" smtClean="0">
+                          <a:solidFill>
+                            <a:srgbClr val="FF0000"/>
+                          </a:solidFill>
+                        </a:rPr>
+                        <a:t>Activities</a:t>
+                      </a:r>
+                      <a:endParaRPr lang="en-US" sz="1200" dirty="0">
+                        <a:solidFill>
+                          <a:srgbClr val="FF0000"/>
+                        </a:solidFill>
+                      </a:endParaRPr>
+                    </a:p>
+                  </a:txBody>
+                  <a:tcPr marT="34290" marB="34290">
+                    <a:lnL w="12700" cmpd="sng">
+                      <a:solidFill>
+                        <a:srgbClr val="93A299"/>
+                      </a:solidFill>
+                    </a:lnL>
+                    <a:lnR w="12700" cmpd="sng">
+                      <a:solidFill>
+                        <a:srgbClr val="93A299"/>
+                      </a:solidFill>
+                    </a:lnR>
+                    <a:lnT w="12700" cmpd="sng">
+                      <a:solidFill>
+                        <a:srgbClr val="93A299"/>
+                      </a:solidFill>
+                    </a:lnT>
+                    <a:lnB w="12700" cmpd="sng">
+                      <a:solidFill>
+                        <a:srgbClr val="93A299"/>
+                      </a:solidFill>
+                    </a:lnB>
+                    <a:lnTlToBr w="12700" cmpd="sng">
+                      <a:noFill/>
+                      <a:prstDash val="solid"/>
+                    </a:lnTlToBr>
+                    <a:lnBlToTr w="12700" cmpd="sng">
+                      <a:noFill/>
+                      <a:prstDash val="solid"/>
+                    </a:lnBlToTr>
+                    <a:solidFill>
+                      <a:srgbClr val="93A299">
+                        <a:tint val="20000"/>
+                      </a:srgbClr>
+                    </a:solidFill>
+                  </a:tcPr>
+                </a:tc>
+              </a:tr>
+            </a:tbl>
+          </a:graphicData>
+        </a:graphic>
+      </p:graphicFrame>
+      <p:graphicFrame>
+        <p:nvGraphicFramePr>
+          <p:cNvPr id="24" name="Content Placeholder 3"/>
+          <p:cNvGraphicFramePr>
+            <a:graphicFrameLocks/>
+          </p:cNvGraphicFramePr>
+          <p:nvPr>
+            <p:extLst>
+              <p:ext uri="{D42A27DB-BD31-4B8C-83A1-F6EECF244321}">
+                <p14:modId xmlns:p14="http://schemas.microsoft.com/office/powerpoint/2010/main" val="1117041152"/>
+              </p:ext>
+            </p:extLst>
+          </p:nvPr>
+        </p:nvGraphicFramePr>
+        <p:xfrm>
+          <a:off x="2286000" y="4286250"/>
+          <a:ext cx="2216468" cy="556260"/>
+        </p:xfrm>
+        <a:graphic>
+          <a:graphicData uri="http://schemas.openxmlformats.org/drawingml/2006/table">
+            <a:tbl>
+              <a:tblPr firstRow="1" bandRow="1"/>
+              <a:tblGrid>
+                <a:gridCol w="2216468"/>
+              </a:tblGrid>
+              <a:tr h="278130">
+                <a:tc>
+                  <a:txBody>
+                    <a:bodyPr/>
+                    <a:lstStyle>
+                      <a:lvl1pPr marL="0" algn="l" defTabSz="914400" rtl="0" eaLnBrk="1" latinLnBrk="0" hangingPunct="1">
+                        <a:defRPr sz="1800" b="1" kern="1200">
+                          <a:solidFill>
+                            <a:schemeClr val="lt1"/>
+                          </a:solidFill>
+                          <a:latin typeface="Arial"/>
+                        </a:defRPr>
+                      </a:lvl1pPr>
+                      <a:lvl2pPr marL="457200" algn="l" defTabSz="914400" rtl="0" eaLnBrk="1" latinLnBrk="0" hangingPunct="1">
+                        <a:defRPr sz="1800" b="1" kern="1200">
+                          <a:solidFill>
+                            <a:schemeClr val="lt1"/>
+                          </a:solidFill>
+                          <a:latin typeface="Arial"/>
+                        </a:defRPr>
+                      </a:lvl2pPr>
+                      <a:lvl3pPr marL="914400" algn="l" defTabSz="914400" rtl="0" eaLnBrk="1" latinLnBrk="0" hangingPunct="1">
+                        <a:defRPr sz="1800" b="1" kern="1200">
+                          <a:solidFill>
+                            <a:schemeClr val="lt1"/>
+                          </a:solidFill>
+                          <a:latin typeface="Arial"/>
+                        </a:defRPr>
+                      </a:lvl3pPr>
+                      <a:lvl4pPr marL="1371600" algn="l" defTabSz="914400" rtl="0" eaLnBrk="1" latinLnBrk="0" hangingPunct="1">
+                        <a:defRPr sz="1800" b="1" kern="1200">
+                          <a:solidFill>
+                            <a:schemeClr val="lt1"/>
+                          </a:solidFill>
+                          <a:latin typeface="Arial"/>
+                        </a:defRPr>
+                      </a:lvl4pPr>
+                      <a:lvl5pPr marL="1828800" algn="l" defTabSz="914400" rtl="0" eaLnBrk="1" latinLnBrk="0" hangingPunct="1">
+                        <a:defRPr sz="1800" b="1" kern="1200">
+                          <a:solidFill>
+                            <a:schemeClr val="lt1"/>
+                          </a:solidFill>
+                          <a:latin typeface="Arial"/>
+                        </a:defRPr>
+                      </a:lvl5pPr>
+                      <a:lvl6pPr marL="2286000" algn="l" defTabSz="914400" rtl="0" eaLnBrk="1" latinLnBrk="0" hangingPunct="1">
+                        <a:defRPr sz="1800" b="1" kern="1200">
+                          <a:solidFill>
+                            <a:schemeClr val="lt1"/>
+                          </a:solidFill>
+                          <a:latin typeface="Arial"/>
+                        </a:defRPr>
+                      </a:lvl6pPr>
+                      <a:lvl7pPr marL="2743200" algn="l" defTabSz="914400" rtl="0" eaLnBrk="1" latinLnBrk="0" hangingPunct="1">
+                        <a:defRPr sz="1800" b="1" kern="1200">
+                          <a:solidFill>
+                            <a:schemeClr val="lt1"/>
+                          </a:solidFill>
+                          <a:latin typeface="Arial"/>
+                        </a:defRPr>
+                      </a:lvl7pPr>
+                      <a:lvl8pPr marL="3200400" algn="l" defTabSz="914400" rtl="0" eaLnBrk="1" latinLnBrk="0" hangingPunct="1">
+                        <a:defRPr sz="1800" b="1" kern="1200">
+                          <a:solidFill>
+                            <a:schemeClr val="lt1"/>
+                          </a:solidFill>
+                          <a:latin typeface="Arial"/>
+                        </a:defRPr>
+                      </a:lvl8pPr>
+                      <a:lvl9pPr marL="3657600" algn="l" defTabSz="914400" rtl="0" eaLnBrk="1" latinLnBrk="0" hangingPunct="1">
+                        <a:defRPr sz="1800" b="1" kern="1200">
+                          <a:solidFill>
+                            <a:schemeClr val="lt1"/>
+                          </a:solidFill>
+                          <a:latin typeface="Arial"/>
+                        </a:defRPr>
+                      </a:lvl9pPr>
+                    </a:lstStyle>
+                    <a:p>
+                      <a:r>
+                        <a:rPr lang="en-US" sz="1200" dirty="0" smtClean="0"/>
+                        <a:t>Skills</a:t>
+                      </a:r>
+                      <a:endParaRPr lang="en-US" sz="1200" dirty="0"/>
+                    </a:p>
+                  </a:txBody>
+                  <a:tcPr marT="34290" marB="34290">
+                    <a:lnL w="12700" cmpd="sng">
+                      <a:solidFill>
+                        <a:srgbClr val="93A299"/>
+                      </a:solidFill>
+                    </a:lnL>
+                    <a:lnR w="12700" cmpd="sng">
+                      <a:solidFill>
+                        <a:srgbClr val="93A299"/>
+                      </a:solidFill>
+                    </a:lnR>
+                    <a:lnT w="12700" cmpd="sng">
+                      <a:solidFill>
+                        <a:srgbClr val="93A299"/>
+                      </a:solidFill>
+                    </a:lnT>
+                    <a:lnB w="12700" cmpd="sng">
+                      <a:solidFill>
+                        <a:srgbClr val="93A299"/>
+                      </a:solidFill>
+                    </a:lnB>
+                    <a:lnTlToBr w="12700" cmpd="sng">
+                      <a:noFill/>
+                      <a:prstDash val="solid"/>
+                    </a:lnTlToBr>
+                    <a:lnBlToTr w="12700" cmpd="sng">
+                      <a:noFill/>
+                      <a:prstDash val="solid"/>
+                    </a:lnBlToTr>
+                    <a:solidFill>
+                      <a:srgbClr val="93A299"/>
+                    </a:solidFill>
+                  </a:tcPr>
+                </a:tc>
+              </a:tr>
+              <a:tr h="278130">
+                <a:tc>
+                  <a:txBody>
+                    <a:bodyPr/>
+                    <a:lstStyle>
+                      <a:lvl1pPr marL="0" algn="l" defTabSz="914400" rtl="0" eaLnBrk="1" latinLnBrk="0" hangingPunct="1">
+                        <a:defRPr sz="1800" kern="1200">
+                          <a:solidFill>
+                            <a:schemeClr val="dk1"/>
+                          </a:solidFill>
+                          <a:latin typeface="Arial"/>
+                        </a:defRPr>
+                      </a:lvl1pPr>
+                      <a:lvl2pPr marL="457200" algn="l" defTabSz="914400" rtl="0" eaLnBrk="1" latinLnBrk="0" hangingPunct="1">
+                        <a:defRPr sz="1800" kern="1200">
+                          <a:solidFill>
+                            <a:schemeClr val="dk1"/>
+                          </a:solidFill>
+                          <a:latin typeface="Arial"/>
+                        </a:defRPr>
+                      </a:lvl2pPr>
+                      <a:lvl3pPr marL="914400" algn="l" defTabSz="914400" rtl="0" eaLnBrk="1" latinLnBrk="0" hangingPunct="1">
+                        <a:defRPr sz="1800" kern="1200">
+                          <a:solidFill>
+                            <a:schemeClr val="dk1"/>
+                          </a:solidFill>
+                          <a:latin typeface="Arial"/>
+                        </a:defRPr>
+                      </a:lvl3pPr>
+                      <a:lvl4pPr marL="1371600" algn="l" defTabSz="914400" rtl="0" eaLnBrk="1" latinLnBrk="0" hangingPunct="1">
+                        <a:defRPr sz="1800" kern="1200">
+                          <a:solidFill>
+                            <a:schemeClr val="dk1"/>
+                          </a:solidFill>
+                          <a:latin typeface="Arial"/>
+                        </a:defRPr>
+                      </a:lvl4pPr>
+                      <a:lvl5pPr marL="1828800" algn="l" defTabSz="914400" rtl="0" eaLnBrk="1" latinLnBrk="0" hangingPunct="1">
+                        <a:defRPr sz="1800" kern="1200">
+                          <a:solidFill>
+                            <a:schemeClr val="dk1"/>
+                          </a:solidFill>
+                          <a:latin typeface="Arial"/>
+                        </a:defRPr>
+                      </a:lvl5pPr>
+                      <a:lvl6pPr marL="2286000" algn="l" defTabSz="914400" rtl="0" eaLnBrk="1" latinLnBrk="0" hangingPunct="1">
+                        <a:defRPr sz="1800" kern="1200">
+                          <a:solidFill>
+                            <a:schemeClr val="dk1"/>
+                          </a:solidFill>
+                          <a:latin typeface="Arial"/>
+                        </a:defRPr>
+                      </a:lvl6pPr>
+                      <a:lvl7pPr marL="2743200" algn="l" defTabSz="914400" rtl="0" eaLnBrk="1" latinLnBrk="0" hangingPunct="1">
+                        <a:defRPr sz="1800" kern="1200">
+                          <a:solidFill>
+                            <a:schemeClr val="dk1"/>
+                          </a:solidFill>
+                          <a:latin typeface="Arial"/>
+                        </a:defRPr>
+                      </a:lvl7pPr>
+                      <a:lvl8pPr marL="3200400" algn="l" defTabSz="914400" rtl="0" eaLnBrk="1" latinLnBrk="0" hangingPunct="1">
+                        <a:defRPr sz="1800" kern="1200">
+                          <a:solidFill>
+                            <a:schemeClr val="dk1"/>
+                          </a:solidFill>
+                          <a:latin typeface="Arial"/>
+                        </a:defRPr>
+                      </a:lvl8pPr>
+                      <a:lvl9pPr marL="3657600" algn="l" defTabSz="914400" rtl="0" eaLnBrk="1" latinLnBrk="0" hangingPunct="1">
+                        <a:defRPr sz="1800" kern="1200">
+                          <a:solidFill>
+                            <a:schemeClr val="dk1"/>
+                          </a:solidFill>
+                          <a:latin typeface="Arial"/>
+                        </a:defRPr>
+                      </a:lvl9pPr>
+                    </a:lstStyle>
+                    <a:p>
+                      <a:r>
+                        <a:rPr lang="en-US" sz="1200" dirty="0" smtClean="0">
+                          <a:solidFill>
+                            <a:srgbClr val="FF0000"/>
+                          </a:solidFill>
+                        </a:rPr>
+                        <a:t>Skills</a:t>
+                      </a:r>
+                      <a:endParaRPr lang="en-US" sz="1200" dirty="0">
+                        <a:solidFill>
+                          <a:srgbClr val="FF0000"/>
+                        </a:solidFill>
+                      </a:endParaRPr>
+                    </a:p>
+                  </a:txBody>
+                  <a:tcPr marT="34290" marB="34290">
+                    <a:lnL w="12700" cmpd="sng">
+                      <a:solidFill>
+                        <a:srgbClr val="93A299"/>
+                      </a:solidFill>
+                    </a:lnL>
+                    <a:lnR w="12700" cmpd="sng">
+                      <a:solidFill>
+                        <a:srgbClr val="93A299"/>
+                      </a:solidFill>
+                    </a:lnR>
+                    <a:lnT w="12700" cmpd="sng">
+                      <a:solidFill>
+                        <a:srgbClr val="93A299"/>
+                      </a:solidFill>
+                    </a:lnT>
+                    <a:lnB w="12700" cmpd="sng">
+                      <a:solidFill>
+                        <a:srgbClr val="93A299"/>
+                      </a:solidFill>
+                    </a:lnB>
+                    <a:lnTlToBr w="12700" cmpd="sng">
+                      <a:noFill/>
+                      <a:prstDash val="solid"/>
+                    </a:lnTlToBr>
+                    <a:lnBlToTr w="12700" cmpd="sng">
+                      <a:noFill/>
+                      <a:prstDash val="solid"/>
+                    </a:lnBlToTr>
+                    <a:solidFill>
+                      <a:srgbClr val="93A299">
+                        <a:tint val="20000"/>
+                      </a:srgbClr>
+                    </a:solidFill>
+                  </a:tcPr>
+                </a:tc>
+              </a:tr>
+            </a:tbl>
+          </a:graphicData>
+        </a:graphic>
+      </p:graphicFrame>
+      <p:graphicFrame>
+        <p:nvGraphicFramePr>
+          <p:cNvPr id="25" name="Content Placeholder 3"/>
+          <p:cNvGraphicFramePr>
+            <a:graphicFrameLocks/>
+          </p:cNvGraphicFramePr>
+          <p:nvPr>
+            <p:extLst>
+              <p:ext uri="{D42A27DB-BD31-4B8C-83A1-F6EECF244321}">
+                <p14:modId xmlns:p14="http://schemas.microsoft.com/office/powerpoint/2010/main" val="2213441812"/>
+              </p:ext>
+            </p:extLst>
+          </p:nvPr>
+        </p:nvGraphicFramePr>
+        <p:xfrm>
+          <a:off x="0" y="1028700"/>
+          <a:ext cx="2216468" cy="1946910"/>
+        </p:xfrm>
+        <a:graphic>
+          <a:graphicData uri="http://schemas.openxmlformats.org/drawingml/2006/table">
+            <a:tbl>
+              <a:tblPr firstRow="1" bandRow="1"/>
+              <a:tblGrid>
+                <a:gridCol w="2216468"/>
+              </a:tblGrid>
+              <a:tr h="278130">
+                <a:tc>
+                  <a:txBody>
+                    <a:bodyPr/>
+                    <a:lstStyle>
+                      <a:lvl1pPr marL="0" algn="l" defTabSz="914400" rtl="0" eaLnBrk="1" latinLnBrk="0" hangingPunct="1">
+                        <a:defRPr sz="1800" b="1" kern="1200">
+                          <a:solidFill>
+                            <a:schemeClr val="lt1"/>
+                          </a:solidFill>
+                          <a:latin typeface="Arial"/>
+                        </a:defRPr>
+                      </a:lvl1pPr>
+                      <a:lvl2pPr marL="457200" algn="l" defTabSz="914400" rtl="0" eaLnBrk="1" latinLnBrk="0" hangingPunct="1">
+                        <a:defRPr sz="1800" b="1" kern="1200">
+                          <a:solidFill>
+                            <a:schemeClr val="lt1"/>
+                          </a:solidFill>
+                          <a:latin typeface="Arial"/>
+                        </a:defRPr>
+                      </a:lvl2pPr>
+                      <a:lvl3pPr marL="914400" algn="l" defTabSz="914400" rtl="0" eaLnBrk="1" latinLnBrk="0" hangingPunct="1">
+                        <a:defRPr sz="1800" b="1" kern="1200">
+                          <a:solidFill>
+                            <a:schemeClr val="lt1"/>
+                          </a:solidFill>
+                          <a:latin typeface="Arial"/>
+                        </a:defRPr>
+                      </a:lvl3pPr>
+                      <a:lvl4pPr marL="1371600" algn="l" defTabSz="914400" rtl="0" eaLnBrk="1" latinLnBrk="0" hangingPunct="1">
+                        <a:defRPr sz="1800" b="1" kern="1200">
+                          <a:solidFill>
+                            <a:schemeClr val="lt1"/>
+                          </a:solidFill>
+                          <a:latin typeface="Arial"/>
+                        </a:defRPr>
+                      </a:lvl4pPr>
+                      <a:lvl5pPr marL="1828800" algn="l" defTabSz="914400" rtl="0" eaLnBrk="1" latinLnBrk="0" hangingPunct="1">
+                        <a:defRPr sz="1800" b="1" kern="1200">
+                          <a:solidFill>
+                            <a:schemeClr val="lt1"/>
+                          </a:solidFill>
+                          <a:latin typeface="Arial"/>
+                        </a:defRPr>
+                      </a:lvl5pPr>
+                      <a:lvl6pPr marL="2286000" algn="l" defTabSz="914400" rtl="0" eaLnBrk="1" latinLnBrk="0" hangingPunct="1">
+                        <a:defRPr sz="1800" b="1" kern="1200">
+                          <a:solidFill>
+                            <a:schemeClr val="lt1"/>
+                          </a:solidFill>
+                          <a:latin typeface="Arial"/>
+                        </a:defRPr>
+                      </a:lvl6pPr>
+                      <a:lvl7pPr marL="2743200" algn="l" defTabSz="914400" rtl="0" eaLnBrk="1" latinLnBrk="0" hangingPunct="1">
+                        <a:defRPr sz="1800" b="1" kern="1200">
+                          <a:solidFill>
+                            <a:schemeClr val="lt1"/>
+                          </a:solidFill>
+                          <a:latin typeface="Arial"/>
+                        </a:defRPr>
+                      </a:lvl7pPr>
+                      <a:lvl8pPr marL="3200400" algn="l" defTabSz="914400" rtl="0" eaLnBrk="1" latinLnBrk="0" hangingPunct="1">
+                        <a:defRPr sz="1800" b="1" kern="1200">
+                          <a:solidFill>
+                            <a:schemeClr val="lt1"/>
+                          </a:solidFill>
+                          <a:latin typeface="Arial"/>
+                        </a:defRPr>
+                      </a:lvl8pPr>
+                      <a:lvl9pPr marL="3657600" algn="l" defTabSz="914400" rtl="0" eaLnBrk="1" latinLnBrk="0" hangingPunct="1">
+                        <a:defRPr sz="1800" b="1" kern="1200">
+                          <a:solidFill>
+                            <a:schemeClr val="lt1"/>
+                          </a:solidFill>
+                          <a:latin typeface="Arial"/>
+                        </a:defRPr>
+                      </a:lvl9pPr>
+                    </a:lstStyle>
+                    <a:p>
+                      <a:r>
+                        <a:rPr lang="en-US" sz="1200" dirty="0" smtClean="0"/>
+                        <a:t>Basic info</a:t>
+                      </a:r>
+                      <a:endParaRPr lang="en-US" sz="1200" dirty="0"/>
+                    </a:p>
+                  </a:txBody>
+                  <a:tcPr marT="34290" marB="34290">
+                    <a:lnL w="12700" cmpd="sng">
+                      <a:solidFill>
+                        <a:srgbClr val="93A299"/>
+                      </a:solidFill>
+                    </a:lnL>
+                    <a:lnR w="12700" cmpd="sng">
+                      <a:solidFill>
+                        <a:srgbClr val="93A299"/>
+                      </a:solidFill>
+                    </a:lnR>
+                    <a:lnT w="12700" cmpd="sng">
+                      <a:solidFill>
+                        <a:srgbClr val="93A299"/>
+                      </a:solidFill>
+                    </a:lnT>
+                    <a:lnB w="12700" cmpd="sng">
+                      <a:solidFill>
+                        <a:srgbClr val="93A299"/>
+                      </a:solidFill>
+                    </a:lnB>
+                    <a:lnTlToBr w="12700" cmpd="sng">
+                      <a:noFill/>
+                      <a:prstDash val="solid"/>
+                    </a:lnTlToBr>
+                    <a:lnBlToTr w="12700" cmpd="sng">
+                      <a:noFill/>
+                      <a:prstDash val="solid"/>
+                    </a:lnBlToTr>
+                    <a:solidFill>
+                      <a:srgbClr val="93A299"/>
+                    </a:solidFill>
+                  </a:tcPr>
+                </a:tc>
+              </a:tr>
+              <a:tr h="278130">
+                <a:tc>
+                  <a:txBody>
+                    <a:bodyPr/>
+                    <a:lstStyle>
+                      <a:lvl1pPr marL="0" algn="l" defTabSz="914400" rtl="0" eaLnBrk="1" latinLnBrk="0" hangingPunct="1">
+                        <a:defRPr sz="1800" kern="1200">
+                          <a:solidFill>
+                            <a:schemeClr val="dk1"/>
+                          </a:solidFill>
+                          <a:latin typeface="Arial"/>
+                        </a:defRPr>
+                      </a:lvl1pPr>
+                      <a:lvl2pPr marL="457200" algn="l" defTabSz="914400" rtl="0" eaLnBrk="1" latinLnBrk="0" hangingPunct="1">
+                        <a:defRPr sz="1800" kern="1200">
+                          <a:solidFill>
+                            <a:schemeClr val="dk1"/>
+                          </a:solidFill>
+                          <a:latin typeface="Arial"/>
+                        </a:defRPr>
+                      </a:lvl2pPr>
+                      <a:lvl3pPr marL="914400" algn="l" defTabSz="914400" rtl="0" eaLnBrk="1" latinLnBrk="0" hangingPunct="1">
+                        <a:defRPr sz="1800" kern="1200">
+                          <a:solidFill>
+                            <a:schemeClr val="dk1"/>
+                          </a:solidFill>
+                          <a:latin typeface="Arial"/>
+                        </a:defRPr>
+                      </a:lvl3pPr>
+                      <a:lvl4pPr marL="1371600" algn="l" defTabSz="914400" rtl="0" eaLnBrk="1" latinLnBrk="0" hangingPunct="1">
+                        <a:defRPr sz="1800" kern="1200">
+                          <a:solidFill>
+                            <a:schemeClr val="dk1"/>
+                          </a:solidFill>
+                          <a:latin typeface="Arial"/>
+                        </a:defRPr>
+                      </a:lvl4pPr>
+                      <a:lvl5pPr marL="1828800" algn="l" defTabSz="914400" rtl="0" eaLnBrk="1" latinLnBrk="0" hangingPunct="1">
+                        <a:defRPr sz="1800" kern="1200">
+                          <a:solidFill>
+                            <a:schemeClr val="dk1"/>
+                          </a:solidFill>
+                          <a:latin typeface="Arial"/>
+                        </a:defRPr>
+                      </a:lvl5pPr>
+                      <a:lvl6pPr marL="2286000" algn="l" defTabSz="914400" rtl="0" eaLnBrk="1" latinLnBrk="0" hangingPunct="1">
+                        <a:defRPr sz="1800" kern="1200">
+                          <a:solidFill>
+                            <a:schemeClr val="dk1"/>
+                          </a:solidFill>
+                          <a:latin typeface="Arial"/>
+                        </a:defRPr>
+                      </a:lvl6pPr>
+                      <a:lvl7pPr marL="2743200" algn="l" defTabSz="914400" rtl="0" eaLnBrk="1" latinLnBrk="0" hangingPunct="1">
+                        <a:defRPr sz="1800" kern="1200">
+                          <a:solidFill>
+                            <a:schemeClr val="dk1"/>
+                          </a:solidFill>
+                          <a:latin typeface="Arial"/>
+                        </a:defRPr>
+                      </a:lvl7pPr>
+                      <a:lvl8pPr marL="3200400" algn="l" defTabSz="914400" rtl="0" eaLnBrk="1" latinLnBrk="0" hangingPunct="1">
+                        <a:defRPr sz="1800" kern="1200">
+                          <a:solidFill>
+                            <a:schemeClr val="dk1"/>
+                          </a:solidFill>
+                          <a:latin typeface="Arial"/>
+                        </a:defRPr>
+                      </a:lvl8pPr>
+                      <a:lvl9pPr marL="3657600" algn="l" defTabSz="914400" rtl="0" eaLnBrk="1" latinLnBrk="0" hangingPunct="1">
+                        <a:defRPr sz="1800" kern="1200">
+                          <a:solidFill>
+                            <a:schemeClr val="dk1"/>
+                          </a:solidFill>
+                          <a:latin typeface="Arial"/>
+                        </a:defRPr>
+                      </a:lvl9pPr>
+                    </a:lstStyle>
+                    <a:p>
+                      <a:r>
+                        <a:rPr lang="en-US" sz="1200" dirty="0" smtClean="0"/>
+                        <a:t>Full name</a:t>
+                      </a:r>
+                      <a:endParaRPr lang="en-US" sz="1200" dirty="0"/>
+                    </a:p>
+                  </a:txBody>
+                  <a:tcPr marT="34290" marB="34290">
+                    <a:lnL w="12700" cmpd="sng">
+                      <a:solidFill>
+                        <a:srgbClr val="93A299"/>
+                      </a:solidFill>
+                    </a:lnL>
+                    <a:lnR w="12700" cmpd="sng">
+                      <a:solidFill>
+                        <a:srgbClr val="93A299"/>
+                      </a:solidFill>
+                    </a:lnR>
+                    <a:lnT w="12700" cmpd="sng">
+                      <a:solidFill>
+                        <a:srgbClr val="93A299"/>
+                      </a:solidFill>
+                    </a:lnT>
+                    <a:lnB w="12700" cmpd="sng">
+                      <a:solidFill>
+                        <a:srgbClr val="93A299"/>
+                      </a:solidFill>
+                    </a:lnB>
+                    <a:lnTlToBr w="12700" cmpd="sng">
+                      <a:noFill/>
+                      <a:prstDash val="solid"/>
+                    </a:lnTlToBr>
+                    <a:lnBlToTr w="12700" cmpd="sng">
+                      <a:noFill/>
+                      <a:prstDash val="solid"/>
+                    </a:lnBlToTr>
+                    <a:solidFill>
+                      <a:srgbClr val="93A299">
+                        <a:tint val="20000"/>
+                      </a:srgbClr>
+                    </a:solidFill>
+                  </a:tcPr>
+                </a:tc>
+              </a:tr>
+              <a:tr h="278130">
+                <a:tc>
+                  <a:txBody>
+                    <a:bodyPr/>
+                    <a:lstStyle>
+                      <a:lvl1pPr marL="0" algn="l" defTabSz="914400" rtl="0" eaLnBrk="1" latinLnBrk="0" hangingPunct="1">
+                        <a:defRPr sz="1800" kern="1200">
+                          <a:solidFill>
+                            <a:schemeClr val="dk1"/>
+                          </a:solidFill>
+                          <a:latin typeface="Arial"/>
+                        </a:defRPr>
+                      </a:lvl1pPr>
+                      <a:lvl2pPr marL="457200" algn="l" defTabSz="914400" rtl="0" eaLnBrk="1" latinLnBrk="0" hangingPunct="1">
+                        <a:defRPr sz="1800" kern="1200">
+                          <a:solidFill>
+                            <a:schemeClr val="dk1"/>
+                          </a:solidFill>
+                          <a:latin typeface="Arial"/>
+                        </a:defRPr>
+                      </a:lvl2pPr>
+                      <a:lvl3pPr marL="914400" algn="l" defTabSz="914400" rtl="0" eaLnBrk="1" latinLnBrk="0" hangingPunct="1">
+                        <a:defRPr sz="1800" kern="1200">
+                          <a:solidFill>
+                            <a:schemeClr val="dk1"/>
+                          </a:solidFill>
+                          <a:latin typeface="Arial"/>
+                        </a:defRPr>
+                      </a:lvl3pPr>
+                      <a:lvl4pPr marL="1371600" algn="l" defTabSz="914400" rtl="0" eaLnBrk="1" latinLnBrk="0" hangingPunct="1">
+                        <a:defRPr sz="1800" kern="1200">
+                          <a:solidFill>
+                            <a:schemeClr val="dk1"/>
+                          </a:solidFill>
+                          <a:latin typeface="Arial"/>
+                        </a:defRPr>
+                      </a:lvl4pPr>
+                      <a:lvl5pPr marL="1828800" algn="l" defTabSz="914400" rtl="0" eaLnBrk="1" latinLnBrk="0" hangingPunct="1">
+                        <a:defRPr sz="1800" kern="1200">
+                          <a:solidFill>
+                            <a:schemeClr val="dk1"/>
+                          </a:solidFill>
+                          <a:latin typeface="Arial"/>
+                        </a:defRPr>
+                      </a:lvl5pPr>
+                      <a:lvl6pPr marL="2286000" algn="l" defTabSz="914400" rtl="0" eaLnBrk="1" latinLnBrk="0" hangingPunct="1">
+                        <a:defRPr sz="1800" kern="1200">
+                          <a:solidFill>
+                            <a:schemeClr val="dk1"/>
+                          </a:solidFill>
+                          <a:latin typeface="Arial"/>
+                        </a:defRPr>
+                      </a:lvl6pPr>
+                      <a:lvl7pPr marL="2743200" algn="l" defTabSz="914400" rtl="0" eaLnBrk="1" latinLnBrk="0" hangingPunct="1">
+                        <a:defRPr sz="1800" kern="1200">
+                          <a:solidFill>
+                            <a:schemeClr val="dk1"/>
+                          </a:solidFill>
+                          <a:latin typeface="Arial"/>
+                        </a:defRPr>
+                      </a:lvl7pPr>
+                      <a:lvl8pPr marL="3200400" algn="l" defTabSz="914400" rtl="0" eaLnBrk="1" latinLnBrk="0" hangingPunct="1">
+                        <a:defRPr sz="1800" kern="1200">
+                          <a:solidFill>
+                            <a:schemeClr val="dk1"/>
+                          </a:solidFill>
+                          <a:latin typeface="Arial"/>
+                        </a:defRPr>
+                      </a:lvl8pPr>
+                      <a:lvl9pPr marL="3657600" algn="l" defTabSz="914400" rtl="0" eaLnBrk="1" latinLnBrk="0" hangingPunct="1">
+                        <a:defRPr sz="1800" kern="1200">
+                          <a:solidFill>
+                            <a:schemeClr val="dk1"/>
+                          </a:solidFill>
+                          <a:latin typeface="Arial"/>
+                        </a:defRPr>
+                      </a:lvl9pPr>
+                    </a:lstStyle>
+                    <a:p>
+                      <a:r>
+                        <a:rPr lang="en-US" sz="1200" dirty="0" smtClean="0"/>
+                        <a:t>Date of birth</a:t>
+                      </a:r>
+                      <a:endParaRPr lang="en-US" sz="1200" dirty="0"/>
+                    </a:p>
+                  </a:txBody>
+                  <a:tcPr marT="34290" marB="34290">
+                    <a:lnL w="12700" cmpd="sng">
+                      <a:solidFill>
+                        <a:srgbClr val="93A299"/>
+                      </a:solidFill>
+                    </a:lnL>
+                    <a:lnR w="12700" cmpd="sng">
+                      <a:solidFill>
+                        <a:srgbClr val="93A299"/>
+                      </a:solidFill>
+                    </a:lnR>
+                    <a:lnT w="12700" cmpd="sng">
+                      <a:solidFill>
+                        <a:srgbClr val="93A299"/>
+                      </a:solidFill>
+                    </a:lnT>
+                    <a:lnB w="12700" cmpd="sng">
+                      <a:solidFill>
+                        <a:srgbClr val="93A299"/>
+                      </a:solidFill>
+                    </a:lnB>
+                    <a:lnTlToBr w="12700" cmpd="sng">
+                      <a:noFill/>
+                      <a:prstDash val="solid"/>
+                    </a:lnTlToBr>
+                    <a:lnBlToTr w="12700" cmpd="sng">
+                      <a:noFill/>
+                      <a:prstDash val="solid"/>
+                    </a:lnBlToTr>
+                    <a:solidFill>
+                      <a:srgbClr val="FFFFFF"/>
+                    </a:solidFill>
+                  </a:tcPr>
+                </a:tc>
+              </a:tr>
+              <a:tr h="278130">
+                <a:tc>
+                  <a:txBody>
+                    <a:bodyPr/>
+                    <a:lstStyle>
+                      <a:lvl1pPr marL="0" algn="l" defTabSz="914400" rtl="0" eaLnBrk="1" latinLnBrk="0" hangingPunct="1">
+                        <a:defRPr sz="1800" kern="1200">
+                          <a:solidFill>
+                            <a:schemeClr val="dk1"/>
+                          </a:solidFill>
+                          <a:latin typeface="Arial"/>
+                        </a:defRPr>
+                      </a:lvl1pPr>
+                      <a:lvl2pPr marL="457200" algn="l" defTabSz="914400" rtl="0" eaLnBrk="1" latinLnBrk="0" hangingPunct="1">
+                        <a:defRPr sz="1800" kern="1200">
+                          <a:solidFill>
+                            <a:schemeClr val="dk1"/>
+                          </a:solidFill>
+                          <a:latin typeface="Arial"/>
+                        </a:defRPr>
+                      </a:lvl2pPr>
+                      <a:lvl3pPr marL="914400" algn="l" defTabSz="914400" rtl="0" eaLnBrk="1" latinLnBrk="0" hangingPunct="1">
+                        <a:defRPr sz="1800" kern="1200">
+                          <a:solidFill>
+                            <a:schemeClr val="dk1"/>
+                          </a:solidFill>
+                          <a:latin typeface="Arial"/>
+                        </a:defRPr>
+                      </a:lvl3pPr>
+                      <a:lvl4pPr marL="1371600" algn="l" defTabSz="914400" rtl="0" eaLnBrk="1" latinLnBrk="0" hangingPunct="1">
+                        <a:defRPr sz="1800" kern="1200">
+                          <a:solidFill>
+                            <a:schemeClr val="dk1"/>
+                          </a:solidFill>
+                          <a:latin typeface="Arial"/>
+                        </a:defRPr>
+                      </a:lvl4pPr>
+                      <a:lvl5pPr marL="1828800" algn="l" defTabSz="914400" rtl="0" eaLnBrk="1" latinLnBrk="0" hangingPunct="1">
+                        <a:defRPr sz="1800" kern="1200">
+                          <a:solidFill>
+                            <a:schemeClr val="dk1"/>
+                          </a:solidFill>
+                          <a:latin typeface="Arial"/>
+                        </a:defRPr>
+                      </a:lvl5pPr>
+                      <a:lvl6pPr marL="2286000" algn="l" defTabSz="914400" rtl="0" eaLnBrk="1" latinLnBrk="0" hangingPunct="1">
+                        <a:defRPr sz="1800" kern="1200">
+                          <a:solidFill>
+                            <a:schemeClr val="dk1"/>
+                          </a:solidFill>
+                          <a:latin typeface="Arial"/>
+                        </a:defRPr>
+                      </a:lvl6pPr>
+                      <a:lvl7pPr marL="2743200" algn="l" defTabSz="914400" rtl="0" eaLnBrk="1" latinLnBrk="0" hangingPunct="1">
+                        <a:defRPr sz="1800" kern="1200">
+                          <a:solidFill>
+                            <a:schemeClr val="dk1"/>
+                          </a:solidFill>
+                          <a:latin typeface="Arial"/>
+                        </a:defRPr>
+                      </a:lvl7pPr>
+                      <a:lvl8pPr marL="3200400" algn="l" defTabSz="914400" rtl="0" eaLnBrk="1" latinLnBrk="0" hangingPunct="1">
+                        <a:defRPr sz="1800" kern="1200">
+                          <a:solidFill>
+                            <a:schemeClr val="dk1"/>
+                          </a:solidFill>
+                          <a:latin typeface="Arial"/>
+                        </a:defRPr>
+                      </a:lvl8pPr>
+                      <a:lvl9pPr marL="3657600" algn="l" defTabSz="914400" rtl="0" eaLnBrk="1" latinLnBrk="0" hangingPunct="1">
+                        <a:defRPr sz="1800" kern="1200">
+                          <a:solidFill>
+                            <a:schemeClr val="dk1"/>
+                          </a:solidFill>
+                          <a:latin typeface="Arial"/>
+                        </a:defRPr>
+                      </a:lvl9pPr>
+                    </a:lstStyle>
+                    <a:p>
+                      <a:r>
+                        <a:rPr lang="en-US" sz="1200" dirty="0" smtClean="0"/>
+                        <a:t>Citizenship</a:t>
+                      </a:r>
+                      <a:endParaRPr lang="en-US" sz="1200" dirty="0"/>
+                    </a:p>
+                  </a:txBody>
+                  <a:tcPr marT="34290" marB="34290">
+                    <a:lnL w="12700" cmpd="sng">
+                      <a:solidFill>
+                        <a:srgbClr val="93A299"/>
+                      </a:solidFill>
+                    </a:lnL>
+                    <a:lnR w="12700" cmpd="sng">
+                      <a:solidFill>
+                        <a:srgbClr val="93A299"/>
+                      </a:solidFill>
+                    </a:lnR>
+                    <a:lnT w="12700" cmpd="sng">
+                      <a:solidFill>
+                        <a:srgbClr val="93A299"/>
+                      </a:solidFill>
+                    </a:lnT>
+                    <a:lnB w="12700" cmpd="sng">
+                      <a:solidFill>
+                        <a:srgbClr val="93A299"/>
+                      </a:solidFill>
+                    </a:lnB>
+                    <a:lnTlToBr w="12700" cmpd="sng">
+                      <a:noFill/>
+                      <a:prstDash val="solid"/>
+                    </a:lnTlToBr>
+                    <a:lnBlToTr w="12700" cmpd="sng">
+                      <a:noFill/>
+                      <a:prstDash val="solid"/>
+                    </a:lnBlToTr>
+                    <a:solidFill>
+                      <a:srgbClr val="93A299">
+                        <a:tint val="20000"/>
+                      </a:srgbClr>
+                    </a:solidFill>
+                  </a:tcPr>
+                </a:tc>
+              </a:tr>
+              <a:tr h="278130">
+                <a:tc>
+                  <a:txBody>
+                    <a:bodyPr/>
+                    <a:lstStyle>
+                      <a:lvl1pPr marL="0" algn="l" defTabSz="914400" rtl="0" eaLnBrk="1" latinLnBrk="0" hangingPunct="1">
+                        <a:defRPr sz="1800" kern="1200">
+                          <a:solidFill>
+                            <a:schemeClr val="dk1"/>
+                          </a:solidFill>
+                          <a:latin typeface="Arial"/>
+                        </a:defRPr>
+                      </a:lvl1pPr>
+                      <a:lvl2pPr marL="457200" algn="l" defTabSz="914400" rtl="0" eaLnBrk="1" latinLnBrk="0" hangingPunct="1">
+                        <a:defRPr sz="1800" kern="1200">
+                          <a:solidFill>
+                            <a:schemeClr val="dk1"/>
+                          </a:solidFill>
+                          <a:latin typeface="Arial"/>
+                        </a:defRPr>
+                      </a:lvl2pPr>
+                      <a:lvl3pPr marL="914400" algn="l" defTabSz="914400" rtl="0" eaLnBrk="1" latinLnBrk="0" hangingPunct="1">
+                        <a:defRPr sz="1800" kern="1200">
+                          <a:solidFill>
+                            <a:schemeClr val="dk1"/>
+                          </a:solidFill>
+                          <a:latin typeface="Arial"/>
+                        </a:defRPr>
+                      </a:lvl3pPr>
+                      <a:lvl4pPr marL="1371600" algn="l" defTabSz="914400" rtl="0" eaLnBrk="1" latinLnBrk="0" hangingPunct="1">
+                        <a:defRPr sz="1800" kern="1200">
+                          <a:solidFill>
+                            <a:schemeClr val="dk1"/>
+                          </a:solidFill>
+                          <a:latin typeface="Arial"/>
+                        </a:defRPr>
+                      </a:lvl4pPr>
+                      <a:lvl5pPr marL="1828800" algn="l" defTabSz="914400" rtl="0" eaLnBrk="1" latinLnBrk="0" hangingPunct="1">
+                        <a:defRPr sz="1800" kern="1200">
+                          <a:solidFill>
+                            <a:schemeClr val="dk1"/>
+                          </a:solidFill>
+                          <a:latin typeface="Arial"/>
+                        </a:defRPr>
+                      </a:lvl5pPr>
+                      <a:lvl6pPr marL="2286000" algn="l" defTabSz="914400" rtl="0" eaLnBrk="1" latinLnBrk="0" hangingPunct="1">
+                        <a:defRPr sz="1800" kern="1200">
+                          <a:solidFill>
+                            <a:schemeClr val="dk1"/>
+                          </a:solidFill>
+                          <a:latin typeface="Arial"/>
+                        </a:defRPr>
+                      </a:lvl6pPr>
+                      <a:lvl7pPr marL="2743200" algn="l" defTabSz="914400" rtl="0" eaLnBrk="1" latinLnBrk="0" hangingPunct="1">
+                        <a:defRPr sz="1800" kern="1200">
+                          <a:solidFill>
+                            <a:schemeClr val="dk1"/>
+                          </a:solidFill>
+                          <a:latin typeface="Arial"/>
+                        </a:defRPr>
+                      </a:lvl7pPr>
+                      <a:lvl8pPr marL="3200400" algn="l" defTabSz="914400" rtl="0" eaLnBrk="1" latinLnBrk="0" hangingPunct="1">
+                        <a:defRPr sz="1800" kern="1200">
+                          <a:solidFill>
+                            <a:schemeClr val="dk1"/>
+                          </a:solidFill>
+                          <a:latin typeface="Arial"/>
+                        </a:defRPr>
+                      </a:lvl8pPr>
+                      <a:lvl9pPr marL="3657600" algn="l" defTabSz="914400" rtl="0" eaLnBrk="1" latinLnBrk="0" hangingPunct="1">
+                        <a:defRPr sz="1800" kern="1200">
+                          <a:solidFill>
+                            <a:schemeClr val="dk1"/>
+                          </a:solidFill>
+                          <a:latin typeface="Arial"/>
+                        </a:defRPr>
+                      </a:lvl9pPr>
+                    </a:lstStyle>
+                    <a:p>
+                      <a:r>
+                        <a:rPr lang="en-US" sz="1200" dirty="0" smtClean="0"/>
+                        <a:t>City</a:t>
+                      </a:r>
+                      <a:endParaRPr lang="en-US" sz="1200" dirty="0"/>
+                    </a:p>
+                  </a:txBody>
+                  <a:tcPr marT="34290" marB="34290">
+                    <a:lnL w="12700" cmpd="sng">
+                      <a:solidFill>
+                        <a:srgbClr val="93A299"/>
+                      </a:solidFill>
+                    </a:lnL>
+                    <a:lnR w="12700" cmpd="sng">
+                      <a:solidFill>
+                        <a:srgbClr val="93A299"/>
+                      </a:solidFill>
+                    </a:lnR>
+                    <a:lnT w="12700" cmpd="sng">
+                      <a:solidFill>
+                        <a:srgbClr val="93A299"/>
+                      </a:solidFill>
+                    </a:lnT>
+                    <a:lnB w="12700" cmpd="sng">
+                      <a:solidFill>
+                        <a:srgbClr val="93A299"/>
+                      </a:solidFill>
+                    </a:lnB>
+                    <a:lnTlToBr w="12700" cmpd="sng">
+                      <a:noFill/>
+                      <a:prstDash val="solid"/>
+                    </a:lnTlToBr>
+                    <a:lnBlToTr w="12700" cmpd="sng">
+                      <a:noFill/>
+                      <a:prstDash val="solid"/>
+                    </a:lnBlToTr>
+                    <a:solidFill>
+                      <a:srgbClr val="FFFFFF"/>
+                    </a:solidFill>
+                  </a:tcPr>
+                </a:tc>
+              </a:tr>
+              <a:tr h="278130">
+                <a:tc>
+                  <a:txBody>
+                    <a:bodyPr/>
+                    <a:lstStyle>
+                      <a:lvl1pPr marL="0" algn="l" defTabSz="914400" rtl="0" eaLnBrk="1" latinLnBrk="0" hangingPunct="1">
+                        <a:defRPr sz="1800" kern="1200">
+                          <a:solidFill>
+                            <a:schemeClr val="dk1"/>
+                          </a:solidFill>
+                          <a:latin typeface="Arial"/>
+                        </a:defRPr>
+                      </a:lvl1pPr>
+                      <a:lvl2pPr marL="457200" algn="l" defTabSz="914400" rtl="0" eaLnBrk="1" latinLnBrk="0" hangingPunct="1">
+                        <a:defRPr sz="1800" kern="1200">
+                          <a:solidFill>
+                            <a:schemeClr val="dk1"/>
+                          </a:solidFill>
+                          <a:latin typeface="Arial"/>
+                        </a:defRPr>
+                      </a:lvl2pPr>
+                      <a:lvl3pPr marL="914400" algn="l" defTabSz="914400" rtl="0" eaLnBrk="1" latinLnBrk="0" hangingPunct="1">
+                        <a:defRPr sz="1800" kern="1200">
+                          <a:solidFill>
+                            <a:schemeClr val="dk1"/>
+                          </a:solidFill>
+                          <a:latin typeface="Arial"/>
+                        </a:defRPr>
+                      </a:lvl3pPr>
+                      <a:lvl4pPr marL="1371600" algn="l" defTabSz="914400" rtl="0" eaLnBrk="1" latinLnBrk="0" hangingPunct="1">
+                        <a:defRPr sz="1800" kern="1200">
+                          <a:solidFill>
+                            <a:schemeClr val="dk1"/>
+                          </a:solidFill>
+                          <a:latin typeface="Arial"/>
+                        </a:defRPr>
+                      </a:lvl4pPr>
+                      <a:lvl5pPr marL="1828800" algn="l" defTabSz="914400" rtl="0" eaLnBrk="1" latinLnBrk="0" hangingPunct="1">
+                        <a:defRPr sz="1800" kern="1200">
+                          <a:solidFill>
+                            <a:schemeClr val="dk1"/>
+                          </a:solidFill>
+                          <a:latin typeface="Arial"/>
+                        </a:defRPr>
+                      </a:lvl5pPr>
+                      <a:lvl6pPr marL="2286000" algn="l" defTabSz="914400" rtl="0" eaLnBrk="1" latinLnBrk="0" hangingPunct="1">
+                        <a:defRPr sz="1800" kern="1200">
+                          <a:solidFill>
+                            <a:schemeClr val="dk1"/>
+                          </a:solidFill>
+                          <a:latin typeface="Arial"/>
+                        </a:defRPr>
+                      </a:lvl6pPr>
+                      <a:lvl7pPr marL="2743200" algn="l" defTabSz="914400" rtl="0" eaLnBrk="1" latinLnBrk="0" hangingPunct="1">
+                        <a:defRPr sz="1800" kern="1200">
+                          <a:solidFill>
+                            <a:schemeClr val="dk1"/>
+                          </a:solidFill>
+                          <a:latin typeface="Arial"/>
+                        </a:defRPr>
+                      </a:lvl7pPr>
+                      <a:lvl8pPr marL="3200400" algn="l" defTabSz="914400" rtl="0" eaLnBrk="1" latinLnBrk="0" hangingPunct="1">
+                        <a:defRPr sz="1800" kern="1200">
+                          <a:solidFill>
+                            <a:schemeClr val="dk1"/>
+                          </a:solidFill>
+                          <a:latin typeface="Arial"/>
+                        </a:defRPr>
+                      </a:lvl8pPr>
+                      <a:lvl9pPr marL="3657600" algn="l" defTabSz="914400" rtl="0" eaLnBrk="1" latinLnBrk="0" hangingPunct="1">
+                        <a:defRPr sz="1800" kern="1200">
+                          <a:solidFill>
+                            <a:schemeClr val="dk1"/>
+                          </a:solidFill>
+                          <a:latin typeface="Arial"/>
+                        </a:defRPr>
+                      </a:lvl9pPr>
+                    </a:lstStyle>
+                    <a:p>
+                      <a:r>
+                        <a:rPr lang="en-US" sz="1200" dirty="0" smtClean="0"/>
+                        <a:t>Address</a:t>
+                      </a:r>
+                      <a:endParaRPr lang="en-US" sz="1200" dirty="0"/>
+                    </a:p>
+                  </a:txBody>
+                  <a:tcPr marT="34290" marB="34290">
+                    <a:lnL w="12700" cmpd="sng">
+                      <a:solidFill>
+                        <a:srgbClr val="93A299"/>
+                      </a:solidFill>
+                    </a:lnL>
+                    <a:lnR w="12700" cmpd="sng">
+                      <a:solidFill>
+                        <a:srgbClr val="93A299"/>
+                      </a:solidFill>
+                    </a:lnR>
+                    <a:lnT w="12700" cmpd="sng">
+                      <a:solidFill>
+                        <a:srgbClr val="93A299"/>
+                      </a:solidFill>
+                    </a:lnT>
+                    <a:lnB w="12700" cmpd="sng">
+                      <a:solidFill>
+                        <a:srgbClr val="93A299"/>
+                      </a:solidFill>
+                    </a:lnB>
+                    <a:lnTlToBr w="12700" cmpd="sng">
+                      <a:noFill/>
+                      <a:prstDash val="solid"/>
+                    </a:lnTlToBr>
+                    <a:lnBlToTr w="12700" cmpd="sng">
+                      <a:noFill/>
+                      <a:prstDash val="solid"/>
+                    </a:lnBlToTr>
+                    <a:solidFill>
+                      <a:srgbClr val="93A299">
+                        <a:tint val="20000"/>
+                      </a:srgbClr>
+                    </a:solidFill>
+                  </a:tcPr>
+                </a:tc>
+              </a:tr>
+              <a:tr h="278130">
+                <a:tc>
+                  <a:txBody>
+                    <a:bodyPr/>
+                    <a:lstStyle>
+                      <a:lvl1pPr marL="0" algn="l" defTabSz="914400" rtl="0" eaLnBrk="1" latinLnBrk="0" hangingPunct="1">
+                        <a:defRPr sz="1800" kern="1200">
+                          <a:solidFill>
+                            <a:schemeClr val="dk1"/>
+                          </a:solidFill>
+                          <a:latin typeface="Arial"/>
+                        </a:defRPr>
+                      </a:lvl1pPr>
+                      <a:lvl2pPr marL="457200" algn="l" defTabSz="914400" rtl="0" eaLnBrk="1" latinLnBrk="0" hangingPunct="1">
+                        <a:defRPr sz="1800" kern="1200">
+                          <a:solidFill>
+                            <a:schemeClr val="dk1"/>
+                          </a:solidFill>
+                          <a:latin typeface="Arial"/>
+                        </a:defRPr>
+                      </a:lvl2pPr>
+                      <a:lvl3pPr marL="914400" algn="l" defTabSz="914400" rtl="0" eaLnBrk="1" latinLnBrk="0" hangingPunct="1">
+                        <a:defRPr sz="1800" kern="1200">
+                          <a:solidFill>
+                            <a:schemeClr val="dk1"/>
+                          </a:solidFill>
+                          <a:latin typeface="Arial"/>
+                        </a:defRPr>
+                      </a:lvl3pPr>
+                      <a:lvl4pPr marL="1371600" algn="l" defTabSz="914400" rtl="0" eaLnBrk="1" latinLnBrk="0" hangingPunct="1">
+                        <a:defRPr sz="1800" kern="1200">
+                          <a:solidFill>
+                            <a:schemeClr val="dk1"/>
+                          </a:solidFill>
+                          <a:latin typeface="Arial"/>
+                        </a:defRPr>
+                      </a:lvl4pPr>
+                      <a:lvl5pPr marL="1828800" algn="l" defTabSz="914400" rtl="0" eaLnBrk="1" latinLnBrk="0" hangingPunct="1">
+                        <a:defRPr sz="1800" kern="1200">
+                          <a:solidFill>
+                            <a:schemeClr val="dk1"/>
+                          </a:solidFill>
+                          <a:latin typeface="Arial"/>
+                        </a:defRPr>
+                      </a:lvl5pPr>
+                      <a:lvl6pPr marL="2286000" algn="l" defTabSz="914400" rtl="0" eaLnBrk="1" latinLnBrk="0" hangingPunct="1">
+                        <a:defRPr sz="1800" kern="1200">
+                          <a:solidFill>
+                            <a:schemeClr val="dk1"/>
+                          </a:solidFill>
+                          <a:latin typeface="Arial"/>
+                        </a:defRPr>
+                      </a:lvl6pPr>
+                      <a:lvl7pPr marL="2743200" algn="l" defTabSz="914400" rtl="0" eaLnBrk="1" latinLnBrk="0" hangingPunct="1">
+                        <a:defRPr sz="1800" kern="1200">
+                          <a:solidFill>
+                            <a:schemeClr val="dk1"/>
+                          </a:solidFill>
+                          <a:latin typeface="Arial"/>
+                        </a:defRPr>
+                      </a:lvl7pPr>
+                      <a:lvl8pPr marL="3200400" algn="l" defTabSz="914400" rtl="0" eaLnBrk="1" latinLnBrk="0" hangingPunct="1">
+                        <a:defRPr sz="1800" kern="1200">
+                          <a:solidFill>
+                            <a:schemeClr val="dk1"/>
+                          </a:solidFill>
+                          <a:latin typeface="Arial"/>
+                        </a:defRPr>
+                      </a:lvl8pPr>
+                      <a:lvl9pPr marL="3657600" algn="l" defTabSz="914400" rtl="0" eaLnBrk="1" latinLnBrk="0" hangingPunct="1">
+                        <a:defRPr sz="1800" kern="1200">
+                          <a:solidFill>
+                            <a:schemeClr val="dk1"/>
+                          </a:solidFill>
+                          <a:latin typeface="Arial"/>
+                        </a:defRPr>
+                      </a:lvl9pPr>
+                    </a:lstStyle>
+                    <a:p>
+                      <a:r>
+                        <a:rPr lang="en-US" sz="1200" dirty="0" smtClean="0"/>
+                        <a:t>Marital</a:t>
+                      </a:r>
+                      <a:r>
+                        <a:rPr lang="en-US" sz="1200" baseline="0" dirty="0" smtClean="0"/>
+                        <a:t> status</a:t>
+                      </a:r>
+                      <a:endParaRPr lang="en-US" sz="1200" dirty="0"/>
+                    </a:p>
+                  </a:txBody>
+                  <a:tcPr marT="34290" marB="34290">
+                    <a:lnL w="12700" cmpd="sng">
+                      <a:solidFill>
+                        <a:srgbClr val="93A299"/>
+                      </a:solidFill>
+                    </a:lnL>
+                    <a:lnR w="12700" cmpd="sng">
+                      <a:solidFill>
+                        <a:srgbClr val="93A299"/>
+                      </a:solidFill>
+                    </a:lnR>
+                    <a:lnT w="12700" cmpd="sng">
+                      <a:solidFill>
+                        <a:srgbClr val="93A299"/>
+                      </a:solidFill>
+                    </a:lnT>
+                    <a:lnB w="12700" cmpd="sng">
+                      <a:solidFill>
+                        <a:srgbClr val="93A299"/>
+                      </a:solidFill>
+                    </a:lnB>
+                    <a:lnTlToBr w="12700" cmpd="sng">
+                      <a:noFill/>
+                      <a:prstDash val="solid"/>
+                    </a:lnTlToBr>
+                    <a:lnBlToTr w="12700" cmpd="sng">
+                      <a:noFill/>
+                      <a:prstDash val="solid"/>
+                    </a:lnBlToTr>
+                    <a:solidFill>
+                      <a:srgbClr val="FFFFFF"/>
+                    </a:solidFill>
+                  </a:tcPr>
+                </a:tc>
+              </a:tr>
+            </a:tbl>
+          </a:graphicData>
+        </a:graphic>
+      </p:graphicFrame>
+      <p:sp>
+        <p:nvSpPr>
+          <p:cNvPr id="26" name="Down Arrow 25"/>
+          <p:cNvSpPr/>
+          <p:nvPr/>
+        </p:nvSpPr>
+        <p:spPr>
+          <a:xfrm>
+            <a:off x="5562600" y="3200400"/>
+            <a:ext cx="381000" cy="742950"/>
+          </a:xfrm>
+          <a:prstGeom prst="downArrow">
+            <a:avLst/>
+          </a:prstGeom>
+          <a:solidFill>
+            <a:srgbClr val="93A299"/>
+          </a:solidFill>
+          <a:ln w="26425" cap="flat" cmpd="sng" algn="ctr">
+            <a:solidFill>
+              <a:srgbClr val="93A299">
+                <a:shade val="50000"/>
+              </a:srgbClr>
+            </a:solidFill>
+            <a:prstDash val="solid"/>
+          </a:ln>
+          <a:effectLst/>
+        </p:spPr>
+        <p:txBody>
+          <a:bodyPr rtlCol="0" anchor="ctr"/>
+          <a:lstStyle/>
+          <a:p>
+            <a:pPr marL="0" marR="0" lvl="0" indent="0" algn="ctr" defTabSz="914400" eaLnBrk="1" fontAlgn="auto" latinLnBrk="0" hangingPunct="1">
+              <a:lnSpc>
+                <a:spcPct val="100000"/>
+              </a:lnSpc>
+              <a:spcBef>
+                <a:spcPts val="0"/>
+              </a:spcBef>
+              <a:spcAft>
+                <a:spcPts val="0"/>
+              </a:spcAft>
+              <a:buClrTx/>
+              <a:buSzTx/>
+              <a:buFontTx/>
+              <a:buNone/>
+              <a:tabLst/>
+              <a:defRPr/>
+            </a:pPr>
+            <a:endParaRPr kumimoji="0" lang="en-US" sz="1800" b="0" i="0" u="none" strike="noStrike" kern="0" cap="none" spc="0" normalizeH="0" baseline="0" noProof="0">
+              <a:ln>
+                <a:noFill/>
+              </a:ln>
+              <a:solidFill>
+                <a:srgbClr val="FFFFFF"/>
+              </a:solidFill>
+              <a:effectLst/>
+              <a:uLnTx/>
+              <a:uFillTx/>
+              <a:latin typeface="Arial"/>
+              <a:ea typeface="+mn-ea"/>
+              <a:cs typeface="+mn-cs"/>
+            </a:endParaRPr>
+          </a:p>
+        </p:txBody>
+      </p:sp>
+      <p:sp>
+        <p:nvSpPr>
+          <p:cNvPr id="27" name="Down Arrow 26"/>
+          <p:cNvSpPr/>
+          <p:nvPr/>
+        </p:nvSpPr>
+        <p:spPr>
+          <a:xfrm>
+            <a:off x="7086600" y="3371850"/>
+            <a:ext cx="381000" cy="571500"/>
+          </a:xfrm>
+          <a:prstGeom prst="downArrow">
+            <a:avLst/>
+          </a:prstGeom>
+          <a:solidFill>
+            <a:srgbClr val="93A299"/>
+          </a:solidFill>
+          <a:ln w="26425" cap="flat" cmpd="sng" algn="ctr">
+            <a:solidFill>
+              <a:srgbClr val="93A299">
+                <a:shade val="50000"/>
+              </a:srgbClr>
+            </a:solidFill>
+            <a:prstDash val="solid"/>
+          </a:ln>
+          <a:effectLst/>
+        </p:spPr>
+        <p:txBody>
+          <a:bodyPr rtlCol="0" anchor="ctr"/>
+          <a:lstStyle/>
+          <a:p>
+            <a:pPr marL="0" marR="0" lvl="0" indent="0" algn="ctr" defTabSz="914400" eaLnBrk="1" fontAlgn="auto" latinLnBrk="0" hangingPunct="1">
+              <a:lnSpc>
+                <a:spcPct val="100000"/>
+              </a:lnSpc>
+              <a:spcBef>
+                <a:spcPts val="0"/>
+              </a:spcBef>
+              <a:spcAft>
+                <a:spcPts val="0"/>
+              </a:spcAft>
+              <a:buClrTx/>
+              <a:buSzTx/>
+              <a:buFontTx/>
+              <a:buNone/>
+              <a:tabLst/>
+              <a:defRPr/>
+            </a:pPr>
+            <a:endParaRPr kumimoji="0" lang="en-US" sz="1800" b="0" i="0" u="none" strike="noStrike" kern="0" cap="none" spc="0" normalizeH="0" baseline="0" noProof="0">
+              <a:ln>
+                <a:noFill/>
+              </a:ln>
+              <a:solidFill>
+                <a:srgbClr val="FFFFFF"/>
+              </a:solidFill>
+              <a:effectLst/>
+              <a:uLnTx/>
+              <a:uFillTx/>
+              <a:latin typeface="Arial"/>
+              <a:ea typeface="+mn-ea"/>
+              <a:cs typeface="+mn-cs"/>
+            </a:endParaRPr>
           </a:p>
         </p:txBody>
       </p:sp>

--- a/Documents/JobZoom.pptx
+++ b/Documents/JobZoom.pptx
@@ -7,7 +7,7 @@
     <p:sldMasterId id="2147483683" r:id="rId3"/>
   </p:sldMasterIdLst>
   <p:notesMasterIdLst>
-    <p:notesMasterId r:id="rId11"/>
+    <p:notesMasterId r:id="rId12"/>
   </p:notesMasterIdLst>
   <p:sldIdLst>
     <p:sldId id="256" r:id="rId4"/>
@@ -17,6 +17,7 @@
     <p:sldId id="265" r:id="rId8"/>
     <p:sldId id="258" r:id="rId9"/>
     <p:sldId id="259" r:id="rId10"/>
+    <p:sldId id="266" r:id="rId11"/>
   </p:sldIdLst>
   <p:sldSz cx="9144000" cy="5143500" type="screen16x9"/>
   <p:notesSz cx="6858000" cy="9144000"/>
@@ -15738,929 +15739,171 @@
           <a:chExt cx="0" cy="0"/>
         </a:xfrm>
       </p:grpSpPr>
-      <p:sp>
-        <p:nvSpPr>
-          <p:cNvPr id="16" name="Title 15"/>
-          <p:cNvSpPr>
-            <a:spLocks noGrp="1"/>
-          </p:cNvSpPr>
-          <p:nvPr>
-            <p:ph type="title"/>
-          </p:nvPr>
-        </p:nvSpPr>
-        <p:spPr/>
-        <p:txBody>
-          <a:bodyPr/>
-          <a:lstStyle/>
-          <a:p>
-            <a:r>
-              <a:rPr lang="en-US" dirty="0" smtClean="0"/>
-              <a:t>Profile summary</a:t>
-            </a:r>
-            <a:endParaRPr lang="en-US" dirty="0"/>
-          </a:p>
-        </p:txBody>
-      </p:sp>
       <p:graphicFrame>
         <p:nvGraphicFramePr>
-          <p:cNvPr id="18" name="Content Placeholder 3"/>
+          <p:cNvPr id="28" name="Content Placeholder 3"/>
           <p:cNvGraphicFramePr>
             <a:graphicFrameLocks/>
           </p:cNvGraphicFramePr>
           <p:nvPr>
             <p:extLst>
               <p:ext uri="{D42A27DB-BD31-4B8C-83A1-F6EECF244321}">
-                <p14:modId xmlns:p14="http://schemas.microsoft.com/office/powerpoint/2010/main" val="3237527634"/>
+                <p14:modId xmlns:p14="http://schemas.microsoft.com/office/powerpoint/2010/main" val="989150368"/>
               </p:ext>
             </p:extLst>
           </p:nvPr>
         </p:nvGraphicFramePr>
         <p:xfrm>
-          <a:off x="2326342" y="1028700"/>
-          <a:ext cx="2216468" cy="1946910"/>
+          <a:off x="2312487" y="-19050"/>
+          <a:ext cx="2216468" cy="2595880"/>
         </p:xfrm>
         <a:graphic>
           <a:graphicData uri="http://schemas.openxmlformats.org/drawingml/2006/table">
             <a:tbl>
-              <a:tblPr firstRow="1" bandRow="1"/>
+              <a:tblPr firstRow="1" bandRow="1">
+                <a:tableStyleId>{B301B821-A1FF-4177-AEE7-76D212191A09}</a:tableStyleId>
+              </a:tblPr>
               <a:tblGrid>
                 <a:gridCol w="2216468"/>
               </a:tblGrid>
-              <a:tr h="278130">
+              <a:tr h="370840">
                 <a:tc>
                   <a:txBody>
                     <a:bodyPr/>
-                    <a:lstStyle>
-                      <a:lvl1pPr marL="0" algn="l" defTabSz="914400" rtl="0" eaLnBrk="1" latinLnBrk="0" hangingPunct="1">
-                        <a:defRPr sz="1800" b="1" kern="1200">
-                          <a:solidFill>
-                            <a:schemeClr val="lt1"/>
-                          </a:solidFill>
-                          <a:latin typeface="Arial"/>
-                        </a:defRPr>
-                      </a:lvl1pPr>
-                      <a:lvl2pPr marL="457200" algn="l" defTabSz="914400" rtl="0" eaLnBrk="1" latinLnBrk="0" hangingPunct="1">
-                        <a:defRPr sz="1800" b="1" kern="1200">
-                          <a:solidFill>
-                            <a:schemeClr val="lt1"/>
-                          </a:solidFill>
-                          <a:latin typeface="Arial"/>
-                        </a:defRPr>
-                      </a:lvl2pPr>
-                      <a:lvl3pPr marL="914400" algn="l" defTabSz="914400" rtl="0" eaLnBrk="1" latinLnBrk="0" hangingPunct="1">
-                        <a:defRPr sz="1800" b="1" kern="1200">
-                          <a:solidFill>
-                            <a:schemeClr val="lt1"/>
-                          </a:solidFill>
-                          <a:latin typeface="Arial"/>
-                        </a:defRPr>
-                      </a:lvl3pPr>
-                      <a:lvl4pPr marL="1371600" algn="l" defTabSz="914400" rtl="0" eaLnBrk="1" latinLnBrk="0" hangingPunct="1">
-                        <a:defRPr sz="1800" b="1" kern="1200">
-                          <a:solidFill>
-                            <a:schemeClr val="lt1"/>
-                          </a:solidFill>
-                          <a:latin typeface="Arial"/>
-                        </a:defRPr>
-                      </a:lvl4pPr>
-                      <a:lvl5pPr marL="1828800" algn="l" defTabSz="914400" rtl="0" eaLnBrk="1" latinLnBrk="0" hangingPunct="1">
-                        <a:defRPr sz="1800" b="1" kern="1200">
-                          <a:solidFill>
-                            <a:schemeClr val="lt1"/>
-                          </a:solidFill>
-                          <a:latin typeface="Arial"/>
-                        </a:defRPr>
-                      </a:lvl5pPr>
-                      <a:lvl6pPr marL="2286000" algn="l" defTabSz="914400" rtl="0" eaLnBrk="1" latinLnBrk="0" hangingPunct="1">
-                        <a:defRPr sz="1800" b="1" kern="1200">
-                          <a:solidFill>
-                            <a:schemeClr val="lt1"/>
-                          </a:solidFill>
-                          <a:latin typeface="Arial"/>
-                        </a:defRPr>
-                      </a:lvl6pPr>
-                      <a:lvl7pPr marL="2743200" algn="l" defTabSz="914400" rtl="0" eaLnBrk="1" latinLnBrk="0" hangingPunct="1">
-                        <a:defRPr sz="1800" b="1" kern="1200">
-                          <a:solidFill>
-                            <a:schemeClr val="lt1"/>
-                          </a:solidFill>
-                          <a:latin typeface="Arial"/>
-                        </a:defRPr>
-                      </a:lvl7pPr>
-                      <a:lvl8pPr marL="3200400" algn="l" defTabSz="914400" rtl="0" eaLnBrk="1" latinLnBrk="0" hangingPunct="1">
-                        <a:defRPr sz="1800" b="1" kern="1200">
-                          <a:solidFill>
-                            <a:schemeClr val="lt1"/>
-                          </a:solidFill>
-                          <a:latin typeface="Arial"/>
-                        </a:defRPr>
-                      </a:lvl8pPr>
-                      <a:lvl9pPr marL="3657600" algn="l" defTabSz="914400" rtl="0" eaLnBrk="1" latinLnBrk="0" hangingPunct="1">
-                        <a:defRPr sz="1800" b="1" kern="1200">
-                          <a:solidFill>
-                            <a:schemeClr val="lt1"/>
-                          </a:solidFill>
-                          <a:latin typeface="Arial"/>
-                        </a:defRPr>
-                      </a:lvl9pPr>
-                    </a:lstStyle>
+                    <a:lstStyle/>
                     <a:p>
                       <a:r>
-                        <a:rPr lang="en-US" sz="1200" dirty="0" smtClean="0"/>
-                        <a:t>Contact info</a:t>
+                        <a:rPr lang="en-US" sz="1600" dirty="0" smtClean="0"/>
+                        <a:t>Contact info.</a:t>
                       </a:r>
-                      <a:endParaRPr lang="en-US" sz="1200" dirty="0"/>
+                      <a:r>
+                        <a:rPr lang="en-US" sz="1600" baseline="0" dirty="0" smtClean="0"/>
+                        <a:t> (s)</a:t>
+                      </a:r>
+                      <a:endParaRPr lang="en-US" sz="1600" dirty="0"/>
                     </a:p>
                   </a:txBody>
-                  <a:tcPr marT="34290" marB="34290">
-                    <a:lnL w="12700" cmpd="sng">
-                      <a:solidFill>
-                        <a:srgbClr val="93A299"/>
-                      </a:solidFill>
-                    </a:lnL>
-                    <a:lnR w="12700" cmpd="sng">
-                      <a:solidFill>
-                        <a:srgbClr val="93A299"/>
-                      </a:solidFill>
-                    </a:lnR>
-                    <a:lnT w="12700" cmpd="sng">
-                      <a:solidFill>
-                        <a:srgbClr val="93A299"/>
-                      </a:solidFill>
-                    </a:lnT>
-                    <a:lnB w="12700" cmpd="sng">
-                      <a:solidFill>
-                        <a:srgbClr val="93A299"/>
-                      </a:solidFill>
-                    </a:lnB>
-                    <a:lnTlToBr w="12700" cmpd="sng">
-                      <a:noFill/>
-                      <a:prstDash val="solid"/>
-                    </a:lnTlToBr>
-                    <a:lnBlToTr w="12700" cmpd="sng">
-                      <a:noFill/>
-                      <a:prstDash val="solid"/>
-                    </a:lnBlToTr>
-                    <a:solidFill>
-                      <a:srgbClr val="93A299"/>
-                    </a:solidFill>
-                  </a:tcPr>
+                  <a:tcPr/>
                 </a:tc>
               </a:tr>
-              <a:tr h="278130">
+              <a:tr h="370840">
                 <a:tc>
                   <a:txBody>
                     <a:bodyPr/>
-                    <a:lstStyle>
-                      <a:lvl1pPr marL="0" algn="l" defTabSz="914400" rtl="0" eaLnBrk="1" latinLnBrk="0" hangingPunct="1">
-                        <a:defRPr sz="1800" kern="1200">
-                          <a:solidFill>
-                            <a:schemeClr val="dk1"/>
-                          </a:solidFill>
-                          <a:latin typeface="Arial"/>
-                        </a:defRPr>
-                      </a:lvl1pPr>
-                      <a:lvl2pPr marL="457200" algn="l" defTabSz="914400" rtl="0" eaLnBrk="1" latinLnBrk="0" hangingPunct="1">
-                        <a:defRPr sz="1800" kern="1200">
-                          <a:solidFill>
-                            <a:schemeClr val="dk1"/>
-                          </a:solidFill>
-                          <a:latin typeface="Arial"/>
-                        </a:defRPr>
-                      </a:lvl2pPr>
-                      <a:lvl3pPr marL="914400" algn="l" defTabSz="914400" rtl="0" eaLnBrk="1" latinLnBrk="0" hangingPunct="1">
-                        <a:defRPr sz="1800" kern="1200">
-                          <a:solidFill>
-                            <a:schemeClr val="dk1"/>
-                          </a:solidFill>
-                          <a:latin typeface="Arial"/>
-                        </a:defRPr>
-                      </a:lvl3pPr>
-                      <a:lvl4pPr marL="1371600" algn="l" defTabSz="914400" rtl="0" eaLnBrk="1" latinLnBrk="0" hangingPunct="1">
-                        <a:defRPr sz="1800" kern="1200">
-                          <a:solidFill>
-                            <a:schemeClr val="dk1"/>
-                          </a:solidFill>
-                          <a:latin typeface="Arial"/>
-                        </a:defRPr>
-                      </a:lvl4pPr>
-                      <a:lvl5pPr marL="1828800" algn="l" defTabSz="914400" rtl="0" eaLnBrk="1" latinLnBrk="0" hangingPunct="1">
-                        <a:defRPr sz="1800" kern="1200">
-                          <a:solidFill>
-                            <a:schemeClr val="dk1"/>
-                          </a:solidFill>
-                          <a:latin typeface="Arial"/>
-                        </a:defRPr>
-                      </a:lvl5pPr>
-                      <a:lvl6pPr marL="2286000" algn="l" defTabSz="914400" rtl="0" eaLnBrk="1" latinLnBrk="0" hangingPunct="1">
-                        <a:defRPr sz="1800" kern="1200">
-                          <a:solidFill>
-                            <a:schemeClr val="dk1"/>
-                          </a:solidFill>
-                          <a:latin typeface="Arial"/>
-                        </a:defRPr>
-                      </a:lvl6pPr>
-                      <a:lvl7pPr marL="2743200" algn="l" defTabSz="914400" rtl="0" eaLnBrk="1" latinLnBrk="0" hangingPunct="1">
-                        <a:defRPr sz="1800" kern="1200">
-                          <a:solidFill>
-                            <a:schemeClr val="dk1"/>
-                          </a:solidFill>
-                          <a:latin typeface="Arial"/>
-                        </a:defRPr>
-                      </a:lvl7pPr>
-                      <a:lvl8pPr marL="3200400" algn="l" defTabSz="914400" rtl="0" eaLnBrk="1" latinLnBrk="0" hangingPunct="1">
-                        <a:defRPr sz="1800" kern="1200">
-                          <a:solidFill>
-                            <a:schemeClr val="dk1"/>
-                          </a:solidFill>
-                          <a:latin typeface="Arial"/>
-                        </a:defRPr>
-                      </a:lvl8pPr>
-                      <a:lvl9pPr marL="3657600" algn="l" defTabSz="914400" rtl="0" eaLnBrk="1" latinLnBrk="0" hangingPunct="1">
-                        <a:defRPr sz="1800" kern="1200">
-                          <a:solidFill>
-                            <a:schemeClr val="dk1"/>
-                          </a:solidFill>
-                          <a:latin typeface="Arial"/>
-                        </a:defRPr>
-                      </a:lvl9pPr>
-                    </a:lstStyle>
+                    <a:lstStyle/>
                     <a:p>
                       <a:r>
-                        <a:rPr lang="en-US" sz="1200" dirty="0" smtClean="0">
+                        <a:rPr lang="en-US" sz="1600" dirty="0" smtClean="0">
                           <a:solidFill>
                             <a:srgbClr val="00B0F0"/>
                           </a:solidFill>
                         </a:rPr>
                         <a:t>Websites</a:t>
                       </a:r>
-                      <a:endParaRPr lang="en-US" sz="1200" dirty="0">
+                      <a:endParaRPr lang="en-US" sz="1600" dirty="0">
                         <a:solidFill>
                           <a:srgbClr val="00B0F0"/>
                         </a:solidFill>
                       </a:endParaRPr>
                     </a:p>
                   </a:txBody>
-                  <a:tcPr marT="34290" marB="34290">
-                    <a:lnL w="12700" cmpd="sng">
-                      <a:solidFill>
-                        <a:srgbClr val="93A299"/>
-                      </a:solidFill>
-                    </a:lnL>
-                    <a:lnR w="12700" cmpd="sng">
-                      <a:solidFill>
-                        <a:srgbClr val="93A299"/>
-                      </a:solidFill>
-                    </a:lnR>
-                    <a:lnT w="12700" cmpd="sng">
-                      <a:solidFill>
-                        <a:srgbClr val="93A299"/>
-                      </a:solidFill>
-                    </a:lnT>
-                    <a:lnB w="12700" cmpd="sng">
-                      <a:solidFill>
-                        <a:srgbClr val="93A299"/>
-                      </a:solidFill>
-                    </a:lnB>
-                    <a:lnTlToBr w="12700" cmpd="sng">
-                      <a:noFill/>
-                      <a:prstDash val="solid"/>
-                    </a:lnTlToBr>
-                    <a:lnBlToTr w="12700" cmpd="sng">
-                      <a:noFill/>
-                      <a:prstDash val="solid"/>
-                    </a:lnBlToTr>
-                    <a:solidFill>
-                      <a:srgbClr val="93A299">
-                        <a:tint val="20000"/>
-                      </a:srgbClr>
-                    </a:solidFill>
-                  </a:tcPr>
+                  <a:tcPr/>
                 </a:tc>
               </a:tr>
-              <a:tr h="278130">
+              <a:tr h="370840">
                 <a:tc>
                   <a:txBody>
                     <a:bodyPr/>
-                    <a:lstStyle>
-                      <a:lvl1pPr marL="0" algn="l" defTabSz="914400" rtl="0" eaLnBrk="1" latinLnBrk="0" hangingPunct="1">
-                        <a:defRPr sz="1800" kern="1200">
-                          <a:solidFill>
-                            <a:schemeClr val="dk1"/>
-                          </a:solidFill>
-                          <a:latin typeface="Arial"/>
-                        </a:defRPr>
-                      </a:lvl1pPr>
-                      <a:lvl2pPr marL="457200" algn="l" defTabSz="914400" rtl="0" eaLnBrk="1" latinLnBrk="0" hangingPunct="1">
-                        <a:defRPr sz="1800" kern="1200">
-                          <a:solidFill>
-                            <a:schemeClr val="dk1"/>
-                          </a:solidFill>
-                          <a:latin typeface="Arial"/>
-                        </a:defRPr>
-                      </a:lvl2pPr>
-                      <a:lvl3pPr marL="914400" algn="l" defTabSz="914400" rtl="0" eaLnBrk="1" latinLnBrk="0" hangingPunct="1">
-                        <a:defRPr sz="1800" kern="1200">
-                          <a:solidFill>
-                            <a:schemeClr val="dk1"/>
-                          </a:solidFill>
-                          <a:latin typeface="Arial"/>
-                        </a:defRPr>
-                      </a:lvl3pPr>
-                      <a:lvl4pPr marL="1371600" algn="l" defTabSz="914400" rtl="0" eaLnBrk="1" latinLnBrk="0" hangingPunct="1">
-                        <a:defRPr sz="1800" kern="1200">
-                          <a:solidFill>
-                            <a:schemeClr val="dk1"/>
-                          </a:solidFill>
-                          <a:latin typeface="Arial"/>
-                        </a:defRPr>
-                      </a:lvl4pPr>
-                      <a:lvl5pPr marL="1828800" algn="l" defTabSz="914400" rtl="0" eaLnBrk="1" latinLnBrk="0" hangingPunct="1">
-                        <a:defRPr sz="1800" kern="1200">
-                          <a:solidFill>
-                            <a:schemeClr val="dk1"/>
-                          </a:solidFill>
-                          <a:latin typeface="Arial"/>
-                        </a:defRPr>
-                      </a:lvl5pPr>
-                      <a:lvl6pPr marL="2286000" algn="l" defTabSz="914400" rtl="0" eaLnBrk="1" latinLnBrk="0" hangingPunct="1">
-                        <a:defRPr sz="1800" kern="1200">
-                          <a:solidFill>
-                            <a:schemeClr val="dk1"/>
-                          </a:solidFill>
-                          <a:latin typeface="Arial"/>
-                        </a:defRPr>
-                      </a:lvl6pPr>
-                      <a:lvl7pPr marL="2743200" algn="l" defTabSz="914400" rtl="0" eaLnBrk="1" latinLnBrk="0" hangingPunct="1">
-                        <a:defRPr sz="1800" kern="1200">
-                          <a:solidFill>
-                            <a:schemeClr val="dk1"/>
-                          </a:solidFill>
-                          <a:latin typeface="Arial"/>
-                        </a:defRPr>
-                      </a:lvl7pPr>
-                      <a:lvl8pPr marL="3200400" algn="l" defTabSz="914400" rtl="0" eaLnBrk="1" latinLnBrk="0" hangingPunct="1">
-                        <a:defRPr sz="1800" kern="1200">
-                          <a:solidFill>
-                            <a:schemeClr val="dk1"/>
-                          </a:solidFill>
-                          <a:latin typeface="Arial"/>
-                        </a:defRPr>
-                      </a:lvl8pPr>
-                      <a:lvl9pPr marL="3657600" algn="l" defTabSz="914400" rtl="0" eaLnBrk="1" latinLnBrk="0" hangingPunct="1">
-                        <a:defRPr sz="1800" kern="1200">
-                          <a:solidFill>
-                            <a:schemeClr val="dk1"/>
-                          </a:solidFill>
-                          <a:latin typeface="Arial"/>
-                        </a:defRPr>
-                      </a:lvl9pPr>
-                    </a:lstStyle>
+                    <a:lstStyle/>
                     <a:p>
                       <a:r>
-                        <a:rPr lang="en-US" sz="1200" dirty="0" smtClean="0">
+                        <a:rPr lang="en-US" sz="1600" dirty="0" smtClean="0">
                           <a:solidFill>
                             <a:srgbClr val="00B0F0"/>
                           </a:solidFill>
                         </a:rPr>
                         <a:t>Social networks</a:t>
                       </a:r>
-                      <a:endParaRPr lang="en-US" sz="1200" dirty="0">
+                      <a:endParaRPr lang="en-US" sz="1600" dirty="0">
                         <a:solidFill>
                           <a:srgbClr val="00B0F0"/>
                         </a:solidFill>
                       </a:endParaRPr>
                     </a:p>
                   </a:txBody>
-                  <a:tcPr marT="34290" marB="34290">
-                    <a:lnL w="12700" cmpd="sng">
-                      <a:solidFill>
-                        <a:srgbClr val="93A299"/>
-                      </a:solidFill>
-                    </a:lnL>
-                    <a:lnR w="12700" cmpd="sng">
-                      <a:solidFill>
-                        <a:srgbClr val="93A299"/>
-                      </a:solidFill>
-                    </a:lnR>
-                    <a:lnT w="12700" cmpd="sng">
-                      <a:solidFill>
-                        <a:srgbClr val="93A299"/>
-                      </a:solidFill>
-                    </a:lnT>
-                    <a:lnB w="12700" cmpd="sng">
-                      <a:solidFill>
-                        <a:srgbClr val="93A299"/>
-                      </a:solidFill>
-                    </a:lnB>
-                    <a:lnTlToBr w="12700" cmpd="sng">
-                      <a:noFill/>
-                      <a:prstDash val="solid"/>
-                    </a:lnTlToBr>
-                    <a:lnBlToTr w="12700" cmpd="sng">
-                      <a:noFill/>
-                      <a:prstDash val="solid"/>
-                    </a:lnBlToTr>
-                    <a:solidFill>
-                      <a:srgbClr val="FFFFFF"/>
-                    </a:solidFill>
-                  </a:tcPr>
+                  <a:tcPr/>
                 </a:tc>
               </a:tr>
-              <a:tr h="278130">
+              <a:tr h="370840">
                 <a:tc>
                   <a:txBody>
                     <a:bodyPr/>
-                    <a:lstStyle>
-                      <a:lvl1pPr marL="0" algn="l" defTabSz="914400" rtl="0" eaLnBrk="1" latinLnBrk="0" hangingPunct="1">
-                        <a:defRPr sz="1800" kern="1200">
-                          <a:solidFill>
-                            <a:schemeClr val="dk1"/>
-                          </a:solidFill>
-                          <a:latin typeface="Arial"/>
-                        </a:defRPr>
-                      </a:lvl1pPr>
-                      <a:lvl2pPr marL="457200" algn="l" defTabSz="914400" rtl="0" eaLnBrk="1" latinLnBrk="0" hangingPunct="1">
-                        <a:defRPr sz="1800" kern="1200">
-                          <a:solidFill>
-                            <a:schemeClr val="dk1"/>
-                          </a:solidFill>
-                          <a:latin typeface="Arial"/>
-                        </a:defRPr>
-                      </a:lvl2pPr>
-                      <a:lvl3pPr marL="914400" algn="l" defTabSz="914400" rtl="0" eaLnBrk="1" latinLnBrk="0" hangingPunct="1">
-                        <a:defRPr sz="1800" kern="1200">
-                          <a:solidFill>
-                            <a:schemeClr val="dk1"/>
-                          </a:solidFill>
-                          <a:latin typeface="Arial"/>
-                        </a:defRPr>
-                      </a:lvl3pPr>
-                      <a:lvl4pPr marL="1371600" algn="l" defTabSz="914400" rtl="0" eaLnBrk="1" latinLnBrk="0" hangingPunct="1">
-                        <a:defRPr sz="1800" kern="1200">
-                          <a:solidFill>
-                            <a:schemeClr val="dk1"/>
-                          </a:solidFill>
-                          <a:latin typeface="Arial"/>
-                        </a:defRPr>
-                      </a:lvl4pPr>
-                      <a:lvl5pPr marL="1828800" algn="l" defTabSz="914400" rtl="0" eaLnBrk="1" latinLnBrk="0" hangingPunct="1">
-                        <a:defRPr sz="1800" kern="1200">
-                          <a:solidFill>
-                            <a:schemeClr val="dk1"/>
-                          </a:solidFill>
-                          <a:latin typeface="Arial"/>
-                        </a:defRPr>
-                      </a:lvl5pPr>
-                      <a:lvl6pPr marL="2286000" algn="l" defTabSz="914400" rtl="0" eaLnBrk="1" latinLnBrk="0" hangingPunct="1">
-                        <a:defRPr sz="1800" kern="1200">
-                          <a:solidFill>
-                            <a:schemeClr val="dk1"/>
-                          </a:solidFill>
-                          <a:latin typeface="Arial"/>
-                        </a:defRPr>
-                      </a:lvl6pPr>
-                      <a:lvl7pPr marL="2743200" algn="l" defTabSz="914400" rtl="0" eaLnBrk="1" latinLnBrk="0" hangingPunct="1">
-                        <a:defRPr sz="1800" kern="1200">
-                          <a:solidFill>
-                            <a:schemeClr val="dk1"/>
-                          </a:solidFill>
-                          <a:latin typeface="Arial"/>
-                        </a:defRPr>
-                      </a:lvl7pPr>
-                      <a:lvl8pPr marL="3200400" algn="l" defTabSz="914400" rtl="0" eaLnBrk="1" latinLnBrk="0" hangingPunct="1">
-                        <a:defRPr sz="1800" kern="1200">
-                          <a:solidFill>
-                            <a:schemeClr val="dk1"/>
-                          </a:solidFill>
-                          <a:latin typeface="Arial"/>
-                        </a:defRPr>
-                      </a:lvl8pPr>
-                      <a:lvl9pPr marL="3657600" algn="l" defTabSz="914400" rtl="0" eaLnBrk="1" latinLnBrk="0" hangingPunct="1">
-                        <a:defRPr sz="1800" kern="1200">
-                          <a:solidFill>
-                            <a:schemeClr val="dk1"/>
-                          </a:solidFill>
-                          <a:latin typeface="Arial"/>
-                        </a:defRPr>
-                      </a:lvl9pPr>
-                    </a:lstStyle>
+                    <a:lstStyle/>
                     <a:p>
                       <a:r>
-                        <a:rPr lang="en-US" sz="1200" dirty="0" smtClean="0"/>
-                        <a:t>Email</a:t>
+                        <a:rPr lang="en-US" sz="1600" dirty="0" smtClean="0"/>
+                        <a:t>Emails</a:t>
                       </a:r>
-                      <a:endParaRPr lang="en-US" sz="1200" dirty="0"/>
+                      <a:endParaRPr lang="en-US" sz="1600" dirty="0"/>
                     </a:p>
                   </a:txBody>
-                  <a:tcPr marT="34290" marB="34290">
-                    <a:lnL w="12700" cmpd="sng">
-                      <a:solidFill>
-                        <a:srgbClr val="93A299"/>
-                      </a:solidFill>
-                    </a:lnL>
-                    <a:lnR w="12700" cmpd="sng">
-                      <a:solidFill>
-                        <a:srgbClr val="93A299"/>
-                      </a:solidFill>
-                    </a:lnR>
-                    <a:lnT w="12700" cmpd="sng">
-                      <a:solidFill>
-                        <a:srgbClr val="93A299"/>
-                      </a:solidFill>
-                    </a:lnT>
-                    <a:lnB w="12700" cmpd="sng">
-                      <a:solidFill>
-                        <a:srgbClr val="93A299"/>
-                      </a:solidFill>
-                    </a:lnB>
-                    <a:lnTlToBr w="12700" cmpd="sng">
-                      <a:noFill/>
-                      <a:prstDash val="solid"/>
-                    </a:lnTlToBr>
-                    <a:lnBlToTr w="12700" cmpd="sng">
-                      <a:noFill/>
-                      <a:prstDash val="solid"/>
-                    </a:lnBlToTr>
-                    <a:solidFill>
-                      <a:srgbClr val="93A299">
-                        <a:tint val="20000"/>
-                      </a:srgbClr>
-                    </a:solidFill>
-                  </a:tcPr>
+                  <a:tcPr/>
                 </a:tc>
               </a:tr>
-              <a:tr h="278130">
+              <a:tr h="370840">
                 <a:tc>
                   <a:txBody>
                     <a:bodyPr/>
-                    <a:lstStyle>
-                      <a:lvl1pPr marL="0" algn="l" defTabSz="914400" rtl="0" eaLnBrk="1" latinLnBrk="0" hangingPunct="1">
-                        <a:defRPr sz="1800" kern="1200">
-                          <a:solidFill>
-                            <a:schemeClr val="dk1"/>
-                          </a:solidFill>
-                          <a:latin typeface="Arial"/>
-                        </a:defRPr>
-                      </a:lvl1pPr>
-                      <a:lvl2pPr marL="457200" algn="l" defTabSz="914400" rtl="0" eaLnBrk="1" latinLnBrk="0" hangingPunct="1">
-                        <a:defRPr sz="1800" kern="1200">
-                          <a:solidFill>
-                            <a:schemeClr val="dk1"/>
-                          </a:solidFill>
-                          <a:latin typeface="Arial"/>
-                        </a:defRPr>
-                      </a:lvl2pPr>
-                      <a:lvl3pPr marL="914400" algn="l" defTabSz="914400" rtl="0" eaLnBrk="1" latinLnBrk="0" hangingPunct="1">
-                        <a:defRPr sz="1800" kern="1200">
-                          <a:solidFill>
-                            <a:schemeClr val="dk1"/>
-                          </a:solidFill>
-                          <a:latin typeface="Arial"/>
-                        </a:defRPr>
-                      </a:lvl3pPr>
-                      <a:lvl4pPr marL="1371600" algn="l" defTabSz="914400" rtl="0" eaLnBrk="1" latinLnBrk="0" hangingPunct="1">
-                        <a:defRPr sz="1800" kern="1200">
-                          <a:solidFill>
-                            <a:schemeClr val="dk1"/>
-                          </a:solidFill>
-                          <a:latin typeface="Arial"/>
-                        </a:defRPr>
-                      </a:lvl4pPr>
-                      <a:lvl5pPr marL="1828800" algn="l" defTabSz="914400" rtl="0" eaLnBrk="1" latinLnBrk="0" hangingPunct="1">
-                        <a:defRPr sz="1800" kern="1200">
-                          <a:solidFill>
-                            <a:schemeClr val="dk1"/>
-                          </a:solidFill>
-                          <a:latin typeface="Arial"/>
-                        </a:defRPr>
-                      </a:lvl5pPr>
-                      <a:lvl6pPr marL="2286000" algn="l" defTabSz="914400" rtl="0" eaLnBrk="1" latinLnBrk="0" hangingPunct="1">
-                        <a:defRPr sz="1800" kern="1200">
-                          <a:solidFill>
-                            <a:schemeClr val="dk1"/>
-                          </a:solidFill>
-                          <a:latin typeface="Arial"/>
-                        </a:defRPr>
-                      </a:lvl6pPr>
-                      <a:lvl7pPr marL="2743200" algn="l" defTabSz="914400" rtl="0" eaLnBrk="1" latinLnBrk="0" hangingPunct="1">
-                        <a:defRPr sz="1800" kern="1200">
-                          <a:solidFill>
-                            <a:schemeClr val="dk1"/>
-                          </a:solidFill>
-                          <a:latin typeface="Arial"/>
-                        </a:defRPr>
-                      </a:lvl7pPr>
-                      <a:lvl8pPr marL="3200400" algn="l" defTabSz="914400" rtl="0" eaLnBrk="1" latinLnBrk="0" hangingPunct="1">
-                        <a:defRPr sz="1800" kern="1200">
-                          <a:solidFill>
-                            <a:schemeClr val="dk1"/>
-                          </a:solidFill>
-                          <a:latin typeface="Arial"/>
-                        </a:defRPr>
-                      </a:lvl8pPr>
-                      <a:lvl9pPr marL="3657600" algn="l" defTabSz="914400" rtl="0" eaLnBrk="1" latinLnBrk="0" hangingPunct="1">
-                        <a:defRPr sz="1800" kern="1200">
-                          <a:solidFill>
-                            <a:schemeClr val="dk1"/>
-                          </a:solidFill>
-                          <a:latin typeface="Arial"/>
-                        </a:defRPr>
-                      </a:lvl9pPr>
-                    </a:lstStyle>
+                    <a:lstStyle/>
                     <a:p>
                       <a:r>
-                        <a:rPr lang="en-US" sz="1200" dirty="0" smtClean="0"/>
-                        <a:t>Phone</a:t>
+                        <a:rPr lang="en-US" sz="1600" dirty="0" smtClean="0"/>
+                        <a:t>Phones</a:t>
                       </a:r>
-                      <a:endParaRPr lang="en-US" sz="1200" dirty="0"/>
+                      <a:endParaRPr lang="en-US" sz="1600" dirty="0"/>
                     </a:p>
                   </a:txBody>
-                  <a:tcPr marT="34290" marB="34290">
-                    <a:lnL w="12700" cmpd="sng">
-                      <a:solidFill>
-                        <a:srgbClr val="93A299"/>
-                      </a:solidFill>
-                    </a:lnL>
-                    <a:lnR w="12700" cmpd="sng">
-                      <a:solidFill>
-                        <a:srgbClr val="93A299"/>
-                      </a:solidFill>
-                    </a:lnR>
-                    <a:lnT w="12700" cmpd="sng">
-                      <a:solidFill>
-                        <a:srgbClr val="93A299"/>
-                      </a:solidFill>
-                    </a:lnT>
-                    <a:lnB w="12700" cmpd="sng">
-                      <a:solidFill>
-                        <a:srgbClr val="93A299"/>
-                      </a:solidFill>
-                    </a:lnB>
-                    <a:lnTlToBr w="12700" cmpd="sng">
-                      <a:noFill/>
-                      <a:prstDash val="solid"/>
-                    </a:lnTlToBr>
-                    <a:lnBlToTr w="12700" cmpd="sng">
-                      <a:noFill/>
-                      <a:prstDash val="solid"/>
-                    </a:lnBlToTr>
-                    <a:solidFill>
-                      <a:srgbClr val="FFFFFF"/>
-                    </a:solidFill>
-                  </a:tcPr>
+                  <a:tcPr/>
                 </a:tc>
               </a:tr>
-              <a:tr h="278130">
+              <a:tr h="370840">
                 <a:tc>
                   <a:txBody>
                     <a:bodyPr/>
-                    <a:lstStyle>
-                      <a:lvl1pPr marL="0" algn="l" defTabSz="914400" rtl="0" eaLnBrk="1" latinLnBrk="0" hangingPunct="1">
-                        <a:defRPr sz="1800" kern="1200">
-                          <a:solidFill>
-                            <a:schemeClr val="dk1"/>
-                          </a:solidFill>
-                          <a:latin typeface="Arial"/>
-                        </a:defRPr>
-                      </a:lvl1pPr>
-                      <a:lvl2pPr marL="457200" algn="l" defTabSz="914400" rtl="0" eaLnBrk="1" latinLnBrk="0" hangingPunct="1">
-                        <a:defRPr sz="1800" kern="1200">
-                          <a:solidFill>
-                            <a:schemeClr val="dk1"/>
-                          </a:solidFill>
-                          <a:latin typeface="Arial"/>
-                        </a:defRPr>
-                      </a:lvl2pPr>
-                      <a:lvl3pPr marL="914400" algn="l" defTabSz="914400" rtl="0" eaLnBrk="1" latinLnBrk="0" hangingPunct="1">
-                        <a:defRPr sz="1800" kern="1200">
-                          <a:solidFill>
-                            <a:schemeClr val="dk1"/>
-                          </a:solidFill>
-                          <a:latin typeface="Arial"/>
-                        </a:defRPr>
-                      </a:lvl3pPr>
-                      <a:lvl4pPr marL="1371600" algn="l" defTabSz="914400" rtl="0" eaLnBrk="1" latinLnBrk="0" hangingPunct="1">
-                        <a:defRPr sz="1800" kern="1200">
-                          <a:solidFill>
-                            <a:schemeClr val="dk1"/>
-                          </a:solidFill>
-                          <a:latin typeface="Arial"/>
-                        </a:defRPr>
-                      </a:lvl4pPr>
-                      <a:lvl5pPr marL="1828800" algn="l" defTabSz="914400" rtl="0" eaLnBrk="1" latinLnBrk="0" hangingPunct="1">
-                        <a:defRPr sz="1800" kern="1200">
-                          <a:solidFill>
-                            <a:schemeClr val="dk1"/>
-                          </a:solidFill>
-                          <a:latin typeface="Arial"/>
-                        </a:defRPr>
-                      </a:lvl5pPr>
-                      <a:lvl6pPr marL="2286000" algn="l" defTabSz="914400" rtl="0" eaLnBrk="1" latinLnBrk="0" hangingPunct="1">
-                        <a:defRPr sz="1800" kern="1200">
-                          <a:solidFill>
-                            <a:schemeClr val="dk1"/>
-                          </a:solidFill>
-                          <a:latin typeface="Arial"/>
-                        </a:defRPr>
-                      </a:lvl6pPr>
-                      <a:lvl7pPr marL="2743200" algn="l" defTabSz="914400" rtl="0" eaLnBrk="1" latinLnBrk="0" hangingPunct="1">
-                        <a:defRPr sz="1800" kern="1200">
-                          <a:solidFill>
-                            <a:schemeClr val="dk1"/>
-                          </a:solidFill>
-                          <a:latin typeface="Arial"/>
-                        </a:defRPr>
-                      </a:lvl7pPr>
-                      <a:lvl8pPr marL="3200400" algn="l" defTabSz="914400" rtl="0" eaLnBrk="1" latinLnBrk="0" hangingPunct="1">
-                        <a:defRPr sz="1800" kern="1200">
-                          <a:solidFill>
-                            <a:schemeClr val="dk1"/>
-                          </a:solidFill>
-                          <a:latin typeface="Arial"/>
-                        </a:defRPr>
-                      </a:lvl8pPr>
-                      <a:lvl9pPr marL="3657600" algn="l" defTabSz="914400" rtl="0" eaLnBrk="1" latinLnBrk="0" hangingPunct="1">
-                        <a:defRPr sz="1800" kern="1200">
-                          <a:solidFill>
-                            <a:schemeClr val="dk1"/>
-                          </a:solidFill>
-                          <a:latin typeface="Arial"/>
-                        </a:defRPr>
-                      </a:lvl9pPr>
-                    </a:lstStyle>
+                    <a:lstStyle/>
                     <a:p>
                       <a:r>
-                        <a:rPr lang="en-US" sz="1200" dirty="0" smtClean="0"/>
+                        <a:rPr lang="en-US" sz="1600" dirty="0" smtClean="0"/>
                         <a:t>Contact me</a:t>
                       </a:r>
                       <a:r>
-                        <a:rPr lang="en-US" sz="1200" baseline="0" dirty="0" smtClean="0"/>
-                        <a:t> for</a:t>
+                        <a:rPr lang="en-US" sz="1600" baseline="0" dirty="0" smtClean="0"/>
+                        <a:t> for (s)</a:t>
                       </a:r>
-                      <a:endParaRPr lang="en-US" sz="1200" dirty="0"/>
+                      <a:endParaRPr lang="en-US" sz="1600" dirty="0"/>
                     </a:p>
                   </a:txBody>
-                  <a:tcPr marT="34290" marB="34290">
-                    <a:lnL w="12700" cmpd="sng">
-                      <a:solidFill>
-                        <a:srgbClr val="93A299"/>
-                      </a:solidFill>
-                    </a:lnL>
-                    <a:lnR w="12700" cmpd="sng">
-                      <a:solidFill>
-                        <a:srgbClr val="93A299"/>
-                      </a:solidFill>
-                    </a:lnR>
-                    <a:lnT w="12700" cmpd="sng">
-                      <a:solidFill>
-                        <a:srgbClr val="93A299"/>
-                      </a:solidFill>
-                    </a:lnT>
-                    <a:lnB w="12700" cmpd="sng">
-                      <a:solidFill>
-                        <a:srgbClr val="93A299"/>
-                      </a:solidFill>
-                    </a:lnB>
-                    <a:lnTlToBr w="12700" cmpd="sng">
-                      <a:noFill/>
-                      <a:prstDash val="solid"/>
-                    </a:lnTlToBr>
-                    <a:lnBlToTr w="12700" cmpd="sng">
-                      <a:noFill/>
-                      <a:prstDash val="solid"/>
-                    </a:lnBlToTr>
-                    <a:solidFill>
-                      <a:srgbClr val="93A299">
-                        <a:tint val="20000"/>
-                      </a:srgbClr>
-                    </a:solidFill>
-                  </a:tcPr>
+                  <a:tcPr/>
                 </a:tc>
               </a:tr>
-              <a:tr h="278130">
+              <a:tr h="370840">
                 <a:tc>
                   <a:txBody>
                     <a:bodyPr/>
-                    <a:lstStyle>
-                      <a:lvl1pPr marL="0" algn="l" defTabSz="914400" rtl="0" eaLnBrk="1" latinLnBrk="0" hangingPunct="1">
-                        <a:defRPr sz="1800" kern="1200">
-                          <a:solidFill>
-                            <a:schemeClr val="dk1"/>
-                          </a:solidFill>
-                          <a:latin typeface="Arial"/>
-                        </a:defRPr>
-                      </a:lvl1pPr>
-                      <a:lvl2pPr marL="457200" algn="l" defTabSz="914400" rtl="0" eaLnBrk="1" latinLnBrk="0" hangingPunct="1">
-                        <a:defRPr sz="1800" kern="1200">
-                          <a:solidFill>
-                            <a:schemeClr val="dk1"/>
-                          </a:solidFill>
-                          <a:latin typeface="Arial"/>
-                        </a:defRPr>
-                      </a:lvl2pPr>
-                      <a:lvl3pPr marL="914400" algn="l" defTabSz="914400" rtl="0" eaLnBrk="1" latinLnBrk="0" hangingPunct="1">
-                        <a:defRPr sz="1800" kern="1200">
-                          <a:solidFill>
-                            <a:schemeClr val="dk1"/>
-                          </a:solidFill>
-                          <a:latin typeface="Arial"/>
-                        </a:defRPr>
-                      </a:lvl3pPr>
-                      <a:lvl4pPr marL="1371600" algn="l" defTabSz="914400" rtl="0" eaLnBrk="1" latinLnBrk="0" hangingPunct="1">
-                        <a:defRPr sz="1800" kern="1200">
-                          <a:solidFill>
-                            <a:schemeClr val="dk1"/>
-                          </a:solidFill>
-                          <a:latin typeface="Arial"/>
-                        </a:defRPr>
-                      </a:lvl4pPr>
-                      <a:lvl5pPr marL="1828800" algn="l" defTabSz="914400" rtl="0" eaLnBrk="1" latinLnBrk="0" hangingPunct="1">
-                        <a:defRPr sz="1800" kern="1200">
-                          <a:solidFill>
-                            <a:schemeClr val="dk1"/>
-                          </a:solidFill>
-                          <a:latin typeface="Arial"/>
-                        </a:defRPr>
-                      </a:lvl5pPr>
-                      <a:lvl6pPr marL="2286000" algn="l" defTabSz="914400" rtl="0" eaLnBrk="1" latinLnBrk="0" hangingPunct="1">
-                        <a:defRPr sz="1800" kern="1200">
-                          <a:solidFill>
-                            <a:schemeClr val="dk1"/>
-                          </a:solidFill>
-                          <a:latin typeface="Arial"/>
-                        </a:defRPr>
-                      </a:lvl6pPr>
-                      <a:lvl7pPr marL="2743200" algn="l" defTabSz="914400" rtl="0" eaLnBrk="1" latinLnBrk="0" hangingPunct="1">
-                        <a:defRPr sz="1800" kern="1200">
-                          <a:solidFill>
-                            <a:schemeClr val="dk1"/>
-                          </a:solidFill>
-                          <a:latin typeface="Arial"/>
-                        </a:defRPr>
-                      </a:lvl7pPr>
-                      <a:lvl8pPr marL="3200400" algn="l" defTabSz="914400" rtl="0" eaLnBrk="1" latinLnBrk="0" hangingPunct="1">
-                        <a:defRPr sz="1800" kern="1200">
-                          <a:solidFill>
-                            <a:schemeClr val="dk1"/>
-                          </a:solidFill>
-                          <a:latin typeface="Arial"/>
-                        </a:defRPr>
-                      </a:lvl8pPr>
-                      <a:lvl9pPr marL="3657600" algn="l" defTabSz="914400" rtl="0" eaLnBrk="1" latinLnBrk="0" hangingPunct="1">
-                        <a:defRPr sz="1800" kern="1200">
-                          <a:solidFill>
-                            <a:schemeClr val="dk1"/>
-                          </a:solidFill>
-                          <a:latin typeface="Arial"/>
-                        </a:defRPr>
-                      </a:lvl9pPr>
-                    </a:lstStyle>
+                    <a:lstStyle/>
                     <a:p>
                       <a:r>
-                        <a:rPr lang="en-US" sz="1200" dirty="0" smtClean="0"/>
+                        <a:rPr lang="en-US" sz="1600" dirty="0" smtClean="0"/>
                         <a:t>Contact</a:t>
                       </a:r>
                       <a:r>
-                        <a:rPr lang="en-US" sz="1200" baseline="0" dirty="0" smtClean="0"/>
-                        <a:t> me by</a:t>
+                        <a:rPr lang="en-US" sz="1600" baseline="0" dirty="0" smtClean="0"/>
+                        <a:t> me by (s)</a:t>
                       </a:r>
-                      <a:endParaRPr lang="en-US" sz="1200" dirty="0"/>
+                      <a:endParaRPr lang="en-US" sz="1600" dirty="0"/>
                     </a:p>
                   </a:txBody>
-                  <a:tcPr marT="34290" marB="34290">
-                    <a:lnL w="12700" cmpd="sng">
-                      <a:solidFill>
-                        <a:srgbClr val="93A299"/>
-                      </a:solidFill>
-                    </a:lnL>
-                    <a:lnR w="12700" cmpd="sng">
-                      <a:solidFill>
-                        <a:srgbClr val="93A299"/>
-                      </a:solidFill>
-                    </a:lnR>
-                    <a:lnT w="12700" cmpd="sng">
-                      <a:solidFill>
-                        <a:srgbClr val="93A299"/>
-                      </a:solidFill>
-                    </a:lnT>
-                    <a:lnB w="12700" cmpd="sng">
-                      <a:solidFill>
-                        <a:srgbClr val="93A299"/>
-                      </a:solidFill>
-                    </a:lnB>
-                    <a:lnTlToBr w="12700" cmpd="sng">
-                      <a:noFill/>
-                      <a:prstDash val="solid"/>
-                    </a:lnTlToBr>
-                    <a:lnBlToTr w="12700" cmpd="sng">
-                      <a:noFill/>
-                      <a:prstDash val="solid"/>
-                    </a:lnBlToTr>
-                    <a:solidFill>
-                      <a:srgbClr val="FFFFFF"/>
-                    </a:solidFill>
-                  </a:tcPr>
+                  <a:tcPr/>
                 </a:tc>
               </a:tr>
             </a:tbl>
@@ -16669,644 +15912,117 @@
       </p:graphicFrame>
       <p:graphicFrame>
         <p:nvGraphicFramePr>
-          <p:cNvPr id="19" name="Content Placeholder 3"/>
+          <p:cNvPr id="29" name="Content Placeholder 3"/>
           <p:cNvGraphicFramePr>
             <a:graphicFrameLocks/>
           </p:cNvGraphicFramePr>
           <p:nvPr>
             <p:extLst>
               <p:ext uri="{D42A27DB-BD31-4B8C-83A1-F6EECF244321}">
-                <p14:modId xmlns:p14="http://schemas.microsoft.com/office/powerpoint/2010/main" val="779765852"/>
+                <p14:modId xmlns:p14="http://schemas.microsoft.com/office/powerpoint/2010/main" val="3311873948"/>
               </p:ext>
             </p:extLst>
           </p:nvPr>
         </p:nvGraphicFramePr>
         <p:xfrm>
-          <a:off x="0" y="3181350"/>
-          <a:ext cx="2216468" cy="1390650"/>
+          <a:off x="-76200" y="3105150"/>
+          <a:ext cx="2216468" cy="1854200"/>
         </p:xfrm>
         <a:graphic>
           <a:graphicData uri="http://schemas.openxmlformats.org/drawingml/2006/table">
             <a:tbl>
-              <a:tblPr firstRow="1" bandRow="1"/>
+              <a:tblPr firstRow="1" bandRow="1">
+                <a:tableStyleId>{B301B821-A1FF-4177-AEE7-76D212191A09}</a:tableStyleId>
+              </a:tblPr>
               <a:tblGrid>
                 <a:gridCol w="2216468"/>
               </a:tblGrid>
-              <a:tr h="278130">
+              <a:tr h="370840">
                 <a:tc>
                   <a:txBody>
                     <a:bodyPr/>
-                    <a:lstStyle>
-                      <a:lvl1pPr marL="0" algn="l" defTabSz="914400" rtl="0" eaLnBrk="1" latinLnBrk="0" hangingPunct="1">
-                        <a:defRPr sz="1800" b="1" kern="1200">
-                          <a:solidFill>
-                            <a:schemeClr val="lt1"/>
-                          </a:solidFill>
-                          <a:latin typeface="Arial"/>
-                        </a:defRPr>
-                      </a:lvl1pPr>
-                      <a:lvl2pPr marL="457200" algn="l" defTabSz="914400" rtl="0" eaLnBrk="1" latinLnBrk="0" hangingPunct="1">
-                        <a:defRPr sz="1800" b="1" kern="1200">
-                          <a:solidFill>
-                            <a:schemeClr val="lt1"/>
-                          </a:solidFill>
-                          <a:latin typeface="Arial"/>
-                        </a:defRPr>
-                      </a:lvl2pPr>
-                      <a:lvl3pPr marL="914400" algn="l" defTabSz="914400" rtl="0" eaLnBrk="1" latinLnBrk="0" hangingPunct="1">
-                        <a:defRPr sz="1800" b="1" kern="1200">
-                          <a:solidFill>
-                            <a:schemeClr val="lt1"/>
-                          </a:solidFill>
-                          <a:latin typeface="Arial"/>
-                        </a:defRPr>
-                      </a:lvl3pPr>
-                      <a:lvl4pPr marL="1371600" algn="l" defTabSz="914400" rtl="0" eaLnBrk="1" latinLnBrk="0" hangingPunct="1">
-                        <a:defRPr sz="1800" b="1" kern="1200">
-                          <a:solidFill>
-                            <a:schemeClr val="lt1"/>
-                          </a:solidFill>
-                          <a:latin typeface="Arial"/>
-                        </a:defRPr>
-                      </a:lvl4pPr>
-                      <a:lvl5pPr marL="1828800" algn="l" defTabSz="914400" rtl="0" eaLnBrk="1" latinLnBrk="0" hangingPunct="1">
-                        <a:defRPr sz="1800" b="1" kern="1200">
-                          <a:solidFill>
-                            <a:schemeClr val="lt1"/>
-                          </a:solidFill>
-                          <a:latin typeface="Arial"/>
-                        </a:defRPr>
-                      </a:lvl5pPr>
-                      <a:lvl6pPr marL="2286000" algn="l" defTabSz="914400" rtl="0" eaLnBrk="1" latinLnBrk="0" hangingPunct="1">
-                        <a:defRPr sz="1800" b="1" kern="1200">
-                          <a:solidFill>
-                            <a:schemeClr val="lt1"/>
-                          </a:solidFill>
-                          <a:latin typeface="Arial"/>
-                        </a:defRPr>
-                      </a:lvl6pPr>
-                      <a:lvl7pPr marL="2743200" algn="l" defTabSz="914400" rtl="0" eaLnBrk="1" latinLnBrk="0" hangingPunct="1">
-                        <a:defRPr sz="1800" b="1" kern="1200">
-                          <a:solidFill>
-                            <a:schemeClr val="lt1"/>
-                          </a:solidFill>
-                          <a:latin typeface="Arial"/>
-                        </a:defRPr>
-                      </a:lvl7pPr>
-                      <a:lvl8pPr marL="3200400" algn="l" defTabSz="914400" rtl="0" eaLnBrk="1" latinLnBrk="0" hangingPunct="1">
-                        <a:defRPr sz="1800" b="1" kern="1200">
-                          <a:solidFill>
-                            <a:schemeClr val="lt1"/>
-                          </a:solidFill>
-                          <a:latin typeface="Arial"/>
-                        </a:defRPr>
-                      </a:lvl8pPr>
-                      <a:lvl9pPr marL="3657600" algn="l" defTabSz="914400" rtl="0" eaLnBrk="1" latinLnBrk="0" hangingPunct="1">
-                        <a:defRPr sz="1800" b="1" kern="1200">
-                          <a:solidFill>
-                            <a:schemeClr val="lt1"/>
-                          </a:solidFill>
-                          <a:latin typeface="Arial"/>
-                        </a:defRPr>
-                      </a:lvl9pPr>
-                    </a:lstStyle>
+                    <a:lstStyle/>
                     <a:p>
                       <a:r>
-                        <a:rPr lang="en-US" sz="1200" dirty="0" smtClean="0"/>
+                        <a:rPr lang="en-US" sz="1600" dirty="0" smtClean="0"/>
                         <a:t>Career</a:t>
                       </a:r>
                       <a:r>
-                        <a:rPr lang="en-US" sz="1200" baseline="0" dirty="0" smtClean="0"/>
+                        <a:rPr lang="en-US" sz="1600" baseline="0" dirty="0" smtClean="0"/>
                         <a:t> summary</a:t>
                       </a:r>
-                      <a:endParaRPr lang="en-US" sz="1200" dirty="0"/>
+                      <a:endParaRPr lang="en-US" sz="1600" dirty="0"/>
                     </a:p>
                   </a:txBody>
-                  <a:tcPr marT="34290" marB="34290">
-                    <a:lnL w="12700" cmpd="sng">
-                      <a:solidFill>
-                        <a:srgbClr val="93A299"/>
-                      </a:solidFill>
-                    </a:lnL>
-                    <a:lnR w="12700" cmpd="sng">
-                      <a:solidFill>
-                        <a:srgbClr val="93A299"/>
-                      </a:solidFill>
-                    </a:lnR>
-                    <a:lnT w="12700" cmpd="sng">
-                      <a:solidFill>
-                        <a:srgbClr val="93A299"/>
-                      </a:solidFill>
-                    </a:lnT>
-                    <a:lnB w="12700" cmpd="sng">
-                      <a:solidFill>
-                        <a:srgbClr val="93A299"/>
-                      </a:solidFill>
-                    </a:lnB>
-                    <a:lnTlToBr w="12700" cmpd="sng">
-                      <a:noFill/>
-                      <a:prstDash val="solid"/>
-                    </a:lnTlToBr>
-                    <a:lnBlToTr w="12700" cmpd="sng">
-                      <a:noFill/>
-                      <a:prstDash val="solid"/>
-                    </a:lnBlToTr>
-                    <a:solidFill>
-                      <a:srgbClr val="93A299"/>
-                    </a:solidFill>
-                  </a:tcPr>
+                  <a:tcPr/>
                 </a:tc>
               </a:tr>
-              <a:tr h="278130">
+              <a:tr h="370840">
                 <a:tc>
                   <a:txBody>
                     <a:bodyPr/>
-                    <a:lstStyle>
-                      <a:lvl1pPr marL="0" algn="l" defTabSz="914400" rtl="0" eaLnBrk="1" latinLnBrk="0" hangingPunct="1">
-                        <a:defRPr sz="1800" kern="1200">
-                          <a:solidFill>
-                            <a:schemeClr val="dk1"/>
-                          </a:solidFill>
-                          <a:latin typeface="Arial"/>
-                        </a:defRPr>
-                      </a:lvl1pPr>
-                      <a:lvl2pPr marL="457200" algn="l" defTabSz="914400" rtl="0" eaLnBrk="1" latinLnBrk="0" hangingPunct="1">
-                        <a:defRPr sz="1800" kern="1200">
-                          <a:solidFill>
-                            <a:schemeClr val="dk1"/>
-                          </a:solidFill>
-                          <a:latin typeface="Arial"/>
-                        </a:defRPr>
-                      </a:lvl2pPr>
-                      <a:lvl3pPr marL="914400" algn="l" defTabSz="914400" rtl="0" eaLnBrk="1" latinLnBrk="0" hangingPunct="1">
-                        <a:defRPr sz="1800" kern="1200">
-                          <a:solidFill>
-                            <a:schemeClr val="dk1"/>
-                          </a:solidFill>
-                          <a:latin typeface="Arial"/>
-                        </a:defRPr>
-                      </a:lvl3pPr>
-                      <a:lvl4pPr marL="1371600" algn="l" defTabSz="914400" rtl="0" eaLnBrk="1" latinLnBrk="0" hangingPunct="1">
-                        <a:defRPr sz="1800" kern="1200">
-                          <a:solidFill>
-                            <a:schemeClr val="dk1"/>
-                          </a:solidFill>
-                          <a:latin typeface="Arial"/>
-                        </a:defRPr>
-                      </a:lvl4pPr>
-                      <a:lvl5pPr marL="1828800" algn="l" defTabSz="914400" rtl="0" eaLnBrk="1" latinLnBrk="0" hangingPunct="1">
-                        <a:defRPr sz="1800" kern="1200">
-                          <a:solidFill>
-                            <a:schemeClr val="dk1"/>
-                          </a:solidFill>
-                          <a:latin typeface="Arial"/>
-                        </a:defRPr>
-                      </a:lvl5pPr>
-                      <a:lvl6pPr marL="2286000" algn="l" defTabSz="914400" rtl="0" eaLnBrk="1" latinLnBrk="0" hangingPunct="1">
-                        <a:defRPr sz="1800" kern="1200">
-                          <a:solidFill>
-                            <a:schemeClr val="dk1"/>
-                          </a:solidFill>
-                          <a:latin typeface="Arial"/>
-                        </a:defRPr>
-                      </a:lvl6pPr>
-                      <a:lvl7pPr marL="2743200" algn="l" defTabSz="914400" rtl="0" eaLnBrk="1" latinLnBrk="0" hangingPunct="1">
-                        <a:defRPr sz="1800" kern="1200">
-                          <a:solidFill>
-                            <a:schemeClr val="dk1"/>
-                          </a:solidFill>
-                          <a:latin typeface="Arial"/>
-                        </a:defRPr>
-                      </a:lvl7pPr>
-                      <a:lvl8pPr marL="3200400" algn="l" defTabSz="914400" rtl="0" eaLnBrk="1" latinLnBrk="0" hangingPunct="1">
-                        <a:defRPr sz="1800" kern="1200">
-                          <a:solidFill>
-                            <a:schemeClr val="dk1"/>
-                          </a:solidFill>
-                          <a:latin typeface="Arial"/>
-                        </a:defRPr>
-                      </a:lvl8pPr>
-                      <a:lvl9pPr marL="3657600" algn="l" defTabSz="914400" rtl="0" eaLnBrk="1" latinLnBrk="0" hangingPunct="1">
-                        <a:defRPr sz="1800" kern="1200">
-                          <a:solidFill>
-                            <a:schemeClr val="dk1"/>
-                          </a:solidFill>
-                          <a:latin typeface="Arial"/>
-                        </a:defRPr>
-                      </a:lvl9pPr>
-                    </a:lstStyle>
+                    <a:lstStyle/>
                     <a:p>
                       <a:r>
-                        <a:rPr lang="en-US" sz="1200" dirty="0" smtClean="0"/>
+                        <a:rPr lang="en-US" sz="1600" dirty="0" smtClean="0"/>
                         <a:t>Professional status</a:t>
                       </a:r>
-                      <a:endParaRPr lang="en-US" sz="1200" dirty="0"/>
+                      <a:endParaRPr lang="en-US" sz="1600" dirty="0"/>
                     </a:p>
                   </a:txBody>
-                  <a:tcPr marT="34290" marB="34290">
-                    <a:lnL w="12700" cmpd="sng">
-                      <a:solidFill>
-                        <a:srgbClr val="93A299"/>
-                      </a:solidFill>
-                    </a:lnL>
-                    <a:lnR w="12700" cmpd="sng">
-                      <a:solidFill>
-                        <a:srgbClr val="93A299"/>
-                      </a:solidFill>
-                    </a:lnR>
-                    <a:lnT w="12700" cmpd="sng">
-                      <a:solidFill>
-                        <a:srgbClr val="93A299"/>
-                      </a:solidFill>
-                    </a:lnT>
-                    <a:lnB w="12700" cmpd="sng">
-                      <a:solidFill>
-                        <a:srgbClr val="93A299"/>
-                      </a:solidFill>
-                    </a:lnB>
-                    <a:lnTlToBr w="12700" cmpd="sng">
-                      <a:noFill/>
-                      <a:prstDash val="solid"/>
-                    </a:lnTlToBr>
-                    <a:lnBlToTr w="12700" cmpd="sng">
-                      <a:noFill/>
-                      <a:prstDash val="solid"/>
-                    </a:lnBlToTr>
-                    <a:solidFill>
-                      <a:srgbClr val="93A299">
-                        <a:tint val="20000"/>
-                      </a:srgbClr>
-                    </a:solidFill>
-                  </a:tcPr>
+                  <a:tcPr/>
                 </a:tc>
               </a:tr>
-              <a:tr h="278130">
+              <a:tr h="370840">
                 <a:tc>
                   <a:txBody>
                     <a:bodyPr/>
-                    <a:lstStyle>
-                      <a:lvl1pPr marL="0" algn="l" defTabSz="914400" rtl="0" eaLnBrk="1" latinLnBrk="0" hangingPunct="1">
-                        <a:defRPr sz="1800" kern="1200">
-                          <a:solidFill>
-                            <a:schemeClr val="dk1"/>
-                          </a:solidFill>
-                          <a:latin typeface="Arial"/>
-                        </a:defRPr>
-                      </a:lvl1pPr>
-                      <a:lvl2pPr marL="457200" algn="l" defTabSz="914400" rtl="0" eaLnBrk="1" latinLnBrk="0" hangingPunct="1">
-                        <a:defRPr sz="1800" kern="1200">
-                          <a:solidFill>
-                            <a:schemeClr val="dk1"/>
-                          </a:solidFill>
-                          <a:latin typeface="Arial"/>
-                        </a:defRPr>
-                      </a:lvl2pPr>
-                      <a:lvl3pPr marL="914400" algn="l" defTabSz="914400" rtl="0" eaLnBrk="1" latinLnBrk="0" hangingPunct="1">
-                        <a:defRPr sz="1800" kern="1200">
-                          <a:solidFill>
-                            <a:schemeClr val="dk1"/>
-                          </a:solidFill>
-                          <a:latin typeface="Arial"/>
-                        </a:defRPr>
-                      </a:lvl3pPr>
-                      <a:lvl4pPr marL="1371600" algn="l" defTabSz="914400" rtl="0" eaLnBrk="1" latinLnBrk="0" hangingPunct="1">
-                        <a:defRPr sz="1800" kern="1200">
-                          <a:solidFill>
-                            <a:schemeClr val="dk1"/>
-                          </a:solidFill>
-                          <a:latin typeface="Arial"/>
-                        </a:defRPr>
-                      </a:lvl4pPr>
-                      <a:lvl5pPr marL="1828800" algn="l" defTabSz="914400" rtl="0" eaLnBrk="1" latinLnBrk="0" hangingPunct="1">
-                        <a:defRPr sz="1800" kern="1200">
-                          <a:solidFill>
-                            <a:schemeClr val="dk1"/>
-                          </a:solidFill>
-                          <a:latin typeface="Arial"/>
-                        </a:defRPr>
-                      </a:lvl5pPr>
-                      <a:lvl6pPr marL="2286000" algn="l" defTabSz="914400" rtl="0" eaLnBrk="1" latinLnBrk="0" hangingPunct="1">
-                        <a:defRPr sz="1800" kern="1200">
-                          <a:solidFill>
-                            <a:schemeClr val="dk1"/>
-                          </a:solidFill>
-                          <a:latin typeface="Arial"/>
-                        </a:defRPr>
-                      </a:lvl6pPr>
-                      <a:lvl7pPr marL="2743200" algn="l" defTabSz="914400" rtl="0" eaLnBrk="1" latinLnBrk="0" hangingPunct="1">
-                        <a:defRPr sz="1800" kern="1200">
-                          <a:solidFill>
-                            <a:schemeClr val="dk1"/>
-                          </a:solidFill>
-                          <a:latin typeface="Arial"/>
-                        </a:defRPr>
-                      </a:lvl7pPr>
-                      <a:lvl8pPr marL="3200400" algn="l" defTabSz="914400" rtl="0" eaLnBrk="1" latinLnBrk="0" hangingPunct="1">
-                        <a:defRPr sz="1800" kern="1200">
-                          <a:solidFill>
-                            <a:schemeClr val="dk1"/>
-                          </a:solidFill>
-                          <a:latin typeface="Arial"/>
-                        </a:defRPr>
-                      </a:lvl8pPr>
-                      <a:lvl9pPr marL="3657600" algn="l" defTabSz="914400" rtl="0" eaLnBrk="1" latinLnBrk="0" hangingPunct="1">
-                        <a:defRPr sz="1800" kern="1200">
-                          <a:solidFill>
-                            <a:schemeClr val="dk1"/>
-                          </a:solidFill>
-                          <a:latin typeface="Arial"/>
-                        </a:defRPr>
-                      </a:lvl9pPr>
-                    </a:lstStyle>
+                    <a:lstStyle/>
                     <a:p>
                       <a:r>
-                        <a:rPr lang="en-US" sz="1200" dirty="0" smtClean="0"/>
+                        <a:rPr lang="en-US" sz="1600" dirty="0" smtClean="0"/>
                         <a:t>Expert</a:t>
                       </a:r>
                       <a:r>
-                        <a:rPr lang="en-US" sz="1200" baseline="0" dirty="0" smtClean="0"/>
+                        <a:rPr lang="en-US" sz="1600" baseline="0" dirty="0" smtClean="0"/>
                         <a:t> in</a:t>
                       </a:r>
-                      <a:endParaRPr lang="en-US" sz="1200" dirty="0"/>
+                      <a:endParaRPr lang="en-US" sz="1600" dirty="0"/>
                     </a:p>
                   </a:txBody>
-                  <a:tcPr marT="34290" marB="34290">
-                    <a:lnL w="12700" cmpd="sng">
-                      <a:solidFill>
-                        <a:srgbClr val="93A299"/>
-                      </a:solidFill>
-                    </a:lnL>
-                    <a:lnR w="12700" cmpd="sng">
-                      <a:solidFill>
-                        <a:srgbClr val="93A299"/>
-                      </a:solidFill>
-                    </a:lnR>
-                    <a:lnT w="12700" cmpd="sng">
-                      <a:solidFill>
-                        <a:srgbClr val="93A299"/>
-                      </a:solidFill>
-                    </a:lnT>
-                    <a:lnB w="12700" cmpd="sng">
-                      <a:solidFill>
-                        <a:srgbClr val="93A299"/>
-                      </a:solidFill>
-                    </a:lnB>
-                    <a:lnTlToBr w="12700" cmpd="sng">
-                      <a:noFill/>
-                      <a:prstDash val="solid"/>
-                    </a:lnTlToBr>
-                    <a:lnBlToTr w="12700" cmpd="sng">
-                      <a:noFill/>
-                      <a:prstDash val="solid"/>
-                    </a:lnBlToTr>
-                    <a:solidFill>
-                      <a:srgbClr val="FFFFFF"/>
-                    </a:solidFill>
-                  </a:tcPr>
+                  <a:tcPr/>
                 </a:tc>
               </a:tr>
-              <a:tr h="278130">
+              <a:tr h="370840">
                 <a:tc>
                   <a:txBody>
                     <a:bodyPr/>
-                    <a:lstStyle>
-                      <a:lvl1pPr marL="0" algn="l" defTabSz="914400" rtl="0" eaLnBrk="1" latinLnBrk="0" hangingPunct="1">
-                        <a:defRPr sz="1800" kern="1200">
-                          <a:solidFill>
-                            <a:schemeClr val="dk1"/>
-                          </a:solidFill>
-                          <a:latin typeface="Arial"/>
-                        </a:defRPr>
-                      </a:lvl1pPr>
-                      <a:lvl2pPr marL="457200" algn="l" defTabSz="914400" rtl="0" eaLnBrk="1" latinLnBrk="0" hangingPunct="1">
-                        <a:defRPr sz="1800" kern="1200">
-                          <a:solidFill>
-                            <a:schemeClr val="dk1"/>
-                          </a:solidFill>
-                          <a:latin typeface="Arial"/>
-                        </a:defRPr>
-                      </a:lvl2pPr>
-                      <a:lvl3pPr marL="914400" algn="l" defTabSz="914400" rtl="0" eaLnBrk="1" latinLnBrk="0" hangingPunct="1">
-                        <a:defRPr sz="1800" kern="1200">
-                          <a:solidFill>
-                            <a:schemeClr val="dk1"/>
-                          </a:solidFill>
-                          <a:latin typeface="Arial"/>
-                        </a:defRPr>
-                      </a:lvl3pPr>
-                      <a:lvl4pPr marL="1371600" algn="l" defTabSz="914400" rtl="0" eaLnBrk="1" latinLnBrk="0" hangingPunct="1">
-                        <a:defRPr sz="1800" kern="1200">
-                          <a:solidFill>
-                            <a:schemeClr val="dk1"/>
-                          </a:solidFill>
-                          <a:latin typeface="Arial"/>
-                        </a:defRPr>
-                      </a:lvl4pPr>
-                      <a:lvl5pPr marL="1828800" algn="l" defTabSz="914400" rtl="0" eaLnBrk="1" latinLnBrk="0" hangingPunct="1">
-                        <a:defRPr sz="1800" kern="1200">
-                          <a:solidFill>
-                            <a:schemeClr val="dk1"/>
-                          </a:solidFill>
-                          <a:latin typeface="Arial"/>
-                        </a:defRPr>
-                      </a:lvl5pPr>
-                      <a:lvl6pPr marL="2286000" algn="l" defTabSz="914400" rtl="0" eaLnBrk="1" latinLnBrk="0" hangingPunct="1">
-                        <a:defRPr sz="1800" kern="1200">
-                          <a:solidFill>
-                            <a:schemeClr val="dk1"/>
-                          </a:solidFill>
-                          <a:latin typeface="Arial"/>
-                        </a:defRPr>
-                      </a:lvl6pPr>
-                      <a:lvl7pPr marL="2743200" algn="l" defTabSz="914400" rtl="0" eaLnBrk="1" latinLnBrk="0" hangingPunct="1">
-                        <a:defRPr sz="1800" kern="1200">
-                          <a:solidFill>
-                            <a:schemeClr val="dk1"/>
-                          </a:solidFill>
-                          <a:latin typeface="Arial"/>
-                        </a:defRPr>
-                      </a:lvl7pPr>
-                      <a:lvl8pPr marL="3200400" algn="l" defTabSz="914400" rtl="0" eaLnBrk="1" latinLnBrk="0" hangingPunct="1">
-                        <a:defRPr sz="1800" kern="1200">
-                          <a:solidFill>
-                            <a:schemeClr val="dk1"/>
-                          </a:solidFill>
-                          <a:latin typeface="Arial"/>
-                        </a:defRPr>
-                      </a:lvl8pPr>
-                      <a:lvl9pPr marL="3657600" algn="l" defTabSz="914400" rtl="0" eaLnBrk="1" latinLnBrk="0" hangingPunct="1">
-                        <a:defRPr sz="1800" kern="1200">
-                          <a:solidFill>
-                            <a:schemeClr val="dk1"/>
-                          </a:solidFill>
-                          <a:latin typeface="Arial"/>
-                        </a:defRPr>
-                      </a:lvl9pPr>
-                    </a:lstStyle>
+                    <a:lstStyle/>
                     <a:p>
                       <a:r>
-                        <a:rPr lang="en-US" sz="1200" dirty="0" smtClean="0"/>
+                        <a:rPr lang="en-US" sz="1600" dirty="0" smtClean="0"/>
                         <a:t>Summary</a:t>
                       </a:r>
-                      <a:endParaRPr lang="en-US" sz="1200" dirty="0"/>
+                      <a:endParaRPr lang="en-US" sz="1600" dirty="0"/>
                     </a:p>
                   </a:txBody>
-                  <a:tcPr marT="34290" marB="34290">
-                    <a:lnL w="12700" cmpd="sng">
-                      <a:solidFill>
-                        <a:srgbClr val="93A299"/>
-                      </a:solidFill>
-                    </a:lnL>
-                    <a:lnR w="12700" cmpd="sng">
-                      <a:solidFill>
-                        <a:srgbClr val="93A299"/>
-                      </a:solidFill>
-                    </a:lnR>
-                    <a:lnT w="12700" cmpd="sng">
-                      <a:solidFill>
-                        <a:srgbClr val="93A299"/>
-                      </a:solidFill>
-                    </a:lnT>
-                    <a:lnB w="12700" cmpd="sng">
-                      <a:solidFill>
-                        <a:srgbClr val="93A299"/>
-                      </a:solidFill>
-                    </a:lnB>
-                    <a:lnTlToBr w="12700" cmpd="sng">
-                      <a:noFill/>
-                      <a:prstDash val="solid"/>
-                    </a:lnTlToBr>
-                    <a:lnBlToTr w="12700" cmpd="sng">
-                      <a:noFill/>
-                      <a:prstDash val="solid"/>
-                    </a:lnBlToTr>
-                    <a:solidFill>
-                      <a:srgbClr val="93A299">
-                        <a:tint val="20000"/>
-                      </a:srgbClr>
-                    </a:solidFill>
-                  </a:tcPr>
+                  <a:tcPr/>
                 </a:tc>
               </a:tr>
-              <a:tr h="278130">
+              <a:tr h="370840">
                 <a:tc>
                   <a:txBody>
                     <a:bodyPr/>
-                    <a:lstStyle>
-                      <a:lvl1pPr marL="0" algn="l" defTabSz="914400" rtl="0" eaLnBrk="1" latinLnBrk="0" hangingPunct="1">
-                        <a:defRPr sz="1800" kern="1200">
-                          <a:solidFill>
-                            <a:schemeClr val="dk1"/>
-                          </a:solidFill>
-                          <a:latin typeface="Arial"/>
-                        </a:defRPr>
-                      </a:lvl1pPr>
-                      <a:lvl2pPr marL="457200" algn="l" defTabSz="914400" rtl="0" eaLnBrk="1" latinLnBrk="0" hangingPunct="1">
-                        <a:defRPr sz="1800" kern="1200">
-                          <a:solidFill>
-                            <a:schemeClr val="dk1"/>
-                          </a:solidFill>
-                          <a:latin typeface="Arial"/>
-                        </a:defRPr>
-                      </a:lvl2pPr>
-                      <a:lvl3pPr marL="914400" algn="l" defTabSz="914400" rtl="0" eaLnBrk="1" latinLnBrk="0" hangingPunct="1">
-                        <a:defRPr sz="1800" kern="1200">
-                          <a:solidFill>
-                            <a:schemeClr val="dk1"/>
-                          </a:solidFill>
-                          <a:latin typeface="Arial"/>
-                        </a:defRPr>
-                      </a:lvl3pPr>
-                      <a:lvl4pPr marL="1371600" algn="l" defTabSz="914400" rtl="0" eaLnBrk="1" latinLnBrk="0" hangingPunct="1">
-                        <a:defRPr sz="1800" kern="1200">
-                          <a:solidFill>
-                            <a:schemeClr val="dk1"/>
-                          </a:solidFill>
-                          <a:latin typeface="Arial"/>
-                        </a:defRPr>
-                      </a:lvl4pPr>
-                      <a:lvl5pPr marL="1828800" algn="l" defTabSz="914400" rtl="0" eaLnBrk="1" latinLnBrk="0" hangingPunct="1">
-                        <a:defRPr sz="1800" kern="1200">
-                          <a:solidFill>
-                            <a:schemeClr val="dk1"/>
-                          </a:solidFill>
-                          <a:latin typeface="Arial"/>
-                        </a:defRPr>
-                      </a:lvl5pPr>
-                      <a:lvl6pPr marL="2286000" algn="l" defTabSz="914400" rtl="0" eaLnBrk="1" latinLnBrk="0" hangingPunct="1">
-                        <a:defRPr sz="1800" kern="1200">
-                          <a:solidFill>
-                            <a:schemeClr val="dk1"/>
-                          </a:solidFill>
-                          <a:latin typeface="Arial"/>
-                        </a:defRPr>
-                      </a:lvl6pPr>
-                      <a:lvl7pPr marL="2743200" algn="l" defTabSz="914400" rtl="0" eaLnBrk="1" latinLnBrk="0" hangingPunct="1">
-                        <a:defRPr sz="1800" kern="1200">
-                          <a:solidFill>
-                            <a:schemeClr val="dk1"/>
-                          </a:solidFill>
-                          <a:latin typeface="Arial"/>
-                        </a:defRPr>
-                      </a:lvl7pPr>
-                      <a:lvl8pPr marL="3200400" algn="l" defTabSz="914400" rtl="0" eaLnBrk="1" latinLnBrk="0" hangingPunct="1">
-                        <a:defRPr sz="1800" kern="1200">
-                          <a:solidFill>
-                            <a:schemeClr val="dk1"/>
-                          </a:solidFill>
-                          <a:latin typeface="Arial"/>
-                        </a:defRPr>
-                      </a:lvl8pPr>
-                      <a:lvl9pPr marL="3657600" algn="l" defTabSz="914400" rtl="0" eaLnBrk="1" latinLnBrk="0" hangingPunct="1">
-                        <a:defRPr sz="1800" kern="1200">
-                          <a:solidFill>
-                            <a:schemeClr val="dk1"/>
-                          </a:solidFill>
-                          <a:latin typeface="Arial"/>
-                        </a:defRPr>
-                      </a:lvl9pPr>
-                    </a:lstStyle>
+                    <a:lstStyle/>
                     <a:p>
                       <a:r>
-                        <a:rPr lang="en-US" sz="1200" dirty="0" smtClean="0"/>
+                        <a:rPr lang="en-US" sz="1600" dirty="0" smtClean="0"/>
                         <a:t>Specialties</a:t>
                       </a:r>
-                      <a:endParaRPr lang="en-US" sz="1200" dirty="0"/>
+                      <a:endParaRPr lang="en-US" sz="1600" dirty="0"/>
                     </a:p>
                   </a:txBody>
-                  <a:tcPr marT="34290" marB="34290">
-                    <a:lnL w="12700" cmpd="sng">
-                      <a:solidFill>
-                        <a:srgbClr val="93A299"/>
-                      </a:solidFill>
-                    </a:lnL>
-                    <a:lnR w="12700" cmpd="sng">
-                      <a:solidFill>
-                        <a:srgbClr val="93A299"/>
-                      </a:solidFill>
-                    </a:lnR>
-                    <a:lnT w="12700" cmpd="sng">
-                      <a:solidFill>
-                        <a:srgbClr val="93A299"/>
-                      </a:solidFill>
-                    </a:lnT>
-                    <a:lnB w="12700" cmpd="sng">
-                      <a:solidFill>
-                        <a:srgbClr val="93A299"/>
-                      </a:solidFill>
-                    </a:lnB>
-                    <a:lnTlToBr w="12700" cmpd="sng">
-                      <a:noFill/>
-                      <a:prstDash val="solid"/>
-                    </a:lnTlToBr>
-                    <a:lnBlToTr w="12700" cmpd="sng">
-                      <a:noFill/>
-                      <a:prstDash val="solid"/>
-                    </a:lnBlToTr>
-                    <a:solidFill>
-                      <a:srgbClr val="FFFFFF"/>
-                    </a:solidFill>
-                  </a:tcPr>
+                  <a:tcPr/>
                 </a:tc>
               </a:tr>
             </a:tbl>
@@ -17315,960 +16031,148 @@
       </p:graphicFrame>
       <p:graphicFrame>
         <p:nvGraphicFramePr>
-          <p:cNvPr id="20" name="Content Placeholder 3"/>
+          <p:cNvPr id="30" name="Content Placeholder 3"/>
           <p:cNvGraphicFramePr>
             <a:graphicFrameLocks/>
           </p:cNvGraphicFramePr>
           <p:nvPr>
             <p:extLst>
               <p:ext uri="{D42A27DB-BD31-4B8C-83A1-F6EECF244321}">
-                <p14:modId xmlns:p14="http://schemas.microsoft.com/office/powerpoint/2010/main" val="3612701925"/>
+                <p14:modId xmlns:p14="http://schemas.microsoft.com/office/powerpoint/2010/main" val="2844015458"/>
               </p:ext>
             </p:extLst>
           </p:nvPr>
         </p:nvGraphicFramePr>
         <p:xfrm>
-          <a:off x="4641532" y="1028700"/>
-          <a:ext cx="2216468" cy="2225040"/>
+          <a:off x="4627677" y="-19050"/>
+          <a:ext cx="2216468" cy="2966720"/>
         </p:xfrm>
         <a:graphic>
           <a:graphicData uri="http://schemas.openxmlformats.org/drawingml/2006/table">
             <a:tbl>
-              <a:tblPr firstRow="1" bandRow="1"/>
+              <a:tblPr firstRow="1" bandRow="1">
+                <a:tableStyleId>{B301B821-A1FF-4177-AEE7-76D212191A09}</a:tableStyleId>
+              </a:tblPr>
               <a:tblGrid>
                 <a:gridCol w="2216468"/>
               </a:tblGrid>
-              <a:tr h="278130">
+              <a:tr h="370840">
                 <a:tc>
                   <a:txBody>
                     <a:bodyPr/>
-                    <a:lstStyle>
-                      <a:lvl1pPr marL="0" algn="l" defTabSz="914400" rtl="0" eaLnBrk="1" latinLnBrk="0" hangingPunct="1">
-                        <a:defRPr sz="1800" b="1" kern="1200">
-                          <a:solidFill>
-                            <a:schemeClr val="lt1"/>
-                          </a:solidFill>
-                          <a:latin typeface="Arial"/>
-                        </a:defRPr>
-                      </a:lvl1pPr>
-                      <a:lvl2pPr marL="457200" algn="l" defTabSz="914400" rtl="0" eaLnBrk="1" latinLnBrk="0" hangingPunct="1">
-                        <a:defRPr sz="1800" b="1" kern="1200">
-                          <a:solidFill>
-                            <a:schemeClr val="lt1"/>
-                          </a:solidFill>
-                          <a:latin typeface="Arial"/>
-                        </a:defRPr>
-                      </a:lvl2pPr>
-                      <a:lvl3pPr marL="914400" algn="l" defTabSz="914400" rtl="0" eaLnBrk="1" latinLnBrk="0" hangingPunct="1">
-                        <a:defRPr sz="1800" b="1" kern="1200">
-                          <a:solidFill>
-                            <a:schemeClr val="lt1"/>
-                          </a:solidFill>
-                          <a:latin typeface="Arial"/>
-                        </a:defRPr>
-                      </a:lvl3pPr>
-                      <a:lvl4pPr marL="1371600" algn="l" defTabSz="914400" rtl="0" eaLnBrk="1" latinLnBrk="0" hangingPunct="1">
-                        <a:defRPr sz="1800" b="1" kern="1200">
-                          <a:solidFill>
-                            <a:schemeClr val="lt1"/>
-                          </a:solidFill>
-                          <a:latin typeface="Arial"/>
-                        </a:defRPr>
-                      </a:lvl4pPr>
-                      <a:lvl5pPr marL="1828800" algn="l" defTabSz="914400" rtl="0" eaLnBrk="1" latinLnBrk="0" hangingPunct="1">
-                        <a:defRPr sz="1800" b="1" kern="1200">
-                          <a:solidFill>
-                            <a:schemeClr val="lt1"/>
-                          </a:solidFill>
-                          <a:latin typeface="Arial"/>
-                        </a:defRPr>
-                      </a:lvl5pPr>
-                      <a:lvl6pPr marL="2286000" algn="l" defTabSz="914400" rtl="0" eaLnBrk="1" latinLnBrk="0" hangingPunct="1">
-                        <a:defRPr sz="1800" b="1" kern="1200">
-                          <a:solidFill>
-                            <a:schemeClr val="lt1"/>
-                          </a:solidFill>
-                          <a:latin typeface="Arial"/>
-                        </a:defRPr>
-                      </a:lvl6pPr>
-                      <a:lvl7pPr marL="2743200" algn="l" defTabSz="914400" rtl="0" eaLnBrk="1" latinLnBrk="0" hangingPunct="1">
-                        <a:defRPr sz="1800" b="1" kern="1200">
-                          <a:solidFill>
-                            <a:schemeClr val="lt1"/>
-                          </a:solidFill>
-                          <a:latin typeface="Arial"/>
-                        </a:defRPr>
-                      </a:lvl7pPr>
-                      <a:lvl8pPr marL="3200400" algn="l" defTabSz="914400" rtl="0" eaLnBrk="1" latinLnBrk="0" hangingPunct="1">
-                        <a:defRPr sz="1800" b="1" kern="1200">
-                          <a:solidFill>
-                            <a:schemeClr val="lt1"/>
-                          </a:solidFill>
-                          <a:latin typeface="Arial"/>
-                        </a:defRPr>
-                      </a:lvl8pPr>
-                      <a:lvl9pPr marL="3657600" algn="l" defTabSz="914400" rtl="0" eaLnBrk="1" latinLnBrk="0" hangingPunct="1">
-                        <a:defRPr sz="1800" b="1" kern="1200">
-                          <a:solidFill>
-                            <a:schemeClr val="lt1"/>
-                          </a:solidFill>
-                          <a:latin typeface="Arial"/>
-                        </a:defRPr>
-                      </a:lvl9pPr>
-                    </a:lstStyle>
+                    <a:lstStyle/>
                     <a:p>
                       <a:r>
-                        <a:rPr lang="en-US" sz="1200" dirty="0" smtClean="0"/>
+                        <a:rPr lang="en-US" sz="1600" dirty="0" smtClean="0"/>
                         <a:t>Work history</a:t>
                       </a:r>
-                      <a:endParaRPr lang="en-US" sz="1200" dirty="0"/>
+                      <a:endParaRPr lang="en-US" sz="1600" dirty="0"/>
                     </a:p>
                   </a:txBody>
-                  <a:tcPr marT="34290" marB="34290">
-                    <a:lnL w="12700" cmpd="sng">
-                      <a:solidFill>
-                        <a:srgbClr val="93A299"/>
-                      </a:solidFill>
-                    </a:lnL>
-                    <a:lnR w="12700" cmpd="sng">
-                      <a:solidFill>
-                        <a:srgbClr val="93A299"/>
-                      </a:solidFill>
-                    </a:lnR>
-                    <a:lnT w="12700" cmpd="sng">
-                      <a:solidFill>
-                        <a:srgbClr val="93A299"/>
-                      </a:solidFill>
-                    </a:lnT>
-                    <a:lnB w="12700" cmpd="sng">
-                      <a:solidFill>
-                        <a:srgbClr val="93A299"/>
-                      </a:solidFill>
-                    </a:lnB>
-                    <a:lnTlToBr w="12700" cmpd="sng">
-                      <a:noFill/>
-                      <a:prstDash val="solid"/>
-                    </a:lnTlToBr>
-                    <a:lnBlToTr w="12700" cmpd="sng">
-                      <a:noFill/>
-                      <a:prstDash val="solid"/>
-                    </a:lnBlToTr>
-                    <a:solidFill>
-                      <a:srgbClr val="93A299"/>
-                    </a:solidFill>
-                  </a:tcPr>
+                  <a:tcPr/>
                 </a:tc>
               </a:tr>
-              <a:tr h="278130">
+              <a:tr h="370840">
                 <a:tc>
                   <a:txBody>
                     <a:bodyPr/>
-                    <a:lstStyle>
-                      <a:lvl1pPr marL="0" algn="l" defTabSz="914400" rtl="0" eaLnBrk="1" latinLnBrk="0" hangingPunct="1">
-                        <a:defRPr sz="1800" kern="1200">
-                          <a:solidFill>
-                            <a:schemeClr val="dk1"/>
-                          </a:solidFill>
-                          <a:latin typeface="Arial"/>
-                        </a:defRPr>
-                      </a:lvl1pPr>
-                      <a:lvl2pPr marL="457200" algn="l" defTabSz="914400" rtl="0" eaLnBrk="1" latinLnBrk="0" hangingPunct="1">
-                        <a:defRPr sz="1800" kern="1200">
-                          <a:solidFill>
-                            <a:schemeClr val="dk1"/>
-                          </a:solidFill>
-                          <a:latin typeface="Arial"/>
-                        </a:defRPr>
-                      </a:lvl2pPr>
-                      <a:lvl3pPr marL="914400" algn="l" defTabSz="914400" rtl="0" eaLnBrk="1" latinLnBrk="0" hangingPunct="1">
-                        <a:defRPr sz="1800" kern="1200">
-                          <a:solidFill>
-                            <a:schemeClr val="dk1"/>
-                          </a:solidFill>
-                          <a:latin typeface="Arial"/>
-                        </a:defRPr>
-                      </a:lvl3pPr>
-                      <a:lvl4pPr marL="1371600" algn="l" defTabSz="914400" rtl="0" eaLnBrk="1" latinLnBrk="0" hangingPunct="1">
-                        <a:defRPr sz="1800" kern="1200">
-                          <a:solidFill>
-                            <a:schemeClr val="dk1"/>
-                          </a:solidFill>
-                          <a:latin typeface="Arial"/>
-                        </a:defRPr>
-                      </a:lvl4pPr>
-                      <a:lvl5pPr marL="1828800" algn="l" defTabSz="914400" rtl="0" eaLnBrk="1" latinLnBrk="0" hangingPunct="1">
-                        <a:defRPr sz="1800" kern="1200">
-                          <a:solidFill>
-                            <a:schemeClr val="dk1"/>
-                          </a:solidFill>
-                          <a:latin typeface="Arial"/>
-                        </a:defRPr>
-                      </a:lvl5pPr>
-                      <a:lvl6pPr marL="2286000" algn="l" defTabSz="914400" rtl="0" eaLnBrk="1" latinLnBrk="0" hangingPunct="1">
-                        <a:defRPr sz="1800" kern="1200">
-                          <a:solidFill>
-                            <a:schemeClr val="dk1"/>
-                          </a:solidFill>
-                          <a:latin typeface="Arial"/>
-                        </a:defRPr>
-                      </a:lvl6pPr>
-                      <a:lvl7pPr marL="2743200" algn="l" defTabSz="914400" rtl="0" eaLnBrk="1" latinLnBrk="0" hangingPunct="1">
-                        <a:defRPr sz="1800" kern="1200">
-                          <a:solidFill>
-                            <a:schemeClr val="dk1"/>
-                          </a:solidFill>
-                          <a:latin typeface="Arial"/>
-                        </a:defRPr>
-                      </a:lvl7pPr>
-                      <a:lvl8pPr marL="3200400" algn="l" defTabSz="914400" rtl="0" eaLnBrk="1" latinLnBrk="0" hangingPunct="1">
-                        <a:defRPr sz="1800" kern="1200">
-                          <a:solidFill>
-                            <a:schemeClr val="dk1"/>
-                          </a:solidFill>
-                          <a:latin typeface="Arial"/>
-                        </a:defRPr>
-                      </a:lvl8pPr>
-                      <a:lvl9pPr marL="3657600" algn="l" defTabSz="914400" rtl="0" eaLnBrk="1" latinLnBrk="0" hangingPunct="1">
-                        <a:defRPr sz="1800" kern="1200">
-                          <a:solidFill>
-                            <a:schemeClr val="dk1"/>
-                          </a:solidFill>
-                          <a:latin typeface="Arial"/>
-                        </a:defRPr>
-                      </a:lvl9pPr>
-                    </a:lstStyle>
+                    <a:lstStyle/>
                     <a:p>
                       <a:r>
-                        <a:rPr lang="en-US" sz="1200" dirty="0" smtClean="0"/>
+                        <a:rPr lang="en-US" sz="1600" dirty="0" smtClean="0"/>
                         <a:t>Company</a:t>
                       </a:r>
-                      <a:endParaRPr lang="en-US" sz="1200" dirty="0"/>
+                      <a:endParaRPr lang="en-US" sz="1600" dirty="0"/>
                     </a:p>
                   </a:txBody>
-                  <a:tcPr marT="34290" marB="34290">
-                    <a:lnL w="12700" cmpd="sng">
-                      <a:solidFill>
-                        <a:srgbClr val="93A299"/>
-                      </a:solidFill>
-                    </a:lnL>
-                    <a:lnR w="12700" cmpd="sng">
-                      <a:solidFill>
-                        <a:srgbClr val="93A299"/>
-                      </a:solidFill>
-                    </a:lnR>
-                    <a:lnT w="12700" cmpd="sng">
-                      <a:solidFill>
-                        <a:srgbClr val="93A299"/>
-                      </a:solidFill>
-                    </a:lnT>
-                    <a:lnB w="12700" cmpd="sng">
-                      <a:solidFill>
-                        <a:srgbClr val="93A299"/>
-                      </a:solidFill>
-                    </a:lnB>
-                    <a:lnTlToBr w="12700" cmpd="sng">
-                      <a:noFill/>
-                      <a:prstDash val="solid"/>
-                    </a:lnTlToBr>
-                    <a:lnBlToTr w="12700" cmpd="sng">
-                      <a:noFill/>
-                      <a:prstDash val="solid"/>
-                    </a:lnBlToTr>
-                    <a:solidFill>
-                      <a:srgbClr val="93A299">
-                        <a:tint val="20000"/>
-                      </a:srgbClr>
-                    </a:solidFill>
-                  </a:tcPr>
+                  <a:tcPr/>
                 </a:tc>
               </a:tr>
-              <a:tr h="278130">
+              <a:tr h="370840">
                 <a:tc>
                   <a:txBody>
                     <a:bodyPr/>
-                    <a:lstStyle>
-                      <a:lvl1pPr marL="0" algn="l" defTabSz="914400" rtl="0" eaLnBrk="1" latinLnBrk="0" hangingPunct="1">
-                        <a:defRPr sz="1800" kern="1200">
-                          <a:solidFill>
-                            <a:schemeClr val="dk1"/>
-                          </a:solidFill>
-                          <a:latin typeface="Arial"/>
-                        </a:defRPr>
-                      </a:lvl1pPr>
-                      <a:lvl2pPr marL="457200" algn="l" defTabSz="914400" rtl="0" eaLnBrk="1" latinLnBrk="0" hangingPunct="1">
-                        <a:defRPr sz="1800" kern="1200">
-                          <a:solidFill>
-                            <a:schemeClr val="dk1"/>
-                          </a:solidFill>
-                          <a:latin typeface="Arial"/>
-                        </a:defRPr>
-                      </a:lvl2pPr>
-                      <a:lvl3pPr marL="914400" algn="l" defTabSz="914400" rtl="0" eaLnBrk="1" latinLnBrk="0" hangingPunct="1">
-                        <a:defRPr sz="1800" kern="1200">
-                          <a:solidFill>
-                            <a:schemeClr val="dk1"/>
-                          </a:solidFill>
-                          <a:latin typeface="Arial"/>
-                        </a:defRPr>
-                      </a:lvl3pPr>
-                      <a:lvl4pPr marL="1371600" algn="l" defTabSz="914400" rtl="0" eaLnBrk="1" latinLnBrk="0" hangingPunct="1">
-                        <a:defRPr sz="1800" kern="1200">
-                          <a:solidFill>
-                            <a:schemeClr val="dk1"/>
-                          </a:solidFill>
-                          <a:latin typeface="Arial"/>
-                        </a:defRPr>
-                      </a:lvl4pPr>
-                      <a:lvl5pPr marL="1828800" algn="l" defTabSz="914400" rtl="0" eaLnBrk="1" latinLnBrk="0" hangingPunct="1">
-                        <a:defRPr sz="1800" kern="1200">
-                          <a:solidFill>
-                            <a:schemeClr val="dk1"/>
-                          </a:solidFill>
-                          <a:latin typeface="Arial"/>
-                        </a:defRPr>
-                      </a:lvl5pPr>
-                      <a:lvl6pPr marL="2286000" algn="l" defTabSz="914400" rtl="0" eaLnBrk="1" latinLnBrk="0" hangingPunct="1">
-                        <a:defRPr sz="1800" kern="1200">
-                          <a:solidFill>
-                            <a:schemeClr val="dk1"/>
-                          </a:solidFill>
-                          <a:latin typeface="Arial"/>
-                        </a:defRPr>
-                      </a:lvl6pPr>
-                      <a:lvl7pPr marL="2743200" algn="l" defTabSz="914400" rtl="0" eaLnBrk="1" latinLnBrk="0" hangingPunct="1">
-                        <a:defRPr sz="1800" kern="1200">
-                          <a:solidFill>
-                            <a:schemeClr val="dk1"/>
-                          </a:solidFill>
-                          <a:latin typeface="Arial"/>
-                        </a:defRPr>
-                      </a:lvl7pPr>
-                      <a:lvl8pPr marL="3200400" algn="l" defTabSz="914400" rtl="0" eaLnBrk="1" latinLnBrk="0" hangingPunct="1">
-                        <a:defRPr sz="1800" kern="1200">
-                          <a:solidFill>
-                            <a:schemeClr val="dk1"/>
-                          </a:solidFill>
-                          <a:latin typeface="Arial"/>
-                        </a:defRPr>
-                      </a:lvl8pPr>
-                      <a:lvl9pPr marL="3657600" algn="l" defTabSz="914400" rtl="0" eaLnBrk="1" latinLnBrk="0" hangingPunct="1">
-                        <a:defRPr sz="1800" kern="1200">
-                          <a:solidFill>
-                            <a:schemeClr val="dk1"/>
-                          </a:solidFill>
-                          <a:latin typeface="Arial"/>
-                        </a:defRPr>
-                      </a:lvl9pPr>
-                    </a:lstStyle>
+                    <a:lstStyle/>
                     <a:p>
                       <a:r>
-                        <a:rPr lang="en-US" sz="1200" dirty="0" smtClean="0"/>
+                        <a:rPr lang="en-US" sz="1600" dirty="0" smtClean="0"/>
                         <a:t>Job title</a:t>
                       </a:r>
-                      <a:endParaRPr lang="en-US" sz="1200" dirty="0"/>
+                      <a:endParaRPr lang="en-US" sz="1600" dirty="0"/>
                     </a:p>
                   </a:txBody>
-                  <a:tcPr marT="34290" marB="34290">
-                    <a:lnL w="12700" cmpd="sng">
-                      <a:solidFill>
-                        <a:srgbClr val="93A299"/>
-                      </a:solidFill>
-                    </a:lnL>
-                    <a:lnR w="12700" cmpd="sng">
-                      <a:solidFill>
-                        <a:srgbClr val="93A299"/>
-                      </a:solidFill>
-                    </a:lnR>
-                    <a:lnT w="12700" cmpd="sng">
-                      <a:solidFill>
-                        <a:srgbClr val="93A299"/>
-                      </a:solidFill>
-                    </a:lnT>
-                    <a:lnB w="12700" cmpd="sng">
-                      <a:solidFill>
-                        <a:srgbClr val="93A299"/>
-                      </a:solidFill>
-                    </a:lnB>
-                    <a:lnTlToBr w="12700" cmpd="sng">
-                      <a:noFill/>
-                      <a:prstDash val="solid"/>
-                    </a:lnTlToBr>
-                    <a:lnBlToTr w="12700" cmpd="sng">
-                      <a:noFill/>
-                      <a:prstDash val="solid"/>
-                    </a:lnBlToTr>
-                    <a:solidFill>
-                      <a:srgbClr val="FFFFFF"/>
-                    </a:solidFill>
-                  </a:tcPr>
+                  <a:tcPr/>
                 </a:tc>
               </a:tr>
-              <a:tr h="278130">
+              <a:tr h="370840">
                 <a:tc>
                   <a:txBody>
                     <a:bodyPr/>
-                    <a:lstStyle>
-                      <a:lvl1pPr marL="0" algn="l" defTabSz="914400" rtl="0" eaLnBrk="1" latinLnBrk="0" hangingPunct="1">
-                        <a:defRPr sz="1800" kern="1200">
-                          <a:solidFill>
-                            <a:schemeClr val="dk1"/>
-                          </a:solidFill>
-                          <a:latin typeface="Arial"/>
-                        </a:defRPr>
-                      </a:lvl1pPr>
-                      <a:lvl2pPr marL="457200" algn="l" defTabSz="914400" rtl="0" eaLnBrk="1" latinLnBrk="0" hangingPunct="1">
-                        <a:defRPr sz="1800" kern="1200">
-                          <a:solidFill>
-                            <a:schemeClr val="dk1"/>
-                          </a:solidFill>
-                          <a:latin typeface="Arial"/>
-                        </a:defRPr>
-                      </a:lvl2pPr>
-                      <a:lvl3pPr marL="914400" algn="l" defTabSz="914400" rtl="0" eaLnBrk="1" latinLnBrk="0" hangingPunct="1">
-                        <a:defRPr sz="1800" kern="1200">
-                          <a:solidFill>
-                            <a:schemeClr val="dk1"/>
-                          </a:solidFill>
-                          <a:latin typeface="Arial"/>
-                        </a:defRPr>
-                      </a:lvl3pPr>
-                      <a:lvl4pPr marL="1371600" algn="l" defTabSz="914400" rtl="0" eaLnBrk="1" latinLnBrk="0" hangingPunct="1">
-                        <a:defRPr sz="1800" kern="1200">
-                          <a:solidFill>
-                            <a:schemeClr val="dk1"/>
-                          </a:solidFill>
-                          <a:latin typeface="Arial"/>
-                        </a:defRPr>
-                      </a:lvl4pPr>
-                      <a:lvl5pPr marL="1828800" algn="l" defTabSz="914400" rtl="0" eaLnBrk="1" latinLnBrk="0" hangingPunct="1">
-                        <a:defRPr sz="1800" kern="1200">
-                          <a:solidFill>
-                            <a:schemeClr val="dk1"/>
-                          </a:solidFill>
-                          <a:latin typeface="Arial"/>
-                        </a:defRPr>
-                      </a:lvl5pPr>
-                      <a:lvl6pPr marL="2286000" algn="l" defTabSz="914400" rtl="0" eaLnBrk="1" latinLnBrk="0" hangingPunct="1">
-                        <a:defRPr sz="1800" kern="1200">
-                          <a:solidFill>
-                            <a:schemeClr val="dk1"/>
-                          </a:solidFill>
-                          <a:latin typeface="Arial"/>
-                        </a:defRPr>
-                      </a:lvl6pPr>
-                      <a:lvl7pPr marL="2743200" algn="l" defTabSz="914400" rtl="0" eaLnBrk="1" latinLnBrk="0" hangingPunct="1">
-                        <a:defRPr sz="1800" kern="1200">
-                          <a:solidFill>
-                            <a:schemeClr val="dk1"/>
-                          </a:solidFill>
-                          <a:latin typeface="Arial"/>
-                        </a:defRPr>
-                      </a:lvl7pPr>
-                      <a:lvl8pPr marL="3200400" algn="l" defTabSz="914400" rtl="0" eaLnBrk="1" latinLnBrk="0" hangingPunct="1">
-                        <a:defRPr sz="1800" kern="1200">
-                          <a:solidFill>
-                            <a:schemeClr val="dk1"/>
-                          </a:solidFill>
-                          <a:latin typeface="Arial"/>
-                        </a:defRPr>
-                      </a:lvl8pPr>
-                      <a:lvl9pPr marL="3657600" algn="l" defTabSz="914400" rtl="0" eaLnBrk="1" latinLnBrk="0" hangingPunct="1">
-                        <a:defRPr sz="1800" kern="1200">
-                          <a:solidFill>
-                            <a:schemeClr val="dk1"/>
-                          </a:solidFill>
-                          <a:latin typeface="Arial"/>
-                        </a:defRPr>
-                      </a:lvl9pPr>
-                    </a:lstStyle>
+                    <a:lstStyle/>
                     <a:p>
                       <a:r>
-                        <a:rPr lang="en-US" sz="1200" dirty="0" smtClean="0"/>
+                        <a:rPr lang="en-US" sz="1600" dirty="0" smtClean="0"/>
                         <a:t>Current work there?</a:t>
                       </a:r>
-                      <a:endParaRPr lang="en-US" sz="1200" dirty="0"/>
+                      <a:endParaRPr lang="en-US" sz="1600" dirty="0"/>
                     </a:p>
                   </a:txBody>
-                  <a:tcPr marT="34290" marB="34290">
-                    <a:lnL w="12700" cmpd="sng">
-                      <a:solidFill>
-                        <a:srgbClr val="93A299"/>
-                      </a:solidFill>
-                    </a:lnL>
-                    <a:lnR w="12700" cmpd="sng">
-                      <a:solidFill>
-                        <a:srgbClr val="93A299"/>
-                      </a:solidFill>
-                    </a:lnR>
-                    <a:lnT w="12700" cmpd="sng">
-                      <a:solidFill>
-                        <a:srgbClr val="93A299"/>
-                      </a:solidFill>
-                    </a:lnT>
-                    <a:lnB w="12700" cmpd="sng">
-                      <a:solidFill>
-                        <a:srgbClr val="93A299"/>
-                      </a:solidFill>
-                    </a:lnB>
-                    <a:lnTlToBr w="12700" cmpd="sng">
-                      <a:noFill/>
-                      <a:prstDash val="solid"/>
-                    </a:lnTlToBr>
-                    <a:lnBlToTr w="12700" cmpd="sng">
-                      <a:noFill/>
-                      <a:prstDash val="solid"/>
-                    </a:lnBlToTr>
-                    <a:solidFill>
-                      <a:srgbClr val="93A299">
-                        <a:tint val="20000"/>
-                      </a:srgbClr>
-                    </a:solidFill>
-                  </a:tcPr>
+                  <a:tcPr/>
                 </a:tc>
               </a:tr>
-              <a:tr h="278130">
+              <a:tr h="370840">
                 <a:tc>
                   <a:txBody>
                     <a:bodyPr/>
-                    <a:lstStyle>
-                      <a:lvl1pPr marL="0" algn="l" defTabSz="914400" rtl="0" eaLnBrk="1" latinLnBrk="0" hangingPunct="1">
-                        <a:defRPr sz="1800" kern="1200">
-                          <a:solidFill>
-                            <a:schemeClr val="dk1"/>
-                          </a:solidFill>
-                          <a:latin typeface="Arial"/>
-                        </a:defRPr>
-                      </a:lvl1pPr>
-                      <a:lvl2pPr marL="457200" algn="l" defTabSz="914400" rtl="0" eaLnBrk="1" latinLnBrk="0" hangingPunct="1">
-                        <a:defRPr sz="1800" kern="1200">
-                          <a:solidFill>
-                            <a:schemeClr val="dk1"/>
-                          </a:solidFill>
-                          <a:latin typeface="Arial"/>
-                        </a:defRPr>
-                      </a:lvl2pPr>
-                      <a:lvl3pPr marL="914400" algn="l" defTabSz="914400" rtl="0" eaLnBrk="1" latinLnBrk="0" hangingPunct="1">
-                        <a:defRPr sz="1800" kern="1200">
-                          <a:solidFill>
-                            <a:schemeClr val="dk1"/>
-                          </a:solidFill>
-                          <a:latin typeface="Arial"/>
-                        </a:defRPr>
-                      </a:lvl3pPr>
-                      <a:lvl4pPr marL="1371600" algn="l" defTabSz="914400" rtl="0" eaLnBrk="1" latinLnBrk="0" hangingPunct="1">
-                        <a:defRPr sz="1800" kern="1200">
-                          <a:solidFill>
-                            <a:schemeClr val="dk1"/>
-                          </a:solidFill>
-                          <a:latin typeface="Arial"/>
-                        </a:defRPr>
-                      </a:lvl4pPr>
-                      <a:lvl5pPr marL="1828800" algn="l" defTabSz="914400" rtl="0" eaLnBrk="1" latinLnBrk="0" hangingPunct="1">
-                        <a:defRPr sz="1800" kern="1200">
-                          <a:solidFill>
-                            <a:schemeClr val="dk1"/>
-                          </a:solidFill>
-                          <a:latin typeface="Arial"/>
-                        </a:defRPr>
-                      </a:lvl5pPr>
-                      <a:lvl6pPr marL="2286000" algn="l" defTabSz="914400" rtl="0" eaLnBrk="1" latinLnBrk="0" hangingPunct="1">
-                        <a:defRPr sz="1800" kern="1200">
-                          <a:solidFill>
-                            <a:schemeClr val="dk1"/>
-                          </a:solidFill>
-                          <a:latin typeface="Arial"/>
-                        </a:defRPr>
-                      </a:lvl6pPr>
-                      <a:lvl7pPr marL="2743200" algn="l" defTabSz="914400" rtl="0" eaLnBrk="1" latinLnBrk="0" hangingPunct="1">
-                        <a:defRPr sz="1800" kern="1200">
-                          <a:solidFill>
-                            <a:schemeClr val="dk1"/>
-                          </a:solidFill>
-                          <a:latin typeface="Arial"/>
-                        </a:defRPr>
-                      </a:lvl7pPr>
-                      <a:lvl8pPr marL="3200400" algn="l" defTabSz="914400" rtl="0" eaLnBrk="1" latinLnBrk="0" hangingPunct="1">
-                        <a:defRPr sz="1800" kern="1200">
-                          <a:solidFill>
-                            <a:schemeClr val="dk1"/>
-                          </a:solidFill>
-                          <a:latin typeface="Arial"/>
-                        </a:defRPr>
-                      </a:lvl8pPr>
-                      <a:lvl9pPr marL="3657600" algn="l" defTabSz="914400" rtl="0" eaLnBrk="1" latinLnBrk="0" hangingPunct="1">
-                        <a:defRPr sz="1800" kern="1200">
-                          <a:solidFill>
-                            <a:schemeClr val="dk1"/>
-                          </a:solidFill>
-                          <a:latin typeface="Arial"/>
-                        </a:defRPr>
-                      </a:lvl9pPr>
-                    </a:lstStyle>
+                    <a:lstStyle/>
                     <a:p>
                       <a:r>
-                        <a:rPr lang="en-US" sz="1200" dirty="0" smtClean="0"/>
+                        <a:rPr lang="en-US" sz="1600" dirty="0" smtClean="0"/>
                         <a:t>Period (From… To…)</a:t>
                       </a:r>
-                      <a:endParaRPr lang="en-US" sz="1200" dirty="0"/>
+                      <a:endParaRPr lang="en-US" sz="1600" dirty="0"/>
                     </a:p>
                   </a:txBody>
-                  <a:tcPr marT="34290" marB="34290">
-                    <a:lnL w="12700" cmpd="sng">
-                      <a:solidFill>
-                        <a:srgbClr val="93A299"/>
-                      </a:solidFill>
-                    </a:lnL>
-                    <a:lnR w="12700" cmpd="sng">
-                      <a:solidFill>
-                        <a:srgbClr val="93A299"/>
-                      </a:solidFill>
-                    </a:lnR>
-                    <a:lnT w="12700" cmpd="sng">
-                      <a:solidFill>
-                        <a:srgbClr val="93A299"/>
-                      </a:solidFill>
-                    </a:lnT>
-                    <a:lnB w="12700" cmpd="sng">
-                      <a:solidFill>
-                        <a:srgbClr val="93A299"/>
-                      </a:solidFill>
-                    </a:lnB>
-                    <a:lnTlToBr w="12700" cmpd="sng">
-                      <a:noFill/>
-                      <a:prstDash val="solid"/>
-                    </a:lnTlToBr>
-                    <a:lnBlToTr w="12700" cmpd="sng">
-                      <a:noFill/>
-                      <a:prstDash val="solid"/>
-                    </a:lnBlToTr>
-                    <a:solidFill>
-                      <a:srgbClr val="FFFFFF"/>
-                    </a:solidFill>
-                  </a:tcPr>
+                  <a:tcPr/>
                 </a:tc>
               </a:tr>
-              <a:tr h="278130">
+              <a:tr h="370840">
                 <a:tc>
                   <a:txBody>
                     <a:bodyPr/>
-                    <a:lstStyle>
-                      <a:lvl1pPr marL="0" algn="l" defTabSz="914400" rtl="0" eaLnBrk="1" latinLnBrk="0" hangingPunct="1">
-                        <a:defRPr sz="1800" kern="1200">
-                          <a:solidFill>
-                            <a:schemeClr val="dk1"/>
-                          </a:solidFill>
-                          <a:latin typeface="Arial"/>
-                        </a:defRPr>
-                      </a:lvl1pPr>
-                      <a:lvl2pPr marL="457200" algn="l" defTabSz="914400" rtl="0" eaLnBrk="1" latinLnBrk="0" hangingPunct="1">
-                        <a:defRPr sz="1800" kern="1200">
-                          <a:solidFill>
-                            <a:schemeClr val="dk1"/>
-                          </a:solidFill>
-                          <a:latin typeface="Arial"/>
-                        </a:defRPr>
-                      </a:lvl2pPr>
-                      <a:lvl3pPr marL="914400" algn="l" defTabSz="914400" rtl="0" eaLnBrk="1" latinLnBrk="0" hangingPunct="1">
-                        <a:defRPr sz="1800" kern="1200">
-                          <a:solidFill>
-                            <a:schemeClr val="dk1"/>
-                          </a:solidFill>
-                          <a:latin typeface="Arial"/>
-                        </a:defRPr>
-                      </a:lvl3pPr>
-                      <a:lvl4pPr marL="1371600" algn="l" defTabSz="914400" rtl="0" eaLnBrk="1" latinLnBrk="0" hangingPunct="1">
-                        <a:defRPr sz="1800" kern="1200">
-                          <a:solidFill>
-                            <a:schemeClr val="dk1"/>
-                          </a:solidFill>
-                          <a:latin typeface="Arial"/>
-                        </a:defRPr>
-                      </a:lvl4pPr>
-                      <a:lvl5pPr marL="1828800" algn="l" defTabSz="914400" rtl="0" eaLnBrk="1" latinLnBrk="0" hangingPunct="1">
-                        <a:defRPr sz="1800" kern="1200">
-                          <a:solidFill>
-                            <a:schemeClr val="dk1"/>
-                          </a:solidFill>
-                          <a:latin typeface="Arial"/>
-                        </a:defRPr>
-                      </a:lvl5pPr>
-                      <a:lvl6pPr marL="2286000" algn="l" defTabSz="914400" rtl="0" eaLnBrk="1" latinLnBrk="0" hangingPunct="1">
-                        <a:defRPr sz="1800" kern="1200">
-                          <a:solidFill>
-                            <a:schemeClr val="dk1"/>
-                          </a:solidFill>
-                          <a:latin typeface="Arial"/>
-                        </a:defRPr>
-                      </a:lvl6pPr>
-                      <a:lvl7pPr marL="2743200" algn="l" defTabSz="914400" rtl="0" eaLnBrk="1" latinLnBrk="0" hangingPunct="1">
-                        <a:defRPr sz="1800" kern="1200">
-                          <a:solidFill>
-                            <a:schemeClr val="dk1"/>
-                          </a:solidFill>
-                          <a:latin typeface="Arial"/>
-                        </a:defRPr>
-                      </a:lvl7pPr>
-                      <a:lvl8pPr marL="3200400" algn="l" defTabSz="914400" rtl="0" eaLnBrk="1" latinLnBrk="0" hangingPunct="1">
-                        <a:defRPr sz="1800" kern="1200">
-                          <a:solidFill>
-                            <a:schemeClr val="dk1"/>
-                          </a:solidFill>
-                          <a:latin typeface="Arial"/>
-                        </a:defRPr>
-                      </a:lvl8pPr>
-                      <a:lvl9pPr marL="3657600" algn="l" defTabSz="914400" rtl="0" eaLnBrk="1" latinLnBrk="0" hangingPunct="1">
-                        <a:defRPr sz="1800" kern="1200">
-                          <a:solidFill>
-                            <a:schemeClr val="dk1"/>
-                          </a:solidFill>
-                          <a:latin typeface="Arial"/>
-                        </a:defRPr>
-                      </a:lvl9pPr>
-                    </a:lstStyle>
+                    <a:lstStyle/>
                     <a:p>
                       <a:r>
-                        <a:rPr lang="en-US" sz="1200" dirty="0" smtClean="0"/>
+                        <a:rPr lang="en-US" sz="1600" dirty="0" smtClean="0"/>
                         <a:t>Job level</a:t>
                       </a:r>
-                      <a:endParaRPr lang="en-US" sz="1200" dirty="0"/>
+                      <a:endParaRPr lang="en-US" sz="1600" dirty="0"/>
                     </a:p>
                   </a:txBody>
-                  <a:tcPr marT="34290" marB="34290">
-                    <a:lnL w="12700" cmpd="sng">
-                      <a:solidFill>
-                        <a:srgbClr val="93A299"/>
-                      </a:solidFill>
-                    </a:lnL>
-                    <a:lnR w="12700" cmpd="sng">
-                      <a:solidFill>
-                        <a:srgbClr val="93A299"/>
-                      </a:solidFill>
-                    </a:lnR>
-                    <a:lnT w="12700" cmpd="sng">
-                      <a:solidFill>
-                        <a:srgbClr val="93A299"/>
-                      </a:solidFill>
-                    </a:lnT>
-                    <a:lnB w="12700" cmpd="sng">
-                      <a:solidFill>
-                        <a:srgbClr val="93A299"/>
-                      </a:solidFill>
-                    </a:lnB>
-                    <a:lnTlToBr w="12700" cmpd="sng">
-                      <a:noFill/>
-                      <a:prstDash val="solid"/>
-                    </a:lnTlToBr>
-                    <a:lnBlToTr w="12700" cmpd="sng">
-                      <a:noFill/>
-                      <a:prstDash val="solid"/>
-                    </a:lnBlToTr>
-                    <a:solidFill>
-                      <a:srgbClr val="93A299">
-                        <a:tint val="20000"/>
-                      </a:srgbClr>
-                    </a:solidFill>
-                  </a:tcPr>
+                  <a:tcPr/>
                 </a:tc>
               </a:tr>
-              <a:tr h="278130">
+              <a:tr h="370840">
                 <a:tc>
                   <a:txBody>
                     <a:bodyPr/>
-                    <a:lstStyle>
-                      <a:lvl1pPr marL="0" algn="l" defTabSz="914400" rtl="0" eaLnBrk="1" latinLnBrk="0" hangingPunct="1">
-                        <a:defRPr sz="1800" kern="1200">
-                          <a:solidFill>
-                            <a:schemeClr val="dk1"/>
-                          </a:solidFill>
-                          <a:latin typeface="Arial"/>
-                        </a:defRPr>
-                      </a:lvl1pPr>
-                      <a:lvl2pPr marL="457200" algn="l" defTabSz="914400" rtl="0" eaLnBrk="1" latinLnBrk="0" hangingPunct="1">
-                        <a:defRPr sz="1800" kern="1200">
-                          <a:solidFill>
-                            <a:schemeClr val="dk1"/>
-                          </a:solidFill>
-                          <a:latin typeface="Arial"/>
-                        </a:defRPr>
-                      </a:lvl2pPr>
-                      <a:lvl3pPr marL="914400" algn="l" defTabSz="914400" rtl="0" eaLnBrk="1" latinLnBrk="0" hangingPunct="1">
-                        <a:defRPr sz="1800" kern="1200">
-                          <a:solidFill>
-                            <a:schemeClr val="dk1"/>
-                          </a:solidFill>
-                          <a:latin typeface="Arial"/>
-                        </a:defRPr>
-                      </a:lvl3pPr>
-                      <a:lvl4pPr marL="1371600" algn="l" defTabSz="914400" rtl="0" eaLnBrk="1" latinLnBrk="0" hangingPunct="1">
-                        <a:defRPr sz="1800" kern="1200">
-                          <a:solidFill>
-                            <a:schemeClr val="dk1"/>
-                          </a:solidFill>
-                          <a:latin typeface="Arial"/>
-                        </a:defRPr>
-                      </a:lvl4pPr>
-                      <a:lvl5pPr marL="1828800" algn="l" defTabSz="914400" rtl="0" eaLnBrk="1" latinLnBrk="0" hangingPunct="1">
-                        <a:defRPr sz="1800" kern="1200">
-                          <a:solidFill>
-                            <a:schemeClr val="dk1"/>
-                          </a:solidFill>
-                          <a:latin typeface="Arial"/>
-                        </a:defRPr>
-                      </a:lvl5pPr>
-                      <a:lvl6pPr marL="2286000" algn="l" defTabSz="914400" rtl="0" eaLnBrk="1" latinLnBrk="0" hangingPunct="1">
-                        <a:defRPr sz="1800" kern="1200">
-                          <a:solidFill>
-                            <a:schemeClr val="dk1"/>
-                          </a:solidFill>
-                          <a:latin typeface="Arial"/>
-                        </a:defRPr>
-                      </a:lvl6pPr>
-                      <a:lvl7pPr marL="2743200" algn="l" defTabSz="914400" rtl="0" eaLnBrk="1" latinLnBrk="0" hangingPunct="1">
-                        <a:defRPr sz="1800" kern="1200">
-                          <a:solidFill>
-                            <a:schemeClr val="dk1"/>
-                          </a:solidFill>
-                          <a:latin typeface="Arial"/>
-                        </a:defRPr>
-                      </a:lvl7pPr>
-                      <a:lvl8pPr marL="3200400" algn="l" defTabSz="914400" rtl="0" eaLnBrk="1" latinLnBrk="0" hangingPunct="1">
-                        <a:defRPr sz="1800" kern="1200">
-                          <a:solidFill>
-                            <a:schemeClr val="dk1"/>
-                          </a:solidFill>
-                          <a:latin typeface="Arial"/>
-                        </a:defRPr>
-                      </a:lvl8pPr>
-                      <a:lvl9pPr marL="3657600" algn="l" defTabSz="914400" rtl="0" eaLnBrk="1" latinLnBrk="0" hangingPunct="1">
-                        <a:defRPr sz="1800" kern="1200">
-                          <a:solidFill>
-                            <a:schemeClr val="dk1"/>
-                          </a:solidFill>
-                          <a:latin typeface="Arial"/>
-                        </a:defRPr>
-                      </a:lvl9pPr>
-                    </a:lstStyle>
+                    <a:lstStyle/>
                     <a:p>
                       <a:r>
-                        <a:rPr lang="en-US" sz="1200" dirty="0" smtClean="0"/>
+                        <a:rPr lang="en-US" sz="1600" dirty="0" smtClean="0"/>
                         <a:t>Job description</a:t>
                       </a:r>
-                      <a:endParaRPr lang="en-US" sz="1200" dirty="0"/>
+                      <a:endParaRPr lang="en-US" sz="1600" dirty="0"/>
                     </a:p>
                   </a:txBody>
-                  <a:tcPr marT="34290" marB="34290">
-                    <a:lnL w="12700" cmpd="sng">
-                      <a:solidFill>
-                        <a:srgbClr val="93A299"/>
-                      </a:solidFill>
-                    </a:lnL>
-                    <a:lnR w="12700" cmpd="sng">
-                      <a:solidFill>
-                        <a:srgbClr val="93A299"/>
-                      </a:solidFill>
-                    </a:lnR>
-                    <a:lnT w="12700" cmpd="sng">
-                      <a:solidFill>
-                        <a:srgbClr val="93A299"/>
-                      </a:solidFill>
-                    </a:lnT>
-                    <a:lnB w="12700" cmpd="sng">
-                      <a:solidFill>
-                        <a:srgbClr val="93A299"/>
-                      </a:solidFill>
-                    </a:lnB>
-                    <a:lnTlToBr w="12700" cmpd="sng">
-                      <a:noFill/>
-                      <a:prstDash val="solid"/>
-                    </a:lnTlToBr>
-                    <a:lnBlToTr w="12700" cmpd="sng">
-                      <a:noFill/>
-                      <a:prstDash val="solid"/>
-                    </a:lnBlToTr>
-                    <a:solidFill>
-                      <a:srgbClr val="FFFFFF"/>
-                    </a:solidFill>
-                  </a:tcPr>
+                  <a:tcPr/>
                 </a:tc>
               </a:tr>
-              <a:tr h="278130">
+              <a:tr h="370840">
                 <a:tc>
                   <a:txBody>
                     <a:bodyPr/>
-                    <a:lstStyle>
-                      <a:lvl1pPr marL="0" algn="l" defTabSz="914400" rtl="0" eaLnBrk="1" latinLnBrk="0" hangingPunct="1">
-                        <a:defRPr sz="1800" kern="1200">
-                          <a:solidFill>
-                            <a:schemeClr val="dk1"/>
-                          </a:solidFill>
-                          <a:latin typeface="Arial"/>
-                        </a:defRPr>
-                      </a:lvl1pPr>
-                      <a:lvl2pPr marL="457200" algn="l" defTabSz="914400" rtl="0" eaLnBrk="1" latinLnBrk="0" hangingPunct="1">
-                        <a:defRPr sz="1800" kern="1200">
-                          <a:solidFill>
-                            <a:schemeClr val="dk1"/>
-                          </a:solidFill>
-                          <a:latin typeface="Arial"/>
-                        </a:defRPr>
-                      </a:lvl2pPr>
-                      <a:lvl3pPr marL="914400" algn="l" defTabSz="914400" rtl="0" eaLnBrk="1" latinLnBrk="0" hangingPunct="1">
-                        <a:defRPr sz="1800" kern="1200">
-                          <a:solidFill>
-                            <a:schemeClr val="dk1"/>
-                          </a:solidFill>
-                          <a:latin typeface="Arial"/>
-                        </a:defRPr>
-                      </a:lvl3pPr>
-                      <a:lvl4pPr marL="1371600" algn="l" defTabSz="914400" rtl="0" eaLnBrk="1" latinLnBrk="0" hangingPunct="1">
-                        <a:defRPr sz="1800" kern="1200">
-                          <a:solidFill>
-                            <a:schemeClr val="dk1"/>
-                          </a:solidFill>
-                          <a:latin typeface="Arial"/>
-                        </a:defRPr>
-                      </a:lvl4pPr>
-                      <a:lvl5pPr marL="1828800" algn="l" defTabSz="914400" rtl="0" eaLnBrk="1" latinLnBrk="0" hangingPunct="1">
-                        <a:defRPr sz="1800" kern="1200">
-                          <a:solidFill>
-                            <a:schemeClr val="dk1"/>
-                          </a:solidFill>
-                          <a:latin typeface="Arial"/>
-                        </a:defRPr>
-                      </a:lvl5pPr>
-                      <a:lvl6pPr marL="2286000" algn="l" defTabSz="914400" rtl="0" eaLnBrk="1" latinLnBrk="0" hangingPunct="1">
-                        <a:defRPr sz="1800" kern="1200">
-                          <a:solidFill>
-                            <a:schemeClr val="dk1"/>
-                          </a:solidFill>
-                          <a:latin typeface="Arial"/>
-                        </a:defRPr>
-                      </a:lvl6pPr>
-                      <a:lvl7pPr marL="2743200" algn="l" defTabSz="914400" rtl="0" eaLnBrk="1" latinLnBrk="0" hangingPunct="1">
-                        <a:defRPr sz="1800" kern="1200">
-                          <a:solidFill>
-                            <a:schemeClr val="dk1"/>
-                          </a:solidFill>
-                          <a:latin typeface="Arial"/>
-                        </a:defRPr>
-                      </a:lvl7pPr>
-                      <a:lvl8pPr marL="3200400" algn="l" defTabSz="914400" rtl="0" eaLnBrk="1" latinLnBrk="0" hangingPunct="1">
-                        <a:defRPr sz="1800" kern="1200">
-                          <a:solidFill>
-                            <a:schemeClr val="dk1"/>
-                          </a:solidFill>
-                          <a:latin typeface="Arial"/>
-                        </a:defRPr>
-                      </a:lvl8pPr>
-                      <a:lvl9pPr marL="3657600" algn="l" defTabSz="914400" rtl="0" eaLnBrk="1" latinLnBrk="0" hangingPunct="1">
-                        <a:defRPr sz="1800" kern="1200">
-                          <a:solidFill>
-                            <a:schemeClr val="dk1"/>
-                          </a:solidFill>
-                          <a:latin typeface="Arial"/>
-                        </a:defRPr>
-                      </a:lvl9pPr>
-                    </a:lstStyle>
+                    <a:lstStyle/>
                     <a:p>
                       <a:pPr marL="0" marR="0" indent="0" algn="l" defTabSz="914400" rtl="0" eaLnBrk="1" fontAlgn="auto" latinLnBrk="0" hangingPunct="1">
                         <a:lnSpc>
@@ -18288,47 +16192,13 @@
                         <a:defRPr/>
                       </a:pPr>
                       <a:r>
-                        <a:rPr lang="en-US" sz="1200" dirty="0" smtClean="0"/>
+                        <a:rPr lang="en-US" sz="1600" dirty="0" smtClean="0"/>
                         <a:t>Experiences</a:t>
                       </a:r>
-                      <a:endParaRPr lang="en-US" sz="1200" dirty="0"/>
+                      <a:endParaRPr lang="en-US" sz="1600" dirty="0"/>
                     </a:p>
                   </a:txBody>
-                  <a:tcPr marT="34290" marB="34290">
-                    <a:lnL w="12700" cmpd="sng">
-                      <a:solidFill>
-                        <a:srgbClr val="93A299"/>
-                      </a:solidFill>
-                    </a:lnL>
-                    <a:lnR w="12700" cmpd="sng">
-                      <a:solidFill>
-                        <a:srgbClr val="93A299"/>
-                      </a:solidFill>
-                    </a:lnR>
-                    <a:lnT w="12700" cmpd="sng">
-                      <a:solidFill>
-                        <a:srgbClr val="93A299"/>
-                      </a:solidFill>
-                    </a:lnT>
-                    <a:lnB w="12700" cmpd="sng">
-                      <a:solidFill>
-                        <a:srgbClr val="93A299"/>
-                      </a:solidFill>
-                    </a:lnB>
-                    <a:lnTlToBr w="12700" cmpd="sng">
-                      <a:noFill/>
-                      <a:prstDash val="solid"/>
-                    </a:lnTlToBr>
-                    <a:lnBlToTr w="12700" cmpd="sng">
-                      <a:noFill/>
-                      <a:prstDash val="solid"/>
-                    </a:lnBlToTr>
-                    <a:solidFill>
-                      <a:srgbClr val="93A299">
-                        <a:tint val="20000"/>
-                      </a:srgbClr>
-                    </a:solidFill>
-                  </a:tcPr>
+                  <a:tcPr/>
                 </a:tc>
               </a:tr>
             </a:tbl>
@@ -18337,972 +16207,160 @@
       </p:graphicFrame>
       <p:graphicFrame>
         <p:nvGraphicFramePr>
-          <p:cNvPr id="21" name="Content Placeholder 3"/>
+          <p:cNvPr id="31" name="Content Placeholder 3"/>
           <p:cNvGraphicFramePr>
             <a:graphicFrameLocks/>
           </p:cNvGraphicFramePr>
           <p:nvPr>
             <p:extLst>
               <p:ext uri="{D42A27DB-BD31-4B8C-83A1-F6EECF244321}">
-                <p14:modId xmlns:p14="http://schemas.microsoft.com/office/powerpoint/2010/main" val="3356206118"/>
+                <p14:modId xmlns:p14="http://schemas.microsoft.com/office/powerpoint/2010/main" val="3409551142"/>
               </p:ext>
             </p:extLst>
           </p:nvPr>
         </p:nvGraphicFramePr>
         <p:xfrm>
-          <a:off x="6934200" y="1028700"/>
-          <a:ext cx="2216468" cy="2225040"/>
+          <a:off x="6920345" y="-19050"/>
+          <a:ext cx="2216468" cy="2966720"/>
         </p:xfrm>
         <a:graphic>
           <a:graphicData uri="http://schemas.openxmlformats.org/drawingml/2006/table">
             <a:tbl>
-              <a:tblPr firstRow="1" bandRow="1"/>
+              <a:tblPr firstRow="1" bandRow="1">
+                <a:tableStyleId>{B301B821-A1FF-4177-AEE7-76D212191A09}</a:tableStyleId>
+              </a:tblPr>
               <a:tblGrid>
                 <a:gridCol w="2216468"/>
               </a:tblGrid>
-              <a:tr h="278130">
+              <a:tr h="370840">
                 <a:tc>
                   <a:txBody>
                     <a:bodyPr/>
-                    <a:lstStyle>
-                      <a:lvl1pPr marL="0" algn="l" defTabSz="914400" rtl="0" eaLnBrk="1" latinLnBrk="0" hangingPunct="1">
-                        <a:defRPr sz="1800" b="1" kern="1200">
-                          <a:solidFill>
-                            <a:schemeClr val="lt1"/>
-                          </a:solidFill>
-                          <a:latin typeface="Arial"/>
-                        </a:defRPr>
-                      </a:lvl1pPr>
-                      <a:lvl2pPr marL="457200" algn="l" defTabSz="914400" rtl="0" eaLnBrk="1" latinLnBrk="0" hangingPunct="1">
-                        <a:defRPr sz="1800" b="1" kern="1200">
-                          <a:solidFill>
-                            <a:schemeClr val="lt1"/>
-                          </a:solidFill>
-                          <a:latin typeface="Arial"/>
-                        </a:defRPr>
-                      </a:lvl2pPr>
-                      <a:lvl3pPr marL="914400" algn="l" defTabSz="914400" rtl="0" eaLnBrk="1" latinLnBrk="0" hangingPunct="1">
-                        <a:defRPr sz="1800" b="1" kern="1200">
-                          <a:solidFill>
-                            <a:schemeClr val="lt1"/>
-                          </a:solidFill>
-                          <a:latin typeface="Arial"/>
-                        </a:defRPr>
-                      </a:lvl3pPr>
-                      <a:lvl4pPr marL="1371600" algn="l" defTabSz="914400" rtl="0" eaLnBrk="1" latinLnBrk="0" hangingPunct="1">
-                        <a:defRPr sz="1800" b="1" kern="1200">
-                          <a:solidFill>
-                            <a:schemeClr val="lt1"/>
-                          </a:solidFill>
-                          <a:latin typeface="Arial"/>
-                        </a:defRPr>
-                      </a:lvl4pPr>
-                      <a:lvl5pPr marL="1828800" algn="l" defTabSz="914400" rtl="0" eaLnBrk="1" latinLnBrk="0" hangingPunct="1">
-                        <a:defRPr sz="1800" b="1" kern="1200">
-                          <a:solidFill>
-                            <a:schemeClr val="lt1"/>
-                          </a:solidFill>
-                          <a:latin typeface="Arial"/>
-                        </a:defRPr>
-                      </a:lvl5pPr>
-                      <a:lvl6pPr marL="2286000" algn="l" defTabSz="914400" rtl="0" eaLnBrk="1" latinLnBrk="0" hangingPunct="1">
-                        <a:defRPr sz="1800" b="1" kern="1200">
-                          <a:solidFill>
-                            <a:schemeClr val="lt1"/>
-                          </a:solidFill>
-                          <a:latin typeface="Arial"/>
-                        </a:defRPr>
-                      </a:lvl6pPr>
-                      <a:lvl7pPr marL="2743200" algn="l" defTabSz="914400" rtl="0" eaLnBrk="1" latinLnBrk="0" hangingPunct="1">
-                        <a:defRPr sz="1800" b="1" kern="1200">
-                          <a:solidFill>
-                            <a:schemeClr val="lt1"/>
-                          </a:solidFill>
-                          <a:latin typeface="Arial"/>
-                        </a:defRPr>
-                      </a:lvl7pPr>
-                      <a:lvl8pPr marL="3200400" algn="l" defTabSz="914400" rtl="0" eaLnBrk="1" latinLnBrk="0" hangingPunct="1">
-                        <a:defRPr sz="1800" b="1" kern="1200">
-                          <a:solidFill>
-                            <a:schemeClr val="lt1"/>
-                          </a:solidFill>
-                          <a:latin typeface="Arial"/>
-                        </a:defRPr>
-                      </a:lvl8pPr>
-                      <a:lvl9pPr marL="3657600" algn="l" defTabSz="914400" rtl="0" eaLnBrk="1" latinLnBrk="0" hangingPunct="1">
-                        <a:defRPr sz="1800" b="1" kern="1200">
-                          <a:solidFill>
-                            <a:schemeClr val="lt1"/>
-                          </a:solidFill>
-                          <a:latin typeface="Arial"/>
-                        </a:defRPr>
-                      </a:lvl9pPr>
-                    </a:lstStyle>
+                    <a:lstStyle/>
                     <a:p>
                       <a:r>
-                        <a:rPr lang="en-US" sz="1200" dirty="0" smtClean="0"/>
+                        <a:rPr lang="en-US" sz="1600" dirty="0" smtClean="0"/>
                         <a:t>Education &amp; Knowledge</a:t>
                       </a:r>
-                      <a:endParaRPr lang="en-US" sz="1200" dirty="0"/>
+                      <a:endParaRPr lang="en-US" sz="1600" dirty="0"/>
                     </a:p>
                   </a:txBody>
-                  <a:tcPr marT="34290" marB="34290">
-                    <a:lnL w="12700" cmpd="sng">
-                      <a:solidFill>
-                        <a:srgbClr val="93A299"/>
-                      </a:solidFill>
-                    </a:lnL>
-                    <a:lnR w="12700" cmpd="sng">
-                      <a:solidFill>
-                        <a:srgbClr val="93A299"/>
-                      </a:solidFill>
-                    </a:lnR>
-                    <a:lnT w="12700" cmpd="sng">
-                      <a:solidFill>
-                        <a:srgbClr val="93A299"/>
-                      </a:solidFill>
-                    </a:lnT>
-                    <a:lnB w="12700" cmpd="sng">
-                      <a:solidFill>
-                        <a:srgbClr val="93A299"/>
-                      </a:solidFill>
-                    </a:lnB>
-                    <a:lnTlToBr w="12700" cmpd="sng">
-                      <a:noFill/>
-                      <a:prstDash val="solid"/>
-                    </a:lnTlToBr>
-                    <a:lnBlToTr w="12700" cmpd="sng">
-                      <a:noFill/>
-                      <a:prstDash val="solid"/>
-                    </a:lnBlToTr>
-                    <a:solidFill>
-                      <a:srgbClr val="93A299"/>
-                    </a:solidFill>
-                  </a:tcPr>
+                  <a:tcPr/>
                 </a:tc>
               </a:tr>
-              <a:tr h="278130">
+              <a:tr h="370840">
                 <a:tc>
                   <a:txBody>
                     <a:bodyPr/>
-                    <a:lstStyle>
-                      <a:lvl1pPr marL="0" algn="l" defTabSz="914400" rtl="0" eaLnBrk="1" latinLnBrk="0" hangingPunct="1">
-                        <a:defRPr sz="1800" kern="1200">
-                          <a:solidFill>
-                            <a:schemeClr val="dk1"/>
-                          </a:solidFill>
-                          <a:latin typeface="Arial"/>
-                        </a:defRPr>
-                      </a:lvl1pPr>
-                      <a:lvl2pPr marL="457200" algn="l" defTabSz="914400" rtl="0" eaLnBrk="1" latinLnBrk="0" hangingPunct="1">
-                        <a:defRPr sz="1800" kern="1200">
-                          <a:solidFill>
-                            <a:schemeClr val="dk1"/>
-                          </a:solidFill>
-                          <a:latin typeface="Arial"/>
-                        </a:defRPr>
-                      </a:lvl2pPr>
-                      <a:lvl3pPr marL="914400" algn="l" defTabSz="914400" rtl="0" eaLnBrk="1" latinLnBrk="0" hangingPunct="1">
-                        <a:defRPr sz="1800" kern="1200">
-                          <a:solidFill>
-                            <a:schemeClr val="dk1"/>
-                          </a:solidFill>
-                          <a:latin typeface="Arial"/>
-                        </a:defRPr>
-                      </a:lvl3pPr>
-                      <a:lvl4pPr marL="1371600" algn="l" defTabSz="914400" rtl="0" eaLnBrk="1" latinLnBrk="0" hangingPunct="1">
-                        <a:defRPr sz="1800" kern="1200">
-                          <a:solidFill>
-                            <a:schemeClr val="dk1"/>
-                          </a:solidFill>
-                          <a:latin typeface="Arial"/>
-                        </a:defRPr>
-                      </a:lvl4pPr>
-                      <a:lvl5pPr marL="1828800" algn="l" defTabSz="914400" rtl="0" eaLnBrk="1" latinLnBrk="0" hangingPunct="1">
-                        <a:defRPr sz="1800" kern="1200">
-                          <a:solidFill>
-                            <a:schemeClr val="dk1"/>
-                          </a:solidFill>
-                          <a:latin typeface="Arial"/>
-                        </a:defRPr>
-                      </a:lvl5pPr>
-                      <a:lvl6pPr marL="2286000" algn="l" defTabSz="914400" rtl="0" eaLnBrk="1" latinLnBrk="0" hangingPunct="1">
-                        <a:defRPr sz="1800" kern="1200">
-                          <a:solidFill>
-                            <a:schemeClr val="dk1"/>
-                          </a:solidFill>
-                          <a:latin typeface="Arial"/>
-                        </a:defRPr>
-                      </a:lvl6pPr>
-                      <a:lvl7pPr marL="2743200" algn="l" defTabSz="914400" rtl="0" eaLnBrk="1" latinLnBrk="0" hangingPunct="1">
-                        <a:defRPr sz="1800" kern="1200">
-                          <a:solidFill>
-                            <a:schemeClr val="dk1"/>
-                          </a:solidFill>
-                          <a:latin typeface="Arial"/>
-                        </a:defRPr>
-                      </a:lvl7pPr>
-                      <a:lvl8pPr marL="3200400" algn="l" defTabSz="914400" rtl="0" eaLnBrk="1" latinLnBrk="0" hangingPunct="1">
-                        <a:defRPr sz="1800" kern="1200">
-                          <a:solidFill>
-                            <a:schemeClr val="dk1"/>
-                          </a:solidFill>
-                          <a:latin typeface="Arial"/>
-                        </a:defRPr>
-                      </a:lvl8pPr>
-                      <a:lvl9pPr marL="3657600" algn="l" defTabSz="914400" rtl="0" eaLnBrk="1" latinLnBrk="0" hangingPunct="1">
-                        <a:defRPr sz="1800" kern="1200">
-                          <a:solidFill>
-                            <a:schemeClr val="dk1"/>
-                          </a:solidFill>
-                          <a:latin typeface="Arial"/>
-                        </a:defRPr>
-                      </a:lvl9pPr>
-                    </a:lstStyle>
+                    <a:lstStyle/>
                     <a:p>
                       <a:r>
-                        <a:rPr lang="en-US" sz="1200" dirty="0" smtClean="0"/>
+                        <a:rPr lang="en-US" sz="1600" dirty="0" smtClean="0"/>
                         <a:t>Country</a:t>
                       </a:r>
-                      <a:endParaRPr lang="en-US" sz="1200" dirty="0"/>
+                      <a:endParaRPr lang="en-US" sz="1600" dirty="0"/>
                     </a:p>
                   </a:txBody>
-                  <a:tcPr marT="34290" marB="34290">
-                    <a:lnL w="12700" cmpd="sng">
-                      <a:solidFill>
-                        <a:srgbClr val="93A299"/>
-                      </a:solidFill>
-                    </a:lnL>
-                    <a:lnR w="12700" cmpd="sng">
-                      <a:solidFill>
-                        <a:srgbClr val="93A299"/>
-                      </a:solidFill>
-                    </a:lnR>
-                    <a:lnT w="12700" cmpd="sng">
-                      <a:solidFill>
-                        <a:srgbClr val="93A299"/>
-                      </a:solidFill>
-                    </a:lnT>
-                    <a:lnB w="12700" cmpd="sng">
-                      <a:solidFill>
-                        <a:srgbClr val="93A299"/>
-                      </a:solidFill>
-                    </a:lnB>
-                    <a:lnTlToBr w="12700" cmpd="sng">
-                      <a:noFill/>
-                      <a:prstDash val="solid"/>
-                    </a:lnTlToBr>
-                    <a:lnBlToTr w="12700" cmpd="sng">
-                      <a:noFill/>
-                      <a:prstDash val="solid"/>
-                    </a:lnBlToTr>
-                    <a:solidFill>
-                      <a:srgbClr val="93A299">
-                        <a:tint val="20000"/>
-                      </a:srgbClr>
-                    </a:solidFill>
-                  </a:tcPr>
+                  <a:tcPr/>
                 </a:tc>
               </a:tr>
-              <a:tr h="278130">
+              <a:tr h="370840">
                 <a:tc>
                   <a:txBody>
                     <a:bodyPr/>
-                    <a:lstStyle>
-                      <a:lvl1pPr marL="0" algn="l" defTabSz="914400" rtl="0" eaLnBrk="1" latinLnBrk="0" hangingPunct="1">
-                        <a:defRPr sz="1800" kern="1200">
-                          <a:solidFill>
-                            <a:schemeClr val="dk1"/>
-                          </a:solidFill>
-                          <a:latin typeface="Arial"/>
-                        </a:defRPr>
-                      </a:lvl1pPr>
-                      <a:lvl2pPr marL="457200" algn="l" defTabSz="914400" rtl="0" eaLnBrk="1" latinLnBrk="0" hangingPunct="1">
-                        <a:defRPr sz="1800" kern="1200">
-                          <a:solidFill>
-                            <a:schemeClr val="dk1"/>
-                          </a:solidFill>
-                          <a:latin typeface="Arial"/>
-                        </a:defRPr>
-                      </a:lvl2pPr>
-                      <a:lvl3pPr marL="914400" algn="l" defTabSz="914400" rtl="0" eaLnBrk="1" latinLnBrk="0" hangingPunct="1">
-                        <a:defRPr sz="1800" kern="1200">
-                          <a:solidFill>
-                            <a:schemeClr val="dk1"/>
-                          </a:solidFill>
-                          <a:latin typeface="Arial"/>
-                        </a:defRPr>
-                      </a:lvl3pPr>
-                      <a:lvl4pPr marL="1371600" algn="l" defTabSz="914400" rtl="0" eaLnBrk="1" latinLnBrk="0" hangingPunct="1">
-                        <a:defRPr sz="1800" kern="1200">
-                          <a:solidFill>
-                            <a:schemeClr val="dk1"/>
-                          </a:solidFill>
-                          <a:latin typeface="Arial"/>
-                        </a:defRPr>
-                      </a:lvl4pPr>
-                      <a:lvl5pPr marL="1828800" algn="l" defTabSz="914400" rtl="0" eaLnBrk="1" latinLnBrk="0" hangingPunct="1">
-                        <a:defRPr sz="1800" kern="1200">
-                          <a:solidFill>
-                            <a:schemeClr val="dk1"/>
-                          </a:solidFill>
-                          <a:latin typeface="Arial"/>
-                        </a:defRPr>
-                      </a:lvl5pPr>
-                      <a:lvl6pPr marL="2286000" algn="l" defTabSz="914400" rtl="0" eaLnBrk="1" latinLnBrk="0" hangingPunct="1">
-                        <a:defRPr sz="1800" kern="1200">
-                          <a:solidFill>
-                            <a:schemeClr val="dk1"/>
-                          </a:solidFill>
-                          <a:latin typeface="Arial"/>
-                        </a:defRPr>
-                      </a:lvl6pPr>
-                      <a:lvl7pPr marL="2743200" algn="l" defTabSz="914400" rtl="0" eaLnBrk="1" latinLnBrk="0" hangingPunct="1">
-                        <a:defRPr sz="1800" kern="1200">
-                          <a:solidFill>
-                            <a:schemeClr val="dk1"/>
-                          </a:solidFill>
-                          <a:latin typeface="Arial"/>
-                        </a:defRPr>
-                      </a:lvl7pPr>
-                      <a:lvl8pPr marL="3200400" algn="l" defTabSz="914400" rtl="0" eaLnBrk="1" latinLnBrk="0" hangingPunct="1">
-                        <a:defRPr sz="1800" kern="1200">
-                          <a:solidFill>
-                            <a:schemeClr val="dk1"/>
-                          </a:solidFill>
-                          <a:latin typeface="Arial"/>
-                        </a:defRPr>
-                      </a:lvl8pPr>
-                      <a:lvl9pPr marL="3657600" algn="l" defTabSz="914400" rtl="0" eaLnBrk="1" latinLnBrk="0" hangingPunct="1">
-                        <a:defRPr sz="1800" kern="1200">
-                          <a:solidFill>
-                            <a:schemeClr val="dk1"/>
-                          </a:solidFill>
-                          <a:latin typeface="Arial"/>
-                        </a:defRPr>
-                      </a:lvl9pPr>
-                    </a:lstStyle>
+                    <a:lstStyle/>
                     <a:p>
                       <a:r>
-                        <a:rPr lang="en-US" sz="1200" dirty="0" smtClean="0"/>
+                        <a:rPr lang="en-US" sz="1600" dirty="0" smtClean="0"/>
                         <a:t>School</a:t>
                       </a:r>
                       <a:r>
-                        <a:rPr lang="en-US" sz="1200" baseline="0" dirty="0" smtClean="0"/>
+                        <a:rPr lang="en-US" sz="1600" baseline="0" dirty="0" smtClean="0"/>
                         <a:t> / Institute</a:t>
                       </a:r>
-                      <a:endParaRPr lang="en-US" sz="1200" dirty="0"/>
+                      <a:endParaRPr lang="en-US" sz="1600" dirty="0"/>
                     </a:p>
                   </a:txBody>
-                  <a:tcPr marT="34290" marB="34290">
-                    <a:lnL w="12700" cmpd="sng">
-                      <a:solidFill>
-                        <a:srgbClr val="93A299"/>
-                      </a:solidFill>
-                    </a:lnL>
-                    <a:lnR w="12700" cmpd="sng">
-                      <a:solidFill>
-                        <a:srgbClr val="93A299"/>
-                      </a:solidFill>
-                    </a:lnR>
-                    <a:lnT w="12700" cmpd="sng">
-                      <a:solidFill>
-                        <a:srgbClr val="93A299"/>
-                      </a:solidFill>
-                    </a:lnT>
-                    <a:lnB w="12700" cmpd="sng">
-                      <a:solidFill>
-                        <a:srgbClr val="93A299"/>
-                      </a:solidFill>
-                    </a:lnB>
-                    <a:lnTlToBr w="12700" cmpd="sng">
-                      <a:noFill/>
-                      <a:prstDash val="solid"/>
-                    </a:lnTlToBr>
-                    <a:lnBlToTr w="12700" cmpd="sng">
-                      <a:noFill/>
-                      <a:prstDash val="solid"/>
-                    </a:lnBlToTr>
-                    <a:solidFill>
-                      <a:srgbClr val="FFFFFF"/>
-                    </a:solidFill>
-                  </a:tcPr>
+                  <a:tcPr/>
                 </a:tc>
               </a:tr>
-              <a:tr h="278130">
+              <a:tr h="370840">
                 <a:tc>
                   <a:txBody>
                     <a:bodyPr/>
-                    <a:lstStyle>
-                      <a:lvl1pPr marL="0" algn="l" defTabSz="914400" rtl="0" eaLnBrk="1" latinLnBrk="0" hangingPunct="1">
-                        <a:defRPr sz="1800" kern="1200">
-                          <a:solidFill>
-                            <a:schemeClr val="dk1"/>
-                          </a:solidFill>
-                          <a:latin typeface="Arial"/>
-                        </a:defRPr>
-                      </a:lvl1pPr>
-                      <a:lvl2pPr marL="457200" algn="l" defTabSz="914400" rtl="0" eaLnBrk="1" latinLnBrk="0" hangingPunct="1">
-                        <a:defRPr sz="1800" kern="1200">
-                          <a:solidFill>
-                            <a:schemeClr val="dk1"/>
-                          </a:solidFill>
-                          <a:latin typeface="Arial"/>
-                        </a:defRPr>
-                      </a:lvl2pPr>
-                      <a:lvl3pPr marL="914400" algn="l" defTabSz="914400" rtl="0" eaLnBrk="1" latinLnBrk="0" hangingPunct="1">
-                        <a:defRPr sz="1800" kern="1200">
-                          <a:solidFill>
-                            <a:schemeClr val="dk1"/>
-                          </a:solidFill>
-                          <a:latin typeface="Arial"/>
-                        </a:defRPr>
-                      </a:lvl3pPr>
-                      <a:lvl4pPr marL="1371600" algn="l" defTabSz="914400" rtl="0" eaLnBrk="1" latinLnBrk="0" hangingPunct="1">
-                        <a:defRPr sz="1800" kern="1200">
-                          <a:solidFill>
-                            <a:schemeClr val="dk1"/>
-                          </a:solidFill>
-                          <a:latin typeface="Arial"/>
-                        </a:defRPr>
-                      </a:lvl4pPr>
-                      <a:lvl5pPr marL="1828800" algn="l" defTabSz="914400" rtl="0" eaLnBrk="1" latinLnBrk="0" hangingPunct="1">
-                        <a:defRPr sz="1800" kern="1200">
-                          <a:solidFill>
-                            <a:schemeClr val="dk1"/>
-                          </a:solidFill>
-                          <a:latin typeface="Arial"/>
-                        </a:defRPr>
-                      </a:lvl5pPr>
-                      <a:lvl6pPr marL="2286000" algn="l" defTabSz="914400" rtl="0" eaLnBrk="1" latinLnBrk="0" hangingPunct="1">
-                        <a:defRPr sz="1800" kern="1200">
-                          <a:solidFill>
-                            <a:schemeClr val="dk1"/>
-                          </a:solidFill>
-                          <a:latin typeface="Arial"/>
-                        </a:defRPr>
-                      </a:lvl6pPr>
-                      <a:lvl7pPr marL="2743200" algn="l" defTabSz="914400" rtl="0" eaLnBrk="1" latinLnBrk="0" hangingPunct="1">
-                        <a:defRPr sz="1800" kern="1200">
-                          <a:solidFill>
-                            <a:schemeClr val="dk1"/>
-                          </a:solidFill>
-                          <a:latin typeface="Arial"/>
-                        </a:defRPr>
-                      </a:lvl7pPr>
-                      <a:lvl8pPr marL="3200400" algn="l" defTabSz="914400" rtl="0" eaLnBrk="1" latinLnBrk="0" hangingPunct="1">
-                        <a:defRPr sz="1800" kern="1200">
-                          <a:solidFill>
-                            <a:schemeClr val="dk1"/>
-                          </a:solidFill>
-                          <a:latin typeface="Arial"/>
-                        </a:defRPr>
-                      </a:lvl8pPr>
-                      <a:lvl9pPr marL="3657600" algn="l" defTabSz="914400" rtl="0" eaLnBrk="1" latinLnBrk="0" hangingPunct="1">
-                        <a:defRPr sz="1800" kern="1200">
-                          <a:solidFill>
-                            <a:schemeClr val="dk1"/>
-                          </a:solidFill>
-                          <a:latin typeface="Arial"/>
-                        </a:defRPr>
-                      </a:lvl9pPr>
-                    </a:lstStyle>
+                    <a:lstStyle/>
                     <a:p>
                       <a:r>
-                        <a:rPr lang="en-US" sz="1200" dirty="0" smtClean="0"/>
-                        <a:t>Degree</a:t>
+                        <a:rPr lang="en-US" sz="1600" dirty="0" smtClean="0"/>
+                        <a:t>Degrees</a:t>
                       </a:r>
-                      <a:endParaRPr lang="en-US" sz="1200" dirty="0"/>
+                      <a:endParaRPr lang="en-US" sz="1600" dirty="0"/>
                     </a:p>
                   </a:txBody>
-                  <a:tcPr marT="34290" marB="34290">
-                    <a:lnL w="12700" cmpd="sng">
-                      <a:solidFill>
-                        <a:srgbClr val="93A299"/>
-                      </a:solidFill>
-                    </a:lnL>
-                    <a:lnR w="12700" cmpd="sng">
-                      <a:solidFill>
-                        <a:srgbClr val="93A299"/>
-                      </a:solidFill>
-                    </a:lnR>
-                    <a:lnT w="12700" cmpd="sng">
-                      <a:solidFill>
-                        <a:srgbClr val="93A299"/>
-                      </a:solidFill>
-                    </a:lnT>
-                    <a:lnB w="12700" cmpd="sng">
-                      <a:solidFill>
-                        <a:srgbClr val="93A299"/>
-                      </a:solidFill>
-                    </a:lnB>
-                    <a:lnTlToBr w="12700" cmpd="sng">
-                      <a:noFill/>
-                      <a:prstDash val="solid"/>
-                    </a:lnTlToBr>
-                    <a:lnBlToTr w="12700" cmpd="sng">
-                      <a:noFill/>
-                      <a:prstDash val="solid"/>
-                    </a:lnBlToTr>
-                    <a:solidFill>
-                      <a:srgbClr val="93A299">
-                        <a:tint val="20000"/>
-                      </a:srgbClr>
-                    </a:solidFill>
-                  </a:tcPr>
+                  <a:tcPr/>
                 </a:tc>
               </a:tr>
-              <a:tr h="278130">
+              <a:tr h="370840">
                 <a:tc>
                   <a:txBody>
                     <a:bodyPr/>
-                    <a:lstStyle>
-                      <a:lvl1pPr marL="0" algn="l" defTabSz="914400" rtl="0" eaLnBrk="1" latinLnBrk="0" hangingPunct="1">
-                        <a:defRPr sz="1800" kern="1200">
-                          <a:solidFill>
-                            <a:schemeClr val="dk1"/>
-                          </a:solidFill>
-                          <a:latin typeface="Arial"/>
-                        </a:defRPr>
-                      </a:lvl1pPr>
-                      <a:lvl2pPr marL="457200" algn="l" defTabSz="914400" rtl="0" eaLnBrk="1" latinLnBrk="0" hangingPunct="1">
-                        <a:defRPr sz="1800" kern="1200">
-                          <a:solidFill>
-                            <a:schemeClr val="dk1"/>
-                          </a:solidFill>
-                          <a:latin typeface="Arial"/>
-                        </a:defRPr>
-                      </a:lvl2pPr>
-                      <a:lvl3pPr marL="914400" algn="l" defTabSz="914400" rtl="0" eaLnBrk="1" latinLnBrk="0" hangingPunct="1">
-                        <a:defRPr sz="1800" kern="1200">
-                          <a:solidFill>
-                            <a:schemeClr val="dk1"/>
-                          </a:solidFill>
-                          <a:latin typeface="Arial"/>
-                        </a:defRPr>
-                      </a:lvl3pPr>
-                      <a:lvl4pPr marL="1371600" algn="l" defTabSz="914400" rtl="0" eaLnBrk="1" latinLnBrk="0" hangingPunct="1">
-                        <a:defRPr sz="1800" kern="1200">
-                          <a:solidFill>
-                            <a:schemeClr val="dk1"/>
-                          </a:solidFill>
-                          <a:latin typeface="Arial"/>
-                        </a:defRPr>
-                      </a:lvl4pPr>
-                      <a:lvl5pPr marL="1828800" algn="l" defTabSz="914400" rtl="0" eaLnBrk="1" latinLnBrk="0" hangingPunct="1">
-                        <a:defRPr sz="1800" kern="1200">
-                          <a:solidFill>
-                            <a:schemeClr val="dk1"/>
-                          </a:solidFill>
-                          <a:latin typeface="Arial"/>
-                        </a:defRPr>
-                      </a:lvl5pPr>
-                      <a:lvl6pPr marL="2286000" algn="l" defTabSz="914400" rtl="0" eaLnBrk="1" latinLnBrk="0" hangingPunct="1">
-                        <a:defRPr sz="1800" kern="1200">
-                          <a:solidFill>
-                            <a:schemeClr val="dk1"/>
-                          </a:solidFill>
-                          <a:latin typeface="Arial"/>
-                        </a:defRPr>
-                      </a:lvl6pPr>
-                      <a:lvl7pPr marL="2743200" algn="l" defTabSz="914400" rtl="0" eaLnBrk="1" latinLnBrk="0" hangingPunct="1">
-                        <a:defRPr sz="1800" kern="1200">
-                          <a:solidFill>
-                            <a:schemeClr val="dk1"/>
-                          </a:solidFill>
-                          <a:latin typeface="Arial"/>
-                        </a:defRPr>
-                      </a:lvl7pPr>
-                      <a:lvl8pPr marL="3200400" algn="l" defTabSz="914400" rtl="0" eaLnBrk="1" latinLnBrk="0" hangingPunct="1">
-                        <a:defRPr sz="1800" kern="1200">
-                          <a:solidFill>
-                            <a:schemeClr val="dk1"/>
-                          </a:solidFill>
-                          <a:latin typeface="Arial"/>
-                        </a:defRPr>
-                      </a:lvl8pPr>
-                      <a:lvl9pPr marL="3657600" algn="l" defTabSz="914400" rtl="0" eaLnBrk="1" latinLnBrk="0" hangingPunct="1">
-                        <a:defRPr sz="1800" kern="1200">
-                          <a:solidFill>
-                            <a:schemeClr val="dk1"/>
-                          </a:solidFill>
-                          <a:latin typeface="Arial"/>
-                        </a:defRPr>
-                      </a:lvl9pPr>
-                    </a:lstStyle>
+                    <a:lstStyle/>
                     <a:p>
                       <a:r>
-                        <a:rPr lang="en-US" sz="1200" dirty="0" smtClean="0"/>
-                        <a:t>Major</a:t>
+                        <a:rPr lang="en-US" sz="1600" smtClean="0"/>
+                        <a:t>Majors</a:t>
                       </a:r>
-                      <a:endParaRPr lang="en-US" sz="1200" dirty="0"/>
+                      <a:endParaRPr lang="en-US" sz="1600" dirty="0"/>
                     </a:p>
                   </a:txBody>
-                  <a:tcPr marT="34290" marB="34290">
-                    <a:lnL w="12700" cmpd="sng">
-                      <a:solidFill>
-                        <a:srgbClr val="93A299"/>
-                      </a:solidFill>
-                    </a:lnL>
-                    <a:lnR w="12700" cmpd="sng">
-                      <a:solidFill>
-                        <a:srgbClr val="93A299"/>
-                      </a:solidFill>
-                    </a:lnR>
-                    <a:lnT w="12700" cmpd="sng">
-                      <a:solidFill>
-                        <a:srgbClr val="93A299"/>
-                      </a:solidFill>
-                    </a:lnT>
-                    <a:lnB w="12700" cmpd="sng">
-                      <a:solidFill>
-                        <a:srgbClr val="93A299"/>
-                      </a:solidFill>
-                    </a:lnB>
-                    <a:lnTlToBr w="12700" cmpd="sng">
-                      <a:noFill/>
-                      <a:prstDash val="solid"/>
-                    </a:lnTlToBr>
-                    <a:lnBlToTr w="12700" cmpd="sng">
-                      <a:noFill/>
-                      <a:prstDash val="solid"/>
-                    </a:lnBlToTr>
-                    <a:solidFill>
-                      <a:srgbClr val="FFFFFF"/>
-                    </a:solidFill>
-                  </a:tcPr>
+                  <a:tcPr/>
                 </a:tc>
               </a:tr>
-              <a:tr h="278130">
+              <a:tr h="370840">
                 <a:tc>
                   <a:txBody>
                     <a:bodyPr/>
-                    <a:lstStyle>
-                      <a:lvl1pPr marL="0" algn="l" defTabSz="914400" rtl="0" eaLnBrk="1" latinLnBrk="0" hangingPunct="1">
-                        <a:defRPr sz="1800" kern="1200">
-                          <a:solidFill>
-                            <a:schemeClr val="dk1"/>
-                          </a:solidFill>
-                          <a:latin typeface="Arial"/>
-                        </a:defRPr>
-                      </a:lvl1pPr>
-                      <a:lvl2pPr marL="457200" algn="l" defTabSz="914400" rtl="0" eaLnBrk="1" latinLnBrk="0" hangingPunct="1">
-                        <a:defRPr sz="1800" kern="1200">
-                          <a:solidFill>
-                            <a:schemeClr val="dk1"/>
-                          </a:solidFill>
-                          <a:latin typeface="Arial"/>
-                        </a:defRPr>
-                      </a:lvl2pPr>
-                      <a:lvl3pPr marL="914400" algn="l" defTabSz="914400" rtl="0" eaLnBrk="1" latinLnBrk="0" hangingPunct="1">
-                        <a:defRPr sz="1800" kern="1200">
-                          <a:solidFill>
-                            <a:schemeClr val="dk1"/>
-                          </a:solidFill>
-                          <a:latin typeface="Arial"/>
-                        </a:defRPr>
-                      </a:lvl3pPr>
-                      <a:lvl4pPr marL="1371600" algn="l" defTabSz="914400" rtl="0" eaLnBrk="1" latinLnBrk="0" hangingPunct="1">
-                        <a:defRPr sz="1800" kern="1200">
-                          <a:solidFill>
-                            <a:schemeClr val="dk1"/>
-                          </a:solidFill>
-                          <a:latin typeface="Arial"/>
-                        </a:defRPr>
-                      </a:lvl4pPr>
-                      <a:lvl5pPr marL="1828800" algn="l" defTabSz="914400" rtl="0" eaLnBrk="1" latinLnBrk="0" hangingPunct="1">
-                        <a:defRPr sz="1800" kern="1200">
-                          <a:solidFill>
-                            <a:schemeClr val="dk1"/>
-                          </a:solidFill>
-                          <a:latin typeface="Arial"/>
-                        </a:defRPr>
-                      </a:lvl5pPr>
-                      <a:lvl6pPr marL="2286000" algn="l" defTabSz="914400" rtl="0" eaLnBrk="1" latinLnBrk="0" hangingPunct="1">
-                        <a:defRPr sz="1800" kern="1200">
-                          <a:solidFill>
-                            <a:schemeClr val="dk1"/>
-                          </a:solidFill>
-                          <a:latin typeface="Arial"/>
-                        </a:defRPr>
-                      </a:lvl6pPr>
-                      <a:lvl7pPr marL="2743200" algn="l" defTabSz="914400" rtl="0" eaLnBrk="1" latinLnBrk="0" hangingPunct="1">
-                        <a:defRPr sz="1800" kern="1200">
-                          <a:solidFill>
-                            <a:schemeClr val="dk1"/>
-                          </a:solidFill>
-                          <a:latin typeface="Arial"/>
-                        </a:defRPr>
-                      </a:lvl7pPr>
-                      <a:lvl8pPr marL="3200400" algn="l" defTabSz="914400" rtl="0" eaLnBrk="1" latinLnBrk="0" hangingPunct="1">
-                        <a:defRPr sz="1800" kern="1200">
-                          <a:solidFill>
-                            <a:schemeClr val="dk1"/>
-                          </a:solidFill>
-                          <a:latin typeface="Arial"/>
-                        </a:defRPr>
-                      </a:lvl8pPr>
-                      <a:lvl9pPr marL="3657600" algn="l" defTabSz="914400" rtl="0" eaLnBrk="1" latinLnBrk="0" hangingPunct="1">
-                        <a:defRPr sz="1800" kern="1200">
-                          <a:solidFill>
-                            <a:schemeClr val="dk1"/>
-                          </a:solidFill>
-                          <a:latin typeface="Arial"/>
-                        </a:defRPr>
-                      </a:lvl9pPr>
-                    </a:lstStyle>
+                    <a:lstStyle/>
                     <a:p>
                       <a:r>
-                        <a:rPr lang="en-US" sz="1200" dirty="0" smtClean="0"/>
+                        <a:rPr lang="en-US" sz="1600" dirty="0" smtClean="0"/>
                         <a:t>Year (From… To…)</a:t>
                       </a:r>
-                      <a:endParaRPr lang="en-US" sz="1200" dirty="0"/>
+                      <a:endParaRPr lang="en-US" sz="1600" dirty="0"/>
                     </a:p>
                   </a:txBody>
-                  <a:tcPr marT="34290" marB="34290">
-                    <a:lnL w="12700" cmpd="sng">
-                      <a:solidFill>
-                        <a:srgbClr val="93A299"/>
-                      </a:solidFill>
-                    </a:lnL>
-                    <a:lnR w="12700" cmpd="sng">
-                      <a:solidFill>
-                        <a:srgbClr val="93A299"/>
-                      </a:solidFill>
-                    </a:lnR>
-                    <a:lnT w="12700" cmpd="sng">
-                      <a:solidFill>
-                        <a:srgbClr val="93A299"/>
-                      </a:solidFill>
-                    </a:lnT>
-                    <a:lnB w="12700" cmpd="sng">
-                      <a:solidFill>
-                        <a:srgbClr val="93A299"/>
-                      </a:solidFill>
-                    </a:lnB>
-                    <a:lnTlToBr w="12700" cmpd="sng">
-                      <a:noFill/>
-                      <a:prstDash val="solid"/>
-                    </a:lnTlToBr>
-                    <a:lnBlToTr w="12700" cmpd="sng">
-                      <a:noFill/>
-                      <a:prstDash val="solid"/>
-                    </a:lnBlToTr>
-                    <a:solidFill>
-                      <a:srgbClr val="93A299">
-                        <a:tint val="20000"/>
-                      </a:srgbClr>
-                    </a:solidFill>
-                  </a:tcPr>
+                  <a:tcPr/>
                 </a:tc>
               </a:tr>
-              <a:tr h="278130">
+              <a:tr h="370840">
                 <a:tc>
                   <a:txBody>
                     <a:bodyPr/>
-                    <a:lstStyle>
-                      <a:lvl1pPr marL="0" algn="l" defTabSz="914400" rtl="0" eaLnBrk="1" latinLnBrk="0" hangingPunct="1">
-                        <a:defRPr sz="1800" kern="1200">
-                          <a:solidFill>
-                            <a:schemeClr val="dk1"/>
-                          </a:solidFill>
-                          <a:latin typeface="Arial"/>
-                        </a:defRPr>
-                      </a:lvl1pPr>
-                      <a:lvl2pPr marL="457200" algn="l" defTabSz="914400" rtl="0" eaLnBrk="1" latinLnBrk="0" hangingPunct="1">
-                        <a:defRPr sz="1800" kern="1200">
-                          <a:solidFill>
-                            <a:schemeClr val="dk1"/>
-                          </a:solidFill>
-                          <a:latin typeface="Arial"/>
-                        </a:defRPr>
-                      </a:lvl2pPr>
-                      <a:lvl3pPr marL="914400" algn="l" defTabSz="914400" rtl="0" eaLnBrk="1" latinLnBrk="0" hangingPunct="1">
-                        <a:defRPr sz="1800" kern="1200">
-                          <a:solidFill>
-                            <a:schemeClr val="dk1"/>
-                          </a:solidFill>
-                          <a:latin typeface="Arial"/>
-                        </a:defRPr>
-                      </a:lvl3pPr>
-                      <a:lvl4pPr marL="1371600" algn="l" defTabSz="914400" rtl="0" eaLnBrk="1" latinLnBrk="0" hangingPunct="1">
-                        <a:defRPr sz="1800" kern="1200">
-                          <a:solidFill>
-                            <a:schemeClr val="dk1"/>
-                          </a:solidFill>
-                          <a:latin typeface="Arial"/>
-                        </a:defRPr>
-                      </a:lvl4pPr>
-                      <a:lvl5pPr marL="1828800" algn="l" defTabSz="914400" rtl="0" eaLnBrk="1" latinLnBrk="0" hangingPunct="1">
-                        <a:defRPr sz="1800" kern="1200">
-                          <a:solidFill>
-                            <a:schemeClr val="dk1"/>
-                          </a:solidFill>
-                          <a:latin typeface="Arial"/>
-                        </a:defRPr>
-                      </a:lvl5pPr>
-                      <a:lvl6pPr marL="2286000" algn="l" defTabSz="914400" rtl="0" eaLnBrk="1" latinLnBrk="0" hangingPunct="1">
-                        <a:defRPr sz="1800" kern="1200">
-                          <a:solidFill>
-                            <a:schemeClr val="dk1"/>
-                          </a:solidFill>
-                          <a:latin typeface="Arial"/>
-                        </a:defRPr>
-                      </a:lvl6pPr>
-                      <a:lvl7pPr marL="2743200" algn="l" defTabSz="914400" rtl="0" eaLnBrk="1" latinLnBrk="0" hangingPunct="1">
-                        <a:defRPr sz="1800" kern="1200">
-                          <a:solidFill>
-                            <a:schemeClr val="dk1"/>
-                          </a:solidFill>
-                          <a:latin typeface="Arial"/>
-                        </a:defRPr>
-                      </a:lvl7pPr>
-                      <a:lvl8pPr marL="3200400" algn="l" defTabSz="914400" rtl="0" eaLnBrk="1" latinLnBrk="0" hangingPunct="1">
-                        <a:defRPr sz="1800" kern="1200">
-                          <a:solidFill>
-                            <a:schemeClr val="dk1"/>
-                          </a:solidFill>
-                          <a:latin typeface="Arial"/>
-                        </a:defRPr>
-                      </a:lvl8pPr>
-                      <a:lvl9pPr marL="3657600" algn="l" defTabSz="914400" rtl="0" eaLnBrk="1" latinLnBrk="0" hangingPunct="1">
-                        <a:defRPr sz="1800" kern="1200">
-                          <a:solidFill>
-                            <a:schemeClr val="dk1"/>
-                          </a:solidFill>
-                          <a:latin typeface="Arial"/>
-                        </a:defRPr>
-                      </a:lvl9pPr>
-                    </a:lstStyle>
+                    <a:lstStyle/>
                     <a:p>
                       <a:r>
-                        <a:rPr lang="en-US" sz="1200" dirty="0" smtClean="0">
+                        <a:rPr lang="en-US" sz="1600" dirty="0" smtClean="0">
                           <a:solidFill>
                             <a:srgbClr val="FF0000"/>
                           </a:solidFill>
                         </a:rPr>
                         <a:t>Languages</a:t>
                       </a:r>
-                      <a:endParaRPr lang="en-US" sz="1200" dirty="0">
+                      <a:endParaRPr lang="en-US" sz="1600" dirty="0">
                         <a:solidFill>
                           <a:srgbClr val="FF0000"/>
                         </a:solidFill>
                       </a:endParaRPr>
                     </a:p>
                   </a:txBody>
-                  <a:tcPr marT="34290" marB="34290">
-                    <a:lnL w="12700" cmpd="sng">
-                      <a:solidFill>
-                        <a:srgbClr val="93A299"/>
-                      </a:solidFill>
-                    </a:lnL>
-                    <a:lnR w="12700" cmpd="sng">
-                      <a:solidFill>
-                        <a:srgbClr val="93A299"/>
-                      </a:solidFill>
-                    </a:lnR>
-                    <a:lnT w="12700" cmpd="sng">
-                      <a:solidFill>
-                        <a:srgbClr val="93A299"/>
-                      </a:solidFill>
-                    </a:lnT>
-                    <a:lnB w="12700" cmpd="sng">
-                      <a:solidFill>
-                        <a:srgbClr val="93A299"/>
-                      </a:solidFill>
-                    </a:lnB>
-                    <a:lnTlToBr w="12700" cmpd="sng">
-                      <a:noFill/>
-                      <a:prstDash val="solid"/>
-                    </a:lnTlToBr>
-                    <a:lnBlToTr w="12700" cmpd="sng">
-                      <a:noFill/>
-                      <a:prstDash val="solid"/>
-                    </a:lnBlToTr>
-                    <a:solidFill>
-                      <a:srgbClr val="FFFFFF"/>
-                    </a:solidFill>
-                  </a:tcPr>
+                  <a:tcPr/>
                 </a:tc>
               </a:tr>
-              <a:tr h="278130">
+              <a:tr h="370840">
                 <a:tc>
                   <a:txBody>
                     <a:bodyPr/>
-                    <a:lstStyle>
-                      <a:lvl1pPr marL="0" algn="l" defTabSz="914400" rtl="0" eaLnBrk="1" latinLnBrk="0" hangingPunct="1">
-                        <a:defRPr sz="1800" kern="1200">
-                          <a:solidFill>
-                            <a:schemeClr val="dk1"/>
-                          </a:solidFill>
-                          <a:latin typeface="Arial"/>
-                        </a:defRPr>
-                      </a:lvl1pPr>
-                      <a:lvl2pPr marL="457200" algn="l" defTabSz="914400" rtl="0" eaLnBrk="1" latinLnBrk="0" hangingPunct="1">
-                        <a:defRPr sz="1800" kern="1200">
-                          <a:solidFill>
-                            <a:schemeClr val="dk1"/>
-                          </a:solidFill>
-                          <a:latin typeface="Arial"/>
-                        </a:defRPr>
-                      </a:lvl2pPr>
-                      <a:lvl3pPr marL="914400" algn="l" defTabSz="914400" rtl="0" eaLnBrk="1" latinLnBrk="0" hangingPunct="1">
-                        <a:defRPr sz="1800" kern="1200">
-                          <a:solidFill>
-                            <a:schemeClr val="dk1"/>
-                          </a:solidFill>
-                          <a:latin typeface="Arial"/>
-                        </a:defRPr>
-                      </a:lvl3pPr>
-                      <a:lvl4pPr marL="1371600" algn="l" defTabSz="914400" rtl="0" eaLnBrk="1" latinLnBrk="0" hangingPunct="1">
-                        <a:defRPr sz="1800" kern="1200">
-                          <a:solidFill>
-                            <a:schemeClr val="dk1"/>
-                          </a:solidFill>
-                          <a:latin typeface="Arial"/>
-                        </a:defRPr>
-                      </a:lvl4pPr>
-                      <a:lvl5pPr marL="1828800" algn="l" defTabSz="914400" rtl="0" eaLnBrk="1" latinLnBrk="0" hangingPunct="1">
-                        <a:defRPr sz="1800" kern="1200">
-                          <a:solidFill>
-                            <a:schemeClr val="dk1"/>
-                          </a:solidFill>
-                          <a:latin typeface="Arial"/>
-                        </a:defRPr>
-                      </a:lvl5pPr>
-                      <a:lvl6pPr marL="2286000" algn="l" defTabSz="914400" rtl="0" eaLnBrk="1" latinLnBrk="0" hangingPunct="1">
-                        <a:defRPr sz="1800" kern="1200">
-                          <a:solidFill>
-                            <a:schemeClr val="dk1"/>
-                          </a:solidFill>
-                          <a:latin typeface="Arial"/>
-                        </a:defRPr>
-                      </a:lvl6pPr>
-                      <a:lvl7pPr marL="2743200" algn="l" defTabSz="914400" rtl="0" eaLnBrk="1" latinLnBrk="0" hangingPunct="1">
-                        <a:defRPr sz="1800" kern="1200">
-                          <a:solidFill>
-                            <a:schemeClr val="dk1"/>
-                          </a:solidFill>
-                          <a:latin typeface="Arial"/>
-                        </a:defRPr>
-                      </a:lvl7pPr>
-                      <a:lvl8pPr marL="3200400" algn="l" defTabSz="914400" rtl="0" eaLnBrk="1" latinLnBrk="0" hangingPunct="1">
-                        <a:defRPr sz="1800" kern="1200">
-                          <a:solidFill>
-                            <a:schemeClr val="dk1"/>
-                          </a:solidFill>
-                          <a:latin typeface="Arial"/>
-                        </a:defRPr>
-                      </a:lvl8pPr>
-                      <a:lvl9pPr marL="3657600" algn="l" defTabSz="914400" rtl="0" eaLnBrk="1" latinLnBrk="0" hangingPunct="1">
-                        <a:defRPr sz="1800" kern="1200">
-                          <a:solidFill>
-                            <a:schemeClr val="dk1"/>
-                          </a:solidFill>
-                          <a:latin typeface="Arial"/>
-                        </a:defRPr>
-                      </a:lvl9pPr>
-                    </a:lstStyle>
+                    <a:lstStyle/>
                     <a:p>
                       <a:pPr marL="0" marR="0" indent="0" algn="l" defTabSz="914400" rtl="0" eaLnBrk="1" fontAlgn="auto" latinLnBrk="0" hangingPunct="1">
                         <a:lnSpc>
@@ -19322,51 +16380,17 @@
                         <a:defRPr/>
                       </a:pPr>
                       <a:r>
-                        <a:rPr lang="en-US" sz="1200" dirty="0" smtClean="0"/>
+                        <a:rPr lang="en-US" sz="1600" dirty="0" smtClean="0"/>
                         <a:t>Experiences</a:t>
                       </a:r>
-                      <a:endParaRPr lang="en-US" sz="1200" dirty="0">
+                      <a:endParaRPr lang="en-US" sz="1600" dirty="0">
                         <a:solidFill>
                           <a:srgbClr val="FF0000"/>
                         </a:solidFill>
                       </a:endParaRPr>
                     </a:p>
                   </a:txBody>
-                  <a:tcPr marT="34290" marB="34290">
-                    <a:lnL w="12700" cmpd="sng">
-                      <a:solidFill>
-                        <a:srgbClr val="93A299"/>
-                      </a:solidFill>
-                    </a:lnL>
-                    <a:lnR w="12700" cmpd="sng">
-                      <a:solidFill>
-                        <a:srgbClr val="93A299"/>
-                      </a:solidFill>
-                    </a:lnR>
-                    <a:lnT w="12700" cmpd="sng">
-                      <a:solidFill>
-                        <a:srgbClr val="93A299"/>
-                      </a:solidFill>
-                    </a:lnT>
-                    <a:lnB w="12700" cmpd="sng">
-                      <a:solidFill>
-                        <a:srgbClr val="93A299"/>
-                      </a:solidFill>
-                    </a:lnB>
-                    <a:lnTlToBr w="12700" cmpd="sng">
-                      <a:noFill/>
-                      <a:prstDash val="solid"/>
-                    </a:lnTlToBr>
-                    <a:lnBlToTr w="12700" cmpd="sng">
-                      <a:noFill/>
-                      <a:prstDash val="solid"/>
-                    </a:lnBlToTr>
-                    <a:solidFill>
-                      <a:srgbClr val="93A299">
-                        <a:tint val="20000"/>
-                      </a:srgbClr>
-                    </a:solidFill>
-                  </a:tcPr>
+                  <a:tcPr/>
                 </a:tc>
               </a:tr>
             </a:tbl>
@@ -19375,408 +16399,93 @@
       </p:graphicFrame>
       <p:graphicFrame>
         <p:nvGraphicFramePr>
-          <p:cNvPr id="22" name="Content Placeholder 3"/>
+          <p:cNvPr id="32" name="Content Placeholder 3"/>
           <p:cNvGraphicFramePr>
             <a:graphicFrameLocks/>
           </p:cNvGraphicFramePr>
           <p:nvPr>
             <p:extLst>
               <p:ext uri="{D42A27DB-BD31-4B8C-83A1-F6EECF244321}">
-                <p14:modId xmlns:p14="http://schemas.microsoft.com/office/powerpoint/2010/main" val="1397884578"/>
+                <p14:modId xmlns:p14="http://schemas.microsoft.com/office/powerpoint/2010/main" val="1724687944"/>
               </p:ext>
             </p:extLst>
           </p:nvPr>
         </p:nvGraphicFramePr>
         <p:xfrm>
-          <a:off x="2286000" y="3176501"/>
-          <a:ext cx="2216468" cy="834390"/>
+          <a:off x="2272145" y="2844685"/>
+          <a:ext cx="2216468" cy="1112520"/>
         </p:xfrm>
         <a:graphic>
           <a:graphicData uri="http://schemas.openxmlformats.org/drawingml/2006/table">
             <a:tbl>
-              <a:tblPr firstRow="1" bandRow="1"/>
+              <a:tblPr firstRow="1" bandRow="1">
+                <a:tableStyleId>{B301B821-A1FF-4177-AEE7-76D212191A09}</a:tableStyleId>
+              </a:tblPr>
               <a:tblGrid>
                 <a:gridCol w="2216468"/>
               </a:tblGrid>
-              <a:tr h="278130">
+              <a:tr h="370840">
                 <a:tc>
                   <a:txBody>
                     <a:bodyPr/>
-                    <a:lstStyle>
-                      <a:lvl1pPr marL="0" algn="l" defTabSz="914400" rtl="0" eaLnBrk="1" latinLnBrk="0" hangingPunct="1">
-                        <a:defRPr sz="1800" b="1" kern="1200">
-                          <a:solidFill>
-                            <a:schemeClr val="lt1"/>
-                          </a:solidFill>
-                          <a:latin typeface="Arial"/>
-                        </a:defRPr>
-                      </a:lvl1pPr>
-                      <a:lvl2pPr marL="457200" algn="l" defTabSz="914400" rtl="0" eaLnBrk="1" latinLnBrk="0" hangingPunct="1">
-                        <a:defRPr sz="1800" b="1" kern="1200">
-                          <a:solidFill>
-                            <a:schemeClr val="lt1"/>
-                          </a:solidFill>
-                          <a:latin typeface="Arial"/>
-                        </a:defRPr>
-                      </a:lvl2pPr>
-                      <a:lvl3pPr marL="914400" algn="l" defTabSz="914400" rtl="0" eaLnBrk="1" latinLnBrk="0" hangingPunct="1">
-                        <a:defRPr sz="1800" b="1" kern="1200">
-                          <a:solidFill>
-                            <a:schemeClr val="lt1"/>
-                          </a:solidFill>
-                          <a:latin typeface="Arial"/>
-                        </a:defRPr>
-                      </a:lvl3pPr>
-                      <a:lvl4pPr marL="1371600" algn="l" defTabSz="914400" rtl="0" eaLnBrk="1" latinLnBrk="0" hangingPunct="1">
-                        <a:defRPr sz="1800" b="1" kern="1200">
-                          <a:solidFill>
-                            <a:schemeClr val="lt1"/>
-                          </a:solidFill>
-                          <a:latin typeface="Arial"/>
-                        </a:defRPr>
-                      </a:lvl4pPr>
-                      <a:lvl5pPr marL="1828800" algn="l" defTabSz="914400" rtl="0" eaLnBrk="1" latinLnBrk="0" hangingPunct="1">
-                        <a:defRPr sz="1800" b="1" kern="1200">
-                          <a:solidFill>
-                            <a:schemeClr val="lt1"/>
-                          </a:solidFill>
-                          <a:latin typeface="Arial"/>
-                        </a:defRPr>
-                      </a:lvl5pPr>
-                      <a:lvl6pPr marL="2286000" algn="l" defTabSz="914400" rtl="0" eaLnBrk="1" latinLnBrk="0" hangingPunct="1">
-                        <a:defRPr sz="1800" b="1" kern="1200">
-                          <a:solidFill>
-                            <a:schemeClr val="lt1"/>
-                          </a:solidFill>
-                          <a:latin typeface="Arial"/>
-                        </a:defRPr>
-                      </a:lvl6pPr>
-                      <a:lvl7pPr marL="2743200" algn="l" defTabSz="914400" rtl="0" eaLnBrk="1" latinLnBrk="0" hangingPunct="1">
-                        <a:defRPr sz="1800" b="1" kern="1200">
-                          <a:solidFill>
-                            <a:schemeClr val="lt1"/>
-                          </a:solidFill>
-                          <a:latin typeface="Arial"/>
-                        </a:defRPr>
-                      </a:lvl7pPr>
-                      <a:lvl8pPr marL="3200400" algn="l" defTabSz="914400" rtl="0" eaLnBrk="1" latinLnBrk="0" hangingPunct="1">
-                        <a:defRPr sz="1800" b="1" kern="1200">
-                          <a:solidFill>
-                            <a:schemeClr val="lt1"/>
-                          </a:solidFill>
-                          <a:latin typeface="Arial"/>
-                        </a:defRPr>
-                      </a:lvl8pPr>
-                      <a:lvl9pPr marL="3657600" algn="l" defTabSz="914400" rtl="0" eaLnBrk="1" latinLnBrk="0" hangingPunct="1">
-                        <a:defRPr sz="1800" b="1" kern="1200">
-                          <a:solidFill>
-                            <a:schemeClr val="lt1"/>
-                          </a:solidFill>
-                          <a:latin typeface="Arial"/>
-                        </a:defRPr>
-                      </a:lvl9pPr>
-                    </a:lstStyle>
+                    <a:lstStyle/>
                     <a:p>
                       <a:r>
-                        <a:rPr lang="en-US" sz="1200" dirty="0" smtClean="0"/>
+                        <a:rPr lang="en-US" sz="1600" dirty="0" smtClean="0"/>
                         <a:t>Job expectation</a:t>
                       </a:r>
-                      <a:endParaRPr lang="en-US" sz="1200" dirty="0"/>
+                      <a:endParaRPr lang="en-US" sz="1600" dirty="0"/>
                     </a:p>
                   </a:txBody>
-                  <a:tcPr marT="34290" marB="34290">
-                    <a:lnL w="12700" cmpd="sng">
-                      <a:solidFill>
-                        <a:srgbClr val="93A299"/>
-                      </a:solidFill>
-                    </a:lnL>
-                    <a:lnR w="12700" cmpd="sng">
-                      <a:solidFill>
-                        <a:srgbClr val="93A299"/>
-                      </a:solidFill>
-                    </a:lnR>
-                    <a:lnT w="12700" cmpd="sng">
-                      <a:solidFill>
-                        <a:srgbClr val="93A299"/>
-                      </a:solidFill>
-                    </a:lnT>
-                    <a:lnB w="12700" cmpd="sng">
-                      <a:solidFill>
-                        <a:srgbClr val="93A299"/>
-                      </a:solidFill>
-                    </a:lnB>
-                    <a:lnTlToBr w="12700" cmpd="sng">
-                      <a:noFill/>
-                      <a:prstDash val="solid"/>
-                    </a:lnTlToBr>
-                    <a:lnBlToTr w="12700" cmpd="sng">
-                      <a:noFill/>
-                      <a:prstDash val="solid"/>
-                    </a:lnBlToTr>
-                    <a:solidFill>
-                      <a:srgbClr val="93A299"/>
-                    </a:solidFill>
-                  </a:tcPr>
+                  <a:tcPr/>
                 </a:tc>
               </a:tr>
-              <a:tr h="278130">
+              <a:tr h="370840">
                 <a:tc>
                   <a:txBody>
                     <a:bodyPr/>
-                    <a:lstStyle>
-                      <a:lvl1pPr marL="0" algn="l" defTabSz="914400" rtl="0" eaLnBrk="1" latinLnBrk="0" hangingPunct="1">
-                        <a:defRPr sz="1800" kern="1200">
-                          <a:solidFill>
-                            <a:schemeClr val="dk1"/>
-                          </a:solidFill>
-                          <a:latin typeface="Arial"/>
-                        </a:defRPr>
-                      </a:lvl1pPr>
-                      <a:lvl2pPr marL="457200" algn="l" defTabSz="914400" rtl="0" eaLnBrk="1" latinLnBrk="0" hangingPunct="1">
-                        <a:defRPr sz="1800" kern="1200">
-                          <a:solidFill>
-                            <a:schemeClr val="dk1"/>
-                          </a:solidFill>
-                          <a:latin typeface="Arial"/>
-                        </a:defRPr>
-                      </a:lvl2pPr>
-                      <a:lvl3pPr marL="914400" algn="l" defTabSz="914400" rtl="0" eaLnBrk="1" latinLnBrk="0" hangingPunct="1">
-                        <a:defRPr sz="1800" kern="1200">
-                          <a:solidFill>
-                            <a:schemeClr val="dk1"/>
-                          </a:solidFill>
-                          <a:latin typeface="Arial"/>
-                        </a:defRPr>
-                      </a:lvl3pPr>
-                      <a:lvl4pPr marL="1371600" algn="l" defTabSz="914400" rtl="0" eaLnBrk="1" latinLnBrk="0" hangingPunct="1">
-                        <a:defRPr sz="1800" kern="1200">
-                          <a:solidFill>
-                            <a:schemeClr val="dk1"/>
-                          </a:solidFill>
-                          <a:latin typeface="Arial"/>
-                        </a:defRPr>
-                      </a:lvl4pPr>
-                      <a:lvl5pPr marL="1828800" algn="l" defTabSz="914400" rtl="0" eaLnBrk="1" latinLnBrk="0" hangingPunct="1">
-                        <a:defRPr sz="1800" kern="1200">
-                          <a:solidFill>
-                            <a:schemeClr val="dk1"/>
-                          </a:solidFill>
-                          <a:latin typeface="Arial"/>
-                        </a:defRPr>
-                      </a:lvl5pPr>
-                      <a:lvl6pPr marL="2286000" algn="l" defTabSz="914400" rtl="0" eaLnBrk="1" latinLnBrk="0" hangingPunct="1">
-                        <a:defRPr sz="1800" kern="1200">
-                          <a:solidFill>
-                            <a:schemeClr val="dk1"/>
-                          </a:solidFill>
-                          <a:latin typeface="Arial"/>
-                        </a:defRPr>
-                      </a:lvl6pPr>
-                      <a:lvl7pPr marL="2743200" algn="l" defTabSz="914400" rtl="0" eaLnBrk="1" latinLnBrk="0" hangingPunct="1">
-                        <a:defRPr sz="1800" kern="1200">
-                          <a:solidFill>
-                            <a:schemeClr val="dk1"/>
-                          </a:solidFill>
-                          <a:latin typeface="Arial"/>
-                        </a:defRPr>
-                      </a:lvl7pPr>
-                      <a:lvl8pPr marL="3200400" algn="l" defTabSz="914400" rtl="0" eaLnBrk="1" latinLnBrk="0" hangingPunct="1">
-                        <a:defRPr sz="1800" kern="1200">
-                          <a:solidFill>
-                            <a:schemeClr val="dk1"/>
-                          </a:solidFill>
-                          <a:latin typeface="Arial"/>
-                        </a:defRPr>
-                      </a:lvl8pPr>
-                      <a:lvl9pPr marL="3657600" algn="l" defTabSz="914400" rtl="0" eaLnBrk="1" latinLnBrk="0" hangingPunct="1">
-                        <a:defRPr sz="1800" kern="1200">
-                          <a:solidFill>
-                            <a:schemeClr val="dk1"/>
-                          </a:solidFill>
-                          <a:latin typeface="Arial"/>
-                        </a:defRPr>
-                      </a:lvl9pPr>
-                    </a:lstStyle>
+                    <a:lstStyle/>
                     <a:p>
                       <a:r>
-                        <a:rPr lang="en-US" sz="1200" dirty="0" smtClean="0">
+                        <a:rPr lang="en-US" sz="1600" dirty="0" smtClean="0">
                           <a:solidFill>
                             <a:srgbClr val="FF0000"/>
                           </a:solidFill>
                         </a:rPr>
                         <a:t>Objectives</a:t>
                       </a:r>
-                      <a:endParaRPr lang="en-US" sz="1200" dirty="0">
+                      <a:endParaRPr lang="en-US" sz="1600" dirty="0">
                         <a:solidFill>
                           <a:srgbClr val="FF0000"/>
                         </a:solidFill>
                       </a:endParaRPr>
                     </a:p>
                   </a:txBody>
-                  <a:tcPr marT="34290" marB="34290">
-                    <a:lnL w="12700" cmpd="sng">
-                      <a:solidFill>
-                        <a:srgbClr val="93A299"/>
-                      </a:solidFill>
-                    </a:lnL>
-                    <a:lnR w="12700" cmpd="sng">
-                      <a:solidFill>
-                        <a:srgbClr val="93A299"/>
-                      </a:solidFill>
-                    </a:lnR>
-                    <a:lnT w="12700" cmpd="sng">
-                      <a:solidFill>
-                        <a:srgbClr val="93A299"/>
-                      </a:solidFill>
-                    </a:lnT>
-                    <a:lnB w="12700" cmpd="sng">
-                      <a:solidFill>
-                        <a:srgbClr val="93A299"/>
-                      </a:solidFill>
-                    </a:lnB>
-                    <a:lnTlToBr w="12700" cmpd="sng">
-                      <a:noFill/>
-                      <a:prstDash val="solid"/>
-                    </a:lnTlToBr>
-                    <a:lnBlToTr w="12700" cmpd="sng">
-                      <a:noFill/>
-                      <a:prstDash val="solid"/>
-                    </a:lnBlToTr>
-                    <a:solidFill>
-                      <a:srgbClr val="93A299">
-                        <a:tint val="20000"/>
-                      </a:srgbClr>
-                    </a:solidFill>
-                  </a:tcPr>
+                  <a:tcPr/>
                 </a:tc>
               </a:tr>
-              <a:tr h="278130">
+              <a:tr h="370840">
                 <a:tc>
                   <a:txBody>
                     <a:bodyPr/>
-                    <a:lstStyle>
-                      <a:lvl1pPr marL="0" algn="l" defTabSz="914400" rtl="0" eaLnBrk="1" latinLnBrk="0" hangingPunct="1">
-                        <a:defRPr sz="1800" kern="1200">
-                          <a:solidFill>
-                            <a:schemeClr val="dk1"/>
-                          </a:solidFill>
-                          <a:latin typeface="Arial"/>
-                        </a:defRPr>
-                      </a:lvl1pPr>
-                      <a:lvl2pPr marL="457200" algn="l" defTabSz="914400" rtl="0" eaLnBrk="1" latinLnBrk="0" hangingPunct="1">
-                        <a:defRPr sz="1800" kern="1200">
-                          <a:solidFill>
-                            <a:schemeClr val="dk1"/>
-                          </a:solidFill>
-                          <a:latin typeface="Arial"/>
-                        </a:defRPr>
-                      </a:lvl2pPr>
-                      <a:lvl3pPr marL="914400" algn="l" defTabSz="914400" rtl="0" eaLnBrk="1" latinLnBrk="0" hangingPunct="1">
-                        <a:defRPr sz="1800" kern="1200">
-                          <a:solidFill>
-                            <a:schemeClr val="dk1"/>
-                          </a:solidFill>
-                          <a:latin typeface="Arial"/>
-                        </a:defRPr>
-                      </a:lvl3pPr>
-                      <a:lvl4pPr marL="1371600" algn="l" defTabSz="914400" rtl="0" eaLnBrk="1" latinLnBrk="0" hangingPunct="1">
-                        <a:defRPr sz="1800" kern="1200">
-                          <a:solidFill>
-                            <a:schemeClr val="dk1"/>
-                          </a:solidFill>
-                          <a:latin typeface="Arial"/>
-                        </a:defRPr>
-                      </a:lvl4pPr>
-                      <a:lvl5pPr marL="1828800" algn="l" defTabSz="914400" rtl="0" eaLnBrk="1" latinLnBrk="0" hangingPunct="1">
-                        <a:defRPr sz="1800" kern="1200">
-                          <a:solidFill>
-                            <a:schemeClr val="dk1"/>
-                          </a:solidFill>
-                          <a:latin typeface="Arial"/>
-                        </a:defRPr>
-                      </a:lvl5pPr>
-                      <a:lvl6pPr marL="2286000" algn="l" defTabSz="914400" rtl="0" eaLnBrk="1" latinLnBrk="0" hangingPunct="1">
-                        <a:defRPr sz="1800" kern="1200">
-                          <a:solidFill>
-                            <a:schemeClr val="dk1"/>
-                          </a:solidFill>
-                          <a:latin typeface="Arial"/>
-                        </a:defRPr>
-                      </a:lvl6pPr>
-                      <a:lvl7pPr marL="2743200" algn="l" defTabSz="914400" rtl="0" eaLnBrk="1" latinLnBrk="0" hangingPunct="1">
-                        <a:defRPr sz="1800" kern="1200">
-                          <a:solidFill>
-                            <a:schemeClr val="dk1"/>
-                          </a:solidFill>
-                          <a:latin typeface="Arial"/>
-                        </a:defRPr>
-                      </a:lvl7pPr>
-                      <a:lvl8pPr marL="3200400" algn="l" defTabSz="914400" rtl="0" eaLnBrk="1" latinLnBrk="0" hangingPunct="1">
-                        <a:defRPr sz="1800" kern="1200">
-                          <a:solidFill>
-                            <a:schemeClr val="dk1"/>
-                          </a:solidFill>
-                          <a:latin typeface="Arial"/>
-                        </a:defRPr>
-                      </a:lvl8pPr>
-                      <a:lvl9pPr marL="3657600" algn="l" defTabSz="914400" rtl="0" eaLnBrk="1" latinLnBrk="0" hangingPunct="1">
-                        <a:defRPr sz="1800" kern="1200">
-                          <a:solidFill>
-                            <a:schemeClr val="dk1"/>
-                          </a:solidFill>
-                          <a:latin typeface="Arial"/>
-                        </a:defRPr>
-                      </a:lvl9pPr>
-                    </a:lstStyle>
+                    <a:lstStyle/>
                     <a:p>
                       <a:r>
-                        <a:rPr lang="en-US" sz="1200" dirty="0" err="1" smtClean="0">
+                        <a:rPr lang="en-US" sz="1600" dirty="0" smtClean="0">
                           <a:solidFill>
                             <a:srgbClr val="FF0000"/>
                           </a:solidFill>
                         </a:rPr>
-                        <a:t>Oppotunities</a:t>
+                        <a:t>Opportunities</a:t>
                       </a:r>
-                      <a:endParaRPr lang="en-US" sz="1200" dirty="0">
+                      <a:endParaRPr lang="en-US" sz="1600" dirty="0">
                         <a:solidFill>
                           <a:srgbClr val="FF0000"/>
                         </a:solidFill>
                       </a:endParaRPr>
                     </a:p>
                   </a:txBody>
-                  <a:tcPr marT="34290" marB="34290">
-                    <a:lnL w="12700" cmpd="sng">
-                      <a:solidFill>
-                        <a:srgbClr val="93A299"/>
-                      </a:solidFill>
-                    </a:lnL>
-                    <a:lnR w="12700" cmpd="sng">
-                      <a:solidFill>
-                        <a:srgbClr val="93A299"/>
-                      </a:solidFill>
-                    </a:lnR>
-                    <a:lnT w="12700" cmpd="sng">
-                      <a:solidFill>
-                        <a:srgbClr val="93A299"/>
-                      </a:solidFill>
-                    </a:lnT>
-                    <a:lnB w="12700" cmpd="sng">
-                      <a:solidFill>
-                        <a:srgbClr val="93A299"/>
-                      </a:solidFill>
-                    </a:lnB>
-                    <a:lnTlToBr w="12700" cmpd="sng">
-                      <a:noFill/>
-                      <a:prstDash val="solid"/>
-                    </a:lnTlToBr>
-                    <a:lnBlToTr w="12700" cmpd="sng">
-                      <a:noFill/>
-                      <a:prstDash val="solid"/>
-                    </a:lnBlToTr>
-                    <a:solidFill>
-                      <a:srgbClr val="FFFFFF"/>
-                    </a:solidFill>
-                  </a:tcPr>
+                  <a:tcPr/>
                 </a:tc>
               </a:tr>
             </a:tbl>
@@ -19785,539 +16494,136 @@
       </p:graphicFrame>
       <p:graphicFrame>
         <p:nvGraphicFramePr>
-          <p:cNvPr id="23" name="Content Placeholder 3"/>
+          <p:cNvPr id="33" name="Content Placeholder 3"/>
           <p:cNvGraphicFramePr>
             <a:graphicFrameLocks/>
           </p:cNvGraphicFramePr>
           <p:nvPr>
             <p:extLst>
               <p:ext uri="{D42A27DB-BD31-4B8C-83A1-F6EECF244321}">
-                <p14:modId xmlns:p14="http://schemas.microsoft.com/office/powerpoint/2010/main" val="3486524560"/>
+                <p14:modId xmlns:p14="http://schemas.microsoft.com/office/powerpoint/2010/main" val="3568537476"/>
               </p:ext>
             </p:extLst>
           </p:nvPr>
         </p:nvGraphicFramePr>
         <p:xfrm>
-          <a:off x="5562600" y="3943350"/>
-          <a:ext cx="2216468" cy="1085850"/>
+          <a:off x="5548745" y="3867150"/>
+          <a:ext cx="2216468" cy="1818640"/>
         </p:xfrm>
         <a:graphic>
           <a:graphicData uri="http://schemas.openxmlformats.org/drawingml/2006/table">
             <a:tbl>
-              <a:tblPr firstRow="1" bandRow="1"/>
+              <a:tblPr firstRow="1" bandRow="1">
+                <a:tableStyleId>{B301B821-A1FF-4177-AEE7-76D212191A09}</a:tableStyleId>
+              </a:tblPr>
               <a:tblGrid>
                 <a:gridCol w="2216468"/>
               </a:tblGrid>
-              <a:tr h="251460">
+              <a:tr h="294640">
                 <a:tc>
                   <a:txBody>
                     <a:bodyPr/>
-                    <a:lstStyle>
-                      <a:lvl1pPr marL="0" algn="l" defTabSz="914400" rtl="0" eaLnBrk="1" latinLnBrk="0" hangingPunct="1">
-                        <a:defRPr sz="1800" b="1" kern="1200">
-                          <a:solidFill>
-                            <a:schemeClr val="lt1"/>
-                          </a:solidFill>
-                          <a:latin typeface="Arial"/>
-                        </a:defRPr>
-                      </a:lvl1pPr>
-                      <a:lvl2pPr marL="457200" algn="l" defTabSz="914400" rtl="0" eaLnBrk="1" latinLnBrk="0" hangingPunct="1">
-                        <a:defRPr sz="1800" b="1" kern="1200">
-                          <a:solidFill>
-                            <a:schemeClr val="lt1"/>
-                          </a:solidFill>
-                          <a:latin typeface="Arial"/>
-                        </a:defRPr>
-                      </a:lvl2pPr>
-                      <a:lvl3pPr marL="914400" algn="l" defTabSz="914400" rtl="0" eaLnBrk="1" latinLnBrk="0" hangingPunct="1">
-                        <a:defRPr sz="1800" b="1" kern="1200">
-                          <a:solidFill>
-                            <a:schemeClr val="lt1"/>
-                          </a:solidFill>
-                          <a:latin typeface="Arial"/>
-                        </a:defRPr>
-                      </a:lvl3pPr>
-                      <a:lvl4pPr marL="1371600" algn="l" defTabSz="914400" rtl="0" eaLnBrk="1" latinLnBrk="0" hangingPunct="1">
-                        <a:defRPr sz="1800" b="1" kern="1200">
-                          <a:solidFill>
-                            <a:schemeClr val="lt1"/>
-                          </a:solidFill>
-                          <a:latin typeface="Arial"/>
-                        </a:defRPr>
-                      </a:lvl4pPr>
-                      <a:lvl5pPr marL="1828800" algn="l" defTabSz="914400" rtl="0" eaLnBrk="1" latinLnBrk="0" hangingPunct="1">
-                        <a:defRPr sz="1800" b="1" kern="1200">
-                          <a:solidFill>
-                            <a:schemeClr val="lt1"/>
-                          </a:solidFill>
-                          <a:latin typeface="Arial"/>
-                        </a:defRPr>
-                      </a:lvl5pPr>
-                      <a:lvl6pPr marL="2286000" algn="l" defTabSz="914400" rtl="0" eaLnBrk="1" latinLnBrk="0" hangingPunct="1">
-                        <a:defRPr sz="1800" b="1" kern="1200">
-                          <a:solidFill>
-                            <a:schemeClr val="lt1"/>
-                          </a:solidFill>
-                          <a:latin typeface="Arial"/>
-                        </a:defRPr>
-                      </a:lvl6pPr>
-                      <a:lvl7pPr marL="2743200" algn="l" defTabSz="914400" rtl="0" eaLnBrk="1" latinLnBrk="0" hangingPunct="1">
-                        <a:defRPr sz="1800" b="1" kern="1200">
-                          <a:solidFill>
-                            <a:schemeClr val="lt1"/>
-                          </a:solidFill>
-                          <a:latin typeface="Arial"/>
-                        </a:defRPr>
-                      </a:lvl7pPr>
-                      <a:lvl8pPr marL="3200400" algn="l" defTabSz="914400" rtl="0" eaLnBrk="1" latinLnBrk="0" hangingPunct="1">
-                        <a:defRPr sz="1800" b="1" kern="1200">
-                          <a:solidFill>
-                            <a:schemeClr val="lt1"/>
-                          </a:solidFill>
-                          <a:latin typeface="Arial"/>
-                        </a:defRPr>
-                      </a:lvl8pPr>
-                      <a:lvl9pPr marL="3657600" algn="l" defTabSz="914400" rtl="0" eaLnBrk="1" latinLnBrk="0" hangingPunct="1">
-                        <a:defRPr sz="1800" b="1" kern="1200">
-                          <a:solidFill>
-                            <a:schemeClr val="lt1"/>
-                          </a:solidFill>
-                          <a:latin typeface="Arial"/>
-                        </a:defRPr>
-                      </a:lvl9pPr>
-                    </a:lstStyle>
+                    <a:lstStyle/>
                     <a:p>
                       <a:r>
-                        <a:rPr lang="en-US" sz="1200" dirty="0" smtClean="0"/>
+                        <a:rPr lang="en-US" sz="1600" dirty="0" smtClean="0"/>
                         <a:t>Experiences</a:t>
                       </a:r>
-                      <a:endParaRPr lang="en-US" sz="1200" dirty="0"/>
+                      <a:endParaRPr lang="en-US" sz="1600" dirty="0"/>
                     </a:p>
                   </a:txBody>
-                  <a:tcPr marT="34290" marB="34290">
-                    <a:lnL w="12700" cmpd="sng">
-                      <a:solidFill>
-                        <a:srgbClr val="93A299"/>
-                      </a:solidFill>
-                    </a:lnL>
-                    <a:lnR w="12700" cmpd="sng">
-                      <a:solidFill>
-                        <a:srgbClr val="93A299"/>
-                      </a:solidFill>
-                    </a:lnR>
-                    <a:lnT w="12700" cmpd="sng">
-                      <a:solidFill>
-                        <a:srgbClr val="93A299"/>
-                      </a:solidFill>
-                    </a:lnT>
-                    <a:lnB w="12700" cmpd="sng">
-                      <a:solidFill>
-                        <a:srgbClr val="93A299"/>
-                      </a:solidFill>
-                    </a:lnB>
-                    <a:lnTlToBr w="12700" cmpd="sng">
-                      <a:noFill/>
-                      <a:prstDash val="solid"/>
-                    </a:lnTlToBr>
-                    <a:lnBlToTr w="12700" cmpd="sng">
-                      <a:noFill/>
-                      <a:prstDash val="solid"/>
-                    </a:lnBlToTr>
-                    <a:solidFill>
-                      <a:srgbClr val="93A299"/>
-                    </a:solidFill>
-                  </a:tcPr>
+                  <a:tcPr/>
                 </a:tc>
               </a:tr>
-              <a:tr h="278130">
+              <a:tr h="370840">
                 <a:tc>
                   <a:txBody>
                     <a:bodyPr/>
-                    <a:lstStyle>
-                      <a:lvl1pPr marL="0" algn="l" defTabSz="914400" rtl="0" eaLnBrk="1" latinLnBrk="0" hangingPunct="1">
-                        <a:defRPr sz="1800" kern="1200">
-                          <a:solidFill>
-                            <a:schemeClr val="dk1"/>
-                          </a:solidFill>
-                          <a:latin typeface="Arial"/>
-                        </a:defRPr>
-                      </a:lvl1pPr>
-                      <a:lvl2pPr marL="457200" algn="l" defTabSz="914400" rtl="0" eaLnBrk="1" latinLnBrk="0" hangingPunct="1">
-                        <a:defRPr sz="1800" kern="1200">
-                          <a:solidFill>
-                            <a:schemeClr val="dk1"/>
-                          </a:solidFill>
-                          <a:latin typeface="Arial"/>
-                        </a:defRPr>
-                      </a:lvl2pPr>
-                      <a:lvl3pPr marL="914400" algn="l" defTabSz="914400" rtl="0" eaLnBrk="1" latinLnBrk="0" hangingPunct="1">
-                        <a:defRPr sz="1800" kern="1200">
-                          <a:solidFill>
-                            <a:schemeClr val="dk1"/>
-                          </a:solidFill>
-                          <a:latin typeface="Arial"/>
-                        </a:defRPr>
-                      </a:lvl3pPr>
-                      <a:lvl4pPr marL="1371600" algn="l" defTabSz="914400" rtl="0" eaLnBrk="1" latinLnBrk="0" hangingPunct="1">
-                        <a:defRPr sz="1800" kern="1200">
-                          <a:solidFill>
-                            <a:schemeClr val="dk1"/>
-                          </a:solidFill>
-                          <a:latin typeface="Arial"/>
-                        </a:defRPr>
-                      </a:lvl4pPr>
-                      <a:lvl5pPr marL="1828800" algn="l" defTabSz="914400" rtl="0" eaLnBrk="1" latinLnBrk="0" hangingPunct="1">
-                        <a:defRPr sz="1800" kern="1200">
-                          <a:solidFill>
-                            <a:schemeClr val="dk1"/>
-                          </a:solidFill>
-                          <a:latin typeface="Arial"/>
-                        </a:defRPr>
-                      </a:lvl5pPr>
-                      <a:lvl6pPr marL="2286000" algn="l" defTabSz="914400" rtl="0" eaLnBrk="1" latinLnBrk="0" hangingPunct="1">
-                        <a:defRPr sz="1800" kern="1200">
-                          <a:solidFill>
-                            <a:schemeClr val="dk1"/>
-                          </a:solidFill>
-                          <a:latin typeface="Arial"/>
-                        </a:defRPr>
-                      </a:lvl6pPr>
-                      <a:lvl7pPr marL="2743200" algn="l" defTabSz="914400" rtl="0" eaLnBrk="1" latinLnBrk="0" hangingPunct="1">
-                        <a:defRPr sz="1800" kern="1200">
-                          <a:solidFill>
-                            <a:schemeClr val="dk1"/>
-                          </a:solidFill>
-                          <a:latin typeface="Arial"/>
-                        </a:defRPr>
-                      </a:lvl7pPr>
-                      <a:lvl8pPr marL="3200400" algn="l" defTabSz="914400" rtl="0" eaLnBrk="1" latinLnBrk="0" hangingPunct="1">
-                        <a:defRPr sz="1800" kern="1200">
-                          <a:solidFill>
-                            <a:schemeClr val="dk1"/>
-                          </a:solidFill>
-                          <a:latin typeface="Arial"/>
-                        </a:defRPr>
-                      </a:lvl8pPr>
-                      <a:lvl9pPr marL="3657600" algn="l" defTabSz="914400" rtl="0" eaLnBrk="1" latinLnBrk="0" hangingPunct="1">
-                        <a:defRPr sz="1800" kern="1200">
-                          <a:solidFill>
-                            <a:schemeClr val="dk1"/>
-                          </a:solidFill>
-                          <a:latin typeface="Arial"/>
-                        </a:defRPr>
-                      </a:lvl9pPr>
-                    </a:lstStyle>
+                    <a:lstStyle/>
                     <a:p>
                       <a:r>
-                        <a:rPr lang="en-US" sz="1200" dirty="0" smtClean="0">
+                        <a:rPr lang="en-US" sz="1600" dirty="0" smtClean="0">
                           <a:solidFill>
                             <a:srgbClr val="FF0000"/>
                           </a:solidFill>
                         </a:rPr>
                         <a:t>Projects</a:t>
                       </a:r>
-                      <a:endParaRPr lang="en-US" sz="1200" dirty="0">
+                      <a:endParaRPr lang="en-US" sz="1600" dirty="0">
                         <a:solidFill>
                           <a:srgbClr val="FF0000"/>
                         </a:solidFill>
                       </a:endParaRPr>
                     </a:p>
                   </a:txBody>
-                  <a:tcPr marT="34290" marB="34290">
-                    <a:lnL w="12700" cmpd="sng">
-                      <a:solidFill>
-                        <a:srgbClr val="93A299"/>
-                      </a:solidFill>
-                    </a:lnL>
-                    <a:lnR w="12700" cmpd="sng">
-                      <a:solidFill>
-                        <a:srgbClr val="93A299"/>
-                      </a:solidFill>
-                    </a:lnR>
-                    <a:lnT w="12700" cmpd="sng">
-                      <a:solidFill>
-                        <a:srgbClr val="93A299"/>
-                      </a:solidFill>
-                    </a:lnT>
-                    <a:lnB w="12700" cmpd="sng">
-                      <a:solidFill>
-                        <a:srgbClr val="93A299"/>
-                      </a:solidFill>
-                    </a:lnB>
-                    <a:lnTlToBr w="12700" cmpd="sng">
-                      <a:noFill/>
-                      <a:prstDash val="solid"/>
-                    </a:lnTlToBr>
-                    <a:lnBlToTr w="12700" cmpd="sng">
-                      <a:noFill/>
-                      <a:prstDash val="solid"/>
-                    </a:lnBlToTr>
-                    <a:solidFill>
-                      <a:srgbClr val="93A299">
-                        <a:tint val="20000"/>
-                      </a:srgbClr>
-                    </a:solidFill>
-                  </a:tcPr>
+                  <a:tcPr/>
                 </a:tc>
               </a:tr>
-              <a:tr h="278130">
+              <a:tr h="370840">
                 <a:tc>
                   <a:txBody>
                     <a:bodyPr/>
-                    <a:lstStyle>
-                      <a:lvl1pPr marL="0" algn="l" defTabSz="914400" rtl="0" eaLnBrk="1" latinLnBrk="0" hangingPunct="1">
-                        <a:defRPr sz="1800" kern="1200">
-                          <a:solidFill>
-                            <a:schemeClr val="dk1"/>
-                          </a:solidFill>
-                          <a:latin typeface="Arial"/>
-                        </a:defRPr>
-                      </a:lvl1pPr>
-                      <a:lvl2pPr marL="457200" algn="l" defTabSz="914400" rtl="0" eaLnBrk="1" latinLnBrk="0" hangingPunct="1">
-                        <a:defRPr sz="1800" kern="1200">
-                          <a:solidFill>
-                            <a:schemeClr val="dk1"/>
-                          </a:solidFill>
-                          <a:latin typeface="Arial"/>
-                        </a:defRPr>
-                      </a:lvl2pPr>
-                      <a:lvl3pPr marL="914400" algn="l" defTabSz="914400" rtl="0" eaLnBrk="1" latinLnBrk="0" hangingPunct="1">
-                        <a:defRPr sz="1800" kern="1200">
-                          <a:solidFill>
-                            <a:schemeClr val="dk1"/>
-                          </a:solidFill>
-                          <a:latin typeface="Arial"/>
-                        </a:defRPr>
-                      </a:lvl3pPr>
-                      <a:lvl4pPr marL="1371600" algn="l" defTabSz="914400" rtl="0" eaLnBrk="1" latinLnBrk="0" hangingPunct="1">
-                        <a:defRPr sz="1800" kern="1200">
-                          <a:solidFill>
-                            <a:schemeClr val="dk1"/>
-                          </a:solidFill>
-                          <a:latin typeface="Arial"/>
-                        </a:defRPr>
-                      </a:lvl4pPr>
-                      <a:lvl5pPr marL="1828800" algn="l" defTabSz="914400" rtl="0" eaLnBrk="1" latinLnBrk="0" hangingPunct="1">
-                        <a:defRPr sz="1800" kern="1200">
-                          <a:solidFill>
-                            <a:schemeClr val="dk1"/>
-                          </a:solidFill>
-                          <a:latin typeface="Arial"/>
-                        </a:defRPr>
-                      </a:lvl5pPr>
-                      <a:lvl6pPr marL="2286000" algn="l" defTabSz="914400" rtl="0" eaLnBrk="1" latinLnBrk="0" hangingPunct="1">
-                        <a:defRPr sz="1800" kern="1200">
-                          <a:solidFill>
-                            <a:schemeClr val="dk1"/>
-                          </a:solidFill>
-                          <a:latin typeface="Arial"/>
-                        </a:defRPr>
-                      </a:lvl6pPr>
-                      <a:lvl7pPr marL="2743200" algn="l" defTabSz="914400" rtl="0" eaLnBrk="1" latinLnBrk="0" hangingPunct="1">
-                        <a:defRPr sz="1800" kern="1200">
-                          <a:solidFill>
-                            <a:schemeClr val="dk1"/>
-                          </a:solidFill>
-                          <a:latin typeface="Arial"/>
-                        </a:defRPr>
-                      </a:lvl7pPr>
-                      <a:lvl8pPr marL="3200400" algn="l" defTabSz="914400" rtl="0" eaLnBrk="1" latinLnBrk="0" hangingPunct="1">
-                        <a:defRPr sz="1800" kern="1200">
-                          <a:solidFill>
-                            <a:schemeClr val="dk1"/>
-                          </a:solidFill>
-                          <a:latin typeface="Arial"/>
-                        </a:defRPr>
-                      </a:lvl8pPr>
-                      <a:lvl9pPr marL="3657600" algn="l" defTabSz="914400" rtl="0" eaLnBrk="1" latinLnBrk="0" hangingPunct="1">
-                        <a:defRPr sz="1800" kern="1200">
-                          <a:solidFill>
-                            <a:schemeClr val="dk1"/>
-                          </a:solidFill>
-                          <a:latin typeface="Arial"/>
-                        </a:defRPr>
-                      </a:lvl9pPr>
-                    </a:lstStyle>
+                    <a:lstStyle/>
                     <a:p>
                       <a:r>
-                        <a:rPr lang="en-US" sz="1200" dirty="0" smtClean="0">
+                        <a:rPr lang="en-US" sz="1600" dirty="0" smtClean="0">
                           <a:solidFill>
                             <a:srgbClr val="FF0000"/>
                           </a:solidFill>
                         </a:rPr>
-                        <a:t>Trainings</a:t>
+                        <a:t>Trainings (Courses)</a:t>
                       </a:r>
-                      <a:endParaRPr lang="en-US" sz="1200" dirty="0">
+                    </a:p>
+                  </a:txBody>
+                  <a:tcPr/>
+                </a:tc>
+              </a:tr>
+              <a:tr h="370840">
+                <a:tc>
+                  <a:txBody>
+                    <a:bodyPr/>
+                    <a:lstStyle/>
+                    <a:p>
+                      <a:r>
+                        <a:rPr lang="en-US" sz="1600" dirty="0" smtClean="0">
+                          <a:solidFill>
+                            <a:srgbClr val="FF0000"/>
+                          </a:solidFill>
+                        </a:rPr>
+                        <a:t>Activities</a:t>
+                      </a:r>
+                      <a:endParaRPr lang="en-US" sz="1600" dirty="0">
                         <a:solidFill>
                           <a:srgbClr val="FF0000"/>
                         </a:solidFill>
                       </a:endParaRPr>
                     </a:p>
                   </a:txBody>
-                  <a:tcPr marT="34290" marB="34290">
-                    <a:lnL w="12700" cmpd="sng">
-                      <a:solidFill>
-                        <a:srgbClr val="93A299"/>
-                      </a:solidFill>
-                    </a:lnL>
-                    <a:lnR w="12700" cmpd="sng">
-                      <a:solidFill>
-                        <a:srgbClr val="93A299"/>
-                      </a:solidFill>
-                    </a:lnR>
-                    <a:lnT w="12700" cmpd="sng">
-                      <a:solidFill>
-                        <a:srgbClr val="93A299"/>
-                      </a:solidFill>
-                    </a:lnT>
-                    <a:lnB w="12700" cmpd="sng">
-                      <a:solidFill>
-                        <a:srgbClr val="93A299"/>
-                      </a:solidFill>
-                    </a:lnB>
-                    <a:lnTlToBr w="12700" cmpd="sng">
-                      <a:noFill/>
-                      <a:prstDash val="solid"/>
-                    </a:lnTlToBr>
-                    <a:lnBlToTr w="12700" cmpd="sng">
-                      <a:noFill/>
-                      <a:prstDash val="solid"/>
-                    </a:lnBlToTr>
-                    <a:solidFill>
-                      <a:srgbClr val="FFFFFF"/>
-                    </a:solidFill>
-                  </a:tcPr>
+                  <a:tcPr/>
                 </a:tc>
               </a:tr>
-              <a:tr h="278130">
+              <a:tr h="370840">
                 <a:tc>
                   <a:txBody>
                     <a:bodyPr/>
-                    <a:lstStyle>
-                      <a:lvl1pPr marL="0" algn="l" defTabSz="914400" rtl="0" eaLnBrk="1" latinLnBrk="0" hangingPunct="1">
-                        <a:defRPr sz="1800" kern="1200">
-                          <a:solidFill>
-                            <a:schemeClr val="dk1"/>
-                          </a:solidFill>
-                          <a:latin typeface="Arial"/>
-                        </a:defRPr>
-                      </a:lvl1pPr>
-                      <a:lvl2pPr marL="457200" algn="l" defTabSz="914400" rtl="0" eaLnBrk="1" latinLnBrk="0" hangingPunct="1">
-                        <a:defRPr sz="1800" kern="1200">
-                          <a:solidFill>
-                            <a:schemeClr val="dk1"/>
-                          </a:solidFill>
-                          <a:latin typeface="Arial"/>
-                        </a:defRPr>
-                      </a:lvl2pPr>
-                      <a:lvl3pPr marL="914400" algn="l" defTabSz="914400" rtl="0" eaLnBrk="1" latinLnBrk="0" hangingPunct="1">
-                        <a:defRPr sz="1800" kern="1200">
-                          <a:solidFill>
-                            <a:schemeClr val="dk1"/>
-                          </a:solidFill>
-                          <a:latin typeface="Arial"/>
-                        </a:defRPr>
-                      </a:lvl3pPr>
-                      <a:lvl4pPr marL="1371600" algn="l" defTabSz="914400" rtl="0" eaLnBrk="1" latinLnBrk="0" hangingPunct="1">
-                        <a:defRPr sz="1800" kern="1200">
-                          <a:solidFill>
-                            <a:schemeClr val="dk1"/>
-                          </a:solidFill>
-                          <a:latin typeface="Arial"/>
-                        </a:defRPr>
-                      </a:lvl4pPr>
-                      <a:lvl5pPr marL="1828800" algn="l" defTabSz="914400" rtl="0" eaLnBrk="1" latinLnBrk="0" hangingPunct="1">
-                        <a:defRPr sz="1800" kern="1200">
-                          <a:solidFill>
-                            <a:schemeClr val="dk1"/>
-                          </a:solidFill>
-                          <a:latin typeface="Arial"/>
-                        </a:defRPr>
-                      </a:lvl5pPr>
-                      <a:lvl6pPr marL="2286000" algn="l" defTabSz="914400" rtl="0" eaLnBrk="1" latinLnBrk="0" hangingPunct="1">
-                        <a:defRPr sz="1800" kern="1200">
-                          <a:solidFill>
-                            <a:schemeClr val="dk1"/>
-                          </a:solidFill>
-                          <a:latin typeface="Arial"/>
-                        </a:defRPr>
-                      </a:lvl6pPr>
-                      <a:lvl7pPr marL="2743200" algn="l" defTabSz="914400" rtl="0" eaLnBrk="1" latinLnBrk="0" hangingPunct="1">
-                        <a:defRPr sz="1800" kern="1200">
-                          <a:solidFill>
-                            <a:schemeClr val="dk1"/>
-                          </a:solidFill>
-                          <a:latin typeface="Arial"/>
-                        </a:defRPr>
-                      </a:lvl7pPr>
-                      <a:lvl8pPr marL="3200400" algn="l" defTabSz="914400" rtl="0" eaLnBrk="1" latinLnBrk="0" hangingPunct="1">
-                        <a:defRPr sz="1800" kern="1200">
-                          <a:solidFill>
-                            <a:schemeClr val="dk1"/>
-                          </a:solidFill>
-                          <a:latin typeface="Arial"/>
-                        </a:defRPr>
-                      </a:lvl8pPr>
-                      <a:lvl9pPr marL="3657600" algn="l" defTabSz="914400" rtl="0" eaLnBrk="1" latinLnBrk="0" hangingPunct="1">
-                        <a:defRPr sz="1800" kern="1200">
-                          <a:solidFill>
-                            <a:schemeClr val="dk1"/>
-                          </a:solidFill>
-                          <a:latin typeface="Arial"/>
-                        </a:defRPr>
-                      </a:lvl9pPr>
-                    </a:lstStyle>
+                    <a:lstStyle/>
                     <a:p>
                       <a:r>
-                        <a:rPr lang="en-US" sz="1200" dirty="0" smtClean="0">
+                        <a:rPr lang="en-US" sz="1600" dirty="0" smtClean="0">
                           <a:solidFill>
-                            <a:srgbClr val="FF0000"/>
+                            <a:srgbClr val="0070C0"/>
                           </a:solidFill>
                         </a:rPr>
-                        <a:t>Activities</a:t>
+                        <a:t>Others</a:t>
                       </a:r>
-                      <a:endParaRPr lang="en-US" sz="1200" dirty="0">
+                      <a:endParaRPr lang="en-US" sz="1600" dirty="0">
                         <a:solidFill>
-                          <a:srgbClr val="FF0000"/>
+                          <a:srgbClr val="0070C0"/>
                         </a:solidFill>
                       </a:endParaRPr>
                     </a:p>
                   </a:txBody>
-                  <a:tcPr marT="34290" marB="34290">
-                    <a:lnL w="12700" cmpd="sng">
-                      <a:solidFill>
-                        <a:srgbClr val="93A299"/>
-                      </a:solidFill>
-                    </a:lnL>
-                    <a:lnR w="12700" cmpd="sng">
-                      <a:solidFill>
-                        <a:srgbClr val="93A299"/>
-                      </a:solidFill>
-                    </a:lnR>
-                    <a:lnT w="12700" cmpd="sng">
-                      <a:solidFill>
-                        <a:srgbClr val="93A299"/>
-                      </a:solidFill>
-                    </a:lnT>
-                    <a:lnB w="12700" cmpd="sng">
-                      <a:solidFill>
-                        <a:srgbClr val="93A299"/>
-                      </a:solidFill>
-                    </a:lnB>
-                    <a:lnTlToBr w="12700" cmpd="sng">
-                      <a:noFill/>
-                      <a:prstDash val="solid"/>
-                    </a:lnTlToBr>
-                    <a:lnBlToTr w="12700" cmpd="sng">
-                      <a:noFill/>
-                      <a:prstDash val="solid"/>
-                    </a:lnBlToTr>
-                    <a:solidFill>
-                      <a:srgbClr val="93A299">
-                        <a:tint val="20000"/>
-                      </a:srgbClr>
-                    </a:solidFill>
-                  </a:tcPr>
+                  <a:tcPr/>
                 </a:tc>
               </a:tr>
             </a:tbl>
@@ -20326,1298 +16632,393 @@
       </p:graphicFrame>
       <p:graphicFrame>
         <p:nvGraphicFramePr>
-          <p:cNvPr id="24" name="Content Placeholder 3"/>
+          <p:cNvPr id="34" name="Content Placeholder 3"/>
           <p:cNvGraphicFramePr>
             <a:graphicFrameLocks/>
           </p:cNvGraphicFramePr>
           <p:nvPr>
             <p:extLst>
               <p:ext uri="{D42A27DB-BD31-4B8C-83A1-F6EECF244321}">
-                <p14:modId xmlns:p14="http://schemas.microsoft.com/office/powerpoint/2010/main" val="1117041152"/>
+                <p14:modId xmlns:p14="http://schemas.microsoft.com/office/powerpoint/2010/main" val="2955394619"/>
               </p:ext>
             </p:extLst>
           </p:nvPr>
         </p:nvGraphicFramePr>
         <p:xfrm>
-          <a:off x="2286000" y="4286250"/>
-          <a:ext cx="2216468" cy="556260"/>
+          <a:off x="-13855" y="-19050"/>
+          <a:ext cx="2216468" cy="2966720"/>
         </p:xfrm>
         <a:graphic>
           <a:graphicData uri="http://schemas.openxmlformats.org/drawingml/2006/table">
             <a:tbl>
-              <a:tblPr firstRow="1" bandRow="1"/>
+              <a:tblPr firstRow="1" bandRow="1">
+                <a:tableStyleId>{B301B821-A1FF-4177-AEE7-76D212191A09}</a:tableStyleId>
+              </a:tblPr>
               <a:tblGrid>
                 <a:gridCol w="2216468"/>
               </a:tblGrid>
-              <a:tr h="278130">
+              <a:tr h="370840">
                 <a:tc>
                   <a:txBody>
                     <a:bodyPr/>
-                    <a:lstStyle>
-                      <a:lvl1pPr marL="0" algn="l" defTabSz="914400" rtl="0" eaLnBrk="1" latinLnBrk="0" hangingPunct="1">
-                        <a:defRPr sz="1800" b="1" kern="1200">
-                          <a:solidFill>
-                            <a:schemeClr val="lt1"/>
-                          </a:solidFill>
-                          <a:latin typeface="Arial"/>
-                        </a:defRPr>
-                      </a:lvl1pPr>
-                      <a:lvl2pPr marL="457200" algn="l" defTabSz="914400" rtl="0" eaLnBrk="1" latinLnBrk="0" hangingPunct="1">
-                        <a:defRPr sz="1800" b="1" kern="1200">
-                          <a:solidFill>
-                            <a:schemeClr val="lt1"/>
-                          </a:solidFill>
-                          <a:latin typeface="Arial"/>
-                        </a:defRPr>
-                      </a:lvl2pPr>
-                      <a:lvl3pPr marL="914400" algn="l" defTabSz="914400" rtl="0" eaLnBrk="1" latinLnBrk="0" hangingPunct="1">
-                        <a:defRPr sz="1800" b="1" kern="1200">
-                          <a:solidFill>
-                            <a:schemeClr val="lt1"/>
-                          </a:solidFill>
-                          <a:latin typeface="Arial"/>
-                        </a:defRPr>
-                      </a:lvl3pPr>
-                      <a:lvl4pPr marL="1371600" algn="l" defTabSz="914400" rtl="0" eaLnBrk="1" latinLnBrk="0" hangingPunct="1">
-                        <a:defRPr sz="1800" b="1" kern="1200">
-                          <a:solidFill>
-                            <a:schemeClr val="lt1"/>
-                          </a:solidFill>
-                          <a:latin typeface="Arial"/>
-                        </a:defRPr>
-                      </a:lvl4pPr>
-                      <a:lvl5pPr marL="1828800" algn="l" defTabSz="914400" rtl="0" eaLnBrk="1" latinLnBrk="0" hangingPunct="1">
-                        <a:defRPr sz="1800" b="1" kern="1200">
-                          <a:solidFill>
-                            <a:schemeClr val="lt1"/>
-                          </a:solidFill>
-                          <a:latin typeface="Arial"/>
-                        </a:defRPr>
-                      </a:lvl5pPr>
-                      <a:lvl6pPr marL="2286000" algn="l" defTabSz="914400" rtl="0" eaLnBrk="1" latinLnBrk="0" hangingPunct="1">
-                        <a:defRPr sz="1800" b="1" kern="1200">
-                          <a:solidFill>
-                            <a:schemeClr val="lt1"/>
-                          </a:solidFill>
-                          <a:latin typeface="Arial"/>
-                        </a:defRPr>
-                      </a:lvl6pPr>
-                      <a:lvl7pPr marL="2743200" algn="l" defTabSz="914400" rtl="0" eaLnBrk="1" latinLnBrk="0" hangingPunct="1">
-                        <a:defRPr sz="1800" b="1" kern="1200">
-                          <a:solidFill>
-                            <a:schemeClr val="lt1"/>
-                          </a:solidFill>
-                          <a:latin typeface="Arial"/>
-                        </a:defRPr>
-                      </a:lvl7pPr>
-                      <a:lvl8pPr marL="3200400" algn="l" defTabSz="914400" rtl="0" eaLnBrk="1" latinLnBrk="0" hangingPunct="1">
-                        <a:defRPr sz="1800" b="1" kern="1200">
-                          <a:solidFill>
-                            <a:schemeClr val="lt1"/>
-                          </a:solidFill>
-                          <a:latin typeface="Arial"/>
-                        </a:defRPr>
-                      </a:lvl8pPr>
-                      <a:lvl9pPr marL="3657600" algn="l" defTabSz="914400" rtl="0" eaLnBrk="1" latinLnBrk="0" hangingPunct="1">
-                        <a:defRPr sz="1800" b="1" kern="1200">
-                          <a:solidFill>
-                            <a:schemeClr val="lt1"/>
-                          </a:solidFill>
-                          <a:latin typeface="Arial"/>
-                        </a:defRPr>
-                      </a:lvl9pPr>
-                    </a:lstStyle>
+                    <a:lstStyle/>
                     <a:p>
                       <a:r>
-                        <a:rPr lang="en-US" sz="1200" dirty="0" smtClean="0"/>
-                        <a:t>Skills</a:t>
+                        <a:rPr lang="en-US" sz="1600" dirty="0" smtClean="0"/>
+                        <a:t>Basic info</a:t>
                       </a:r>
-                      <a:endParaRPr lang="en-US" sz="1200" dirty="0"/>
+                      <a:endParaRPr lang="en-US" sz="1600" dirty="0"/>
                     </a:p>
                   </a:txBody>
-                  <a:tcPr marT="34290" marB="34290">
-                    <a:lnL w="12700" cmpd="sng">
-                      <a:solidFill>
-                        <a:srgbClr val="93A299"/>
-                      </a:solidFill>
-                    </a:lnL>
-                    <a:lnR w="12700" cmpd="sng">
-                      <a:solidFill>
-                        <a:srgbClr val="93A299"/>
-                      </a:solidFill>
-                    </a:lnR>
-                    <a:lnT w="12700" cmpd="sng">
-                      <a:solidFill>
-                        <a:srgbClr val="93A299"/>
-                      </a:solidFill>
-                    </a:lnT>
-                    <a:lnB w="12700" cmpd="sng">
-                      <a:solidFill>
-                        <a:srgbClr val="93A299"/>
-                      </a:solidFill>
-                    </a:lnB>
-                    <a:lnTlToBr w="12700" cmpd="sng">
-                      <a:noFill/>
-                      <a:prstDash val="solid"/>
-                    </a:lnTlToBr>
-                    <a:lnBlToTr w="12700" cmpd="sng">
-                      <a:noFill/>
-                      <a:prstDash val="solid"/>
-                    </a:lnBlToTr>
-                    <a:solidFill>
-                      <a:srgbClr val="93A299"/>
-                    </a:solidFill>
-                  </a:tcPr>
+                  <a:tcPr/>
                 </a:tc>
               </a:tr>
-              <a:tr h="278130">
+              <a:tr h="370840">
                 <a:tc>
                   <a:txBody>
                     <a:bodyPr/>
-                    <a:lstStyle>
-                      <a:lvl1pPr marL="0" algn="l" defTabSz="914400" rtl="0" eaLnBrk="1" latinLnBrk="0" hangingPunct="1">
-                        <a:defRPr sz="1800" kern="1200">
-                          <a:solidFill>
-                            <a:schemeClr val="dk1"/>
-                          </a:solidFill>
-                          <a:latin typeface="Arial"/>
-                        </a:defRPr>
-                      </a:lvl1pPr>
-                      <a:lvl2pPr marL="457200" algn="l" defTabSz="914400" rtl="0" eaLnBrk="1" latinLnBrk="0" hangingPunct="1">
-                        <a:defRPr sz="1800" kern="1200">
-                          <a:solidFill>
-                            <a:schemeClr val="dk1"/>
-                          </a:solidFill>
-                          <a:latin typeface="Arial"/>
-                        </a:defRPr>
-                      </a:lvl2pPr>
-                      <a:lvl3pPr marL="914400" algn="l" defTabSz="914400" rtl="0" eaLnBrk="1" latinLnBrk="0" hangingPunct="1">
-                        <a:defRPr sz="1800" kern="1200">
-                          <a:solidFill>
-                            <a:schemeClr val="dk1"/>
-                          </a:solidFill>
-                          <a:latin typeface="Arial"/>
-                        </a:defRPr>
-                      </a:lvl3pPr>
-                      <a:lvl4pPr marL="1371600" algn="l" defTabSz="914400" rtl="0" eaLnBrk="1" latinLnBrk="0" hangingPunct="1">
-                        <a:defRPr sz="1800" kern="1200">
-                          <a:solidFill>
-                            <a:schemeClr val="dk1"/>
-                          </a:solidFill>
-                          <a:latin typeface="Arial"/>
-                        </a:defRPr>
-                      </a:lvl4pPr>
-                      <a:lvl5pPr marL="1828800" algn="l" defTabSz="914400" rtl="0" eaLnBrk="1" latinLnBrk="0" hangingPunct="1">
-                        <a:defRPr sz="1800" kern="1200">
-                          <a:solidFill>
-                            <a:schemeClr val="dk1"/>
-                          </a:solidFill>
-                          <a:latin typeface="Arial"/>
-                        </a:defRPr>
-                      </a:lvl5pPr>
-                      <a:lvl6pPr marL="2286000" algn="l" defTabSz="914400" rtl="0" eaLnBrk="1" latinLnBrk="0" hangingPunct="1">
-                        <a:defRPr sz="1800" kern="1200">
-                          <a:solidFill>
-                            <a:schemeClr val="dk1"/>
-                          </a:solidFill>
-                          <a:latin typeface="Arial"/>
-                        </a:defRPr>
-                      </a:lvl6pPr>
-                      <a:lvl7pPr marL="2743200" algn="l" defTabSz="914400" rtl="0" eaLnBrk="1" latinLnBrk="0" hangingPunct="1">
-                        <a:defRPr sz="1800" kern="1200">
-                          <a:solidFill>
-                            <a:schemeClr val="dk1"/>
-                          </a:solidFill>
-                          <a:latin typeface="Arial"/>
-                        </a:defRPr>
-                      </a:lvl7pPr>
-                      <a:lvl8pPr marL="3200400" algn="l" defTabSz="914400" rtl="0" eaLnBrk="1" latinLnBrk="0" hangingPunct="1">
-                        <a:defRPr sz="1800" kern="1200">
-                          <a:solidFill>
-                            <a:schemeClr val="dk1"/>
-                          </a:solidFill>
-                          <a:latin typeface="Arial"/>
-                        </a:defRPr>
-                      </a:lvl8pPr>
-                      <a:lvl9pPr marL="3657600" algn="l" defTabSz="914400" rtl="0" eaLnBrk="1" latinLnBrk="0" hangingPunct="1">
-                        <a:defRPr sz="1800" kern="1200">
-                          <a:solidFill>
-                            <a:schemeClr val="dk1"/>
-                          </a:solidFill>
-                          <a:latin typeface="Arial"/>
-                        </a:defRPr>
-                      </a:lvl9pPr>
-                    </a:lstStyle>
+                    <a:lstStyle/>
                     <a:p>
                       <a:r>
-                        <a:rPr lang="en-US" sz="1200" dirty="0" smtClean="0">
+                        <a:rPr lang="en-US" sz="1600" dirty="0" smtClean="0"/>
+                        <a:t>Full name</a:t>
+                      </a:r>
+                      <a:endParaRPr lang="en-US" sz="1600" dirty="0"/>
+                    </a:p>
+                  </a:txBody>
+                  <a:tcPr/>
+                </a:tc>
+              </a:tr>
+              <a:tr h="370840">
+                <a:tc>
+                  <a:txBody>
+                    <a:bodyPr/>
+                    <a:lstStyle/>
+                    <a:p>
+                      <a:r>
+                        <a:rPr lang="en-US" sz="1600" dirty="0" smtClean="0"/>
+                        <a:t>Date of birth</a:t>
+                      </a:r>
+                      <a:endParaRPr lang="en-US" sz="1600" dirty="0"/>
+                    </a:p>
+                  </a:txBody>
+                  <a:tcPr/>
+                </a:tc>
+              </a:tr>
+              <a:tr h="370840">
+                <a:tc>
+                  <a:txBody>
+                    <a:bodyPr/>
+                    <a:lstStyle/>
+                    <a:p>
+                      <a:r>
+                        <a:rPr lang="en-US" sz="1600" dirty="0" smtClean="0"/>
+                        <a:t>Citizenship</a:t>
+                      </a:r>
+                      <a:endParaRPr lang="en-US" sz="1600" dirty="0"/>
+                    </a:p>
+                  </a:txBody>
+                  <a:tcPr/>
+                </a:tc>
+              </a:tr>
+              <a:tr h="370840">
+                <a:tc>
+                  <a:txBody>
+                    <a:bodyPr/>
+                    <a:lstStyle/>
+                    <a:p>
+                      <a:r>
+                        <a:rPr lang="en-US" sz="1600" dirty="0" smtClean="0"/>
+                        <a:t>City</a:t>
+                      </a:r>
+                      <a:endParaRPr lang="en-US" sz="1600" dirty="0"/>
+                    </a:p>
+                  </a:txBody>
+                  <a:tcPr/>
+                </a:tc>
+              </a:tr>
+              <a:tr h="370840">
+                <a:tc>
+                  <a:txBody>
+                    <a:bodyPr/>
+                    <a:lstStyle/>
+                    <a:p>
+                      <a:r>
+                        <a:rPr lang="en-US" sz="1600" dirty="0" smtClean="0"/>
+                        <a:t>Address</a:t>
+                      </a:r>
+                      <a:endParaRPr lang="en-US" sz="1600" dirty="0"/>
+                    </a:p>
+                  </a:txBody>
+                  <a:tcPr/>
+                </a:tc>
+              </a:tr>
+              <a:tr h="370840">
+                <a:tc>
+                  <a:txBody>
+                    <a:bodyPr/>
+                    <a:lstStyle/>
+                    <a:p>
+                      <a:r>
+                        <a:rPr lang="en-US" sz="1600" dirty="0" smtClean="0"/>
+                        <a:t>Marital</a:t>
+                      </a:r>
+                      <a:r>
+                        <a:rPr lang="en-US" sz="1600" baseline="0" dirty="0" smtClean="0"/>
+                        <a:t> status</a:t>
+                      </a:r>
+                      <a:endParaRPr lang="en-US" sz="1600" dirty="0"/>
+                    </a:p>
+                  </a:txBody>
+                  <a:tcPr/>
+                </a:tc>
+              </a:tr>
+              <a:tr h="370840">
+                <a:tc>
+                  <a:txBody>
+                    <a:bodyPr/>
+                    <a:lstStyle/>
+                    <a:p>
+                      <a:r>
+                        <a:rPr lang="en-US" sz="1600" dirty="0" smtClean="0"/>
+                        <a:t>Picture</a:t>
+                      </a:r>
+                      <a:endParaRPr lang="en-US" sz="1600" dirty="0"/>
+                    </a:p>
+                  </a:txBody>
+                  <a:tcPr/>
+                </a:tc>
+              </a:tr>
+            </a:tbl>
+          </a:graphicData>
+        </a:graphic>
+      </p:graphicFrame>
+      <p:sp>
+        <p:nvSpPr>
+          <p:cNvPr id="35" name="Down Arrow 34"/>
+          <p:cNvSpPr/>
+          <p:nvPr/>
+        </p:nvSpPr>
+        <p:spPr>
+          <a:xfrm>
+            <a:off x="5548745" y="2876550"/>
+            <a:ext cx="381000" cy="990600"/>
+          </a:xfrm>
+          <a:prstGeom prst="downArrow">
+            <a:avLst/>
+          </a:prstGeom>
+        </p:spPr>
+        <p:style>
+          <a:lnRef idx="2">
+            <a:schemeClr val="accent1">
+              <a:shade val="50000"/>
+            </a:schemeClr>
+          </a:lnRef>
+          <a:fillRef idx="1">
+            <a:schemeClr val="accent1"/>
+          </a:fillRef>
+          <a:effectRef idx="0">
+            <a:schemeClr val="accent1"/>
+          </a:effectRef>
+          <a:fontRef idx="minor">
+            <a:schemeClr val="lt1"/>
+          </a:fontRef>
+        </p:style>
+        <p:txBody>
+          <a:bodyPr rtlCol="0" anchor="ctr"/>
+          <a:lstStyle/>
+          <a:p>
+            <a:pPr algn="ctr"/>
+            <a:endParaRPr lang="en-US"/>
+          </a:p>
+        </p:txBody>
+      </p:sp>
+      <p:sp>
+        <p:nvSpPr>
+          <p:cNvPr id="36" name="Down Arrow 35"/>
+          <p:cNvSpPr/>
+          <p:nvPr/>
+        </p:nvSpPr>
+        <p:spPr>
+          <a:xfrm>
+            <a:off x="7072745" y="3105150"/>
+            <a:ext cx="381000" cy="762000"/>
+          </a:xfrm>
+          <a:prstGeom prst="downArrow">
+            <a:avLst/>
+          </a:prstGeom>
+        </p:spPr>
+        <p:style>
+          <a:lnRef idx="2">
+            <a:schemeClr val="accent1">
+              <a:shade val="50000"/>
+            </a:schemeClr>
+          </a:lnRef>
+          <a:fillRef idx="1">
+            <a:schemeClr val="accent1"/>
+          </a:fillRef>
+          <a:effectRef idx="0">
+            <a:schemeClr val="accent1"/>
+          </a:effectRef>
+          <a:fontRef idx="minor">
+            <a:schemeClr val="lt1"/>
+          </a:fontRef>
+        </p:style>
+        <p:txBody>
+          <a:bodyPr rtlCol="0" anchor="ctr"/>
+          <a:lstStyle/>
+          <a:p>
+            <a:pPr algn="ctr"/>
+            <a:endParaRPr lang="en-US"/>
+          </a:p>
+        </p:txBody>
+      </p:sp>
+      <p:graphicFrame>
+        <p:nvGraphicFramePr>
+          <p:cNvPr id="37" name="Content Placeholder 3"/>
+          <p:cNvGraphicFramePr>
+            <a:graphicFrameLocks/>
+          </p:cNvGraphicFramePr>
+          <p:nvPr>
+            <p:extLst>
+              <p:ext uri="{D42A27DB-BD31-4B8C-83A1-F6EECF244321}">
+                <p14:modId xmlns:p14="http://schemas.microsoft.com/office/powerpoint/2010/main" val="2383969231"/>
+              </p:ext>
+            </p:extLst>
+          </p:nvPr>
+        </p:nvGraphicFramePr>
+        <p:xfrm>
+          <a:off x="2272145" y="4126230"/>
+          <a:ext cx="2216468" cy="1341120"/>
+        </p:xfrm>
+        <a:graphic>
+          <a:graphicData uri="http://schemas.openxmlformats.org/drawingml/2006/table">
+            <a:tbl>
+              <a:tblPr firstRow="1" bandRow="1">
+                <a:tableStyleId>{B301B821-A1FF-4177-AEE7-76D212191A09}</a:tableStyleId>
+              </a:tblPr>
+              <a:tblGrid>
+                <a:gridCol w="2216468"/>
+              </a:tblGrid>
+              <a:tr h="180340">
+                <a:tc>
+                  <a:txBody>
+                    <a:bodyPr/>
+                    <a:lstStyle/>
+                    <a:p>
+                      <a:r>
+                        <a:rPr lang="en-US" sz="1600" dirty="0" smtClean="0"/>
+                        <a:t>Abilities / Skills</a:t>
+                      </a:r>
+                      <a:endParaRPr lang="en-US" sz="1600" dirty="0"/>
+                    </a:p>
+                  </a:txBody>
+                  <a:tcPr/>
+                </a:tc>
+              </a:tr>
+              <a:tr h="180340">
+                <a:tc>
+                  <a:txBody>
+                    <a:bodyPr/>
+                    <a:lstStyle/>
+                    <a:p>
+                      <a:r>
+                        <a:rPr lang="en-US" sz="1600" dirty="0" smtClean="0">
                           <a:solidFill>
                             <a:srgbClr val="FF0000"/>
                           </a:solidFill>
                         </a:rPr>
-                        <a:t>Skills</a:t>
+                        <a:t>Fields</a:t>
                       </a:r>
-                      <a:endParaRPr lang="en-US" sz="1200" dirty="0">
+                      <a:endParaRPr lang="en-US" sz="1600" dirty="0">
                         <a:solidFill>
                           <a:srgbClr val="FF0000"/>
                         </a:solidFill>
                       </a:endParaRPr>
                     </a:p>
                   </a:txBody>
-                  <a:tcPr marT="34290" marB="34290">
-                    <a:lnL w="12700" cmpd="sng">
-                      <a:solidFill>
-                        <a:srgbClr val="93A299"/>
-                      </a:solidFill>
-                    </a:lnL>
-                    <a:lnR w="12700" cmpd="sng">
-                      <a:solidFill>
-                        <a:srgbClr val="93A299"/>
-                      </a:solidFill>
-                    </a:lnR>
-                    <a:lnT w="12700" cmpd="sng">
-                      <a:solidFill>
-                        <a:srgbClr val="93A299"/>
-                      </a:solidFill>
-                    </a:lnT>
-                    <a:lnB w="12700" cmpd="sng">
-                      <a:solidFill>
-                        <a:srgbClr val="93A299"/>
-                      </a:solidFill>
-                    </a:lnB>
-                    <a:lnTlToBr w="12700" cmpd="sng">
-                      <a:noFill/>
-                      <a:prstDash val="solid"/>
-                    </a:lnTlToBr>
-                    <a:lnBlToTr w="12700" cmpd="sng">
-                      <a:noFill/>
-                      <a:prstDash val="solid"/>
-                    </a:lnBlToTr>
-                    <a:solidFill>
-                      <a:srgbClr val="93A299">
-                        <a:tint val="20000"/>
-                      </a:srgbClr>
-                    </a:solidFill>
-                  </a:tcPr>
+                  <a:tcPr/>
+                </a:tc>
+              </a:tr>
+              <a:tr h="180340">
+                <a:tc>
+                  <a:txBody>
+                    <a:bodyPr/>
+                    <a:lstStyle/>
+                    <a:p>
+                      <a:r>
+                        <a:rPr lang="en-US" sz="1600" dirty="0" smtClean="0">
+                          <a:solidFill>
+                            <a:srgbClr val="FF0000"/>
+                          </a:solidFill>
+                        </a:rPr>
+                        <a:t>Details</a:t>
+                      </a:r>
+                    </a:p>
+                  </a:txBody>
+                  <a:tcPr/>
+                </a:tc>
+              </a:tr>
+              <a:tr h="180340">
+                <a:tc>
+                  <a:txBody>
+                    <a:bodyPr/>
+                    <a:lstStyle/>
+                    <a:p>
+                      <a:r>
+                        <a:rPr lang="en-US" sz="1600" dirty="0" smtClean="0">
+                          <a:solidFill>
+                            <a:srgbClr val="0070C0"/>
+                          </a:solidFill>
+                        </a:rPr>
+                        <a:t>Others</a:t>
+                      </a:r>
+                    </a:p>
+                  </a:txBody>
+                  <a:tcPr/>
                 </a:tc>
               </a:tr>
             </a:tbl>
           </a:graphicData>
         </a:graphic>
       </p:graphicFrame>
-      <p:graphicFrame>
-        <p:nvGraphicFramePr>
-          <p:cNvPr id="25" name="Content Placeholder 3"/>
-          <p:cNvGraphicFramePr>
-            <a:graphicFrameLocks/>
-          </p:cNvGraphicFramePr>
-          <p:nvPr>
-            <p:extLst>
-              <p:ext uri="{D42A27DB-BD31-4B8C-83A1-F6EECF244321}">
-                <p14:modId xmlns:p14="http://schemas.microsoft.com/office/powerpoint/2010/main" val="2213441812"/>
-              </p:ext>
-            </p:extLst>
-          </p:nvPr>
-        </p:nvGraphicFramePr>
-        <p:xfrm>
-          <a:off x="0" y="1028700"/>
-          <a:ext cx="2216468" cy="1946910"/>
-        </p:xfrm>
-        <a:graphic>
-          <a:graphicData uri="http://schemas.openxmlformats.org/drawingml/2006/table">
-            <a:tbl>
-              <a:tblPr firstRow="1" bandRow="1"/>
-              <a:tblGrid>
-                <a:gridCol w="2216468"/>
-              </a:tblGrid>
-              <a:tr h="278130">
-                <a:tc>
-                  <a:txBody>
-                    <a:bodyPr/>
-                    <a:lstStyle>
-                      <a:lvl1pPr marL="0" algn="l" defTabSz="914400" rtl="0" eaLnBrk="1" latinLnBrk="0" hangingPunct="1">
-                        <a:defRPr sz="1800" b="1" kern="1200">
-                          <a:solidFill>
-                            <a:schemeClr val="lt1"/>
-                          </a:solidFill>
-                          <a:latin typeface="Arial"/>
-                        </a:defRPr>
-                      </a:lvl1pPr>
-                      <a:lvl2pPr marL="457200" algn="l" defTabSz="914400" rtl="0" eaLnBrk="1" latinLnBrk="0" hangingPunct="1">
-                        <a:defRPr sz="1800" b="1" kern="1200">
-                          <a:solidFill>
-                            <a:schemeClr val="lt1"/>
-                          </a:solidFill>
-                          <a:latin typeface="Arial"/>
-                        </a:defRPr>
-                      </a:lvl2pPr>
-                      <a:lvl3pPr marL="914400" algn="l" defTabSz="914400" rtl="0" eaLnBrk="1" latinLnBrk="0" hangingPunct="1">
-                        <a:defRPr sz="1800" b="1" kern="1200">
-                          <a:solidFill>
-                            <a:schemeClr val="lt1"/>
-                          </a:solidFill>
-                          <a:latin typeface="Arial"/>
-                        </a:defRPr>
-                      </a:lvl3pPr>
-                      <a:lvl4pPr marL="1371600" algn="l" defTabSz="914400" rtl="0" eaLnBrk="1" latinLnBrk="0" hangingPunct="1">
-                        <a:defRPr sz="1800" b="1" kern="1200">
-                          <a:solidFill>
-                            <a:schemeClr val="lt1"/>
-                          </a:solidFill>
-                          <a:latin typeface="Arial"/>
-                        </a:defRPr>
-                      </a:lvl4pPr>
-                      <a:lvl5pPr marL="1828800" algn="l" defTabSz="914400" rtl="0" eaLnBrk="1" latinLnBrk="0" hangingPunct="1">
-                        <a:defRPr sz="1800" b="1" kern="1200">
-                          <a:solidFill>
-                            <a:schemeClr val="lt1"/>
-                          </a:solidFill>
-                          <a:latin typeface="Arial"/>
-                        </a:defRPr>
-                      </a:lvl5pPr>
-                      <a:lvl6pPr marL="2286000" algn="l" defTabSz="914400" rtl="0" eaLnBrk="1" latinLnBrk="0" hangingPunct="1">
-                        <a:defRPr sz="1800" b="1" kern="1200">
-                          <a:solidFill>
-                            <a:schemeClr val="lt1"/>
-                          </a:solidFill>
-                          <a:latin typeface="Arial"/>
-                        </a:defRPr>
-                      </a:lvl6pPr>
-                      <a:lvl7pPr marL="2743200" algn="l" defTabSz="914400" rtl="0" eaLnBrk="1" latinLnBrk="0" hangingPunct="1">
-                        <a:defRPr sz="1800" b="1" kern="1200">
-                          <a:solidFill>
-                            <a:schemeClr val="lt1"/>
-                          </a:solidFill>
-                          <a:latin typeface="Arial"/>
-                        </a:defRPr>
-                      </a:lvl7pPr>
-                      <a:lvl8pPr marL="3200400" algn="l" defTabSz="914400" rtl="0" eaLnBrk="1" latinLnBrk="0" hangingPunct="1">
-                        <a:defRPr sz="1800" b="1" kern="1200">
-                          <a:solidFill>
-                            <a:schemeClr val="lt1"/>
-                          </a:solidFill>
-                          <a:latin typeface="Arial"/>
-                        </a:defRPr>
-                      </a:lvl8pPr>
-                      <a:lvl9pPr marL="3657600" algn="l" defTabSz="914400" rtl="0" eaLnBrk="1" latinLnBrk="0" hangingPunct="1">
-                        <a:defRPr sz="1800" b="1" kern="1200">
-                          <a:solidFill>
-                            <a:schemeClr val="lt1"/>
-                          </a:solidFill>
-                          <a:latin typeface="Arial"/>
-                        </a:defRPr>
-                      </a:lvl9pPr>
-                    </a:lstStyle>
-                    <a:p>
-                      <a:r>
-                        <a:rPr lang="en-US" sz="1200" dirty="0" smtClean="0"/>
-                        <a:t>Basic info</a:t>
-                      </a:r>
-                      <a:endParaRPr lang="en-US" sz="1200" dirty="0"/>
-                    </a:p>
-                  </a:txBody>
-                  <a:tcPr marT="34290" marB="34290">
-                    <a:lnL w="12700" cmpd="sng">
-                      <a:solidFill>
-                        <a:srgbClr val="93A299"/>
-                      </a:solidFill>
-                    </a:lnL>
-                    <a:lnR w="12700" cmpd="sng">
-                      <a:solidFill>
-                        <a:srgbClr val="93A299"/>
-                      </a:solidFill>
-                    </a:lnR>
-                    <a:lnT w="12700" cmpd="sng">
-                      <a:solidFill>
-                        <a:srgbClr val="93A299"/>
-                      </a:solidFill>
-                    </a:lnT>
-                    <a:lnB w="12700" cmpd="sng">
-                      <a:solidFill>
-                        <a:srgbClr val="93A299"/>
-                      </a:solidFill>
-                    </a:lnB>
-                    <a:lnTlToBr w="12700" cmpd="sng">
-                      <a:noFill/>
-                      <a:prstDash val="solid"/>
-                    </a:lnTlToBr>
-                    <a:lnBlToTr w="12700" cmpd="sng">
-                      <a:noFill/>
-                      <a:prstDash val="solid"/>
-                    </a:lnBlToTr>
-                    <a:solidFill>
-                      <a:srgbClr val="93A299"/>
-                    </a:solidFill>
-                  </a:tcPr>
-                </a:tc>
-              </a:tr>
-              <a:tr h="278130">
-                <a:tc>
-                  <a:txBody>
-                    <a:bodyPr/>
-                    <a:lstStyle>
-                      <a:lvl1pPr marL="0" algn="l" defTabSz="914400" rtl="0" eaLnBrk="1" latinLnBrk="0" hangingPunct="1">
-                        <a:defRPr sz="1800" kern="1200">
-                          <a:solidFill>
-                            <a:schemeClr val="dk1"/>
-                          </a:solidFill>
-                          <a:latin typeface="Arial"/>
-                        </a:defRPr>
-                      </a:lvl1pPr>
-                      <a:lvl2pPr marL="457200" algn="l" defTabSz="914400" rtl="0" eaLnBrk="1" latinLnBrk="0" hangingPunct="1">
-                        <a:defRPr sz="1800" kern="1200">
-                          <a:solidFill>
-                            <a:schemeClr val="dk1"/>
-                          </a:solidFill>
-                          <a:latin typeface="Arial"/>
-                        </a:defRPr>
-                      </a:lvl2pPr>
-                      <a:lvl3pPr marL="914400" algn="l" defTabSz="914400" rtl="0" eaLnBrk="1" latinLnBrk="0" hangingPunct="1">
-                        <a:defRPr sz="1800" kern="1200">
-                          <a:solidFill>
-                            <a:schemeClr val="dk1"/>
-                          </a:solidFill>
-                          <a:latin typeface="Arial"/>
-                        </a:defRPr>
-                      </a:lvl3pPr>
-                      <a:lvl4pPr marL="1371600" algn="l" defTabSz="914400" rtl="0" eaLnBrk="1" latinLnBrk="0" hangingPunct="1">
-                        <a:defRPr sz="1800" kern="1200">
-                          <a:solidFill>
-                            <a:schemeClr val="dk1"/>
-                          </a:solidFill>
-                          <a:latin typeface="Arial"/>
-                        </a:defRPr>
-                      </a:lvl4pPr>
-                      <a:lvl5pPr marL="1828800" algn="l" defTabSz="914400" rtl="0" eaLnBrk="1" latinLnBrk="0" hangingPunct="1">
-                        <a:defRPr sz="1800" kern="1200">
-                          <a:solidFill>
-                            <a:schemeClr val="dk1"/>
-                          </a:solidFill>
-                          <a:latin typeface="Arial"/>
-                        </a:defRPr>
-                      </a:lvl5pPr>
-                      <a:lvl6pPr marL="2286000" algn="l" defTabSz="914400" rtl="0" eaLnBrk="1" latinLnBrk="0" hangingPunct="1">
-                        <a:defRPr sz="1800" kern="1200">
-                          <a:solidFill>
-                            <a:schemeClr val="dk1"/>
-                          </a:solidFill>
-                          <a:latin typeface="Arial"/>
-                        </a:defRPr>
-                      </a:lvl6pPr>
-                      <a:lvl7pPr marL="2743200" algn="l" defTabSz="914400" rtl="0" eaLnBrk="1" latinLnBrk="0" hangingPunct="1">
-                        <a:defRPr sz="1800" kern="1200">
-                          <a:solidFill>
-                            <a:schemeClr val="dk1"/>
-                          </a:solidFill>
-                          <a:latin typeface="Arial"/>
-                        </a:defRPr>
-                      </a:lvl7pPr>
-                      <a:lvl8pPr marL="3200400" algn="l" defTabSz="914400" rtl="0" eaLnBrk="1" latinLnBrk="0" hangingPunct="1">
-                        <a:defRPr sz="1800" kern="1200">
-                          <a:solidFill>
-                            <a:schemeClr val="dk1"/>
-                          </a:solidFill>
-                          <a:latin typeface="Arial"/>
-                        </a:defRPr>
-                      </a:lvl8pPr>
-                      <a:lvl9pPr marL="3657600" algn="l" defTabSz="914400" rtl="0" eaLnBrk="1" latinLnBrk="0" hangingPunct="1">
-                        <a:defRPr sz="1800" kern="1200">
-                          <a:solidFill>
-                            <a:schemeClr val="dk1"/>
-                          </a:solidFill>
-                          <a:latin typeface="Arial"/>
-                        </a:defRPr>
-                      </a:lvl9pPr>
-                    </a:lstStyle>
-                    <a:p>
-                      <a:r>
-                        <a:rPr lang="en-US" sz="1200" dirty="0" smtClean="0"/>
-                        <a:t>Full name</a:t>
-                      </a:r>
-                      <a:endParaRPr lang="en-US" sz="1200" dirty="0"/>
-                    </a:p>
-                  </a:txBody>
-                  <a:tcPr marT="34290" marB="34290">
-                    <a:lnL w="12700" cmpd="sng">
-                      <a:solidFill>
-                        <a:srgbClr val="93A299"/>
-                      </a:solidFill>
-                    </a:lnL>
-                    <a:lnR w="12700" cmpd="sng">
-                      <a:solidFill>
-                        <a:srgbClr val="93A299"/>
-                      </a:solidFill>
-                    </a:lnR>
-                    <a:lnT w="12700" cmpd="sng">
-                      <a:solidFill>
-                        <a:srgbClr val="93A299"/>
-                      </a:solidFill>
-                    </a:lnT>
-                    <a:lnB w="12700" cmpd="sng">
-                      <a:solidFill>
-                        <a:srgbClr val="93A299"/>
-                      </a:solidFill>
-                    </a:lnB>
-                    <a:lnTlToBr w="12700" cmpd="sng">
-                      <a:noFill/>
-                      <a:prstDash val="solid"/>
-                    </a:lnTlToBr>
-                    <a:lnBlToTr w="12700" cmpd="sng">
-                      <a:noFill/>
-                      <a:prstDash val="solid"/>
-                    </a:lnBlToTr>
-                    <a:solidFill>
-                      <a:srgbClr val="93A299">
-                        <a:tint val="20000"/>
-                      </a:srgbClr>
-                    </a:solidFill>
-                  </a:tcPr>
-                </a:tc>
-              </a:tr>
-              <a:tr h="278130">
-                <a:tc>
-                  <a:txBody>
-                    <a:bodyPr/>
-                    <a:lstStyle>
-                      <a:lvl1pPr marL="0" algn="l" defTabSz="914400" rtl="0" eaLnBrk="1" latinLnBrk="0" hangingPunct="1">
-                        <a:defRPr sz="1800" kern="1200">
-                          <a:solidFill>
-                            <a:schemeClr val="dk1"/>
-                          </a:solidFill>
-                          <a:latin typeface="Arial"/>
-                        </a:defRPr>
-                      </a:lvl1pPr>
-                      <a:lvl2pPr marL="457200" algn="l" defTabSz="914400" rtl="0" eaLnBrk="1" latinLnBrk="0" hangingPunct="1">
-                        <a:defRPr sz="1800" kern="1200">
-                          <a:solidFill>
-                            <a:schemeClr val="dk1"/>
-                          </a:solidFill>
-                          <a:latin typeface="Arial"/>
-                        </a:defRPr>
-                      </a:lvl2pPr>
-                      <a:lvl3pPr marL="914400" algn="l" defTabSz="914400" rtl="0" eaLnBrk="1" latinLnBrk="0" hangingPunct="1">
-                        <a:defRPr sz="1800" kern="1200">
-                          <a:solidFill>
-                            <a:schemeClr val="dk1"/>
-                          </a:solidFill>
-                          <a:latin typeface="Arial"/>
-                        </a:defRPr>
-                      </a:lvl3pPr>
-                      <a:lvl4pPr marL="1371600" algn="l" defTabSz="914400" rtl="0" eaLnBrk="1" latinLnBrk="0" hangingPunct="1">
-                        <a:defRPr sz="1800" kern="1200">
-                          <a:solidFill>
-                            <a:schemeClr val="dk1"/>
-                          </a:solidFill>
-                          <a:latin typeface="Arial"/>
-                        </a:defRPr>
-                      </a:lvl4pPr>
-                      <a:lvl5pPr marL="1828800" algn="l" defTabSz="914400" rtl="0" eaLnBrk="1" latinLnBrk="0" hangingPunct="1">
-                        <a:defRPr sz="1800" kern="1200">
-                          <a:solidFill>
-                            <a:schemeClr val="dk1"/>
-                          </a:solidFill>
-                          <a:latin typeface="Arial"/>
-                        </a:defRPr>
-                      </a:lvl5pPr>
-                      <a:lvl6pPr marL="2286000" algn="l" defTabSz="914400" rtl="0" eaLnBrk="1" latinLnBrk="0" hangingPunct="1">
-                        <a:defRPr sz="1800" kern="1200">
-                          <a:solidFill>
-                            <a:schemeClr val="dk1"/>
-                          </a:solidFill>
-                          <a:latin typeface="Arial"/>
-                        </a:defRPr>
-                      </a:lvl6pPr>
-                      <a:lvl7pPr marL="2743200" algn="l" defTabSz="914400" rtl="0" eaLnBrk="1" latinLnBrk="0" hangingPunct="1">
-                        <a:defRPr sz="1800" kern="1200">
-                          <a:solidFill>
-                            <a:schemeClr val="dk1"/>
-                          </a:solidFill>
-                          <a:latin typeface="Arial"/>
-                        </a:defRPr>
-                      </a:lvl7pPr>
-                      <a:lvl8pPr marL="3200400" algn="l" defTabSz="914400" rtl="0" eaLnBrk="1" latinLnBrk="0" hangingPunct="1">
-                        <a:defRPr sz="1800" kern="1200">
-                          <a:solidFill>
-                            <a:schemeClr val="dk1"/>
-                          </a:solidFill>
-                          <a:latin typeface="Arial"/>
-                        </a:defRPr>
-                      </a:lvl8pPr>
-                      <a:lvl9pPr marL="3657600" algn="l" defTabSz="914400" rtl="0" eaLnBrk="1" latinLnBrk="0" hangingPunct="1">
-                        <a:defRPr sz="1800" kern="1200">
-                          <a:solidFill>
-                            <a:schemeClr val="dk1"/>
-                          </a:solidFill>
-                          <a:latin typeface="Arial"/>
-                        </a:defRPr>
-                      </a:lvl9pPr>
-                    </a:lstStyle>
-                    <a:p>
-                      <a:r>
-                        <a:rPr lang="en-US" sz="1200" dirty="0" smtClean="0"/>
-                        <a:t>Date of birth</a:t>
-                      </a:r>
-                      <a:endParaRPr lang="en-US" sz="1200" dirty="0"/>
-                    </a:p>
-                  </a:txBody>
-                  <a:tcPr marT="34290" marB="34290">
-                    <a:lnL w="12700" cmpd="sng">
-                      <a:solidFill>
-                        <a:srgbClr val="93A299"/>
-                      </a:solidFill>
-                    </a:lnL>
-                    <a:lnR w="12700" cmpd="sng">
-                      <a:solidFill>
-                        <a:srgbClr val="93A299"/>
-                      </a:solidFill>
-                    </a:lnR>
-                    <a:lnT w="12700" cmpd="sng">
-                      <a:solidFill>
-                        <a:srgbClr val="93A299"/>
-                      </a:solidFill>
-                    </a:lnT>
-                    <a:lnB w="12700" cmpd="sng">
-                      <a:solidFill>
-                        <a:srgbClr val="93A299"/>
-                      </a:solidFill>
-                    </a:lnB>
-                    <a:lnTlToBr w="12700" cmpd="sng">
-                      <a:noFill/>
-                      <a:prstDash val="solid"/>
-                    </a:lnTlToBr>
-                    <a:lnBlToTr w="12700" cmpd="sng">
-                      <a:noFill/>
-                      <a:prstDash val="solid"/>
-                    </a:lnBlToTr>
-                    <a:solidFill>
-                      <a:srgbClr val="FFFFFF"/>
-                    </a:solidFill>
-                  </a:tcPr>
-                </a:tc>
-              </a:tr>
-              <a:tr h="278130">
-                <a:tc>
-                  <a:txBody>
-                    <a:bodyPr/>
-                    <a:lstStyle>
-                      <a:lvl1pPr marL="0" algn="l" defTabSz="914400" rtl="0" eaLnBrk="1" latinLnBrk="0" hangingPunct="1">
-                        <a:defRPr sz="1800" kern="1200">
-                          <a:solidFill>
-                            <a:schemeClr val="dk1"/>
-                          </a:solidFill>
-                          <a:latin typeface="Arial"/>
-                        </a:defRPr>
-                      </a:lvl1pPr>
-                      <a:lvl2pPr marL="457200" algn="l" defTabSz="914400" rtl="0" eaLnBrk="1" latinLnBrk="0" hangingPunct="1">
-                        <a:defRPr sz="1800" kern="1200">
-                          <a:solidFill>
-                            <a:schemeClr val="dk1"/>
-                          </a:solidFill>
-                          <a:latin typeface="Arial"/>
-                        </a:defRPr>
-                      </a:lvl2pPr>
-                      <a:lvl3pPr marL="914400" algn="l" defTabSz="914400" rtl="0" eaLnBrk="1" latinLnBrk="0" hangingPunct="1">
-                        <a:defRPr sz="1800" kern="1200">
-                          <a:solidFill>
-                            <a:schemeClr val="dk1"/>
-                          </a:solidFill>
-                          <a:latin typeface="Arial"/>
-                        </a:defRPr>
-                      </a:lvl3pPr>
-                      <a:lvl4pPr marL="1371600" algn="l" defTabSz="914400" rtl="0" eaLnBrk="1" latinLnBrk="0" hangingPunct="1">
-                        <a:defRPr sz="1800" kern="1200">
-                          <a:solidFill>
-                            <a:schemeClr val="dk1"/>
-                          </a:solidFill>
-                          <a:latin typeface="Arial"/>
-                        </a:defRPr>
-                      </a:lvl4pPr>
-                      <a:lvl5pPr marL="1828800" algn="l" defTabSz="914400" rtl="0" eaLnBrk="1" latinLnBrk="0" hangingPunct="1">
-                        <a:defRPr sz="1800" kern="1200">
-                          <a:solidFill>
-                            <a:schemeClr val="dk1"/>
-                          </a:solidFill>
-                          <a:latin typeface="Arial"/>
-                        </a:defRPr>
-                      </a:lvl5pPr>
-                      <a:lvl6pPr marL="2286000" algn="l" defTabSz="914400" rtl="0" eaLnBrk="1" latinLnBrk="0" hangingPunct="1">
-                        <a:defRPr sz="1800" kern="1200">
-                          <a:solidFill>
-                            <a:schemeClr val="dk1"/>
-                          </a:solidFill>
-                          <a:latin typeface="Arial"/>
-                        </a:defRPr>
-                      </a:lvl6pPr>
-                      <a:lvl7pPr marL="2743200" algn="l" defTabSz="914400" rtl="0" eaLnBrk="1" latinLnBrk="0" hangingPunct="1">
-                        <a:defRPr sz="1800" kern="1200">
-                          <a:solidFill>
-                            <a:schemeClr val="dk1"/>
-                          </a:solidFill>
-                          <a:latin typeface="Arial"/>
-                        </a:defRPr>
-                      </a:lvl7pPr>
-                      <a:lvl8pPr marL="3200400" algn="l" defTabSz="914400" rtl="0" eaLnBrk="1" latinLnBrk="0" hangingPunct="1">
-                        <a:defRPr sz="1800" kern="1200">
-                          <a:solidFill>
-                            <a:schemeClr val="dk1"/>
-                          </a:solidFill>
-                          <a:latin typeface="Arial"/>
-                        </a:defRPr>
-                      </a:lvl8pPr>
-                      <a:lvl9pPr marL="3657600" algn="l" defTabSz="914400" rtl="0" eaLnBrk="1" latinLnBrk="0" hangingPunct="1">
-                        <a:defRPr sz="1800" kern="1200">
-                          <a:solidFill>
-                            <a:schemeClr val="dk1"/>
-                          </a:solidFill>
-                          <a:latin typeface="Arial"/>
-                        </a:defRPr>
-                      </a:lvl9pPr>
-                    </a:lstStyle>
-                    <a:p>
-                      <a:r>
-                        <a:rPr lang="en-US" sz="1200" dirty="0" smtClean="0"/>
-                        <a:t>Citizenship</a:t>
-                      </a:r>
-                      <a:endParaRPr lang="en-US" sz="1200" dirty="0"/>
-                    </a:p>
-                  </a:txBody>
-                  <a:tcPr marT="34290" marB="34290">
-                    <a:lnL w="12700" cmpd="sng">
-                      <a:solidFill>
-                        <a:srgbClr val="93A299"/>
-                      </a:solidFill>
-                    </a:lnL>
-                    <a:lnR w="12700" cmpd="sng">
-                      <a:solidFill>
-                        <a:srgbClr val="93A299"/>
-                      </a:solidFill>
-                    </a:lnR>
-                    <a:lnT w="12700" cmpd="sng">
-                      <a:solidFill>
-                        <a:srgbClr val="93A299"/>
-                      </a:solidFill>
-                    </a:lnT>
-                    <a:lnB w="12700" cmpd="sng">
-                      <a:solidFill>
-                        <a:srgbClr val="93A299"/>
-                      </a:solidFill>
-                    </a:lnB>
-                    <a:lnTlToBr w="12700" cmpd="sng">
-                      <a:noFill/>
-                      <a:prstDash val="solid"/>
-                    </a:lnTlToBr>
-                    <a:lnBlToTr w="12700" cmpd="sng">
-                      <a:noFill/>
-                      <a:prstDash val="solid"/>
-                    </a:lnBlToTr>
-                    <a:solidFill>
-                      <a:srgbClr val="93A299">
-                        <a:tint val="20000"/>
-                      </a:srgbClr>
-                    </a:solidFill>
-                  </a:tcPr>
-                </a:tc>
-              </a:tr>
-              <a:tr h="278130">
-                <a:tc>
-                  <a:txBody>
-                    <a:bodyPr/>
-                    <a:lstStyle>
-                      <a:lvl1pPr marL="0" algn="l" defTabSz="914400" rtl="0" eaLnBrk="1" latinLnBrk="0" hangingPunct="1">
-                        <a:defRPr sz="1800" kern="1200">
-                          <a:solidFill>
-                            <a:schemeClr val="dk1"/>
-                          </a:solidFill>
-                          <a:latin typeface="Arial"/>
-                        </a:defRPr>
-                      </a:lvl1pPr>
-                      <a:lvl2pPr marL="457200" algn="l" defTabSz="914400" rtl="0" eaLnBrk="1" latinLnBrk="0" hangingPunct="1">
-                        <a:defRPr sz="1800" kern="1200">
-                          <a:solidFill>
-                            <a:schemeClr val="dk1"/>
-                          </a:solidFill>
-                          <a:latin typeface="Arial"/>
-                        </a:defRPr>
-                      </a:lvl2pPr>
-                      <a:lvl3pPr marL="914400" algn="l" defTabSz="914400" rtl="0" eaLnBrk="1" latinLnBrk="0" hangingPunct="1">
-                        <a:defRPr sz="1800" kern="1200">
-                          <a:solidFill>
-                            <a:schemeClr val="dk1"/>
-                          </a:solidFill>
-                          <a:latin typeface="Arial"/>
-                        </a:defRPr>
-                      </a:lvl3pPr>
-                      <a:lvl4pPr marL="1371600" algn="l" defTabSz="914400" rtl="0" eaLnBrk="1" latinLnBrk="0" hangingPunct="1">
-                        <a:defRPr sz="1800" kern="1200">
-                          <a:solidFill>
-                            <a:schemeClr val="dk1"/>
-                          </a:solidFill>
-                          <a:latin typeface="Arial"/>
-                        </a:defRPr>
-                      </a:lvl4pPr>
-                      <a:lvl5pPr marL="1828800" algn="l" defTabSz="914400" rtl="0" eaLnBrk="1" latinLnBrk="0" hangingPunct="1">
-                        <a:defRPr sz="1800" kern="1200">
-                          <a:solidFill>
-                            <a:schemeClr val="dk1"/>
-                          </a:solidFill>
-                          <a:latin typeface="Arial"/>
-                        </a:defRPr>
-                      </a:lvl5pPr>
-                      <a:lvl6pPr marL="2286000" algn="l" defTabSz="914400" rtl="0" eaLnBrk="1" latinLnBrk="0" hangingPunct="1">
-                        <a:defRPr sz="1800" kern="1200">
-                          <a:solidFill>
-                            <a:schemeClr val="dk1"/>
-                          </a:solidFill>
-                          <a:latin typeface="Arial"/>
-                        </a:defRPr>
-                      </a:lvl6pPr>
-                      <a:lvl7pPr marL="2743200" algn="l" defTabSz="914400" rtl="0" eaLnBrk="1" latinLnBrk="0" hangingPunct="1">
-                        <a:defRPr sz="1800" kern="1200">
-                          <a:solidFill>
-                            <a:schemeClr val="dk1"/>
-                          </a:solidFill>
-                          <a:latin typeface="Arial"/>
-                        </a:defRPr>
-                      </a:lvl7pPr>
-                      <a:lvl8pPr marL="3200400" algn="l" defTabSz="914400" rtl="0" eaLnBrk="1" latinLnBrk="0" hangingPunct="1">
-                        <a:defRPr sz="1800" kern="1200">
-                          <a:solidFill>
-                            <a:schemeClr val="dk1"/>
-                          </a:solidFill>
-                          <a:latin typeface="Arial"/>
-                        </a:defRPr>
-                      </a:lvl8pPr>
-                      <a:lvl9pPr marL="3657600" algn="l" defTabSz="914400" rtl="0" eaLnBrk="1" latinLnBrk="0" hangingPunct="1">
-                        <a:defRPr sz="1800" kern="1200">
-                          <a:solidFill>
-                            <a:schemeClr val="dk1"/>
-                          </a:solidFill>
-                          <a:latin typeface="Arial"/>
-                        </a:defRPr>
-                      </a:lvl9pPr>
-                    </a:lstStyle>
-                    <a:p>
-                      <a:r>
-                        <a:rPr lang="en-US" sz="1200" dirty="0" smtClean="0"/>
-                        <a:t>City</a:t>
-                      </a:r>
-                      <a:endParaRPr lang="en-US" sz="1200" dirty="0"/>
-                    </a:p>
-                  </a:txBody>
-                  <a:tcPr marT="34290" marB="34290">
-                    <a:lnL w="12700" cmpd="sng">
-                      <a:solidFill>
-                        <a:srgbClr val="93A299"/>
-                      </a:solidFill>
-                    </a:lnL>
-                    <a:lnR w="12700" cmpd="sng">
-                      <a:solidFill>
-                        <a:srgbClr val="93A299"/>
-                      </a:solidFill>
-                    </a:lnR>
-                    <a:lnT w="12700" cmpd="sng">
-                      <a:solidFill>
-                        <a:srgbClr val="93A299"/>
-                      </a:solidFill>
-                    </a:lnT>
-                    <a:lnB w="12700" cmpd="sng">
-                      <a:solidFill>
-                        <a:srgbClr val="93A299"/>
-                      </a:solidFill>
-                    </a:lnB>
-                    <a:lnTlToBr w="12700" cmpd="sng">
-                      <a:noFill/>
-                      <a:prstDash val="solid"/>
-                    </a:lnTlToBr>
-                    <a:lnBlToTr w="12700" cmpd="sng">
-                      <a:noFill/>
-                      <a:prstDash val="solid"/>
-                    </a:lnBlToTr>
-                    <a:solidFill>
-                      <a:srgbClr val="FFFFFF"/>
-                    </a:solidFill>
-                  </a:tcPr>
-                </a:tc>
-              </a:tr>
-              <a:tr h="278130">
-                <a:tc>
-                  <a:txBody>
-                    <a:bodyPr/>
-                    <a:lstStyle>
-                      <a:lvl1pPr marL="0" algn="l" defTabSz="914400" rtl="0" eaLnBrk="1" latinLnBrk="0" hangingPunct="1">
-                        <a:defRPr sz="1800" kern="1200">
-                          <a:solidFill>
-                            <a:schemeClr val="dk1"/>
-                          </a:solidFill>
-                          <a:latin typeface="Arial"/>
-                        </a:defRPr>
-                      </a:lvl1pPr>
-                      <a:lvl2pPr marL="457200" algn="l" defTabSz="914400" rtl="0" eaLnBrk="1" latinLnBrk="0" hangingPunct="1">
-                        <a:defRPr sz="1800" kern="1200">
-                          <a:solidFill>
-                            <a:schemeClr val="dk1"/>
-                          </a:solidFill>
-                          <a:latin typeface="Arial"/>
-                        </a:defRPr>
-                      </a:lvl2pPr>
-                      <a:lvl3pPr marL="914400" algn="l" defTabSz="914400" rtl="0" eaLnBrk="1" latinLnBrk="0" hangingPunct="1">
-                        <a:defRPr sz="1800" kern="1200">
-                          <a:solidFill>
-                            <a:schemeClr val="dk1"/>
-                          </a:solidFill>
-                          <a:latin typeface="Arial"/>
-                        </a:defRPr>
-                      </a:lvl3pPr>
-                      <a:lvl4pPr marL="1371600" algn="l" defTabSz="914400" rtl="0" eaLnBrk="1" latinLnBrk="0" hangingPunct="1">
-                        <a:defRPr sz="1800" kern="1200">
-                          <a:solidFill>
-                            <a:schemeClr val="dk1"/>
-                          </a:solidFill>
-                          <a:latin typeface="Arial"/>
-                        </a:defRPr>
-                      </a:lvl4pPr>
-                      <a:lvl5pPr marL="1828800" algn="l" defTabSz="914400" rtl="0" eaLnBrk="1" latinLnBrk="0" hangingPunct="1">
-                        <a:defRPr sz="1800" kern="1200">
-                          <a:solidFill>
-                            <a:schemeClr val="dk1"/>
-                          </a:solidFill>
-                          <a:latin typeface="Arial"/>
-                        </a:defRPr>
-                      </a:lvl5pPr>
-                      <a:lvl6pPr marL="2286000" algn="l" defTabSz="914400" rtl="0" eaLnBrk="1" latinLnBrk="0" hangingPunct="1">
-                        <a:defRPr sz="1800" kern="1200">
-                          <a:solidFill>
-                            <a:schemeClr val="dk1"/>
-                          </a:solidFill>
-                          <a:latin typeface="Arial"/>
-                        </a:defRPr>
-                      </a:lvl6pPr>
-                      <a:lvl7pPr marL="2743200" algn="l" defTabSz="914400" rtl="0" eaLnBrk="1" latinLnBrk="0" hangingPunct="1">
-                        <a:defRPr sz="1800" kern="1200">
-                          <a:solidFill>
-                            <a:schemeClr val="dk1"/>
-                          </a:solidFill>
-                          <a:latin typeface="Arial"/>
-                        </a:defRPr>
-                      </a:lvl7pPr>
-                      <a:lvl8pPr marL="3200400" algn="l" defTabSz="914400" rtl="0" eaLnBrk="1" latinLnBrk="0" hangingPunct="1">
-                        <a:defRPr sz="1800" kern="1200">
-                          <a:solidFill>
-                            <a:schemeClr val="dk1"/>
-                          </a:solidFill>
-                          <a:latin typeface="Arial"/>
-                        </a:defRPr>
-                      </a:lvl8pPr>
-                      <a:lvl9pPr marL="3657600" algn="l" defTabSz="914400" rtl="0" eaLnBrk="1" latinLnBrk="0" hangingPunct="1">
-                        <a:defRPr sz="1800" kern="1200">
-                          <a:solidFill>
-                            <a:schemeClr val="dk1"/>
-                          </a:solidFill>
-                          <a:latin typeface="Arial"/>
-                        </a:defRPr>
-                      </a:lvl9pPr>
-                    </a:lstStyle>
-                    <a:p>
-                      <a:r>
-                        <a:rPr lang="en-US" sz="1200" dirty="0" smtClean="0"/>
-                        <a:t>Address</a:t>
-                      </a:r>
-                      <a:endParaRPr lang="en-US" sz="1200" dirty="0"/>
-                    </a:p>
-                  </a:txBody>
-                  <a:tcPr marT="34290" marB="34290">
-                    <a:lnL w="12700" cmpd="sng">
-                      <a:solidFill>
-                        <a:srgbClr val="93A299"/>
-                      </a:solidFill>
-                    </a:lnL>
-                    <a:lnR w="12700" cmpd="sng">
-                      <a:solidFill>
-                        <a:srgbClr val="93A299"/>
-                      </a:solidFill>
-                    </a:lnR>
-                    <a:lnT w="12700" cmpd="sng">
-                      <a:solidFill>
-                        <a:srgbClr val="93A299"/>
-                      </a:solidFill>
-                    </a:lnT>
-                    <a:lnB w="12700" cmpd="sng">
-                      <a:solidFill>
-                        <a:srgbClr val="93A299"/>
-                      </a:solidFill>
-                    </a:lnB>
-                    <a:lnTlToBr w="12700" cmpd="sng">
-                      <a:noFill/>
-                      <a:prstDash val="solid"/>
-                    </a:lnTlToBr>
-                    <a:lnBlToTr w="12700" cmpd="sng">
-                      <a:noFill/>
-                      <a:prstDash val="solid"/>
-                    </a:lnBlToTr>
-                    <a:solidFill>
-                      <a:srgbClr val="93A299">
-                        <a:tint val="20000"/>
-                      </a:srgbClr>
-                    </a:solidFill>
-                  </a:tcPr>
-                </a:tc>
-              </a:tr>
-              <a:tr h="278130">
-                <a:tc>
-                  <a:txBody>
-                    <a:bodyPr/>
-                    <a:lstStyle>
-                      <a:lvl1pPr marL="0" algn="l" defTabSz="914400" rtl="0" eaLnBrk="1" latinLnBrk="0" hangingPunct="1">
-                        <a:defRPr sz="1800" kern="1200">
-                          <a:solidFill>
-                            <a:schemeClr val="dk1"/>
-                          </a:solidFill>
-                          <a:latin typeface="Arial"/>
-                        </a:defRPr>
-                      </a:lvl1pPr>
-                      <a:lvl2pPr marL="457200" algn="l" defTabSz="914400" rtl="0" eaLnBrk="1" latinLnBrk="0" hangingPunct="1">
-                        <a:defRPr sz="1800" kern="1200">
-                          <a:solidFill>
-                            <a:schemeClr val="dk1"/>
-                          </a:solidFill>
-                          <a:latin typeface="Arial"/>
-                        </a:defRPr>
-                      </a:lvl2pPr>
-                      <a:lvl3pPr marL="914400" algn="l" defTabSz="914400" rtl="0" eaLnBrk="1" latinLnBrk="0" hangingPunct="1">
-                        <a:defRPr sz="1800" kern="1200">
-                          <a:solidFill>
-                            <a:schemeClr val="dk1"/>
-                          </a:solidFill>
-                          <a:latin typeface="Arial"/>
-                        </a:defRPr>
-                      </a:lvl3pPr>
-                      <a:lvl4pPr marL="1371600" algn="l" defTabSz="914400" rtl="0" eaLnBrk="1" latinLnBrk="0" hangingPunct="1">
-                        <a:defRPr sz="1800" kern="1200">
-                          <a:solidFill>
-                            <a:schemeClr val="dk1"/>
-                          </a:solidFill>
-                          <a:latin typeface="Arial"/>
-                        </a:defRPr>
-                      </a:lvl4pPr>
-                      <a:lvl5pPr marL="1828800" algn="l" defTabSz="914400" rtl="0" eaLnBrk="1" latinLnBrk="0" hangingPunct="1">
-                        <a:defRPr sz="1800" kern="1200">
-                          <a:solidFill>
-                            <a:schemeClr val="dk1"/>
-                          </a:solidFill>
-                          <a:latin typeface="Arial"/>
-                        </a:defRPr>
-                      </a:lvl5pPr>
-                      <a:lvl6pPr marL="2286000" algn="l" defTabSz="914400" rtl="0" eaLnBrk="1" latinLnBrk="0" hangingPunct="1">
-                        <a:defRPr sz="1800" kern="1200">
-                          <a:solidFill>
-                            <a:schemeClr val="dk1"/>
-                          </a:solidFill>
-                          <a:latin typeface="Arial"/>
-                        </a:defRPr>
-                      </a:lvl6pPr>
-                      <a:lvl7pPr marL="2743200" algn="l" defTabSz="914400" rtl="0" eaLnBrk="1" latinLnBrk="0" hangingPunct="1">
-                        <a:defRPr sz="1800" kern="1200">
-                          <a:solidFill>
-                            <a:schemeClr val="dk1"/>
-                          </a:solidFill>
-                          <a:latin typeface="Arial"/>
-                        </a:defRPr>
-                      </a:lvl7pPr>
-                      <a:lvl8pPr marL="3200400" algn="l" defTabSz="914400" rtl="0" eaLnBrk="1" latinLnBrk="0" hangingPunct="1">
-                        <a:defRPr sz="1800" kern="1200">
-                          <a:solidFill>
-                            <a:schemeClr val="dk1"/>
-                          </a:solidFill>
-                          <a:latin typeface="Arial"/>
-                        </a:defRPr>
-                      </a:lvl8pPr>
-                      <a:lvl9pPr marL="3657600" algn="l" defTabSz="914400" rtl="0" eaLnBrk="1" latinLnBrk="0" hangingPunct="1">
-                        <a:defRPr sz="1800" kern="1200">
-                          <a:solidFill>
-                            <a:schemeClr val="dk1"/>
-                          </a:solidFill>
-                          <a:latin typeface="Arial"/>
-                        </a:defRPr>
-                      </a:lvl9pPr>
-                    </a:lstStyle>
-                    <a:p>
-                      <a:r>
-                        <a:rPr lang="en-US" sz="1200" dirty="0" smtClean="0"/>
-                        <a:t>Marital</a:t>
-                      </a:r>
-                      <a:r>
-                        <a:rPr lang="en-US" sz="1200" baseline="0" dirty="0" smtClean="0"/>
-                        <a:t> status</a:t>
-                      </a:r>
-                      <a:endParaRPr lang="en-US" sz="1200" dirty="0"/>
-                    </a:p>
-                  </a:txBody>
-                  <a:tcPr marT="34290" marB="34290">
-                    <a:lnL w="12700" cmpd="sng">
-                      <a:solidFill>
-                        <a:srgbClr val="93A299"/>
-                      </a:solidFill>
-                    </a:lnL>
-                    <a:lnR w="12700" cmpd="sng">
-                      <a:solidFill>
-                        <a:srgbClr val="93A299"/>
-                      </a:solidFill>
-                    </a:lnR>
-                    <a:lnT w="12700" cmpd="sng">
-                      <a:solidFill>
-                        <a:srgbClr val="93A299"/>
-                      </a:solidFill>
-                    </a:lnT>
-                    <a:lnB w="12700" cmpd="sng">
-                      <a:solidFill>
-                        <a:srgbClr val="93A299"/>
-                      </a:solidFill>
-                    </a:lnB>
-                    <a:lnTlToBr w="12700" cmpd="sng">
-                      <a:noFill/>
-                      <a:prstDash val="solid"/>
-                    </a:lnTlToBr>
-                    <a:lnBlToTr w="12700" cmpd="sng">
-                      <a:noFill/>
-                      <a:prstDash val="solid"/>
-                    </a:lnBlToTr>
-                    <a:solidFill>
-                      <a:srgbClr val="FFFFFF"/>
-                    </a:solidFill>
-                  </a:tcPr>
-                </a:tc>
-              </a:tr>
-            </a:tbl>
-          </a:graphicData>
-        </a:graphic>
-      </p:graphicFrame>
-      <p:sp>
-        <p:nvSpPr>
-          <p:cNvPr id="26" name="Down Arrow 25"/>
+      <p:sp>
+        <p:nvSpPr>
+          <p:cNvPr id="38" name="Right Arrow 37"/>
           <p:cNvSpPr/>
           <p:nvPr/>
         </p:nvSpPr>
         <p:spPr>
-          <a:xfrm>
-            <a:off x="5562600" y="3200400"/>
-            <a:ext cx="381000" cy="742950"/>
+          <a:xfrm rot="10800000">
+            <a:off x="4405745" y="4438650"/>
+            <a:ext cx="1143000" cy="381000"/>
           </a:xfrm>
-          <a:prstGeom prst="downArrow">
+          <a:prstGeom prst="rightArrow">
             <a:avLst/>
           </a:prstGeom>
-          <a:solidFill>
-            <a:srgbClr val="93A299"/>
-          </a:solidFill>
-          <a:ln w="26425" cap="flat" cmpd="sng" algn="ctr">
-            <a:solidFill>
-              <a:srgbClr val="93A299">
-                <a:shade val="50000"/>
-              </a:srgbClr>
-            </a:solidFill>
-            <a:prstDash val="solid"/>
-          </a:ln>
-          <a:effectLst/>
         </p:spPr>
+        <p:style>
+          <a:lnRef idx="2">
+            <a:schemeClr val="accent1">
+              <a:shade val="50000"/>
+            </a:schemeClr>
+          </a:lnRef>
+          <a:fillRef idx="1">
+            <a:schemeClr val="accent1"/>
+          </a:fillRef>
+          <a:effectRef idx="0">
+            <a:schemeClr val="accent1"/>
+          </a:effectRef>
+          <a:fontRef idx="minor">
+            <a:schemeClr val="lt1"/>
+          </a:fontRef>
+        </p:style>
         <p:txBody>
           <a:bodyPr rtlCol="0" anchor="ctr"/>
           <a:lstStyle/>
           <a:p>
-            <a:pPr marL="0" marR="0" lvl="0" indent="0" algn="ctr" defTabSz="914400" eaLnBrk="1" fontAlgn="auto" latinLnBrk="0" hangingPunct="1">
-              <a:lnSpc>
-                <a:spcPct val="100000"/>
-              </a:lnSpc>
-              <a:spcBef>
-                <a:spcPts val="0"/>
-              </a:spcBef>
-              <a:spcAft>
-                <a:spcPts val="0"/>
-              </a:spcAft>
-              <a:buClrTx/>
-              <a:buSzTx/>
-              <a:buFontTx/>
-              <a:buNone/>
-              <a:tabLst/>
-              <a:defRPr/>
-            </a:pPr>
-            <a:endParaRPr kumimoji="0" lang="en-US" sz="1800" b="0" i="0" u="none" strike="noStrike" kern="0" cap="none" spc="0" normalizeH="0" baseline="0" noProof="0">
-              <a:ln>
-                <a:noFill/>
-              </a:ln>
-              <a:solidFill>
-                <a:srgbClr val="FFFFFF"/>
-              </a:solidFill>
-              <a:effectLst/>
-              <a:uLnTx/>
-              <a:uFillTx/>
-              <a:latin typeface="Arial"/>
-              <a:ea typeface="+mn-ea"/>
-              <a:cs typeface="+mn-cs"/>
-            </a:endParaRPr>
-          </a:p>
-        </p:txBody>
-      </p:sp>
-      <p:sp>
-        <p:nvSpPr>
-          <p:cNvPr id="27" name="Down Arrow 26"/>
-          <p:cNvSpPr/>
-          <p:nvPr/>
-        </p:nvSpPr>
-        <p:spPr>
-          <a:xfrm>
-            <a:off x="7086600" y="3371850"/>
-            <a:ext cx="381000" cy="571500"/>
-          </a:xfrm>
-          <a:prstGeom prst="downArrow">
-            <a:avLst/>
-          </a:prstGeom>
-          <a:solidFill>
-            <a:srgbClr val="93A299"/>
-          </a:solidFill>
-          <a:ln w="26425" cap="flat" cmpd="sng" algn="ctr">
-            <a:solidFill>
-              <a:srgbClr val="93A299">
-                <a:shade val="50000"/>
-              </a:srgbClr>
-            </a:solidFill>
-            <a:prstDash val="solid"/>
-          </a:ln>
-          <a:effectLst/>
-        </p:spPr>
-        <p:txBody>
-          <a:bodyPr rtlCol="0" anchor="ctr"/>
-          <a:lstStyle/>
-          <a:p>
-            <a:pPr marL="0" marR="0" lvl="0" indent="0" algn="ctr" defTabSz="914400" eaLnBrk="1" fontAlgn="auto" latinLnBrk="0" hangingPunct="1">
-              <a:lnSpc>
-                <a:spcPct val="100000"/>
-              </a:lnSpc>
-              <a:spcBef>
-                <a:spcPts val="0"/>
-              </a:spcBef>
-              <a:spcAft>
-                <a:spcPts val="0"/>
-              </a:spcAft>
-              <a:buClrTx/>
-              <a:buSzTx/>
-              <a:buFontTx/>
-              <a:buNone/>
-              <a:tabLst/>
-              <a:defRPr/>
-            </a:pPr>
-            <a:endParaRPr kumimoji="0" lang="en-US" sz="1800" b="0" i="0" u="none" strike="noStrike" kern="0" cap="none" spc="0" normalizeH="0" baseline="0" noProof="0">
-              <a:ln>
-                <a:noFill/>
-              </a:ln>
-              <a:solidFill>
-                <a:srgbClr val="FFFFFF"/>
-              </a:solidFill>
-              <a:effectLst/>
-              <a:uLnTx/>
-              <a:uFillTx/>
-              <a:latin typeface="Arial"/>
-              <a:ea typeface="+mn-ea"/>
-              <a:cs typeface="+mn-cs"/>
-            </a:endParaRPr>
+            <a:pPr algn="ctr"/>
+            <a:endParaRPr lang="en-US"/>
           </a:p>
         </p:txBody>
       </p:sp>
@@ -21625,6 +17026,67 @@
     <p:extLst>
       <p:ext uri="{BB962C8B-B14F-4D97-AF65-F5344CB8AC3E}">
         <p14:creationId xmlns:p14="http://schemas.microsoft.com/office/powerpoint/2010/main" val="4245971284"/>
+      </p:ext>
+    </p:extLst>
+  </p:cSld>
+  <p:clrMapOvr>
+    <a:masterClrMapping/>
+  </p:clrMapOvr>
+  <p:transition spd="slow"/>
+  <p:timing>
+    <p:tnLst>
+      <p:par>
+        <p:cTn id="1" dur="indefinite" restart="never" nodeType="tmRoot"/>
+      </p:par>
+    </p:tnLst>
+  </p:timing>
+</p:sld>
+</file>
+
+<file path=ppt/slides/slide8.xml><?xml version="1.0" encoding="utf-8"?>
+<p:sld xmlns:a="http://schemas.openxmlformats.org/drawingml/2006/main" xmlns:r="http://schemas.openxmlformats.org/officeDocument/2006/relationships" xmlns:p="http://schemas.openxmlformats.org/presentationml/2006/main">
+  <p:cSld>
+    <p:spTree>
+      <p:nvGrpSpPr>
+        <p:cNvPr id="1" name=""/>
+        <p:cNvGrpSpPr/>
+        <p:nvPr/>
+      </p:nvGrpSpPr>
+      <p:grpSpPr>
+        <a:xfrm>
+          <a:off x="0" y="0"/>
+          <a:ext cx="0" cy="0"/>
+          <a:chOff x="0" y="0"/>
+          <a:chExt cx="0" cy="0"/>
+        </a:xfrm>
+      </p:grpSpPr>
+      <p:sp>
+        <p:nvSpPr>
+          <p:cNvPr id="2" name="Title 1"/>
+          <p:cNvSpPr>
+            <a:spLocks noGrp="1"/>
+          </p:cNvSpPr>
+          <p:nvPr>
+            <p:ph type="title"/>
+          </p:nvPr>
+        </p:nvSpPr>
+        <p:spPr/>
+        <p:txBody>
+          <a:bodyPr/>
+          <a:lstStyle/>
+          <a:p>
+            <a:r>
+              <a:rPr lang="en-US" dirty="0" smtClean="0"/>
+              <a:t>Brainstorm</a:t>
+            </a:r>
+            <a:endParaRPr lang="en-US" dirty="0"/>
+          </a:p>
+        </p:txBody>
+      </p:sp>
+    </p:spTree>
+    <p:extLst>
+      <p:ext uri="{BB962C8B-B14F-4D97-AF65-F5344CB8AC3E}">
+        <p14:creationId xmlns:p14="http://schemas.microsoft.com/office/powerpoint/2010/main" val="173400139"/>
       </p:ext>
     </p:extLst>
   </p:cSld>

--- a/Documents/JobZoom.pptx
+++ b/Documents/JobZoom.pptx
@@ -7,7 +7,7 @@
     <p:sldMasterId id="2147483683" r:id="rId3"/>
   </p:sldMasterIdLst>
   <p:notesMasterIdLst>
-    <p:notesMasterId r:id="rId12"/>
+    <p:notesMasterId r:id="rId17"/>
   </p:notesMasterIdLst>
   <p:sldIdLst>
     <p:sldId id="256" r:id="rId4"/>
@@ -17,7 +17,12 @@
     <p:sldId id="265" r:id="rId8"/>
     <p:sldId id="258" r:id="rId9"/>
     <p:sldId id="259" r:id="rId10"/>
-    <p:sldId id="266" r:id="rId11"/>
+    <p:sldId id="267" r:id="rId11"/>
+    <p:sldId id="268" r:id="rId12"/>
+    <p:sldId id="269" r:id="rId13"/>
+    <p:sldId id="270" r:id="rId14"/>
+    <p:sldId id="271" r:id="rId15"/>
+    <p:sldId id="272" r:id="rId16"/>
   </p:sldIdLst>
   <p:sldSz cx="9144000" cy="5143500" type="screen16x9"/>
   <p:notesSz cx="6858000" cy="9144000"/>
@@ -201,7 +206,7 @@
           <a:p>
             <a:fld id="{583FCA0D-5591-4BBE-99D9-278F61168510}" type="datetimeFigureOut">
               <a:rPr lang="en-US" smtClean="0"/>
-              <a:t>8/25/2011</a:t>
+              <a:t>9/7/2011</a:t>
             </a:fld>
             <a:endParaRPr lang="en-US"/>
           </a:p>
@@ -779,7 +784,7 @@
           <a:p>
             <a:fld id="{2E16D3F5-7A2C-4A23-896D-2AF7EDFD4A28}" type="datetimeFigureOut">
               <a:rPr lang="en-US" smtClean="0"/>
-              <a:t>8/25/2011</a:t>
+              <a:t>9/7/2011</a:t>
             </a:fld>
             <a:endParaRPr lang="en-US"/>
           </a:p>
@@ -3390,7 +3395,7 @@
           <a:p>
             <a:fld id="{2E16D3F5-7A2C-4A23-896D-2AF7EDFD4A28}" type="datetimeFigureOut">
               <a:rPr lang="en-US" smtClean="0"/>
-              <a:t>8/25/2011</a:t>
+              <a:t>9/7/2011</a:t>
             </a:fld>
             <a:endParaRPr lang="en-US"/>
           </a:p>
@@ -9409,7 +9414,7 @@
           <a:p>
             <a:fld id="{2E16D3F5-7A2C-4A23-896D-2AF7EDFD4A28}" type="datetimeFigureOut">
               <a:rPr lang="en-US" smtClean="0"/>
-              <a:t>8/25/2011</a:t>
+              <a:t>9/7/2011</a:t>
             </a:fld>
             <a:endParaRPr lang="en-US"/>
           </a:p>
@@ -12388,6 +12393,623 @@
 </p:sld>
 </file>
 
+<file path=ppt/slides/slide10.xml><?xml version="1.0" encoding="utf-8"?>
+<p:sld xmlns:a="http://schemas.openxmlformats.org/drawingml/2006/main" xmlns:r="http://schemas.openxmlformats.org/officeDocument/2006/relationships" xmlns:p="http://schemas.openxmlformats.org/presentationml/2006/main">
+  <p:cSld>
+    <p:spTree>
+      <p:nvGrpSpPr>
+        <p:cNvPr id="1" name=""/>
+        <p:cNvGrpSpPr/>
+        <p:nvPr/>
+      </p:nvGrpSpPr>
+      <p:grpSpPr>
+        <a:xfrm>
+          <a:off x="0" y="0"/>
+          <a:ext cx="0" cy="0"/>
+          <a:chOff x="0" y="0"/>
+          <a:chExt cx="0" cy="0"/>
+        </a:xfrm>
+      </p:grpSpPr>
+      <p:sp>
+        <p:nvSpPr>
+          <p:cNvPr id="2" name="Title 1"/>
+          <p:cNvSpPr>
+            <a:spLocks noGrp="1"/>
+          </p:cNvSpPr>
+          <p:nvPr>
+            <p:ph type="title"/>
+          </p:nvPr>
+        </p:nvSpPr>
+        <p:spPr/>
+        <p:txBody>
+          <a:bodyPr/>
+          <a:lstStyle/>
+          <a:p>
+            <a:r>
+              <a:rPr lang="en-US" dirty="0" smtClean="0"/>
+              <a:t>Ontology Engineering</a:t>
+            </a:r>
+            <a:endParaRPr lang="en-US" dirty="0"/>
+          </a:p>
+        </p:txBody>
+      </p:sp>
+      <p:sp>
+        <p:nvSpPr>
+          <p:cNvPr id="3" name="Content Placeholder 2"/>
+          <p:cNvSpPr>
+            <a:spLocks noGrp="1"/>
+          </p:cNvSpPr>
+          <p:nvPr>
+            <p:ph idx="1"/>
+          </p:nvPr>
+        </p:nvSpPr>
+        <p:spPr/>
+        <p:txBody>
+          <a:bodyPr/>
+          <a:lstStyle/>
+          <a:p>
+            <a:r>
+              <a:rPr lang="en-US" dirty="0" smtClean="0"/>
+              <a:t>Ontology semantic web</a:t>
+            </a:r>
+          </a:p>
+          <a:p>
+            <a:endParaRPr lang="en-US" dirty="0"/>
+          </a:p>
+        </p:txBody>
+      </p:sp>
+    </p:spTree>
+    <p:extLst>
+      <p:ext uri="{BB962C8B-B14F-4D97-AF65-F5344CB8AC3E}">
+        <p14:creationId xmlns:p14="http://schemas.microsoft.com/office/powerpoint/2010/main" val="3611153535"/>
+      </p:ext>
+    </p:extLst>
+  </p:cSld>
+  <p:clrMapOvr>
+    <a:masterClrMapping/>
+  </p:clrMapOvr>
+  <p:transition spd="slow"/>
+  <p:timing>
+    <p:tnLst>
+      <p:par>
+        <p:cTn id="1" dur="indefinite" restart="never" nodeType="tmRoot"/>
+      </p:par>
+    </p:tnLst>
+  </p:timing>
+</p:sld>
+</file>
+
+<file path=ppt/slides/slide11.xml><?xml version="1.0" encoding="utf-8"?>
+<p:sld xmlns:a="http://schemas.openxmlformats.org/drawingml/2006/main" xmlns:r="http://schemas.openxmlformats.org/officeDocument/2006/relationships" xmlns:p="http://schemas.openxmlformats.org/presentationml/2006/main">
+  <p:cSld>
+    <p:spTree>
+      <p:nvGrpSpPr>
+        <p:cNvPr id="1" name=""/>
+        <p:cNvGrpSpPr/>
+        <p:nvPr/>
+      </p:nvGrpSpPr>
+      <p:grpSpPr>
+        <a:xfrm>
+          <a:off x="0" y="0"/>
+          <a:ext cx="0" cy="0"/>
+          <a:chOff x="0" y="0"/>
+          <a:chExt cx="0" cy="0"/>
+        </a:xfrm>
+      </p:grpSpPr>
+      <p:sp>
+        <p:nvSpPr>
+          <p:cNvPr id="2" name="Title 1"/>
+          <p:cNvSpPr>
+            <a:spLocks noGrp="1"/>
+          </p:cNvSpPr>
+          <p:nvPr>
+            <p:ph type="title"/>
+          </p:nvPr>
+        </p:nvSpPr>
+        <p:spPr/>
+        <p:txBody>
+          <a:bodyPr/>
+          <a:lstStyle/>
+          <a:p>
+            <a:r>
+              <a:rPr lang="en-US" dirty="0" smtClean="0"/>
+              <a:t>Ontology Engineering (Reference)</a:t>
+            </a:r>
+            <a:endParaRPr lang="en-US" dirty="0"/>
+          </a:p>
+        </p:txBody>
+      </p:sp>
+      <p:sp>
+        <p:nvSpPr>
+          <p:cNvPr id="3" name="Content Placeholder 2"/>
+          <p:cNvSpPr>
+            <a:spLocks noGrp="1"/>
+          </p:cNvSpPr>
+          <p:nvPr>
+            <p:ph idx="1"/>
+          </p:nvPr>
+        </p:nvSpPr>
+        <p:spPr/>
+        <p:txBody>
+          <a:bodyPr>
+            <a:normAutofit lnSpcReduction="10000"/>
+          </a:bodyPr>
+          <a:lstStyle/>
+          <a:p>
+            <a:r>
+              <a:rPr lang="en-US" dirty="0" smtClean="0"/>
+              <a:t>Semantic Web for the Working </a:t>
+            </a:r>
+            <a:r>
+              <a:rPr lang="en-US" dirty="0" err="1" smtClean="0"/>
+              <a:t>Ontologist</a:t>
+            </a:r>
+            <a:r>
+              <a:rPr lang="en-US" dirty="0" smtClean="0"/>
+              <a:t> 2</a:t>
+            </a:r>
+            <a:r>
+              <a:rPr lang="en-US" baseline="30000" dirty="0" smtClean="0"/>
+              <a:t>nd</a:t>
+            </a:r>
+            <a:endParaRPr lang="en-US" dirty="0" smtClean="0"/>
+          </a:p>
+          <a:p>
+            <a:r>
+              <a:rPr lang="en-US" dirty="0" smtClean="0"/>
+              <a:t>Ontological engineering</a:t>
+            </a:r>
+          </a:p>
+          <a:p>
+            <a:r>
+              <a:rPr lang="en-US" dirty="0" smtClean="0"/>
+              <a:t>Programming the Semantic Web</a:t>
+            </a:r>
+          </a:p>
+          <a:p>
+            <a:r>
+              <a:rPr lang="en-US" dirty="0" smtClean="0"/>
+              <a:t>Handbook on Ontologies</a:t>
+            </a:r>
+          </a:p>
+          <a:p>
+            <a:r>
+              <a:rPr lang="en-US" dirty="0" smtClean="0"/>
+              <a:t>Semantic Web Programming</a:t>
+            </a:r>
+          </a:p>
+          <a:p>
+            <a:r>
+              <a:rPr lang="en-US" dirty="0" err="1" smtClean="0"/>
+              <a:t>ProtegeOWL</a:t>
+            </a:r>
+            <a:r>
+              <a:rPr lang="en-US" dirty="0" smtClean="0"/>
+              <a:t> Tutorial</a:t>
+            </a:r>
+            <a:endParaRPr lang="en-US" dirty="0"/>
+          </a:p>
+        </p:txBody>
+      </p:sp>
+    </p:spTree>
+    <p:extLst>
+      <p:ext uri="{BB962C8B-B14F-4D97-AF65-F5344CB8AC3E}">
+        <p14:creationId xmlns:p14="http://schemas.microsoft.com/office/powerpoint/2010/main" val="3407410090"/>
+      </p:ext>
+    </p:extLst>
+  </p:cSld>
+  <p:clrMapOvr>
+    <a:masterClrMapping/>
+  </p:clrMapOvr>
+  <p:transition spd="slow"/>
+  <p:timing>
+    <p:tnLst>
+      <p:par>
+        <p:cTn id="1" dur="indefinite" restart="never" nodeType="tmRoot"/>
+      </p:par>
+    </p:tnLst>
+  </p:timing>
+</p:sld>
+</file>
+
+<file path=ppt/slides/slide12.xml><?xml version="1.0" encoding="utf-8"?>
+<p:sld xmlns:a="http://schemas.openxmlformats.org/drawingml/2006/main" xmlns:r="http://schemas.openxmlformats.org/officeDocument/2006/relationships" xmlns:p="http://schemas.openxmlformats.org/presentationml/2006/main">
+  <p:cSld>
+    <p:spTree>
+      <p:nvGrpSpPr>
+        <p:cNvPr id="1" name=""/>
+        <p:cNvGrpSpPr/>
+        <p:nvPr/>
+      </p:nvGrpSpPr>
+      <p:grpSpPr>
+        <a:xfrm>
+          <a:off x="0" y="0"/>
+          <a:ext cx="0" cy="0"/>
+          <a:chOff x="0" y="0"/>
+          <a:chExt cx="0" cy="0"/>
+        </a:xfrm>
+      </p:grpSpPr>
+      <p:sp>
+        <p:nvSpPr>
+          <p:cNvPr id="2" name="Title 1"/>
+          <p:cNvSpPr>
+            <a:spLocks noGrp="1"/>
+          </p:cNvSpPr>
+          <p:nvPr>
+            <p:ph type="title"/>
+          </p:nvPr>
+        </p:nvSpPr>
+        <p:spPr/>
+        <p:txBody>
+          <a:bodyPr/>
+          <a:lstStyle/>
+          <a:p>
+            <a:r>
+              <a:rPr lang="en-US" dirty="0" smtClean="0"/>
+              <a:t>Ontology Engineering</a:t>
+            </a:r>
+            <a:endParaRPr lang="en-US" dirty="0"/>
+          </a:p>
+        </p:txBody>
+      </p:sp>
+      <p:sp>
+        <p:nvSpPr>
+          <p:cNvPr id="3" name="Content Placeholder 2"/>
+          <p:cNvSpPr>
+            <a:spLocks noGrp="1"/>
+          </p:cNvSpPr>
+          <p:nvPr>
+            <p:ph idx="1"/>
+          </p:nvPr>
+        </p:nvSpPr>
+        <p:spPr/>
+        <p:txBody>
+          <a:bodyPr>
+            <a:normAutofit/>
+          </a:bodyPr>
+          <a:lstStyle/>
+          <a:p>
+            <a:r>
+              <a:rPr lang="en-US" sz="2400" dirty="0" smtClean="0"/>
+              <a:t>Ontology </a:t>
+            </a:r>
+            <a:r>
+              <a:rPr lang="en-US" sz="2400" dirty="0" err="1" smtClean="0"/>
+              <a:t>là</a:t>
+            </a:r>
+            <a:r>
+              <a:rPr lang="en-US" sz="2400" dirty="0" smtClean="0"/>
+              <a:t> </a:t>
+            </a:r>
+            <a:r>
+              <a:rPr lang="en-US" sz="2400" dirty="0" err="1" smtClean="0"/>
+              <a:t>cấu</a:t>
+            </a:r>
+            <a:r>
+              <a:rPr lang="en-US" sz="2400" dirty="0" smtClean="0"/>
+              <a:t> </a:t>
+            </a:r>
+            <a:r>
+              <a:rPr lang="en-US" sz="2400" dirty="0" err="1" smtClean="0"/>
+              <a:t>trúc</a:t>
+            </a:r>
+            <a:r>
+              <a:rPr lang="en-US" sz="2400" dirty="0" smtClean="0"/>
+              <a:t> </a:t>
+            </a:r>
+            <a:r>
+              <a:rPr lang="en-US" sz="2400" dirty="0" err="1" smtClean="0"/>
+              <a:t>chứa</a:t>
+            </a:r>
+            <a:r>
+              <a:rPr lang="en-US" sz="2400" dirty="0" smtClean="0"/>
+              <a:t> knowledge (Domain </a:t>
+            </a:r>
+            <a:r>
+              <a:rPr lang="en-US" sz="2400" dirty="0" err="1" smtClean="0"/>
+              <a:t>cụ</a:t>
+            </a:r>
+            <a:r>
+              <a:rPr lang="en-US" sz="2400" dirty="0" smtClean="0"/>
+              <a:t> </a:t>
+            </a:r>
+            <a:r>
+              <a:rPr lang="en-US" sz="2400" dirty="0" err="1" smtClean="0"/>
+              <a:t>thể</a:t>
+            </a:r>
+            <a:r>
+              <a:rPr lang="en-US" sz="2400" dirty="0" smtClean="0"/>
+              <a:t>) (</a:t>
+            </a:r>
+            <a:r>
+              <a:rPr lang="en-US" sz="2400" dirty="0" err="1" smtClean="0"/>
+              <a:t>ví</a:t>
+            </a:r>
+            <a:r>
+              <a:rPr lang="en-US" sz="2400" dirty="0" smtClean="0"/>
+              <a:t> </a:t>
+            </a:r>
+            <a:r>
+              <a:rPr lang="en-US" sz="2400" dirty="0" err="1" smtClean="0"/>
+              <a:t>dụ</a:t>
+            </a:r>
+            <a:r>
+              <a:rPr lang="en-US" sz="2400" dirty="0" smtClean="0"/>
+              <a:t>: Job Experience)</a:t>
+            </a:r>
+          </a:p>
+          <a:p>
+            <a:r>
+              <a:rPr lang="en-US" sz="2400" dirty="0" smtClean="0"/>
+              <a:t>2 Key Concept: Class and Individual (~ Class and Object)</a:t>
+            </a:r>
+          </a:p>
+          <a:p>
+            <a:r>
+              <a:rPr lang="en-US" sz="2400" dirty="0" err="1" smtClean="0"/>
+              <a:t>Các</a:t>
+            </a:r>
+            <a:r>
+              <a:rPr lang="en-US" sz="2400" dirty="0" smtClean="0"/>
+              <a:t> </a:t>
+            </a:r>
+            <a:r>
+              <a:rPr lang="en-US" sz="2400" dirty="0" err="1" smtClean="0"/>
+              <a:t>mối</a:t>
+            </a:r>
+            <a:r>
+              <a:rPr lang="en-US" sz="2400" dirty="0" smtClean="0"/>
+              <a:t> </a:t>
+            </a:r>
+            <a:r>
+              <a:rPr lang="en-US" sz="2400" dirty="0" err="1" smtClean="0"/>
+              <a:t>quan</a:t>
+            </a:r>
+            <a:r>
+              <a:rPr lang="en-US" sz="2400" dirty="0" smtClean="0"/>
+              <a:t> </a:t>
+            </a:r>
+            <a:r>
+              <a:rPr lang="en-US" sz="2400" dirty="0" err="1" smtClean="0"/>
+              <a:t>hệ</a:t>
+            </a:r>
+            <a:r>
+              <a:rPr lang="en-US" sz="2400" dirty="0" smtClean="0"/>
+              <a:t> </a:t>
+            </a:r>
+            <a:r>
+              <a:rPr lang="en-US" sz="2400" dirty="0" err="1" smtClean="0"/>
+              <a:t>giữa</a:t>
+            </a:r>
+            <a:r>
+              <a:rPr lang="en-US" sz="2400" dirty="0" smtClean="0"/>
+              <a:t> </a:t>
+            </a:r>
+            <a:r>
+              <a:rPr lang="en-US" sz="2400" dirty="0" err="1" smtClean="0"/>
+              <a:t>các</a:t>
+            </a:r>
+            <a:r>
+              <a:rPr lang="en-US" sz="2400" dirty="0" smtClean="0"/>
+              <a:t> Concept, Individual </a:t>
+            </a:r>
+            <a:r>
+              <a:rPr lang="en-US" sz="2400" dirty="0" err="1" smtClean="0"/>
+              <a:t>trong</a:t>
+            </a:r>
+            <a:r>
+              <a:rPr lang="en-US" sz="2400" dirty="0" smtClean="0"/>
+              <a:t> Domain</a:t>
+            </a:r>
+          </a:p>
+          <a:p>
+            <a:r>
+              <a:rPr lang="en-US" sz="2400" dirty="0" smtClean="0"/>
+              <a:t>Infer/Reason (</a:t>
+            </a:r>
+            <a:r>
+              <a:rPr lang="en-US" sz="2400" dirty="0" err="1" smtClean="0"/>
+              <a:t>tạo</a:t>
+            </a:r>
+            <a:r>
+              <a:rPr lang="en-US" sz="2400" dirty="0" smtClean="0"/>
+              <a:t> </a:t>
+            </a:r>
+            <a:r>
+              <a:rPr lang="en-US" sz="2400" dirty="0" err="1" smtClean="0"/>
+              <a:t>ra</a:t>
+            </a:r>
+            <a:r>
+              <a:rPr lang="en-US" sz="2400" dirty="0" smtClean="0"/>
+              <a:t>/</a:t>
+            </a:r>
+            <a:r>
+              <a:rPr lang="en-US" sz="2400" dirty="0" err="1" smtClean="0"/>
+              <a:t>tìm</a:t>
+            </a:r>
+            <a:r>
+              <a:rPr lang="en-US" sz="2400" dirty="0" smtClean="0"/>
+              <a:t> </a:t>
+            </a:r>
+            <a:r>
+              <a:rPr lang="en-US" sz="2400" dirty="0" err="1" smtClean="0"/>
+              <a:t>ra</a:t>
+            </a:r>
+            <a:r>
+              <a:rPr lang="en-US" sz="2400" dirty="0" smtClean="0"/>
+              <a:t>) knowledge </a:t>
+            </a:r>
+            <a:r>
+              <a:rPr lang="en-US" sz="2400" dirty="0" err="1" smtClean="0"/>
+              <a:t>mới</a:t>
+            </a:r>
+            <a:endParaRPr lang="en-US" sz="2400" dirty="0" smtClean="0"/>
+          </a:p>
+          <a:p>
+            <a:pPr marL="0" indent="0">
+              <a:buNone/>
+            </a:pPr>
+            <a:r>
+              <a:rPr lang="en-US" sz="2400" dirty="0" smtClean="0"/>
+              <a:t>-&gt; </a:t>
+            </a:r>
+            <a:r>
+              <a:rPr lang="en-US" sz="2400" dirty="0" err="1" smtClean="0"/>
+              <a:t>Khác</a:t>
+            </a:r>
+            <a:r>
+              <a:rPr lang="en-US" sz="2400" dirty="0" smtClean="0"/>
+              <a:t> </a:t>
+            </a:r>
+            <a:r>
+              <a:rPr lang="en-US" sz="2400" dirty="0" err="1" smtClean="0"/>
+              <a:t>với</a:t>
+            </a:r>
+            <a:r>
+              <a:rPr lang="en-US" sz="2400" dirty="0" smtClean="0"/>
+              <a:t> data structure </a:t>
+            </a:r>
+            <a:r>
+              <a:rPr lang="en-US" sz="2400" dirty="0" err="1" smtClean="0"/>
+              <a:t>bình</a:t>
+            </a:r>
+            <a:r>
+              <a:rPr lang="en-US" sz="2400" dirty="0" smtClean="0"/>
+              <a:t> </a:t>
+            </a:r>
+            <a:r>
+              <a:rPr lang="en-US" sz="2400" dirty="0" err="1" smtClean="0"/>
+              <a:t>thường</a:t>
+            </a:r>
+            <a:endParaRPr lang="en-US" sz="2400" dirty="0" smtClean="0"/>
+          </a:p>
+          <a:p>
+            <a:endParaRPr lang="en-US" sz="2400" dirty="0" smtClean="0"/>
+          </a:p>
+          <a:p>
+            <a:endParaRPr lang="en-US" sz="2400" dirty="0" smtClean="0"/>
+          </a:p>
+          <a:p>
+            <a:endParaRPr lang="en-US" sz="2400" dirty="0"/>
+          </a:p>
+        </p:txBody>
+      </p:sp>
+    </p:spTree>
+    <p:extLst>
+      <p:ext uri="{BB962C8B-B14F-4D97-AF65-F5344CB8AC3E}">
+        <p14:creationId xmlns:p14="http://schemas.microsoft.com/office/powerpoint/2010/main" val="473631671"/>
+      </p:ext>
+    </p:extLst>
+  </p:cSld>
+  <p:clrMapOvr>
+    <a:masterClrMapping/>
+  </p:clrMapOvr>
+  <p:transition spd="slow"/>
+  <p:timing>
+    <p:tnLst>
+      <p:par>
+        <p:cTn id="1" dur="indefinite" restart="never" nodeType="tmRoot"/>
+      </p:par>
+    </p:tnLst>
+  </p:timing>
+</p:sld>
+</file>
+
+<file path=ppt/slides/slide13.xml><?xml version="1.0" encoding="utf-8"?>
+<p:sld xmlns:a="http://schemas.openxmlformats.org/drawingml/2006/main" xmlns:r="http://schemas.openxmlformats.org/officeDocument/2006/relationships" xmlns:p="http://schemas.openxmlformats.org/presentationml/2006/main">
+  <p:cSld>
+    <p:spTree>
+      <p:nvGrpSpPr>
+        <p:cNvPr id="1" name=""/>
+        <p:cNvGrpSpPr/>
+        <p:nvPr/>
+      </p:nvGrpSpPr>
+      <p:grpSpPr>
+        <a:xfrm>
+          <a:off x="0" y="0"/>
+          <a:ext cx="0" cy="0"/>
+          <a:chOff x="0" y="0"/>
+          <a:chExt cx="0" cy="0"/>
+        </a:xfrm>
+      </p:grpSpPr>
+      <p:sp>
+        <p:nvSpPr>
+          <p:cNvPr id="2" name="Title 1"/>
+          <p:cNvSpPr>
+            <a:spLocks noGrp="1"/>
+          </p:cNvSpPr>
+          <p:nvPr>
+            <p:ph type="title"/>
+          </p:nvPr>
+        </p:nvSpPr>
+        <p:spPr/>
+        <p:txBody>
+          <a:bodyPr/>
+          <a:lstStyle/>
+          <a:p>
+            <a:r>
+              <a:rPr lang="en-US" dirty="0" smtClean="0"/>
+              <a:t>Ontology Engineering</a:t>
+            </a:r>
+            <a:endParaRPr lang="en-US" dirty="0"/>
+          </a:p>
+        </p:txBody>
+      </p:sp>
+      <p:sp>
+        <p:nvSpPr>
+          <p:cNvPr id="3" name="Content Placeholder 2"/>
+          <p:cNvSpPr>
+            <a:spLocks noGrp="1"/>
+          </p:cNvSpPr>
+          <p:nvPr>
+            <p:ph idx="1"/>
+          </p:nvPr>
+        </p:nvSpPr>
+        <p:spPr/>
+        <p:txBody>
+          <a:bodyPr>
+            <a:normAutofit/>
+          </a:bodyPr>
+          <a:lstStyle/>
+          <a:p>
+            <a:r>
+              <a:rPr lang="en-US" sz="2400" dirty="0" smtClean="0"/>
+              <a:t>Step 1: Building ontology</a:t>
+            </a:r>
+          </a:p>
+          <a:p>
+            <a:r>
+              <a:rPr lang="en-US" sz="2400" dirty="0" smtClean="0"/>
+              <a:t>Step 2: Appling and developing App </a:t>
+            </a:r>
+            <a:r>
+              <a:rPr lang="en-US" sz="2400" smtClean="0"/>
+              <a:t>base ontology</a:t>
+            </a:r>
+          </a:p>
+        </p:txBody>
+      </p:sp>
+    </p:spTree>
+    <p:extLst>
+      <p:ext uri="{BB962C8B-B14F-4D97-AF65-F5344CB8AC3E}">
+        <p14:creationId xmlns:p14="http://schemas.microsoft.com/office/powerpoint/2010/main" val="2424280886"/>
+      </p:ext>
+    </p:extLst>
+  </p:cSld>
+  <p:clrMapOvr>
+    <a:masterClrMapping/>
+  </p:clrMapOvr>
+  <p:transition spd="slow"/>
+  <p:timing>
+    <p:tnLst>
+      <p:par>
+        <p:cTn id="1" dur="indefinite" restart="never" nodeType="tmRoot"/>
+      </p:par>
+    </p:tnLst>
+  </p:timing>
+</p:sld>
+</file>
+
 <file path=ppt/slides/slide2.xml><?xml version="1.0" encoding="utf-8"?>
 <p:sld xmlns:a="http://schemas.openxmlformats.org/drawingml/2006/main" xmlns:r="http://schemas.openxmlformats.org/officeDocument/2006/relationships" xmlns:p="http://schemas.openxmlformats.org/presentationml/2006/main">
   <p:cSld>
@@ -14287,7 +14909,6 @@
               <a:rPr lang="en-US" sz="2000" dirty="0" smtClean="0"/>
               <a:t>. (implement flexible features base job zoom)</a:t>
             </a:r>
-            <a:endParaRPr lang="en-US" sz="2000" dirty="0" smtClean="0"/>
           </a:p>
           <a:p>
             <a:pPr lvl="1"/>
@@ -14423,13 +15044,8 @@
             </a:r>
             <a:r>
               <a:rPr lang="en-US" sz="2400" u="sng" dirty="0" smtClean="0"/>
-              <a:t> </a:t>
-            </a:r>
-            <a:r>
-              <a:rPr lang="en-US" sz="2400" u="sng" dirty="0" smtClean="0"/>
-              <a:t>2:</a:t>
-            </a:r>
-            <a:endParaRPr lang="en-US" sz="2400" u="sng" dirty="0" smtClean="0"/>
+              <a:t> 2:</a:t>
+            </a:r>
           </a:p>
           <a:p>
             <a:r>
@@ -14735,7 +15351,6 @@
               <a:rPr lang="en-US" sz="2000" dirty="0" smtClean="0"/>
               <a:t> attribute</a:t>
             </a:r>
-            <a:endParaRPr lang="en-US" sz="2000" dirty="0" smtClean="0"/>
           </a:p>
           <a:p>
             <a:pPr marL="457200" lvl="1" indent="0">
@@ -15723,7 +16338,7 @@
 </file>
 
 <file path=ppt/slides/slide7.xml><?xml version="1.0" encoding="utf-8"?>
-<p:sld xmlns:a="http://schemas.openxmlformats.org/drawingml/2006/main" xmlns:r="http://schemas.openxmlformats.org/officeDocument/2006/relationships" xmlns:p="http://schemas.openxmlformats.org/presentationml/2006/main">
+<p:sld xmlns:a="http://schemas.openxmlformats.org/drawingml/2006/main" xmlns:r="http://schemas.openxmlformats.org/officeDocument/2006/relationships" xmlns:p="http://schemas.openxmlformats.org/presentationml/2006/main" show="0">
   <p:cSld>
     <p:spTree>
       <p:nvGrpSpPr>
@@ -17077,8 +17692,219 @@
           <a:p>
             <a:r>
               <a:rPr lang="en-US" dirty="0" smtClean="0"/>
-              <a:t>Brainstorm</a:t>
-            </a:r>
+              <a:t>Note</a:t>
+            </a:r>
+            <a:endParaRPr lang="en-US" dirty="0"/>
+          </a:p>
+        </p:txBody>
+      </p:sp>
+      <p:sp>
+        <p:nvSpPr>
+          <p:cNvPr id="3" name="Content Placeholder 2"/>
+          <p:cNvSpPr>
+            <a:spLocks noGrp="1"/>
+          </p:cNvSpPr>
+          <p:nvPr>
+            <p:ph idx="1"/>
+          </p:nvPr>
+        </p:nvSpPr>
+        <p:spPr/>
+        <p:txBody>
+          <a:bodyPr/>
+          <a:lstStyle/>
+          <a:p>
+            <a:r>
+              <a:rPr lang="en-US" dirty="0" err="1" smtClean="0"/>
+              <a:t>Thống</a:t>
+            </a:r>
+            <a:r>
+              <a:rPr lang="en-US" dirty="0" smtClean="0"/>
+              <a:t> </a:t>
+            </a:r>
+            <a:r>
+              <a:rPr lang="en-US" dirty="0" err="1" smtClean="0"/>
+              <a:t>kê</a:t>
+            </a:r>
+            <a:r>
+              <a:rPr lang="en-US" dirty="0" smtClean="0"/>
+              <a:t> </a:t>
+            </a:r>
+            <a:r>
+              <a:rPr lang="en-US" dirty="0" err="1" smtClean="0"/>
+              <a:t>có</a:t>
+            </a:r>
+            <a:r>
+              <a:rPr lang="en-US" dirty="0" smtClean="0"/>
+              <a:t> </a:t>
+            </a:r>
+            <a:r>
+              <a:rPr lang="en-US" dirty="0" err="1" smtClean="0"/>
+              <a:t>định</a:t>
+            </a:r>
+            <a:r>
+              <a:rPr lang="en-US" dirty="0" smtClean="0"/>
+              <a:t> </a:t>
+            </a:r>
+            <a:r>
+              <a:rPr lang="en-US" dirty="0" err="1" smtClean="0"/>
+              <a:t>hướng</a:t>
+            </a:r>
+            <a:endParaRPr lang="en-US" dirty="0" smtClean="0"/>
+          </a:p>
+          <a:p>
+            <a:r>
+              <a:rPr lang="en-US" dirty="0" smtClean="0"/>
+              <a:t>So </a:t>
+            </a:r>
+            <a:r>
+              <a:rPr lang="en-US" dirty="0" err="1" smtClean="0"/>
+              <a:t>sánh</a:t>
+            </a:r>
+            <a:r>
+              <a:rPr lang="en-US" dirty="0" smtClean="0"/>
+              <a:t> </a:t>
+            </a:r>
+            <a:r>
+              <a:rPr lang="en-US" dirty="0" err="1" smtClean="0"/>
+              <a:t>thống</a:t>
+            </a:r>
+            <a:r>
+              <a:rPr lang="en-US" dirty="0" smtClean="0"/>
+              <a:t> </a:t>
+            </a:r>
+            <a:r>
+              <a:rPr lang="en-US" dirty="0" err="1" smtClean="0"/>
+              <a:t>kê</a:t>
+            </a:r>
+            <a:r>
+              <a:rPr lang="en-US" dirty="0" smtClean="0"/>
+              <a:t> </a:t>
+            </a:r>
+            <a:r>
+              <a:rPr lang="en-US" dirty="0" err="1" smtClean="0"/>
+              <a:t>định</a:t>
+            </a:r>
+            <a:r>
+              <a:rPr lang="en-US" dirty="0" smtClean="0"/>
+              <a:t> </a:t>
+            </a:r>
+            <a:r>
+              <a:rPr lang="en-US" dirty="0" err="1" smtClean="0"/>
+              <a:t>hướng</a:t>
+            </a:r>
+            <a:r>
+              <a:rPr lang="en-US" dirty="0" smtClean="0"/>
+              <a:t> </a:t>
+            </a:r>
+            <a:r>
+              <a:rPr lang="en-US" dirty="0" err="1" smtClean="0"/>
+              <a:t>vs</a:t>
+            </a:r>
+            <a:r>
+              <a:rPr lang="en-US" dirty="0" smtClean="0"/>
+              <a:t> </a:t>
+            </a:r>
+            <a:r>
+              <a:rPr lang="en-US" dirty="0" err="1" smtClean="0"/>
+              <a:t>không</a:t>
+            </a:r>
+            <a:r>
+              <a:rPr lang="en-US" dirty="0" smtClean="0"/>
+              <a:t> </a:t>
+            </a:r>
+            <a:r>
+              <a:rPr lang="en-US" dirty="0" err="1" smtClean="0"/>
+              <a:t>định</a:t>
+            </a:r>
+            <a:r>
+              <a:rPr lang="en-US" dirty="0" smtClean="0"/>
+              <a:t> </a:t>
+            </a:r>
+            <a:r>
+              <a:rPr lang="en-US" dirty="0" err="1" smtClean="0"/>
+              <a:t>hướng</a:t>
+            </a:r>
+            <a:endParaRPr lang="en-US" dirty="0" smtClean="0"/>
+          </a:p>
+          <a:p>
+            <a:r>
+              <a:rPr lang="en-US" dirty="0" smtClean="0"/>
+              <a:t>Decision Tree -&gt; </a:t>
+            </a:r>
+            <a:r>
+              <a:rPr lang="en-US" dirty="0" err="1" smtClean="0"/>
+              <a:t>xác</a:t>
+            </a:r>
+            <a:r>
+              <a:rPr lang="en-US" dirty="0" smtClean="0"/>
+              <a:t> </a:t>
+            </a:r>
+            <a:r>
+              <a:rPr lang="en-US" dirty="0" err="1" smtClean="0"/>
+              <a:t>định</a:t>
+            </a:r>
+            <a:r>
+              <a:rPr lang="en-US" dirty="0" smtClean="0"/>
+              <a:t> </a:t>
+            </a:r>
+            <a:r>
+              <a:rPr lang="en-US" dirty="0" err="1" smtClean="0"/>
+              <a:t>mối</a:t>
+            </a:r>
+            <a:r>
+              <a:rPr lang="en-US" dirty="0" smtClean="0"/>
+              <a:t> </a:t>
+            </a:r>
+            <a:r>
+              <a:rPr lang="en-US" dirty="0" err="1" smtClean="0"/>
+              <a:t>quan</a:t>
+            </a:r>
+            <a:r>
+              <a:rPr lang="en-US" dirty="0" smtClean="0"/>
+              <a:t> </a:t>
+            </a:r>
+            <a:r>
+              <a:rPr lang="en-US" dirty="0" err="1" smtClean="0"/>
+              <a:t>hệ</a:t>
+            </a:r>
+            <a:r>
+              <a:rPr lang="en-US" dirty="0" smtClean="0"/>
+              <a:t> </a:t>
+            </a:r>
+            <a:r>
+              <a:rPr lang="en-US" dirty="0" err="1" smtClean="0"/>
+              <a:t>giữa</a:t>
+            </a:r>
+            <a:r>
+              <a:rPr lang="en-US" dirty="0" smtClean="0"/>
+              <a:t> </a:t>
+            </a:r>
+            <a:r>
+              <a:rPr lang="en-US" dirty="0" err="1" smtClean="0"/>
+              <a:t>các</a:t>
+            </a:r>
+            <a:r>
+              <a:rPr lang="en-US" dirty="0" smtClean="0"/>
+              <a:t> attribute </a:t>
+            </a:r>
+            <a:r>
+              <a:rPr lang="en-US" dirty="0" err="1" smtClean="0"/>
+              <a:t>với</a:t>
+            </a:r>
+            <a:r>
+              <a:rPr lang="en-US" dirty="0" smtClean="0"/>
+              <a:t> </a:t>
+            </a:r>
+            <a:r>
+              <a:rPr lang="en-US" dirty="0" err="1" smtClean="0"/>
+              <a:t>nhau</a:t>
+            </a:r>
+            <a:endParaRPr lang="en-US" dirty="0" smtClean="0"/>
+          </a:p>
+          <a:p>
+            <a:endParaRPr lang="en-US" dirty="0" smtClean="0"/>
+          </a:p>
+          <a:p>
             <a:endParaRPr lang="en-US" dirty="0"/>
           </a:p>
         </p:txBody>
@@ -17086,7 +17912,119 @@
     </p:spTree>
     <p:extLst>
       <p:ext uri="{BB962C8B-B14F-4D97-AF65-F5344CB8AC3E}">
-        <p14:creationId xmlns:p14="http://schemas.microsoft.com/office/powerpoint/2010/main" val="173400139"/>
+        <p14:creationId xmlns:p14="http://schemas.microsoft.com/office/powerpoint/2010/main" val="522233258"/>
+      </p:ext>
+    </p:extLst>
+  </p:cSld>
+  <p:clrMapOvr>
+    <a:masterClrMapping/>
+  </p:clrMapOvr>
+  <p:transition spd="slow"/>
+  <p:timing>
+    <p:tnLst>
+      <p:par>
+        <p:cTn id="1" dur="indefinite" restart="never" nodeType="tmRoot"/>
+      </p:par>
+    </p:tnLst>
+  </p:timing>
+</p:sld>
+</file>
+
+<file path=ppt/slides/slide9.xml><?xml version="1.0" encoding="utf-8"?>
+<p:sld xmlns:a="http://schemas.openxmlformats.org/drawingml/2006/main" xmlns:r="http://schemas.openxmlformats.org/officeDocument/2006/relationships" xmlns:p="http://schemas.openxmlformats.org/presentationml/2006/main">
+  <p:cSld>
+    <p:spTree>
+      <p:nvGrpSpPr>
+        <p:cNvPr id="1" name=""/>
+        <p:cNvGrpSpPr/>
+        <p:nvPr/>
+      </p:nvGrpSpPr>
+      <p:grpSpPr>
+        <a:xfrm>
+          <a:off x="0" y="0"/>
+          <a:ext cx="0" cy="0"/>
+          <a:chOff x="0" y="0"/>
+          <a:chExt cx="0" cy="0"/>
+        </a:xfrm>
+      </p:grpSpPr>
+      <p:sp>
+        <p:nvSpPr>
+          <p:cNvPr id="2" name="Title 1"/>
+          <p:cNvSpPr>
+            <a:spLocks noGrp="1"/>
+          </p:cNvSpPr>
+          <p:nvPr>
+            <p:ph type="title"/>
+          </p:nvPr>
+        </p:nvSpPr>
+        <p:spPr/>
+        <p:txBody>
+          <a:bodyPr/>
+          <a:lstStyle/>
+          <a:p>
+            <a:r>
+              <a:rPr lang="en-US" dirty="0" smtClean="0"/>
+              <a:t>Note</a:t>
+            </a:r>
+            <a:endParaRPr lang="en-US" dirty="0"/>
+          </a:p>
+        </p:txBody>
+      </p:sp>
+      <p:sp>
+        <p:nvSpPr>
+          <p:cNvPr id="3" name="Content Placeholder 2"/>
+          <p:cNvSpPr>
+            <a:spLocks noGrp="1"/>
+          </p:cNvSpPr>
+          <p:nvPr>
+            <p:ph idx="1"/>
+          </p:nvPr>
+        </p:nvSpPr>
+        <p:spPr/>
+        <p:txBody>
+          <a:bodyPr/>
+          <a:lstStyle/>
+          <a:p>
+            <a:r>
+              <a:rPr lang="en-US" dirty="0" smtClean="0"/>
+              <a:t>Attribute -&gt; </a:t>
+            </a:r>
+            <a:r>
+              <a:rPr lang="en-US" dirty="0" err="1" smtClean="0"/>
+              <a:t>chuyển</a:t>
+            </a:r>
+            <a:r>
+              <a:rPr lang="en-US" dirty="0" smtClean="0"/>
+              <a:t> </a:t>
+            </a:r>
+            <a:r>
+              <a:rPr lang="en-US" dirty="0" err="1" smtClean="0"/>
+              <a:t>thành</a:t>
+            </a:r>
+            <a:r>
+              <a:rPr lang="en-US" dirty="0" smtClean="0"/>
+              <a:t> text</a:t>
+            </a:r>
+          </a:p>
+          <a:p>
+            <a:r>
+              <a:rPr lang="en-US" dirty="0" smtClean="0"/>
+              <a:t>Attribute relationship -&gt; hierarchy tree</a:t>
+            </a:r>
+          </a:p>
+          <a:p>
+            <a:r>
+              <a:rPr lang="en-US" smtClean="0"/>
+              <a:t>Network storage</a:t>
+            </a:r>
+            <a:endParaRPr lang="en-US" dirty="0"/>
+          </a:p>
+        </p:txBody>
+      </p:sp>
+    </p:spTree>
+    <p:extLst>
+      <p:ext uri="{BB962C8B-B14F-4D97-AF65-F5344CB8AC3E}">
+        <p14:creationId xmlns:p14="http://schemas.microsoft.com/office/powerpoint/2010/main" val="1736630696"/>
       </p:ext>
     </p:extLst>
   </p:cSld>

--- a/Documents/JobZoom.pptx
+++ b/Documents/JobZoom.pptx
@@ -7,7 +7,7 @@
     <p:sldMasterId id="2147483683" r:id="rId3"/>
   </p:sldMasterIdLst>
   <p:notesMasterIdLst>
-    <p:notesMasterId r:id="rId17"/>
+    <p:notesMasterId r:id="rId18"/>
   </p:notesMasterIdLst>
   <p:sldIdLst>
     <p:sldId id="256" r:id="rId4"/>
@@ -23,6 +23,7 @@
     <p:sldId id="270" r:id="rId14"/>
     <p:sldId id="271" r:id="rId15"/>
     <p:sldId id="272" r:id="rId16"/>
+    <p:sldId id="273" r:id="rId17"/>
   </p:sldIdLst>
   <p:sldSz cx="9144000" cy="5143500" type="screen16x9"/>
   <p:notesSz cx="6858000" cy="9144000"/>
@@ -206,7 +207,7 @@
           <a:p>
             <a:fld id="{583FCA0D-5591-4BBE-99D9-278F61168510}" type="datetimeFigureOut">
               <a:rPr lang="en-US" smtClean="0"/>
-              <a:t>9/7/2011</a:t>
+              <a:t>9/15/2011</a:t>
             </a:fld>
             <a:endParaRPr lang="en-US"/>
           </a:p>
@@ -784,7 +785,7 @@
           <a:p>
             <a:fld id="{2E16D3F5-7A2C-4A23-896D-2AF7EDFD4A28}" type="datetimeFigureOut">
               <a:rPr lang="en-US" smtClean="0"/>
-              <a:t>9/7/2011</a:t>
+              <a:t>9/15/2011</a:t>
             </a:fld>
             <a:endParaRPr lang="en-US"/>
           </a:p>
@@ -3395,7 +3396,7 @@
           <a:p>
             <a:fld id="{2E16D3F5-7A2C-4A23-896D-2AF7EDFD4A28}" type="datetimeFigureOut">
               <a:rPr lang="en-US" smtClean="0"/>
-              <a:t>9/7/2011</a:t>
+              <a:t>9/15/2011</a:t>
             </a:fld>
             <a:endParaRPr lang="en-US"/>
           </a:p>
@@ -9414,7 +9415,7 @@
           <a:p>
             <a:fld id="{2E16D3F5-7A2C-4A23-896D-2AF7EDFD4A28}" type="datetimeFigureOut">
               <a:rPr lang="en-US" smtClean="0"/>
-              <a:t>9/7/2011</a:t>
+              <a:t>9/15/2011</a:t>
             </a:fld>
             <a:endParaRPr lang="en-US"/>
           </a:p>
@@ -12980,11 +12981,7 @@
           <a:p>
             <a:r>
               <a:rPr lang="en-US" sz="2400" dirty="0" smtClean="0"/>
-              <a:t>Step 2: Appling and developing App </a:t>
-            </a:r>
-            <a:r>
-              <a:rPr lang="en-US" sz="2400" smtClean="0"/>
-              <a:t>base ontology</a:t>
+              <a:t>Step 2: Appling and developing App base ontology</a:t>
             </a:r>
           </a:p>
         </p:txBody>
@@ -12993,6 +12990,169 @@
     <p:extLst>
       <p:ext uri="{BB962C8B-B14F-4D97-AF65-F5344CB8AC3E}">
         <p14:creationId xmlns:p14="http://schemas.microsoft.com/office/powerpoint/2010/main" val="2424280886"/>
+      </p:ext>
+    </p:extLst>
+  </p:cSld>
+  <p:clrMapOvr>
+    <a:masterClrMapping/>
+  </p:clrMapOvr>
+  <p:transition spd="slow"/>
+  <p:timing>
+    <p:tnLst>
+      <p:par>
+        <p:cTn id="1" dur="indefinite" restart="never" nodeType="tmRoot"/>
+      </p:par>
+    </p:tnLst>
+  </p:timing>
+</p:sld>
+</file>
+
+<file path=ppt/slides/slide14.xml><?xml version="1.0" encoding="utf-8"?>
+<p:sld xmlns:a="http://schemas.openxmlformats.org/drawingml/2006/main" xmlns:r="http://schemas.openxmlformats.org/officeDocument/2006/relationships" xmlns:p="http://schemas.openxmlformats.org/presentationml/2006/main">
+  <p:cSld>
+    <p:spTree>
+      <p:nvGrpSpPr>
+        <p:cNvPr id="1" name=""/>
+        <p:cNvGrpSpPr/>
+        <p:nvPr/>
+      </p:nvGrpSpPr>
+      <p:grpSpPr>
+        <a:xfrm>
+          <a:off x="0" y="0"/>
+          <a:ext cx="0" cy="0"/>
+          <a:chOff x="0" y="0"/>
+          <a:chExt cx="0" cy="0"/>
+        </a:xfrm>
+      </p:grpSpPr>
+      <p:sp>
+        <p:nvSpPr>
+          <p:cNvPr id="2" name="Title 1"/>
+          <p:cNvSpPr>
+            <a:spLocks noGrp="1"/>
+          </p:cNvSpPr>
+          <p:nvPr>
+            <p:ph type="title"/>
+          </p:nvPr>
+        </p:nvSpPr>
+        <p:spPr>
+          <a:xfrm>
+            <a:off x="0" y="-37800"/>
+            <a:ext cx="9144000" cy="857250"/>
+          </a:xfrm>
+        </p:spPr>
+        <p:txBody>
+          <a:bodyPr>
+            <a:normAutofit/>
+          </a:bodyPr>
+          <a:lstStyle/>
+          <a:p>
+            <a:r>
+              <a:rPr lang="en-US" sz="2400" dirty="0" smtClean="0"/>
+              <a:t>Decision </a:t>
+            </a:r>
+            <a:r>
+              <a:rPr lang="en-US" sz="2400" dirty="0"/>
+              <a:t>Tree </a:t>
+            </a:r>
+            <a:r>
+              <a:rPr lang="en-US" sz="2400" dirty="0" err="1" smtClean="0"/>
+              <a:t>xác</a:t>
+            </a:r>
+            <a:r>
+              <a:rPr lang="en-US" sz="2400" dirty="0" smtClean="0"/>
+              <a:t> </a:t>
+            </a:r>
+            <a:r>
+              <a:rPr lang="vi-VN" sz="2400" dirty="0" smtClean="0"/>
+              <a:t>đị</a:t>
+            </a:r>
+            <a:r>
+              <a:rPr lang="en-US" sz="2400" dirty="0" err="1" smtClean="0"/>
+              <a:t>nh</a:t>
+            </a:r>
+            <a:r>
+              <a:rPr lang="en-US" sz="2400" dirty="0"/>
+              <a:t> </a:t>
+            </a:r>
+            <a:r>
+              <a:rPr lang="en-US" sz="2400" dirty="0" err="1" smtClean="0"/>
+              <a:t>mối</a:t>
+            </a:r>
+            <a:r>
+              <a:rPr lang="en-US" sz="2400" dirty="0" smtClean="0"/>
+              <a:t> </a:t>
+            </a:r>
+            <a:r>
+              <a:rPr lang="en-US" sz="2400" dirty="0" err="1" smtClean="0"/>
+              <a:t>quan</a:t>
+            </a:r>
+            <a:r>
+              <a:rPr lang="en-US" sz="2400" dirty="0"/>
+              <a:t> </a:t>
+            </a:r>
+            <a:r>
+              <a:rPr lang="en-US" sz="2400" dirty="0" err="1" smtClean="0"/>
+              <a:t>hệ</a:t>
+            </a:r>
+            <a:r>
+              <a:rPr lang="en-US" sz="2400" dirty="0"/>
+              <a:t> </a:t>
+            </a:r>
+            <a:r>
+              <a:rPr lang="en-US" sz="2400" dirty="0" err="1" smtClean="0"/>
+              <a:t>giữa</a:t>
+            </a:r>
+            <a:r>
+              <a:rPr lang="en-US" sz="2400" dirty="0"/>
+              <a:t> </a:t>
+            </a:r>
+            <a:r>
+              <a:rPr lang="en-US" sz="2400" dirty="0" err="1" smtClean="0"/>
+              <a:t>các</a:t>
+            </a:r>
+            <a:r>
+              <a:rPr lang="en-US" sz="2400" smtClean="0"/>
+              <a:t> Attributes </a:t>
+            </a:r>
+            <a:r>
+              <a:rPr lang="en-US" sz="2400" dirty="0" err="1" smtClean="0"/>
+              <a:t>với</a:t>
+            </a:r>
+            <a:r>
+              <a:rPr lang="en-US" sz="2400" dirty="0" smtClean="0"/>
+              <a:t> </a:t>
+            </a:r>
+            <a:r>
+              <a:rPr lang="en-US" sz="2400" dirty="0" err="1" smtClean="0"/>
+              <a:t>nhau</a:t>
+            </a:r>
+            <a:endParaRPr lang="en-US" sz="2400" dirty="0"/>
+          </a:p>
+        </p:txBody>
+      </p:sp>
+      <p:sp>
+        <p:nvSpPr>
+          <p:cNvPr id="3" name="Content Placeholder 2"/>
+          <p:cNvSpPr>
+            <a:spLocks noGrp="1"/>
+          </p:cNvSpPr>
+          <p:nvPr>
+            <p:ph idx="1"/>
+          </p:nvPr>
+        </p:nvSpPr>
+        <p:spPr/>
+        <p:txBody>
+          <a:bodyPr/>
+          <a:lstStyle/>
+          <a:p>
+            <a:endParaRPr lang="en-US"/>
+          </a:p>
+        </p:txBody>
+      </p:sp>
+    </p:spTree>
+    <p:extLst>
+      <p:ext uri="{BB962C8B-B14F-4D97-AF65-F5344CB8AC3E}">
+        <p14:creationId xmlns:p14="http://schemas.microsoft.com/office/powerpoint/2010/main" val="231598940"/>
       </p:ext>
     </p:extLst>
   </p:cSld>

--- a/Documents/JobZoom.pptx
+++ b/Documents/JobZoom.pptx
@@ -7,7 +7,7 @@
     <p:sldMasterId id="2147483683" r:id="rId3"/>
   </p:sldMasterIdLst>
   <p:notesMasterIdLst>
-    <p:notesMasterId r:id="rId18"/>
+    <p:notesMasterId r:id="rId19"/>
   </p:notesMasterIdLst>
   <p:sldIdLst>
     <p:sldId id="256" r:id="rId4"/>
@@ -24,6 +24,7 @@
     <p:sldId id="271" r:id="rId15"/>
     <p:sldId id="272" r:id="rId16"/>
     <p:sldId id="273" r:id="rId17"/>
+    <p:sldId id="274" r:id="rId18"/>
   </p:sldIdLst>
   <p:sldSz cx="9144000" cy="5143500" type="screen16x9"/>
   <p:notesSz cx="6858000" cy="9144000"/>
@@ -207,7 +208,7 @@
           <a:p>
             <a:fld id="{583FCA0D-5591-4BBE-99D9-278F61168510}" type="datetimeFigureOut">
               <a:rPr lang="en-US" smtClean="0"/>
-              <a:t>9/15/2011</a:t>
+              <a:t>10/3/2011</a:t>
             </a:fld>
             <a:endParaRPr lang="en-US"/>
           </a:p>
@@ -785,7 +786,7 @@
           <a:p>
             <a:fld id="{2E16D3F5-7A2C-4A23-896D-2AF7EDFD4A28}" type="datetimeFigureOut">
               <a:rPr lang="en-US" smtClean="0"/>
-              <a:t>9/15/2011</a:t>
+              <a:t>10/3/2011</a:t>
             </a:fld>
             <a:endParaRPr lang="en-US"/>
           </a:p>
@@ -3396,7 +3397,7 @@
           <a:p>
             <a:fld id="{2E16D3F5-7A2C-4A23-896D-2AF7EDFD4A28}" type="datetimeFigureOut">
               <a:rPr lang="en-US" smtClean="0"/>
-              <a:t>9/15/2011</a:t>
+              <a:t>10/3/2011</a:t>
             </a:fld>
             <a:endParaRPr lang="en-US"/>
           </a:p>
@@ -9415,7 +9416,7 @@
           <a:p>
             <a:fld id="{2E16D3F5-7A2C-4A23-896D-2AF7EDFD4A28}" type="datetimeFigureOut">
               <a:rPr lang="en-US" smtClean="0"/>
-              <a:t>9/15/2011</a:t>
+              <a:t>10/3/2011</a:t>
             </a:fld>
             <a:endParaRPr lang="en-US"/>
           </a:p>
@@ -13153,6 +13154,429 @@
     <p:extLst>
       <p:ext uri="{BB962C8B-B14F-4D97-AF65-F5344CB8AC3E}">
         <p14:creationId xmlns:p14="http://schemas.microsoft.com/office/powerpoint/2010/main" val="231598940"/>
+      </p:ext>
+    </p:extLst>
+  </p:cSld>
+  <p:clrMapOvr>
+    <a:masterClrMapping/>
+  </p:clrMapOvr>
+  <p:transition spd="slow"/>
+  <p:timing>
+    <p:tnLst>
+      <p:par>
+        <p:cTn id="1" dur="indefinite" restart="never" nodeType="tmRoot"/>
+      </p:par>
+    </p:tnLst>
+  </p:timing>
+</p:sld>
+</file>
+
+<file path=ppt/slides/slide15.xml><?xml version="1.0" encoding="utf-8"?>
+<p:sld xmlns:a="http://schemas.openxmlformats.org/drawingml/2006/main" xmlns:r="http://schemas.openxmlformats.org/officeDocument/2006/relationships" xmlns:p="http://schemas.openxmlformats.org/presentationml/2006/main">
+  <p:cSld>
+    <p:spTree>
+      <p:nvGrpSpPr>
+        <p:cNvPr id="1" name=""/>
+        <p:cNvGrpSpPr/>
+        <p:nvPr/>
+      </p:nvGrpSpPr>
+      <p:grpSpPr>
+        <a:xfrm>
+          <a:off x="0" y="0"/>
+          <a:ext cx="0" cy="0"/>
+          <a:chOff x="0" y="0"/>
+          <a:chExt cx="0" cy="0"/>
+        </a:xfrm>
+      </p:grpSpPr>
+      <p:sp>
+        <p:nvSpPr>
+          <p:cNvPr id="2" name="Title 1"/>
+          <p:cNvSpPr>
+            <a:spLocks noGrp="1"/>
+          </p:cNvSpPr>
+          <p:nvPr>
+            <p:ph type="title"/>
+          </p:nvPr>
+        </p:nvSpPr>
+        <p:spPr/>
+        <p:txBody>
+          <a:bodyPr/>
+          <a:lstStyle/>
+          <a:p>
+            <a:r>
+              <a:rPr lang="en-US" dirty="0" smtClean="0"/>
+              <a:t>Decision Tree</a:t>
+            </a:r>
+            <a:endParaRPr lang="en-US" dirty="0"/>
+          </a:p>
+        </p:txBody>
+      </p:sp>
+      <p:sp>
+        <p:nvSpPr>
+          <p:cNvPr id="4" name="Rectangle 3"/>
+          <p:cNvSpPr/>
+          <p:nvPr/>
+        </p:nvSpPr>
+        <p:spPr>
+          <a:xfrm>
+            <a:off x="3505200" y="711202"/>
+            <a:ext cx="990600" cy="533400"/>
+          </a:xfrm>
+          <a:prstGeom prst="rect">
+            <a:avLst/>
+          </a:prstGeom>
+        </p:spPr>
+        <p:style>
+          <a:lnRef idx="2">
+            <a:schemeClr val="accent1">
+              <a:shade val="50000"/>
+            </a:schemeClr>
+          </a:lnRef>
+          <a:fillRef idx="1">
+            <a:schemeClr val="accent1"/>
+          </a:fillRef>
+          <a:effectRef idx="0">
+            <a:schemeClr val="accent1"/>
+          </a:effectRef>
+          <a:fontRef idx="minor">
+            <a:schemeClr val="lt1"/>
+          </a:fontRef>
+        </p:style>
+        <p:txBody>
+          <a:bodyPr rtlCol="0" anchor="ctr"/>
+          <a:lstStyle/>
+          <a:p>
+            <a:pPr algn="ctr"/>
+            <a:r>
+              <a:rPr lang="en-US" dirty="0" smtClean="0"/>
+              <a:t>.NET</a:t>
+            </a:r>
+            <a:endParaRPr lang="en-US" dirty="0"/>
+          </a:p>
+        </p:txBody>
+      </p:sp>
+      <p:sp>
+        <p:nvSpPr>
+          <p:cNvPr id="5" name="Rectangle 4"/>
+          <p:cNvSpPr/>
+          <p:nvPr/>
+        </p:nvSpPr>
+        <p:spPr>
+          <a:xfrm>
+            <a:off x="1534286" y="1815584"/>
+            <a:ext cx="1447800" cy="533401"/>
+          </a:xfrm>
+          <a:prstGeom prst="rect">
+            <a:avLst/>
+          </a:prstGeom>
+        </p:spPr>
+        <p:style>
+          <a:lnRef idx="2">
+            <a:schemeClr val="accent1">
+              <a:shade val="50000"/>
+            </a:schemeClr>
+          </a:lnRef>
+          <a:fillRef idx="1">
+            <a:schemeClr val="accent1"/>
+          </a:fillRef>
+          <a:effectRef idx="0">
+            <a:schemeClr val="accent1"/>
+          </a:effectRef>
+          <a:fontRef idx="minor">
+            <a:schemeClr val="lt1"/>
+          </a:fontRef>
+        </p:style>
+        <p:txBody>
+          <a:bodyPr rtlCol="0" anchor="ctr"/>
+          <a:lstStyle/>
+          <a:p>
+            <a:pPr algn="ctr"/>
+            <a:r>
+              <a:rPr lang="en-US" sz="1600" dirty="0" smtClean="0"/>
+              <a:t>Windows Programming</a:t>
+            </a:r>
+            <a:endParaRPr lang="en-US" sz="1600" dirty="0"/>
+          </a:p>
+        </p:txBody>
+      </p:sp>
+      <p:cxnSp>
+        <p:nvCxnSpPr>
+          <p:cNvPr id="9" name="Straight Connector 8"/>
+          <p:cNvCxnSpPr>
+            <a:stCxn id="4" idx="2"/>
+            <a:endCxn id="5" idx="0"/>
+          </p:cNvCxnSpPr>
+          <p:nvPr/>
+        </p:nvCxnSpPr>
+        <p:spPr>
+          <a:xfrm flipH="1">
+            <a:off x="2258186" y="1244602"/>
+            <a:ext cx="1742314" cy="570982"/>
+          </a:xfrm>
+          <a:prstGeom prst="line">
+            <a:avLst/>
+          </a:prstGeom>
+        </p:spPr>
+        <p:style>
+          <a:lnRef idx="1">
+            <a:schemeClr val="accent1"/>
+          </a:lnRef>
+          <a:fillRef idx="0">
+            <a:schemeClr val="accent1"/>
+          </a:fillRef>
+          <a:effectRef idx="0">
+            <a:schemeClr val="accent1"/>
+          </a:effectRef>
+          <a:fontRef idx="minor">
+            <a:schemeClr val="tx1"/>
+          </a:fontRef>
+        </p:style>
+      </p:cxnSp>
+      <p:sp>
+        <p:nvSpPr>
+          <p:cNvPr id="10" name="Rectangle 9"/>
+          <p:cNvSpPr/>
+          <p:nvPr/>
+        </p:nvSpPr>
+        <p:spPr>
+          <a:xfrm>
+            <a:off x="2362200" y="1306182"/>
+            <a:ext cx="429926" cy="369332"/>
+          </a:xfrm>
+          <a:prstGeom prst="rect">
+            <a:avLst/>
+          </a:prstGeom>
+        </p:spPr>
+        <p:txBody>
+          <a:bodyPr wrap="none">
+            <a:spAutoFit/>
+          </a:bodyPr>
+          <a:lstStyle/>
+          <a:p>
+            <a:r>
+              <a:rPr lang="en-US" dirty="0" err="1" smtClean="0"/>
+              <a:t>Có</a:t>
+            </a:r>
+            <a:endParaRPr lang="en-US" dirty="0"/>
+          </a:p>
+        </p:txBody>
+      </p:sp>
+      <p:sp>
+        <p:nvSpPr>
+          <p:cNvPr id="11" name="Oval 10"/>
+          <p:cNvSpPr/>
+          <p:nvPr/>
+        </p:nvSpPr>
+        <p:spPr>
+          <a:xfrm>
+            <a:off x="6686107" y="1415534"/>
+            <a:ext cx="1066800" cy="762000"/>
+          </a:xfrm>
+          <a:prstGeom prst="ellipse">
+            <a:avLst/>
+          </a:prstGeom>
+        </p:spPr>
+        <p:style>
+          <a:lnRef idx="2">
+            <a:schemeClr val="accent1">
+              <a:shade val="50000"/>
+            </a:schemeClr>
+          </a:lnRef>
+          <a:fillRef idx="1">
+            <a:schemeClr val="accent1"/>
+          </a:fillRef>
+          <a:effectRef idx="0">
+            <a:schemeClr val="accent1"/>
+          </a:effectRef>
+          <a:fontRef idx="minor">
+            <a:schemeClr val="lt1"/>
+          </a:fontRef>
+        </p:style>
+        <p:txBody>
+          <a:bodyPr rtlCol="0" anchor="ctr"/>
+          <a:lstStyle/>
+          <a:p>
+            <a:pPr algn="ctr"/>
+            <a:r>
+              <a:rPr lang="en-US" dirty="0" smtClean="0"/>
+              <a:t>False</a:t>
+            </a:r>
+            <a:endParaRPr lang="en-US" dirty="0"/>
+          </a:p>
+        </p:txBody>
+      </p:sp>
+      <p:cxnSp>
+        <p:nvCxnSpPr>
+          <p:cNvPr id="13" name="Straight Connector 12"/>
+          <p:cNvCxnSpPr>
+            <a:stCxn id="4" idx="2"/>
+            <a:endCxn id="11" idx="2"/>
+          </p:cNvCxnSpPr>
+          <p:nvPr/>
+        </p:nvCxnSpPr>
+        <p:spPr>
+          <a:xfrm>
+            <a:off x="4000500" y="1244602"/>
+            <a:ext cx="2685607" cy="551932"/>
+          </a:xfrm>
+          <a:prstGeom prst="line">
+            <a:avLst/>
+          </a:prstGeom>
+        </p:spPr>
+        <p:style>
+          <a:lnRef idx="1">
+            <a:schemeClr val="accent1"/>
+          </a:lnRef>
+          <a:fillRef idx="0">
+            <a:schemeClr val="accent1"/>
+          </a:fillRef>
+          <a:effectRef idx="0">
+            <a:schemeClr val="accent1"/>
+          </a:effectRef>
+          <a:fontRef idx="minor">
+            <a:schemeClr val="tx1"/>
+          </a:fontRef>
+        </p:style>
+      </p:cxnSp>
+      <p:sp>
+        <p:nvSpPr>
+          <p:cNvPr id="16" name="Rectangle 15"/>
+          <p:cNvSpPr/>
+          <p:nvPr/>
+        </p:nvSpPr>
+        <p:spPr>
+          <a:xfrm>
+            <a:off x="5362796" y="1151829"/>
+            <a:ext cx="779381" cy="369332"/>
+          </a:xfrm>
+          <a:prstGeom prst="rect">
+            <a:avLst/>
+          </a:prstGeom>
+        </p:spPr>
+        <p:txBody>
+          <a:bodyPr wrap="none">
+            <a:spAutoFit/>
+          </a:bodyPr>
+          <a:lstStyle/>
+          <a:p>
+            <a:r>
+              <a:rPr lang="en-US" dirty="0" err="1" smtClean="0"/>
+              <a:t>Không</a:t>
+            </a:r>
+            <a:endParaRPr lang="en-US" dirty="0"/>
+          </a:p>
+        </p:txBody>
+      </p:sp>
+      <p:sp>
+        <p:nvSpPr>
+          <p:cNvPr id="22" name="Rectangle 21"/>
+          <p:cNvSpPr/>
+          <p:nvPr/>
+        </p:nvSpPr>
+        <p:spPr>
+          <a:xfrm>
+            <a:off x="753981" y="3355457"/>
+            <a:ext cx="1447800" cy="533401"/>
+          </a:xfrm>
+          <a:prstGeom prst="rect">
+            <a:avLst/>
+          </a:prstGeom>
+        </p:spPr>
+        <p:style>
+          <a:lnRef idx="2">
+            <a:schemeClr val="accent1">
+              <a:shade val="50000"/>
+            </a:schemeClr>
+          </a:lnRef>
+          <a:fillRef idx="1">
+            <a:schemeClr val="accent1"/>
+          </a:fillRef>
+          <a:effectRef idx="0">
+            <a:schemeClr val="accent1"/>
+          </a:effectRef>
+          <a:fontRef idx="minor">
+            <a:schemeClr val="lt1"/>
+          </a:fontRef>
+        </p:style>
+        <p:txBody>
+          <a:bodyPr rtlCol="0" anchor="ctr"/>
+          <a:lstStyle/>
+          <a:p>
+            <a:pPr algn="ctr"/>
+            <a:r>
+              <a:rPr lang="en-US" sz="1600" dirty="0" smtClean="0"/>
+              <a:t>WPF</a:t>
+            </a:r>
+            <a:endParaRPr lang="en-US" sz="1600" dirty="0"/>
+          </a:p>
+        </p:txBody>
+      </p:sp>
+      <p:cxnSp>
+        <p:nvCxnSpPr>
+          <p:cNvPr id="24" name="Straight Connector 23"/>
+          <p:cNvCxnSpPr>
+            <a:stCxn id="5" idx="2"/>
+            <a:endCxn id="22" idx="0"/>
+          </p:cNvCxnSpPr>
+          <p:nvPr/>
+        </p:nvCxnSpPr>
+        <p:spPr>
+          <a:xfrm flipH="1">
+            <a:off x="1477881" y="2348985"/>
+            <a:ext cx="780305" cy="1006472"/>
+          </a:xfrm>
+          <a:prstGeom prst="line">
+            <a:avLst/>
+          </a:prstGeom>
+        </p:spPr>
+        <p:style>
+          <a:lnRef idx="1">
+            <a:schemeClr val="accent1"/>
+          </a:lnRef>
+          <a:fillRef idx="0">
+            <a:schemeClr val="accent1"/>
+          </a:fillRef>
+          <a:effectRef idx="0">
+            <a:schemeClr val="accent1"/>
+          </a:effectRef>
+          <a:fontRef idx="minor">
+            <a:schemeClr val="tx1"/>
+          </a:fontRef>
+        </p:style>
+      </p:cxnSp>
+      <p:sp>
+        <p:nvSpPr>
+          <p:cNvPr id="26" name="Rectangle 25"/>
+          <p:cNvSpPr/>
+          <p:nvPr/>
+        </p:nvSpPr>
+        <p:spPr>
+          <a:xfrm>
+            <a:off x="1262918" y="2562116"/>
+            <a:ext cx="429926" cy="369332"/>
+          </a:xfrm>
+          <a:prstGeom prst="rect">
+            <a:avLst/>
+          </a:prstGeom>
+        </p:spPr>
+        <p:txBody>
+          <a:bodyPr wrap="none">
+            <a:spAutoFit/>
+          </a:bodyPr>
+          <a:lstStyle/>
+          <a:p>
+            <a:r>
+              <a:rPr lang="en-US" dirty="0" err="1" smtClean="0"/>
+              <a:t>Có</a:t>
+            </a:r>
+            <a:endParaRPr lang="en-US" dirty="0"/>
+          </a:p>
+        </p:txBody>
+      </p:sp>
+    </p:spTree>
+    <p:extLst>
+      <p:ext uri="{BB962C8B-B14F-4D97-AF65-F5344CB8AC3E}">
+        <p14:creationId xmlns:p14="http://schemas.microsoft.com/office/powerpoint/2010/main" val="305752797"/>
       </p:ext>
     </p:extLst>
   </p:cSld>

--- a/Documents/JobZoom.pptx
+++ b/Documents/JobZoom.pptx
@@ -208,7 +208,7 @@
           <a:p>
             <a:fld id="{583FCA0D-5591-4BBE-99D9-278F61168510}" type="datetimeFigureOut">
               <a:rPr lang="en-US" smtClean="0"/>
-              <a:t>10/3/2011</a:t>
+              <a:t>10/4/2011</a:t>
             </a:fld>
             <a:endParaRPr lang="en-US"/>
           </a:p>
@@ -786,7 +786,7 @@
           <a:p>
             <a:fld id="{2E16D3F5-7A2C-4A23-896D-2AF7EDFD4A28}" type="datetimeFigureOut">
               <a:rPr lang="en-US" smtClean="0"/>
-              <a:t>10/3/2011</a:t>
+              <a:t>10/4/2011</a:t>
             </a:fld>
             <a:endParaRPr lang="en-US"/>
           </a:p>
@@ -3397,7 +3397,7 @@
           <a:p>
             <a:fld id="{2E16D3F5-7A2C-4A23-896D-2AF7EDFD4A28}" type="datetimeFigureOut">
               <a:rPr lang="en-US" smtClean="0"/>
-              <a:t>10/3/2011</a:t>
+              <a:t>10/4/2011</a:t>
             </a:fld>
             <a:endParaRPr lang="en-US"/>
           </a:p>
@@ -9416,7 +9416,7 @@
           <a:p>
             <a:fld id="{2E16D3F5-7A2C-4A23-896D-2AF7EDFD4A28}" type="datetimeFigureOut">
               <a:rPr lang="en-US" smtClean="0"/>
-              <a:t>10/3/2011</a:t>
+              <a:t>10/4/2011</a:t>
             </a:fld>
             <a:endParaRPr lang="en-US"/>
           </a:p>
@@ -13143,10 +13143,18 @@
         </p:nvSpPr>
         <p:spPr/>
         <p:txBody>
-          <a:bodyPr/>
+          <a:bodyPr>
+            <a:normAutofit/>
+          </a:bodyPr>
           <a:lstStyle/>
           <a:p>
-            <a:endParaRPr lang="en-US"/>
+            <a:r>
+              <a:rPr lang="en-US" sz="1800" dirty="0">
+                <a:hlinkClick r:id="rId2"/>
+              </a:rPr>
+              <a:t>http://msdn.microsoft.com/en-us/library/ms174949.aspx</a:t>
+            </a:r>
+            <a:endParaRPr lang="en-US" sz="1800" dirty="0"/>
           </a:p>
         </p:txBody>
       </p:sp>

--- a/Documents/JobZoom.pptx
+++ b/Documents/JobZoom.pptx
@@ -13236,15 +13236,15 @@
         </p:spPr>
         <p:style>
           <a:lnRef idx="2">
-            <a:schemeClr val="accent1">
+            <a:schemeClr val="accent4">
               <a:shade val="50000"/>
             </a:schemeClr>
           </a:lnRef>
           <a:fillRef idx="1">
-            <a:schemeClr val="accent1"/>
+            <a:schemeClr val="accent4"/>
           </a:fillRef>
           <a:effectRef idx="0">
-            <a:schemeClr val="accent1"/>
+            <a:schemeClr val="accent4"/>
           </a:effectRef>
           <a:fontRef idx="minor">
             <a:schemeClr val="lt1"/>
@@ -13279,19 +13279,17 @@
           </a:prstGeom>
         </p:spPr>
         <p:style>
-          <a:lnRef idx="2">
-            <a:schemeClr val="accent1">
-              <a:shade val="50000"/>
-            </a:schemeClr>
+          <a:lnRef idx="1">
+            <a:schemeClr val="accent5"/>
           </a:lnRef>
-          <a:fillRef idx="1">
-            <a:schemeClr val="accent1"/>
+          <a:fillRef idx="2">
+            <a:schemeClr val="accent5"/>
           </a:fillRef>
-          <a:effectRef idx="0">
-            <a:schemeClr val="accent1"/>
+          <a:effectRef idx="1">
+            <a:schemeClr val="accent5"/>
           </a:effectRef>
           <a:fontRef idx="minor">
-            <a:schemeClr val="lt1"/>
+            <a:schemeClr val="dk1"/>
           </a:fontRef>
         </p:style>
         <p:txBody>
@@ -13383,6 +13381,9 @@
           <a:prstGeom prst="ellipse">
             <a:avLst/>
           </a:prstGeom>
+          <a:solidFill>
+            <a:srgbClr val="FF0000"/>
+          </a:solidFill>
         </p:spPr>
         <p:style>
           <a:lnRef idx="2">
@@ -13581,6 +13582,163 @@
           </a:p>
         </p:txBody>
       </p:sp>
+      <p:sp>
+        <p:nvSpPr>
+          <p:cNvPr id="14" name="Oval 13"/>
+          <p:cNvSpPr/>
+          <p:nvPr/>
+        </p:nvSpPr>
+        <p:spPr>
+          <a:xfrm>
+            <a:off x="4799270" y="2181116"/>
+            <a:ext cx="1066800" cy="762000"/>
+          </a:xfrm>
+          <a:prstGeom prst="ellipse">
+            <a:avLst/>
+          </a:prstGeom>
+          <a:solidFill>
+            <a:srgbClr val="FF0000"/>
+          </a:solidFill>
+        </p:spPr>
+        <p:style>
+          <a:lnRef idx="2">
+            <a:schemeClr val="accent1">
+              <a:shade val="50000"/>
+            </a:schemeClr>
+          </a:lnRef>
+          <a:fillRef idx="1">
+            <a:schemeClr val="accent1"/>
+          </a:fillRef>
+          <a:effectRef idx="0">
+            <a:schemeClr val="accent1"/>
+          </a:effectRef>
+          <a:fontRef idx="minor">
+            <a:schemeClr val="lt1"/>
+          </a:fontRef>
+        </p:style>
+        <p:txBody>
+          <a:bodyPr rtlCol="0" anchor="ctr"/>
+          <a:lstStyle/>
+          <a:p>
+            <a:pPr algn="ctr"/>
+            <a:r>
+              <a:rPr lang="en-US" dirty="0" smtClean="0"/>
+              <a:t>False</a:t>
+            </a:r>
+            <a:endParaRPr lang="en-US" dirty="0"/>
+          </a:p>
+        </p:txBody>
+      </p:sp>
+      <p:sp>
+        <p:nvSpPr>
+          <p:cNvPr id="15" name="Oval 14"/>
+          <p:cNvSpPr/>
+          <p:nvPr/>
+        </p:nvSpPr>
+        <p:spPr>
+          <a:xfrm>
+            <a:off x="944481" y="4348865"/>
+            <a:ext cx="1066800" cy="762000"/>
+          </a:xfrm>
+          <a:prstGeom prst="ellipse">
+            <a:avLst/>
+          </a:prstGeom>
+        </p:spPr>
+        <p:style>
+          <a:lnRef idx="2">
+            <a:schemeClr val="accent2">
+              <a:shade val="50000"/>
+            </a:schemeClr>
+          </a:lnRef>
+          <a:fillRef idx="1">
+            <a:schemeClr val="accent2"/>
+          </a:fillRef>
+          <a:effectRef idx="0">
+            <a:schemeClr val="accent2"/>
+          </a:effectRef>
+          <a:fontRef idx="minor">
+            <a:schemeClr val="lt1"/>
+          </a:fontRef>
+        </p:style>
+        <p:txBody>
+          <a:bodyPr rtlCol="0" anchor="ctr"/>
+          <a:lstStyle/>
+          <a:p>
+            <a:pPr algn="ctr"/>
+            <a:r>
+              <a:rPr lang="en-US" dirty="0" smtClean="0"/>
+              <a:t>False</a:t>
+            </a:r>
+            <a:endParaRPr lang="en-US" dirty="0"/>
+          </a:p>
+        </p:txBody>
+      </p:sp>
+      <p:cxnSp>
+        <p:nvCxnSpPr>
+          <p:cNvPr id="7" name="Straight Connector 6"/>
+          <p:cNvCxnSpPr>
+            <a:stCxn id="22" idx="2"/>
+            <a:endCxn id="15" idx="0"/>
+          </p:cNvCxnSpPr>
+          <p:nvPr/>
+        </p:nvCxnSpPr>
+        <p:spPr>
+          <a:xfrm>
+            <a:off x="1477881" y="3888858"/>
+            <a:ext cx="0" cy="460007"/>
+          </a:xfrm>
+          <a:prstGeom prst="line">
+            <a:avLst/>
+          </a:prstGeom>
+        </p:spPr>
+        <p:style>
+          <a:lnRef idx="1">
+            <a:schemeClr val="accent1"/>
+          </a:lnRef>
+          <a:fillRef idx="0">
+            <a:schemeClr val="accent1"/>
+          </a:fillRef>
+          <a:effectRef idx="0">
+            <a:schemeClr val="accent1"/>
+          </a:effectRef>
+          <a:fontRef idx="minor">
+            <a:schemeClr val="tx1"/>
+          </a:fontRef>
+        </p:style>
+      </p:cxnSp>
+      <p:cxnSp>
+        <p:nvCxnSpPr>
+          <p:cNvPr id="23" name="Straight Connector 22"/>
+          <p:cNvCxnSpPr>
+            <a:stCxn id="5" idx="3"/>
+            <a:endCxn id="14" idx="2"/>
+          </p:cNvCxnSpPr>
+          <p:nvPr/>
+        </p:nvCxnSpPr>
+        <p:spPr>
+          <a:xfrm>
+            <a:off x="2982086" y="2082285"/>
+            <a:ext cx="1817184" cy="479831"/>
+          </a:xfrm>
+          <a:prstGeom prst="line">
+            <a:avLst/>
+          </a:prstGeom>
+        </p:spPr>
+        <p:style>
+          <a:lnRef idx="1">
+            <a:schemeClr val="accent1"/>
+          </a:lnRef>
+          <a:fillRef idx="0">
+            <a:schemeClr val="accent1"/>
+          </a:fillRef>
+          <a:effectRef idx="0">
+            <a:schemeClr val="accent1"/>
+          </a:effectRef>
+          <a:fontRef idx="minor">
+            <a:schemeClr val="tx1"/>
+          </a:fontRef>
+        </p:style>
+      </p:cxnSp>
     </p:spTree>
     <p:extLst>
       <p:ext uri="{BB962C8B-B14F-4D97-AF65-F5344CB8AC3E}">

--- a/Documents/JobZoom.pptx
+++ b/Documents/JobZoom.pptx
@@ -7,7 +7,7 @@
     <p:sldMasterId id="2147483683" r:id="rId3"/>
   </p:sldMasterIdLst>
   <p:notesMasterIdLst>
-    <p:notesMasterId r:id="rId19"/>
+    <p:notesMasterId r:id="rId20"/>
   </p:notesMasterIdLst>
   <p:sldIdLst>
     <p:sldId id="256" r:id="rId4"/>
@@ -25,6 +25,7 @@
     <p:sldId id="272" r:id="rId16"/>
     <p:sldId id="273" r:id="rId17"/>
     <p:sldId id="274" r:id="rId18"/>
+    <p:sldId id="275" r:id="rId19"/>
   </p:sldIdLst>
   <p:sldSz cx="9144000" cy="5143500" type="screen16x9"/>
   <p:notesSz cx="6858000" cy="9144000"/>
@@ -208,7 +209,7 @@
           <a:p>
             <a:fld id="{583FCA0D-5591-4BBE-99D9-278F61168510}" type="datetimeFigureOut">
               <a:rPr lang="en-US" smtClean="0"/>
-              <a:t>10/4/2011</a:t>
+              <a:t>10/5/2011</a:t>
             </a:fld>
             <a:endParaRPr lang="en-US"/>
           </a:p>
@@ -786,7 +787,7 @@
           <a:p>
             <a:fld id="{2E16D3F5-7A2C-4A23-896D-2AF7EDFD4A28}" type="datetimeFigureOut">
               <a:rPr lang="en-US" smtClean="0"/>
-              <a:t>10/4/2011</a:t>
+              <a:t>10/5/2011</a:t>
             </a:fld>
             <a:endParaRPr lang="en-US"/>
           </a:p>
@@ -3397,7 +3398,7 @@
           <a:p>
             <a:fld id="{2E16D3F5-7A2C-4A23-896D-2AF7EDFD4A28}" type="datetimeFigureOut">
               <a:rPr lang="en-US" smtClean="0"/>
-              <a:t>10/4/2011</a:t>
+              <a:t>10/5/2011</a:t>
             </a:fld>
             <a:endParaRPr lang="en-US"/>
           </a:p>
@@ -9416,7 +9417,7 @@
           <a:p>
             <a:fld id="{2E16D3F5-7A2C-4A23-896D-2AF7EDFD4A28}" type="datetimeFigureOut">
               <a:rPr lang="en-US" smtClean="0"/>
-              <a:t>10/4/2011</a:t>
+              <a:t>10/5/2011</a:t>
             </a:fld>
             <a:endParaRPr lang="en-US"/>
           </a:p>
@@ -12293,82 +12294,82 @@
           <a:p>
             <a:pPr algn="r"/>
             <a:r>
-              <a:rPr lang="en-US" dirty="0" err="1" smtClean="0"/>
+              <a:rPr lang="en-US" sz="2000" dirty="0" err="1" smtClean="0"/>
               <a:t>Phùng</a:t>
             </a:r>
             <a:r>
-              <a:rPr lang="en-US" dirty="0" smtClean="0"/>
-              <a:t> </a:t>
-            </a:r>
-            <a:r>
-              <a:rPr lang="en-US" dirty="0" err="1" smtClean="0"/>
+              <a:rPr lang="en-US" sz="2000" dirty="0" smtClean="0"/>
+              <a:t> </a:t>
+            </a:r>
+            <a:r>
+              <a:rPr lang="en-US" sz="2000" dirty="0" err="1" smtClean="0"/>
               <a:t>Chí</a:t>
             </a:r>
             <a:r>
-              <a:rPr lang="en-US" dirty="0" smtClean="0"/>
-              <a:t> </a:t>
-            </a:r>
-            <a:r>
-              <a:rPr lang="en-US" dirty="0" err="1" smtClean="0"/>
+              <a:rPr lang="en-US" sz="2000" dirty="0" smtClean="0"/>
+              <a:t> </a:t>
+            </a:r>
+            <a:r>
+              <a:rPr lang="en-US" sz="2000" dirty="0" err="1" smtClean="0"/>
               <a:t>Nguyên</a:t>
             </a:r>
-            <a:endParaRPr lang="en-US" dirty="0" smtClean="0"/>
+            <a:endParaRPr lang="en-US" sz="2000" dirty="0" smtClean="0"/>
           </a:p>
           <a:p>
             <a:pPr algn="r"/>
             <a:r>
-              <a:rPr lang="en-US" dirty="0" err="1" smtClean="0"/>
+              <a:rPr lang="en-US" sz="2000" dirty="0" err="1" smtClean="0"/>
               <a:t>Lê</a:t>
             </a:r>
             <a:r>
-              <a:rPr lang="en-US" dirty="0" smtClean="0"/>
-              <a:t> </a:t>
-            </a:r>
-            <a:r>
-              <a:rPr lang="en-US" dirty="0" err="1" smtClean="0"/>
+              <a:rPr lang="en-US" sz="2000" dirty="0" smtClean="0"/>
+              <a:t> </a:t>
+            </a:r>
+            <a:r>
+              <a:rPr lang="en-US" sz="2000" dirty="0" err="1" smtClean="0"/>
               <a:t>Trung</a:t>
             </a:r>
             <a:r>
-              <a:rPr lang="en-US" dirty="0" smtClean="0"/>
-              <a:t> </a:t>
-            </a:r>
-            <a:r>
-              <a:rPr lang="en-US" dirty="0" err="1" smtClean="0"/>
+              <a:rPr lang="en-US" sz="2000" dirty="0" smtClean="0"/>
+              <a:t> </a:t>
+            </a:r>
+            <a:r>
+              <a:rPr lang="en-US" sz="2000" dirty="0" err="1" smtClean="0"/>
               <a:t>Hiếu</a:t>
             </a:r>
-            <a:endParaRPr lang="en-US" dirty="0" smtClean="0"/>
+            <a:endParaRPr lang="en-US" sz="2000" dirty="0" smtClean="0"/>
           </a:p>
           <a:p>
             <a:pPr algn="r"/>
             <a:r>
-              <a:rPr lang="en-US" dirty="0" err="1" smtClean="0"/>
+              <a:rPr lang="en-US" sz="2000" dirty="0" err="1" smtClean="0"/>
               <a:t>Lê</a:t>
             </a:r>
             <a:r>
-              <a:rPr lang="en-US" dirty="0" smtClean="0"/>
-              <a:t> </a:t>
-            </a:r>
-            <a:r>
-              <a:rPr lang="en-US" dirty="0" err="1" smtClean="0"/>
+              <a:rPr lang="en-US" sz="2000" dirty="0" smtClean="0"/>
+              <a:t> </a:t>
+            </a:r>
+            <a:r>
+              <a:rPr lang="en-US" sz="2000" dirty="0" err="1" smtClean="0"/>
               <a:t>Dương</a:t>
             </a:r>
             <a:r>
-              <a:rPr lang="en-US" dirty="0" smtClean="0"/>
-              <a:t> </a:t>
-            </a:r>
-            <a:r>
-              <a:rPr lang="en-US" dirty="0" err="1" smtClean="0"/>
+              <a:rPr lang="en-US" sz="2000" dirty="0" smtClean="0"/>
+              <a:t> </a:t>
+            </a:r>
+            <a:r>
+              <a:rPr lang="en-US" sz="2000" dirty="0" err="1" smtClean="0"/>
               <a:t>Công</a:t>
             </a:r>
             <a:r>
-              <a:rPr lang="en-US" dirty="0" smtClean="0"/>
-              <a:t> </a:t>
-            </a:r>
-            <a:r>
-              <a:rPr lang="en-US" dirty="0" err="1" smtClean="0"/>
+              <a:rPr lang="en-US" sz="2000" dirty="0" smtClean="0"/>
+              <a:t> </a:t>
+            </a:r>
+            <a:r>
+              <a:rPr lang="en-US" sz="2000" dirty="0" err="1" smtClean="0"/>
               <a:t>Phúc</a:t>
             </a:r>
-            <a:endParaRPr lang="en-US" dirty="0"/>
+            <a:endParaRPr lang="en-US" sz="2000" dirty="0"/>
           </a:p>
         </p:txBody>
       </p:sp>
@@ -13271,8 +13272,8 @@
         </p:nvSpPr>
         <p:spPr>
           <a:xfrm>
-            <a:off x="1534286" y="1815584"/>
-            <a:ext cx="1447800" cy="533401"/>
+            <a:off x="1262918" y="1815584"/>
+            <a:ext cx="1719168" cy="533401"/>
           </a:xfrm>
           <a:prstGeom prst="rect">
             <a:avLst/>
@@ -13298,8 +13299,8 @@
           <a:p>
             <a:pPr algn="ctr"/>
             <a:r>
-              <a:rPr lang="en-US" sz="1600" dirty="0" smtClean="0"/>
-              <a:t>Windows Programming</a:t>
+              <a:rPr lang="en-US" sz="1600" dirty="0" err="1" smtClean="0"/>
+              <a:t>WebProgramming</a:t>
             </a:r>
             <a:endParaRPr lang="en-US" sz="1600" dirty="0"/>
           </a:p>
@@ -13316,8 +13317,8 @@
         </p:nvCxnSpPr>
         <p:spPr>
           <a:xfrm flipH="1">
-            <a:off x="2258186" y="1244602"/>
-            <a:ext cx="1742314" cy="570982"/>
+            <a:off x="2122502" y="1244602"/>
+            <a:ext cx="1877998" cy="570982"/>
           </a:xfrm>
           <a:prstGeom prst="line">
             <a:avLst/>
@@ -13514,7 +13515,7 @@
             <a:pPr algn="ctr"/>
             <a:r>
               <a:rPr lang="en-US" sz="1600" dirty="0" smtClean="0"/>
-              <a:t>WPF</a:t>
+              <a:t>ASP.NET</a:t>
             </a:r>
             <a:endParaRPr lang="en-US" sz="1600" dirty="0"/>
           </a:p>
@@ -13532,7 +13533,7 @@
         <p:spPr>
           <a:xfrm flipH="1">
             <a:off x="1477881" y="2348985"/>
-            <a:ext cx="780305" cy="1006472"/>
+            <a:ext cx="644621" cy="1006472"/>
           </a:xfrm>
           <a:prstGeom prst="line">
             <a:avLst/>
@@ -13667,7 +13668,7 @@
             <a:pPr algn="ctr"/>
             <a:r>
               <a:rPr lang="en-US" dirty="0" smtClean="0"/>
-              <a:t>False</a:t>
+              <a:t>True</a:t>
             </a:r>
             <a:endParaRPr lang="en-US" dirty="0"/>
           </a:p>
@@ -13739,10 +13740,267 @@
           </a:fontRef>
         </p:style>
       </p:cxnSp>
+      <p:sp>
+        <p:nvSpPr>
+          <p:cNvPr id="17" name="Rectangle 16"/>
+          <p:cNvSpPr/>
+          <p:nvPr/>
+        </p:nvSpPr>
+        <p:spPr>
+          <a:xfrm>
+            <a:off x="3610809" y="1979653"/>
+            <a:ext cx="779381" cy="369332"/>
+          </a:xfrm>
+          <a:prstGeom prst="rect">
+            <a:avLst/>
+          </a:prstGeom>
+        </p:spPr>
+        <p:txBody>
+          <a:bodyPr wrap="none">
+            <a:spAutoFit/>
+          </a:bodyPr>
+          <a:lstStyle/>
+          <a:p>
+            <a:r>
+              <a:rPr lang="en-US" dirty="0" err="1" smtClean="0"/>
+              <a:t>Không</a:t>
+            </a:r>
+            <a:endParaRPr lang="en-US" dirty="0"/>
+          </a:p>
+        </p:txBody>
+      </p:sp>
+      <p:pic>
+        <p:nvPicPr>
+          <p:cNvPr id="1026" name="Picture 2"/>
+          <p:cNvPicPr>
+            <a:picLocks noChangeAspect="1" noChangeArrowheads="1"/>
+          </p:cNvPicPr>
+          <p:nvPr/>
+        </p:nvPicPr>
+        <p:blipFill>
+          <a:blip r:embed="rId2">
+            <a:extLst>
+              <a:ext uri="{28A0092B-C50C-407E-A947-70E740481C1C}">
+                <a14:useLocalDpi xmlns:a14="http://schemas.microsoft.com/office/drawing/2010/main" val="0"/>
+              </a:ext>
+            </a:extLst>
+          </a:blip>
+          <a:srcRect/>
+          <a:stretch>
+            <a:fillRect/>
+          </a:stretch>
+        </p:blipFill>
+        <p:spPr bwMode="auto">
+          <a:xfrm>
+            <a:off x="4714875" y="3622157"/>
+            <a:ext cx="4429125" cy="1162050"/>
+          </a:xfrm>
+          <a:prstGeom prst="rect">
+            <a:avLst/>
+          </a:prstGeom>
+          <a:noFill/>
+          <a:ln>
+            <a:noFill/>
+          </a:ln>
+          <a:effectLst/>
+          <a:extLst>
+            <a:ext uri="{909E8E84-426E-40DD-AFC4-6F175D3DCCD1}">
+              <a14:hiddenFill xmlns:a14="http://schemas.microsoft.com/office/drawing/2010/main">
+                <a:solidFill>
+                  <a:schemeClr val="accent1"/>
+                </a:solidFill>
+              </a14:hiddenFill>
+            </a:ext>
+            <a:ext uri="{91240B29-F687-4F45-9708-019B960494DF}">
+              <a14:hiddenLine xmlns:a14="http://schemas.microsoft.com/office/drawing/2010/main" w="9525">
+                <a:solidFill>
+                  <a:schemeClr val="tx1"/>
+                </a:solidFill>
+                <a:miter lim="800000"/>
+                <a:headEnd/>
+                <a:tailEnd/>
+              </a14:hiddenLine>
+            </a:ext>
+            <a:ext uri="{AF507438-7753-43E0-B8FC-AC1667EBCBE1}">
+              <a14:hiddenEffects xmlns:a14="http://schemas.microsoft.com/office/drawing/2010/main">
+                <a:effectLst>
+                  <a:outerShdw dist="35921" dir="2700000" algn="ctr" rotWithShape="0">
+                    <a:schemeClr val="bg2"/>
+                  </a:outerShdw>
+                </a:effectLst>
+              </a14:hiddenEffects>
+            </a:ext>
+          </a:extLst>
+        </p:spPr>
+      </p:pic>
+      <p:sp>
+        <p:nvSpPr>
+          <p:cNvPr id="12" name="Oval Callout 11"/>
+          <p:cNvSpPr/>
+          <p:nvPr/>
+        </p:nvSpPr>
+        <p:spPr>
+          <a:xfrm>
+            <a:off x="2792126" y="3149286"/>
+            <a:ext cx="2012583" cy="945742"/>
+          </a:xfrm>
+          <a:prstGeom prst="wedgeEllipseCallout">
+            <a:avLst>
+              <a:gd name="adj1" fmla="val 58799"/>
+              <a:gd name="adj2" fmla="val 51508"/>
+            </a:avLst>
+          </a:prstGeom>
+          <a:solidFill>
+            <a:schemeClr val="tx2">
+              <a:lumMod val="75000"/>
+            </a:schemeClr>
+          </a:solidFill>
+        </p:spPr>
+        <p:style>
+          <a:lnRef idx="2">
+            <a:schemeClr val="accent1">
+              <a:shade val="50000"/>
+            </a:schemeClr>
+          </a:lnRef>
+          <a:fillRef idx="1">
+            <a:schemeClr val="accent1"/>
+          </a:fillRef>
+          <a:effectRef idx="0">
+            <a:schemeClr val="accent1"/>
+          </a:effectRef>
+          <a:fontRef idx="minor">
+            <a:schemeClr val="lt1"/>
+          </a:fontRef>
+        </p:style>
+        <p:txBody>
+          <a:bodyPr rtlCol="0" anchor="ctr"/>
+          <a:lstStyle/>
+          <a:p>
+            <a:pPr algn="ctr"/>
+            <a:r>
+              <a:rPr lang="en-US" dirty="0" err="1" smtClean="0"/>
+              <a:t>Thực</a:t>
+            </a:r>
+            <a:r>
+              <a:rPr lang="en-US" dirty="0" smtClean="0"/>
+              <a:t> </a:t>
+            </a:r>
+            <a:r>
+              <a:rPr lang="en-US" dirty="0" err="1" smtClean="0"/>
+              <a:t>tế</a:t>
+            </a:r>
+            <a:r>
+              <a:rPr lang="en-US" dirty="0" smtClean="0"/>
+              <a:t> </a:t>
+            </a:r>
+            <a:r>
+              <a:rPr lang="en-US" dirty="0" err="1" smtClean="0"/>
+              <a:t>không</a:t>
+            </a:r>
+            <a:r>
+              <a:rPr lang="en-US" dirty="0" smtClean="0"/>
+              <a:t> build </a:t>
+            </a:r>
+            <a:r>
+              <a:rPr lang="en-US" dirty="0" err="1" smtClean="0"/>
+              <a:t>ra</a:t>
+            </a:r>
+            <a:r>
+              <a:rPr lang="en-US" dirty="0" smtClean="0"/>
+              <a:t> </a:t>
+            </a:r>
+            <a:r>
+              <a:rPr lang="en-US" dirty="0" err="1" smtClean="0"/>
+              <a:t>giống</a:t>
+            </a:r>
+            <a:r>
+              <a:rPr lang="en-US" dirty="0" smtClean="0"/>
+              <a:t> </a:t>
+            </a:r>
+            <a:endParaRPr lang="en-US" dirty="0"/>
+          </a:p>
+        </p:txBody>
+      </p:sp>
     </p:spTree>
     <p:extLst>
       <p:ext uri="{BB962C8B-B14F-4D97-AF65-F5344CB8AC3E}">
         <p14:creationId xmlns:p14="http://schemas.microsoft.com/office/powerpoint/2010/main" val="305752797"/>
+      </p:ext>
+    </p:extLst>
+  </p:cSld>
+  <p:clrMapOvr>
+    <a:masterClrMapping/>
+  </p:clrMapOvr>
+  <p:transition spd="slow"/>
+  <p:timing>
+    <p:tnLst>
+      <p:par>
+        <p:cTn id="1" dur="indefinite" restart="never" nodeType="tmRoot"/>
+      </p:par>
+    </p:tnLst>
+  </p:timing>
+</p:sld>
+</file>
+
+<file path=ppt/slides/slide16.xml><?xml version="1.0" encoding="utf-8"?>
+<p:sld xmlns:a="http://schemas.openxmlformats.org/drawingml/2006/main" xmlns:r="http://schemas.openxmlformats.org/officeDocument/2006/relationships" xmlns:p="http://schemas.openxmlformats.org/presentationml/2006/main">
+  <p:cSld>
+    <p:spTree>
+      <p:nvGrpSpPr>
+        <p:cNvPr id="1" name=""/>
+        <p:cNvGrpSpPr/>
+        <p:nvPr/>
+      </p:nvGrpSpPr>
+      <p:grpSpPr>
+        <a:xfrm>
+          <a:off x="0" y="0"/>
+          <a:ext cx="0" cy="0"/>
+          <a:chOff x="0" y="0"/>
+          <a:chExt cx="0" cy="0"/>
+        </a:xfrm>
+      </p:grpSpPr>
+      <p:sp>
+        <p:nvSpPr>
+          <p:cNvPr id="2" name="Title 1"/>
+          <p:cNvSpPr>
+            <a:spLocks noGrp="1"/>
+          </p:cNvSpPr>
+          <p:nvPr>
+            <p:ph type="title"/>
+          </p:nvPr>
+        </p:nvSpPr>
+        <p:spPr/>
+        <p:txBody>
+          <a:bodyPr/>
+          <a:lstStyle/>
+          <a:p>
+            <a:endParaRPr lang="en-US"/>
+          </a:p>
+        </p:txBody>
+      </p:sp>
+      <p:sp>
+        <p:nvSpPr>
+          <p:cNvPr id="3" name="Content Placeholder 2"/>
+          <p:cNvSpPr>
+            <a:spLocks noGrp="1"/>
+          </p:cNvSpPr>
+          <p:nvPr>
+            <p:ph idx="1"/>
+          </p:nvPr>
+        </p:nvSpPr>
+        <p:spPr/>
+        <p:txBody>
+          <a:bodyPr/>
+          <a:lstStyle/>
+          <a:p>
+            <a:endParaRPr lang="en-US"/>
+          </a:p>
+        </p:txBody>
+      </p:sp>
+    </p:spTree>
+    <p:extLst>
+      <p:ext uri="{BB962C8B-B14F-4D97-AF65-F5344CB8AC3E}">
+        <p14:creationId xmlns:p14="http://schemas.microsoft.com/office/powerpoint/2010/main" val="2291486613"/>
       </p:ext>
     </p:extLst>
   </p:cSld>

--- a/Documents/JobZoom.pptx
+++ b/Documents/JobZoom.pptx
@@ -13207,16 +13207,127 @@
             <p:ph type="title"/>
           </p:nvPr>
         </p:nvSpPr>
-        <p:spPr/>
-        <p:txBody>
-          <a:bodyPr/>
+        <p:spPr>
+          <a:xfrm>
+            <a:off x="0" y="-247650"/>
+            <a:ext cx="9296400" cy="857250"/>
+          </a:xfrm>
+        </p:spPr>
+        <p:txBody>
+          <a:bodyPr>
+            <a:normAutofit/>
+          </a:bodyPr>
           <a:lstStyle/>
           <a:p>
             <a:r>
-              <a:rPr lang="en-US" dirty="0" smtClean="0"/>
-              <a:t>Decision Tree</a:t>
-            </a:r>
-            <a:endParaRPr lang="en-US" dirty="0"/>
+              <a:rPr lang="en-US" sz="2000" dirty="0" smtClean="0"/>
+              <a:t>Decision </a:t>
+            </a:r>
+            <a:r>
+              <a:rPr lang="en-US" sz="2000" dirty="0" smtClean="0"/>
+              <a:t>Tree </a:t>
+            </a:r>
+            <a:r>
+              <a:rPr lang="en-US" sz="2000" dirty="0" err="1" smtClean="0"/>
+              <a:t>dự</a:t>
+            </a:r>
+            <a:r>
+              <a:rPr lang="en-US" sz="2000" dirty="0" smtClean="0"/>
+              <a:t> </a:t>
+            </a:r>
+            <a:r>
+              <a:rPr lang="en-US" sz="2000" dirty="0" err="1" smtClean="0"/>
+              <a:t>đoán</a:t>
+            </a:r>
+            <a:r>
+              <a:rPr lang="en-US" sz="2000" dirty="0" smtClean="0"/>
+              <a:t> </a:t>
+            </a:r>
+            <a:r>
+              <a:rPr lang="en-US" sz="2000" dirty="0" err="1" smtClean="0"/>
+              <a:t>ứng</a:t>
+            </a:r>
+            <a:r>
+              <a:rPr lang="en-US" sz="2000" dirty="0" smtClean="0"/>
+              <a:t> </a:t>
+            </a:r>
+            <a:r>
+              <a:rPr lang="en-US" sz="2000" dirty="0" err="1" smtClean="0"/>
+              <a:t>viên</a:t>
+            </a:r>
+            <a:r>
+              <a:rPr lang="en-US" sz="2000" dirty="0" smtClean="0"/>
+              <a:t> </a:t>
+            </a:r>
+            <a:r>
+              <a:rPr lang="en-US" sz="2000" dirty="0" err="1" smtClean="0"/>
+              <a:t>cho</a:t>
+            </a:r>
+            <a:r>
+              <a:rPr lang="en-US" sz="2000" dirty="0" smtClean="0"/>
+              <a:t> </a:t>
+            </a:r>
+            <a:r>
+              <a:rPr lang="en-US" sz="2000" dirty="0" err="1" smtClean="0"/>
+              <a:t>vị</a:t>
+            </a:r>
+            <a:r>
+              <a:rPr lang="en-US" sz="2000" dirty="0" smtClean="0"/>
+              <a:t> </a:t>
+            </a:r>
+            <a:r>
+              <a:rPr lang="en-US" sz="2000" dirty="0" err="1" smtClean="0"/>
+              <a:t>chọn</a:t>
+            </a:r>
+            <a:r>
+              <a:rPr lang="en-US" sz="2000" dirty="0" smtClean="0"/>
+              <a:t> </a:t>
+            </a:r>
+            <a:r>
+              <a:rPr lang="en-US" sz="2000" dirty="0" err="1" smtClean="0"/>
+              <a:t>cho</a:t>
+            </a:r>
+            <a:r>
+              <a:rPr lang="en-US" sz="2000" dirty="0" smtClean="0"/>
+              <a:t> </a:t>
+            </a:r>
+            <a:r>
+              <a:rPr lang="en-US" sz="2000" dirty="0" err="1" smtClean="0"/>
+              <a:t>vị</a:t>
+            </a:r>
+            <a:r>
+              <a:rPr lang="en-US" sz="2000" dirty="0" smtClean="0"/>
+              <a:t> </a:t>
+            </a:r>
+            <a:r>
+              <a:rPr lang="en-US" sz="2000" dirty="0" err="1" smtClean="0"/>
+              <a:t>trí</a:t>
+            </a:r>
+            <a:r>
+              <a:rPr lang="en-US" sz="2000" dirty="0"/>
+              <a:t> </a:t>
+            </a:r>
+            <a:r>
+              <a:rPr lang="en-US" sz="2000" dirty="0" err="1" smtClean="0"/>
+              <a:t>đòi</a:t>
+            </a:r>
+            <a:r>
+              <a:rPr lang="en-US" sz="2000" dirty="0" smtClean="0"/>
+              <a:t> </a:t>
+            </a:r>
+            <a:r>
+              <a:rPr lang="en-US" sz="2000" dirty="0" err="1" smtClean="0"/>
+              <a:t>hỏi</a:t>
+            </a:r>
+            <a:r>
+              <a:rPr lang="en-US" sz="2000" dirty="0" smtClean="0"/>
+              <a:t>: .NET, Web, </a:t>
+            </a:r>
+            <a:r>
+              <a:rPr lang="en-US" sz="2000" dirty="0" err="1" smtClean="0"/>
+              <a:t>AspNET</a:t>
+            </a:r>
+            <a:endParaRPr lang="en-US" sz="2000" dirty="0"/>
           </a:p>
         </p:txBody>
       </p:sp>
@@ -13228,7 +13339,7 @@
         </p:nvSpPr>
         <p:spPr>
           <a:xfrm>
-            <a:off x="3505200" y="711202"/>
+            <a:off x="2598819" y="361950"/>
             <a:ext cx="990600" cy="533400"/>
           </a:xfrm>
           <a:prstGeom prst="rect">
@@ -13272,7 +13383,7 @@
         </p:nvSpPr>
         <p:spPr>
           <a:xfrm>
-            <a:off x="1262918" y="1815584"/>
+            <a:off x="356537" y="1466332"/>
             <a:ext cx="1719168" cy="533401"/>
           </a:xfrm>
           <a:prstGeom prst="rect">
@@ -13317,7 +13428,7 @@
         </p:nvCxnSpPr>
         <p:spPr>
           <a:xfrm flipH="1">
-            <a:off x="2122502" y="1244602"/>
+            <a:off x="1216121" y="895350"/>
             <a:ext cx="1877998" cy="570982"/>
           </a:xfrm>
           <a:prstGeom prst="line">
@@ -13347,7 +13458,7 @@
         </p:nvSpPr>
         <p:spPr>
           <a:xfrm>
-            <a:off x="2362200" y="1306182"/>
+            <a:off x="1455819" y="956930"/>
             <a:ext cx="429926" cy="369332"/>
           </a:xfrm>
           <a:prstGeom prst="rect">
@@ -13376,7 +13487,7 @@
         </p:nvSpPr>
         <p:spPr>
           <a:xfrm>
-            <a:off x="6686107" y="1415534"/>
+            <a:off x="5779726" y="1066282"/>
             <a:ext cx="1066800" cy="762000"/>
           </a:xfrm>
           <a:prstGeom prst="ellipse">
@@ -13426,7 +13537,7 @@
         </p:nvCxnSpPr>
         <p:spPr>
           <a:xfrm>
-            <a:off x="4000500" y="1244602"/>
+            <a:off x="3094119" y="895350"/>
             <a:ext cx="2685607" cy="551932"/>
           </a:xfrm>
           <a:prstGeom prst="line">
@@ -13456,7 +13567,7 @@
         </p:nvSpPr>
         <p:spPr>
           <a:xfrm>
-            <a:off x="5362796" y="1151829"/>
+            <a:off x="4456415" y="802577"/>
             <a:ext cx="779381" cy="369332"/>
           </a:xfrm>
           <a:prstGeom prst="rect">
@@ -13485,7 +13596,7 @@
         </p:nvSpPr>
         <p:spPr>
           <a:xfrm>
-            <a:off x="753981" y="3355457"/>
+            <a:off x="-152400" y="3006205"/>
             <a:ext cx="1447800" cy="533401"/>
           </a:xfrm>
           <a:prstGeom prst="rect">
@@ -13532,7 +13643,7 @@
         </p:nvCxnSpPr>
         <p:spPr>
           <a:xfrm flipH="1">
-            <a:off x="1477881" y="2348985"/>
+            <a:off x="571500" y="1999733"/>
             <a:ext cx="644621" cy="1006472"/>
           </a:xfrm>
           <a:prstGeom prst="line">
@@ -13562,7 +13673,7 @@
         </p:nvSpPr>
         <p:spPr>
           <a:xfrm>
-            <a:off x="1262918" y="2562116"/>
+            <a:off x="356537" y="2212864"/>
             <a:ext cx="429926" cy="369332"/>
           </a:xfrm>
           <a:prstGeom prst="rect">
@@ -13591,7 +13702,7 @@
         </p:nvSpPr>
         <p:spPr>
           <a:xfrm>
-            <a:off x="4799270" y="2181116"/>
+            <a:off x="3892889" y="1831864"/>
             <a:ext cx="1066800" cy="762000"/>
           </a:xfrm>
           <a:prstGeom prst="ellipse">
@@ -13638,7 +13749,7 @@
         </p:nvSpPr>
         <p:spPr>
           <a:xfrm>
-            <a:off x="944481" y="4348865"/>
+            <a:off x="38100" y="3999613"/>
             <a:ext cx="1066800" cy="762000"/>
           </a:xfrm>
           <a:prstGeom prst="ellipse">
@@ -13685,7 +13796,7 @@
         </p:nvCxnSpPr>
         <p:spPr>
           <a:xfrm>
-            <a:off x="1477881" y="3888858"/>
+            <a:off x="571500" y="3539606"/>
             <a:ext cx="0" cy="460007"/>
           </a:xfrm>
           <a:prstGeom prst="line">
@@ -13718,7 +13829,7 @@
         </p:nvCxnSpPr>
         <p:spPr>
           <a:xfrm>
-            <a:off x="2982086" y="2082285"/>
+            <a:off x="2075705" y="1733033"/>
             <a:ext cx="1817184" cy="479831"/>
           </a:xfrm>
           <a:prstGeom prst="line">
@@ -13748,7 +13859,7 @@
         </p:nvSpPr>
         <p:spPr>
           <a:xfrm>
-            <a:off x="3610809" y="1979653"/>
+            <a:off x="2704428" y="1630401"/>
             <a:ext cx="779381" cy="369332"/>
           </a:xfrm>
           <a:prstGeom prst="rect">
@@ -13792,7 +13903,7 @@
         </p:blipFill>
         <p:spPr bwMode="auto">
           <a:xfrm>
-            <a:off x="4714875" y="3622157"/>
+            <a:off x="5331049" y="2852221"/>
             <a:ext cx="4429125" cy="1162050"/>
           </a:xfrm>
           <a:prstGeom prst="rect">
@@ -13833,6 +13944,70 @@
           </a:extLst>
         </p:spPr>
       </p:pic>
+      <p:pic>
+        <p:nvPicPr>
+          <p:cNvPr id="6" name="Picture 2"/>
+          <p:cNvPicPr>
+            <a:picLocks noChangeAspect="1" noChangeArrowheads="1"/>
+          </p:cNvPicPr>
+          <p:nvPr/>
+        </p:nvPicPr>
+        <p:blipFill>
+          <a:blip r:embed="rId3">
+            <a:extLst>
+              <a:ext uri="{28A0092B-C50C-407E-A947-70E740481C1C}">
+                <a14:useLocalDpi xmlns:a14="http://schemas.microsoft.com/office/drawing/2010/main" val="0"/>
+              </a:ext>
+            </a:extLst>
+          </a:blip>
+          <a:srcRect/>
+          <a:stretch>
+            <a:fillRect/>
+          </a:stretch>
+        </p:blipFill>
+        <p:spPr bwMode="auto">
+          <a:xfrm>
+            <a:off x="1383767" y="4118861"/>
+            <a:ext cx="6924675" cy="1704975"/>
+          </a:xfrm>
+          <a:prstGeom prst="rect">
+            <a:avLst/>
+          </a:prstGeom>
+          <a:noFill/>
+          <a:ln>
+            <a:noFill/>
+          </a:ln>
+          <a:effectLst/>
+          <a:extLst>
+            <a:ext uri="{909E8E84-426E-40DD-AFC4-6F175D3DCCD1}">
+              <a14:hiddenFill xmlns:a14="http://schemas.microsoft.com/office/drawing/2010/main">
+                <a:solidFill>
+                  <a:schemeClr val="accent1"/>
+                </a:solidFill>
+              </a14:hiddenFill>
+            </a:ext>
+            <a:ext uri="{91240B29-F687-4F45-9708-019B960494DF}">
+              <a14:hiddenLine xmlns:a14="http://schemas.microsoft.com/office/drawing/2010/main" w="9525">
+                <a:solidFill>
+                  <a:schemeClr val="tx1"/>
+                </a:solidFill>
+                <a:miter lim="800000"/>
+                <a:headEnd/>
+                <a:tailEnd/>
+              </a14:hiddenLine>
+            </a:ext>
+            <a:ext uri="{AF507438-7753-43E0-B8FC-AC1667EBCBE1}">
+              <a14:hiddenEffects xmlns:a14="http://schemas.microsoft.com/office/drawing/2010/main">
+                <a:effectLst>
+                  <a:outerShdw dist="35921" dir="2700000" algn="ctr" rotWithShape="0">
+                    <a:schemeClr val="bg2"/>
+                  </a:outerShdw>
+                </a:effectLst>
+              </a14:hiddenEffects>
+            </a:ext>
+          </a:extLst>
+        </p:spPr>
+      </p:pic>
       <p:sp>
         <p:nvSpPr>
           <p:cNvPr id="12" name="Oval Callout 11"/>
@@ -13841,13 +14016,13 @@
         </p:nvSpPr>
         <p:spPr>
           <a:xfrm>
-            <a:off x="2792126" y="3149286"/>
+            <a:off x="7582825" y="1779036"/>
             <a:ext cx="2012583" cy="945742"/>
           </a:xfrm>
           <a:prstGeom prst="wedgeEllipseCallout">
             <a:avLst>
-              <a:gd name="adj1" fmla="val 58799"/>
-              <a:gd name="adj2" fmla="val 51508"/>
+              <a:gd name="adj1" fmla="val -27314"/>
+              <a:gd name="adj2" fmla="val 69496"/>
             </a:avLst>
           </a:prstGeom>
           <a:solidFill>
@@ -13916,6 +14091,125 @@
             <a:r>
               <a:rPr lang="en-US" dirty="0" smtClean="0"/>
               <a:t> </a:t>
+            </a:r>
+            <a:endParaRPr lang="en-US" dirty="0"/>
+          </a:p>
+        </p:txBody>
+      </p:sp>
+      <p:pic>
+        <p:nvPicPr>
+          <p:cNvPr id="1027" name="Picture 3"/>
+          <p:cNvPicPr>
+            <a:picLocks noChangeAspect="1" noChangeArrowheads="1"/>
+          </p:cNvPicPr>
+          <p:nvPr/>
+        </p:nvPicPr>
+        <p:blipFill>
+          <a:blip r:embed="rId4">
+            <a:extLst>
+              <a:ext uri="{28A0092B-C50C-407E-A947-70E740481C1C}">
+                <a14:useLocalDpi xmlns:a14="http://schemas.microsoft.com/office/drawing/2010/main" val="0"/>
+              </a:ext>
+            </a:extLst>
+          </a:blip>
+          <a:srcRect/>
+          <a:stretch>
+            <a:fillRect/>
+          </a:stretch>
+        </p:blipFill>
+        <p:spPr bwMode="auto">
+          <a:xfrm>
+            <a:off x="1591044" y="2775836"/>
+            <a:ext cx="3676650" cy="1343025"/>
+          </a:xfrm>
+          <a:prstGeom prst="rect">
+            <a:avLst/>
+          </a:prstGeom>
+          <a:noFill/>
+          <a:ln>
+            <a:noFill/>
+          </a:ln>
+          <a:effectLst/>
+          <a:extLst>
+            <a:ext uri="{909E8E84-426E-40DD-AFC4-6F175D3DCCD1}">
+              <a14:hiddenFill xmlns:a14="http://schemas.microsoft.com/office/drawing/2010/main">
+                <a:solidFill>
+                  <a:schemeClr val="accent1"/>
+                </a:solidFill>
+              </a14:hiddenFill>
+            </a:ext>
+            <a:ext uri="{91240B29-F687-4F45-9708-019B960494DF}">
+              <a14:hiddenLine xmlns:a14="http://schemas.microsoft.com/office/drawing/2010/main" w="9525">
+                <a:solidFill>
+                  <a:schemeClr val="tx1"/>
+                </a:solidFill>
+                <a:miter lim="800000"/>
+                <a:headEnd/>
+                <a:tailEnd/>
+              </a14:hiddenLine>
+            </a:ext>
+            <a:ext uri="{AF507438-7753-43E0-B8FC-AC1667EBCBE1}">
+              <a14:hiddenEffects xmlns:a14="http://schemas.microsoft.com/office/drawing/2010/main">
+                <a:effectLst>
+                  <a:outerShdw dist="35921" dir="2700000" algn="ctr" rotWithShape="0">
+                    <a:schemeClr val="bg2"/>
+                  </a:outerShdw>
+                </a:effectLst>
+              </a14:hiddenEffects>
+            </a:ext>
+          </a:extLst>
+        </p:spPr>
+      </p:pic>
+      <p:sp>
+        <p:nvSpPr>
+          <p:cNvPr id="18" name="Oval Callout 17"/>
+          <p:cNvSpPr/>
+          <p:nvPr/>
+        </p:nvSpPr>
+        <p:spPr>
+          <a:xfrm>
+            <a:off x="-189495" y="453634"/>
+            <a:ext cx="1447800" cy="612648"/>
+          </a:xfrm>
+          <a:prstGeom prst="wedgeEllipseCallout">
+            <a:avLst>
+              <a:gd name="adj1" fmla="val 15152"/>
+              <a:gd name="adj2" fmla="val 78120"/>
+            </a:avLst>
+          </a:prstGeom>
+        </p:spPr>
+        <p:style>
+          <a:lnRef idx="2">
+            <a:schemeClr val="accent1">
+              <a:shade val="50000"/>
+            </a:schemeClr>
+          </a:lnRef>
+          <a:fillRef idx="1">
+            <a:schemeClr val="accent1"/>
+          </a:fillRef>
+          <a:effectRef idx="0">
+            <a:schemeClr val="accent1"/>
+          </a:effectRef>
+          <a:fontRef idx="minor">
+            <a:schemeClr val="lt1"/>
+          </a:fontRef>
+        </p:style>
+        <p:txBody>
+          <a:bodyPr rtlCol="0" anchor="ctr"/>
+          <a:lstStyle/>
+          <a:p>
+            <a:pPr algn="ctr"/>
+            <a:r>
+              <a:rPr lang="en-US" dirty="0" err="1" smtClean="0"/>
+              <a:t>Mong</a:t>
+            </a:r>
+            <a:r>
+              <a:rPr lang="en-US" dirty="0" smtClean="0"/>
+              <a:t> </a:t>
+            </a:r>
+            <a:r>
+              <a:rPr lang="en-US" dirty="0" err="1" smtClean="0"/>
+              <a:t>muốn</a:t>
             </a:r>
             <a:endParaRPr lang="en-US" dirty="0"/>
           </a:p>

--- a/Documents/JobZoom.pptx
+++ b/Documents/JobZoom.pptx
@@ -209,7 +209,7 @@
           <a:p>
             <a:fld id="{583FCA0D-5591-4BBE-99D9-278F61168510}" type="datetimeFigureOut">
               <a:rPr lang="en-US" smtClean="0"/>
-              <a:t>10/5/2011</a:t>
+              <a:t>10/7/2011</a:t>
             </a:fld>
             <a:endParaRPr lang="en-US"/>
           </a:p>
@@ -787,7 +787,7 @@
           <a:p>
             <a:fld id="{2E16D3F5-7A2C-4A23-896D-2AF7EDFD4A28}" type="datetimeFigureOut">
               <a:rPr lang="en-US" smtClean="0"/>
-              <a:t>10/5/2011</a:t>
+              <a:t>10/7/2011</a:t>
             </a:fld>
             <a:endParaRPr lang="en-US"/>
           </a:p>
@@ -3398,7 +3398,7 @@
           <a:p>
             <a:fld id="{2E16D3F5-7A2C-4A23-896D-2AF7EDFD4A28}" type="datetimeFigureOut">
               <a:rPr lang="en-US" smtClean="0"/>
-              <a:t>10/5/2011</a:t>
+              <a:t>10/7/2011</a:t>
             </a:fld>
             <a:endParaRPr lang="en-US"/>
           </a:p>
@@ -9417,7 +9417,7 @@
           <a:p>
             <a:fld id="{2E16D3F5-7A2C-4A23-896D-2AF7EDFD4A28}" type="datetimeFigureOut">
               <a:rPr lang="en-US" smtClean="0"/>
-              <a:t>10/5/2011</a:t>
+              <a:t>10/7/2011</a:t>
             </a:fld>
             <a:endParaRPr lang="en-US"/>
           </a:p>
@@ -13221,11 +13221,7 @@
           <a:p>
             <a:r>
               <a:rPr lang="en-US" sz="2000" dirty="0" smtClean="0"/>
-              <a:t>Decision </a:t>
-            </a:r>
-            <a:r>
-              <a:rPr lang="en-US" sz="2000" dirty="0" smtClean="0"/>
-              <a:t>Tree </a:t>
+              <a:t>Decision Tree </a:t>
             </a:r>
             <a:r>
               <a:rPr lang="en-US" sz="2000" dirty="0" err="1" smtClean="0"/>
@@ -14268,7 +14264,11 @@
           <a:bodyPr/>
           <a:lstStyle/>
           <a:p>
-            <a:endParaRPr lang="en-US"/>
+            <a:r>
+              <a:rPr lang="en-US" dirty="0" smtClean="0"/>
+              <a:t>References	</a:t>
+            </a:r>
+            <a:endParaRPr lang="en-US" dirty="0"/>
           </a:p>
         </p:txBody>
       </p:sp>
@@ -14287,7 +14287,75 @@
           <a:bodyPr/>
           <a:lstStyle/>
           <a:p>
-            <a:endParaRPr lang="en-US"/>
+            <a:r>
+              <a:rPr lang="en-US" sz="2400" dirty="0" err="1" smtClean="0"/>
+              <a:t>Chuyển</a:t>
+            </a:r>
+            <a:r>
+              <a:rPr lang="en-US" sz="2400" dirty="0" smtClean="0"/>
+              <a:t> record </a:t>
+            </a:r>
+            <a:r>
+              <a:rPr lang="en-US" sz="2400" dirty="0" err="1" smtClean="0"/>
+              <a:t>thành</a:t>
+            </a:r>
+            <a:r>
+              <a:rPr lang="en-US" sz="2400" dirty="0" smtClean="0"/>
+              <a:t> columns </a:t>
+            </a:r>
+            <a:r>
+              <a:rPr lang="en-US" sz="2400" dirty="0" err="1" smtClean="0"/>
+              <a:t>trong</a:t>
+            </a:r>
+            <a:r>
+              <a:rPr lang="en-US" sz="2400" dirty="0" smtClean="0"/>
+              <a:t> SQL Server</a:t>
+            </a:r>
+          </a:p>
+          <a:p>
+            <a:pPr lvl="1"/>
+            <a:r>
+              <a:rPr lang="en-US" sz="2000" dirty="0" err="1" smtClean="0"/>
+              <a:t>Sử</a:t>
+            </a:r>
+            <a:r>
+              <a:rPr lang="en-US" sz="2000" dirty="0" smtClean="0"/>
+              <a:t> </a:t>
+            </a:r>
+            <a:r>
+              <a:rPr lang="en-US" sz="2000" dirty="0" err="1" smtClean="0"/>
+              <a:t>dụng</a:t>
+            </a:r>
+            <a:r>
+              <a:rPr lang="en-US" sz="2000" dirty="0" smtClean="0"/>
+              <a:t> Pivot Transformation</a:t>
+            </a:r>
+          </a:p>
+          <a:p>
+            <a:pPr lvl="1"/>
+            <a:r>
+              <a:rPr lang="en-US" sz="2000" dirty="0">
+                <a:hlinkClick r:id="rId2"/>
+              </a:rPr>
+              <a:t>http://</a:t>
+            </a:r>
+            <a:r>
+              <a:rPr lang="en-US" sz="2000" dirty="0" smtClean="0">
+                <a:hlinkClick r:id="rId2"/>
+              </a:rPr>
+              <a:t>msdn.microsoft.com/en-us/library/ms140308.aspx</a:t>
+            </a:r>
+            <a:endParaRPr lang="en-US" sz="2000" dirty="0" smtClean="0"/>
+          </a:p>
+          <a:p>
+            <a:pPr lvl="1"/>
+            <a:r>
+              <a:rPr lang="en-US" sz="2000" dirty="0">
+                <a:hlinkClick r:id="rId3"/>
+              </a:rPr>
+              <a:t>http://dotnetgalactics.wordpress.com/2009/10/23/using-sql-server-20052008-pivot-on-unknown-number-of-columns-dynamic-pivot/</a:t>
+            </a:r>
+            <a:endParaRPr lang="en-US" sz="2000" dirty="0"/>
           </a:p>
         </p:txBody>
       </p:sp>

--- a/Documents/JobZoom.pptx
+++ b/Documents/JobZoom.pptx
@@ -7,7 +7,7 @@
     <p:sldMasterId id="2147483683" r:id="rId3"/>
   </p:sldMasterIdLst>
   <p:notesMasterIdLst>
-    <p:notesMasterId r:id="rId20"/>
+    <p:notesMasterId r:id="rId21"/>
   </p:notesMasterIdLst>
   <p:sldIdLst>
     <p:sldId id="256" r:id="rId4"/>
@@ -23,9 +23,10 @@
     <p:sldId id="270" r:id="rId14"/>
     <p:sldId id="271" r:id="rId15"/>
     <p:sldId id="272" r:id="rId16"/>
-    <p:sldId id="273" r:id="rId17"/>
-    <p:sldId id="274" r:id="rId18"/>
-    <p:sldId id="275" r:id="rId19"/>
+    <p:sldId id="274" r:id="rId17"/>
+    <p:sldId id="277" r:id="rId18"/>
+    <p:sldId id="276" r:id="rId19"/>
+    <p:sldId id="275" r:id="rId20"/>
   </p:sldIdLst>
   <p:sldSz cx="9144000" cy="5143500" type="screen16x9"/>
   <p:notesSz cx="6858000" cy="9144000"/>
@@ -209,7 +210,7 @@
           <a:p>
             <a:fld id="{583FCA0D-5591-4BBE-99D9-278F61168510}" type="datetimeFigureOut">
               <a:rPr lang="en-US" smtClean="0"/>
-              <a:t>10/7/2011</a:t>
+              <a:t>10/14/2011</a:t>
             </a:fld>
             <a:endParaRPr lang="en-US"/>
           </a:p>
@@ -787,7 +788,7 @@
           <a:p>
             <a:fld id="{2E16D3F5-7A2C-4A23-896D-2AF7EDFD4A28}" type="datetimeFigureOut">
               <a:rPr lang="en-US" smtClean="0"/>
-              <a:t>10/7/2011</a:t>
+              <a:t>10/14/2011</a:t>
             </a:fld>
             <a:endParaRPr lang="en-US"/>
           </a:p>
@@ -3398,7 +3399,7 @@
           <a:p>
             <a:fld id="{2E16D3F5-7A2C-4A23-896D-2AF7EDFD4A28}" type="datetimeFigureOut">
               <a:rPr lang="en-US" smtClean="0"/>
-              <a:t>10/7/2011</a:t>
+              <a:t>10/14/2011</a:t>
             </a:fld>
             <a:endParaRPr lang="en-US"/>
           </a:p>
@@ -9417,7 +9418,7 @@
           <a:p>
             <a:fld id="{2E16D3F5-7A2C-4A23-896D-2AF7EDFD4A28}" type="datetimeFigureOut">
               <a:rPr lang="en-US" smtClean="0"/>
-              <a:t>10/7/2011</a:t>
+              <a:t>10/14/2011</a:t>
             </a:fld>
             <a:endParaRPr lang="en-US"/>
           </a:p>
@@ -13038,177 +13039,6 @@
         </p:nvSpPr>
         <p:spPr>
           <a:xfrm>
-            <a:off x="0" y="-37800"/>
-            <a:ext cx="9144000" cy="857250"/>
-          </a:xfrm>
-        </p:spPr>
-        <p:txBody>
-          <a:bodyPr>
-            <a:normAutofit/>
-          </a:bodyPr>
-          <a:lstStyle/>
-          <a:p>
-            <a:r>
-              <a:rPr lang="en-US" sz="2400" dirty="0" smtClean="0"/>
-              <a:t>Decision </a:t>
-            </a:r>
-            <a:r>
-              <a:rPr lang="en-US" sz="2400" dirty="0"/>
-              <a:t>Tree </a:t>
-            </a:r>
-            <a:r>
-              <a:rPr lang="en-US" sz="2400" dirty="0" err="1" smtClean="0"/>
-              <a:t>xác</a:t>
-            </a:r>
-            <a:r>
-              <a:rPr lang="en-US" sz="2400" dirty="0" smtClean="0"/>
-              <a:t> </a:t>
-            </a:r>
-            <a:r>
-              <a:rPr lang="vi-VN" sz="2400" dirty="0" smtClean="0"/>
-              <a:t>đị</a:t>
-            </a:r>
-            <a:r>
-              <a:rPr lang="en-US" sz="2400" dirty="0" err="1" smtClean="0"/>
-              <a:t>nh</a:t>
-            </a:r>
-            <a:r>
-              <a:rPr lang="en-US" sz="2400" dirty="0"/>
-              <a:t> </a:t>
-            </a:r>
-            <a:r>
-              <a:rPr lang="en-US" sz="2400" dirty="0" err="1" smtClean="0"/>
-              <a:t>mối</a:t>
-            </a:r>
-            <a:r>
-              <a:rPr lang="en-US" sz="2400" dirty="0" smtClean="0"/>
-              <a:t> </a:t>
-            </a:r>
-            <a:r>
-              <a:rPr lang="en-US" sz="2400" dirty="0" err="1" smtClean="0"/>
-              <a:t>quan</a:t>
-            </a:r>
-            <a:r>
-              <a:rPr lang="en-US" sz="2400" dirty="0"/>
-              <a:t> </a:t>
-            </a:r>
-            <a:r>
-              <a:rPr lang="en-US" sz="2400" dirty="0" err="1" smtClean="0"/>
-              <a:t>hệ</a:t>
-            </a:r>
-            <a:r>
-              <a:rPr lang="en-US" sz="2400" dirty="0"/>
-              <a:t> </a:t>
-            </a:r>
-            <a:r>
-              <a:rPr lang="en-US" sz="2400" dirty="0" err="1" smtClean="0"/>
-              <a:t>giữa</a:t>
-            </a:r>
-            <a:r>
-              <a:rPr lang="en-US" sz="2400" dirty="0"/>
-              <a:t> </a:t>
-            </a:r>
-            <a:r>
-              <a:rPr lang="en-US" sz="2400" dirty="0" err="1" smtClean="0"/>
-              <a:t>các</a:t>
-            </a:r>
-            <a:r>
-              <a:rPr lang="en-US" sz="2400" smtClean="0"/>
-              <a:t> Attributes </a:t>
-            </a:r>
-            <a:r>
-              <a:rPr lang="en-US" sz="2400" dirty="0" err="1" smtClean="0"/>
-              <a:t>với</a:t>
-            </a:r>
-            <a:r>
-              <a:rPr lang="en-US" sz="2400" dirty="0" smtClean="0"/>
-              <a:t> </a:t>
-            </a:r>
-            <a:r>
-              <a:rPr lang="en-US" sz="2400" dirty="0" err="1" smtClean="0"/>
-              <a:t>nhau</a:t>
-            </a:r>
-            <a:endParaRPr lang="en-US" sz="2400" dirty="0"/>
-          </a:p>
-        </p:txBody>
-      </p:sp>
-      <p:sp>
-        <p:nvSpPr>
-          <p:cNvPr id="3" name="Content Placeholder 2"/>
-          <p:cNvSpPr>
-            <a:spLocks noGrp="1"/>
-          </p:cNvSpPr>
-          <p:nvPr>
-            <p:ph idx="1"/>
-          </p:nvPr>
-        </p:nvSpPr>
-        <p:spPr/>
-        <p:txBody>
-          <a:bodyPr>
-            <a:normAutofit/>
-          </a:bodyPr>
-          <a:lstStyle/>
-          <a:p>
-            <a:r>
-              <a:rPr lang="en-US" sz="1800" dirty="0">
-                <a:hlinkClick r:id="rId2"/>
-              </a:rPr>
-              <a:t>http://msdn.microsoft.com/en-us/library/ms174949.aspx</a:t>
-            </a:r>
-            <a:endParaRPr lang="en-US" sz="1800" dirty="0"/>
-          </a:p>
-        </p:txBody>
-      </p:sp>
-    </p:spTree>
-    <p:extLst>
-      <p:ext uri="{BB962C8B-B14F-4D97-AF65-F5344CB8AC3E}">
-        <p14:creationId xmlns:p14="http://schemas.microsoft.com/office/powerpoint/2010/main" val="231598940"/>
-      </p:ext>
-    </p:extLst>
-  </p:cSld>
-  <p:clrMapOvr>
-    <a:masterClrMapping/>
-  </p:clrMapOvr>
-  <p:transition spd="slow"/>
-  <p:timing>
-    <p:tnLst>
-      <p:par>
-        <p:cTn id="1" dur="indefinite" restart="never" nodeType="tmRoot"/>
-      </p:par>
-    </p:tnLst>
-  </p:timing>
-</p:sld>
-</file>
-
-<file path=ppt/slides/slide15.xml><?xml version="1.0" encoding="utf-8"?>
-<p:sld xmlns:a="http://schemas.openxmlformats.org/drawingml/2006/main" xmlns:r="http://schemas.openxmlformats.org/officeDocument/2006/relationships" xmlns:p="http://schemas.openxmlformats.org/presentationml/2006/main">
-  <p:cSld>
-    <p:spTree>
-      <p:nvGrpSpPr>
-        <p:cNvPr id="1" name=""/>
-        <p:cNvGrpSpPr/>
-        <p:nvPr/>
-      </p:nvGrpSpPr>
-      <p:grpSpPr>
-        <a:xfrm>
-          <a:off x="0" y="0"/>
-          <a:ext cx="0" cy="0"/>
-          <a:chOff x="0" y="0"/>
-          <a:chExt cx="0" cy="0"/>
-        </a:xfrm>
-      </p:grpSpPr>
-      <p:sp>
-        <p:nvSpPr>
-          <p:cNvPr id="2" name="Title 1"/>
-          <p:cNvSpPr>
-            <a:spLocks noGrp="1"/>
-          </p:cNvSpPr>
-          <p:nvPr>
-            <p:ph type="title"/>
-          </p:nvPr>
-        </p:nvSpPr>
-        <p:spPr>
-          <a:xfrm>
             <a:off x="0" y="-247650"/>
             <a:ext cx="9296400" cy="857250"/>
           </a:xfrm>
@@ -14232,6 +14062,152 @@
 </p:sld>
 </file>
 
+<file path=ppt/slides/slide15.xml><?xml version="1.0" encoding="utf-8"?>
+<p:sld xmlns:a="http://schemas.openxmlformats.org/drawingml/2006/main" xmlns:r="http://schemas.openxmlformats.org/officeDocument/2006/relationships" xmlns:p="http://schemas.openxmlformats.org/presentationml/2006/main">
+  <p:cSld>
+    <p:spTree>
+      <p:nvGrpSpPr>
+        <p:cNvPr id="1" name=""/>
+        <p:cNvGrpSpPr/>
+        <p:nvPr/>
+      </p:nvGrpSpPr>
+      <p:grpSpPr>
+        <a:xfrm>
+          <a:off x="0" y="0"/>
+          <a:ext cx="0" cy="0"/>
+          <a:chOff x="0" y="0"/>
+          <a:chExt cx="0" cy="0"/>
+        </a:xfrm>
+      </p:grpSpPr>
+      <p:sp>
+        <p:nvSpPr>
+          <p:cNvPr id="2" name="Title 1"/>
+          <p:cNvSpPr>
+            <a:spLocks noGrp="1"/>
+          </p:cNvSpPr>
+          <p:nvPr>
+            <p:ph type="title"/>
+          </p:nvPr>
+        </p:nvSpPr>
+        <p:spPr/>
+        <p:txBody>
+          <a:bodyPr/>
+          <a:lstStyle/>
+          <a:p>
+            <a:r>
+              <a:rPr lang="en-US" dirty="0" err="1" smtClean="0"/>
+              <a:t>Thiết</a:t>
+            </a:r>
+            <a:r>
+              <a:rPr lang="en-US" dirty="0" smtClean="0"/>
+              <a:t> </a:t>
+            </a:r>
+            <a:r>
+              <a:rPr lang="en-US" dirty="0" err="1" smtClean="0"/>
+              <a:t>kế</a:t>
+            </a:r>
+            <a:r>
+              <a:rPr lang="en-US" dirty="0" smtClean="0"/>
+              <a:t> database </a:t>
+            </a:r>
+            <a:r>
+              <a:rPr lang="en-US" dirty="0" err="1" smtClean="0"/>
+              <a:t>theo</a:t>
+            </a:r>
+            <a:r>
+              <a:rPr lang="en-US" dirty="0" smtClean="0"/>
+              <a:t> </a:t>
+            </a:r>
+            <a:r>
+              <a:rPr lang="en-US" dirty="0" err="1" smtClean="0"/>
+              <a:t>dạng</a:t>
+            </a:r>
+            <a:r>
+              <a:rPr lang="en-US" dirty="0" smtClean="0"/>
+              <a:t> Tag</a:t>
+            </a:r>
+            <a:endParaRPr lang="en-US" dirty="0"/>
+          </a:p>
+        </p:txBody>
+      </p:sp>
+      <p:pic>
+        <p:nvPicPr>
+          <p:cNvPr id="1026" name="Picture 2"/>
+          <p:cNvPicPr>
+            <a:picLocks noChangeAspect="1" noChangeArrowheads="1"/>
+          </p:cNvPicPr>
+          <p:nvPr/>
+        </p:nvPicPr>
+        <p:blipFill>
+          <a:blip r:embed="rId2">
+            <a:extLst>
+              <a:ext uri="{28A0092B-C50C-407E-A947-70E740481C1C}">
+                <a14:useLocalDpi xmlns:a14="http://schemas.microsoft.com/office/drawing/2010/main" val="0"/>
+              </a:ext>
+            </a:extLst>
+          </a:blip>
+          <a:srcRect/>
+          <a:stretch>
+            <a:fillRect/>
+          </a:stretch>
+        </p:blipFill>
+        <p:spPr bwMode="auto">
+          <a:xfrm>
+            <a:off x="1143000" y="971550"/>
+            <a:ext cx="5953125" cy="3600450"/>
+          </a:xfrm>
+          <a:prstGeom prst="rect">
+            <a:avLst/>
+          </a:prstGeom>
+          <a:noFill/>
+          <a:ln>
+            <a:noFill/>
+          </a:ln>
+          <a:effectLst/>
+          <a:extLst>
+            <a:ext uri="{909E8E84-426E-40DD-AFC4-6F175D3DCCD1}">
+              <a14:hiddenFill xmlns:a14="http://schemas.microsoft.com/office/drawing/2010/main">
+                <a:solidFill>
+                  <a:schemeClr val="accent1"/>
+                </a:solidFill>
+              </a14:hiddenFill>
+            </a:ext>
+            <a:ext uri="{91240B29-F687-4F45-9708-019B960494DF}">
+              <a14:hiddenLine xmlns:a14="http://schemas.microsoft.com/office/drawing/2010/main" w="9525">
+                <a:solidFill>
+                  <a:schemeClr val="tx1"/>
+                </a:solidFill>
+                <a:miter lim="800000"/>
+                <a:headEnd/>
+                <a:tailEnd/>
+              </a14:hiddenLine>
+            </a:ext>
+            <a:ext uri="{AF507438-7753-43E0-B8FC-AC1667EBCBE1}">
+              <a14:hiddenEffects xmlns:a14="http://schemas.microsoft.com/office/drawing/2010/main">
+                <a:effectLst>
+                  <a:outerShdw dist="35921" dir="2700000" algn="ctr" rotWithShape="0">
+                    <a:schemeClr val="bg2"/>
+                  </a:outerShdw>
+                </a:effectLst>
+              </a14:hiddenEffects>
+            </a:ext>
+          </a:extLst>
+        </p:spPr>
+      </p:pic>
+    </p:spTree>
+    <p:extLst>
+      <p:ext uri="{BB962C8B-B14F-4D97-AF65-F5344CB8AC3E}">
+        <p14:creationId xmlns:p14="http://schemas.microsoft.com/office/powerpoint/2010/main" val="3707073699"/>
+      </p:ext>
+    </p:extLst>
+  </p:cSld>
+  <p:clrMapOvr>
+    <a:masterClrMapping/>
+  </p:clrMapOvr>
+  <p:transition spd="slow"/>
+</p:sld>
+</file>
+
 <file path=ppt/slides/slide16.xml><?xml version="1.0" encoding="utf-8"?>
 <p:sld xmlns:a="http://schemas.openxmlformats.org/drawingml/2006/main" xmlns:r="http://schemas.openxmlformats.org/officeDocument/2006/relationships" xmlns:p="http://schemas.openxmlformats.org/presentationml/2006/main">
   <p:cSld>
@@ -14261,6 +14237,275 @@
         </p:nvSpPr>
         <p:spPr/>
         <p:txBody>
+          <a:bodyPr>
+            <a:normAutofit fontScale="90000"/>
+          </a:bodyPr>
+          <a:lstStyle/>
+          <a:p>
+            <a:r>
+              <a:rPr lang="en-US" dirty="0" err="1" smtClean="0"/>
+              <a:t>Lưu</a:t>
+            </a:r>
+            <a:r>
+              <a:rPr lang="en-US" dirty="0" smtClean="0"/>
+              <a:t> </a:t>
+            </a:r>
+            <a:r>
+              <a:rPr lang="en-US" dirty="0" err="1" smtClean="0"/>
+              <a:t>thông</a:t>
+            </a:r>
+            <a:r>
+              <a:rPr lang="en-US" dirty="0" smtClean="0"/>
+              <a:t> tin Job </a:t>
+            </a:r>
+            <a:r>
+              <a:rPr lang="en-US" dirty="0" err="1" smtClean="0"/>
+              <a:t>và</a:t>
+            </a:r>
+            <a:r>
+              <a:rPr lang="en-US" dirty="0" smtClean="0"/>
+              <a:t> Profile </a:t>
+            </a:r>
+            <a:r>
+              <a:rPr lang="en-US" dirty="0" err="1" smtClean="0"/>
+              <a:t>theo</a:t>
+            </a:r>
+            <a:r>
+              <a:rPr lang="en-US" dirty="0" smtClean="0"/>
+              <a:t> </a:t>
+            </a:r>
+            <a:r>
+              <a:rPr lang="en-US" dirty="0" err="1" smtClean="0"/>
+              <a:t>dạng</a:t>
+            </a:r>
+            <a:r>
+              <a:rPr lang="en-US" dirty="0" smtClean="0"/>
+              <a:t> Tag</a:t>
+            </a:r>
+            <a:endParaRPr lang="en-US" dirty="0"/>
+          </a:p>
+        </p:txBody>
+      </p:sp>
+      <p:pic>
+        <p:nvPicPr>
+          <p:cNvPr id="4" name="Content Placeholder 3"/>
+          <p:cNvPicPr>
+            <a:picLocks noGrp="1" noChangeAspect="1"/>
+          </p:cNvPicPr>
+          <p:nvPr>
+            <p:ph idx="1"/>
+          </p:nvPr>
+        </p:nvPicPr>
+        <p:blipFill>
+          <a:blip r:embed="rId2">
+            <a:extLst>
+              <a:ext uri="{28A0092B-C50C-407E-A947-70E740481C1C}">
+                <a14:useLocalDpi xmlns:a14="http://schemas.microsoft.com/office/drawing/2010/main" val="0"/>
+              </a:ext>
+            </a:extLst>
+          </a:blip>
+          <a:stretch>
+            <a:fillRect/>
+          </a:stretch>
+        </p:blipFill>
+        <p:spPr>
+          <a:xfrm>
+            <a:off x="770643" y="895350"/>
+            <a:ext cx="4696481" cy="1686160"/>
+          </a:xfrm>
+        </p:spPr>
+      </p:pic>
+      <p:sp>
+        <p:nvSpPr>
+          <p:cNvPr id="5" name="Down Arrow 4"/>
+          <p:cNvSpPr/>
+          <p:nvPr/>
+        </p:nvSpPr>
+        <p:spPr>
+          <a:xfrm>
+            <a:off x="2966484" y="2614940"/>
+            <a:ext cx="304800" cy="871210"/>
+          </a:xfrm>
+          <a:prstGeom prst="downArrow">
+            <a:avLst/>
+          </a:prstGeom>
+        </p:spPr>
+        <p:style>
+          <a:lnRef idx="2">
+            <a:schemeClr val="accent1">
+              <a:shade val="50000"/>
+            </a:schemeClr>
+          </a:lnRef>
+          <a:fillRef idx="1">
+            <a:schemeClr val="accent1"/>
+          </a:fillRef>
+          <a:effectRef idx="0">
+            <a:schemeClr val="accent1"/>
+          </a:effectRef>
+          <a:fontRef idx="minor">
+            <a:schemeClr val="lt1"/>
+          </a:fontRef>
+        </p:style>
+        <p:txBody>
+          <a:bodyPr rtlCol="0" anchor="ctr"/>
+          <a:lstStyle/>
+          <a:p>
+            <a:pPr algn="ctr"/>
+            <a:endParaRPr lang="en-US"/>
+          </a:p>
+        </p:txBody>
+      </p:sp>
+      <p:sp>
+        <p:nvSpPr>
+          <p:cNvPr id="6" name="TextBox 5"/>
+          <p:cNvSpPr txBox="1"/>
+          <p:nvPr/>
+        </p:nvSpPr>
+        <p:spPr>
+          <a:xfrm>
+            <a:off x="3141921" y="2724150"/>
+            <a:ext cx="1382233" cy="523220"/>
+          </a:xfrm>
+          <a:prstGeom prst="rect">
+            <a:avLst/>
+          </a:prstGeom>
+          <a:noFill/>
+        </p:spPr>
+        <p:txBody>
+          <a:bodyPr wrap="square" rtlCol="0">
+            <a:spAutoFit/>
+          </a:bodyPr>
+          <a:lstStyle/>
+          <a:p>
+            <a:pPr algn="ctr"/>
+            <a:r>
+              <a:rPr lang="en-US" sz="1400" dirty="0" smtClean="0"/>
+              <a:t>Pivot </a:t>
+            </a:r>
+            <a:r>
+              <a:rPr lang="en-US" sz="1400" dirty="0" err="1" smtClean="0"/>
+              <a:t>Transformtion</a:t>
+            </a:r>
+            <a:endParaRPr lang="en-US" sz="1400" dirty="0"/>
+          </a:p>
+        </p:txBody>
+      </p:sp>
+      <p:pic>
+        <p:nvPicPr>
+          <p:cNvPr id="7" name="Picture 6"/>
+          <p:cNvPicPr>
+            <a:picLocks noChangeAspect="1"/>
+          </p:cNvPicPr>
+          <p:nvPr/>
+        </p:nvPicPr>
+        <p:blipFill>
+          <a:blip r:embed="rId3">
+            <a:extLst>
+              <a:ext uri="{28A0092B-C50C-407E-A947-70E740481C1C}">
+                <a14:useLocalDpi xmlns:a14="http://schemas.microsoft.com/office/drawing/2010/main" val="0"/>
+              </a:ext>
+            </a:extLst>
+          </a:blip>
+          <a:stretch>
+            <a:fillRect/>
+          </a:stretch>
+        </p:blipFill>
+        <p:spPr>
+          <a:xfrm>
+            <a:off x="440891" y="3714750"/>
+            <a:ext cx="8326013" cy="609685"/>
+          </a:xfrm>
+          <a:prstGeom prst="rect">
+            <a:avLst/>
+          </a:prstGeom>
+        </p:spPr>
+      </p:pic>
+      <p:sp>
+        <p:nvSpPr>
+          <p:cNvPr id="8" name="TextBox 7"/>
+          <p:cNvSpPr txBox="1"/>
+          <p:nvPr/>
+        </p:nvSpPr>
+        <p:spPr>
+          <a:xfrm>
+            <a:off x="634229" y="4509091"/>
+            <a:ext cx="4969309" cy="400110"/>
+          </a:xfrm>
+          <a:prstGeom prst="rect">
+            <a:avLst/>
+          </a:prstGeom>
+          <a:noFill/>
+        </p:spPr>
+        <p:txBody>
+          <a:bodyPr wrap="square" rtlCol="0">
+            <a:spAutoFit/>
+          </a:bodyPr>
+          <a:lstStyle/>
+          <a:p>
+            <a:pPr marL="0" lvl="1"/>
+            <a:r>
+              <a:rPr lang="en-US" dirty="0" smtClean="0"/>
+              <a:t>For more information – See </a:t>
+            </a:r>
+            <a:r>
+              <a:rPr lang="en-US" sz="2000" dirty="0">
+                <a:hlinkClick r:id="rId4" action="ppaction://hlinkfile"/>
+              </a:rPr>
+              <a:t>Select </a:t>
+            </a:r>
+            <a:r>
+              <a:rPr lang="en-US" sz="2000" dirty="0" err="1" smtClean="0">
+                <a:hlinkClick r:id="rId4" action="ppaction://hlinkfile"/>
+              </a:rPr>
+              <a:t>query.sql</a:t>
+            </a:r>
+            <a:endParaRPr lang="en-US" sz="2000" dirty="0"/>
+          </a:p>
+        </p:txBody>
+      </p:sp>
+    </p:spTree>
+    <p:extLst>
+      <p:ext uri="{BB962C8B-B14F-4D97-AF65-F5344CB8AC3E}">
+        <p14:creationId xmlns:p14="http://schemas.microsoft.com/office/powerpoint/2010/main" val="4083011907"/>
+      </p:ext>
+    </p:extLst>
+  </p:cSld>
+  <p:clrMapOvr>
+    <a:masterClrMapping/>
+  </p:clrMapOvr>
+  <p:transition spd="slow"/>
+</p:sld>
+</file>
+
+<file path=ppt/slides/slide17.xml><?xml version="1.0" encoding="utf-8"?>
+<p:sld xmlns:a="http://schemas.openxmlformats.org/drawingml/2006/main" xmlns:r="http://schemas.openxmlformats.org/officeDocument/2006/relationships" xmlns:p="http://schemas.openxmlformats.org/presentationml/2006/main">
+  <p:cSld>
+    <p:spTree>
+      <p:nvGrpSpPr>
+        <p:cNvPr id="1" name=""/>
+        <p:cNvGrpSpPr/>
+        <p:nvPr/>
+      </p:nvGrpSpPr>
+      <p:grpSpPr>
+        <a:xfrm>
+          <a:off x="0" y="0"/>
+          <a:ext cx="0" cy="0"/>
+          <a:chOff x="0" y="0"/>
+          <a:chExt cx="0" cy="0"/>
+        </a:xfrm>
+      </p:grpSpPr>
+      <p:sp>
+        <p:nvSpPr>
+          <p:cNvPr id="2" name="Title 1"/>
+          <p:cNvSpPr>
+            <a:spLocks noGrp="1"/>
+          </p:cNvSpPr>
+          <p:nvPr>
+            <p:ph type="title"/>
+          </p:nvPr>
+        </p:nvSpPr>
+        <p:spPr/>
+        <p:txBody>
           <a:bodyPr/>
           <a:lstStyle/>
           <a:p>
@@ -14309,8 +14554,25 @@
             </a:r>
             <a:r>
               <a:rPr lang="en-US" sz="2400" dirty="0" smtClean="0"/>
-              <a:t> SQL Server</a:t>
-            </a:r>
+              <a:t> SQL </a:t>
+            </a:r>
+            <a:r>
+              <a:rPr lang="en-US" sz="2400" dirty="0" smtClean="0"/>
+              <a:t>Server [</a:t>
+            </a:r>
+            <a:r>
+              <a:rPr lang="en-US" sz="2400" b="1" dirty="0" smtClean="0">
+                <a:solidFill>
+                  <a:srgbClr val="FF0000"/>
+                </a:solidFill>
+              </a:rPr>
+              <a:t>Done</a:t>
+            </a:r>
+            <a:r>
+              <a:rPr lang="en-US" sz="2400" dirty="0" smtClean="0"/>
+              <a:t>]</a:t>
+            </a:r>
+            <a:endParaRPr lang="en-US" sz="2400" dirty="0" smtClean="0"/>
           </a:p>
           <a:p>
             <a:pPr lvl="1"/>
@@ -14353,9 +14615,43 @@
               <a:rPr lang="en-US" sz="2000" dirty="0">
                 <a:hlinkClick r:id="rId3"/>
               </a:rPr>
-              <a:t>http://dotnetgalactics.wordpress.com/2009/10/23/using-sql-server-20052008-pivot-on-unknown-number-of-columns-dynamic-pivot/</a:t>
-            </a:r>
-            <a:endParaRPr lang="en-US" sz="2000" dirty="0"/>
+              <a:t>http://dotnetgalactics.wordpress.com/2009/10/23/using-sql-server-20052008-pivot-on-unknown-number-of-columns-dynamic-pivot</a:t>
+            </a:r>
+            <a:r>
+              <a:rPr lang="en-US" sz="2000" dirty="0" smtClean="0">
+                <a:hlinkClick r:id="rId3"/>
+              </a:rPr>
+              <a:t>/</a:t>
+            </a:r>
+            <a:endParaRPr lang="en-US" sz="2000" dirty="0" smtClean="0"/>
+          </a:p>
+          <a:p>
+            <a:pPr lvl="1"/>
+            <a:r>
+              <a:rPr lang="en-US" sz="2000" dirty="0" smtClean="0"/>
+              <a:t>For mor</a:t>
+            </a:r>
+            <a:r>
+              <a:rPr lang="en-US" sz="2000" dirty="0" smtClean="0"/>
+              <a:t>e information, s</a:t>
+            </a:r>
+            <a:r>
+              <a:rPr lang="en-US" sz="2000" dirty="0" smtClean="0"/>
+              <a:t>ee </a:t>
+            </a:r>
+            <a:r>
+              <a:rPr lang="en-US" sz="2000" dirty="0" smtClean="0">
+                <a:hlinkClick r:id="rId4" action="ppaction://hlinkfile"/>
+              </a:rPr>
+              <a:t>Select </a:t>
+            </a:r>
+            <a:r>
+              <a:rPr lang="en-US" sz="2000" dirty="0" err="1" smtClean="0">
+                <a:hlinkClick r:id="rId4" action="ppaction://hlinkfile"/>
+              </a:rPr>
+              <a:t>query.sql</a:t>
+            </a:r>
+            <a:endParaRPr lang="en-US" sz="2000" dirty="0" smtClean="0"/>
           </a:p>
         </p:txBody>
       </p:sp>

--- a/Documents/JobZoom.pptx
+++ b/Documents/JobZoom.pptx
@@ -7,7 +7,7 @@
     <p:sldMasterId id="2147483683" r:id="rId3"/>
   </p:sldMasterIdLst>
   <p:notesMasterIdLst>
-    <p:notesMasterId r:id="rId21"/>
+    <p:notesMasterId r:id="rId22"/>
   </p:notesMasterIdLst>
   <p:sldIdLst>
     <p:sldId id="256" r:id="rId4"/>
@@ -27,6 +27,7 @@
     <p:sldId id="277" r:id="rId18"/>
     <p:sldId id="276" r:id="rId19"/>
     <p:sldId id="275" r:id="rId20"/>
+    <p:sldId id="278" r:id="rId21"/>
   </p:sldIdLst>
   <p:sldSz cx="9144000" cy="5143500" type="screen16x9"/>
   <p:notesSz cx="6858000" cy="9144000"/>
@@ -210,7 +211,7 @@
           <a:p>
             <a:fld id="{583FCA0D-5591-4BBE-99D9-278F61168510}" type="datetimeFigureOut">
               <a:rPr lang="en-US" smtClean="0"/>
-              <a:t>10/14/2011</a:t>
+              <a:t>10/17/2011</a:t>
             </a:fld>
             <a:endParaRPr lang="en-US"/>
           </a:p>
@@ -788,7 +789,7 @@
           <a:p>
             <a:fld id="{2E16D3F5-7A2C-4A23-896D-2AF7EDFD4A28}" type="datetimeFigureOut">
               <a:rPr lang="en-US" smtClean="0"/>
-              <a:t>10/14/2011</a:t>
+              <a:t>10/17/2011</a:t>
             </a:fld>
             <a:endParaRPr lang="en-US"/>
           </a:p>
@@ -3399,7 +3400,7 @@
           <a:p>
             <a:fld id="{2E16D3F5-7A2C-4A23-896D-2AF7EDFD4A28}" type="datetimeFigureOut">
               <a:rPr lang="en-US" smtClean="0"/>
-              <a:t>10/14/2011</a:t>
+              <a:t>10/17/2011</a:t>
             </a:fld>
             <a:endParaRPr lang="en-US"/>
           </a:p>
@@ -9418,7 +9419,7 @@
           <a:p>
             <a:fld id="{2E16D3F5-7A2C-4A23-896D-2AF7EDFD4A28}" type="datetimeFigureOut">
               <a:rPr lang="en-US" smtClean="0"/>
-              <a:t>10/14/2011</a:t>
+              <a:t>10/17/2011</a:t>
             </a:fld>
             <a:endParaRPr lang="en-US"/>
           </a:p>
@@ -14554,11 +14555,7 @@
             </a:r>
             <a:r>
               <a:rPr lang="en-US" sz="2400" dirty="0" smtClean="0"/>
-              <a:t> SQL </a:t>
-            </a:r>
-            <a:r>
-              <a:rPr lang="en-US" sz="2400" dirty="0" smtClean="0"/>
-              <a:t>Server [</a:t>
+              <a:t> SQL Server [</a:t>
             </a:r>
             <a:r>
               <a:rPr lang="en-US" sz="2400" b="1" dirty="0" smtClean="0">
@@ -14572,7 +14569,6 @@
               <a:rPr lang="en-US" sz="2400" dirty="0" smtClean="0"/>
               <a:t>]</a:t>
             </a:r>
-            <a:endParaRPr lang="en-US" sz="2400" dirty="0" smtClean="0"/>
           </a:p>
           <a:p>
             <a:pPr lvl="1"/>
@@ -14629,15 +14625,7 @@
             <a:pPr lvl="1"/>
             <a:r>
               <a:rPr lang="en-US" sz="2000" dirty="0" smtClean="0"/>
-              <a:t>For mor</a:t>
-            </a:r>
-            <a:r>
-              <a:rPr lang="en-US" sz="2000" dirty="0" smtClean="0"/>
-              <a:t>e information, s</a:t>
-            </a:r>
-            <a:r>
-              <a:rPr lang="en-US" sz="2000" dirty="0" smtClean="0"/>
-              <a:t>ee </a:t>
+              <a:t>For more information, see </a:t>
             </a:r>
             <a:r>
               <a:rPr lang="en-US" sz="2000" dirty="0" smtClean="0">
@@ -14673,6 +14661,706 @@
       </p:par>
     </p:tnLst>
   </p:timing>
+</p:sld>
+</file>
+
+<file path=ppt/slides/slide18.xml><?xml version="1.0" encoding="utf-8"?>
+<p:sld xmlns:a="http://schemas.openxmlformats.org/drawingml/2006/main" xmlns:r="http://schemas.openxmlformats.org/officeDocument/2006/relationships" xmlns:p="http://schemas.openxmlformats.org/presentationml/2006/main">
+  <p:cSld>
+    <p:spTree>
+      <p:nvGrpSpPr>
+        <p:cNvPr id="1" name=""/>
+        <p:cNvGrpSpPr/>
+        <p:nvPr/>
+      </p:nvGrpSpPr>
+      <p:grpSpPr>
+        <a:xfrm>
+          <a:off x="0" y="0"/>
+          <a:ext cx="0" cy="0"/>
+          <a:chOff x="0" y="0"/>
+          <a:chExt cx="0" cy="0"/>
+        </a:xfrm>
+      </p:grpSpPr>
+      <p:sp>
+        <p:nvSpPr>
+          <p:cNvPr id="2" name="Title 1"/>
+          <p:cNvSpPr>
+            <a:spLocks noGrp="1"/>
+          </p:cNvSpPr>
+          <p:nvPr>
+            <p:ph type="title"/>
+          </p:nvPr>
+        </p:nvSpPr>
+        <p:spPr/>
+        <p:txBody>
+          <a:bodyPr/>
+          <a:lstStyle/>
+          <a:p>
+            <a:r>
+              <a:rPr lang="en-US" dirty="0" err="1" smtClean="0"/>
+              <a:t>Nội</a:t>
+            </a:r>
+            <a:r>
+              <a:rPr lang="en-US" dirty="0" smtClean="0"/>
+              <a:t> dung 17/10/2011</a:t>
+            </a:r>
+            <a:endParaRPr lang="en-US" dirty="0"/>
+          </a:p>
+        </p:txBody>
+      </p:sp>
+      <p:sp>
+        <p:nvSpPr>
+          <p:cNvPr id="3" name="Content Placeholder 2"/>
+          <p:cNvSpPr>
+            <a:spLocks noGrp="1"/>
+          </p:cNvSpPr>
+          <p:nvPr>
+            <p:ph idx="1"/>
+          </p:nvPr>
+        </p:nvSpPr>
+        <p:spPr>
+          <a:xfrm>
+            <a:off x="457200" y="742950"/>
+            <a:ext cx="8229600" cy="3851673"/>
+          </a:xfrm>
+        </p:spPr>
+        <p:txBody>
+          <a:bodyPr>
+            <a:normAutofit/>
+          </a:bodyPr>
+          <a:lstStyle/>
+          <a:p>
+            <a:r>
+              <a:rPr lang="en-US" sz="2000" dirty="0" err="1" smtClean="0"/>
+              <a:t>Mỗi</a:t>
+            </a:r>
+            <a:r>
+              <a:rPr lang="en-US" sz="2000" dirty="0" smtClean="0"/>
+              <a:t> </a:t>
+            </a:r>
+            <a:r>
+              <a:rPr lang="en-US" sz="2000" dirty="0" err="1" smtClean="0"/>
+              <a:t>ngành</a:t>
+            </a:r>
+            <a:r>
+              <a:rPr lang="en-US" sz="2000" dirty="0" smtClean="0"/>
+              <a:t> </a:t>
+            </a:r>
+            <a:r>
+              <a:rPr lang="en-US" sz="2000" dirty="0" err="1" smtClean="0"/>
+              <a:t>nghề</a:t>
+            </a:r>
+            <a:r>
+              <a:rPr lang="en-US" sz="2000" dirty="0" smtClean="0"/>
+              <a:t> </a:t>
+            </a:r>
+            <a:r>
+              <a:rPr lang="en-US" sz="2000" dirty="0" err="1" smtClean="0"/>
+              <a:t>sẽ</a:t>
+            </a:r>
+            <a:r>
+              <a:rPr lang="en-US" sz="2000" dirty="0" smtClean="0"/>
+              <a:t> </a:t>
+            </a:r>
+            <a:r>
+              <a:rPr lang="en-US" sz="2000" dirty="0" err="1" smtClean="0"/>
+              <a:t>có</a:t>
+            </a:r>
+            <a:r>
+              <a:rPr lang="en-US" sz="2000" dirty="0" smtClean="0"/>
+              <a:t> 1 </a:t>
+            </a:r>
+            <a:r>
+              <a:rPr lang="en-US" sz="2000" dirty="0" err="1" smtClean="0"/>
+              <a:t>số</a:t>
+            </a:r>
+            <a:r>
+              <a:rPr lang="en-US" sz="2000" dirty="0" smtClean="0"/>
+              <a:t> tag “</a:t>
+            </a:r>
+            <a:r>
+              <a:rPr lang="en-US" sz="2000" dirty="0" err="1" smtClean="0"/>
+              <a:t>cố</a:t>
+            </a:r>
+            <a:r>
+              <a:rPr lang="en-US" sz="2000" dirty="0" smtClean="0"/>
+              <a:t> </a:t>
+            </a:r>
+            <a:r>
+              <a:rPr lang="en-US" sz="2000" dirty="0" err="1" smtClean="0"/>
+              <a:t>định</a:t>
+            </a:r>
+            <a:r>
+              <a:rPr lang="en-US" sz="2000" dirty="0" smtClean="0"/>
+              <a:t>” </a:t>
+            </a:r>
+            <a:r>
+              <a:rPr lang="en-US" sz="2000" dirty="0" err="1" smtClean="0"/>
+              <a:t>nhưng</a:t>
+            </a:r>
+            <a:r>
+              <a:rPr lang="en-US" sz="2000" dirty="0" smtClean="0"/>
+              <a:t> </a:t>
+            </a:r>
+            <a:r>
+              <a:rPr lang="en-US" sz="2000" dirty="0" err="1" smtClean="0"/>
+              <a:t>vẫn</a:t>
+            </a:r>
+            <a:r>
+              <a:rPr lang="en-US" sz="2000" dirty="0" smtClean="0"/>
+              <a:t> </a:t>
+            </a:r>
+            <a:r>
+              <a:rPr lang="en-US" sz="2000" dirty="0" err="1" smtClean="0"/>
+              <a:t>linh</a:t>
+            </a:r>
+            <a:r>
+              <a:rPr lang="en-US" sz="2000" dirty="0" smtClean="0"/>
+              <a:t> </a:t>
+            </a:r>
+            <a:r>
+              <a:rPr lang="en-US" sz="2000" dirty="0" err="1" smtClean="0"/>
+              <a:t>hoạt</a:t>
+            </a:r>
+            <a:r>
+              <a:rPr lang="en-US" sz="2000" dirty="0" smtClean="0"/>
+              <a:t> </a:t>
+            </a:r>
+            <a:r>
+              <a:rPr lang="en-US" sz="2000" dirty="0" err="1" smtClean="0"/>
+              <a:t>dùng</a:t>
+            </a:r>
+            <a:r>
+              <a:rPr lang="en-US" sz="2000" dirty="0" smtClean="0"/>
+              <a:t> </a:t>
+            </a:r>
+            <a:r>
+              <a:rPr lang="en-US" sz="2000" dirty="0" err="1" smtClean="0"/>
+              <a:t>để</a:t>
+            </a:r>
+            <a:r>
+              <a:rPr lang="en-US" sz="2000" dirty="0" smtClean="0"/>
+              <a:t> </a:t>
+            </a:r>
+            <a:r>
+              <a:rPr lang="en-US" sz="2000" dirty="0" err="1" smtClean="0"/>
+              <a:t>gợi</a:t>
+            </a:r>
+            <a:r>
+              <a:rPr lang="en-US" sz="2000" dirty="0" smtClean="0"/>
+              <a:t> ý CV</a:t>
+            </a:r>
+          </a:p>
+          <a:p>
+            <a:r>
+              <a:rPr lang="en-US" sz="2000" dirty="0" err="1" smtClean="0"/>
+              <a:t>Điều</a:t>
+            </a:r>
+            <a:r>
+              <a:rPr lang="en-US" sz="2000" dirty="0" smtClean="0"/>
+              <a:t> </a:t>
+            </a:r>
+            <a:r>
+              <a:rPr lang="en-US" sz="2000" dirty="0" err="1" smtClean="0"/>
+              <a:t>chỉnh</a:t>
+            </a:r>
+            <a:r>
+              <a:rPr lang="en-US" sz="2000" dirty="0" smtClean="0"/>
+              <a:t> % matching, </a:t>
+            </a:r>
+            <a:r>
+              <a:rPr lang="en-US" sz="2000" dirty="0" err="1" smtClean="0"/>
+              <a:t>độ</a:t>
+            </a:r>
+            <a:r>
+              <a:rPr lang="en-US" sz="2000" dirty="0" smtClean="0"/>
+              <a:t> </a:t>
+            </a:r>
+            <a:r>
+              <a:rPr lang="en-US" sz="2000" dirty="0" err="1" smtClean="0"/>
+              <a:t>chính</a:t>
+            </a:r>
+            <a:r>
+              <a:rPr lang="en-US" sz="2000" dirty="0" smtClean="0"/>
+              <a:t> </a:t>
+            </a:r>
+            <a:r>
+              <a:rPr lang="en-US" sz="2000" dirty="0" err="1" smtClean="0"/>
+              <a:t>xác</a:t>
+            </a:r>
+            <a:r>
+              <a:rPr lang="en-US" sz="2000" dirty="0" smtClean="0"/>
+              <a:t> decision tree</a:t>
+            </a:r>
+          </a:p>
+          <a:p>
+            <a:r>
+              <a:rPr lang="en-US" sz="2000" dirty="0" err="1" smtClean="0"/>
+              <a:t>Vẽ</a:t>
+            </a:r>
+            <a:r>
+              <a:rPr lang="en-US" sz="2000" dirty="0" smtClean="0"/>
+              <a:t> use case, </a:t>
+            </a:r>
+            <a:r>
+              <a:rPr lang="en-US" sz="2000" dirty="0" err="1" smtClean="0"/>
+              <a:t>chứng</a:t>
+            </a:r>
+            <a:r>
+              <a:rPr lang="en-US" sz="2000" dirty="0" smtClean="0"/>
+              <a:t> minh use case </a:t>
+            </a:r>
+            <a:r>
+              <a:rPr lang="en-US" sz="2000" dirty="0" err="1" smtClean="0"/>
+              <a:t>thay</a:t>
+            </a:r>
+            <a:r>
+              <a:rPr lang="en-US" sz="2000" dirty="0" smtClean="0"/>
+              <a:t> </a:t>
+            </a:r>
+            <a:r>
+              <a:rPr lang="en-US" sz="2000" dirty="0" err="1" smtClean="0"/>
+              <a:t>đổi</a:t>
+            </a:r>
+            <a:r>
+              <a:rPr lang="en-US" sz="2000" dirty="0" smtClean="0"/>
+              <a:t> </a:t>
+            </a:r>
+            <a:r>
+              <a:rPr lang="en-US" sz="2000" dirty="0" err="1" smtClean="0"/>
+              <a:t>linh</a:t>
+            </a:r>
+            <a:r>
+              <a:rPr lang="en-US" sz="2000" dirty="0" smtClean="0"/>
+              <a:t> </a:t>
+            </a:r>
+            <a:r>
+              <a:rPr lang="en-US" sz="2000" dirty="0" err="1" smtClean="0"/>
+              <a:t>hoạt</a:t>
+            </a:r>
+            <a:r>
+              <a:rPr lang="en-US" sz="2000" dirty="0" smtClean="0"/>
+              <a:t> </a:t>
+            </a:r>
+            <a:r>
+              <a:rPr lang="en-US" sz="2000" dirty="0" err="1" smtClean="0"/>
+              <a:t>theo</a:t>
+            </a:r>
+            <a:r>
+              <a:rPr lang="en-US" sz="2000" dirty="0" smtClean="0"/>
+              <a:t> </a:t>
+            </a:r>
+            <a:r>
+              <a:rPr lang="en-US" sz="2000" dirty="0" err="1" smtClean="0"/>
+              <a:t>tình</a:t>
+            </a:r>
+            <a:r>
+              <a:rPr lang="en-US" sz="2000" dirty="0" smtClean="0"/>
+              <a:t> </a:t>
+            </a:r>
+            <a:r>
+              <a:rPr lang="en-US" sz="2000" dirty="0" err="1" smtClean="0"/>
+              <a:t>huống</a:t>
+            </a:r>
+            <a:r>
+              <a:rPr lang="en-US" sz="2000" dirty="0" smtClean="0"/>
+              <a:t> </a:t>
+            </a:r>
+            <a:r>
+              <a:rPr lang="en-US" sz="2000" dirty="0" err="1" smtClean="0"/>
+              <a:t>sử</a:t>
+            </a:r>
+            <a:r>
+              <a:rPr lang="en-US" sz="2000" dirty="0" smtClean="0"/>
+              <a:t> </a:t>
+            </a:r>
+            <a:r>
+              <a:rPr lang="en-US" sz="2000" dirty="0" err="1" smtClean="0"/>
+              <a:t>dụng</a:t>
+            </a:r>
+            <a:endParaRPr lang="en-US" sz="2000" dirty="0" smtClean="0"/>
+          </a:p>
+          <a:p>
+            <a:r>
+              <a:rPr lang="en-US" sz="2000" dirty="0" err="1"/>
+              <a:t>Chứng</a:t>
+            </a:r>
+            <a:r>
+              <a:rPr lang="en-US" sz="2000" dirty="0"/>
+              <a:t> minh architecture </a:t>
+            </a:r>
+            <a:r>
+              <a:rPr lang="en-US" sz="2000" dirty="0" err="1"/>
+              <a:t>linh</a:t>
+            </a:r>
+            <a:r>
+              <a:rPr lang="en-US" sz="2000" dirty="0"/>
+              <a:t> </a:t>
+            </a:r>
+            <a:r>
+              <a:rPr lang="en-US" sz="2000" dirty="0" err="1"/>
+              <a:t>hoạt</a:t>
+            </a:r>
+            <a:r>
+              <a:rPr lang="en-US" sz="2000" dirty="0"/>
+              <a:t> </a:t>
+            </a:r>
+            <a:r>
+              <a:rPr lang="en-US" sz="2000" dirty="0" err="1"/>
+              <a:t>trong</a:t>
+            </a:r>
+            <a:r>
+              <a:rPr lang="en-US" sz="2000" dirty="0"/>
+              <a:t> </a:t>
+            </a:r>
+            <a:r>
+              <a:rPr lang="en-US" sz="2000" dirty="0" err="1"/>
+              <a:t>nhiều</a:t>
+            </a:r>
+            <a:r>
+              <a:rPr lang="en-US" sz="2000" dirty="0"/>
+              <a:t> </a:t>
+            </a:r>
+            <a:r>
+              <a:rPr lang="en-US" sz="2000" dirty="0" err="1"/>
+              <a:t>ngành</a:t>
+            </a:r>
+            <a:r>
+              <a:rPr lang="en-US" sz="2000" dirty="0"/>
+              <a:t> </a:t>
+            </a:r>
+            <a:r>
+              <a:rPr lang="en-US" sz="2000" dirty="0" err="1" smtClean="0"/>
+              <a:t>nghề</a:t>
+            </a:r>
+            <a:endParaRPr lang="en-US" sz="2000" dirty="0" smtClean="0"/>
+          </a:p>
+          <a:p>
+            <a:r>
+              <a:rPr lang="en-US" sz="2000" dirty="0" err="1" smtClean="0"/>
+              <a:t>Để</a:t>
+            </a:r>
+            <a:r>
+              <a:rPr lang="en-US" sz="2000" dirty="0" smtClean="0"/>
+              <a:t> </a:t>
+            </a:r>
+            <a:r>
+              <a:rPr lang="en-US" sz="2000" dirty="0" err="1" smtClean="0"/>
+              <a:t>đảm</a:t>
+            </a:r>
+            <a:r>
+              <a:rPr lang="en-US" sz="2000" dirty="0" smtClean="0"/>
+              <a:t> </a:t>
+            </a:r>
+            <a:r>
+              <a:rPr lang="en-US" sz="2000" dirty="0" err="1" smtClean="0"/>
+              <a:t>bảo</a:t>
+            </a:r>
+            <a:r>
+              <a:rPr lang="en-US" sz="2000" dirty="0" smtClean="0"/>
+              <a:t> </a:t>
+            </a:r>
+            <a:r>
+              <a:rPr lang="en-US" sz="2000" dirty="0" err="1" smtClean="0"/>
+              <a:t>hiệu</a:t>
+            </a:r>
+            <a:r>
+              <a:rPr lang="en-US" sz="2000" dirty="0" smtClean="0"/>
+              <a:t> </a:t>
+            </a:r>
+            <a:r>
+              <a:rPr lang="en-US" sz="2000" dirty="0" err="1" smtClean="0"/>
+              <a:t>năng</a:t>
+            </a:r>
+            <a:r>
+              <a:rPr lang="en-US" sz="2000" dirty="0" smtClean="0"/>
+              <a:t>, </a:t>
+            </a:r>
+            <a:r>
+              <a:rPr lang="en-US" sz="2000" dirty="0" err="1" smtClean="0"/>
+              <a:t>chạy</a:t>
+            </a:r>
+            <a:r>
+              <a:rPr lang="en-US" sz="2000" dirty="0" smtClean="0"/>
+              <a:t> decision tree </a:t>
+            </a:r>
+            <a:r>
+              <a:rPr lang="en-US" sz="2000" dirty="0" err="1" smtClean="0"/>
+              <a:t>trên</a:t>
+            </a:r>
+            <a:r>
+              <a:rPr lang="en-US" sz="2000" dirty="0" smtClean="0"/>
+              <a:t> 1 server </a:t>
+            </a:r>
+            <a:r>
+              <a:rPr lang="en-US" sz="2000" dirty="0" err="1" smtClean="0"/>
+              <a:t>khác</a:t>
+            </a:r>
+            <a:r>
+              <a:rPr lang="en-US" sz="2000" dirty="0" smtClean="0"/>
+              <a:t>, </a:t>
+            </a:r>
+            <a:r>
+              <a:rPr lang="en-US" sz="2000" dirty="0" err="1" smtClean="0"/>
+              <a:t>sau</a:t>
+            </a:r>
+            <a:r>
+              <a:rPr lang="en-US" sz="2000" dirty="0" smtClean="0"/>
+              <a:t> </a:t>
+            </a:r>
+            <a:r>
+              <a:rPr lang="en-US" sz="2000" dirty="0" err="1" smtClean="0"/>
+              <a:t>khi</a:t>
+            </a:r>
+            <a:r>
+              <a:rPr lang="en-US" sz="2000" dirty="0" smtClean="0"/>
+              <a:t> </a:t>
+            </a:r>
+            <a:r>
+              <a:rPr lang="en-US" sz="2000" dirty="0" err="1" smtClean="0"/>
+              <a:t>có</a:t>
+            </a:r>
+            <a:r>
+              <a:rPr lang="en-US" sz="2000" dirty="0" smtClean="0"/>
+              <a:t> </a:t>
+            </a:r>
+            <a:r>
+              <a:rPr lang="en-US" sz="2000" dirty="0" err="1" smtClean="0"/>
+              <a:t>kết</a:t>
+            </a:r>
+            <a:r>
+              <a:rPr lang="en-US" sz="2000" dirty="0" smtClean="0"/>
+              <a:t> </a:t>
+            </a:r>
+            <a:r>
+              <a:rPr lang="en-US" sz="2000" dirty="0" err="1" smtClean="0"/>
+              <a:t>quả</a:t>
+            </a:r>
+            <a:r>
+              <a:rPr lang="en-US" sz="2000" dirty="0" smtClean="0"/>
+              <a:t> </a:t>
+            </a:r>
+            <a:r>
+              <a:rPr lang="en-US" sz="2000" dirty="0" err="1" smtClean="0"/>
+              <a:t>sẽ</a:t>
+            </a:r>
+            <a:r>
+              <a:rPr lang="en-US" sz="2000" dirty="0" smtClean="0"/>
+              <a:t> </a:t>
+            </a:r>
+            <a:r>
+              <a:rPr lang="en-US" sz="2000" dirty="0" err="1" smtClean="0"/>
+              <a:t>đem</a:t>
+            </a:r>
+            <a:r>
+              <a:rPr lang="en-US" sz="2000" dirty="0" smtClean="0"/>
+              <a:t> qua server </a:t>
+            </a:r>
+            <a:r>
+              <a:rPr lang="en-US" sz="2000" dirty="0" err="1" smtClean="0"/>
+              <a:t>chính</a:t>
+            </a:r>
+            <a:r>
+              <a:rPr lang="en-US" sz="2000" dirty="0" smtClean="0"/>
+              <a:t> </a:t>
+            </a:r>
+            <a:r>
+              <a:rPr lang="en-US" sz="2000" dirty="0" err="1" smtClean="0"/>
+              <a:t>để</a:t>
+            </a:r>
+            <a:r>
+              <a:rPr lang="en-US" sz="2000" dirty="0" smtClean="0"/>
+              <a:t> </a:t>
+            </a:r>
+            <a:r>
+              <a:rPr lang="en-US" sz="2000" dirty="0" err="1" smtClean="0"/>
+              <a:t>chạy</a:t>
+            </a:r>
+            <a:r>
+              <a:rPr lang="en-US" sz="2000" dirty="0" smtClean="0"/>
+              <a:t>; build decision </a:t>
+            </a:r>
+            <a:r>
+              <a:rPr lang="en-US" sz="2000" dirty="0" err="1" smtClean="0"/>
+              <a:t>có</a:t>
+            </a:r>
+            <a:r>
+              <a:rPr lang="en-US" sz="2000" dirty="0" smtClean="0"/>
+              <a:t> </a:t>
+            </a:r>
+            <a:r>
+              <a:rPr lang="en-US" sz="2000" dirty="0" err="1" smtClean="0"/>
+              <a:t>thể</a:t>
+            </a:r>
+            <a:r>
+              <a:rPr lang="en-US" sz="2000" dirty="0" smtClean="0"/>
+              <a:t> </a:t>
+            </a:r>
+            <a:r>
+              <a:rPr lang="en-US" sz="2000" dirty="0" err="1" smtClean="0"/>
+              <a:t>dựa</a:t>
+            </a:r>
+            <a:r>
+              <a:rPr lang="en-US" sz="2000" dirty="0" smtClean="0"/>
+              <a:t> </a:t>
+            </a:r>
+            <a:r>
+              <a:rPr lang="en-US" sz="2000" dirty="0" err="1" smtClean="0"/>
+              <a:t>vào</a:t>
+            </a:r>
+            <a:r>
+              <a:rPr lang="en-US" sz="2000" dirty="0" smtClean="0"/>
+              <a:t> </a:t>
+            </a:r>
+            <a:r>
+              <a:rPr lang="en-US" sz="2000" dirty="0" err="1" smtClean="0"/>
+              <a:t>thời</a:t>
+            </a:r>
+            <a:r>
+              <a:rPr lang="en-US" sz="2000" dirty="0" smtClean="0"/>
+              <a:t> </a:t>
+            </a:r>
+            <a:r>
+              <a:rPr lang="en-US" sz="2000" dirty="0" err="1" smtClean="0"/>
+              <a:t>gian</a:t>
+            </a:r>
+            <a:r>
+              <a:rPr lang="en-US" sz="2000" dirty="0" smtClean="0"/>
+              <a:t> hay </a:t>
+            </a:r>
+            <a:r>
+              <a:rPr lang="en-US" sz="2000" dirty="0" err="1" smtClean="0"/>
+              <a:t>số</a:t>
+            </a:r>
+            <a:r>
+              <a:rPr lang="en-US" sz="2000" dirty="0" smtClean="0"/>
+              <a:t> </a:t>
+            </a:r>
+            <a:r>
+              <a:rPr lang="en-US" sz="2000" dirty="0" err="1" smtClean="0"/>
+              <a:t>lượng</a:t>
+            </a:r>
+            <a:r>
+              <a:rPr lang="en-US" sz="2000" dirty="0" smtClean="0"/>
+              <a:t> </a:t>
+            </a:r>
+            <a:r>
+              <a:rPr lang="en-US" sz="2000" dirty="0" err="1" smtClean="0"/>
+              <a:t>dữ</a:t>
+            </a:r>
+            <a:r>
+              <a:rPr lang="en-US" sz="2000" dirty="0" smtClean="0"/>
+              <a:t> </a:t>
+            </a:r>
+            <a:r>
+              <a:rPr lang="en-US" sz="2000" dirty="0" err="1" smtClean="0"/>
+              <a:t>liệu</a:t>
+            </a:r>
+            <a:r>
+              <a:rPr lang="en-US" sz="2000" dirty="0" smtClean="0"/>
+              <a:t>, </a:t>
+            </a:r>
+            <a:r>
+              <a:rPr lang="en-US" sz="2000" dirty="0" err="1" smtClean="0"/>
+              <a:t>thời</a:t>
+            </a:r>
+            <a:r>
+              <a:rPr lang="en-US" sz="2000" dirty="0" smtClean="0"/>
+              <a:t> </a:t>
+            </a:r>
+            <a:r>
+              <a:rPr lang="en-US" sz="2000" dirty="0" err="1" smtClean="0"/>
+              <a:t>gian</a:t>
+            </a:r>
+            <a:r>
+              <a:rPr lang="en-US" sz="2000" dirty="0" smtClean="0"/>
+              <a:t> build </a:t>
+            </a:r>
+            <a:r>
+              <a:rPr lang="en-US" sz="2000" dirty="0" err="1" smtClean="0"/>
+              <a:t>có</a:t>
+            </a:r>
+            <a:r>
+              <a:rPr lang="en-US" sz="2000" dirty="0" smtClean="0"/>
+              <a:t> </a:t>
+            </a:r>
+            <a:r>
+              <a:rPr lang="en-US" sz="2000" dirty="0" err="1" smtClean="0"/>
+              <a:t>thể</a:t>
+            </a:r>
+            <a:r>
+              <a:rPr lang="en-US" sz="2000" dirty="0" smtClean="0"/>
+              <a:t> </a:t>
+            </a:r>
+            <a:r>
+              <a:rPr lang="en-US" sz="2000" dirty="0" err="1" smtClean="0"/>
+              <a:t>lên</a:t>
+            </a:r>
+            <a:r>
+              <a:rPr lang="en-US" sz="2000" dirty="0" smtClean="0"/>
+              <a:t> </a:t>
+            </a:r>
+            <a:r>
+              <a:rPr lang="en-US" sz="2000" dirty="0" err="1" smtClean="0"/>
+              <a:t>đến</a:t>
+            </a:r>
+            <a:r>
+              <a:rPr lang="en-US" sz="2000" dirty="0" smtClean="0"/>
+              <a:t> 2 </a:t>
+            </a:r>
+            <a:r>
+              <a:rPr lang="en-US" sz="2000" dirty="0" err="1" smtClean="0"/>
+              <a:t>tuần</a:t>
+            </a:r>
+            <a:r>
+              <a:rPr lang="en-US" sz="2000" dirty="0" smtClean="0"/>
+              <a:t> </a:t>
+            </a:r>
+            <a:r>
+              <a:rPr lang="en-US" sz="2000" dirty="0" err="1" smtClean="0"/>
+              <a:t>là</a:t>
+            </a:r>
+            <a:r>
+              <a:rPr lang="en-US" sz="2000" dirty="0" smtClean="0"/>
+              <a:t> </a:t>
+            </a:r>
+            <a:r>
+              <a:rPr lang="en-US" sz="2000" dirty="0" err="1" smtClean="0"/>
+              <a:t>bình</a:t>
+            </a:r>
+            <a:r>
+              <a:rPr lang="en-US" sz="2000" dirty="0" smtClean="0"/>
+              <a:t> </a:t>
+            </a:r>
+            <a:r>
+              <a:rPr lang="en-US" sz="2000" dirty="0" err="1" smtClean="0"/>
+              <a:t>thường</a:t>
+            </a:r>
+            <a:r>
+              <a:rPr lang="en-US" sz="2000" smtClean="0"/>
+              <a:t>.</a:t>
+            </a:r>
+            <a:endParaRPr lang="en-US" sz="2000" dirty="0"/>
+          </a:p>
+          <a:p>
+            <a:endParaRPr lang="en-US" sz="2000" dirty="0" smtClean="0"/>
+          </a:p>
+          <a:p>
+            <a:endParaRPr lang="en-US" sz="2000" dirty="0"/>
+          </a:p>
+        </p:txBody>
+      </p:sp>
+    </p:spTree>
+    <p:extLst>
+      <p:ext uri="{BB962C8B-B14F-4D97-AF65-F5344CB8AC3E}">
+        <p14:creationId xmlns:p14="http://schemas.microsoft.com/office/powerpoint/2010/main" val="1329801711"/>
+      </p:ext>
+    </p:extLst>
+  </p:cSld>
+  <p:clrMapOvr>
+    <a:masterClrMapping/>
+  </p:clrMapOvr>
+  <p:transition spd="slow"/>
 </p:sld>
 </file>
 

--- a/Documents/JobZoom.pptx
+++ b/Documents/JobZoom.pptx
@@ -5,29 +5,32 @@
     <p:sldMasterId id="2147483660" r:id="rId1"/>
     <p:sldMasterId id="2147483670" r:id="rId2"/>
     <p:sldMasterId id="2147483683" r:id="rId3"/>
+    <p:sldMasterId id="2147483700" r:id="rId4"/>
   </p:sldMasterIdLst>
   <p:notesMasterIdLst>
-    <p:notesMasterId r:id="rId22"/>
+    <p:notesMasterId r:id="rId25"/>
   </p:notesMasterIdLst>
   <p:sldIdLst>
-    <p:sldId id="256" r:id="rId4"/>
-    <p:sldId id="263" r:id="rId5"/>
-    <p:sldId id="264" r:id="rId6"/>
-    <p:sldId id="262" r:id="rId7"/>
-    <p:sldId id="265" r:id="rId8"/>
-    <p:sldId id="258" r:id="rId9"/>
-    <p:sldId id="259" r:id="rId10"/>
-    <p:sldId id="267" r:id="rId11"/>
-    <p:sldId id="268" r:id="rId12"/>
-    <p:sldId id="269" r:id="rId13"/>
-    <p:sldId id="270" r:id="rId14"/>
-    <p:sldId id="271" r:id="rId15"/>
-    <p:sldId id="272" r:id="rId16"/>
-    <p:sldId id="274" r:id="rId17"/>
-    <p:sldId id="277" r:id="rId18"/>
-    <p:sldId id="276" r:id="rId19"/>
-    <p:sldId id="275" r:id="rId20"/>
-    <p:sldId id="278" r:id="rId21"/>
+    <p:sldId id="256" r:id="rId5"/>
+    <p:sldId id="263" r:id="rId6"/>
+    <p:sldId id="264" r:id="rId7"/>
+    <p:sldId id="262" r:id="rId8"/>
+    <p:sldId id="265" r:id="rId9"/>
+    <p:sldId id="258" r:id="rId10"/>
+    <p:sldId id="259" r:id="rId11"/>
+    <p:sldId id="267" r:id="rId12"/>
+    <p:sldId id="268" r:id="rId13"/>
+    <p:sldId id="269" r:id="rId14"/>
+    <p:sldId id="270" r:id="rId15"/>
+    <p:sldId id="271" r:id="rId16"/>
+    <p:sldId id="272" r:id="rId17"/>
+    <p:sldId id="274" r:id="rId18"/>
+    <p:sldId id="277" r:id="rId19"/>
+    <p:sldId id="276" r:id="rId20"/>
+    <p:sldId id="275" r:id="rId21"/>
+    <p:sldId id="278" r:id="rId22"/>
+    <p:sldId id="279" r:id="rId23"/>
+    <p:sldId id="280" r:id="rId24"/>
   </p:sldIdLst>
   <p:sldSz cx="9144000" cy="5143500" type="screen16x9"/>
   <p:notesSz cx="6858000" cy="9144000"/>
@@ -211,7 +214,7 @@
           <a:p>
             <a:fld id="{583FCA0D-5591-4BBE-99D9-278F61168510}" type="datetimeFigureOut">
               <a:rPr lang="en-US" smtClean="0"/>
-              <a:t>10/17/2011</a:t>
+              <a:t>12/7/2011</a:t>
             </a:fld>
             <a:endParaRPr lang="en-US"/>
           </a:p>
@@ -789,7 +792,7 @@
           <a:p>
             <a:fld id="{2E16D3F5-7A2C-4A23-896D-2AF7EDFD4A28}" type="datetimeFigureOut">
               <a:rPr lang="en-US" smtClean="0"/>
-              <a:t>10/17/2011</a:t>
+              <a:t>12/7/2011</a:t>
             </a:fld>
             <a:endParaRPr lang="en-US"/>
           </a:p>
@@ -3400,7 +3403,7 @@
           <a:p>
             <a:fld id="{2E16D3F5-7A2C-4A23-896D-2AF7EDFD4A28}" type="datetimeFigureOut">
               <a:rPr lang="en-US" smtClean="0"/>
-              <a:t>10/17/2011</a:t>
+              <a:t>12/7/2011</a:t>
             </a:fld>
             <a:endParaRPr lang="en-US"/>
           </a:p>
@@ -9419,7 +9422,7 @@
           <a:p>
             <a:fld id="{2E16D3F5-7A2C-4A23-896D-2AF7EDFD4A28}" type="datetimeFigureOut">
               <a:rPr lang="en-US" smtClean="0"/>
-              <a:t>10/17/2011</a:t>
+              <a:t>12/7/2011</a:t>
             </a:fld>
             <a:endParaRPr lang="en-US"/>
           </a:p>
@@ -9487,6 +9490,482 @@
       </p:par>
     </p:tnLst>
   </p:timing>
+</p:sldLayout>
+</file>
+
+<file path=ppt/slideLayouts/slideLayout38.xml><?xml version="1.0" encoding="utf-8"?>
+<p:sldLayout xmlns:a="http://schemas.openxmlformats.org/drawingml/2006/main" xmlns:r="http://schemas.openxmlformats.org/officeDocument/2006/relationships" xmlns:p="http://schemas.openxmlformats.org/presentationml/2006/main" type="title" preserve="1">
+  <p:cSld name="Title Slide">
+    <p:spTree>
+      <p:nvGrpSpPr>
+        <p:cNvPr id="1" name=""/>
+        <p:cNvGrpSpPr/>
+        <p:nvPr/>
+      </p:nvGrpSpPr>
+      <p:grpSpPr>
+        <a:xfrm>
+          <a:off x="0" y="0"/>
+          <a:ext cx="0" cy="0"/>
+          <a:chOff x="0" y="0"/>
+          <a:chExt cx="0" cy="0"/>
+        </a:xfrm>
+      </p:grpSpPr>
+      <p:sp>
+        <p:nvSpPr>
+          <p:cNvPr id="2" name="Title 1"/>
+          <p:cNvSpPr>
+            <a:spLocks noGrp="1"/>
+          </p:cNvSpPr>
+          <p:nvPr>
+            <p:ph type="ctrTitle"/>
+          </p:nvPr>
+        </p:nvSpPr>
+        <p:spPr>
+          <a:xfrm>
+            <a:off x="685800" y="1597819"/>
+            <a:ext cx="7772400" cy="1102519"/>
+          </a:xfrm>
+        </p:spPr>
+        <p:txBody>
+          <a:bodyPr/>
+          <a:lstStyle/>
+          <a:p>
+            <a:r>
+              <a:rPr lang="en-US" smtClean="0"/>
+              <a:t>Click to edit Master title style</a:t>
+            </a:r>
+            <a:endParaRPr lang="en-US"/>
+          </a:p>
+        </p:txBody>
+      </p:sp>
+      <p:sp>
+        <p:nvSpPr>
+          <p:cNvPr id="3" name="Subtitle 2"/>
+          <p:cNvSpPr>
+            <a:spLocks noGrp="1"/>
+          </p:cNvSpPr>
+          <p:nvPr>
+            <p:ph type="subTitle" idx="1"/>
+          </p:nvPr>
+        </p:nvSpPr>
+        <p:spPr>
+          <a:xfrm>
+            <a:off x="1371600" y="2914650"/>
+            <a:ext cx="6400800" cy="1314450"/>
+          </a:xfrm>
+        </p:spPr>
+        <p:txBody>
+          <a:bodyPr/>
+          <a:lstStyle>
+            <a:lvl1pPr marL="0" indent="0" algn="ctr">
+              <a:buNone/>
+              <a:defRPr>
+                <a:solidFill>
+                  <a:schemeClr val="tx1">
+                    <a:tint val="75000"/>
+                  </a:schemeClr>
+                </a:solidFill>
+              </a:defRPr>
+            </a:lvl1pPr>
+            <a:lvl2pPr marL="457200" indent="0" algn="ctr">
+              <a:buNone/>
+              <a:defRPr>
+                <a:solidFill>
+                  <a:schemeClr val="tx1">
+                    <a:tint val="75000"/>
+                  </a:schemeClr>
+                </a:solidFill>
+              </a:defRPr>
+            </a:lvl2pPr>
+            <a:lvl3pPr marL="914400" indent="0" algn="ctr">
+              <a:buNone/>
+              <a:defRPr>
+                <a:solidFill>
+                  <a:schemeClr val="tx1">
+                    <a:tint val="75000"/>
+                  </a:schemeClr>
+                </a:solidFill>
+              </a:defRPr>
+            </a:lvl3pPr>
+            <a:lvl4pPr marL="1371600" indent="0" algn="ctr">
+              <a:buNone/>
+              <a:defRPr>
+                <a:solidFill>
+                  <a:schemeClr val="tx1">
+                    <a:tint val="75000"/>
+                  </a:schemeClr>
+                </a:solidFill>
+              </a:defRPr>
+            </a:lvl4pPr>
+            <a:lvl5pPr marL="1828800" indent="0" algn="ctr">
+              <a:buNone/>
+              <a:defRPr>
+                <a:solidFill>
+                  <a:schemeClr val="tx1">
+                    <a:tint val="75000"/>
+                  </a:schemeClr>
+                </a:solidFill>
+              </a:defRPr>
+            </a:lvl5pPr>
+            <a:lvl6pPr marL="2286000" indent="0" algn="ctr">
+              <a:buNone/>
+              <a:defRPr>
+                <a:solidFill>
+                  <a:schemeClr val="tx1">
+                    <a:tint val="75000"/>
+                  </a:schemeClr>
+                </a:solidFill>
+              </a:defRPr>
+            </a:lvl6pPr>
+            <a:lvl7pPr marL="2743200" indent="0" algn="ctr">
+              <a:buNone/>
+              <a:defRPr>
+                <a:solidFill>
+                  <a:schemeClr val="tx1">
+                    <a:tint val="75000"/>
+                  </a:schemeClr>
+                </a:solidFill>
+              </a:defRPr>
+            </a:lvl7pPr>
+            <a:lvl8pPr marL="3200400" indent="0" algn="ctr">
+              <a:buNone/>
+              <a:defRPr>
+                <a:solidFill>
+                  <a:schemeClr val="tx1">
+                    <a:tint val="75000"/>
+                  </a:schemeClr>
+                </a:solidFill>
+              </a:defRPr>
+            </a:lvl8pPr>
+            <a:lvl9pPr marL="3657600" indent="0" algn="ctr">
+              <a:buNone/>
+              <a:defRPr>
+                <a:solidFill>
+                  <a:schemeClr val="tx1">
+                    <a:tint val="75000"/>
+                  </a:schemeClr>
+                </a:solidFill>
+              </a:defRPr>
+            </a:lvl9pPr>
+          </a:lstStyle>
+          <a:p>
+            <a:r>
+              <a:rPr lang="en-US" smtClean="0"/>
+              <a:t>Click to edit Master subtitle style</a:t>
+            </a:r>
+            <a:endParaRPr lang="en-US"/>
+          </a:p>
+        </p:txBody>
+      </p:sp>
+      <p:sp>
+        <p:nvSpPr>
+          <p:cNvPr id="4" name="Date Placeholder 3"/>
+          <p:cNvSpPr>
+            <a:spLocks noGrp="1"/>
+          </p:cNvSpPr>
+          <p:nvPr>
+            <p:ph type="dt" sz="half" idx="10"/>
+          </p:nvPr>
+        </p:nvSpPr>
+        <p:spPr/>
+        <p:txBody>
+          <a:bodyPr/>
+          <a:lstStyle/>
+          <a:p>
+            <a:fld id="{AAFE4C13-37DF-4750-B9C7-3431B14E329B}" type="datetimeFigureOut">
+              <a:rPr lang="en-US">
+                <a:solidFill>
+                  <a:prstClr val="black">
+                    <a:tint val="75000"/>
+                  </a:prstClr>
+                </a:solidFill>
+              </a:rPr>
+              <a:pPr/>
+              <a:t>12/7/2011</a:t>
+            </a:fld>
+            <a:endParaRPr lang="en-US">
+              <a:solidFill>
+                <a:prstClr val="black">
+                  <a:tint val="75000"/>
+                </a:prstClr>
+              </a:solidFill>
+            </a:endParaRPr>
+          </a:p>
+        </p:txBody>
+      </p:sp>
+      <p:sp>
+        <p:nvSpPr>
+          <p:cNvPr id="5" name="Footer Placeholder 4"/>
+          <p:cNvSpPr>
+            <a:spLocks noGrp="1"/>
+          </p:cNvSpPr>
+          <p:nvPr>
+            <p:ph type="ftr" sz="quarter" idx="11"/>
+          </p:nvPr>
+        </p:nvSpPr>
+        <p:spPr/>
+        <p:txBody>
+          <a:bodyPr/>
+          <a:lstStyle/>
+          <a:p>
+            <a:endParaRPr lang="en-US">
+              <a:solidFill>
+                <a:prstClr val="black">
+                  <a:tint val="75000"/>
+                </a:prstClr>
+              </a:solidFill>
+            </a:endParaRPr>
+          </a:p>
+        </p:txBody>
+      </p:sp>
+      <p:sp>
+        <p:nvSpPr>
+          <p:cNvPr id="6" name="Slide Number Placeholder 5"/>
+          <p:cNvSpPr>
+            <a:spLocks noGrp="1"/>
+          </p:cNvSpPr>
+          <p:nvPr>
+            <p:ph type="sldNum" sz="quarter" idx="12"/>
+          </p:nvPr>
+        </p:nvSpPr>
+        <p:spPr/>
+        <p:txBody>
+          <a:bodyPr/>
+          <a:lstStyle/>
+          <a:p>
+            <a:fld id="{C66E8141-EDC8-456C-8472-1D35DADC02A1}" type="slidenum">
+              <a:rPr lang="en-US">
+                <a:solidFill>
+                  <a:prstClr val="black">
+                    <a:tint val="75000"/>
+                  </a:prstClr>
+                </a:solidFill>
+              </a:rPr>
+              <a:pPr/>
+              <a:t>‹#›</a:t>
+            </a:fld>
+            <a:endParaRPr lang="en-US">
+              <a:solidFill>
+                <a:prstClr val="black">
+                  <a:tint val="75000"/>
+                </a:prstClr>
+              </a:solidFill>
+            </a:endParaRPr>
+          </a:p>
+        </p:txBody>
+      </p:sp>
+    </p:spTree>
+    <p:extLst>
+      <p:ext uri="{BB962C8B-B14F-4D97-AF65-F5344CB8AC3E}">
+        <p14:creationId xmlns:p14="http://schemas.microsoft.com/office/powerpoint/2010/main" val="1751343258"/>
+      </p:ext>
+    </p:extLst>
+  </p:cSld>
+  <p:clrMapOvr>
+    <a:masterClrMapping/>
+  </p:clrMapOvr>
+</p:sldLayout>
+</file>
+
+<file path=ppt/slideLayouts/slideLayout39.xml><?xml version="1.0" encoding="utf-8"?>
+<p:sldLayout xmlns:a="http://schemas.openxmlformats.org/drawingml/2006/main" xmlns:r="http://schemas.openxmlformats.org/officeDocument/2006/relationships" xmlns:p="http://schemas.openxmlformats.org/presentationml/2006/main" type="obj" preserve="1">
+  <p:cSld name="Title and Content">
+    <p:spTree>
+      <p:nvGrpSpPr>
+        <p:cNvPr id="1" name=""/>
+        <p:cNvGrpSpPr/>
+        <p:nvPr/>
+      </p:nvGrpSpPr>
+      <p:grpSpPr>
+        <a:xfrm>
+          <a:off x="0" y="0"/>
+          <a:ext cx="0" cy="0"/>
+          <a:chOff x="0" y="0"/>
+          <a:chExt cx="0" cy="0"/>
+        </a:xfrm>
+      </p:grpSpPr>
+      <p:sp>
+        <p:nvSpPr>
+          <p:cNvPr id="2" name="Title 1"/>
+          <p:cNvSpPr>
+            <a:spLocks noGrp="1"/>
+          </p:cNvSpPr>
+          <p:nvPr>
+            <p:ph type="title"/>
+          </p:nvPr>
+        </p:nvSpPr>
+        <p:spPr/>
+        <p:txBody>
+          <a:bodyPr/>
+          <a:lstStyle/>
+          <a:p>
+            <a:r>
+              <a:rPr lang="en-US" smtClean="0"/>
+              <a:t>Click to edit Master title style</a:t>
+            </a:r>
+            <a:endParaRPr lang="en-US"/>
+          </a:p>
+        </p:txBody>
+      </p:sp>
+      <p:sp>
+        <p:nvSpPr>
+          <p:cNvPr id="3" name="Content Placeholder 2"/>
+          <p:cNvSpPr>
+            <a:spLocks noGrp="1"/>
+          </p:cNvSpPr>
+          <p:nvPr>
+            <p:ph idx="1"/>
+          </p:nvPr>
+        </p:nvSpPr>
+        <p:spPr/>
+        <p:txBody>
+          <a:bodyPr/>
+          <a:lstStyle/>
+          <a:p>
+            <a:pPr lvl="0"/>
+            <a:r>
+              <a:rPr lang="en-US" smtClean="0"/>
+              <a:t>Click to edit Master text styles</a:t>
+            </a:r>
+          </a:p>
+          <a:p>
+            <a:pPr lvl="1"/>
+            <a:r>
+              <a:rPr lang="en-US" smtClean="0"/>
+              <a:t>Second level</a:t>
+            </a:r>
+          </a:p>
+          <a:p>
+            <a:pPr lvl="2"/>
+            <a:r>
+              <a:rPr lang="en-US" smtClean="0"/>
+              <a:t>Third level</a:t>
+            </a:r>
+          </a:p>
+          <a:p>
+            <a:pPr lvl="3"/>
+            <a:r>
+              <a:rPr lang="en-US" smtClean="0"/>
+              <a:t>Fourth level</a:t>
+            </a:r>
+          </a:p>
+          <a:p>
+            <a:pPr lvl="4"/>
+            <a:r>
+              <a:rPr lang="en-US" smtClean="0"/>
+              <a:t>Fifth level</a:t>
+            </a:r>
+            <a:endParaRPr lang="en-US"/>
+          </a:p>
+        </p:txBody>
+      </p:sp>
+      <p:sp>
+        <p:nvSpPr>
+          <p:cNvPr id="4" name="Date Placeholder 3"/>
+          <p:cNvSpPr>
+            <a:spLocks noGrp="1"/>
+          </p:cNvSpPr>
+          <p:nvPr>
+            <p:ph type="dt" sz="half" idx="10"/>
+          </p:nvPr>
+        </p:nvSpPr>
+        <p:spPr/>
+        <p:txBody>
+          <a:bodyPr/>
+          <a:lstStyle/>
+          <a:p>
+            <a:fld id="{AAFE4C13-37DF-4750-B9C7-3431B14E329B}" type="datetimeFigureOut">
+              <a:rPr lang="en-US">
+                <a:solidFill>
+                  <a:prstClr val="black">
+                    <a:tint val="75000"/>
+                  </a:prstClr>
+                </a:solidFill>
+              </a:rPr>
+              <a:pPr/>
+              <a:t>12/7/2011</a:t>
+            </a:fld>
+            <a:endParaRPr lang="en-US">
+              <a:solidFill>
+                <a:prstClr val="black">
+                  <a:tint val="75000"/>
+                </a:prstClr>
+              </a:solidFill>
+            </a:endParaRPr>
+          </a:p>
+        </p:txBody>
+      </p:sp>
+      <p:sp>
+        <p:nvSpPr>
+          <p:cNvPr id="5" name="Footer Placeholder 4"/>
+          <p:cNvSpPr>
+            <a:spLocks noGrp="1"/>
+          </p:cNvSpPr>
+          <p:nvPr>
+            <p:ph type="ftr" sz="quarter" idx="11"/>
+          </p:nvPr>
+        </p:nvSpPr>
+        <p:spPr/>
+        <p:txBody>
+          <a:bodyPr/>
+          <a:lstStyle/>
+          <a:p>
+            <a:endParaRPr lang="en-US">
+              <a:solidFill>
+                <a:prstClr val="black">
+                  <a:tint val="75000"/>
+                </a:prstClr>
+              </a:solidFill>
+            </a:endParaRPr>
+          </a:p>
+        </p:txBody>
+      </p:sp>
+      <p:sp>
+        <p:nvSpPr>
+          <p:cNvPr id="6" name="Slide Number Placeholder 5"/>
+          <p:cNvSpPr>
+            <a:spLocks noGrp="1"/>
+          </p:cNvSpPr>
+          <p:nvPr>
+            <p:ph type="sldNum" sz="quarter" idx="12"/>
+          </p:nvPr>
+        </p:nvSpPr>
+        <p:spPr/>
+        <p:txBody>
+          <a:bodyPr/>
+          <a:lstStyle/>
+          <a:p>
+            <a:fld id="{C66E8141-EDC8-456C-8472-1D35DADC02A1}" type="slidenum">
+              <a:rPr lang="en-US">
+                <a:solidFill>
+                  <a:prstClr val="black">
+                    <a:tint val="75000"/>
+                  </a:prstClr>
+                </a:solidFill>
+              </a:rPr>
+              <a:pPr/>
+              <a:t>‹#›</a:t>
+            </a:fld>
+            <a:endParaRPr lang="en-US">
+              <a:solidFill>
+                <a:prstClr val="black">
+                  <a:tint val="75000"/>
+                </a:prstClr>
+              </a:solidFill>
+            </a:endParaRPr>
+          </a:p>
+        </p:txBody>
+      </p:sp>
+    </p:spTree>
+    <p:extLst>
+      <p:ext uri="{BB962C8B-B14F-4D97-AF65-F5344CB8AC3E}">
+        <p14:creationId xmlns:p14="http://schemas.microsoft.com/office/powerpoint/2010/main" val="3746704895"/>
+      </p:ext>
+    </p:extLst>
+  </p:cSld>
+  <p:clrMapOvr>
+    <a:masterClrMapping/>
+  </p:clrMapOvr>
 </p:sldLayout>
 </file>
 
@@ -9668,6 +10147,2343 @@
       </p:par>
     </p:tnLst>
   </p:timing>
+</p:sldLayout>
+</file>
+
+<file path=ppt/slideLayouts/slideLayout40.xml><?xml version="1.0" encoding="utf-8"?>
+<p:sldLayout xmlns:a="http://schemas.openxmlformats.org/drawingml/2006/main" xmlns:r="http://schemas.openxmlformats.org/officeDocument/2006/relationships" xmlns:p="http://schemas.openxmlformats.org/presentationml/2006/main" type="secHead" preserve="1">
+  <p:cSld name="Section Header">
+    <p:spTree>
+      <p:nvGrpSpPr>
+        <p:cNvPr id="1" name=""/>
+        <p:cNvGrpSpPr/>
+        <p:nvPr/>
+      </p:nvGrpSpPr>
+      <p:grpSpPr>
+        <a:xfrm>
+          <a:off x="0" y="0"/>
+          <a:ext cx="0" cy="0"/>
+          <a:chOff x="0" y="0"/>
+          <a:chExt cx="0" cy="0"/>
+        </a:xfrm>
+      </p:grpSpPr>
+      <p:sp>
+        <p:nvSpPr>
+          <p:cNvPr id="2" name="Title 1"/>
+          <p:cNvSpPr>
+            <a:spLocks noGrp="1"/>
+          </p:cNvSpPr>
+          <p:nvPr>
+            <p:ph type="title"/>
+          </p:nvPr>
+        </p:nvSpPr>
+        <p:spPr>
+          <a:xfrm>
+            <a:off x="722313" y="3305176"/>
+            <a:ext cx="7772400" cy="1021556"/>
+          </a:xfrm>
+        </p:spPr>
+        <p:txBody>
+          <a:bodyPr anchor="t"/>
+          <a:lstStyle>
+            <a:lvl1pPr algn="l">
+              <a:defRPr sz="4000" b="1" cap="all"/>
+            </a:lvl1pPr>
+          </a:lstStyle>
+          <a:p>
+            <a:r>
+              <a:rPr lang="en-US" smtClean="0"/>
+              <a:t>Click to edit Master title style</a:t>
+            </a:r>
+            <a:endParaRPr lang="en-US"/>
+          </a:p>
+        </p:txBody>
+      </p:sp>
+      <p:sp>
+        <p:nvSpPr>
+          <p:cNvPr id="3" name="Text Placeholder 2"/>
+          <p:cNvSpPr>
+            <a:spLocks noGrp="1"/>
+          </p:cNvSpPr>
+          <p:nvPr>
+            <p:ph type="body" idx="1"/>
+          </p:nvPr>
+        </p:nvSpPr>
+        <p:spPr>
+          <a:xfrm>
+            <a:off x="722313" y="2180035"/>
+            <a:ext cx="7772400" cy="1125140"/>
+          </a:xfrm>
+        </p:spPr>
+        <p:txBody>
+          <a:bodyPr anchor="b"/>
+          <a:lstStyle>
+            <a:lvl1pPr marL="0" indent="0">
+              <a:buNone/>
+              <a:defRPr sz="2000">
+                <a:solidFill>
+                  <a:schemeClr val="tx1">
+                    <a:tint val="75000"/>
+                  </a:schemeClr>
+                </a:solidFill>
+              </a:defRPr>
+            </a:lvl1pPr>
+            <a:lvl2pPr marL="457200" indent="0">
+              <a:buNone/>
+              <a:defRPr sz="1800">
+                <a:solidFill>
+                  <a:schemeClr val="tx1">
+                    <a:tint val="75000"/>
+                  </a:schemeClr>
+                </a:solidFill>
+              </a:defRPr>
+            </a:lvl2pPr>
+            <a:lvl3pPr marL="914400" indent="0">
+              <a:buNone/>
+              <a:defRPr sz="1600">
+                <a:solidFill>
+                  <a:schemeClr val="tx1">
+                    <a:tint val="75000"/>
+                  </a:schemeClr>
+                </a:solidFill>
+              </a:defRPr>
+            </a:lvl3pPr>
+            <a:lvl4pPr marL="1371600" indent="0">
+              <a:buNone/>
+              <a:defRPr sz="1400">
+                <a:solidFill>
+                  <a:schemeClr val="tx1">
+                    <a:tint val="75000"/>
+                  </a:schemeClr>
+                </a:solidFill>
+              </a:defRPr>
+            </a:lvl4pPr>
+            <a:lvl5pPr marL="1828800" indent="0">
+              <a:buNone/>
+              <a:defRPr sz="1400">
+                <a:solidFill>
+                  <a:schemeClr val="tx1">
+                    <a:tint val="75000"/>
+                  </a:schemeClr>
+                </a:solidFill>
+              </a:defRPr>
+            </a:lvl5pPr>
+            <a:lvl6pPr marL="2286000" indent="0">
+              <a:buNone/>
+              <a:defRPr sz="1400">
+                <a:solidFill>
+                  <a:schemeClr val="tx1">
+                    <a:tint val="75000"/>
+                  </a:schemeClr>
+                </a:solidFill>
+              </a:defRPr>
+            </a:lvl6pPr>
+            <a:lvl7pPr marL="2743200" indent="0">
+              <a:buNone/>
+              <a:defRPr sz="1400">
+                <a:solidFill>
+                  <a:schemeClr val="tx1">
+                    <a:tint val="75000"/>
+                  </a:schemeClr>
+                </a:solidFill>
+              </a:defRPr>
+            </a:lvl7pPr>
+            <a:lvl8pPr marL="3200400" indent="0">
+              <a:buNone/>
+              <a:defRPr sz="1400">
+                <a:solidFill>
+                  <a:schemeClr val="tx1">
+                    <a:tint val="75000"/>
+                  </a:schemeClr>
+                </a:solidFill>
+              </a:defRPr>
+            </a:lvl8pPr>
+            <a:lvl9pPr marL="3657600" indent="0">
+              <a:buNone/>
+              <a:defRPr sz="1400">
+                <a:solidFill>
+                  <a:schemeClr val="tx1">
+                    <a:tint val="75000"/>
+                  </a:schemeClr>
+                </a:solidFill>
+              </a:defRPr>
+            </a:lvl9pPr>
+          </a:lstStyle>
+          <a:p>
+            <a:pPr lvl="0"/>
+            <a:r>
+              <a:rPr lang="en-US" smtClean="0"/>
+              <a:t>Click to edit Master text styles</a:t>
+            </a:r>
+          </a:p>
+        </p:txBody>
+      </p:sp>
+      <p:sp>
+        <p:nvSpPr>
+          <p:cNvPr id="4" name="Date Placeholder 3"/>
+          <p:cNvSpPr>
+            <a:spLocks noGrp="1"/>
+          </p:cNvSpPr>
+          <p:nvPr>
+            <p:ph type="dt" sz="half" idx="10"/>
+          </p:nvPr>
+        </p:nvSpPr>
+        <p:spPr/>
+        <p:txBody>
+          <a:bodyPr/>
+          <a:lstStyle/>
+          <a:p>
+            <a:fld id="{AAFE4C13-37DF-4750-B9C7-3431B14E329B}" type="datetimeFigureOut">
+              <a:rPr lang="en-US">
+                <a:solidFill>
+                  <a:prstClr val="black">
+                    <a:tint val="75000"/>
+                  </a:prstClr>
+                </a:solidFill>
+              </a:rPr>
+              <a:pPr/>
+              <a:t>12/7/2011</a:t>
+            </a:fld>
+            <a:endParaRPr lang="en-US">
+              <a:solidFill>
+                <a:prstClr val="black">
+                  <a:tint val="75000"/>
+                </a:prstClr>
+              </a:solidFill>
+            </a:endParaRPr>
+          </a:p>
+        </p:txBody>
+      </p:sp>
+      <p:sp>
+        <p:nvSpPr>
+          <p:cNvPr id="5" name="Footer Placeholder 4"/>
+          <p:cNvSpPr>
+            <a:spLocks noGrp="1"/>
+          </p:cNvSpPr>
+          <p:nvPr>
+            <p:ph type="ftr" sz="quarter" idx="11"/>
+          </p:nvPr>
+        </p:nvSpPr>
+        <p:spPr/>
+        <p:txBody>
+          <a:bodyPr/>
+          <a:lstStyle/>
+          <a:p>
+            <a:endParaRPr lang="en-US">
+              <a:solidFill>
+                <a:prstClr val="black">
+                  <a:tint val="75000"/>
+                </a:prstClr>
+              </a:solidFill>
+            </a:endParaRPr>
+          </a:p>
+        </p:txBody>
+      </p:sp>
+      <p:sp>
+        <p:nvSpPr>
+          <p:cNvPr id="6" name="Slide Number Placeholder 5"/>
+          <p:cNvSpPr>
+            <a:spLocks noGrp="1"/>
+          </p:cNvSpPr>
+          <p:nvPr>
+            <p:ph type="sldNum" sz="quarter" idx="12"/>
+          </p:nvPr>
+        </p:nvSpPr>
+        <p:spPr/>
+        <p:txBody>
+          <a:bodyPr/>
+          <a:lstStyle/>
+          <a:p>
+            <a:fld id="{C66E8141-EDC8-456C-8472-1D35DADC02A1}" type="slidenum">
+              <a:rPr lang="en-US">
+                <a:solidFill>
+                  <a:prstClr val="black">
+                    <a:tint val="75000"/>
+                  </a:prstClr>
+                </a:solidFill>
+              </a:rPr>
+              <a:pPr/>
+              <a:t>‹#›</a:t>
+            </a:fld>
+            <a:endParaRPr lang="en-US">
+              <a:solidFill>
+                <a:prstClr val="black">
+                  <a:tint val="75000"/>
+                </a:prstClr>
+              </a:solidFill>
+            </a:endParaRPr>
+          </a:p>
+        </p:txBody>
+      </p:sp>
+    </p:spTree>
+    <p:extLst>
+      <p:ext uri="{BB962C8B-B14F-4D97-AF65-F5344CB8AC3E}">
+        <p14:creationId xmlns:p14="http://schemas.microsoft.com/office/powerpoint/2010/main" val="337268831"/>
+      </p:ext>
+    </p:extLst>
+  </p:cSld>
+  <p:clrMapOvr>
+    <a:masterClrMapping/>
+  </p:clrMapOvr>
+</p:sldLayout>
+</file>
+
+<file path=ppt/slideLayouts/slideLayout41.xml><?xml version="1.0" encoding="utf-8"?>
+<p:sldLayout xmlns:a="http://schemas.openxmlformats.org/drawingml/2006/main" xmlns:r="http://schemas.openxmlformats.org/officeDocument/2006/relationships" xmlns:p="http://schemas.openxmlformats.org/presentationml/2006/main" type="twoObj" preserve="1">
+  <p:cSld name="Two Content">
+    <p:spTree>
+      <p:nvGrpSpPr>
+        <p:cNvPr id="1" name=""/>
+        <p:cNvGrpSpPr/>
+        <p:nvPr/>
+      </p:nvGrpSpPr>
+      <p:grpSpPr>
+        <a:xfrm>
+          <a:off x="0" y="0"/>
+          <a:ext cx="0" cy="0"/>
+          <a:chOff x="0" y="0"/>
+          <a:chExt cx="0" cy="0"/>
+        </a:xfrm>
+      </p:grpSpPr>
+      <p:sp>
+        <p:nvSpPr>
+          <p:cNvPr id="2" name="Title 1"/>
+          <p:cNvSpPr>
+            <a:spLocks noGrp="1"/>
+          </p:cNvSpPr>
+          <p:nvPr>
+            <p:ph type="title"/>
+          </p:nvPr>
+        </p:nvSpPr>
+        <p:spPr/>
+        <p:txBody>
+          <a:bodyPr/>
+          <a:lstStyle/>
+          <a:p>
+            <a:r>
+              <a:rPr lang="en-US" smtClean="0"/>
+              <a:t>Click to edit Master title style</a:t>
+            </a:r>
+            <a:endParaRPr lang="en-US"/>
+          </a:p>
+        </p:txBody>
+      </p:sp>
+      <p:sp>
+        <p:nvSpPr>
+          <p:cNvPr id="3" name="Content Placeholder 2"/>
+          <p:cNvSpPr>
+            <a:spLocks noGrp="1"/>
+          </p:cNvSpPr>
+          <p:nvPr>
+            <p:ph sz="half" idx="1"/>
+          </p:nvPr>
+        </p:nvSpPr>
+        <p:spPr>
+          <a:xfrm>
+            <a:off x="457200" y="1200151"/>
+            <a:ext cx="4038600" cy="3394472"/>
+          </a:xfrm>
+        </p:spPr>
+        <p:txBody>
+          <a:bodyPr/>
+          <a:lstStyle>
+            <a:lvl1pPr>
+              <a:defRPr sz="2800"/>
+            </a:lvl1pPr>
+            <a:lvl2pPr>
+              <a:defRPr sz="2400"/>
+            </a:lvl2pPr>
+            <a:lvl3pPr>
+              <a:defRPr sz="2000"/>
+            </a:lvl3pPr>
+            <a:lvl4pPr>
+              <a:defRPr sz="1800"/>
+            </a:lvl4pPr>
+            <a:lvl5pPr>
+              <a:defRPr sz="1800"/>
+            </a:lvl5pPr>
+            <a:lvl6pPr>
+              <a:defRPr sz="1800"/>
+            </a:lvl6pPr>
+            <a:lvl7pPr>
+              <a:defRPr sz="1800"/>
+            </a:lvl7pPr>
+            <a:lvl8pPr>
+              <a:defRPr sz="1800"/>
+            </a:lvl8pPr>
+            <a:lvl9pPr>
+              <a:defRPr sz="1800"/>
+            </a:lvl9pPr>
+          </a:lstStyle>
+          <a:p>
+            <a:pPr lvl="0"/>
+            <a:r>
+              <a:rPr lang="en-US" smtClean="0"/>
+              <a:t>Click to edit Master text styles</a:t>
+            </a:r>
+          </a:p>
+          <a:p>
+            <a:pPr lvl="1"/>
+            <a:r>
+              <a:rPr lang="en-US" smtClean="0"/>
+              <a:t>Second level</a:t>
+            </a:r>
+          </a:p>
+          <a:p>
+            <a:pPr lvl="2"/>
+            <a:r>
+              <a:rPr lang="en-US" smtClean="0"/>
+              <a:t>Third level</a:t>
+            </a:r>
+          </a:p>
+          <a:p>
+            <a:pPr lvl="3"/>
+            <a:r>
+              <a:rPr lang="en-US" smtClean="0"/>
+              <a:t>Fourth level</a:t>
+            </a:r>
+          </a:p>
+          <a:p>
+            <a:pPr lvl="4"/>
+            <a:r>
+              <a:rPr lang="en-US" smtClean="0"/>
+              <a:t>Fifth level</a:t>
+            </a:r>
+            <a:endParaRPr lang="en-US"/>
+          </a:p>
+        </p:txBody>
+      </p:sp>
+      <p:sp>
+        <p:nvSpPr>
+          <p:cNvPr id="4" name="Content Placeholder 3"/>
+          <p:cNvSpPr>
+            <a:spLocks noGrp="1"/>
+          </p:cNvSpPr>
+          <p:nvPr>
+            <p:ph sz="half" idx="2"/>
+          </p:nvPr>
+        </p:nvSpPr>
+        <p:spPr>
+          <a:xfrm>
+            <a:off x="4648200" y="1200151"/>
+            <a:ext cx="4038600" cy="3394472"/>
+          </a:xfrm>
+        </p:spPr>
+        <p:txBody>
+          <a:bodyPr/>
+          <a:lstStyle>
+            <a:lvl1pPr>
+              <a:defRPr sz="2800"/>
+            </a:lvl1pPr>
+            <a:lvl2pPr>
+              <a:defRPr sz="2400"/>
+            </a:lvl2pPr>
+            <a:lvl3pPr>
+              <a:defRPr sz="2000"/>
+            </a:lvl3pPr>
+            <a:lvl4pPr>
+              <a:defRPr sz="1800"/>
+            </a:lvl4pPr>
+            <a:lvl5pPr>
+              <a:defRPr sz="1800"/>
+            </a:lvl5pPr>
+            <a:lvl6pPr>
+              <a:defRPr sz="1800"/>
+            </a:lvl6pPr>
+            <a:lvl7pPr>
+              <a:defRPr sz="1800"/>
+            </a:lvl7pPr>
+            <a:lvl8pPr>
+              <a:defRPr sz="1800"/>
+            </a:lvl8pPr>
+            <a:lvl9pPr>
+              <a:defRPr sz="1800"/>
+            </a:lvl9pPr>
+          </a:lstStyle>
+          <a:p>
+            <a:pPr lvl="0"/>
+            <a:r>
+              <a:rPr lang="en-US" smtClean="0"/>
+              <a:t>Click to edit Master text styles</a:t>
+            </a:r>
+          </a:p>
+          <a:p>
+            <a:pPr lvl="1"/>
+            <a:r>
+              <a:rPr lang="en-US" smtClean="0"/>
+              <a:t>Second level</a:t>
+            </a:r>
+          </a:p>
+          <a:p>
+            <a:pPr lvl="2"/>
+            <a:r>
+              <a:rPr lang="en-US" smtClean="0"/>
+              <a:t>Third level</a:t>
+            </a:r>
+          </a:p>
+          <a:p>
+            <a:pPr lvl="3"/>
+            <a:r>
+              <a:rPr lang="en-US" smtClean="0"/>
+              <a:t>Fourth level</a:t>
+            </a:r>
+          </a:p>
+          <a:p>
+            <a:pPr lvl="4"/>
+            <a:r>
+              <a:rPr lang="en-US" smtClean="0"/>
+              <a:t>Fifth level</a:t>
+            </a:r>
+            <a:endParaRPr lang="en-US"/>
+          </a:p>
+        </p:txBody>
+      </p:sp>
+      <p:sp>
+        <p:nvSpPr>
+          <p:cNvPr id="5" name="Date Placeholder 4"/>
+          <p:cNvSpPr>
+            <a:spLocks noGrp="1"/>
+          </p:cNvSpPr>
+          <p:nvPr>
+            <p:ph type="dt" sz="half" idx="10"/>
+          </p:nvPr>
+        </p:nvSpPr>
+        <p:spPr/>
+        <p:txBody>
+          <a:bodyPr/>
+          <a:lstStyle/>
+          <a:p>
+            <a:fld id="{AAFE4C13-37DF-4750-B9C7-3431B14E329B}" type="datetimeFigureOut">
+              <a:rPr lang="en-US">
+                <a:solidFill>
+                  <a:prstClr val="black">
+                    <a:tint val="75000"/>
+                  </a:prstClr>
+                </a:solidFill>
+              </a:rPr>
+              <a:pPr/>
+              <a:t>12/7/2011</a:t>
+            </a:fld>
+            <a:endParaRPr lang="en-US">
+              <a:solidFill>
+                <a:prstClr val="black">
+                  <a:tint val="75000"/>
+                </a:prstClr>
+              </a:solidFill>
+            </a:endParaRPr>
+          </a:p>
+        </p:txBody>
+      </p:sp>
+      <p:sp>
+        <p:nvSpPr>
+          <p:cNvPr id="6" name="Footer Placeholder 5"/>
+          <p:cNvSpPr>
+            <a:spLocks noGrp="1"/>
+          </p:cNvSpPr>
+          <p:nvPr>
+            <p:ph type="ftr" sz="quarter" idx="11"/>
+          </p:nvPr>
+        </p:nvSpPr>
+        <p:spPr/>
+        <p:txBody>
+          <a:bodyPr/>
+          <a:lstStyle/>
+          <a:p>
+            <a:endParaRPr lang="en-US">
+              <a:solidFill>
+                <a:prstClr val="black">
+                  <a:tint val="75000"/>
+                </a:prstClr>
+              </a:solidFill>
+            </a:endParaRPr>
+          </a:p>
+        </p:txBody>
+      </p:sp>
+      <p:sp>
+        <p:nvSpPr>
+          <p:cNvPr id="7" name="Slide Number Placeholder 6"/>
+          <p:cNvSpPr>
+            <a:spLocks noGrp="1"/>
+          </p:cNvSpPr>
+          <p:nvPr>
+            <p:ph type="sldNum" sz="quarter" idx="12"/>
+          </p:nvPr>
+        </p:nvSpPr>
+        <p:spPr/>
+        <p:txBody>
+          <a:bodyPr/>
+          <a:lstStyle/>
+          <a:p>
+            <a:fld id="{C66E8141-EDC8-456C-8472-1D35DADC02A1}" type="slidenum">
+              <a:rPr lang="en-US">
+                <a:solidFill>
+                  <a:prstClr val="black">
+                    <a:tint val="75000"/>
+                  </a:prstClr>
+                </a:solidFill>
+              </a:rPr>
+              <a:pPr/>
+              <a:t>‹#›</a:t>
+            </a:fld>
+            <a:endParaRPr lang="en-US">
+              <a:solidFill>
+                <a:prstClr val="black">
+                  <a:tint val="75000"/>
+                </a:prstClr>
+              </a:solidFill>
+            </a:endParaRPr>
+          </a:p>
+        </p:txBody>
+      </p:sp>
+    </p:spTree>
+    <p:extLst>
+      <p:ext uri="{BB962C8B-B14F-4D97-AF65-F5344CB8AC3E}">
+        <p14:creationId xmlns:p14="http://schemas.microsoft.com/office/powerpoint/2010/main" val="2761443746"/>
+      </p:ext>
+    </p:extLst>
+  </p:cSld>
+  <p:clrMapOvr>
+    <a:masterClrMapping/>
+  </p:clrMapOvr>
+</p:sldLayout>
+</file>
+
+<file path=ppt/slideLayouts/slideLayout42.xml><?xml version="1.0" encoding="utf-8"?>
+<p:sldLayout xmlns:a="http://schemas.openxmlformats.org/drawingml/2006/main" xmlns:r="http://schemas.openxmlformats.org/officeDocument/2006/relationships" xmlns:p="http://schemas.openxmlformats.org/presentationml/2006/main" type="twoTxTwoObj" preserve="1">
+  <p:cSld name="Comparison">
+    <p:spTree>
+      <p:nvGrpSpPr>
+        <p:cNvPr id="1" name=""/>
+        <p:cNvGrpSpPr/>
+        <p:nvPr/>
+      </p:nvGrpSpPr>
+      <p:grpSpPr>
+        <a:xfrm>
+          <a:off x="0" y="0"/>
+          <a:ext cx="0" cy="0"/>
+          <a:chOff x="0" y="0"/>
+          <a:chExt cx="0" cy="0"/>
+        </a:xfrm>
+      </p:grpSpPr>
+      <p:sp>
+        <p:nvSpPr>
+          <p:cNvPr id="2" name="Title 1"/>
+          <p:cNvSpPr>
+            <a:spLocks noGrp="1"/>
+          </p:cNvSpPr>
+          <p:nvPr>
+            <p:ph type="title"/>
+          </p:nvPr>
+        </p:nvSpPr>
+        <p:spPr/>
+        <p:txBody>
+          <a:bodyPr/>
+          <a:lstStyle>
+            <a:lvl1pPr>
+              <a:defRPr/>
+            </a:lvl1pPr>
+          </a:lstStyle>
+          <a:p>
+            <a:r>
+              <a:rPr lang="en-US" smtClean="0"/>
+              <a:t>Click to edit Master title style</a:t>
+            </a:r>
+            <a:endParaRPr lang="en-US"/>
+          </a:p>
+        </p:txBody>
+      </p:sp>
+      <p:sp>
+        <p:nvSpPr>
+          <p:cNvPr id="3" name="Text Placeholder 2"/>
+          <p:cNvSpPr>
+            <a:spLocks noGrp="1"/>
+          </p:cNvSpPr>
+          <p:nvPr>
+            <p:ph type="body" idx="1"/>
+          </p:nvPr>
+        </p:nvSpPr>
+        <p:spPr>
+          <a:xfrm>
+            <a:off x="457200" y="1151335"/>
+            <a:ext cx="4040188" cy="479822"/>
+          </a:xfrm>
+        </p:spPr>
+        <p:txBody>
+          <a:bodyPr anchor="b"/>
+          <a:lstStyle>
+            <a:lvl1pPr marL="0" indent="0">
+              <a:buNone/>
+              <a:defRPr sz="2400" b="1"/>
+            </a:lvl1pPr>
+            <a:lvl2pPr marL="457200" indent="0">
+              <a:buNone/>
+              <a:defRPr sz="2000" b="1"/>
+            </a:lvl2pPr>
+            <a:lvl3pPr marL="914400" indent="0">
+              <a:buNone/>
+              <a:defRPr sz="1800" b="1"/>
+            </a:lvl3pPr>
+            <a:lvl4pPr marL="1371600" indent="0">
+              <a:buNone/>
+              <a:defRPr sz="1600" b="1"/>
+            </a:lvl4pPr>
+            <a:lvl5pPr marL="1828800" indent="0">
+              <a:buNone/>
+              <a:defRPr sz="1600" b="1"/>
+            </a:lvl5pPr>
+            <a:lvl6pPr marL="2286000" indent="0">
+              <a:buNone/>
+              <a:defRPr sz="1600" b="1"/>
+            </a:lvl6pPr>
+            <a:lvl7pPr marL="2743200" indent="0">
+              <a:buNone/>
+              <a:defRPr sz="1600" b="1"/>
+            </a:lvl7pPr>
+            <a:lvl8pPr marL="3200400" indent="0">
+              <a:buNone/>
+              <a:defRPr sz="1600" b="1"/>
+            </a:lvl8pPr>
+            <a:lvl9pPr marL="3657600" indent="0">
+              <a:buNone/>
+              <a:defRPr sz="1600" b="1"/>
+            </a:lvl9pPr>
+          </a:lstStyle>
+          <a:p>
+            <a:pPr lvl="0"/>
+            <a:r>
+              <a:rPr lang="en-US" smtClean="0"/>
+              <a:t>Click to edit Master text styles</a:t>
+            </a:r>
+          </a:p>
+        </p:txBody>
+      </p:sp>
+      <p:sp>
+        <p:nvSpPr>
+          <p:cNvPr id="4" name="Content Placeholder 3"/>
+          <p:cNvSpPr>
+            <a:spLocks noGrp="1"/>
+          </p:cNvSpPr>
+          <p:nvPr>
+            <p:ph sz="half" idx="2"/>
+          </p:nvPr>
+        </p:nvSpPr>
+        <p:spPr>
+          <a:xfrm>
+            <a:off x="457200" y="1631156"/>
+            <a:ext cx="4040188" cy="2963466"/>
+          </a:xfrm>
+        </p:spPr>
+        <p:txBody>
+          <a:bodyPr/>
+          <a:lstStyle>
+            <a:lvl1pPr>
+              <a:defRPr sz="2400"/>
+            </a:lvl1pPr>
+            <a:lvl2pPr>
+              <a:defRPr sz="2000"/>
+            </a:lvl2pPr>
+            <a:lvl3pPr>
+              <a:defRPr sz="1800"/>
+            </a:lvl3pPr>
+            <a:lvl4pPr>
+              <a:defRPr sz="1600"/>
+            </a:lvl4pPr>
+            <a:lvl5pPr>
+              <a:defRPr sz="1600"/>
+            </a:lvl5pPr>
+            <a:lvl6pPr>
+              <a:defRPr sz="1600"/>
+            </a:lvl6pPr>
+            <a:lvl7pPr>
+              <a:defRPr sz="1600"/>
+            </a:lvl7pPr>
+            <a:lvl8pPr>
+              <a:defRPr sz="1600"/>
+            </a:lvl8pPr>
+            <a:lvl9pPr>
+              <a:defRPr sz="1600"/>
+            </a:lvl9pPr>
+          </a:lstStyle>
+          <a:p>
+            <a:pPr lvl="0"/>
+            <a:r>
+              <a:rPr lang="en-US" smtClean="0"/>
+              <a:t>Click to edit Master text styles</a:t>
+            </a:r>
+          </a:p>
+          <a:p>
+            <a:pPr lvl="1"/>
+            <a:r>
+              <a:rPr lang="en-US" smtClean="0"/>
+              <a:t>Second level</a:t>
+            </a:r>
+          </a:p>
+          <a:p>
+            <a:pPr lvl="2"/>
+            <a:r>
+              <a:rPr lang="en-US" smtClean="0"/>
+              <a:t>Third level</a:t>
+            </a:r>
+          </a:p>
+          <a:p>
+            <a:pPr lvl="3"/>
+            <a:r>
+              <a:rPr lang="en-US" smtClean="0"/>
+              <a:t>Fourth level</a:t>
+            </a:r>
+          </a:p>
+          <a:p>
+            <a:pPr lvl="4"/>
+            <a:r>
+              <a:rPr lang="en-US" smtClean="0"/>
+              <a:t>Fifth level</a:t>
+            </a:r>
+            <a:endParaRPr lang="en-US"/>
+          </a:p>
+        </p:txBody>
+      </p:sp>
+      <p:sp>
+        <p:nvSpPr>
+          <p:cNvPr id="5" name="Text Placeholder 4"/>
+          <p:cNvSpPr>
+            <a:spLocks noGrp="1"/>
+          </p:cNvSpPr>
+          <p:nvPr>
+            <p:ph type="body" sz="quarter" idx="3"/>
+          </p:nvPr>
+        </p:nvSpPr>
+        <p:spPr>
+          <a:xfrm>
+            <a:off x="4645026" y="1151335"/>
+            <a:ext cx="4041775" cy="479822"/>
+          </a:xfrm>
+        </p:spPr>
+        <p:txBody>
+          <a:bodyPr anchor="b"/>
+          <a:lstStyle>
+            <a:lvl1pPr marL="0" indent="0">
+              <a:buNone/>
+              <a:defRPr sz="2400" b="1"/>
+            </a:lvl1pPr>
+            <a:lvl2pPr marL="457200" indent="0">
+              <a:buNone/>
+              <a:defRPr sz="2000" b="1"/>
+            </a:lvl2pPr>
+            <a:lvl3pPr marL="914400" indent="0">
+              <a:buNone/>
+              <a:defRPr sz="1800" b="1"/>
+            </a:lvl3pPr>
+            <a:lvl4pPr marL="1371600" indent="0">
+              <a:buNone/>
+              <a:defRPr sz="1600" b="1"/>
+            </a:lvl4pPr>
+            <a:lvl5pPr marL="1828800" indent="0">
+              <a:buNone/>
+              <a:defRPr sz="1600" b="1"/>
+            </a:lvl5pPr>
+            <a:lvl6pPr marL="2286000" indent="0">
+              <a:buNone/>
+              <a:defRPr sz="1600" b="1"/>
+            </a:lvl6pPr>
+            <a:lvl7pPr marL="2743200" indent="0">
+              <a:buNone/>
+              <a:defRPr sz="1600" b="1"/>
+            </a:lvl7pPr>
+            <a:lvl8pPr marL="3200400" indent="0">
+              <a:buNone/>
+              <a:defRPr sz="1600" b="1"/>
+            </a:lvl8pPr>
+            <a:lvl9pPr marL="3657600" indent="0">
+              <a:buNone/>
+              <a:defRPr sz="1600" b="1"/>
+            </a:lvl9pPr>
+          </a:lstStyle>
+          <a:p>
+            <a:pPr lvl="0"/>
+            <a:r>
+              <a:rPr lang="en-US" smtClean="0"/>
+              <a:t>Click to edit Master text styles</a:t>
+            </a:r>
+          </a:p>
+        </p:txBody>
+      </p:sp>
+      <p:sp>
+        <p:nvSpPr>
+          <p:cNvPr id="6" name="Content Placeholder 5"/>
+          <p:cNvSpPr>
+            <a:spLocks noGrp="1"/>
+          </p:cNvSpPr>
+          <p:nvPr>
+            <p:ph sz="quarter" idx="4"/>
+          </p:nvPr>
+        </p:nvSpPr>
+        <p:spPr>
+          <a:xfrm>
+            <a:off x="4645026" y="1631156"/>
+            <a:ext cx="4041775" cy="2963466"/>
+          </a:xfrm>
+        </p:spPr>
+        <p:txBody>
+          <a:bodyPr/>
+          <a:lstStyle>
+            <a:lvl1pPr>
+              <a:defRPr sz="2400"/>
+            </a:lvl1pPr>
+            <a:lvl2pPr>
+              <a:defRPr sz="2000"/>
+            </a:lvl2pPr>
+            <a:lvl3pPr>
+              <a:defRPr sz="1800"/>
+            </a:lvl3pPr>
+            <a:lvl4pPr>
+              <a:defRPr sz="1600"/>
+            </a:lvl4pPr>
+            <a:lvl5pPr>
+              <a:defRPr sz="1600"/>
+            </a:lvl5pPr>
+            <a:lvl6pPr>
+              <a:defRPr sz="1600"/>
+            </a:lvl6pPr>
+            <a:lvl7pPr>
+              <a:defRPr sz="1600"/>
+            </a:lvl7pPr>
+            <a:lvl8pPr>
+              <a:defRPr sz="1600"/>
+            </a:lvl8pPr>
+            <a:lvl9pPr>
+              <a:defRPr sz="1600"/>
+            </a:lvl9pPr>
+          </a:lstStyle>
+          <a:p>
+            <a:pPr lvl="0"/>
+            <a:r>
+              <a:rPr lang="en-US" smtClean="0"/>
+              <a:t>Click to edit Master text styles</a:t>
+            </a:r>
+          </a:p>
+          <a:p>
+            <a:pPr lvl="1"/>
+            <a:r>
+              <a:rPr lang="en-US" smtClean="0"/>
+              <a:t>Second level</a:t>
+            </a:r>
+          </a:p>
+          <a:p>
+            <a:pPr lvl="2"/>
+            <a:r>
+              <a:rPr lang="en-US" smtClean="0"/>
+              <a:t>Third level</a:t>
+            </a:r>
+          </a:p>
+          <a:p>
+            <a:pPr lvl="3"/>
+            <a:r>
+              <a:rPr lang="en-US" smtClean="0"/>
+              <a:t>Fourth level</a:t>
+            </a:r>
+          </a:p>
+          <a:p>
+            <a:pPr lvl="4"/>
+            <a:r>
+              <a:rPr lang="en-US" smtClean="0"/>
+              <a:t>Fifth level</a:t>
+            </a:r>
+            <a:endParaRPr lang="en-US"/>
+          </a:p>
+        </p:txBody>
+      </p:sp>
+      <p:sp>
+        <p:nvSpPr>
+          <p:cNvPr id="7" name="Date Placeholder 6"/>
+          <p:cNvSpPr>
+            <a:spLocks noGrp="1"/>
+          </p:cNvSpPr>
+          <p:nvPr>
+            <p:ph type="dt" sz="half" idx="10"/>
+          </p:nvPr>
+        </p:nvSpPr>
+        <p:spPr/>
+        <p:txBody>
+          <a:bodyPr/>
+          <a:lstStyle/>
+          <a:p>
+            <a:fld id="{AAFE4C13-37DF-4750-B9C7-3431B14E329B}" type="datetimeFigureOut">
+              <a:rPr lang="en-US">
+                <a:solidFill>
+                  <a:prstClr val="black">
+                    <a:tint val="75000"/>
+                  </a:prstClr>
+                </a:solidFill>
+              </a:rPr>
+              <a:pPr/>
+              <a:t>12/7/2011</a:t>
+            </a:fld>
+            <a:endParaRPr lang="en-US">
+              <a:solidFill>
+                <a:prstClr val="black">
+                  <a:tint val="75000"/>
+                </a:prstClr>
+              </a:solidFill>
+            </a:endParaRPr>
+          </a:p>
+        </p:txBody>
+      </p:sp>
+      <p:sp>
+        <p:nvSpPr>
+          <p:cNvPr id="8" name="Footer Placeholder 7"/>
+          <p:cNvSpPr>
+            <a:spLocks noGrp="1"/>
+          </p:cNvSpPr>
+          <p:nvPr>
+            <p:ph type="ftr" sz="quarter" idx="11"/>
+          </p:nvPr>
+        </p:nvSpPr>
+        <p:spPr/>
+        <p:txBody>
+          <a:bodyPr/>
+          <a:lstStyle/>
+          <a:p>
+            <a:endParaRPr lang="en-US">
+              <a:solidFill>
+                <a:prstClr val="black">
+                  <a:tint val="75000"/>
+                </a:prstClr>
+              </a:solidFill>
+            </a:endParaRPr>
+          </a:p>
+        </p:txBody>
+      </p:sp>
+      <p:sp>
+        <p:nvSpPr>
+          <p:cNvPr id="9" name="Slide Number Placeholder 8"/>
+          <p:cNvSpPr>
+            <a:spLocks noGrp="1"/>
+          </p:cNvSpPr>
+          <p:nvPr>
+            <p:ph type="sldNum" sz="quarter" idx="12"/>
+          </p:nvPr>
+        </p:nvSpPr>
+        <p:spPr/>
+        <p:txBody>
+          <a:bodyPr/>
+          <a:lstStyle/>
+          <a:p>
+            <a:fld id="{C66E8141-EDC8-456C-8472-1D35DADC02A1}" type="slidenum">
+              <a:rPr lang="en-US">
+                <a:solidFill>
+                  <a:prstClr val="black">
+                    <a:tint val="75000"/>
+                  </a:prstClr>
+                </a:solidFill>
+              </a:rPr>
+              <a:pPr/>
+              <a:t>‹#›</a:t>
+            </a:fld>
+            <a:endParaRPr lang="en-US">
+              <a:solidFill>
+                <a:prstClr val="black">
+                  <a:tint val="75000"/>
+                </a:prstClr>
+              </a:solidFill>
+            </a:endParaRPr>
+          </a:p>
+        </p:txBody>
+      </p:sp>
+    </p:spTree>
+    <p:extLst>
+      <p:ext uri="{BB962C8B-B14F-4D97-AF65-F5344CB8AC3E}">
+        <p14:creationId xmlns:p14="http://schemas.microsoft.com/office/powerpoint/2010/main" val="2027335217"/>
+      </p:ext>
+    </p:extLst>
+  </p:cSld>
+  <p:clrMapOvr>
+    <a:masterClrMapping/>
+  </p:clrMapOvr>
+</p:sldLayout>
+</file>
+
+<file path=ppt/slideLayouts/slideLayout43.xml><?xml version="1.0" encoding="utf-8"?>
+<p:sldLayout xmlns:a="http://schemas.openxmlformats.org/drawingml/2006/main" xmlns:r="http://schemas.openxmlformats.org/officeDocument/2006/relationships" xmlns:p="http://schemas.openxmlformats.org/presentationml/2006/main" type="titleOnly" preserve="1">
+  <p:cSld name="Title Only">
+    <p:spTree>
+      <p:nvGrpSpPr>
+        <p:cNvPr id="1" name=""/>
+        <p:cNvGrpSpPr/>
+        <p:nvPr/>
+      </p:nvGrpSpPr>
+      <p:grpSpPr>
+        <a:xfrm>
+          <a:off x="0" y="0"/>
+          <a:ext cx="0" cy="0"/>
+          <a:chOff x="0" y="0"/>
+          <a:chExt cx="0" cy="0"/>
+        </a:xfrm>
+      </p:grpSpPr>
+      <p:sp>
+        <p:nvSpPr>
+          <p:cNvPr id="2" name="Title 1"/>
+          <p:cNvSpPr>
+            <a:spLocks noGrp="1"/>
+          </p:cNvSpPr>
+          <p:nvPr>
+            <p:ph type="title"/>
+          </p:nvPr>
+        </p:nvSpPr>
+        <p:spPr/>
+        <p:txBody>
+          <a:bodyPr/>
+          <a:lstStyle/>
+          <a:p>
+            <a:r>
+              <a:rPr lang="en-US" smtClean="0"/>
+              <a:t>Click to edit Master title style</a:t>
+            </a:r>
+            <a:endParaRPr lang="en-US"/>
+          </a:p>
+        </p:txBody>
+      </p:sp>
+      <p:sp>
+        <p:nvSpPr>
+          <p:cNvPr id="3" name="Date Placeholder 2"/>
+          <p:cNvSpPr>
+            <a:spLocks noGrp="1"/>
+          </p:cNvSpPr>
+          <p:nvPr>
+            <p:ph type="dt" sz="half" idx="10"/>
+          </p:nvPr>
+        </p:nvSpPr>
+        <p:spPr/>
+        <p:txBody>
+          <a:bodyPr/>
+          <a:lstStyle/>
+          <a:p>
+            <a:fld id="{AAFE4C13-37DF-4750-B9C7-3431B14E329B}" type="datetimeFigureOut">
+              <a:rPr lang="en-US">
+                <a:solidFill>
+                  <a:prstClr val="black">
+                    <a:tint val="75000"/>
+                  </a:prstClr>
+                </a:solidFill>
+              </a:rPr>
+              <a:pPr/>
+              <a:t>12/7/2011</a:t>
+            </a:fld>
+            <a:endParaRPr lang="en-US">
+              <a:solidFill>
+                <a:prstClr val="black">
+                  <a:tint val="75000"/>
+                </a:prstClr>
+              </a:solidFill>
+            </a:endParaRPr>
+          </a:p>
+        </p:txBody>
+      </p:sp>
+      <p:sp>
+        <p:nvSpPr>
+          <p:cNvPr id="4" name="Footer Placeholder 3"/>
+          <p:cNvSpPr>
+            <a:spLocks noGrp="1"/>
+          </p:cNvSpPr>
+          <p:nvPr>
+            <p:ph type="ftr" sz="quarter" idx="11"/>
+          </p:nvPr>
+        </p:nvSpPr>
+        <p:spPr/>
+        <p:txBody>
+          <a:bodyPr/>
+          <a:lstStyle/>
+          <a:p>
+            <a:endParaRPr lang="en-US">
+              <a:solidFill>
+                <a:prstClr val="black">
+                  <a:tint val="75000"/>
+                </a:prstClr>
+              </a:solidFill>
+            </a:endParaRPr>
+          </a:p>
+        </p:txBody>
+      </p:sp>
+      <p:sp>
+        <p:nvSpPr>
+          <p:cNvPr id="5" name="Slide Number Placeholder 4"/>
+          <p:cNvSpPr>
+            <a:spLocks noGrp="1"/>
+          </p:cNvSpPr>
+          <p:nvPr>
+            <p:ph type="sldNum" sz="quarter" idx="12"/>
+          </p:nvPr>
+        </p:nvSpPr>
+        <p:spPr/>
+        <p:txBody>
+          <a:bodyPr/>
+          <a:lstStyle/>
+          <a:p>
+            <a:fld id="{C66E8141-EDC8-456C-8472-1D35DADC02A1}" type="slidenum">
+              <a:rPr lang="en-US">
+                <a:solidFill>
+                  <a:prstClr val="black">
+                    <a:tint val="75000"/>
+                  </a:prstClr>
+                </a:solidFill>
+              </a:rPr>
+              <a:pPr/>
+              <a:t>‹#›</a:t>
+            </a:fld>
+            <a:endParaRPr lang="en-US">
+              <a:solidFill>
+                <a:prstClr val="black">
+                  <a:tint val="75000"/>
+                </a:prstClr>
+              </a:solidFill>
+            </a:endParaRPr>
+          </a:p>
+        </p:txBody>
+      </p:sp>
+    </p:spTree>
+    <p:extLst>
+      <p:ext uri="{BB962C8B-B14F-4D97-AF65-F5344CB8AC3E}">
+        <p14:creationId xmlns:p14="http://schemas.microsoft.com/office/powerpoint/2010/main" val="525709928"/>
+      </p:ext>
+    </p:extLst>
+  </p:cSld>
+  <p:clrMapOvr>
+    <a:masterClrMapping/>
+  </p:clrMapOvr>
+</p:sldLayout>
+</file>
+
+<file path=ppt/slideLayouts/slideLayout44.xml><?xml version="1.0" encoding="utf-8"?>
+<p:sldLayout xmlns:a="http://schemas.openxmlformats.org/drawingml/2006/main" xmlns:r="http://schemas.openxmlformats.org/officeDocument/2006/relationships" xmlns:p="http://schemas.openxmlformats.org/presentationml/2006/main" type="blank" preserve="1">
+  <p:cSld name="Blank">
+    <p:spTree>
+      <p:nvGrpSpPr>
+        <p:cNvPr id="1" name=""/>
+        <p:cNvGrpSpPr/>
+        <p:nvPr/>
+      </p:nvGrpSpPr>
+      <p:grpSpPr>
+        <a:xfrm>
+          <a:off x="0" y="0"/>
+          <a:ext cx="0" cy="0"/>
+          <a:chOff x="0" y="0"/>
+          <a:chExt cx="0" cy="0"/>
+        </a:xfrm>
+      </p:grpSpPr>
+      <p:sp>
+        <p:nvSpPr>
+          <p:cNvPr id="2" name="Date Placeholder 1"/>
+          <p:cNvSpPr>
+            <a:spLocks noGrp="1"/>
+          </p:cNvSpPr>
+          <p:nvPr>
+            <p:ph type="dt" sz="half" idx="10"/>
+          </p:nvPr>
+        </p:nvSpPr>
+        <p:spPr/>
+        <p:txBody>
+          <a:bodyPr/>
+          <a:lstStyle/>
+          <a:p>
+            <a:fld id="{AAFE4C13-37DF-4750-B9C7-3431B14E329B}" type="datetimeFigureOut">
+              <a:rPr lang="en-US">
+                <a:solidFill>
+                  <a:prstClr val="black">
+                    <a:tint val="75000"/>
+                  </a:prstClr>
+                </a:solidFill>
+              </a:rPr>
+              <a:pPr/>
+              <a:t>12/7/2011</a:t>
+            </a:fld>
+            <a:endParaRPr lang="en-US">
+              <a:solidFill>
+                <a:prstClr val="black">
+                  <a:tint val="75000"/>
+                </a:prstClr>
+              </a:solidFill>
+            </a:endParaRPr>
+          </a:p>
+        </p:txBody>
+      </p:sp>
+      <p:sp>
+        <p:nvSpPr>
+          <p:cNvPr id="3" name="Footer Placeholder 2"/>
+          <p:cNvSpPr>
+            <a:spLocks noGrp="1"/>
+          </p:cNvSpPr>
+          <p:nvPr>
+            <p:ph type="ftr" sz="quarter" idx="11"/>
+          </p:nvPr>
+        </p:nvSpPr>
+        <p:spPr/>
+        <p:txBody>
+          <a:bodyPr/>
+          <a:lstStyle/>
+          <a:p>
+            <a:endParaRPr lang="en-US">
+              <a:solidFill>
+                <a:prstClr val="black">
+                  <a:tint val="75000"/>
+                </a:prstClr>
+              </a:solidFill>
+            </a:endParaRPr>
+          </a:p>
+        </p:txBody>
+      </p:sp>
+      <p:sp>
+        <p:nvSpPr>
+          <p:cNvPr id="4" name="Slide Number Placeholder 3"/>
+          <p:cNvSpPr>
+            <a:spLocks noGrp="1"/>
+          </p:cNvSpPr>
+          <p:nvPr>
+            <p:ph type="sldNum" sz="quarter" idx="12"/>
+          </p:nvPr>
+        </p:nvSpPr>
+        <p:spPr/>
+        <p:txBody>
+          <a:bodyPr/>
+          <a:lstStyle/>
+          <a:p>
+            <a:fld id="{C66E8141-EDC8-456C-8472-1D35DADC02A1}" type="slidenum">
+              <a:rPr lang="en-US">
+                <a:solidFill>
+                  <a:prstClr val="black">
+                    <a:tint val="75000"/>
+                  </a:prstClr>
+                </a:solidFill>
+              </a:rPr>
+              <a:pPr/>
+              <a:t>‹#›</a:t>
+            </a:fld>
+            <a:endParaRPr lang="en-US">
+              <a:solidFill>
+                <a:prstClr val="black">
+                  <a:tint val="75000"/>
+                </a:prstClr>
+              </a:solidFill>
+            </a:endParaRPr>
+          </a:p>
+        </p:txBody>
+      </p:sp>
+    </p:spTree>
+    <p:extLst>
+      <p:ext uri="{BB962C8B-B14F-4D97-AF65-F5344CB8AC3E}">
+        <p14:creationId xmlns:p14="http://schemas.microsoft.com/office/powerpoint/2010/main" val="3764526522"/>
+      </p:ext>
+    </p:extLst>
+  </p:cSld>
+  <p:clrMapOvr>
+    <a:masterClrMapping/>
+  </p:clrMapOvr>
+</p:sldLayout>
+</file>
+
+<file path=ppt/slideLayouts/slideLayout45.xml><?xml version="1.0" encoding="utf-8"?>
+<p:sldLayout xmlns:a="http://schemas.openxmlformats.org/drawingml/2006/main" xmlns:r="http://schemas.openxmlformats.org/officeDocument/2006/relationships" xmlns:p="http://schemas.openxmlformats.org/presentationml/2006/main" type="objTx" preserve="1">
+  <p:cSld name="Content with Caption">
+    <p:spTree>
+      <p:nvGrpSpPr>
+        <p:cNvPr id="1" name=""/>
+        <p:cNvGrpSpPr/>
+        <p:nvPr/>
+      </p:nvGrpSpPr>
+      <p:grpSpPr>
+        <a:xfrm>
+          <a:off x="0" y="0"/>
+          <a:ext cx="0" cy="0"/>
+          <a:chOff x="0" y="0"/>
+          <a:chExt cx="0" cy="0"/>
+        </a:xfrm>
+      </p:grpSpPr>
+      <p:sp>
+        <p:nvSpPr>
+          <p:cNvPr id="2" name="Title 1"/>
+          <p:cNvSpPr>
+            <a:spLocks noGrp="1"/>
+          </p:cNvSpPr>
+          <p:nvPr>
+            <p:ph type="title"/>
+          </p:nvPr>
+        </p:nvSpPr>
+        <p:spPr>
+          <a:xfrm>
+            <a:off x="457201" y="204787"/>
+            <a:ext cx="3008313" cy="871538"/>
+          </a:xfrm>
+        </p:spPr>
+        <p:txBody>
+          <a:bodyPr anchor="b"/>
+          <a:lstStyle>
+            <a:lvl1pPr algn="l">
+              <a:defRPr sz="2000" b="1"/>
+            </a:lvl1pPr>
+          </a:lstStyle>
+          <a:p>
+            <a:r>
+              <a:rPr lang="en-US" smtClean="0"/>
+              <a:t>Click to edit Master title style</a:t>
+            </a:r>
+            <a:endParaRPr lang="en-US"/>
+          </a:p>
+        </p:txBody>
+      </p:sp>
+      <p:sp>
+        <p:nvSpPr>
+          <p:cNvPr id="3" name="Content Placeholder 2"/>
+          <p:cNvSpPr>
+            <a:spLocks noGrp="1"/>
+          </p:cNvSpPr>
+          <p:nvPr>
+            <p:ph idx="1"/>
+          </p:nvPr>
+        </p:nvSpPr>
+        <p:spPr>
+          <a:xfrm>
+            <a:off x="3575050" y="204788"/>
+            <a:ext cx="5111750" cy="4389835"/>
+          </a:xfrm>
+        </p:spPr>
+        <p:txBody>
+          <a:bodyPr/>
+          <a:lstStyle>
+            <a:lvl1pPr>
+              <a:defRPr sz="3200"/>
+            </a:lvl1pPr>
+            <a:lvl2pPr>
+              <a:defRPr sz="2800"/>
+            </a:lvl2pPr>
+            <a:lvl3pPr>
+              <a:defRPr sz="2400"/>
+            </a:lvl3pPr>
+            <a:lvl4pPr>
+              <a:defRPr sz="2000"/>
+            </a:lvl4pPr>
+            <a:lvl5pPr>
+              <a:defRPr sz="2000"/>
+            </a:lvl5pPr>
+            <a:lvl6pPr>
+              <a:defRPr sz="2000"/>
+            </a:lvl6pPr>
+            <a:lvl7pPr>
+              <a:defRPr sz="2000"/>
+            </a:lvl7pPr>
+            <a:lvl8pPr>
+              <a:defRPr sz="2000"/>
+            </a:lvl8pPr>
+            <a:lvl9pPr>
+              <a:defRPr sz="2000"/>
+            </a:lvl9pPr>
+          </a:lstStyle>
+          <a:p>
+            <a:pPr lvl="0"/>
+            <a:r>
+              <a:rPr lang="en-US" smtClean="0"/>
+              <a:t>Click to edit Master text styles</a:t>
+            </a:r>
+          </a:p>
+          <a:p>
+            <a:pPr lvl="1"/>
+            <a:r>
+              <a:rPr lang="en-US" smtClean="0"/>
+              <a:t>Second level</a:t>
+            </a:r>
+          </a:p>
+          <a:p>
+            <a:pPr lvl="2"/>
+            <a:r>
+              <a:rPr lang="en-US" smtClean="0"/>
+              <a:t>Third level</a:t>
+            </a:r>
+          </a:p>
+          <a:p>
+            <a:pPr lvl="3"/>
+            <a:r>
+              <a:rPr lang="en-US" smtClean="0"/>
+              <a:t>Fourth level</a:t>
+            </a:r>
+          </a:p>
+          <a:p>
+            <a:pPr lvl="4"/>
+            <a:r>
+              <a:rPr lang="en-US" smtClean="0"/>
+              <a:t>Fifth level</a:t>
+            </a:r>
+            <a:endParaRPr lang="en-US"/>
+          </a:p>
+        </p:txBody>
+      </p:sp>
+      <p:sp>
+        <p:nvSpPr>
+          <p:cNvPr id="4" name="Text Placeholder 3"/>
+          <p:cNvSpPr>
+            <a:spLocks noGrp="1"/>
+          </p:cNvSpPr>
+          <p:nvPr>
+            <p:ph type="body" sz="half" idx="2"/>
+          </p:nvPr>
+        </p:nvSpPr>
+        <p:spPr>
+          <a:xfrm>
+            <a:off x="457201" y="1076326"/>
+            <a:ext cx="3008313" cy="3518297"/>
+          </a:xfrm>
+        </p:spPr>
+        <p:txBody>
+          <a:bodyPr/>
+          <a:lstStyle>
+            <a:lvl1pPr marL="0" indent="0">
+              <a:buNone/>
+              <a:defRPr sz="1400"/>
+            </a:lvl1pPr>
+            <a:lvl2pPr marL="457200" indent="0">
+              <a:buNone/>
+              <a:defRPr sz="1200"/>
+            </a:lvl2pPr>
+            <a:lvl3pPr marL="914400" indent="0">
+              <a:buNone/>
+              <a:defRPr sz="1000"/>
+            </a:lvl3pPr>
+            <a:lvl4pPr marL="1371600" indent="0">
+              <a:buNone/>
+              <a:defRPr sz="900"/>
+            </a:lvl4pPr>
+            <a:lvl5pPr marL="1828800" indent="0">
+              <a:buNone/>
+              <a:defRPr sz="900"/>
+            </a:lvl5pPr>
+            <a:lvl6pPr marL="2286000" indent="0">
+              <a:buNone/>
+              <a:defRPr sz="900"/>
+            </a:lvl6pPr>
+            <a:lvl7pPr marL="2743200" indent="0">
+              <a:buNone/>
+              <a:defRPr sz="900"/>
+            </a:lvl7pPr>
+            <a:lvl8pPr marL="3200400" indent="0">
+              <a:buNone/>
+              <a:defRPr sz="900"/>
+            </a:lvl8pPr>
+            <a:lvl9pPr marL="3657600" indent="0">
+              <a:buNone/>
+              <a:defRPr sz="900"/>
+            </a:lvl9pPr>
+          </a:lstStyle>
+          <a:p>
+            <a:pPr lvl="0"/>
+            <a:r>
+              <a:rPr lang="en-US" smtClean="0"/>
+              <a:t>Click to edit Master text styles</a:t>
+            </a:r>
+          </a:p>
+        </p:txBody>
+      </p:sp>
+      <p:sp>
+        <p:nvSpPr>
+          <p:cNvPr id="5" name="Date Placeholder 4"/>
+          <p:cNvSpPr>
+            <a:spLocks noGrp="1"/>
+          </p:cNvSpPr>
+          <p:nvPr>
+            <p:ph type="dt" sz="half" idx="10"/>
+          </p:nvPr>
+        </p:nvSpPr>
+        <p:spPr/>
+        <p:txBody>
+          <a:bodyPr/>
+          <a:lstStyle/>
+          <a:p>
+            <a:fld id="{AAFE4C13-37DF-4750-B9C7-3431B14E329B}" type="datetimeFigureOut">
+              <a:rPr lang="en-US">
+                <a:solidFill>
+                  <a:prstClr val="black">
+                    <a:tint val="75000"/>
+                  </a:prstClr>
+                </a:solidFill>
+              </a:rPr>
+              <a:pPr/>
+              <a:t>12/7/2011</a:t>
+            </a:fld>
+            <a:endParaRPr lang="en-US">
+              <a:solidFill>
+                <a:prstClr val="black">
+                  <a:tint val="75000"/>
+                </a:prstClr>
+              </a:solidFill>
+            </a:endParaRPr>
+          </a:p>
+        </p:txBody>
+      </p:sp>
+      <p:sp>
+        <p:nvSpPr>
+          <p:cNvPr id="6" name="Footer Placeholder 5"/>
+          <p:cNvSpPr>
+            <a:spLocks noGrp="1"/>
+          </p:cNvSpPr>
+          <p:nvPr>
+            <p:ph type="ftr" sz="quarter" idx="11"/>
+          </p:nvPr>
+        </p:nvSpPr>
+        <p:spPr/>
+        <p:txBody>
+          <a:bodyPr/>
+          <a:lstStyle/>
+          <a:p>
+            <a:endParaRPr lang="en-US">
+              <a:solidFill>
+                <a:prstClr val="black">
+                  <a:tint val="75000"/>
+                </a:prstClr>
+              </a:solidFill>
+            </a:endParaRPr>
+          </a:p>
+        </p:txBody>
+      </p:sp>
+      <p:sp>
+        <p:nvSpPr>
+          <p:cNvPr id="7" name="Slide Number Placeholder 6"/>
+          <p:cNvSpPr>
+            <a:spLocks noGrp="1"/>
+          </p:cNvSpPr>
+          <p:nvPr>
+            <p:ph type="sldNum" sz="quarter" idx="12"/>
+          </p:nvPr>
+        </p:nvSpPr>
+        <p:spPr/>
+        <p:txBody>
+          <a:bodyPr/>
+          <a:lstStyle/>
+          <a:p>
+            <a:fld id="{C66E8141-EDC8-456C-8472-1D35DADC02A1}" type="slidenum">
+              <a:rPr lang="en-US">
+                <a:solidFill>
+                  <a:prstClr val="black">
+                    <a:tint val="75000"/>
+                  </a:prstClr>
+                </a:solidFill>
+              </a:rPr>
+              <a:pPr/>
+              <a:t>‹#›</a:t>
+            </a:fld>
+            <a:endParaRPr lang="en-US">
+              <a:solidFill>
+                <a:prstClr val="black">
+                  <a:tint val="75000"/>
+                </a:prstClr>
+              </a:solidFill>
+            </a:endParaRPr>
+          </a:p>
+        </p:txBody>
+      </p:sp>
+    </p:spTree>
+    <p:extLst>
+      <p:ext uri="{BB962C8B-B14F-4D97-AF65-F5344CB8AC3E}">
+        <p14:creationId xmlns:p14="http://schemas.microsoft.com/office/powerpoint/2010/main" val="3659108168"/>
+      </p:ext>
+    </p:extLst>
+  </p:cSld>
+  <p:clrMapOvr>
+    <a:masterClrMapping/>
+  </p:clrMapOvr>
+</p:sldLayout>
+</file>
+
+<file path=ppt/slideLayouts/slideLayout46.xml><?xml version="1.0" encoding="utf-8"?>
+<p:sldLayout xmlns:a="http://schemas.openxmlformats.org/drawingml/2006/main" xmlns:r="http://schemas.openxmlformats.org/officeDocument/2006/relationships" xmlns:p="http://schemas.openxmlformats.org/presentationml/2006/main" type="picTx" preserve="1">
+  <p:cSld name="Picture with Caption">
+    <p:spTree>
+      <p:nvGrpSpPr>
+        <p:cNvPr id="1" name=""/>
+        <p:cNvGrpSpPr/>
+        <p:nvPr/>
+      </p:nvGrpSpPr>
+      <p:grpSpPr>
+        <a:xfrm>
+          <a:off x="0" y="0"/>
+          <a:ext cx="0" cy="0"/>
+          <a:chOff x="0" y="0"/>
+          <a:chExt cx="0" cy="0"/>
+        </a:xfrm>
+      </p:grpSpPr>
+      <p:sp>
+        <p:nvSpPr>
+          <p:cNvPr id="2" name="Title 1"/>
+          <p:cNvSpPr>
+            <a:spLocks noGrp="1"/>
+          </p:cNvSpPr>
+          <p:nvPr>
+            <p:ph type="title"/>
+          </p:nvPr>
+        </p:nvSpPr>
+        <p:spPr>
+          <a:xfrm>
+            <a:off x="1792288" y="3600450"/>
+            <a:ext cx="5486400" cy="425054"/>
+          </a:xfrm>
+        </p:spPr>
+        <p:txBody>
+          <a:bodyPr anchor="b"/>
+          <a:lstStyle>
+            <a:lvl1pPr algn="l">
+              <a:defRPr sz="2000" b="1"/>
+            </a:lvl1pPr>
+          </a:lstStyle>
+          <a:p>
+            <a:r>
+              <a:rPr lang="en-US" smtClean="0"/>
+              <a:t>Click to edit Master title style</a:t>
+            </a:r>
+            <a:endParaRPr lang="en-US"/>
+          </a:p>
+        </p:txBody>
+      </p:sp>
+      <p:sp>
+        <p:nvSpPr>
+          <p:cNvPr id="3" name="Picture Placeholder 2"/>
+          <p:cNvSpPr>
+            <a:spLocks noGrp="1"/>
+          </p:cNvSpPr>
+          <p:nvPr>
+            <p:ph type="pic" idx="1"/>
+          </p:nvPr>
+        </p:nvSpPr>
+        <p:spPr>
+          <a:xfrm>
+            <a:off x="1792288" y="459581"/>
+            <a:ext cx="5486400" cy="3086100"/>
+          </a:xfrm>
+        </p:spPr>
+        <p:txBody>
+          <a:bodyPr/>
+          <a:lstStyle>
+            <a:lvl1pPr marL="0" indent="0">
+              <a:buNone/>
+              <a:defRPr sz="3200"/>
+            </a:lvl1pPr>
+            <a:lvl2pPr marL="457200" indent="0">
+              <a:buNone/>
+              <a:defRPr sz="2800"/>
+            </a:lvl2pPr>
+            <a:lvl3pPr marL="914400" indent="0">
+              <a:buNone/>
+              <a:defRPr sz="2400"/>
+            </a:lvl3pPr>
+            <a:lvl4pPr marL="1371600" indent="0">
+              <a:buNone/>
+              <a:defRPr sz="2000"/>
+            </a:lvl4pPr>
+            <a:lvl5pPr marL="1828800" indent="0">
+              <a:buNone/>
+              <a:defRPr sz="2000"/>
+            </a:lvl5pPr>
+            <a:lvl6pPr marL="2286000" indent="0">
+              <a:buNone/>
+              <a:defRPr sz="2000"/>
+            </a:lvl6pPr>
+            <a:lvl7pPr marL="2743200" indent="0">
+              <a:buNone/>
+              <a:defRPr sz="2000"/>
+            </a:lvl7pPr>
+            <a:lvl8pPr marL="3200400" indent="0">
+              <a:buNone/>
+              <a:defRPr sz="2000"/>
+            </a:lvl8pPr>
+            <a:lvl9pPr marL="3657600" indent="0">
+              <a:buNone/>
+              <a:defRPr sz="2000"/>
+            </a:lvl9pPr>
+          </a:lstStyle>
+          <a:p>
+            <a:endParaRPr lang="en-US"/>
+          </a:p>
+        </p:txBody>
+      </p:sp>
+      <p:sp>
+        <p:nvSpPr>
+          <p:cNvPr id="4" name="Text Placeholder 3"/>
+          <p:cNvSpPr>
+            <a:spLocks noGrp="1"/>
+          </p:cNvSpPr>
+          <p:nvPr>
+            <p:ph type="body" sz="half" idx="2"/>
+          </p:nvPr>
+        </p:nvSpPr>
+        <p:spPr>
+          <a:xfrm>
+            <a:off x="1792288" y="4025503"/>
+            <a:ext cx="5486400" cy="603647"/>
+          </a:xfrm>
+        </p:spPr>
+        <p:txBody>
+          <a:bodyPr/>
+          <a:lstStyle>
+            <a:lvl1pPr marL="0" indent="0">
+              <a:buNone/>
+              <a:defRPr sz="1400"/>
+            </a:lvl1pPr>
+            <a:lvl2pPr marL="457200" indent="0">
+              <a:buNone/>
+              <a:defRPr sz="1200"/>
+            </a:lvl2pPr>
+            <a:lvl3pPr marL="914400" indent="0">
+              <a:buNone/>
+              <a:defRPr sz="1000"/>
+            </a:lvl3pPr>
+            <a:lvl4pPr marL="1371600" indent="0">
+              <a:buNone/>
+              <a:defRPr sz="900"/>
+            </a:lvl4pPr>
+            <a:lvl5pPr marL="1828800" indent="0">
+              <a:buNone/>
+              <a:defRPr sz="900"/>
+            </a:lvl5pPr>
+            <a:lvl6pPr marL="2286000" indent="0">
+              <a:buNone/>
+              <a:defRPr sz="900"/>
+            </a:lvl6pPr>
+            <a:lvl7pPr marL="2743200" indent="0">
+              <a:buNone/>
+              <a:defRPr sz="900"/>
+            </a:lvl7pPr>
+            <a:lvl8pPr marL="3200400" indent="0">
+              <a:buNone/>
+              <a:defRPr sz="900"/>
+            </a:lvl8pPr>
+            <a:lvl9pPr marL="3657600" indent="0">
+              <a:buNone/>
+              <a:defRPr sz="900"/>
+            </a:lvl9pPr>
+          </a:lstStyle>
+          <a:p>
+            <a:pPr lvl="0"/>
+            <a:r>
+              <a:rPr lang="en-US" smtClean="0"/>
+              <a:t>Click to edit Master text styles</a:t>
+            </a:r>
+          </a:p>
+        </p:txBody>
+      </p:sp>
+      <p:sp>
+        <p:nvSpPr>
+          <p:cNvPr id="5" name="Date Placeholder 4"/>
+          <p:cNvSpPr>
+            <a:spLocks noGrp="1"/>
+          </p:cNvSpPr>
+          <p:nvPr>
+            <p:ph type="dt" sz="half" idx="10"/>
+          </p:nvPr>
+        </p:nvSpPr>
+        <p:spPr/>
+        <p:txBody>
+          <a:bodyPr/>
+          <a:lstStyle/>
+          <a:p>
+            <a:fld id="{AAFE4C13-37DF-4750-B9C7-3431B14E329B}" type="datetimeFigureOut">
+              <a:rPr lang="en-US">
+                <a:solidFill>
+                  <a:prstClr val="black">
+                    <a:tint val="75000"/>
+                  </a:prstClr>
+                </a:solidFill>
+              </a:rPr>
+              <a:pPr/>
+              <a:t>12/7/2011</a:t>
+            </a:fld>
+            <a:endParaRPr lang="en-US">
+              <a:solidFill>
+                <a:prstClr val="black">
+                  <a:tint val="75000"/>
+                </a:prstClr>
+              </a:solidFill>
+            </a:endParaRPr>
+          </a:p>
+        </p:txBody>
+      </p:sp>
+      <p:sp>
+        <p:nvSpPr>
+          <p:cNvPr id="6" name="Footer Placeholder 5"/>
+          <p:cNvSpPr>
+            <a:spLocks noGrp="1"/>
+          </p:cNvSpPr>
+          <p:nvPr>
+            <p:ph type="ftr" sz="quarter" idx="11"/>
+          </p:nvPr>
+        </p:nvSpPr>
+        <p:spPr/>
+        <p:txBody>
+          <a:bodyPr/>
+          <a:lstStyle/>
+          <a:p>
+            <a:endParaRPr lang="en-US">
+              <a:solidFill>
+                <a:prstClr val="black">
+                  <a:tint val="75000"/>
+                </a:prstClr>
+              </a:solidFill>
+            </a:endParaRPr>
+          </a:p>
+        </p:txBody>
+      </p:sp>
+      <p:sp>
+        <p:nvSpPr>
+          <p:cNvPr id="7" name="Slide Number Placeholder 6"/>
+          <p:cNvSpPr>
+            <a:spLocks noGrp="1"/>
+          </p:cNvSpPr>
+          <p:nvPr>
+            <p:ph type="sldNum" sz="quarter" idx="12"/>
+          </p:nvPr>
+        </p:nvSpPr>
+        <p:spPr/>
+        <p:txBody>
+          <a:bodyPr/>
+          <a:lstStyle/>
+          <a:p>
+            <a:fld id="{C66E8141-EDC8-456C-8472-1D35DADC02A1}" type="slidenum">
+              <a:rPr lang="en-US">
+                <a:solidFill>
+                  <a:prstClr val="black">
+                    <a:tint val="75000"/>
+                  </a:prstClr>
+                </a:solidFill>
+              </a:rPr>
+              <a:pPr/>
+              <a:t>‹#›</a:t>
+            </a:fld>
+            <a:endParaRPr lang="en-US">
+              <a:solidFill>
+                <a:prstClr val="black">
+                  <a:tint val="75000"/>
+                </a:prstClr>
+              </a:solidFill>
+            </a:endParaRPr>
+          </a:p>
+        </p:txBody>
+      </p:sp>
+    </p:spTree>
+    <p:extLst>
+      <p:ext uri="{BB962C8B-B14F-4D97-AF65-F5344CB8AC3E}">
+        <p14:creationId xmlns:p14="http://schemas.microsoft.com/office/powerpoint/2010/main" val="839261645"/>
+      </p:ext>
+    </p:extLst>
+  </p:cSld>
+  <p:clrMapOvr>
+    <a:masterClrMapping/>
+  </p:clrMapOvr>
+</p:sldLayout>
+</file>
+
+<file path=ppt/slideLayouts/slideLayout47.xml><?xml version="1.0" encoding="utf-8"?>
+<p:sldLayout xmlns:a="http://schemas.openxmlformats.org/drawingml/2006/main" xmlns:r="http://schemas.openxmlformats.org/officeDocument/2006/relationships" xmlns:p="http://schemas.openxmlformats.org/presentationml/2006/main" type="vertTx" preserve="1">
+  <p:cSld name="Title and Vertical Text">
+    <p:spTree>
+      <p:nvGrpSpPr>
+        <p:cNvPr id="1" name=""/>
+        <p:cNvGrpSpPr/>
+        <p:nvPr/>
+      </p:nvGrpSpPr>
+      <p:grpSpPr>
+        <a:xfrm>
+          <a:off x="0" y="0"/>
+          <a:ext cx="0" cy="0"/>
+          <a:chOff x="0" y="0"/>
+          <a:chExt cx="0" cy="0"/>
+        </a:xfrm>
+      </p:grpSpPr>
+      <p:sp>
+        <p:nvSpPr>
+          <p:cNvPr id="2" name="Title 1"/>
+          <p:cNvSpPr>
+            <a:spLocks noGrp="1"/>
+          </p:cNvSpPr>
+          <p:nvPr>
+            <p:ph type="title"/>
+          </p:nvPr>
+        </p:nvSpPr>
+        <p:spPr/>
+        <p:txBody>
+          <a:bodyPr/>
+          <a:lstStyle/>
+          <a:p>
+            <a:r>
+              <a:rPr lang="en-US" smtClean="0"/>
+              <a:t>Click to edit Master title style</a:t>
+            </a:r>
+            <a:endParaRPr lang="en-US"/>
+          </a:p>
+        </p:txBody>
+      </p:sp>
+      <p:sp>
+        <p:nvSpPr>
+          <p:cNvPr id="3" name="Vertical Text Placeholder 2"/>
+          <p:cNvSpPr>
+            <a:spLocks noGrp="1"/>
+          </p:cNvSpPr>
+          <p:nvPr>
+            <p:ph type="body" orient="vert" idx="1"/>
+          </p:nvPr>
+        </p:nvSpPr>
+        <p:spPr/>
+        <p:txBody>
+          <a:bodyPr vert="eaVert"/>
+          <a:lstStyle/>
+          <a:p>
+            <a:pPr lvl="0"/>
+            <a:r>
+              <a:rPr lang="en-US" smtClean="0"/>
+              <a:t>Click to edit Master text styles</a:t>
+            </a:r>
+          </a:p>
+          <a:p>
+            <a:pPr lvl="1"/>
+            <a:r>
+              <a:rPr lang="en-US" smtClean="0"/>
+              <a:t>Second level</a:t>
+            </a:r>
+          </a:p>
+          <a:p>
+            <a:pPr lvl="2"/>
+            <a:r>
+              <a:rPr lang="en-US" smtClean="0"/>
+              <a:t>Third level</a:t>
+            </a:r>
+          </a:p>
+          <a:p>
+            <a:pPr lvl="3"/>
+            <a:r>
+              <a:rPr lang="en-US" smtClean="0"/>
+              <a:t>Fourth level</a:t>
+            </a:r>
+          </a:p>
+          <a:p>
+            <a:pPr lvl="4"/>
+            <a:r>
+              <a:rPr lang="en-US" smtClean="0"/>
+              <a:t>Fifth level</a:t>
+            </a:r>
+            <a:endParaRPr lang="en-US"/>
+          </a:p>
+        </p:txBody>
+      </p:sp>
+      <p:sp>
+        <p:nvSpPr>
+          <p:cNvPr id="4" name="Date Placeholder 3"/>
+          <p:cNvSpPr>
+            <a:spLocks noGrp="1"/>
+          </p:cNvSpPr>
+          <p:nvPr>
+            <p:ph type="dt" sz="half" idx="10"/>
+          </p:nvPr>
+        </p:nvSpPr>
+        <p:spPr/>
+        <p:txBody>
+          <a:bodyPr/>
+          <a:lstStyle/>
+          <a:p>
+            <a:fld id="{AAFE4C13-37DF-4750-B9C7-3431B14E329B}" type="datetimeFigureOut">
+              <a:rPr lang="en-US">
+                <a:solidFill>
+                  <a:prstClr val="black">
+                    <a:tint val="75000"/>
+                  </a:prstClr>
+                </a:solidFill>
+              </a:rPr>
+              <a:pPr/>
+              <a:t>12/7/2011</a:t>
+            </a:fld>
+            <a:endParaRPr lang="en-US">
+              <a:solidFill>
+                <a:prstClr val="black">
+                  <a:tint val="75000"/>
+                </a:prstClr>
+              </a:solidFill>
+            </a:endParaRPr>
+          </a:p>
+        </p:txBody>
+      </p:sp>
+      <p:sp>
+        <p:nvSpPr>
+          <p:cNvPr id="5" name="Footer Placeholder 4"/>
+          <p:cNvSpPr>
+            <a:spLocks noGrp="1"/>
+          </p:cNvSpPr>
+          <p:nvPr>
+            <p:ph type="ftr" sz="quarter" idx="11"/>
+          </p:nvPr>
+        </p:nvSpPr>
+        <p:spPr/>
+        <p:txBody>
+          <a:bodyPr/>
+          <a:lstStyle/>
+          <a:p>
+            <a:endParaRPr lang="en-US">
+              <a:solidFill>
+                <a:prstClr val="black">
+                  <a:tint val="75000"/>
+                </a:prstClr>
+              </a:solidFill>
+            </a:endParaRPr>
+          </a:p>
+        </p:txBody>
+      </p:sp>
+      <p:sp>
+        <p:nvSpPr>
+          <p:cNvPr id="6" name="Slide Number Placeholder 5"/>
+          <p:cNvSpPr>
+            <a:spLocks noGrp="1"/>
+          </p:cNvSpPr>
+          <p:nvPr>
+            <p:ph type="sldNum" sz="quarter" idx="12"/>
+          </p:nvPr>
+        </p:nvSpPr>
+        <p:spPr/>
+        <p:txBody>
+          <a:bodyPr/>
+          <a:lstStyle/>
+          <a:p>
+            <a:fld id="{C66E8141-EDC8-456C-8472-1D35DADC02A1}" type="slidenum">
+              <a:rPr lang="en-US">
+                <a:solidFill>
+                  <a:prstClr val="black">
+                    <a:tint val="75000"/>
+                  </a:prstClr>
+                </a:solidFill>
+              </a:rPr>
+              <a:pPr/>
+              <a:t>‹#›</a:t>
+            </a:fld>
+            <a:endParaRPr lang="en-US">
+              <a:solidFill>
+                <a:prstClr val="black">
+                  <a:tint val="75000"/>
+                </a:prstClr>
+              </a:solidFill>
+            </a:endParaRPr>
+          </a:p>
+        </p:txBody>
+      </p:sp>
+    </p:spTree>
+    <p:extLst>
+      <p:ext uri="{BB962C8B-B14F-4D97-AF65-F5344CB8AC3E}">
+        <p14:creationId xmlns:p14="http://schemas.microsoft.com/office/powerpoint/2010/main" val="651931526"/>
+      </p:ext>
+    </p:extLst>
+  </p:cSld>
+  <p:clrMapOvr>
+    <a:masterClrMapping/>
+  </p:clrMapOvr>
+</p:sldLayout>
+</file>
+
+<file path=ppt/slideLayouts/slideLayout48.xml><?xml version="1.0" encoding="utf-8"?>
+<p:sldLayout xmlns:a="http://schemas.openxmlformats.org/drawingml/2006/main" xmlns:r="http://schemas.openxmlformats.org/officeDocument/2006/relationships" xmlns:p="http://schemas.openxmlformats.org/presentationml/2006/main" type="vertTitleAndTx" preserve="1">
+  <p:cSld name="Vertical Title and Text">
+    <p:spTree>
+      <p:nvGrpSpPr>
+        <p:cNvPr id="1" name=""/>
+        <p:cNvGrpSpPr/>
+        <p:nvPr/>
+      </p:nvGrpSpPr>
+      <p:grpSpPr>
+        <a:xfrm>
+          <a:off x="0" y="0"/>
+          <a:ext cx="0" cy="0"/>
+          <a:chOff x="0" y="0"/>
+          <a:chExt cx="0" cy="0"/>
+        </a:xfrm>
+      </p:grpSpPr>
+      <p:sp>
+        <p:nvSpPr>
+          <p:cNvPr id="2" name="Vertical Title 1"/>
+          <p:cNvSpPr>
+            <a:spLocks noGrp="1"/>
+          </p:cNvSpPr>
+          <p:nvPr>
+            <p:ph type="title" orient="vert"/>
+          </p:nvPr>
+        </p:nvSpPr>
+        <p:spPr>
+          <a:xfrm>
+            <a:off x="6629400" y="205979"/>
+            <a:ext cx="2057400" cy="4388644"/>
+          </a:xfrm>
+        </p:spPr>
+        <p:txBody>
+          <a:bodyPr vert="eaVert"/>
+          <a:lstStyle/>
+          <a:p>
+            <a:r>
+              <a:rPr lang="en-US" smtClean="0"/>
+              <a:t>Click to edit Master title style</a:t>
+            </a:r>
+            <a:endParaRPr lang="en-US"/>
+          </a:p>
+        </p:txBody>
+      </p:sp>
+      <p:sp>
+        <p:nvSpPr>
+          <p:cNvPr id="3" name="Vertical Text Placeholder 2"/>
+          <p:cNvSpPr>
+            <a:spLocks noGrp="1"/>
+          </p:cNvSpPr>
+          <p:nvPr>
+            <p:ph type="body" orient="vert" idx="1"/>
+          </p:nvPr>
+        </p:nvSpPr>
+        <p:spPr>
+          <a:xfrm>
+            <a:off x="457200" y="205979"/>
+            <a:ext cx="6019800" cy="4388644"/>
+          </a:xfrm>
+        </p:spPr>
+        <p:txBody>
+          <a:bodyPr vert="eaVert"/>
+          <a:lstStyle/>
+          <a:p>
+            <a:pPr lvl="0"/>
+            <a:r>
+              <a:rPr lang="en-US" smtClean="0"/>
+              <a:t>Click to edit Master text styles</a:t>
+            </a:r>
+          </a:p>
+          <a:p>
+            <a:pPr lvl="1"/>
+            <a:r>
+              <a:rPr lang="en-US" smtClean="0"/>
+              <a:t>Second level</a:t>
+            </a:r>
+          </a:p>
+          <a:p>
+            <a:pPr lvl="2"/>
+            <a:r>
+              <a:rPr lang="en-US" smtClean="0"/>
+              <a:t>Third level</a:t>
+            </a:r>
+          </a:p>
+          <a:p>
+            <a:pPr lvl="3"/>
+            <a:r>
+              <a:rPr lang="en-US" smtClean="0"/>
+              <a:t>Fourth level</a:t>
+            </a:r>
+          </a:p>
+          <a:p>
+            <a:pPr lvl="4"/>
+            <a:r>
+              <a:rPr lang="en-US" smtClean="0"/>
+              <a:t>Fifth level</a:t>
+            </a:r>
+            <a:endParaRPr lang="en-US"/>
+          </a:p>
+        </p:txBody>
+      </p:sp>
+      <p:sp>
+        <p:nvSpPr>
+          <p:cNvPr id="4" name="Date Placeholder 3"/>
+          <p:cNvSpPr>
+            <a:spLocks noGrp="1"/>
+          </p:cNvSpPr>
+          <p:nvPr>
+            <p:ph type="dt" sz="half" idx="10"/>
+          </p:nvPr>
+        </p:nvSpPr>
+        <p:spPr/>
+        <p:txBody>
+          <a:bodyPr/>
+          <a:lstStyle/>
+          <a:p>
+            <a:fld id="{AAFE4C13-37DF-4750-B9C7-3431B14E329B}" type="datetimeFigureOut">
+              <a:rPr lang="en-US">
+                <a:solidFill>
+                  <a:prstClr val="black">
+                    <a:tint val="75000"/>
+                  </a:prstClr>
+                </a:solidFill>
+              </a:rPr>
+              <a:pPr/>
+              <a:t>12/7/2011</a:t>
+            </a:fld>
+            <a:endParaRPr lang="en-US">
+              <a:solidFill>
+                <a:prstClr val="black">
+                  <a:tint val="75000"/>
+                </a:prstClr>
+              </a:solidFill>
+            </a:endParaRPr>
+          </a:p>
+        </p:txBody>
+      </p:sp>
+      <p:sp>
+        <p:nvSpPr>
+          <p:cNvPr id="5" name="Footer Placeholder 4"/>
+          <p:cNvSpPr>
+            <a:spLocks noGrp="1"/>
+          </p:cNvSpPr>
+          <p:nvPr>
+            <p:ph type="ftr" sz="quarter" idx="11"/>
+          </p:nvPr>
+        </p:nvSpPr>
+        <p:spPr/>
+        <p:txBody>
+          <a:bodyPr/>
+          <a:lstStyle/>
+          <a:p>
+            <a:endParaRPr lang="en-US">
+              <a:solidFill>
+                <a:prstClr val="black">
+                  <a:tint val="75000"/>
+                </a:prstClr>
+              </a:solidFill>
+            </a:endParaRPr>
+          </a:p>
+        </p:txBody>
+      </p:sp>
+      <p:sp>
+        <p:nvSpPr>
+          <p:cNvPr id="6" name="Slide Number Placeholder 5"/>
+          <p:cNvSpPr>
+            <a:spLocks noGrp="1"/>
+          </p:cNvSpPr>
+          <p:nvPr>
+            <p:ph type="sldNum" sz="quarter" idx="12"/>
+          </p:nvPr>
+        </p:nvSpPr>
+        <p:spPr/>
+        <p:txBody>
+          <a:bodyPr/>
+          <a:lstStyle/>
+          <a:p>
+            <a:fld id="{C66E8141-EDC8-456C-8472-1D35DADC02A1}" type="slidenum">
+              <a:rPr lang="en-US">
+                <a:solidFill>
+                  <a:prstClr val="black">
+                    <a:tint val="75000"/>
+                  </a:prstClr>
+                </a:solidFill>
+              </a:rPr>
+              <a:pPr/>
+              <a:t>‹#›</a:t>
+            </a:fld>
+            <a:endParaRPr lang="en-US">
+              <a:solidFill>
+                <a:prstClr val="black">
+                  <a:tint val="75000"/>
+                </a:prstClr>
+              </a:solidFill>
+            </a:endParaRPr>
+          </a:p>
+        </p:txBody>
+      </p:sp>
+    </p:spTree>
+    <p:extLst>
+      <p:ext uri="{BB962C8B-B14F-4D97-AF65-F5344CB8AC3E}">
+        <p14:creationId xmlns:p14="http://schemas.microsoft.com/office/powerpoint/2010/main" val="4289294545"/>
+      </p:ext>
+    </p:extLst>
+  </p:cSld>
+  <p:clrMapOvr>
+    <a:masterClrMapping/>
+  </p:clrMapOvr>
 </p:sldLayout>
 </file>
 
@@ -12035,6 +14851,548 @@
 </p:sldMaster>
 </file>
 
+<file path=ppt/slideMasters/slideMaster4.xml><?xml version="1.0" encoding="utf-8"?>
+<p:sldMaster xmlns:a="http://schemas.openxmlformats.org/drawingml/2006/main" xmlns:r="http://schemas.openxmlformats.org/officeDocument/2006/relationships" xmlns:p="http://schemas.openxmlformats.org/presentationml/2006/main">
+  <p:cSld>
+    <p:bg>
+      <p:bgRef idx="1001">
+        <a:schemeClr val="bg1"/>
+      </p:bgRef>
+    </p:bg>
+    <p:spTree>
+      <p:nvGrpSpPr>
+        <p:cNvPr id="1" name=""/>
+        <p:cNvGrpSpPr/>
+        <p:nvPr/>
+      </p:nvGrpSpPr>
+      <p:grpSpPr>
+        <a:xfrm>
+          <a:off x="0" y="0"/>
+          <a:ext cx="0" cy="0"/>
+          <a:chOff x="0" y="0"/>
+          <a:chExt cx="0" cy="0"/>
+        </a:xfrm>
+      </p:grpSpPr>
+      <p:sp>
+        <p:nvSpPr>
+          <p:cNvPr id="2" name="Title Placeholder 1"/>
+          <p:cNvSpPr>
+            <a:spLocks noGrp="1"/>
+          </p:cNvSpPr>
+          <p:nvPr>
+            <p:ph type="title"/>
+          </p:nvPr>
+        </p:nvSpPr>
+        <p:spPr>
+          <a:xfrm>
+            <a:off x="457200" y="205979"/>
+            <a:ext cx="8229600" cy="857250"/>
+          </a:xfrm>
+          <a:prstGeom prst="rect">
+            <a:avLst/>
+          </a:prstGeom>
+        </p:spPr>
+        <p:txBody>
+          <a:bodyPr vert="horz" lIns="91440" tIns="45720" rIns="91440" bIns="45720" rtlCol="0" anchor="ctr">
+            <a:normAutofit/>
+          </a:bodyPr>
+          <a:lstStyle/>
+          <a:p>
+            <a:r>
+              <a:rPr lang="en-US" smtClean="0"/>
+              <a:t>Click to edit Master title style</a:t>
+            </a:r>
+            <a:endParaRPr lang="en-US"/>
+          </a:p>
+        </p:txBody>
+      </p:sp>
+      <p:sp>
+        <p:nvSpPr>
+          <p:cNvPr id="3" name="Text Placeholder 2"/>
+          <p:cNvSpPr>
+            <a:spLocks noGrp="1"/>
+          </p:cNvSpPr>
+          <p:nvPr>
+            <p:ph type="body" idx="1"/>
+          </p:nvPr>
+        </p:nvSpPr>
+        <p:spPr>
+          <a:xfrm>
+            <a:off x="457200" y="1200151"/>
+            <a:ext cx="8229600" cy="3394472"/>
+          </a:xfrm>
+          <a:prstGeom prst="rect">
+            <a:avLst/>
+          </a:prstGeom>
+        </p:spPr>
+        <p:txBody>
+          <a:bodyPr vert="horz" lIns="91440" tIns="45720" rIns="91440" bIns="45720" rtlCol="0">
+            <a:normAutofit/>
+          </a:bodyPr>
+          <a:lstStyle/>
+          <a:p>
+            <a:pPr lvl="0"/>
+            <a:r>
+              <a:rPr lang="en-US" smtClean="0"/>
+              <a:t>Click to edit Master text styles</a:t>
+            </a:r>
+          </a:p>
+          <a:p>
+            <a:pPr lvl="1"/>
+            <a:r>
+              <a:rPr lang="en-US" smtClean="0"/>
+              <a:t>Second level</a:t>
+            </a:r>
+          </a:p>
+          <a:p>
+            <a:pPr lvl="2"/>
+            <a:r>
+              <a:rPr lang="en-US" smtClean="0"/>
+              <a:t>Third level</a:t>
+            </a:r>
+          </a:p>
+          <a:p>
+            <a:pPr lvl="3"/>
+            <a:r>
+              <a:rPr lang="en-US" smtClean="0"/>
+              <a:t>Fourth level</a:t>
+            </a:r>
+          </a:p>
+          <a:p>
+            <a:pPr lvl="4"/>
+            <a:r>
+              <a:rPr lang="en-US" smtClean="0"/>
+              <a:t>Fifth level</a:t>
+            </a:r>
+            <a:endParaRPr lang="en-US"/>
+          </a:p>
+        </p:txBody>
+      </p:sp>
+      <p:sp>
+        <p:nvSpPr>
+          <p:cNvPr id="4" name="Date Placeholder 3"/>
+          <p:cNvSpPr>
+            <a:spLocks noGrp="1"/>
+          </p:cNvSpPr>
+          <p:nvPr>
+            <p:ph type="dt" sz="half" idx="2"/>
+          </p:nvPr>
+        </p:nvSpPr>
+        <p:spPr>
+          <a:xfrm>
+            <a:off x="457200" y="4767263"/>
+            <a:ext cx="2133600" cy="273844"/>
+          </a:xfrm>
+          <a:prstGeom prst="rect">
+            <a:avLst/>
+          </a:prstGeom>
+        </p:spPr>
+        <p:txBody>
+          <a:bodyPr vert="horz" lIns="91440" tIns="45720" rIns="91440" bIns="45720" rtlCol="0" anchor="ctr"/>
+          <a:lstStyle>
+            <a:lvl1pPr algn="l">
+              <a:defRPr sz="1200">
+                <a:solidFill>
+                  <a:schemeClr val="tx1">
+                    <a:tint val="75000"/>
+                  </a:schemeClr>
+                </a:solidFill>
+              </a:defRPr>
+            </a:lvl1pPr>
+          </a:lstStyle>
+          <a:p>
+            <a:fld id="{AAFE4C13-37DF-4750-B9C7-3431B14E329B}" type="datetimeFigureOut">
+              <a:rPr lang="en-US" smtClean="0">
+                <a:solidFill>
+                  <a:prstClr val="black">
+                    <a:tint val="75000"/>
+                  </a:prstClr>
+                </a:solidFill>
+              </a:rPr>
+              <a:pPr/>
+              <a:t>12/7/2011</a:t>
+            </a:fld>
+            <a:endParaRPr lang="en-US" smtClean="0">
+              <a:solidFill>
+                <a:prstClr val="black">
+                  <a:tint val="75000"/>
+                </a:prstClr>
+              </a:solidFill>
+            </a:endParaRPr>
+          </a:p>
+        </p:txBody>
+      </p:sp>
+      <p:sp>
+        <p:nvSpPr>
+          <p:cNvPr id="5" name="Footer Placeholder 4"/>
+          <p:cNvSpPr>
+            <a:spLocks noGrp="1"/>
+          </p:cNvSpPr>
+          <p:nvPr>
+            <p:ph type="ftr" sz="quarter" idx="3"/>
+          </p:nvPr>
+        </p:nvSpPr>
+        <p:spPr>
+          <a:xfrm>
+            <a:off x="3124200" y="4767263"/>
+            <a:ext cx="2895600" cy="273844"/>
+          </a:xfrm>
+          <a:prstGeom prst="rect">
+            <a:avLst/>
+          </a:prstGeom>
+        </p:spPr>
+        <p:txBody>
+          <a:bodyPr vert="horz" lIns="91440" tIns="45720" rIns="91440" bIns="45720" rtlCol="0" anchor="ctr"/>
+          <a:lstStyle>
+            <a:lvl1pPr algn="ctr">
+              <a:defRPr sz="1200">
+                <a:solidFill>
+                  <a:schemeClr val="tx1">
+                    <a:tint val="75000"/>
+                  </a:schemeClr>
+                </a:solidFill>
+              </a:defRPr>
+            </a:lvl1pPr>
+          </a:lstStyle>
+          <a:p>
+            <a:endParaRPr lang="en-US" smtClean="0">
+              <a:solidFill>
+                <a:prstClr val="black">
+                  <a:tint val="75000"/>
+                </a:prstClr>
+              </a:solidFill>
+            </a:endParaRPr>
+          </a:p>
+        </p:txBody>
+      </p:sp>
+      <p:sp>
+        <p:nvSpPr>
+          <p:cNvPr id="6" name="Slide Number Placeholder 5"/>
+          <p:cNvSpPr>
+            <a:spLocks noGrp="1"/>
+          </p:cNvSpPr>
+          <p:nvPr>
+            <p:ph type="sldNum" sz="quarter" idx="4"/>
+          </p:nvPr>
+        </p:nvSpPr>
+        <p:spPr>
+          <a:xfrm>
+            <a:off x="6553200" y="4767263"/>
+            <a:ext cx="2133600" cy="273844"/>
+          </a:xfrm>
+          <a:prstGeom prst="rect">
+            <a:avLst/>
+          </a:prstGeom>
+        </p:spPr>
+        <p:txBody>
+          <a:bodyPr vert="horz" lIns="91440" tIns="45720" rIns="91440" bIns="45720" rtlCol="0" anchor="ctr"/>
+          <a:lstStyle>
+            <a:lvl1pPr algn="r">
+              <a:defRPr sz="1200">
+                <a:solidFill>
+                  <a:schemeClr val="tx1">
+                    <a:tint val="75000"/>
+                  </a:schemeClr>
+                </a:solidFill>
+              </a:defRPr>
+            </a:lvl1pPr>
+          </a:lstStyle>
+          <a:p>
+            <a:fld id="{C66E8141-EDC8-456C-8472-1D35DADC02A1}" type="slidenum">
+              <a:rPr lang="en-US" smtClean="0">
+                <a:solidFill>
+                  <a:prstClr val="black">
+                    <a:tint val="75000"/>
+                  </a:prstClr>
+                </a:solidFill>
+              </a:rPr>
+              <a:pPr/>
+              <a:t>‹#›</a:t>
+            </a:fld>
+            <a:endParaRPr lang="en-US" smtClean="0">
+              <a:solidFill>
+                <a:prstClr val="black">
+                  <a:tint val="75000"/>
+                </a:prstClr>
+              </a:solidFill>
+            </a:endParaRPr>
+          </a:p>
+        </p:txBody>
+      </p:sp>
+    </p:spTree>
+    <p:extLst>
+      <p:ext uri="{BB962C8B-B14F-4D97-AF65-F5344CB8AC3E}">
+        <p14:creationId xmlns:p14="http://schemas.microsoft.com/office/powerpoint/2010/main" val="1340660601"/>
+      </p:ext>
+    </p:extLst>
+  </p:cSld>
+  <p:clrMap bg1="lt1" tx1="dk1" bg2="lt2" tx2="dk2" accent1="accent1" accent2="accent2" accent3="accent3" accent4="accent4" accent5="accent5" accent6="accent6" hlink="hlink" folHlink="folHlink"/>
+  <p:sldLayoutIdLst>
+    <p:sldLayoutId id="2147483701" r:id="rId1"/>
+    <p:sldLayoutId id="2147483702" r:id="rId2"/>
+    <p:sldLayoutId id="2147483703" r:id="rId3"/>
+    <p:sldLayoutId id="2147483704" r:id="rId4"/>
+    <p:sldLayoutId id="2147483705" r:id="rId5"/>
+    <p:sldLayoutId id="2147483706" r:id="rId6"/>
+    <p:sldLayoutId id="2147483707" r:id="rId7"/>
+    <p:sldLayoutId id="2147483708" r:id="rId8"/>
+    <p:sldLayoutId id="2147483709" r:id="rId9"/>
+    <p:sldLayoutId id="2147483710" r:id="rId10"/>
+    <p:sldLayoutId id="2147483711" r:id="rId11"/>
+  </p:sldLayoutIdLst>
+  <p:txStyles>
+    <p:titleStyle>
+      <a:lvl1pPr algn="ctr" defTabSz="914400" rtl="0" eaLnBrk="1" latinLnBrk="0" hangingPunct="1">
+        <a:spcBef>
+          <a:spcPct val="0"/>
+        </a:spcBef>
+        <a:buNone/>
+        <a:defRPr sz="4400" kern="1200">
+          <a:solidFill>
+            <a:schemeClr val="tx1"/>
+          </a:solidFill>
+          <a:latin typeface="+mj-lt"/>
+          <a:ea typeface="+mj-ea"/>
+          <a:cs typeface="+mj-cs"/>
+        </a:defRPr>
+      </a:lvl1pPr>
+    </p:titleStyle>
+    <p:bodyStyle>
+      <a:lvl1pPr marL="342900" indent="-342900" algn="l" defTabSz="914400" rtl="0" eaLnBrk="1" latinLnBrk="0" hangingPunct="1">
+        <a:spcBef>
+          <a:spcPct val="20000"/>
+        </a:spcBef>
+        <a:buFont typeface="Arial" pitchFamily="34" charset="0"/>
+        <a:buChar char="•"/>
+        <a:defRPr sz="3200" kern="1200">
+          <a:solidFill>
+            <a:schemeClr val="tx1"/>
+          </a:solidFill>
+          <a:latin typeface="+mn-lt"/>
+          <a:ea typeface="+mn-ea"/>
+          <a:cs typeface="+mn-cs"/>
+        </a:defRPr>
+      </a:lvl1pPr>
+      <a:lvl2pPr marL="742950" indent="-285750" algn="l" defTabSz="914400" rtl="0" eaLnBrk="1" latinLnBrk="0" hangingPunct="1">
+        <a:spcBef>
+          <a:spcPct val="20000"/>
+        </a:spcBef>
+        <a:buFont typeface="Arial" pitchFamily="34" charset="0"/>
+        <a:buChar char="–"/>
+        <a:defRPr sz="2800" kern="1200">
+          <a:solidFill>
+            <a:schemeClr val="tx1"/>
+          </a:solidFill>
+          <a:latin typeface="+mn-lt"/>
+          <a:ea typeface="+mn-ea"/>
+          <a:cs typeface="+mn-cs"/>
+        </a:defRPr>
+      </a:lvl2pPr>
+      <a:lvl3pPr marL="1143000" indent="-228600" algn="l" defTabSz="914400" rtl="0" eaLnBrk="1" latinLnBrk="0" hangingPunct="1">
+        <a:spcBef>
+          <a:spcPct val="20000"/>
+        </a:spcBef>
+        <a:buFont typeface="Arial" pitchFamily="34" charset="0"/>
+        <a:buChar char="•"/>
+        <a:defRPr sz="2400" kern="1200">
+          <a:solidFill>
+            <a:schemeClr val="tx1"/>
+          </a:solidFill>
+          <a:latin typeface="+mn-lt"/>
+          <a:ea typeface="+mn-ea"/>
+          <a:cs typeface="+mn-cs"/>
+        </a:defRPr>
+      </a:lvl3pPr>
+      <a:lvl4pPr marL="1600200" indent="-228600" algn="l" defTabSz="914400" rtl="0" eaLnBrk="1" latinLnBrk="0" hangingPunct="1">
+        <a:spcBef>
+          <a:spcPct val="20000"/>
+        </a:spcBef>
+        <a:buFont typeface="Arial" pitchFamily="34" charset="0"/>
+        <a:buChar char="–"/>
+        <a:defRPr sz="2000" kern="1200">
+          <a:solidFill>
+            <a:schemeClr val="tx1"/>
+          </a:solidFill>
+          <a:latin typeface="+mn-lt"/>
+          <a:ea typeface="+mn-ea"/>
+          <a:cs typeface="+mn-cs"/>
+        </a:defRPr>
+      </a:lvl4pPr>
+      <a:lvl5pPr marL="2057400" indent="-228600" algn="l" defTabSz="914400" rtl="0" eaLnBrk="1" latinLnBrk="0" hangingPunct="1">
+        <a:spcBef>
+          <a:spcPct val="20000"/>
+        </a:spcBef>
+        <a:buFont typeface="Arial" pitchFamily="34" charset="0"/>
+        <a:buChar char="»"/>
+        <a:defRPr sz="2000" kern="1200">
+          <a:solidFill>
+            <a:schemeClr val="tx1"/>
+          </a:solidFill>
+          <a:latin typeface="+mn-lt"/>
+          <a:ea typeface="+mn-ea"/>
+          <a:cs typeface="+mn-cs"/>
+        </a:defRPr>
+      </a:lvl5pPr>
+      <a:lvl6pPr marL="2514600" indent="-228600" algn="l" defTabSz="914400" rtl="0" eaLnBrk="1" latinLnBrk="0" hangingPunct="1">
+        <a:spcBef>
+          <a:spcPct val="20000"/>
+        </a:spcBef>
+        <a:buFont typeface="Arial" pitchFamily="34" charset="0"/>
+        <a:buChar char="•"/>
+        <a:defRPr sz="2000" kern="1200">
+          <a:solidFill>
+            <a:schemeClr val="tx1"/>
+          </a:solidFill>
+          <a:latin typeface="+mn-lt"/>
+          <a:ea typeface="+mn-ea"/>
+          <a:cs typeface="+mn-cs"/>
+        </a:defRPr>
+      </a:lvl6pPr>
+      <a:lvl7pPr marL="2971800" indent="-228600" algn="l" defTabSz="914400" rtl="0" eaLnBrk="1" latinLnBrk="0" hangingPunct="1">
+        <a:spcBef>
+          <a:spcPct val="20000"/>
+        </a:spcBef>
+        <a:buFont typeface="Arial" pitchFamily="34" charset="0"/>
+        <a:buChar char="•"/>
+        <a:defRPr sz="2000" kern="1200">
+          <a:solidFill>
+            <a:schemeClr val="tx1"/>
+          </a:solidFill>
+          <a:latin typeface="+mn-lt"/>
+          <a:ea typeface="+mn-ea"/>
+          <a:cs typeface="+mn-cs"/>
+        </a:defRPr>
+      </a:lvl7pPr>
+      <a:lvl8pPr marL="3429000" indent="-228600" algn="l" defTabSz="914400" rtl="0" eaLnBrk="1" latinLnBrk="0" hangingPunct="1">
+        <a:spcBef>
+          <a:spcPct val="20000"/>
+        </a:spcBef>
+        <a:buFont typeface="Arial" pitchFamily="34" charset="0"/>
+        <a:buChar char="•"/>
+        <a:defRPr sz="2000" kern="1200">
+          <a:solidFill>
+            <a:schemeClr val="tx1"/>
+          </a:solidFill>
+          <a:latin typeface="+mn-lt"/>
+          <a:ea typeface="+mn-ea"/>
+          <a:cs typeface="+mn-cs"/>
+        </a:defRPr>
+      </a:lvl8pPr>
+      <a:lvl9pPr marL="3886200" indent="-228600" algn="l" defTabSz="914400" rtl="0" eaLnBrk="1" latinLnBrk="0" hangingPunct="1">
+        <a:spcBef>
+          <a:spcPct val="20000"/>
+        </a:spcBef>
+        <a:buFont typeface="Arial" pitchFamily="34" charset="0"/>
+        <a:buChar char="•"/>
+        <a:defRPr sz="2000" kern="1200">
+          <a:solidFill>
+            <a:schemeClr val="tx1"/>
+          </a:solidFill>
+          <a:latin typeface="+mn-lt"/>
+          <a:ea typeface="+mn-ea"/>
+          <a:cs typeface="+mn-cs"/>
+        </a:defRPr>
+      </a:lvl9pPr>
+    </p:bodyStyle>
+    <p:otherStyle>
+      <a:defPPr>
+        <a:defRPr lang="en-US"/>
+      </a:defPPr>
+      <a:lvl1pPr marL="0" algn="l" defTabSz="914400" rtl="0" eaLnBrk="1" latinLnBrk="0" hangingPunct="1">
+        <a:defRPr sz="1800" kern="1200">
+          <a:solidFill>
+            <a:schemeClr val="tx1"/>
+          </a:solidFill>
+          <a:latin typeface="+mn-lt"/>
+          <a:ea typeface="+mn-ea"/>
+          <a:cs typeface="+mn-cs"/>
+        </a:defRPr>
+      </a:lvl1pPr>
+      <a:lvl2pPr marL="457200" algn="l" defTabSz="914400" rtl="0" eaLnBrk="1" latinLnBrk="0" hangingPunct="1">
+        <a:defRPr sz="1800" kern="1200">
+          <a:solidFill>
+            <a:schemeClr val="tx1"/>
+          </a:solidFill>
+          <a:latin typeface="+mn-lt"/>
+          <a:ea typeface="+mn-ea"/>
+          <a:cs typeface="+mn-cs"/>
+        </a:defRPr>
+      </a:lvl2pPr>
+      <a:lvl3pPr marL="914400" algn="l" defTabSz="914400" rtl="0" eaLnBrk="1" latinLnBrk="0" hangingPunct="1">
+        <a:defRPr sz="1800" kern="1200">
+          <a:solidFill>
+            <a:schemeClr val="tx1"/>
+          </a:solidFill>
+          <a:latin typeface="+mn-lt"/>
+          <a:ea typeface="+mn-ea"/>
+          <a:cs typeface="+mn-cs"/>
+        </a:defRPr>
+      </a:lvl3pPr>
+      <a:lvl4pPr marL="1371600" algn="l" defTabSz="914400" rtl="0" eaLnBrk="1" latinLnBrk="0" hangingPunct="1">
+        <a:defRPr sz="1800" kern="1200">
+          <a:solidFill>
+            <a:schemeClr val="tx1"/>
+          </a:solidFill>
+          <a:latin typeface="+mn-lt"/>
+          <a:ea typeface="+mn-ea"/>
+          <a:cs typeface="+mn-cs"/>
+        </a:defRPr>
+      </a:lvl4pPr>
+      <a:lvl5pPr marL="1828800" algn="l" defTabSz="914400" rtl="0" eaLnBrk="1" latinLnBrk="0" hangingPunct="1">
+        <a:defRPr sz="1800" kern="1200">
+          <a:solidFill>
+            <a:schemeClr val="tx1"/>
+          </a:solidFill>
+          <a:latin typeface="+mn-lt"/>
+          <a:ea typeface="+mn-ea"/>
+          <a:cs typeface="+mn-cs"/>
+        </a:defRPr>
+      </a:lvl5pPr>
+      <a:lvl6pPr marL="2286000" algn="l" defTabSz="914400" rtl="0" eaLnBrk="1" latinLnBrk="0" hangingPunct="1">
+        <a:defRPr sz="1800" kern="1200">
+          <a:solidFill>
+            <a:schemeClr val="tx1"/>
+          </a:solidFill>
+          <a:latin typeface="+mn-lt"/>
+          <a:ea typeface="+mn-ea"/>
+          <a:cs typeface="+mn-cs"/>
+        </a:defRPr>
+      </a:lvl6pPr>
+      <a:lvl7pPr marL="2743200" algn="l" defTabSz="914400" rtl="0" eaLnBrk="1" latinLnBrk="0" hangingPunct="1">
+        <a:defRPr sz="1800" kern="1200">
+          <a:solidFill>
+            <a:schemeClr val="tx1"/>
+          </a:solidFill>
+          <a:latin typeface="+mn-lt"/>
+          <a:ea typeface="+mn-ea"/>
+          <a:cs typeface="+mn-cs"/>
+        </a:defRPr>
+      </a:lvl7pPr>
+      <a:lvl8pPr marL="3200400" algn="l" defTabSz="914400" rtl="0" eaLnBrk="1" latinLnBrk="0" hangingPunct="1">
+        <a:defRPr sz="1800" kern="1200">
+          <a:solidFill>
+            <a:schemeClr val="tx1"/>
+          </a:solidFill>
+          <a:latin typeface="+mn-lt"/>
+          <a:ea typeface="+mn-ea"/>
+          <a:cs typeface="+mn-cs"/>
+        </a:defRPr>
+      </a:lvl8pPr>
+      <a:lvl9pPr marL="3657600" algn="l" defTabSz="914400" rtl="0" eaLnBrk="1" latinLnBrk="0" hangingPunct="1">
+        <a:defRPr sz="1800" kern="1200">
+          <a:solidFill>
+            <a:schemeClr val="tx1"/>
+          </a:solidFill>
+          <a:latin typeface="+mn-lt"/>
+          <a:ea typeface="+mn-ea"/>
+          <a:cs typeface="+mn-cs"/>
+        </a:defRPr>
+      </a:lvl9pPr>
+    </p:otherStyle>
+  </p:txStyles>
+</p:sldMaster>
+</file>
+
 <file path=ppt/slides/slide1.xml><?xml version="1.0" encoding="utf-8"?>
 <p:sld xmlns:a="http://schemas.openxmlformats.org/drawingml/2006/main" xmlns:r="http://schemas.openxmlformats.org/officeDocument/2006/relationships" xmlns:p="http://schemas.openxmlformats.org/presentationml/2006/main">
   <p:cSld>
@@ -15364,6 +18722,752 @@
 </p:sld>
 </file>
 
+<file path=ppt/slides/slide19.xml><?xml version="1.0" encoding="utf-8"?>
+<p:sld xmlns:a="http://schemas.openxmlformats.org/drawingml/2006/main" xmlns:r="http://schemas.openxmlformats.org/officeDocument/2006/relationships" xmlns:p="http://schemas.openxmlformats.org/presentationml/2006/main">
+  <p:cSld>
+    <p:spTree>
+      <p:nvGrpSpPr>
+        <p:cNvPr id="1" name=""/>
+        <p:cNvGrpSpPr/>
+        <p:nvPr/>
+      </p:nvGrpSpPr>
+      <p:grpSpPr>
+        <a:xfrm>
+          <a:off x="0" y="0"/>
+          <a:ext cx="0" cy="0"/>
+          <a:chOff x="0" y="0"/>
+          <a:chExt cx="0" cy="0"/>
+        </a:xfrm>
+      </p:grpSpPr>
+      <p:sp>
+        <p:nvSpPr>
+          <p:cNvPr id="7" name="Rectangle 6"/>
+          <p:cNvSpPr/>
+          <p:nvPr/>
+        </p:nvSpPr>
+        <p:spPr>
+          <a:xfrm>
+            <a:off x="304800" y="1085850"/>
+            <a:ext cx="2667000" cy="2568856"/>
+          </a:xfrm>
+          <a:prstGeom prst="rect">
+            <a:avLst/>
+          </a:prstGeom>
+        </p:spPr>
+        <p:style>
+          <a:lnRef idx="2">
+            <a:schemeClr val="accent1">
+              <a:shade val="50000"/>
+            </a:schemeClr>
+          </a:lnRef>
+          <a:fillRef idx="1">
+            <a:schemeClr val="accent1"/>
+          </a:fillRef>
+          <a:effectRef idx="0">
+            <a:schemeClr val="accent1"/>
+          </a:effectRef>
+          <a:fontRef idx="minor">
+            <a:schemeClr val="lt1"/>
+          </a:fontRef>
+        </p:style>
+        <p:txBody>
+          <a:bodyPr rtlCol="0" anchor="t"/>
+          <a:lstStyle/>
+          <a:p>
+            <a:pPr algn="ctr"/>
+            <a:r>
+              <a:rPr lang="en-US" dirty="0" smtClean="0">
+                <a:solidFill>
+                  <a:prstClr val="white"/>
+                </a:solidFill>
+              </a:rPr>
+              <a:t>Framework Engine</a:t>
+            </a:r>
+          </a:p>
+        </p:txBody>
+      </p:sp>
+      <p:sp>
+        <p:nvSpPr>
+          <p:cNvPr id="2" name="Title 1"/>
+          <p:cNvSpPr>
+            <a:spLocks noGrp="1"/>
+          </p:cNvSpPr>
+          <p:nvPr>
+            <p:ph type="title"/>
+          </p:nvPr>
+        </p:nvSpPr>
+        <p:spPr/>
+        <p:txBody>
+          <a:bodyPr/>
+          <a:lstStyle/>
+          <a:p>
+            <a:r>
+              <a:rPr lang="en-US" dirty="0" smtClean="0"/>
+              <a:t>Framework Core</a:t>
+            </a:r>
+            <a:endParaRPr lang="en-US" dirty="0"/>
+          </a:p>
+        </p:txBody>
+      </p:sp>
+      <p:sp>
+        <p:nvSpPr>
+          <p:cNvPr id="4" name="Rounded Rectangle 3"/>
+          <p:cNvSpPr/>
+          <p:nvPr/>
+        </p:nvSpPr>
+        <p:spPr>
+          <a:xfrm>
+            <a:off x="533400" y="1485900"/>
+            <a:ext cx="2194074" cy="514350"/>
+          </a:xfrm>
+          <a:prstGeom prst="roundRect">
+            <a:avLst/>
+          </a:prstGeom>
+        </p:spPr>
+        <p:style>
+          <a:lnRef idx="3">
+            <a:schemeClr val="lt1"/>
+          </a:lnRef>
+          <a:fillRef idx="1">
+            <a:schemeClr val="accent3"/>
+          </a:fillRef>
+          <a:effectRef idx="1">
+            <a:schemeClr val="accent3"/>
+          </a:effectRef>
+          <a:fontRef idx="minor">
+            <a:schemeClr val="lt1"/>
+          </a:fontRef>
+        </p:style>
+        <p:txBody>
+          <a:bodyPr rtlCol="0" anchor="ctr"/>
+          <a:lstStyle/>
+          <a:p>
+            <a:pPr algn="ctr"/>
+            <a:r>
+              <a:rPr lang="en-US" dirty="0" smtClean="0">
+                <a:solidFill>
+                  <a:prstClr val="white"/>
+                </a:solidFill>
+              </a:rPr>
+              <a:t> taxonomy</a:t>
+            </a:r>
+          </a:p>
+        </p:txBody>
+      </p:sp>
+      <p:sp>
+        <p:nvSpPr>
+          <p:cNvPr id="5" name="Rounded Rectangle 4"/>
+          <p:cNvSpPr/>
+          <p:nvPr/>
+        </p:nvSpPr>
+        <p:spPr>
+          <a:xfrm>
+            <a:off x="531055" y="2197381"/>
+            <a:ext cx="2194074" cy="514350"/>
+          </a:xfrm>
+          <a:prstGeom prst="roundRect">
+            <a:avLst/>
+          </a:prstGeom>
+        </p:spPr>
+        <p:style>
+          <a:lnRef idx="3">
+            <a:schemeClr val="lt1"/>
+          </a:lnRef>
+          <a:fillRef idx="1">
+            <a:schemeClr val="accent3"/>
+          </a:fillRef>
+          <a:effectRef idx="1">
+            <a:schemeClr val="accent3"/>
+          </a:effectRef>
+          <a:fontRef idx="minor">
+            <a:schemeClr val="lt1"/>
+          </a:fontRef>
+        </p:style>
+        <p:txBody>
+          <a:bodyPr rtlCol="0" anchor="ctr"/>
+          <a:lstStyle/>
+          <a:p>
+            <a:pPr algn="ctr"/>
+            <a:r>
+              <a:rPr lang="en-US" dirty="0" smtClean="0">
+                <a:solidFill>
+                  <a:prstClr val="white"/>
+                </a:solidFill>
+              </a:rPr>
+              <a:t>Matching</a:t>
+            </a:r>
+          </a:p>
+        </p:txBody>
+      </p:sp>
+      <p:sp>
+        <p:nvSpPr>
+          <p:cNvPr id="6" name="Rounded Rectangle 5"/>
+          <p:cNvSpPr/>
+          <p:nvPr/>
+        </p:nvSpPr>
+        <p:spPr>
+          <a:xfrm>
+            <a:off x="531055" y="2914650"/>
+            <a:ext cx="2194074" cy="514350"/>
+          </a:xfrm>
+          <a:prstGeom prst="roundRect">
+            <a:avLst/>
+          </a:prstGeom>
+        </p:spPr>
+        <p:style>
+          <a:lnRef idx="3">
+            <a:schemeClr val="lt1"/>
+          </a:lnRef>
+          <a:fillRef idx="1">
+            <a:schemeClr val="accent3"/>
+          </a:fillRef>
+          <a:effectRef idx="1">
+            <a:schemeClr val="accent3"/>
+          </a:effectRef>
+          <a:fontRef idx="minor">
+            <a:schemeClr val="lt1"/>
+          </a:fontRef>
+        </p:style>
+        <p:txBody>
+          <a:bodyPr rtlCol="0" anchor="ctr"/>
+          <a:lstStyle/>
+          <a:p>
+            <a:pPr algn="ctr"/>
+            <a:r>
+              <a:rPr lang="en-US" dirty="0" smtClean="0">
+                <a:solidFill>
+                  <a:prstClr val="white"/>
+                </a:solidFill>
+              </a:rPr>
+              <a:t>Decision Tree</a:t>
+            </a:r>
+          </a:p>
+        </p:txBody>
+      </p:sp>
+      <p:sp>
+        <p:nvSpPr>
+          <p:cNvPr id="8" name="Rectangle 7"/>
+          <p:cNvSpPr/>
+          <p:nvPr/>
+        </p:nvSpPr>
+        <p:spPr>
+          <a:xfrm>
+            <a:off x="3124200" y="1085850"/>
+            <a:ext cx="5715000" cy="2568856"/>
+          </a:xfrm>
+          <a:prstGeom prst="rect">
+            <a:avLst/>
+          </a:prstGeom>
+        </p:spPr>
+        <p:style>
+          <a:lnRef idx="2">
+            <a:schemeClr val="accent1">
+              <a:shade val="50000"/>
+            </a:schemeClr>
+          </a:lnRef>
+          <a:fillRef idx="1">
+            <a:schemeClr val="accent1"/>
+          </a:fillRef>
+          <a:effectRef idx="0">
+            <a:schemeClr val="accent1"/>
+          </a:effectRef>
+          <a:fontRef idx="minor">
+            <a:schemeClr val="lt1"/>
+          </a:fontRef>
+        </p:style>
+        <p:txBody>
+          <a:bodyPr rtlCol="0" anchor="t"/>
+          <a:lstStyle/>
+          <a:p>
+            <a:pPr algn="ctr"/>
+            <a:r>
+              <a:rPr lang="en-US" dirty="0" smtClean="0">
+                <a:solidFill>
+                  <a:prstClr val="white"/>
+                </a:solidFill>
+              </a:rPr>
+              <a:t>Framework API</a:t>
+            </a:r>
+          </a:p>
+        </p:txBody>
+      </p:sp>
+      <p:sp>
+        <p:nvSpPr>
+          <p:cNvPr id="9" name="Rounded Rectangle 8"/>
+          <p:cNvSpPr/>
+          <p:nvPr/>
+        </p:nvSpPr>
+        <p:spPr>
+          <a:xfrm>
+            <a:off x="3310720" y="1526843"/>
+            <a:ext cx="1447800" cy="1943100"/>
+          </a:xfrm>
+          <a:prstGeom prst="roundRect">
+            <a:avLst/>
+          </a:prstGeom>
+        </p:spPr>
+        <p:style>
+          <a:lnRef idx="3">
+            <a:schemeClr val="lt1"/>
+          </a:lnRef>
+          <a:fillRef idx="1">
+            <a:schemeClr val="accent2"/>
+          </a:fillRef>
+          <a:effectRef idx="1">
+            <a:schemeClr val="accent2"/>
+          </a:effectRef>
+          <a:fontRef idx="minor">
+            <a:schemeClr val="lt1"/>
+          </a:fontRef>
+        </p:style>
+        <p:txBody>
+          <a:bodyPr rtlCol="0" anchor="t"/>
+          <a:lstStyle/>
+          <a:p>
+            <a:pPr algn="ctr"/>
+            <a:r>
+              <a:rPr lang="en-US" dirty="0" smtClean="0">
+                <a:solidFill>
+                  <a:prstClr val="white"/>
+                </a:solidFill>
+              </a:rPr>
+              <a:t>Conceptual</a:t>
+            </a:r>
+          </a:p>
+        </p:txBody>
+      </p:sp>
+      <p:sp>
+        <p:nvSpPr>
+          <p:cNvPr id="10" name="Rounded Rectangle 9"/>
+          <p:cNvSpPr/>
+          <p:nvPr/>
+        </p:nvSpPr>
+        <p:spPr>
+          <a:xfrm>
+            <a:off x="5181600" y="1542882"/>
+            <a:ext cx="1447800" cy="1943100"/>
+          </a:xfrm>
+          <a:prstGeom prst="roundRect">
+            <a:avLst/>
+          </a:prstGeom>
+        </p:spPr>
+        <p:style>
+          <a:lnRef idx="3">
+            <a:schemeClr val="lt1"/>
+          </a:lnRef>
+          <a:fillRef idx="1">
+            <a:schemeClr val="accent2"/>
+          </a:fillRef>
+          <a:effectRef idx="1">
+            <a:schemeClr val="accent2"/>
+          </a:effectRef>
+          <a:fontRef idx="minor">
+            <a:schemeClr val="lt1"/>
+          </a:fontRef>
+        </p:style>
+        <p:txBody>
+          <a:bodyPr rtlCol="0" anchor="t"/>
+          <a:lstStyle/>
+          <a:p>
+            <a:pPr algn="ctr"/>
+            <a:r>
+              <a:rPr lang="en-US" dirty="0" smtClean="0">
+                <a:solidFill>
+                  <a:prstClr val="white"/>
+                </a:solidFill>
+              </a:rPr>
+              <a:t>Mapping</a:t>
+            </a:r>
+          </a:p>
+        </p:txBody>
+      </p:sp>
+      <p:sp>
+        <p:nvSpPr>
+          <p:cNvPr id="11" name="Rounded Rectangle 10"/>
+          <p:cNvSpPr/>
+          <p:nvPr/>
+        </p:nvSpPr>
+        <p:spPr>
+          <a:xfrm>
+            <a:off x="7162800" y="1523522"/>
+            <a:ext cx="1447800" cy="1943100"/>
+          </a:xfrm>
+          <a:prstGeom prst="roundRect">
+            <a:avLst/>
+          </a:prstGeom>
+        </p:spPr>
+        <p:style>
+          <a:lnRef idx="3">
+            <a:schemeClr val="lt1"/>
+          </a:lnRef>
+          <a:fillRef idx="1">
+            <a:schemeClr val="accent2"/>
+          </a:fillRef>
+          <a:effectRef idx="1">
+            <a:schemeClr val="accent2"/>
+          </a:effectRef>
+          <a:fontRef idx="minor">
+            <a:schemeClr val="lt1"/>
+          </a:fontRef>
+        </p:style>
+        <p:txBody>
+          <a:bodyPr rtlCol="0" anchor="t"/>
+          <a:lstStyle/>
+          <a:p>
+            <a:pPr algn="ctr"/>
+            <a:r>
+              <a:rPr lang="en-US" dirty="0" smtClean="0">
+                <a:solidFill>
+                  <a:prstClr val="white"/>
+                </a:solidFill>
+              </a:rPr>
+              <a:t>Store Logical</a:t>
+            </a:r>
+          </a:p>
+        </p:txBody>
+      </p:sp>
+      <p:sp>
+        <p:nvSpPr>
+          <p:cNvPr id="12" name="TextBox 11"/>
+          <p:cNvSpPr txBox="1"/>
+          <p:nvPr/>
+        </p:nvSpPr>
+        <p:spPr>
+          <a:xfrm>
+            <a:off x="685800" y="4229100"/>
+            <a:ext cx="5749266" cy="923330"/>
+          </a:xfrm>
+          <a:prstGeom prst="rect">
+            <a:avLst/>
+          </a:prstGeom>
+          <a:noFill/>
+        </p:spPr>
+        <p:txBody>
+          <a:bodyPr wrap="none" rtlCol="0">
+            <a:spAutoFit/>
+          </a:bodyPr>
+          <a:lstStyle/>
+          <a:p>
+            <a:r>
+              <a:rPr lang="en-US" dirty="0" err="1" smtClean="0">
+                <a:solidFill>
+                  <a:prstClr val="black"/>
+                </a:solidFill>
+              </a:rPr>
+              <a:t>Mục</a:t>
+            </a:r>
+            <a:r>
+              <a:rPr lang="en-US" dirty="0" smtClean="0">
+                <a:solidFill>
+                  <a:prstClr val="black"/>
+                </a:solidFill>
+              </a:rPr>
+              <a:t> </a:t>
+            </a:r>
+            <a:r>
+              <a:rPr lang="en-US" dirty="0" err="1" smtClean="0">
+                <a:solidFill>
+                  <a:prstClr val="black"/>
+                </a:solidFill>
+              </a:rPr>
+              <a:t>tiêu</a:t>
+            </a:r>
+            <a:r>
+              <a:rPr lang="en-US" dirty="0" smtClean="0">
+                <a:solidFill>
+                  <a:prstClr val="black"/>
+                </a:solidFill>
+              </a:rPr>
+              <a:t> API </a:t>
+            </a:r>
+          </a:p>
+          <a:p>
+            <a:pPr marL="285750" indent="-285750">
+              <a:buFont typeface="Arial" pitchFamily="34" charset="0"/>
+              <a:buChar char="•"/>
+            </a:pPr>
+            <a:r>
+              <a:rPr lang="en-US" dirty="0" err="1" smtClean="0">
+                <a:solidFill>
+                  <a:prstClr val="black"/>
+                </a:solidFill>
+              </a:rPr>
+              <a:t>Giúp</a:t>
+            </a:r>
+            <a:r>
+              <a:rPr lang="en-US" dirty="0" smtClean="0">
+                <a:solidFill>
+                  <a:prstClr val="black"/>
+                </a:solidFill>
+              </a:rPr>
+              <a:t> </a:t>
+            </a:r>
+            <a:r>
+              <a:rPr lang="en-US" dirty="0" err="1" smtClean="0">
+                <a:solidFill>
+                  <a:prstClr val="black"/>
+                </a:solidFill>
+              </a:rPr>
+              <a:t>lập</a:t>
+            </a:r>
+            <a:r>
+              <a:rPr lang="en-US" dirty="0" smtClean="0">
+                <a:solidFill>
+                  <a:prstClr val="black"/>
+                </a:solidFill>
+              </a:rPr>
+              <a:t> </a:t>
+            </a:r>
+            <a:r>
+              <a:rPr lang="en-US" dirty="0" err="1" smtClean="0">
+                <a:solidFill>
+                  <a:prstClr val="black"/>
+                </a:solidFill>
+              </a:rPr>
+              <a:t>trình</a:t>
+            </a:r>
+            <a:r>
+              <a:rPr lang="en-US" dirty="0" smtClean="0">
+                <a:solidFill>
+                  <a:prstClr val="black"/>
+                </a:solidFill>
+              </a:rPr>
+              <a:t> </a:t>
+            </a:r>
+            <a:r>
+              <a:rPr lang="en-US" dirty="0" err="1" smtClean="0">
+                <a:solidFill>
+                  <a:prstClr val="black"/>
+                </a:solidFill>
+              </a:rPr>
+              <a:t>viên</a:t>
+            </a:r>
+            <a:r>
+              <a:rPr lang="en-US" dirty="0" smtClean="0">
+                <a:solidFill>
+                  <a:prstClr val="black"/>
+                </a:solidFill>
+              </a:rPr>
+              <a:t> </a:t>
+            </a:r>
+            <a:r>
+              <a:rPr lang="en-US" dirty="0" err="1" smtClean="0">
+                <a:solidFill>
+                  <a:prstClr val="black"/>
+                </a:solidFill>
+              </a:rPr>
+              <a:t>dễ</a:t>
+            </a:r>
+            <a:r>
+              <a:rPr lang="en-US" dirty="0" smtClean="0">
+                <a:solidFill>
+                  <a:prstClr val="black"/>
+                </a:solidFill>
+              </a:rPr>
+              <a:t> </a:t>
+            </a:r>
+            <a:r>
+              <a:rPr lang="en-US" dirty="0" err="1" smtClean="0">
+                <a:solidFill>
+                  <a:prstClr val="black"/>
+                </a:solidFill>
+              </a:rPr>
+              <a:t>dàng</a:t>
+            </a:r>
+            <a:r>
+              <a:rPr lang="en-US" dirty="0" smtClean="0">
+                <a:solidFill>
+                  <a:prstClr val="black"/>
+                </a:solidFill>
+              </a:rPr>
+              <a:t> </a:t>
+            </a:r>
+            <a:r>
+              <a:rPr lang="en-US" dirty="0" err="1" smtClean="0">
+                <a:solidFill>
+                  <a:prstClr val="black"/>
+                </a:solidFill>
+              </a:rPr>
+              <a:t>chỉ</a:t>
+            </a:r>
+            <a:r>
+              <a:rPr lang="en-US" dirty="0" smtClean="0">
+                <a:solidFill>
+                  <a:prstClr val="black"/>
+                </a:solidFill>
+              </a:rPr>
+              <a:t> </a:t>
+            </a:r>
+            <a:r>
+              <a:rPr lang="en-US" dirty="0" err="1" smtClean="0">
+                <a:solidFill>
+                  <a:prstClr val="black"/>
+                </a:solidFill>
+              </a:rPr>
+              <a:t>làm</a:t>
+            </a:r>
+            <a:r>
+              <a:rPr lang="en-US" dirty="0" smtClean="0">
+                <a:solidFill>
+                  <a:prstClr val="black"/>
+                </a:solidFill>
+              </a:rPr>
+              <a:t> </a:t>
+            </a:r>
+            <a:r>
+              <a:rPr lang="en-US" dirty="0" err="1" smtClean="0">
+                <a:solidFill>
+                  <a:prstClr val="black"/>
+                </a:solidFill>
+              </a:rPr>
+              <a:t>việc</a:t>
+            </a:r>
+            <a:r>
+              <a:rPr lang="en-US" dirty="0" smtClean="0">
+                <a:solidFill>
+                  <a:prstClr val="black"/>
+                </a:solidFill>
+              </a:rPr>
+              <a:t> </a:t>
+            </a:r>
+            <a:r>
+              <a:rPr lang="en-US" dirty="0" err="1" smtClean="0">
+                <a:solidFill>
+                  <a:prstClr val="black"/>
+                </a:solidFill>
+              </a:rPr>
+              <a:t>duy</a:t>
+            </a:r>
+            <a:r>
+              <a:rPr lang="en-US" dirty="0" smtClean="0">
+                <a:solidFill>
+                  <a:prstClr val="black"/>
+                </a:solidFill>
+              </a:rPr>
+              <a:t> </a:t>
+            </a:r>
+            <a:r>
+              <a:rPr lang="en-US" dirty="0" err="1" smtClean="0">
+                <a:solidFill>
+                  <a:prstClr val="black"/>
+                </a:solidFill>
+              </a:rPr>
+              <a:t>nhất</a:t>
+            </a:r>
+            <a:r>
+              <a:rPr lang="en-US" dirty="0" smtClean="0">
+                <a:solidFill>
+                  <a:prstClr val="black"/>
+                </a:solidFill>
+              </a:rPr>
+              <a:t> </a:t>
+            </a:r>
+            <a:r>
+              <a:rPr lang="en-US" dirty="0" err="1" smtClean="0">
+                <a:solidFill>
+                  <a:prstClr val="black"/>
+                </a:solidFill>
+              </a:rPr>
+              <a:t>với</a:t>
+            </a:r>
+            <a:r>
+              <a:rPr lang="en-US" dirty="0" smtClean="0">
+                <a:solidFill>
+                  <a:prstClr val="black"/>
+                </a:solidFill>
+              </a:rPr>
+              <a:t> API</a:t>
+            </a:r>
+          </a:p>
+          <a:p>
+            <a:pPr marL="285750" indent="-285750">
+              <a:buFont typeface="Arial" pitchFamily="34" charset="0"/>
+              <a:buChar char="•"/>
+            </a:pPr>
+            <a:r>
+              <a:rPr lang="en-US" dirty="0" err="1" smtClean="0">
+                <a:solidFill>
+                  <a:prstClr val="black"/>
+                </a:solidFill>
+              </a:rPr>
+              <a:t>Tái</a:t>
+            </a:r>
+            <a:r>
+              <a:rPr lang="en-US" dirty="0" smtClean="0">
+                <a:solidFill>
+                  <a:prstClr val="black"/>
+                </a:solidFill>
+              </a:rPr>
+              <a:t> </a:t>
+            </a:r>
+            <a:r>
+              <a:rPr lang="en-US" dirty="0" err="1" smtClean="0">
+                <a:solidFill>
+                  <a:prstClr val="black"/>
+                </a:solidFill>
+              </a:rPr>
+              <a:t>sử</a:t>
+            </a:r>
+            <a:r>
+              <a:rPr lang="en-US" dirty="0" smtClean="0">
+                <a:solidFill>
+                  <a:prstClr val="black"/>
+                </a:solidFill>
+              </a:rPr>
+              <a:t> </a:t>
+            </a:r>
+            <a:r>
+              <a:rPr lang="en-US" dirty="0" err="1" smtClean="0">
+                <a:solidFill>
+                  <a:prstClr val="black"/>
+                </a:solidFill>
+              </a:rPr>
+              <a:t>dụng</a:t>
+            </a:r>
+            <a:r>
+              <a:rPr lang="en-US" dirty="0" smtClean="0">
+                <a:solidFill>
+                  <a:prstClr val="black"/>
+                </a:solidFill>
+              </a:rPr>
+              <a:t> </a:t>
+            </a:r>
+            <a:r>
+              <a:rPr lang="en-US" dirty="0" err="1" smtClean="0">
+                <a:solidFill>
+                  <a:prstClr val="black"/>
+                </a:solidFill>
+              </a:rPr>
+              <a:t>lại</a:t>
+            </a:r>
+            <a:endParaRPr lang="en-US" dirty="0" smtClean="0">
+              <a:solidFill>
+                <a:prstClr val="black"/>
+              </a:solidFill>
+            </a:endParaRPr>
+          </a:p>
+        </p:txBody>
+      </p:sp>
+    </p:spTree>
+    <p:extLst>
+      <p:ext uri="{BB962C8B-B14F-4D97-AF65-F5344CB8AC3E}">
+        <p14:creationId xmlns:p14="http://schemas.microsoft.com/office/powerpoint/2010/main" val="25573258"/>
+      </p:ext>
+    </p:extLst>
+  </p:cSld>
+  <p:clrMapOvr>
+    <a:masterClrMapping/>
+  </p:clrMapOvr>
+  <p:timing>
+    <p:tnLst>
+      <p:par>
+        <p:cTn id="1" dur="indefinite" restart="never" nodeType="tmRoot"/>
+      </p:par>
+    </p:tnLst>
+  </p:timing>
+</p:sld>
+</file>
+
 <file path=ppt/slides/slide2.xml><?xml version="1.0" encoding="utf-8"?>
 <p:sld xmlns:a="http://schemas.openxmlformats.org/drawingml/2006/main" xmlns:r="http://schemas.openxmlformats.org/officeDocument/2006/relationships" xmlns:p="http://schemas.openxmlformats.org/presentationml/2006/main">
   <p:cSld>
@@ -15943,6 +20047,1175 @@
       <p:transition spd="slow"/>
     </mc:Fallback>
   </mc:AlternateContent>
+  <p:timing>
+    <p:tnLst>
+      <p:par>
+        <p:cTn id="1" dur="indefinite" restart="never" nodeType="tmRoot"/>
+      </p:par>
+    </p:tnLst>
+  </p:timing>
+</p:sld>
+</file>
+
+<file path=ppt/slides/slide20.xml><?xml version="1.0" encoding="utf-8"?>
+<p:sld xmlns:a="http://schemas.openxmlformats.org/drawingml/2006/main" xmlns:r="http://schemas.openxmlformats.org/officeDocument/2006/relationships" xmlns:p="http://schemas.openxmlformats.org/presentationml/2006/main">
+  <p:cSld>
+    <p:spTree>
+      <p:nvGrpSpPr>
+        <p:cNvPr id="1" name=""/>
+        <p:cNvGrpSpPr/>
+        <p:nvPr/>
+      </p:nvGrpSpPr>
+      <p:grpSpPr>
+        <a:xfrm>
+          <a:off x="0" y="0"/>
+          <a:ext cx="0" cy="0"/>
+          <a:chOff x="0" y="0"/>
+          <a:chExt cx="0" cy="0"/>
+        </a:xfrm>
+      </p:grpSpPr>
+      <p:sp>
+        <p:nvSpPr>
+          <p:cNvPr id="2" name="Title 1"/>
+          <p:cNvSpPr>
+            <a:spLocks noGrp="1"/>
+          </p:cNvSpPr>
+          <p:nvPr>
+            <p:ph type="title"/>
+          </p:nvPr>
+        </p:nvSpPr>
+        <p:spPr/>
+        <p:txBody>
+          <a:bodyPr/>
+          <a:lstStyle/>
+          <a:p>
+            <a:r>
+              <a:rPr lang="en-US" dirty="0"/>
+              <a:t> </a:t>
+            </a:r>
+            <a:r>
+              <a:rPr lang="en-US" dirty="0" smtClean="0"/>
+              <a:t>Taxonomy</a:t>
+            </a:r>
+            <a:endParaRPr lang="en-US" dirty="0"/>
+          </a:p>
+        </p:txBody>
+      </p:sp>
+      <p:sp>
+        <p:nvSpPr>
+          <p:cNvPr id="4" name="Rectangle 3"/>
+          <p:cNvSpPr/>
+          <p:nvPr/>
+        </p:nvSpPr>
+        <p:spPr>
+          <a:xfrm>
+            <a:off x="1772503" y="1257300"/>
+            <a:ext cx="1295400" cy="514350"/>
+          </a:xfrm>
+          <a:prstGeom prst="rect">
+            <a:avLst/>
+          </a:prstGeom>
+        </p:spPr>
+        <p:style>
+          <a:lnRef idx="2">
+            <a:schemeClr val="accent1">
+              <a:shade val="50000"/>
+            </a:schemeClr>
+          </a:lnRef>
+          <a:fillRef idx="1">
+            <a:schemeClr val="accent1"/>
+          </a:fillRef>
+          <a:effectRef idx="0">
+            <a:schemeClr val="accent1"/>
+          </a:effectRef>
+          <a:fontRef idx="minor">
+            <a:schemeClr val="lt1"/>
+          </a:fontRef>
+        </p:style>
+        <p:txBody>
+          <a:bodyPr rtlCol="0" anchor="ctr"/>
+          <a:lstStyle/>
+          <a:p>
+            <a:pPr algn="ctr"/>
+            <a:endParaRPr lang="en-US" smtClean="0">
+              <a:solidFill>
+                <a:prstClr val="white"/>
+              </a:solidFill>
+            </a:endParaRPr>
+          </a:p>
+        </p:txBody>
+      </p:sp>
+      <p:sp>
+        <p:nvSpPr>
+          <p:cNvPr id="5" name="Rectangle 4"/>
+          <p:cNvSpPr/>
+          <p:nvPr/>
+        </p:nvSpPr>
+        <p:spPr>
+          <a:xfrm>
+            <a:off x="0" y="2457450"/>
+            <a:ext cx="1143000" cy="514350"/>
+          </a:xfrm>
+          <a:prstGeom prst="rect">
+            <a:avLst/>
+          </a:prstGeom>
+        </p:spPr>
+        <p:style>
+          <a:lnRef idx="2">
+            <a:schemeClr val="accent1">
+              <a:shade val="50000"/>
+            </a:schemeClr>
+          </a:lnRef>
+          <a:fillRef idx="1">
+            <a:schemeClr val="accent1"/>
+          </a:fillRef>
+          <a:effectRef idx="0">
+            <a:schemeClr val="accent1"/>
+          </a:effectRef>
+          <a:fontRef idx="minor">
+            <a:schemeClr val="lt1"/>
+          </a:fontRef>
+        </p:style>
+        <p:txBody>
+          <a:bodyPr rtlCol="0" anchor="ctr"/>
+          <a:lstStyle/>
+          <a:p>
+            <a:pPr algn="ctr"/>
+            <a:endParaRPr lang="en-US" smtClean="0">
+              <a:solidFill>
+                <a:prstClr val="white"/>
+              </a:solidFill>
+            </a:endParaRPr>
+          </a:p>
+        </p:txBody>
+      </p:sp>
+      <p:sp>
+        <p:nvSpPr>
+          <p:cNvPr id="6" name="Rectangle 5"/>
+          <p:cNvSpPr/>
+          <p:nvPr/>
+        </p:nvSpPr>
+        <p:spPr>
+          <a:xfrm>
+            <a:off x="1688342" y="2442950"/>
+            <a:ext cx="1371600" cy="514350"/>
+          </a:xfrm>
+          <a:prstGeom prst="rect">
+            <a:avLst/>
+          </a:prstGeom>
+        </p:spPr>
+        <p:style>
+          <a:lnRef idx="2">
+            <a:schemeClr val="accent1">
+              <a:shade val="50000"/>
+            </a:schemeClr>
+          </a:lnRef>
+          <a:fillRef idx="1">
+            <a:schemeClr val="accent1"/>
+          </a:fillRef>
+          <a:effectRef idx="0">
+            <a:schemeClr val="accent1"/>
+          </a:effectRef>
+          <a:fontRef idx="minor">
+            <a:schemeClr val="lt1"/>
+          </a:fontRef>
+        </p:style>
+        <p:txBody>
+          <a:bodyPr rtlCol="0" anchor="ctr"/>
+          <a:lstStyle/>
+          <a:p>
+            <a:pPr algn="ctr"/>
+            <a:endParaRPr lang="en-US" smtClean="0">
+              <a:solidFill>
+                <a:prstClr val="white"/>
+              </a:solidFill>
+            </a:endParaRPr>
+          </a:p>
+        </p:txBody>
+      </p:sp>
+      <p:sp>
+        <p:nvSpPr>
+          <p:cNvPr id="7" name="Rectangle 6"/>
+          <p:cNvSpPr/>
+          <p:nvPr/>
+        </p:nvSpPr>
+        <p:spPr>
+          <a:xfrm>
+            <a:off x="3505200" y="2442950"/>
+            <a:ext cx="1371600" cy="528851"/>
+          </a:xfrm>
+          <a:prstGeom prst="rect">
+            <a:avLst/>
+          </a:prstGeom>
+        </p:spPr>
+        <p:style>
+          <a:lnRef idx="2">
+            <a:schemeClr val="accent1">
+              <a:shade val="50000"/>
+            </a:schemeClr>
+          </a:lnRef>
+          <a:fillRef idx="1">
+            <a:schemeClr val="accent1"/>
+          </a:fillRef>
+          <a:effectRef idx="0">
+            <a:schemeClr val="accent1"/>
+          </a:effectRef>
+          <a:fontRef idx="minor">
+            <a:schemeClr val="lt1"/>
+          </a:fontRef>
+        </p:style>
+        <p:txBody>
+          <a:bodyPr rtlCol="0" anchor="ctr"/>
+          <a:lstStyle/>
+          <a:p>
+            <a:pPr algn="ctr"/>
+            <a:endParaRPr lang="en-US" smtClean="0">
+              <a:solidFill>
+                <a:prstClr val="white"/>
+              </a:solidFill>
+            </a:endParaRPr>
+          </a:p>
+        </p:txBody>
+      </p:sp>
+      <p:sp>
+        <p:nvSpPr>
+          <p:cNvPr id="8" name="Rectangle 7"/>
+          <p:cNvSpPr/>
+          <p:nvPr/>
+        </p:nvSpPr>
+        <p:spPr>
+          <a:xfrm>
+            <a:off x="-1524000" y="3543300"/>
+            <a:ext cx="914400" cy="514350"/>
+          </a:xfrm>
+          <a:prstGeom prst="rect">
+            <a:avLst/>
+          </a:prstGeom>
+        </p:spPr>
+        <p:style>
+          <a:lnRef idx="2">
+            <a:schemeClr val="accent1">
+              <a:shade val="50000"/>
+            </a:schemeClr>
+          </a:lnRef>
+          <a:fillRef idx="1">
+            <a:schemeClr val="accent1"/>
+          </a:fillRef>
+          <a:effectRef idx="0">
+            <a:schemeClr val="accent1"/>
+          </a:effectRef>
+          <a:fontRef idx="minor">
+            <a:schemeClr val="lt1"/>
+          </a:fontRef>
+        </p:style>
+        <p:txBody>
+          <a:bodyPr rtlCol="0" anchor="ctr"/>
+          <a:lstStyle/>
+          <a:p>
+            <a:pPr algn="ctr"/>
+            <a:endParaRPr lang="en-US" smtClean="0">
+              <a:solidFill>
+                <a:prstClr val="white"/>
+              </a:solidFill>
+            </a:endParaRPr>
+          </a:p>
+        </p:txBody>
+      </p:sp>
+      <p:sp>
+        <p:nvSpPr>
+          <p:cNvPr id="9" name="Rectangle 8"/>
+          <p:cNvSpPr/>
+          <p:nvPr/>
+        </p:nvSpPr>
+        <p:spPr>
+          <a:xfrm>
+            <a:off x="152400" y="3486150"/>
+            <a:ext cx="838200" cy="571500"/>
+          </a:xfrm>
+          <a:prstGeom prst="rect">
+            <a:avLst/>
+          </a:prstGeom>
+        </p:spPr>
+        <p:style>
+          <a:lnRef idx="2">
+            <a:schemeClr val="accent1">
+              <a:shade val="50000"/>
+            </a:schemeClr>
+          </a:lnRef>
+          <a:fillRef idx="1">
+            <a:schemeClr val="accent1"/>
+          </a:fillRef>
+          <a:effectRef idx="0">
+            <a:schemeClr val="accent1"/>
+          </a:effectRef>
+          <a:fontRef idx="minor">
+            <a:schemeClr val="lt1"/>
+          </a:fontRef>
+        </p:style>
+        <p:txBody>
+          <a:bodyPr rtlCol="0" anchor="ctr"/>
+          <a:lstStyle/>
+          <a:p>
+            <a:pPr algn="ctr"/>
+            <a:endParaRPr lang="en-US" smtClean="0">
+              <a:solidFill>
+                <a:prstClr val="white"/>
+              </a:solidFill>
+            </a:endParaRPr>
+          </a:p>
+        </p:txBody>
+      </p:sp>
+      <p:cxnSp>
+        <p:nvCxnSpPr>
+          <p:cNvPr id="11" name="Straight Arrow Connector 10"/>
+          <p:cNvCxnSpPr>
+            <a:stCxn id="5" idx="2"/>
+          </p:cNvCxnSpPr>
+          <p:nvPr/>
+        </p:nvCxnSpPr>
+        <p:spPr>
+          <a:xfrm flipH="1">
+            <a:off x="-914400" y="2971800"/>
+            <a:ext cx="1485900" cy="571500"/>
+          </a:xfrm>
+          <a:prstGeom prst="straightConnector1">
+            <a:avLst/>
+          </a:prstGeom>
+          <a:ln>
+            <a:tailEnd type="arrow"/>
+          </a:ln>
+        </p:spPr>
+        <p:style>
+          <a:lnRef idx="1">
+            <a:schemeClr val="accent1"/>
+          </a:lnRef>
+          <a:fillRef idx="0">
+            <a:schemeClr val="accent1"/>
+          </a:fillRef>
+          <a:effectRef idx="0">
+            <a:schemeClr val="accent1"/>
+          </a:effectRef>
+          <a:fontRef idx="minor">
+            <a:schemeClr val="tx1"/>
+          </a:fontRef>
+        </p:style>
+      </p:cxnSp>
+      <p:cxnSp>
+        <p:nvCxnSpPr>
+          <p:cNvPr id="13" name="Straight Connector 12"/>
+          <p:cNvCxnSpPr>
+            <a:endCxn id="9" idx="0"/>
+          </p:cNvCxnSpPr>
+          <p:nvPr/>
+        </p:nvCxnSpPr>
+        <p:spPr>
+          <a:xfrm>
+            <a:off x="571500" y="2971800"/>
+            <a:ext cx="0" cy="514350"/>
+          </a:xfrm>
+          <a:prstGeom prst="line">
+            <a:avLst/>
+          </a:prstGeom>
+        </p:spPr>
+        <p:style>
+          <a:lnRef idx="1">
+            <a:schemeClr val="accent1"/>
+          </a:lnRef>
+          <a:fillRef idx="0">
+            <a:schemeClr val="accent1"/>
+          </a:fillRef>
+          <a:effectRef idx="0">
+            <a:schemeClr val="accent1"/>
+          </a:effectRef>
+          <a:fontRef idx="minor">
+            <a:schemeClr val="tx1"/>
+          </a:fontRef>
+        </p:style>
+      </p:cxnSp>
+      <p:cxnSp>
+        <p:nvCxnSpPr>
+          <p:cNvPr id="15" name="Straight Connector 14"/>
+          <p:cNvCxnSpPr>
+            <a:stCxn id="4" idx="2"/>
+            <a:endCxn id="5" idx="0"/>
+          </p:cNvCxnSpPr>
+          <p:nvPr/>
+        </p:nvCxnSpPr>
+        <p:spPr>
+          <a:xfrm flipH="1">
+            <a:off x="571503" y="1771650"/>
+            <a:ext cx="1848703" cy="685800"/>
+          </a:xfrm>
+          <a:prstGeom prst="line">
+            <a:avLst/>
+          </a:prstGeom>
+        </p:spPr>
+        <p:style>
+          <a:lnRef idx="1">
+            <a:schemeClr val="accent1"/>
+          </a:lnRef>
+          <a:fillRef idx="0">
+            <a:schemeClr val="accent1"/>
+          </a:fillRef>
+          <a:effectRef idx="0">
+            <a:schemeClr val="accent1"/>
+          </a:effectRef>
+          <a:fontRef idx="minor">
+            <a:schemeClr val="tx1"/>
+          </a:fontRef>
+        </p:style>
+      </p:cxnSp>
+      <p:cxnSp>
+        <p:nvCxnSpPr>
+          <p:cNvPr id="17" name="Straight Connector 16"/>
+          <p:cNvCxnSpPr>
+            <a:stCxn id="4" idx="2"/>
+            <a:endCxn id="6" idx="0"/>
+          </p:cNvCxnSpPr>
+          <p:nvPr/>
+        </p:nvCxnSpPr>
+        <p:spPr>
+          <a:xfrm flipH="1">
+            <a:off x="2374145" y="1771651"/>
+            <a:ext cx="46061" cy="671300"/>
+          </a:xfrm>
+          <a:prstGeom prst="line">
+            <a:avLst/>
+          </a:prstGeom>
+        </p:spPr>
+        <p:style>
+          <a:lnRef idx="1">
+            <a:schemeClr val="accent1"/>
+          </a:lnRef>
+          <a:fillRef idx="0">
+            <a:schemeClr val="accent1"/>
+          </a:fillRef>
+          <a:effectRef idx="0">
+            <a:schemeClr val="accent1"/>
+          </a:effectRef>
+          <a:fontRef idx="minor">
+            <a:schemeClr val="tx1"/>
+          </a:fontRef>
+        </p:style>
+      </p:cxnSp>
+      <p:cxnSp>
+        <p:nvCxnSpPr>
+          <p:cNvPr id="19" name="Straight Connector 18"/>
+          <p:cNvCxnSpPr>
+            <a:stCxn id="4" idx="2"/>
+            <a:endCxn id="7" idx="0"/>
+          </p:cNvCxnSpPr>
+          <p:nvPr/>
+        </p:nvCxnSpPr>
+        <p:spPr>
+          <a:xfrm>
+            <a:off x="2420206" y="1771651"/>
+            <a:ext cx="1770797" cy="671300"/>
+          </a:xfrm>
+          <a:prstGeom prst="line">
+            <a:avLst/>
+          </a:prstGeom>
+        </p:spPr>
+        <p:style>
+          <a:lnRef idx="1">
+            <a:schemeClr val="accent1"/>
+          </a:lnRef>
+          <a:fillRef idx="0">
+            <a:schemeClr val="accent1"/>
+          </a:fillRef>
+          <a:effectRef idx="0">
+            <a:schemeClr val="accent1"/>
+          </a:effectRef>
+          <a:fontRef idx="minor">
+            <a:schemeClr val="tx1"/>
+          </a:fontRef>
+        </p:style>
+      </p:cxnSp>
+      <p:sp>
+        <p:nvSpPr>
+          <p:cNvPr id="20" name="Rectangle 19"/>
+          <p:cNvSpPr/>
+          <p:nvPr/>
+        </p:nvSpPr>
+        <p:spPr>
+          <a:xfrm>
+            <a:off x="9109596" y="1543050"/>
+            <a:ext cx="1295400" cy="514350"/>
+          </a:xfrm>
+          <a:prstGeom prst="rect">
+            <a:avLst/>
+          </a:prstGeom>
+        </p:spPr>
+        <p:style>
+          <a:lnRef idx="2">
+            <a:schemeClr val="accent1">
+              <a:shade val="50000"/>
+            </a:schemeClr>
+          </a:lnRef>
+          <a:fillRef idx="1">
+            <a:schemeClr val="accent1"/>
+          </a:fillRef>
+          <a:effectRef idx="0">
+            <a:schemeClr val="accent1"/>
+          </a:effectRef>
+          <a:fontRef idx="minor">
+            <a:schemeClr val="lt1"/>
+          </a:fontRef>
+        </p:style>
+        <p:txBody>
+          <a:bodyPr rtlCol="0" anchor="ctr"/>
+          <a:lstStyle/>
+          <a:p>
+            <a:pPr algn="ctr"/>
+            <a:endParaRPr lang="en-US" smtClean="0">
+              <a:solidFill>
+                <a:prstClr val="white"/>
+              </a:solidFill>
+            </a:endParaRPr>
+          </a:p>
+        </p:txBody>
+      </p:sp>
+      <p:sp>
+        <p:nvSpPr>
+          <p:cNvPr id="21" name="Rectangle 20"/>
+          <p:cNvSpPr/>
+          <p:nvPr/>
+        </p:nvSpPr>
+        <p:spPr>
+          <a:xfrm>
+            <a:off x="7337093" y="2743200"/>
+            <a:ext cx="1143000" cy="514350"/>
+          </a:xfrm>
+          <a:prstGeom prst="rect">
+            <a:avLst/>
+          </a:prstGeom>
+        </p:spPr>
+        <p:style>
+          <a:lnRef idx="2">
+            <a:schemeClr val="accent1">
+              <a:shade val="50000"/>
+            </a:schemeClr>
+          </a:lnRef>
+          <a:fillRef idx="1">
+            <a:schemeClr val="accent1"/>
+          </a:fillRef>
+          <a:effectRef idx="0">
+            <a:schemeClr val="accent1"/>
+          </a:effectRef>
+          <a:fontRef idx="minor">
+            <a:schemeClr val="lt1"/>
+          </a:fontRef>
+        </p:style>
+        <p:txBody>
+          <a:bodyPr rtlCol="0" anchor="ctr"/>
+          <a:lstStyle/>
+          <a:p>
+            <a:pPr algn="ctr"/>
+            <a:endParaRPr lang="en-US" smtClean="0">
+              <a:solidFill>
+                <a:prstClr val="white"/>
+              </a:solidFill>
+            </a:endParaRPr>
+          </a:p>
+        </p:txBody>
+      </p:sp>
+      <p:sp>
+        <p:nvSpPr>
+          <p:cNvPr id="22" name="Rectangle 21"/>
+          <p:cNvSpPr/>
+          <p:nvPr/>
+        </p:nvSpPr>
+        <p:spPr>
+          <a:xfrm>
+            <a:off x="9025435" y="2728700"/>
+            <a:ext cx="1371600" cy="514350"/>
+          </a:xfrm>
+          <a:prstGeom prst="rect">
+            <a:avLst/>
+          </a:prstGeom>
+        </p:spPr>
+        <p:style>
+          <a:lnRef idx="2">
+            <a:schemeClr val="accent1">
+              <a:shade val="50000"/>
+            </a:schemeClr>
+          </a:lnRef>
+          <a:fillRef idx="1">
+            <a:schemeClr val="accent1"/>
+          </a:fillRef>
+          <a:effectRef idx="0">
+            <a:schemeClr val="accent1"/>
+          </a:effectRef>
+          <a:fontRef idx="minor">
+            <a:schemeClr val="lt1"/>
+          </a:fontRef>
+        </p:style>
+        <p:txBody>
+          <a:bodyPr rtlCol="0" anchor="ctr"/>
+          <a:lstStyle/>
+          <a:p>
+            <a:pPr algn="ctr"/>
+            <a:endParaRPr lang="en-US" smtClean="0">
+              <a:solidFill>
+                <a:prstClr val="white"/>
+              </a:solidFill>
+            </a:endParaRPr>
+          </a:p>
+        </p:txBody>
+      </p:sp>
+      <p:sp>
+        <p:nvSpPr>
+          <p:cNvPr id="23" name="Rectangle 22"/>
+          <p:cNvSpPr/>
+          <p:nvPr/>
+        </p:nvSpPr>
+        <p:spPr>
+          <a:xfrm>
+            <a:off x="10842293" y="2728700"/>
+            <a:ext cx="1371600" cy="528851"/>
+          </a:xfrm>
+          <a:prstGeom prst="rect">
+            <a:avLst/>
+          </a:prstGeom>
+        </p:spPr>
+        <p:style>
+          <a:lnRef idx="2">
+            <a:schemeClr val="accent1">
+              <a:shade val="50000"/>
+            </a:schemeClr>
+          </a:lnRef>
+          <a:fillRef idx="1">
+            <a:schemeClr val="accent1"/>
+          </a:fillRef>
+          <a:effectRef idx="0">
+            <a:schemeClr val="accent1"/>
+          </a:effectRef>
+          <a:fontRef idx="minor">
+            <a:schemeClr val="lt1"/>
+          </a:fontRef>
+        </p:style>
+        <p:txBody>
+          <a:bodyPr rtlCol="0" anchor="ctr"/>
+          <a:lstStyle/>
+          <a:p>
+            <a:pPr algn="ctr"/>
+            <a:endParaRPr lang="en-US" smtClean="0">
+              <a:solidFill>
+                <a:prstClr val="white"/>
+              </a:solidFill>
+            </a:endParaRPr>
+          </a:p>
+        </p:txBody>
+      </p:sp>
+      <p:sp>
+        <p:nvSpPr>
+          <p:cNvPr id="24" name="Rectangle 23"/>
+          <p:cNvSpPr/>
+          <p:nvPr/>
+        </p:nvSpPr>
+        <p:spPr>
+          <a:xfrm>
+            <a:off x="8095682" y="4008177"/>
+            <a:ext cx="914400" cy="514350"/>
+          </a:xfrm>
+          <a:prstGeom prst="rect">
+            <a:avLst/>
+          </a:prstGeom>
+        </p:spPr>
+        <p:style>
+          <a:lnRef idx="2">
+            <a:schemeClr val="accent1">
+              <a:shade val="50000"/>
+            </a:schemeClr>
+          </a:lnRef>
+          <a:fillRef idx="1">
+            <a:schemeClr val="accent1"/>
+          </a:fillRef>
+          <a:effectRef idx="0">
+            <a:schemeClr val="accent1"/>
+          </a:effectRef>
+          <a:fontRef idx="minor">
+            <a:schemeClr val="lt1"/>
+          </a:fontRef>
+        </p:style>
+        <p:txBody>
+          <a:bodyPr rtlCol="0" anchor="ctr"/>
+          <a:lstStyle/>
+          <a:p>
+            <a:pPr algn="ctr"/>
+            <a:endParaRPr lang="en-US" smtClean="0">
+              <a:solidFill>
+                <a:prstClr val="white"/>
+              </a:solidFill>
+            </a:endParaRPr>
+          </a:p>
+        </p:txBody>
+      </p:sp>
+      <p:sp>
+        <p:nvSpPr>
+          <p:cNvPr id="25" name="Rectangle 24"/>
+          <p:cNvSpPr/>
+          <p:nvPr/>
+        </p:nvSpPr>
+        <p:spPr>
+          <a:xfrm>
+            <a:off x="10223594" y="3953159"/>
+            <a:ext cx="838200" cy="571500"/>
+          </a:xfrm>
+          <a:prstGeom prst="rect">
+            <a:avLst/>
+          </a:prstGeom>
+        </p:spPr>
+        <p:style>
+          <a:lnRef idx="2">
+            <a:schemeClr val="accent1">
+              <a:shade val="50000"/>
+            </a:schemeClr>
+          </a:lnRef>
+          <a:fillRef idx="1">
+            <a:schemeClr val="accent1"/>
+          </a:fillRef>
+          <a:effectRef idx="0">
+            <a:schemeClr val="accent1"/>
+          </a:effectRef>
+          <a:fontRef idx="minor">
+            <a:schemeClr val="lt1"/>
+          </a:fontRef>
+        </p:style>
+        <p:txBody>
+          <a:bodyPr rtlCol="0" anchor="ctr"/>
+          <a:lstStyle/>
+          <a:p>
+            <a:pPr algn="ctr"/>
+            <a:endParaRPr lang="en-US" smtClean="0">
+              <a:solidFill>
+                <a:prstClr val="white"/>
+              </a:solidFill>
+            </a:endParaRPr>
+          </a:p>
+        </p:txBody>
+      </p:sp>
+      <p:cxnSp>
+        <p:nvCxnSpPr>
+          <p:cNvPr id="28" name="Straight Connector 27"/>
+          <p:cNvCxnSpPr>
+            <a:stCxn id="20" idx="2"/>
+            <a:endCxn id="21" idx="0"/>
+          </p:cNvCxnSpPr>
+          <p:nvPr/>
+        </p:nvCxnSpPr>
+        <p:spPr>
+          <a:xfrm flipH="1">
+            <a:off x="7908596" y="2057400"/>
+            <a:ext cx="1848703" cy="685800"/>
+          </a:xfrm>
+          <a:prstGeom prst="line">
+            <a:avLst/>
+          </a:prstGeom>
+        </p:spPr>
+        <p:style>
+          <a:lnRef idx="1">
+            <a:schemeClr val="accent1"/>
+          </a:lnRef>
+          <a:fillRef idx="0">
+            <a:schemeClr val="accent1"/>
+          </a:fillRef>
+          <a:effectRef idx="0">
+            <a:schemeClr val="accent1"/>
+          </a:effectRef>
+          <a:fontRef idx="minor">
+            <a:schemeClr val="tx1"/>
+          </a:fontRef>
+        </p:style>
+      </p:cxnSp>
+      <p:cxnSp>
+        <p:nvCxnSpPr>
+          <p:cNvPr id="29" name="Straight Connector 28"/>
+          <p:cNvCxnSpPr>
+            <a:stCxn id="20" idx="2"/>
+            <a:endCxn id="22" idx="0"/>
+          </p:cNvCxnSpPr>
+          <p:nvPr/>
+        </p:nvCxnSpPr>
+        <p:spPr>
+          <a:xfrm flipH="1">
+            <a:off x="9711238" y="2057401"/>
+            <a:ext cx="46061" cy="671300"/>
+          </a:xfrm>
+          <a:prstGeom prst="line">
+            <a:avLst/>
+          </a:prstGeom>
+        </p:spPr>
+        <p:style>
+          <a:lnRef idx="1">
+            <a:schemeClr val="accent1"/>
+          </a:lnRef>
+          <a:fillRef idx="0">
+            <a:schemeClr val="accent1"/>
+          </a:fillRef>
+          <a:effectRef idx="0">
+            <a:schemeClr val="accent1"/>
+          </a:effectRef>
+          <a:fontRef idx="minor">
+            <a:schemeClr val="tx1"/>
+          </a:fontRef>
+        </p:style>
+      </p:cxnSp>
+      <p:cxnSp>
+        <p:nvCxnSpPr>
+          <p:cNvPr id="30" name="Straight Connector 29"/>
+          <p:cNvCxnSpPr>
+            <a:stCxn id="20" idx="2"/>
+            <a:endCxn id="23" idx="0"/>
+          </p:cNvCxnSpPr>
+          <p:nvPr/>
+        </p:nvCxnSpPr>
+        <p:spPr>
+          <a:xfrm>
+            <a:off x="9757299" y="2057401"/>
+            <a:ext cx="1770797" cy="671300"/>
+          </a:xfrm>
+          <a:prstGeom prst="line">
+            <a:avLst/>
+          </a:prstGeom>
+        </p:spPr>
+        <p:style>
+          <a:lnRef idx="1">
+            <a:schemeClr val="accent1"/>
+          </a:lnRef>
+          <a:fillRef idx="0">
+            <a:schemeClr val="accent1"/>
+          </a:fillRef>
+          <a:effectRef idx="0">
+            <a:schemeClr val="accent1"/>
+          </a:effectRef>
+          <a:fontRef idx="minor">
+            <a:schemeClr val="tx1"/>
+          </a:fontRef>
+        </p:style>
+      </p:cxnSp>
+      <p:sp>
+        <p:nvSpPr>
+          <p:cNvPr id="31" name="TextBox 30"/>
+          <p:cNvSpPr txBox="1"/>
+          <p:nvPr/>
+        </p:nvSpPr>
+        <p:spPr>
+          <a:xfrm>
+            <a:off x="334077" y="864885"/>
+            <a:ext cx="1162947" cy="523220"/>
+          </a:xfrm>
+          <a:prstGeom prst="rect">
+            <a:avLst/>
+          </a:prstGeom>
+          <a:noFill/>
+        </p:spPr>
+        <p:txBody>
+          <a:bodyPr wrap="none" rtlCol="0">
+            <a:spAutoFit/>
+          </a:bodyPr>
+          <a:lstStyle/>
+          <a:p>
+            <a:r>
+              <a:rPr lang="en-US" sz="2800" b="1" dirty="0" smtClean="0">
+                <a:solidFill>
+                  <a:prstClr val="black"/>
+                </a:solidFill>
+              </a:rPr>
+              <a:t>Profile</a:t>
+            </a:r>
+          </a:p>
+        </p:txBody>
+      </p:sp>
+      <p:cxnSp>
+        <p:nvCxnSpPr>
+          <p:cNvPr id="33" name="Straight Arrow Connector 32"/>
+          <p:cNvCxnSpPr>
+            <a:stCxn id="22" idx="2"/>
+          </p:cNvCxnSpPr>
+          <p:nvPr/>
+        </p:nvCxnSpPr>
+        <p:spPr>
+          <a:xfrm flipH="1">
+            <a:off x="8620551" y="3243050"/>
+            <a:ext cx="1090684" cy="606473"/>
+          </a:xfrm>
+          <a:prstGeom prst="straightConnector1">
+            <a:avLst/>
+          </a:prstGeom>
+          <a:ln>
+            <a:tailEnd type="arrow"/>
+          </a:ln>
+        </p:spPr>
+        <p:style>
+          <a:lnRef idx="1">
+            <a:schemeClr val="accent1"/>
+          </a:lnRef>
+          <a:fillRef idx="0">
+            <a:schemeClr val="accent1"/>
+          </a:fillRef>
+          <a:effectRef idx="0">
+            <a:schemeClr val="accent1"/>
+          </a:effectRef>
+          <a:fontRef idx="minor">
+            <a:schemeClr val="tx1"/>
+          </a:fontRef>
+        </p:style>
+      </p:cxnSp>
+      <p:cxnSp>
+        <p:nvCxnSpPr>
+          <p:cNvPr id="35" name="Straight Arrow Connector 34"/>
+          <p:cNvCxnSpPr>
+            <a:stCxn id="22" idx="2"/>
+            <a:endCxn id="25" idx="0"/>
+          </p:cNvCxnSpPr>
+          <p:nvPr/>
+        </p:nvCxnSpPr>
+        <p:spPr>
+          <a:xfrm>
+            <a:off x="9711238" y="3243051"/>
+            <a:ext cx="931459" cy="710110"/>
+          </a:xfrm>
+          <a:prstGeom prst="straightConnector1">
+            <a:avLst/>
+          </a:prstGeom>
+          <a:ln>
+            <a:tailEnd type="arrow"/>
+          </a:ln>
+        </p:spPr>
+        <p:style>
+          <a:lnRef idx="1">
+            <a:schemeClr val="accent1"/>
+          </a:lnRef>
+          <a:fillRef idx="0">
+            <a:schemeClr val="accent1"/>
+          </a:fillRef>
+          <a:effectRef idx="0">
+            <a:schemeClr val="accent1"/>
+          </a:effectRef>
+          <a:fontRef idx="minor">
+            <a:schemeClr val="tx1"/>
+          </a:fontRef>
+        </p:style>
+      </p:cxnSp>
+      <p:sp>
+        <p:nvSpPr>
+          <p:cNvPr id="39" name="Left-Right Arrow 38"/>
+          <p:cNvSpPr/>
+          <p:nvPr/>
+        </p:nvSpPr>
+        <p:spPr>
+          <a:xfrm>
+            <a:off x="3481754" y="3410234"/>
+            <a:ext cx="3581400" cy="828675"/>
+          </a:xfrm>
+          <a:prstGeom prst="leftRightArrow">
+            <a:avLst/>
+          </a:prstGeom>
+        </p:spPr>
+        <p:style>
+          <a:lnRef idx="2">
+            <a:schemeClr val="accent1">
+              <a:shade val="50000"/>
+            </a:schemeClr>
+          </a:lnRef>
+          <a:fillRef idx="1">
+            <a:schemeClr val="accent1"/>
+          </a:fillRef>
+          <a:effectRef idx="0">
+            <a:schemeClr val="accent1"/>
+          </a:effectRef>
+          <a:fontRef idx="minor">
+            <a:schemeClr val="lt1"/>
+          </a:fontRef>
+        </p:style>
+        <p:txBody>
+          <a:bodyPr rtlCol="0" anchor="ctr"/>
+          <a:lstStyle/>
+          <a:p>
+            <a:pPr algn="ctr"/>
+            <a:r>
+              <a:rPr lang="en-US" dirty="0" smtClean="0">
+                <a:solidFill>
+                  <a:prstClr val="white"/>
+                </a:solidFill>
+              </a:rPr>
+              <a:t>Matching</a:t>
+            </a:r>
+          </a:p>
+        </p:txBody>
+      </p:sp>
+      <p:sp>
+        <p:nvSpPr>
+          <p:cNvPr id="40" name="TextBox 39"/>
+          <p:cNvSpPr txBox="1"/>
+          <p:nvPr/>
+        </p:nvSpPr>
+        <p:spPr>
+          <a:xfrm>
+            <a:off x="7317146" y="864885"/>
+            <a:ext cx="1551002" cy="523220"/>
+          </a:xfrm>
+          <a:prstGeom prst="rect">
+            <a:avLst/>
+          </a:prstGeom>
+          <a:noFill/>
+        </p:spPr>
+        <p:txBody>
+          <a:bodyPr wrap="none" rtlCol="0">
+            <a:spAutoFit/>
+          </a:bodyPr>
+          <a:lstStyle/>
+          <a:p>
+            <a:r>
+              <a:rPr lang="en-US" sz="2800" b="1" dirty="0" smtClean="0">
+                <a:solidFill>
+                  <a:prstClr val="black"/>
+                </a:solidFill>
+              </a:rPr>
+              <a:t>Job Tittle</a:t>
+            </a:r>
+          </a:p>
+        </p:txBody>
+      </p:sp>
+      <p:sp>
+        <p:nvSpPr>
+          <p:cNvPr id="41" name="Rounded Rectangular Callout 40"/>
+          <p:cNvSpPr/>
+          <p:nvPr/>
+        </p:nvSpPr>
+        <p:spPr>
+          <a:xfrm>
+            <a:off x="-2743200" y="1061092"/>
+            <a:ext cx="2286000" cy="1053458"/>
+          </a:xfrm>
+          <a:prstGeom prst="wedgeRoundRectCallout">
+            <a:avLst>
+              <a:gd name="adj1" fmla="val 33321"/>
+              <a:gd name="adj2" fmla="val 71514"/>
+              <a:gd name="adj3" fmla="val 16667"/>
+            </a:avLst>
+          </a:prstGeom>
+        </p:spPr>
+        <p:style>
+          <a:lnRef idx="2">
+            <a:schemeClr val="accent1">
+              <a:shade val="50000"/>
+            </a:schemeClr>
+          </a:lnRef>
+          <a:fillRef idx="1">
+            <a:schemeClr val="accent1"/>
+          </a:fillRef>
+          <a:effectRef idx="0">
+            <a:schemeClr val="accent1"/>
+          </a:effectRef>
+          <a:fontRef idx="minor">
+            <a:schemeClr val="lt1"/>
+          </a:fontRef>
+        </p:style>
+        <p:txBody>
+          <a:bodyPr rtlCol="0" anchor="ctr"/>
+          <a:lstStyle/>
+          <a:p>
+            <a:pPr algn="ctr"/>
+            <a:r>
+              <a:rPr lang="en-US" dirty="0" smtClean="0">
+                <a:solidFill>
+                  <a:prstClr val="white"/>
+                </a:solidFill>
+              </a:rPr>
+              <a:t>TAG</a:t>
+            </a:r>
+          </a:p>
+        </p:txBody>
+      </p:sp>
+      <p:sp>
+        <p:nvSpPr>
+          <p:cNvPr id="42" name="Rectangular Callout 41"/>
+          <p:cNvSpPr/>
+          <p:nvPr/>
+        </p:nvSpPr>
+        <p:spPr>
+          <a:xfrm>
+            <a:off x="3886200" y="4379652"/>
+            <a:ext cx="2438400" cy="763848"/>
+          </a:xfrm>
+          <a:prstGeom prst="wedgeRectCallout">
+            <a:avLst>
+              <a:gd name="adj1" fmla="val -7646"/>
+              <a:gd name="adj2" fmla="val -82533"/>
+            </a:avLst>
+          </a:prstGeom>
+        </p:spPr>
+        <p:style>
+          <a:lnRef idx="2">
+            <a:schemeClr val="accent1">
+              <a:shade val="50000"/>
+            </a:schemeClr>
+          </a:lnRef>
+          <a:fillRef idx="1">
+            <a:schemeClr val="accent1"/>
+          </a:fillRef>
+          <a:effectRef idx="0">
+            <a:schemeClr val="accent1"/>
+          </a:effectRef>
+          <a:fontRef idx="minor">
+            <a:schemeClr val="lt1"/>
+          </a:fontRef>
+        </p:style>
+        <p:txBody>
+          <a:bodyPr rtlCol="0" anchor="ctr"/>
+          <a:lstStyle/>
+          <a:p>
+            <a:pPr algn="ctr"/>
+            <a:r>
+              <a:rPr lang="en-US" dirty="0" smtClean="0">
+                <a:solidFill>
+                  <a:prstClr val="white"/>
+                </a:solidFill>
+              </a:rPr>
+              <a:t>So </a:t>
+            </a:r>
+            <a:r>
+              <a:rPr lang="en-US" dirty="0" err="1" smtClean="0">
+                <a:solidFill>
+                  <a:prstClr val="white"/>
+                </a:solidFill>
+              </a:rPr>
+              <a:t>khớp</a:t>
+            </a:r>
+            <a:r>
+              <a:rPr lang="en-US" dirty="0" smtClean="0">
+                <a:solidFill>
+                  <a:prstClr val="white"/>
+                </a:solidFill>
+              </a:rPr>
+              <a:t> Tag</a:t>
+            </a:r>
+          </a:p>
+          <a:p>
+            <a:pPr algn="ctr"/>
+            <a:r>
+              <a:rPr lang="en-US" dirty="0" smtClean="0">
+                <a:solidFill>
+                  <a:prstClr val="white"/>
+                </a:solidFill>
+              </a:rPr>
+              <a:t>Similar Term</a:t>
+            </a:r>
+          </a:p>
+        </p:txBody>
+      </p:sp>
+    </p:spTree>
+    <p:extLst>
+      <p:ext uri="{BB962C8B-B14F-4D97-AF65-F5344CB8AC3E}">
+        <p14:creationId xmlns:p14="http://schemas.microsoft.com/office/powerpoint/2010/main" val="3418134236"/>
+      </p:ext>
+    </p:extLst>
+  </p:cSld>
+  <p:clrMapOvr>
+    <a:masterClrMapping/>
+  </p:clrMapOvr>
   <p:timing>
     <p:tnLst>
       <p:par>
@@ -21470,4 +26743,289 @@
   <a:objectDefaults/>
   <a:extraClrSchemeLst/>
 </a:theme>
+</file>
+
+<file path=ppt/theme/theme5.xml><?xml version="1.0" encoding="utf-8"?>
+<a:theme xmlns:a="http://schemas.openxmlformats.org/drawingml/2006/main" name="Office Theme">
+  <a:themeElements>
+    <a:clrScheme name="Office">
+      <a:dk1>
+        <a:sysClr val="windowText" lastClr="000000"/>
+      </a:dk1>
+      <a:lt1>
+        <a:sysClr val="window" lastClr="FFFFFF"/>
+      </a:lt1>
+      <a:dk2>
+        <a:srgbClr val="1F497D"/>
+      </a:dk2>
+      <a:lt2>
+        <a:srgbClr val="EEECE1"/>
+      </a:lt2>
+      <a:accent1>
+        <a:srgbClr val="4F81BD"/>
+      </a:accent1>
+      <a:accent2>
+        <a:srgbClr val="C0504D"/>
+      </a:accent2>
+      <a:accent3>
+        <a:srgbClr val="9BBB59"/>
+      </a:accent3>
+      <a:accent4>
+        <a:srgbClr val="8064A2"/>
+      </a:accent4>
+      <a:accent5>
+        <a:srgbClr val="4BACC6"/>
+      </a:accent5>
+      <a:accent6>
+        <a:srgbClr val="F79646"/>
+      </a:accent6>
+      <a:hlink>
+        <a:srgbClr val="0000FF"/>
+      </a:hlink>
+      <a:folHlink>
+        <a:srgbClr val="800080"/>
+      </a:folHlink>
+    </a:clrScheme>
+    <a:fontScheme name="Office">
+      <a:majorFont>
+        <a:latin typeface="Calibri"/>
+        <a:ea typeface=""/>
+        <a:cs typeface=""/>
+        <a:font script="Jpan" typeface="ＭＳ Ｐゴシック"/>
+        <a:font script="Hang" typeface="맑은 고딕"/>
+        <a:font script="Hans" typeface="宋体"/>
+        <a:font script="Hant" typeface="新細明體"/>
+        <a:font script="Arab" typeface="Times New Roman"/>
+        <a:font script="Hebr" typeface="Times New Roman"/>
+        <a:font script="Thai" typeface="Angsana New"/>
+        <a:font script="Ethi" typeface="Nyala"/>
+        <a:font script="Beng" typeface="Vrinda"/>
+        <a:font script="Gujr" typeface="Shruti"/>
+        <a:font script="Khmr" typeface="MoolBoran"/>
+        <a:font script="Knda" typeface="Tunga"/>
+        <a:font script="Guru" typeface="Raavi"/>
+        <a:font script="Cans" typeface="Euphemia"/>
+        <a:font script="Cher" typeface="Plantagenet Cherokee"/>
+        <a:font script="Yiii" typeface="Microsoft Yi Baiti"/>
+        <a:font script="Tibt" typeface="Microsoft Himalaya"/>
+        <a:font script="Thaa" typeface="MV Boli"/>
+        <a:font script="Deva" typeface="Mangal"/>
+        <a:font script="Telu" typeface="Gautami"/>
+        <a:font script="Taml" typeface="Latha"/>
+        <a:font script="Syrc" typeface="Estrangelo Edessa"/>
+        <a:font script="Orya" typeface="Kalinga"/>
+        <a:font script="Mlym" typeface="Kartika"/>
+        <a:font script="Laoo" typeface="DokChampa"/>
+        <a:font script="Sinh" typeface="Iskoola Pota"/>
+        <a:font script="Mong" typeface="Mongolian Baiti"/>
+        <a:font script="Viet" typeface="Times New Roman"/>
+        <a:font script="Uigh" typeface="Microsoft Uighur"/>
+        <a:font script="Geor" typeface="Sylfaen"/>
+      </a:majorFont>
+      <a:minorFont>
+        <a:latin typeface="Calibri"/>
+        <a:ea typeface=""/>
+        <a:cs typeface=""/>
+        <a:font script="Jpan" typeface="ＭＳ Ｐゴシック"/>
+        <a:font script="Hang" typeface="맑은 고딕"/>
+        <a:font script="Hans" typeface="宋体"/>
+        <a:font script="Hant" typeface="新細明體"/>
+        <a:font script="Arab" typeface="Arial"/>
+        <a:font script="Hebr" typeface="Arial"/>
+        <a:font script="Thai" typeface="Cordia New"/>
+        <a:font script="Ethi" typeface="Nyala"/>
+        <a:font script="Beng" typeface="Vrinda"/>
+        <a:font script="Gujr" typeface="Shruti"/>
+        <a:font script="Khmr" typeface="DaunPenh"/>
+        <a:font script="Knda" typeface="Tunga"/>
+        <a:font script="Guru" typeface="Raavi"/>
+        <a:font script="Cans" typeface="Euphemia"/>
+        <a:font script="Cher" typeface="Plantagenet Cherokee"/>
+        <a:font script="Yiii" typeface="Microsoft Yi Baiti"/>
+        <a:font script="Tibt" typeface="Microsoft Himalaya"/>
+        <a:font script="Thaa" typeface="MV Boli"/>
+        <a:font script="Deva" typeface="Mangal"/>
+        <a:font script="Telu" typeface="Gautami"/>
+        <a:font script="Taml" typeface="Latha"/>
+        <a:font script="Syrc" typeface="Estrangelo Edessa"/>
+        <a:font script="Orya" typeface="Kalinga"/>
+        <a:font script="Mlym" typeface="Kartika"/>
+        <a:font script="Laoo" typeface="DokChampa"/>
+        <a:font script="Sinh" typeface="Iskoola Pota"/>
+        <a:font script="Mong" typeface="Mongolian Baiti"/>
+        <a:font script="Viet" typeface="Arial"/>
+        <a:font script="Uigh" typeface="Microsoft Uighur"/>
+        <a:font script="Geor" typeface="Sylfaen"/>
+      </a:minorFont>
+    </a:fontScheme>
+    <a:fmtScheme name="Office">
+      <a:fillStyleLst>
+        <a:solidFill>
+          <a:schemeClr val="phClr"/>
+        </a:solidFill>
+        <a:gradFill rotWithShape="1">
+          <a:gsLst>
+            <a:gs pos="0">
+              <a:schemeClr val="phClr">
+                <a:tint val="50000"/>
+                <a:satMod val="300000"/>
+              </a:schemeClr>
+            </a:gs>
+            <a:gs pos="35000">
+              <a:schemeClr val="phClr">
+                <a:tint val="37000"/>
+                <a:satMod val="300000"/>
+              </a:schemeClr>
+            </a:gs>
+            <a:gs pos="100000">
+              <a:schemeClr val="phClr">
+                <a:tint val="15000"/>
+                <a:satMod val="350000"/>
+              </a:schemeClr>
+            </a:gs>
+          </a:gsLst>
+          <a:lin ang="16200000" scaled="1"/>
+        </a:gradFill>
+        <a:gradFill rotWithShape="1">
+          <a:gsLst>
+            <a:gs pos="0">
+              <a:schemeClr val="phClr">
+                <a:shade val="51000"/>
+                <a:satMod val="130000"/>
+              </a:schemeClr>
+            </a:gs>
+            <a:gs pos="80000">
+              <a:schemeClr val="phClr">
+                <a:shade val="93000"/>
+                <a:satMod val="130000"/>
+              </a:schemeClr>
+            </a:gs>
+            <a:gs pos="100000">
+              <a:schemeClr val="phClr">
+                <a:shade val="94000"/>
+                <a:satMod val="135000"/>
+              </a:schemeClr>
+            </a:gs>
+          </a:gsLst>
+          <a:lin ang="16200000" scaled="0"/>
+        </a:gradFill>
+      </a:fillStyleLst>
+      <a:lnStyleLst>
+        <a:ln w="9525" cap="flat" cmpd="sng" algn="ctr">
+          <a:solidFill>
+            <a:schemeClr val="phClr">
+              <a:shade val="95000"/>
+              <a:satMod val="105000"/>
+            </a:schemeClr>
+          </a:solidFill>
+          <a:prstDash val="solid"/>
+        </a:ln>
+        <a:ln w="25400" cap="flat" cmpd="sng" algn="ctr">
+          <a:solidFill>
+            <a:schemeClr val="phClr"/>
+          </a:solidFill>
+          <a:prstDash val="solid"/>
+        </a:ln>
+        <a:ln w="38100" cap="flat" cmpd="sng" algn="ctr">
+          <a:solidFill>
+            <a:schemeClr val="phClr"/>
+          </a:solidFill>
+          <a:prstDash val="solid"/>
+        </a:ln>
+      </a:lnStyleLst>
+      <a:effectStyleLst>
+        <a:effectStyle>
+          <a:effectLst>
+            <a:outerShdw blurRad="40000" dist="20000" dir="5400000" rotWithShape="0">
+              <a:srgbClr val="000000">
+                <a:alpha val="38000"/>
+              </a:srgbClr>
+            </a:outerShdw>
+          </a:effectLst>
+        </a:effectStyle>
+        <a:effectStyle>
+          <a:effectLst>
+            <a:outerShdw blurRad="40000" dist="23000" dir="5400000" rotWithShape="0">
+              <a:srgbClr val="000000">
+                <a:alpha val="35000"/>
+              </a:srgbClr>
+            </a:outerShdw>
+          </a:effectLst>
+        </a:effectStyle>
+        <a:effectStyle>
+          <a:effectLst>
+            <a:outerShdw blurRad="40000" dist="23000" dir="5400000" rotWithShape="0">
+              <a:srgbClr val="000000">
+                <a:alpha val="35000"/>
+              </a:srgbClr>
+            </a:outerShdw>
+          </a:effectLst>
+          <a:scene3d>
+            <a:camera prst="orthographicFront">
+              <a:rot lat="0" lon="0" rev="0"/>
+            </a:camera>
+            <a:lightRig rig="threePt" dir="t">
+              <a:rot lat="0" lon="0" rev="1200000"/>
+            </a:lightRig>
+          </a:scene3d>
+          <a:sp3d>
+            <a:bevelT w="63500" h="25400"/>
+          </a:sp3d>
+        </a:effectStyle>
+      </a:effectStyleLst>
+      <a:bgFillStyleLst>
+        <a:solidFill>
+          <a:schemeClr val="phClr"/>
+        </a:solidFill>
+        <a:gradFill rotWithShape="1">
+          <a:gsLst>
+            <a:gs pos="0">
+              <a:schemeClr val="phClr">
+                <a:tint val="40000"/>
+                <a:satMod val="350000"/>
+              </a:schemeClr>
+            </a:gs>
+            <a:gs pos="40000">
+              <a:schemeClr val="phClr">
+                <a:tint val="45000"/>
+                <a:shade val="99000"/>
+                <a:satMod val="350000"/>
+              </a:schemeClr>
+            </a:gs>
+            <a:gs pos="100000">
+              <a:schemeClr val="phClr">
+                <a:shade val="20000"/>
+                <a:satMod val="255000"/>
+              </a:schemeClr>
+            </a:gs>
+          </a:gsLst>
+          <a:path path="circle">
+            <a:fillToRect l="50000" t="-80000" r="50000" b="180000"/>
+          </a:path>
+        </a:gradFill>
+        <a:gradFill rotWithShape="1">
+          <a:gsLst>
+            <a:gs pos="0">
+              <a:schemeClr val="phClr">
+                <a:tint val="80000"/>
+                <a:satMod val="300000"/>
+              </a:schemeClr>
+            </a:gs>
+            <a:gs pos="100000">
+              <a:schemeClr val="phClr">
+                <a:shade val="30000"/>
+                <a:satMod val="200000"/>
+              </a:schemeClr>
+            </a:gs>
+          </a:gsLst>
+          <a:path path="circle">
+            <a:fillToRect l="50000" t="50000" r="50000" b="50000"/>
+          </a:path>
+        </a:gradFill>
+      </a:bgFillStyleLst>
+    </a:fmtScheme>
+  </a:themeElements>
+  <a:objectDefaults/>
+  <a:extraClrSchemeLst/>
+</a:theme>
 </file>
--- a/Documents/JobZoom.pptx
+++ b/Documents/JobZoom.pptx
@@ -8,7 +8,7 @@
     <p:sldMasterId id="2147483700" r:id="rId4"/>
   </p:sldMasterIdLst>
   <p:notesMasterIdLst>
-    <p:notesMasterId r:id="rId25"/>
+    <p:notesMasterId r:id="rId26"/>
   </p:notesMasterIdLst>
   <p:sldIdLst>
     <p:sldId id="256" r:id="rId5"/>
@@ -31,6 +31,7 @@
     <p:sldId id="278" r:id="rId22"/>
     <p:sldId id="279" r:id="rId23"/>
     <p:sldId id="280" r:id="rId24"/>
+    <p:sldId id="281" r:id="rId25"/>
   </p:sldIdLst>
   <p:sldSz cx="9144000" cy="5143500" type="screen16x9"/>
   <p:notesSz cx="6858000" cy="9144000"/>
@@ -214,7 +215,7 @@
           <a:p>
             <a:fld id="{583FCA0D-5591-4BBE-99D9-278F61168510}" type="datetimeFigureOut">
               <a:rPr lang="en-US" smtClean="0"/>
-              <a:t>12/7/2011</a:t>
+              <a:t>1/5/2012</a:t>
             </a:fld>
             <a:endParaRPr lang="en-US"/>
           </a:p>
@@ -792,7 +793,7 @@
           <a:p>
             <a:fld id="{2E16D3F5-7A2C-4A23-896D-2AF7EDFD4A28}" type="datetimeFigureOut">
               <a:rPr lang="en-US" smtClean="0"/>
-              <a:t>12/7/2011</a:t>
+              <a:t>1/5/2012</a:t>
             </a:fld>
             <a:endParaRPr lang="en-US"/>
           </a:p>
@@ -3403,7 +3404,7 @@
           <a:p>
             <a:fld id="{2E16D3F5-7A2C-4A23-896D-2AF7EDFD4A28}" type="datetimeFigureOut">
               <a:rPr lang="en-US" smtClean="0"/>
-              <a:t>12/7/2011</a:t>
+              <a:t>1/5/2012</a:t>
             </a:fld>
             <a:endParaRPr lang="en-US"/>
           </a:p>
@@ -9422,7 +9423,7 @@
           <a:p>
             <a:fld id="{2E16D3F5-7A2C-4A23-896D-2AF7EDFD4A28}" type="datetimeFigureOut">
               <a:rPr lang="en-US" smtClean="0"/>
-              <a:t>12/7/2011</a:t>
+              <a:t>1/5/2012</a:t>
             </a:fld>
             <a:endParaRPr lang="en-US"/>
           </a:p>
@@ -9681,7 +9682,7 @@
                 </a:solidFill>
               </a:rPr>
               <a:pPr/>
-              <a:t>12/7/2011</a:t>
+              <a:t>1/5/2012</a:t>
             </a:fld>
             <a:endParaRPr lang="en-US">
               <a:solidFill>
@@ -9883,7 +9884,7 @@
                 </a:solidFill>
               </a:rPr>
               <a:pPr/>
-              <a:t>12/7/2011</a:t>
+              <a:t>1/5/2012</a:t>
             </a:fld>
             <a:endParaRPr lang="en-US">
               <a:solidFill>
@@ -10342,7 +10343,7 @@
                 </a:solidFill>
               </a:rPr>
               <a:pPr/>
-              <a:t>12/7/2011</a:t>
+              <a:t>1/5/2012</a:t>
             </a:fld>
             <a:endParaRPr lang="en-US">
               <a:solidFill>
@@ -10662,7 +10663,7 @@
                 </a:solidFill>
               </a:rPr>
               <a:pPr/>
-              <a:t>12/7/2011</a:t>
+              <a:t>1/5/2012</a:t>
             </a:fld>
             <a:endParaRPr lang="en-US">
               <a:solidFill>
@@ -11116,7 +11117,7 @@
                 </a:solidFill>
               </a:rPr>
               <a:pPr/>
-              <a:t>12/7/2011</a:t>
+              <a:t>1/5/2012</a:t>
             </a:fld>
             <a:endParaRPr lang="en-US">
               <a:solidFill>
@@ -11266,7 +11267,7 @@
                 </a:solidFill>
               </a:rPr>
               <a:pPr/>
-              <a:t>12/7/2011</a:t>
+              <a:t>1/5/2012</a:t>
             </a:fld>
             <a:endParaRPr lang="en-US">
               <a:solidFill>
@@ -11393,7 +11394,7 @@
                 </a:solidFill>
               </a:rPr>
               <a:pPr/>
-              <a:t>12/7/2011</a:t>
+              <a:t>1/5/2012</a:t>
             </a:fld>
             <a:endParaRPr lang="en-US">
               <a:solidFill>
@@ -11702,7 +11703,7 @@
                 </a:solidFill>
               </a:rPr>
               <a:pPr/>
-              <a:t>12/7/2011</a:t>
+              <a:t>1/5/2012</a:t>
             </a:fld>
             <a:endParaRPr lang="en-US">
               <a:solidFill>
@@ -11987,7 +11988,7 @@
                 </a:solidFill>
               </a:rPr>
               <a:pPr/>
-              <a:t>12/7/2011</a:t>
+              <a:t>1/5/2012</a:t>
             </a:fld>
             <a:endParaRPr lang="en-US">
               <a:solidFill>
@@ -12189,7 +12190,7 @@
                 </a:solidFill>
               </a:rPr>
               <a:pPr/>
-              <a:t>12/7/2011</a:t>
+              <a:t>1/5/2012</a:t>
             </a:fld>
             <a:endParaRPr lang="en-US">
               <a:solidFill>
@@ -12401,7 +12402,7 @@
                 </a:solidFill>
               </a:rPr>
               <a:pPr/>
-              <a:t>12/7/2011</a:t>
+              <a:t>1/5/2012</a:t>
             </a:fld>
             <a:endParaRPr lang="en-US">
               <a:solidFill>
@@ -15010,7 +15011,7 @@
                 </a:solidFill>
               </a:rPr>
               <a:pPr/>
-              <a:t>12/7/2011</a:t>
+              <a:t>1/5/2012</a:t>
             </a:fld>
             <a:endParaRPr lang="en-US" smtClean="0">
               <a:solidFill>
@@ -21223,6 +21224,139 @@
       </p:par>
     </p:tnLst>
   </p:timing>
+</p:sld>
+</file>
+
+<file path=ppt/slides/slide21.xml><?xml version="1.0" encoding="utf-8"?>
+<p:sld xmlns:a="http://schemas.openxmlformats.org/drawingml/2006/main" xmlns:r="http://schemas.openxmlformats.org/officeDocument/2006/relationships" xmlns:p="http://schemas.openxmlformats.org/presentationml/2006/main">
+  <p:cSld>
+    <p:spTree>
+      <p:nvGrpSpPr>
+        <p:cNvPr id="1" name=""/>
+        <p:cNvGrpSpPr/>
+        <p:nvPr/>
+      </p:nvGrpSpPr>
+      <p:grpSpPr>
+        <a:xfrm>
+          <a:off x="0" y="0"/>
+          <a:ext cx="0" cy="0"/>
+          <a:chOff x="0" y="0"/>
+          <a:chExt cx="0" cy="0"/>
+        </a:xfrm>
+      </p:grpSpPr>
+      <p:sp>
+        <p:nvSpPr>
+          <p:cNvPr id="2" name="Title 1"/>
+          <p:cNvSpPr>
+            <a:spLocks noGrp="1"/>
+          </p:cNvSpPr>
+          <p:nvPr>
+            <p:ph type="title"/>
+          </p:nvPr>
+        </p:nvSpPr>
+        <p:spPr/>
+        <p:txBody>
+          <a:bodyPr/>
+          <a:lstStyle/>
+          <a:p>
+            <a:r>
+              <a:rPr lang="en-US" smtClean="0"/>
+              <a:t>Demo Meeting</a:t>
+            </a:r>
+            <a:endParaRPr lang="en-US"/>
+          </a:p>
+        </p:txBody>
+      </p:sp>
+      <p:sp>
+        <p:nvSpPr>
+          <p:cNvPr id="3" name="Content Placeholder 2"/>
+          <p:cNvSpPr>
+            <a:spLocks noGrp="1"/>
+          </p:cNvSpPr>
+          <p:nvPr>
+            <p:ph idx="1"/>
+          </p:nvPr>
+        </p:nvSpPr>
+        <p:spPr/>
+        <p:txBody>
+          <a:bodyPr>
+            <a:normAutofit lnSpcReduction="10000"/>
+          </a:bodyPr>
+          <a:lstStyle/>
+          <a:p>
+            <a:r>
+              <a:rPr lang="en-US" sz="2400" smtClean="0"/>
+              <a:t>Matching: Nguyên</a:t>
+            </a:r>
+          </a:p>
+          <a:p>
+            <a:pPr lvl="1"/>
+            <a:r>
+              <a:rPr lang="en-US" sz="2000" smtClean="0"/>
+              <a:t>Thuật toán matching: điểm số, ?</a:t>
+            </a:r>
+          </a:p>
+          <a:p>
+            <a:r>
+              <a:rPr lang="en-US" sz="2400" smtClean="0"/>
+              <a:t>Decision Tree</a:t>
+            </a:r>
+          </a:p>
+          <a:p>
+            <a:pPr lvl="1"/>
+            <a:r>
+              <a:rPr lang="en-US" sz="2000" smtClean="0"/>
+              <a:t>Tích hợp giải pháp Decision tree vào core framework</a:t>
+            </a:r>
+          </a:p>
+          <a:p>
+            <a:pPr lvl="1"/>
+            <a:r>
+              <a:rPr lang="en-US" sz="2000" smtClean="0"/>
+              <a:t>Tạo Pivot Decision Tree cho 1 công ty của 1 job</a:t>
+            </a:r>
+          </a:p>
+          <a:p>
+            <a:endParaRPr lang="en-US" sz="2400" smtClean="0"/>
+          </a:p>
+          <a:p>
+            <a:r>
+              <a:rPr lang="en-US" sz="2400" smtClean="0"/>
+              <a:t>Dynamic Resume: Hiếu</a:t>
+            </a:r>
+          </a:p>
+          <a:p>
+            <a:pPr lvl="1"/>
+            <a:r>
+              <a:rPr lang="en-US" sz="2000" smtClean="0"/>
+              <a:t>Dựa vào JobTitle Tree -&gt; Genegrate các Field </a:t>
+            </a:r>
+          </a:p>
+          <a:p>
+            <a:pPr lvl="1"/>
+            <a:r>
+              <a:rPr lang="en-US" sz="2000" smtClean="0"/>
+              <a:t>Dựa vào Decision tree -&gt; Tô đậm, suggest các Field nổi bật</a:t>
+            </a:r>
+          </a:p>
+          <a:p>
+            <a:endParaRPr lang="en-US" sz="2400" smtClean="0"/>
+          </a:p>
+          <a:p>
+            <a:endParaRPr lang="en-US" sz="2400"/>
+          </a:p>
+        </p:txBody>
+      </p:sp>
+    </p:spTree>
+    <p:extLst>
+      <p:ext uri="{BB962C8B-B14F-4D97-AF65-F5344CB8AC3E}">
+        <p14:creationId xmlns:p14="http://schemas.microsoft.com/office/powerpoint/2010/main" val="470183943"/>
+      </p:ext>
+    </p:extLst>
+  </p:cSld>
+  <p:clrMapOvr>
+    <a:masterClrMapping/>
+  </p:clrMapOvr>
 </p:sld>
 </file>
 
